--- a/SoftEngine/doc/SoftwareRender.pptx
+++ b/SoftEngine/doc/SoftwareRender.pptx
@@ -18,24 +18,28 @@
     <p:sldId id="266" r:id="rId12"/>
     <p:sldId id="267" r:id="rId13"/>
     <p:sldId id="271" r:id="rId14"/>
-    <p:sldId id="272" r:id="rId15"/>
-    <p:sldId id="268" r:id="rId16"/>
-    <p:sldId id="269" r:id="rId17"/>
-    <p:sldId id="270" r:id="rId18"/>
-    <p:sldId id="273" r:id="rId19"/>
-    <p:sldId id="274" r:id="rId20"/>
-    <p:sldId id="275" r:id="rId21"/>
-    <p:sldId id="276" r:id="rId22"/>
-    <p:sldId id="277" r:id="rId23"/>
-    <p:sldId id="278" r:id="rId24"/>
-    <p:sldId id="279" r:id="rId25"/>
-    <p:sldId id="280" r:id="rId26"/>
-    <p:sldId id="281" r:id="rId27"/>
-    <p:sldId id="282" r:id="rId28"/>
-    <p:sldId id="284" r:id="rId29"/>
-    <p:sldId id="285" r:id="rId30"/>
-    <p:sldId id="286" r:id="rId31"/>
-    <p:sldId id="287" r:id="rId32"/>
+    <p:sldId id="268" r:id="rId15"/>
+    <p:sldId id="269" r:id="rId16"/>
+    <p:sldId id="270" r:id="rId17"/>
+    <p:sldId id="273" r:id="rId18"/>
+    <p:sldId id="274" r:id="rId19"/>
+    <p:sldId id="275" r:id="rId20"/>
+    <p:sldId id="276" r:id="rId21"/>
+    <p:sldId id="277" r:id="rId22"/>
+    <p:sldId id="278" r:id="rId23"/>
+    <p:sldId id="279" r:id="rId24"/>
+    <p:sldId id="280" r:id="rId25"/>
+    <p:sldId id="281" r:id="rId26"/>
+    <p:sldId id="282" r:id="rId27"/>
+    <p:sldId id="284" r:id="rId28"/>
+    <p:sldId id="285" r:id="rId29"/>
+    <p:sldId id="286" r:id="rId30"/>
+    <p:sldId id="288" r:id="rId31"/>
+    <p:sldId id="289" r:id="rId32"/>
+    <p:sldId id="290" r:id="rId33"/>
+    <p:sldId id="291" r:id="rId34"/>
+    <p:sldId id="287" r:id="rId35"/>
+    <p:sldId id="292" r:id="rId36"/>
   </p:sldIdLst>
   <p:sldSz cx="9144000" cy="6858000" type="screen4x3"/>
   <p:notesSz cx="6858000" cy="9144000"/>
@@ -319,7 +323,7 @@
             <a:fld id="{530820CF-B880-4189-942D-D702A7CBA730}" type="datetimeFigureOut">
               <a:rPr lang="zh-CN" altLang="en-US" smtClean="0"/>
               <a:pPr/>
-              <a:t>2017/7/16</a:t>
+              <a:t>2017/7/17</a:t>
             </a:fld>
             <a:endParaRPr lang="zh-CN" altLang="en-US"/>
           </a:p>
@@ -486,7 +490,7 @@
             <a:fld id="{530820CF-B880-4189-942D-D702A7CBA730}" type="datetimeFigureOut">
               <a:rPr lang="zh-CN" altLang="en-US" smtClean="0"/>
               <a:pPr/>
-              <a:t>2017/7/16</a:t>
+              <a:t>2017/7/17</a:t>
             </a:fld>
             <a:endParaRPr lang="zh-CN" altLang="en-US"/>
           </a:p>
@@ -663,7 +667,7 @@
             <a:fld id="{530820CF-B880-4189-942D-D702A7CBA730}" type="datetimeFigureOut">
               <a:rPr lang="zh-CN" altLang="en-US" smtClean="0"/>
               <a:pPr/>
-              <a:t>2017/7/16</a:t>
+              <a:t>2017/7/17</a:t>
             </a:fld>
             <a:endParaRPr lang="zh-CN" altLang="en-US"/>
           </a:p>
@@ -830,7 +834,7 @@
             <a:fld id="{530820CF-B880-4189-942D-D702A7CBA730}" type="datetimeFigureOut">
               <a:rPr lang="zh-CN" altLang="en-US" smtClean="0"/>
               <a:pPr/>
-              <a:t>2017/7/16</a:t>
+              <a:t>2017/7/17</a:t>
             </a:fld>
             <a:endParaRPr lang="zh-CN" altLang="en-US"/>
           </a:p>
@@ -1073,7 +1077,7 @@
             <a:fld id="{530820CF-B880-4189-942D-D702A7CBA730}" type="datetimeFigureOut">
               <a:rPr lang="zh-CN" altLang="en-US" smtClean="0"/>
               <a:pPr/>
-              <a:t>2017/7/16</a:t>
+              <a:t>2017/7/17</a:t>
             </a:fld>
             <a:endParaRPr lang="zh-CN" altLang="en-US"/>
           </a:p>
@@ -1358,7 +1362,7 @@
             <a:fld id="{530820CF-B880-4189-942D-D702A7CBA730}" type="datetimeFigureOut">
               <a:rPr lang="zh-CN" altLang="en-US" smtClean="0"/>
               <a:pPr/>
-              <a:t>2017/7/16</a:t>
+              <a:t>2017/7/17</a:t>
             </a:fld>
             <a:endParaRPr lang="zh-CN" altLang="en-US"/>
           </a:p>
@@ -1777,7 +1781,7 @@
             <a:fld id="{530820CF-B880-4189-942D-D702A7CBA730}" type="datetimeFigureOut">
               <a:rPr lang="zh-CN" altLang="en-US" smtClean="0"/>
               <a:pPr/>
-              <a:t>2017/7/16</a:t>
+              <a:t>2017/7/17</a:t>
             </a:fld>
             <a:endParaRPr lang="zh-CN" altLang="en-US"/>
           </a:p>
@@ -1892,7 +1896,7 @@
             <a:fld id="{530820CF-B880-4189-942D-D702A7CBA730}" type="datetimeFigureOut">
               <a:rPr lang="zh-CN" altLang="en-US" smtClean="0"/>
               <a:pPr/>
-              <a:t>2017/7/16</a:t>
+              <a:t>2017/7/17</a:t>
             </a:fld>
             <a:endParaRPr lang="zh-CN" altLang="en-US"/>
           </a:p>
@@ -1984,7 +1988,7 @@
             <a:fld id="{530820CF-B880-4189-942D-D702A7CBA730}" type="datetimeFigureOut">
               <a:rPr lang="zh-CN" altLang="en-US" smtClean="0"/>
               <a:pPr/>
-              <a:t>2017/7/16</a:t>
+              <a:t>2017/7/17</a:t>
             </a:fld>
             <a:endParaRPr lang="zh-CN" altLang="en-US"/>
           </a:p>
@@ -2258,7 +2262,7 @@
             <a:fld id="{530820CF-B880-4189-942D-D702A7CBA730}" type="datetimeFigureOut">
               <a:rPr lang="zh-CN" altLang="en-US" smtClean="0"/>
               <a:pPr/>
-              <a:t>2017/7/16</a:t>
+              <a:t>2017/7/17</a:t>
             </a:fld>
             <a:endParaRPr lang="zh-CN" altLang="en-US"/>
           </a:p>
@@ -2508,7 +2512,7 @@
             <a:fld id="{530820CF-B880-4189-942D-D702A7CBA730}" type="datetimeFigureOut">
               <a:rPr lang="zh-CN" altLang="en-US" smtClean="0"/>
               <a:pPr/>
-              <a:t>2017/7/16</a:t>
+              <a:t>2017/7/17</a:t>
             </a:fld>
             <a:endParaRPr lang="zh-CN" altLang="en-US"/>
           </a:p>
@@ -2718,7 +2722,7 @@
             <a:fld id="{530820CF-B880-4189-942D-D702A7CBA730}" type="datetimeFigureOut">
               <a:rPr lang="zh-CN" altLang="en-US" smtClean="0"/>
               <a:pPr/>
-              <a:t>2017/7/16</a:t>
+              <a:t>2017/7/17</a:t>
             </a:fld>
             <a:endParaRPr lang="zh-CN" altLang="en-US"/>
           </a:p>
@@ -3106,11 +3110,7 @@
           <a:p>
             <a:r>
               <a:rPr lang="zh-CN" altLang="en-US" dirty="0" smtClean="0"/>
-              <a:t>软</a:t>
-            </a:r>
-            <a:r>
-              <a:rPr lang="zh-CN" altLang="en-US" dirty="0" smtClean="0"/>
-              <a:t>件渲染</a:t>
+              <a:t>软件渲染</a:t>
             </a:r>
             <a:endParaRPr lang="zh-CN" altLang="en-US" dirty="0"/>
           </a:p>
@@ -3223,6 +3223,11 @@
               <a:rPr lang="en-US" altLang="zh-CN" dirty="0" smtClean="0"/>
               <a:t>	</a:t>
             </a:r>
+          </a:p>
+          <a:p>
+            <a:pPr>
+              <a:buNone/>
+            </a:pPr>
             <a:endParaRPr lang="en-US" altLang="zh-CN" dirty="0" smtClean="0"/>
           </a:p>
           <a:p>
@@ -3241,19 +3246,9 @@
             <a:pPr>
               <a:buNone/>
             </a:pPr>
-            <a:endParaRPr lang="en-US" altLang="zh-CN" dirty="0" smtClean="0"/>
-          </a:p>
-          <a:p>
-            <a:pPr>
-              <a:buNone/>
-            </a:pPr>
-            <a:r>
-              <a:rPr lang="en-US" altLang="zh-CN" dirty="0" smtClean="0"/>
-              <a:t>r</a:t>
-            </a:r>
-            <a:r>
-              <a:rPr lang="en-US" altLang="zh-CN" dirty="0" smtClean="0"/>
-              <a:t>ate = </a:t>
+            <a:r>
+              <a:rPr lang="en-US" altLang="zh-CN" dirty="0" smtClean="0"/>
+              <a:t>rate = </a:t>
             </a:r>
             <a:r>
               <a:rPr lang="en-US" altLang="zh-CN" dirty="0" err="1" smtClean="0"/>
@@ -3336,11 +3331,7 @@
             </a:r>
             <a:r>
               <a:rPr lang="en-US" altLang="zh-CN" dirty="0" smtClean="0"/>
-              <a:t> </a:t>
-            </a:r>
-            <a:r>
-              <a:rPr lang="en-US" altLang="zh-CN" dirty="0" smtClean="0"/>
-              <a:t>= </a:t>
+              <a:t> = </a:t>
             </a:r>
             <a:r>
               <a:rPr lang="en-US" altLang="zh-CN" dirty="0" err="1" smtClean="0"/>
@@ -3356,11 +3347,7 @@
             </a:r>
             <a:r>
               <a:rPr lang="en-US" altLang="zh-CN" dirty="0" smtClean="0"/>
-              <a:t> </a:t>
-            </a:r>
-            <a:r>
-              <a:rPr lang="en-US" altLang="zh-CN" dirty="0" smtClean="0"/>
-              <a:t>* </a:t>
+              <a:t> * </a:t>
             </a:r>
             <a:r>
               <a:rPr lang="en-US" altLang="zh-CN" dirty="0" err="1" smtClean="0"/>
@@ -3418,11 +3405,7 @@
             </a:r>
             <a:r>
               <a:rPr lang="en-US" altLang="zh-CN" baseline="-25000" dirty="0" smtClean="0"/>
-              <a:t> </a:t>
-            </a:r>
-            <a:r>
-              <a:rPr lang="en-US" altLang="zh-CN" baseline="-25000" dirty="0" smtClean="0"/>
-              <a:t> color);</a:t>
+              <a:t>  color);</a:t>
             </a:r>
           </a:p>
           <a:p>
@@ -3696,7 +3679,7 @@
         <p:spPr/>
         <p:txBody>
           <a:bodyPr>
-            <a:normAutofit fontScale="92500" lnSpcReduction="10000"/>
+            <a:normAutofit/>
           </a:bodyPr>
           <a:lstStyle/>
           <a:p>
@@ -3711,85 +3694,149 @@
               <a:buNone/>
             </a:pPr>
             <a:r>
-              <a:rPr lang="en-US" altLang="zh-CN" dirty="0" smtClean="0"/>
+              <a:rPr lang="en-US" altLang="zh-CN" sz="2000" dirty="0" smtClean="0"/>
               <a:t>	</a:t>
             </a:r>
             <a:r>
-              <a:rPr lang="zh-CN" altLang="en-US" dirty="0" smtClean="0"/>
+              <a:rPr lang="zh-CN" altLang="en-US" sz="2000" dirty="0" smtClean="0"/>
               <a:t>有</a:t>
             </a:r>
             <a:r>
-              <a:rPr lang="en-US" altLang="zh-CN" dirty="0" smtClean="0"/>
+              <a:rPr lang="en-US" altLang="zh-CN" sz="2000" dirty="0" smtClean="0"/>
               <a:t>3D</a:t>
             </a:r>
             <a:r>
-              <a:rPr lang="zh-CN" altLang="en-US" dirty="0" smtClean="0"/>
+              <a:rPr lang="zh-CN" altLang="en-US" sz="2000" dirty="0" smtClean="0"/>
               <a:t>坐标系</a:t>
             </a:r>
             <a:r>
-              <a:rPr lang="en-US" altLang="zh-CN" dirty="0" smtClean="0"/>
+              <a:rPr lang="en-US" altLang="zh-CN" sz="2000" dirty="0" smtClean="0"/>
               <a:t>C</a:t>
             </a:r>
             <a:r>
-              <a:rPr lang="zh-CN" altLang="en-US" dirty="0" smtClean="0"/>
+              <a:rPr lang="zh-CN" altLang="en-US" sz="2000" dirty="0" smtClean="0"/>
               <a:t>中的一点</a:t>
             </a:r>
             <a:r>
-              <a:rPr lang="en-US" altLang="zh-CN" dirty="0" smtClean="0"/>
+              <a:rPr lang="en-US" altLang="zh-CN" sz="2000" dirty="0" smtClean="0"/>
               <a:t>P</a:t>
             </a:r>
             <a:r>
-              <a:rPr lang="zh-CN" altLang="en-US" dirty="0" smtClean="0"/>
+              <a:rPr lang="zh-CN" altLang="en-US" sz="2000" dirty="0" smtClean="0"/>
               <a:t>，坐标值</a:t>
             </a:r>
             <a:r>
-              <a:rPr lang="en-US" altLang="zh-CN" dirty="0" smtClean="0"/>
+              <a:rPr lang="en-US" altLang="zh-CN" sz="2000" dirty="0" smtClean="0"/>
               <a:t>&lt;x, y, z&gt;</a:t>
             </a:r>
             <a:r>
-              <a:rPr lang="zh-CN" altLang="en-US" dirty="0" smtClean="0"/>
+              <a:rPr lang="zh-CN" altLang="en-US" sz="2000" dirty="0" smtClean="0"/>
               <a:t>，在另一个</a:t>
             </a:r>
             <a:r>
-              <a:rPr lang="en-US" altLang="zh-CN" dirty="0" smtClean="0"/>
+              <a:rPr lang="en-US" altLang="zh-CN" sz="2000" dirty="0" smtClean="0"/>
               <a:t>3D</a:t>
             </a:r>
             <a:r>
-              <a:rPr lang="zh-CN" altLang="en-US" dirty="0" smtClean="0"/>
+              <a:rPr lang="zh-CN" altLang="en-US" sz="2000" dirty="0" smtClean="0"/>
               <a:t>坐标系</a:t>
             </a:r>
             <a:r>
-              <a:rPr lang="en-US" altLang="zh-CN" dirty="0" smtClean="0"/>
+              <a:rPr lang="en-US" altLang="zh-CN" sz="2000" dirty="0" smtClean="0"/>
               <a:t>C’</a:t>
             </a:r>
             <a:r>
-              <a:rPr lang="zh-CN" altLang="en-US" dirty="0" smtClean="0"/>
+              <a:rPr lang="zh-CN" altLang="en-US" sz="2000" dirty="0" smtClean="0"/>
               <a:t>中，其坐标</a:t>
             </a:r>
             <a:r>
-              <a:rPr lang="en-US" altLang="zh-CN" dirty="0" smtClean="0"/>
+              <a:rPr lang="en-US" altLang="zh-CN" sz="2000" dirty="0" smtClean="0"/>
               <a:t>&lt;x’, y’, z’&gt;</a:t>
             </a:r>
             <a:r>
-              <a:rPr lang="zh-CN" altLang="en-US" dirty="0" smtClean="0"/>
+              <a:rPr lang="zh-CN" altLang="en-US" sz="2000" dirty="0" smtClean="0"/>
               <a:t>可以表示成坐标系</a:t>
             </a:r>
             <a:r>
-              <a:rPr lang="en-US" altLang="zh-CN" dirty="0" smtClean="0"/>
+              <a:rPr lang="en-US" altLang="zh-CN" sz="2000" dirty="0" smtClean="0"/>
               <a:t>C</a:t>
             </a:r>
             <a:r>
-              <a:rPr lang="zh-CN" altLang="en-US" dirty="0" smtClean="0"/>
+              <a:rPr lang="zh-CN" altLang="en-US" sz="2000" dirty="0" smtClean="0"/>
               <a:t>中</a:t>
             </a:r>
             <a:r>
-              <a:rPr lang="en-US" altLang="zh-CN" dirty="0" smtClean="0"/>
+              <a:rPr lang="en-US" altLang="zh-CN" sz="2000" dirty="0" smtClean="0"/>
               <a:t>&lt;x, y, z&gt;</a:t>
             </a:r>
             <a:r>
-              <a:rPr lang="zh-CN" altLang="en-US" dirty="0" smtClean="0"/>
+              <a:rPr lang="zh-CN" altLang="en-US" sz="2000" dirty="0" smtClean="0"/>
               <a:t>的线性函数：</a:t>
             </a:r>
+            <a:endParaRPr lang="en-US" altLang="zh-CN" sz="2000" dirty="0" smtClean="0"/>
+          </a:p>
+          <a:p>
+            <a:pPr>
+              <a:buNone/>
+            </a:pPr>
+            <a:r>
+              <a:rPr lang="en-US" altLang="zh-CN" sz="2000" dirty="0" smtClean="0"/>
+              <a:t>	x’(x, y, z) = U1x + V1y + W1z + T1</a:t>
+            </a:r>
+          </a:p>
+          <a:p>
+            <a:pPr>
+              <a:buNone/>
+            </a:pPr>
+            <a:r>
+              <a:rPr lang="en-US" altLang="zh-CN" sz="2000" dirty="0" smtClean="0"/>
+              <a:t>	y’(x, y, z) = U2x +V2y + W2z + T2</a:t>
+            </a:r>
+          </a:p>
+          <a:p>
+            <a:pPr>
+              <a:buNone/>
+            </a:pPr>
+            <a:r>
+              <a:rPr lang="en-US" altLang="zh-CN" sz="2000" dirty="0" smtClean="0"/>
+              <a:t>	z’(x, y, z) – U3x + V3y + W3z + T3</a:t>
+            </a:r>
+          </a:p>
+          <a:p>
+            <a:pPr>
+              <a:buNone/>
+            </a:pPr>
+            <a:r>
+              <a:rPr lang="en-US" altLang="zh-CN" sz="2000" dirty="0" smtClean="0"/>
+              <a:t>	</a:t>
+            </a:r>
+            <a:r>
+              <a:rPr lang="zh-CN" altLang="en-US" sz="2000" dirty="0" smtClean="0"/>
+              <a:t>上式构成了从坐标系统</a:t>
+            </a:r>
+            <a:r>
+              <a:rPr lang="en-US" altLang="zh-CN" sz="2000" dirty="0" smtClean="0"/>
+              <a:t>C</a:t>
+            </a:r>
+            <a:r>
+              <a:rPr lang="zh-CN" altLang="en-US" sz="2000" dirty="0" smtClean="0"/>
+              <a:t>到坐标系统</a:t>
+            </a:r>
+            <a:r>
+              <a:rPr lang="en-US" altLang="zh-CN" sz="2000" dirty="0" smtClean="0"/>
+              <a:t>C’</a:t>
+            </a:r>
+            <a:r>
+              <a:rPr lang="zh-CN" altLang="en-US" sz="2000" dirty="0" smtClean="0"/>
+              <a:t>的一个线性变换</a:t>
+            </a:r>
+            <a:endParaRPr lang="en-US" altLang="zh-CN" sz="2000" dirty="0" smtClean="0"/>
+          </a:p>
+          <a:p>
+            <a:r>
+              <a:rPr lang="zh-CN" altLang="en-US" dirty="0" smtClean="0"/>
+              <a:t>矩阵形式</a:t>
+            </a:r>
             <a:endParaRPr lang="en-US" altLang="zh-CN" dirty="0" smtClean="0"/>
           </a:p>
           <a:p>
@@ -3801,73 +3848,57 @@
               <a:t>	</a:t>
             </a:r>
             <a:r>
-              <a:rPr lang="en-US" altLang="zh-CN" dirty="0" smtClean="0"/>
-              <a:t>x’(x, y, z) = U1x + V1y + W1z + T1</a:t>
-            </a:r>
-          </a:p>
-          <a:p>
-            <a:pPr>
-              <a:buNone/>
-            </a:pPr>
-            <a:r>
-              <a:rPr lang="en-US" altLang="zh-CN" dirty="0" smtClean="0"/>
-              <a:t>	</a:t>
-            </a:r>
-            <a:r>
-              <a:rPr lang="en-US" altLang="zh-CN" dirty="0" smtClean="0"/>
-              <a:t>y’(x, y, z) = U2x +V2y + W2z + T2</a:t>
-            </a:r>
-          </a:p>
-          <a:p>
-            <a:pPr>
-              <a:buNone/>
-            </a:pPr>
-            <a:r>
-              <a:rPr lang="en-US" altLang="zh-CN" dirty="0" smtClean="0"/>
-              <a:t>	</a:t>
-            </a:r>
-            <a:r>
-              <a:rPr lang="en-US" altLang="zh-CN" dirty="0" smtClean="0"/>
-              <a:t>z’(x, y, z) – U3x + V3y + W3z + T3</a:t>
-            </a:r>
-          </a:p>
-          <a:p>
-            <a:pPr>
-              <a:buNone/>
-            </a:pPr>
-            <a:r>
-              <a:rPr lang="en-US" altLang="zh-CN" dirty="0" smtClean="0"/>
-              <a:t>	</a:t>
-            </a:r>
-            <a:r>
-              <a:rPr lang="zh-CN" altLang="en-US" dirty="0" smtClean="0"/>
-              <a:t>上式构成了从坐标系统</a:t>
-            </a:r>
-            <a:r>
-              <a:rPr lang="en-US" altLang="zh-CN" dirty="0" smtClean="0"/>
-              <a:t>C</a:t>
-            </a:r>
-            <a:r>
-              <a:rPr lang="zh-CN" altLang="en-US" dirty="0" smtClean="0"/>
-              <a:t>到坐标系统</a:t>
-            </a:r>
-            <a:r>
-              <a:rPr lang="en-US" altLang="zh-CN" dirty="0" smtClean="0"/>
-              <a:t>C’</a:t>
-            </a:r>
-            <a:r>
-              <a:rPr lang="zh-CN" altLang="en-US" dirty="0" smtClean="0"/>
-              <a:t>的一个线性变换。</a:t>
-            </a:r>
-            <a:endParaRPr lang="en-US" altLang="zh-CN" dirty="0" smtClean="0"/>
-          </a:p>
-        </p:txBody>
-      </p:sp>
+              <a:rPr lang="zh-CN" altLang="en-US" sz="2000" dirty="0" smtClean="0"/>
+              <a:t>。</a:t>
+            </a:r>
+            <a:endParaRPr lang="en-US" altLang="zh-CN" sz="2000" dirty="0" smtClean="0"/>
+          </a:p>
+        </p:txBody>
+      </p:sp>
+      <p:pic>
+        <p:nvPicPr>
+          <p:cNvPr id="4" name="Picture 2"/>
+          <p:cNvPicPr>
+            <a:picLocks noChangeAspect="1" noChangeArrowheads="1"/>
+          </p:cNvPicPr>
+          <p:nvPr/>
+        </p:nvPicPr>
+        <p:blipFill>
+          <a:blip r:embed="rId2" cstate="print"/>
+          <a:srcRect/>
+          <a:stretch>
+            <a:fillRect/>
+          </a:stretch>
+        </p:blipFill>
+        <p:spPr bwMode="auto">
+          <a:xfrm>
+            <a:off x="1331640" y="5013176"/>
+            <a:ext cx="3456384" cy="1154746"/>
+          </a:xfrm>
+          <a:prstGeom prst="rect">
+            <a:avLst/>
+          </a:prstGeom>
+          <a:noFill/>
+          <a:ln w="9525">
+            <a:noFill/>
+            <a:miter lim="800000"/>
+            <a:headEnd/>
+            <a:tailEnd/>
+          </a:ln>
+        </p:spPr>
+      </p:pic>
     </p:spTree>
   </p:cSld>
   <p:clrMapOvr>
     <a:masterClrMapping/>
   </p:clrMapOvr>
+  <p:timing>
+    <p:tnLst>
+      <p:par>
+        <p:cTn id="1" dur="indefinite" restart="never" nodeType="tmRoot"/>
+      </p:par>
+    </p:tnLst>
+  </p:timing>
 </p:sld>
 </file>
 
@@ -3923,77 +3954,293 @@
         </p:nvSpPr>
         <p:spPr/>
         <p:txBody>
-          <a:bodyPr/>
-          <a:lstStyle/>
-          <a:p>
-            <a:r>
-              <a:rPr lang="zh-CN" altLang="en-US" dirty="0" smtClean="0"/>
-              <a:t>矩</a:t>
-            </a:r>
-            <a:r>
-              <a:rPr lang="zh-CN" altLang="en-US" dirty="0" smtClean="0"/>
-              <a:t>阵形式</a:t>
+          <a:bodyPr>
+            <a:normAutofit fontScale="92500" lnSpcReduction="20000"/>
+          </a:bodyPr>
+          <a:lstStyle/>
+          <a:p>
+            <a:r>
+              <a:rPr lang="en-US" altLang="zh-CN" dirty="0" smtClean="0"/>
+              <a:t> </a:t>
+            </a:r>
+            <a:r>
+              <a:rPr lang="zh-CN" altLang="en-US" dirty="0" smtClean="0"/>
+              <a:t>旋转变换：</a:t>
             </a:r>
             <a:endParaRPr lang="en-US" altLang="zh-CN" dirty="0" smtClean="0"/>
           </a:p>
           <a:p>
+            <a:pPr lvl="1">
+              <a:buNone/>
+            </a:pPr>
+            <a:r>
+              <a:rPr lang="zh-CN" altLang="en-US" dirty="0" smtClean="0"/>
+              <a:t>在</a:t>
+            </a:r>
+            <a:r>
+              <a:rPr lang="en-US" altLang="zh-CN" dirty="0" smtClean="0"/>
+              <a:t>x-y</a:t>
+            </a:r>
+            <a:r>
+              <a:rPr lang="zh-CN" altLang="en-US" dirty="0" smtClean="0"/>
+              <a:t>平面中的一个二维微量将其</a:t>
+            </a:r>
+            <a:r>
+              <a:rPr lang="en-US" altLang="zh-CN" dirty="0" smtClean="0"/>
+              <a:t>x</a:t>
+            </a:r>
+            <a:r>
+              <a:rPr lang="zh-CN" altLang="en-US" dirty="0" smtClean="0"/>
+              <a:t>和</a:t>
+            </a:r>
+            <a:r>
+              <a:rPr lang="en-US" altLang="zh-CN" dirty="0" smtClean="0"/>
+              <a:t>y</a:t>
+            </a:r>
+            <a:r>
+              <a:rPr lang="zh-CN" altLang="en-US" dirty="0" smtClean="0"/>
+              <a:t>坐标变换，并将变换后的</a:t>
+            </a:r>
+            <a:r>
+              <a:rPr lang="en-US" altLang="zh-CN" dirty="0" smtClean="0"/>
+              <a:t>x</a:t>
+            </a:r>
+            <a:r>
+              <a:rPr lang="zh-CN" altLang="en-US" dirty="0" smtClean="0"/>
+              <a:t>坐标取反，即实现向量</a:t>
+            </a:r>
+            <a:r>
+              <a:rPr lang="en-US" altLang="zh-CN" dirty="0" smtClean="0"/>
+              <a:t>P</a:t>
+            </a:r>
+            <a:r>
+              <a:rPr lang="zh-CN" altLang="en-US" dirty="0" smtClean="0"/>
+              <a:t>的</a:t>
+            </a:r>
+            <a:r>
+              <a:rPr lang="en-US" altLang="zh-CN" dirty="0" smtClean="0"/>
+              <a:t>90</a:t>
+            </a:r>
+            <a:r>
+              <a:rPr lang="zh-CN" altLang="en-US" dirty="0" smtClean="0"/>
+              <a:t>度逆时针旋转，旋转后的微量为</a:t>
+            </a:r>
+            <a:r>
+              <a:rPr lang="en-US" altLang="zh-CN" dirty="0" smtClean="0"/>
+              <a:t>Q=&lt;-</a:t>
+            </a:r>
+            <a:r>
+              <a:rPr lang="en-US" altLang="zh-CN" dirty="0" err="1" smtClean="0"/>
+              <a:t>Py</a:t>
+            </a:r>
+            <a:r>
+              <a:rPr lang="en-US" altLang="zh-CN" dirty="0" smtClean="0"/>
+              <a:t>, </a:t>
+            </a:r>
+            <a:r>
+              <a:rPr lang="en-US" altLang="zh-CN" dirty="0" err="1" smtClean="0"/>
+              <a:t>Px</a:t>
+            </a:r>
+            <a:r>
+              <a:rPr lang="en-US" altLang="zh-CN" dirty="0" smtClean="0"/>
+              <a:t>&gt;</a:t>
+            </a:r>
+            <a:r>
+              <a:rPr lang="zh-CN" altLang="en-US" dirty="0" smtClean="0"/>
+              <a:t>，</a:t>
+            </a:r>
+            <a:r>
+              <a:rPr lang="en-US" altLang="zh-CN" dirty="0" smtClean="0"/>
+              <a:t>P</a:t>
+            </a:r>
+            <a:r>
+              <a:rPr lang="zh-CN" altLang="en-US" dirty="0" smtClean="0"/>
+              <a:t>和</a:t>
+            </a:r>
+            <a:r>
+              <a:rPr lang="en-US" altLang="zh-CN" dirty="0" smtClean="0"/>
+              <a:t>Q</a:t>
+            </a:r>
+            <a:r>
+              <a:rPr lang="zh-CN" altLang="en-US" dirty="0" smtClean="0"/>
+              <a:t>组成</a:t>
+            </a:r>
+            <a:r>
+              <a:rPr lang="en-US" altLang="zh-CN" dirty="0" smtClean="0"/>
+              <a:t>x-y</a:t>
+            </a:r>
+            <a:r>
+              <a:rPr lang="zh-CN" altLang="en-US" dirty="0" smtClean="0"/>
+              <a:t>平面的一个正交基。</a:t>
+            </a:r>
+            <a:r>
+              <a:rPr lang="en-US" altLang="zh-CN" dirty="0" smtClean="0"/>
+              <a:t>X-y</a:t>
+            </a:r>
+            <a:r>
+              <a:rPr lang="zh-CN" altLang="en-US" dirty="0" smtClean="0"/>
+              <a:t>平面中的任何向量都可表示成两个微量的线性组合。向量</a:t>
+            </a:r>
+            <a:r>
+              <a:rPr lang="en-US" altLang="zh-CN" dirty="0" smtClean="0"/>
+              <a:t>P</a:t>
+            </a:r>
+            <a:r>
+              <a:rPr lang="zh-CN" altLang="en-US" dirty="0" smtClean="0"/>
+              <a:t>旋转</a:t>
+            </a:r>
+            <a:r>
+              <a:rPr lang="en-US" altLang="zh-CN" dirty="0" smtClean="0"/>
+              <a:t>θ</a:t>
+            </a:r>
+            <a:r>
+              <a:rPr lang="zh-CN" altLang="en-US" dirty="0" smtClean="0"/>
+              <a:t>角后得到</a:t>
+            </a:r>
+            <a:r>
+              <a:rPr lang="en-US" altLang="zh-CN" dirty="0" smtClean="0"/>
+              <a:t>P’, </a:t>
+            </a:r>
+            <a:r>
+              <a:rPr lang="zh-CN" altLang="en-US" dirty="0" smtClean="0"/>
+              <a:t>该微量可由分别与向量</a:t>
+            </a:r>
+            <a:r>
+              <a:rPr lang="en-US" altLang="zh-CN" dirty="0" smtClean="0"/>
+              <a:t>P</a:t>
+            </a:r>
+            <a:r>
+              <a:rPr lang="zh-CN" altLang="en-US" dirty="0" smtClean="0"/>
+              <a:t>和</a:t>
+            </a:r>
+            <a:r>
+              <a:rPr lang="en-US" altLang="zh-CN" dirty="0" smtClean="0"/>
+              <a:t>Q</a:t>
+            </a:r>
+            <a:r>
+              <a:rPr lang="zh-CN" altLang="en-US" dirty="0" smtClean="0"/>
+              <a:t>的平等的两个分量组成，即</a:t>
+            </a:r>
             <a:endParaRPr lang="en-US" altLang="zh-CN" dirty="0" smtClean="0"/>
           </a:p>
           <a:p>
+            <a:pPr lvl="1">
+              <a:buNone/>
+            </a:pPr>
+            <a:r>
+              <a:rPr lang="en-US" altLang="zh-CN" dirty="0" smtClean="0"/>
+              <a:t>			P’ = </a:t>
+            </a:r>
+            <a:r>
+              <a:rPr lang="en-US" altLang="zh-CN" dirty="0" err="1" smtClean="0"/>
+              <a:t>Pcosθ</a:t>
+            </a:r>
+            <a:r>
+              <a:rPr lang="en-US" altLang="zh-CN" dirty="0" smtClean="0"/>
+              <a:t> + </a:t>
+            </a:r>
+            <a:r>
+              <a:rPr lang="en-US" altLang="zh-CN" dirty="0" err="1" smtClean="0"/>
+              <a:t>Qsinθ</a:t>
+            </a:r>
             <a:endParaRPr lang="en-US" altLang="zh-CN" dirty="0" smtClean="0"/>
           </a:p>
           <a:p>
+            <a:pPr lvl="1">
+              <a:buNone/>
+            </a:pPr>
+            <a:r>
+              <a:rPr lang="zh-CN" altLang="en-US" dirty="0" smtClean="0"/>
+              <a:t>向量</a:t>
+            </a:r>
+            <a:r>
+              <a:rPr lang="en-US" altLang="zh-CN" dirty="0" smtClean="0"/>
+              <a:t>P’</a:t>
+            </a:r>
+            <a:r>
+              <a:rPr lang="zh-CN" altLang="en-US" dirty="0" smtClean="0"/>
+              <a:t>的两个分量可以表示为</a:t>
+            </a:r>
             <a:endParaRPr lang="en-US" altLang="zh-CN" dirty="0" smtClean="0"/>
           </a:p>
           <a:p>
-            <a:pPr>
-              <a:buNone/>
-            </a:pPr>
-            <a:r>
-              <a:rPr lang="en-US" altLang="zh-CN" dirty="0" smtClean="0"/>
-              <a:t>	</a:t>
+            <a:pPr lvl="1">
+              <a:buNone/>
+            </a:pPr>
+            <a:r>
+              <a:rPr lang="en-US" altLang="zh-CN" dirty="0" smtClean="0"/>
+              <a:t>			</a:t>
+            </a:r>
+            <a:r>
+              <a:rPr lang="en-US" altLang="zh-CN" dirty="0" err="1" smtClean="0"/>
+              <a:t>P’x</a:t>
+            </a:r>
+            <a:r>
+              <a:rPr lang="en-US" altLang="zh-CN" dirty="0" smtClean="0"/>
+              <a:t> = </a:t>
+            </a:r>
+            <a:r>
+              <a:rPr lang="en-US" altLang="zh-CN" dirty="0" err="1" smtClean="0"/>
+              <a:t>Pxcosθ</a:t>
+            </a:r>
+            <a:r>
+              <a:rPr lang="en-US" altLang="zh-CN" dirty="0" smtClean="0"/>
+              <a:t> – </a:t>
+            </a:r>
+            <a:r>
+              <a:rPr lang="en-US" altLang="zh-CN" dirty="0" err="1" smtClean="0"/>
+              <a:t>Pysinθ</a:t>
+            </a:r>
+            <a:endParaRPr lang="en-US" altLang="zh-CN" dirty="0" smtClean="0"/>
+          </a:p>
+          <a:p>
+            <a:pPr lvl="1">
+              <a:buNone/>
+            </a:pPr>
+            <a:r>
+              <a:rPr lang="en-US" altLang="zh-CN" dirty="0" smtClean="0"/>
+              <a:t>			</a:t>
+            </a:r>
+            <a:r>
+              <a:rPr lang="en-US" altLang="zh-CN" dirty="0" err="1" smtClean="0"/>
+              <a:t>P’y</a:t>
+            </a:r>
+            <a:r>
+              <a:rPr lang="en-US" altLang="zh-CN" dirty="0" smtClean="0"/>
+              <a:t> = </a:t>
+            </a:r>
+            <a:r>
+              <a:rPr lang="en-US" altLang="zh-CN" dirty="0" err="1" smtClean="0"/>
+              <a:t>Pysinθ</a:t>
+            </a:r>
+            <a:r>
+              <a:rPr lang="en-US" altLang="zh-CN" dirty="0" smtClean="0"/>
+              <a:t> + </a:t>
+            </a:r>
+            <a:r>
+              <a:rPr lang="en-US" altLang="zh-CN" dirty="0" err="1" smtClean="0"/>
+              <a:t>Pxcosθ</a:t>
+            </a:r>
+            <a:r>
+              <a:rPr lang="en-US" altLang="zh-CN" dirty="0" smtClean="0"/>
+              <a:t> </a:t>
             </a:r>
             <a:endParaRPr lang="zh-CN" altLang="en-US" dirty="0"/>
           </a:p>
         </p:txBody>
       </p:sp>
-      <p:pic>
-        <p:nvPicPr>
-          <p:cNvPr id="8" name="Picture 3"/>
-          <p:cNvPicPr>
-            <a:picLocks noChangeAspect="1" noChangeArrowheads="1"/>
-          </p:cNvPicPr>
-          <p:nvPr/>
-        </p:nvPicPr>
-        <p:blipFill>
-          <a:blip r:embed="rId2" cstate="print"/>
-          <a:srcRect/>
-          <a:stretch>
-            <a:fillRect/>
-          </a:stretch>
-        </p:blipFill>
-        <p:spPr bwMode="auto">
-          <a:xfrm>
-            <a:off x="1331640" y="2348880"/>
-            <a:ext cx="5400675" cy="1866900"/>
-          </a:xfrm>
-          <a:prstGeom prst="rect">
-            <a:avLst/>
-          </a:prstGeom>
-          <a:noFill/>
-          <a:ln w="9525">
-            <a:noFill/>
-            <a:miter lim="800000"/>
-            <a:headEnd/>
-            <a:tailEnd/>
-          </a:ln>
-        </p:spPr>
-      </p:pic>
     </p:spTree>
   </p:cSld>
   <p:clrMapOvr>
     <a:masterClrMapping/>
   </p:clrMapOvr>
+  <p:timing>
+    <p:tnLst>
+      <p:par>
+        <p:cTn id="1" dur="indefinite" restart="never" nodeType="tmRoot"/>
+      </p:par>
+    </p:tnLst>
+  </p:timing>
 </p:sld>
 </file>
 
@@ -4049,367 +4296,12 @@
         </p:nvSpPr>
         <p:spPr/>
         <p:txBody>
-          <a:bodyPr>
-            <a:normAutofit fontScale="92500" lnSpcReduction="20000"/>
-          </a:bodyPr>
-          <a:lstStyle/>
-          <a:p>
-            <a:r>
-              <a:rPr lang="en-US" altLang="zh-CN" dirty="0" smtClean="0"/>
-              <a:t> </a:t>
-            </a:r>
-            <a:r>
-              <a:rPr lang="zh-CN" altLang="en-US" dirty="0" smtClean="0"/>
-              <a:t>旋转变换：</a:t>
-            </a:r>
-            <a:endParaRPr lang="en-US" altLang="zh-CN" dirty="0" smtClean="0"/>
-          </a:p>
-          <a:p>
-            <a:pPr lvl="1">
-              <a:buNone/>
-            </a:pPr>
-            <a:r>
-              <a:rPr lang="zh-CN" altLang="en-US" dirty="0" smtClean="0"/>
-              <a:t>在</a:t>
-            </a:r>
-            <a:r>
-              <a:rPr lang="en-US" altLang="zh-CN" dirty="0" smtClean="0"/>
-              <a:t>x-y</a:t>
-            </a:r>
-            <a:r>
-              <a:rPr lang="zh-CN" altLang="en-US" dirty="0" smtClean="0"/>
-              <a:t>平面中的一个二维微量将其</a:t>
-            </a:r>
-            <a:r>
-              <a:rPr lang="en-US" altLang="zh-CN" dirty="0" smtClean="0"/>
-              <a:t>x</a:t>
-            </a:r>
-            <a:r>
-              <a:rPr lang="zh-CN" altLang="en-US" dirty="0" smtClean="0"/>
-              <a:t>和</a:t>
-            </a:r>
-            <a:r>
-              <a:rPr lang="en-US" altLang="zh-CN" dirty="0" smtClean="0"/>
-              <a:t>y</a:t>
-            </a:r>
-            <a:r>
-              <a:rPr lang="zh-CN" altLang="en-US" dirty="0" smtClean="0"/>
-              <a:t>坐标变换，并将变换后的</a:t>
-            </a:r>
-            <a:r>
-              <a:rPr lang="en-US" altLang="zh-CN" dirty="0" smtClean="0"/>
-              <a:t>x</a:t>
-            </a:r>
-            <a:r>
-              <a:rPr lang="zh-CN" altLang="en-US" dirty="0" smtClean="0"/>
-              <a:t>坐标取反，即实现向量</a:t>
-            </a:r>
-            <a:r>
-              <a:rPr lang="en-US" altLang="zh-CN" dirty="0" smtClean="0"/>
-              <a:t>P</a:t>
-            </a:r>
-            <a:r>
-              <a:rPr lang="zh-CN" altLang="en-US" dirty="0" smtClean="0"/>
-              <a:t>的</a:t>
-            </a:r>
-            <a:r>
-              <a:rPr lang="en-US" altLang="zh-CN" dirty="0" smtClean="0"/>
-              <a:t>90</a:t>
-            </a:r>
-            <a:r>
-              <a:rPr lang="zh-CN" altLang="en-US" dirty="0" smtClean="0"/>
-              <a:t>度逆时针旋转，旋转后的微量为</a:t>
-            </a:r>
-            <a:r>
-              <a:rPr lang="en-US" altLang="zh-CN" dirty="0" smtClean="0"/>
-              <a:t>Q=&lt;-</a:t>
-            </a:r>
-            <a:r>
-              <a:rPr lang="en-US" altLang="zh-CN" dirty="0" err="1" smtClean="0"/>
-              <a:t>Py</a:t>
-            </a:r>
-            <a:r>
-              <a:rPr lang="en-US" altLang="zh-CN" dirty="0" smtClean="0"/>
-              <a:t>, </a:t>
-            </a:r>
-            <a:r>
-              <a:rPr lang="en-US" altLang="zh-CN" dirty="0" err="1" smtClean="0"/>
-              <a:t>Px</a:t>
-            </a:r>
-            <a:r>
-              <a:rPr lang="en-US" altLang="zh-CN" dirty="0" smtClean="0"/>
-              <a:t>&gt;</a:t>
-            </a:r>
-            <a:r>
-              <a:rPr lang="zh-CN" altLang="en-US" dirty="0" smtClean="0"/>
-              <a:t>，</a:t>
-            </a:r>
-            <a:r>
-              <a:rPr lang="en-US" altLang="zh-CN" dirty="0" smtClean="0"/>
-              <a:t>P</a:t>
-            </a:r>
-            <a:r>
-              <a:rPr lang="zh-CN" altLang="en-US" dirty="0" smtClean="0"/>
-              <a:t>和</a:t>
-            </a:r>
-            <a:r>
-              <a:rPr lang="en-US" altLang="zh-CN" dirty="0" smtClean="0"/>
-              <a:t>Q</a:t>
-            </a:r>
-            <a:r>
-              <a:rPr lang="zh-CN" altLang="en-US" dirty="0" smtClean="0"/>
-              <a:t>组成</a:t>
-            </a:r>
-            <a:r>
-              <a:rPr lang="en-US" altLang="zh-CN" dirty="0" smtClean="0"/>
-              <a:t>x-y</a:t>
-            </a:r>
-            <a:r>
-              <a:rPr lang="zh-CN" altLang="en-US" dirty="0" smtClean="0"/>
-              <a:t>平面的一个正交基。</a:t>
-            </a:r>
-            <a:r>
-              <a:rPr lang="en-US" altLang="zh-CN" dirty="0" smtClean="0"/>
-              <a:t>X-y</a:t>
-            </a:r>
-            <a:r>
-              <a:rPr lang="zh-CN" altLang="en-US" dirty="0" smtClean="0"/>
-              <a:t>平面中的任何向量都可表示成两个微量的线性组合。向量</a:t>
-            </a:r>
-            <a:r>
-              <a:rPr lang="en-US" altLang="zh-CN" dirty="0" smtClean="0"/>
-              <a:t>P</a:t>
-            </a:r>
-            <a:r>
-              <a:rPr lang="zh-CN" altLang="en-US" dirty="0" smtClean="0"/>
-              <a:t>旋转</a:t>
-            </a:r>
-            <a:r>
-              <a:rPr lang="en-US" altLang="zh-CN" dirty="0" smtClean="0"/>
-              <a:t>θ</a:t>
-            </a:r>
-            <a:r>
-              <a:rPr lang="zh-CN" altLang="en-US" dirty="0" smtClean="0"/>
-              <a:t>角后得到</a:t>
-            </a:r>
-            <a:r>
-              <a:rPr lang="en-US" altLang="zh-CN" dirty="0" smtClean="0"/>
-              <a:t>P’, </a:t>
-            </a:r>
-            <a:r>
-              <a:rPr lang="zh-CN" altLang="en-US" dirty="0" smtClean="0"/>
-              <a:t>该微量可由分别与向量</a:t>
-            </a:r>
-            <a:r>
-              <a:rPr lang="en-US" altLang="zh-CN" dirty="0" smtClean="0"/>
-              <a:t>P</a:t>
-            </a:r>
-            <a:r>
-              <a:rPr lang="zh-CN" altLang="en-US" dirty="0" smtClean="0"/>
-              <a:t>和</a:t>
-            </a:r>
-            <a:r>
-              <a:rPr lang="en-US" altLang="zh-CN" dirty="0" smtClean="0"/>
-              <a:t>Q</a:t>
-            </a:r>
-            <a:r>
-              <a:rPr lang="zh-CN" altLang="en-US" dirty="0" smtClean="0"/>
-              <a:t>的平等的两个分量组成，即</a:t>
-            </a:r>
-            <a:endParaRPr lang="en-US" altLang="zh-CN" dirty="0" smtClean="0"/>
-          </a:p>
-          <a:p>
-            <a:pPr lvl="1">
-              <a:buNone/>
-            </a:pPr>
-            <a:r>
-              <a:rPr lang="en-US" altLang="zh-CN" dirty="0" smtClean="0"/>
-              <a:t>	</a:t>
-            </a:r>
-            <a:r>
-              <a:rPr lang="en-US" altLang="zh-CN" dirty="0" smtClean="0"/>
-              <a:t>		P’ = </a:t>
-            </a:r>
-            <a:r>
-              <a:rPr lang="en-US" altLang="zh-CN" dirty="0" err="1" smtClean="0"/>
-              <a:t>Pcosθ</a:t>
-            </a:r>
-            <a:r>
-              <a:rPr lang="en-US" altLang="zh-CN" dirty="0" smtClean="0"/>
-              <a:t> + </a:t>
-            </a:r>
-            <a:r>
-              <a:rPr lang="en-US" altLang="zh-CN" dirty="0" err="1" smtClean="0"/>
-              <a:t>Qsinθ</a:t>
-            </a:r>
-            <a:endParaRPr lang="en-US" altLang="zh-CN" dirty="0" smtClean="0"/>
-          </a:p>
-          <a:p>
-            <a:pPr lvl="1">
-              <a:buNone/>
-            </a:pPr>
-            <a:r>
-              <a:rPr lang="zh-CN" altLang="en-US" dirty="0" smtClean="0"/>
-              <a:t>向</a:t>
-            </a:r>
-            <a:r>
-              <a:rPr lang="zh-CN" altLang="en-US" dirty="0" smtClean="0"/>
-              <a:t>量</a:t>
-            </a:r>
-            <a:r>
-              <a:rPr lang="en-US" altLang="zh-CN" dirty="0" smtClean="0"/>
-              <a:t>P’</a:t>
-            </a:r>
-            <a:r>
-              <a:rPr lang="zh-CN" altLang="en-US" dirty="0" smtClean="0"/>
-              <a:t>的两个分量可以表示为</a:t>
-            </a:r>
-            <a:endParaRPr lang="en-US" altLang="zh-CN" dirty="0" smtClean="0"/>
-          </a:p>
-          <a:p>
-            <a:pPr lvl="1">
-              <a:buNone/>
-            </a:pPr>
-            <a:r>
-              <a:rPr lang="en-US" altLang="zh-CN" dirty="0" smtClean="0"/>
-              <a:t>	</a:t>
-            </a:r>
-            <a:r>
-              <a:rPr lang="en-US" altLang="zh-CN" dirty="0" smtClean="0"/>
-              <a:t>		</a:t>
-            </a:r>
-            <a:r>
-              <a:rPr lang="en-US" altLang="zh-CN" dirty="0" err="1" smtClean="0"/>
-              <a:t>P’x</a:t>
-            </a:r>
-            <a:r>
-              <a:rPr lang="en-US" altLang="zh-CN" dirty="0" smtClean="0"/>
-              <a:t> = </a:t>
-            </a:r>
-            <a:r>
-              <a:rPr lang="en-US" altLang="zh-CN" dirty="0" err="1" smtClean="0"/>
-              <a:t>Pxcosθ</a:t>
-            </a:r>
-            <a:r>
-              <a:rPr lang="en-US" altLang="zh-CN" dirty="0" smtClean="0"/>
-              <a:t> – </a:t>
-            </a:r>
-            <a:r>
-              <a:rPr lang="en-US" altLang="zh-CN" dirty="0" err="1" smtClean="0"/>
-              <a:t>Pysinθ</a:t>
-            </a:r>
-            <a:endParaRPr lang="en-US" altLang="zh-CN" dirty="0" smtClean="0"/>
-          </a:p>
-          <a:p>
-            <a:pPr lvl="1">
-              <a:buNone/>
-            </a:pPr>
-            <a:r>
-              <a:rPr lang="en-US" altLang="zh-CN" dirty="0" smtClean="0"/>
-              <a:t>	</a:t>
-            </a:r>
-            <a:r>
-              <a:rPr lang="en-US" altLang="zh-CN" dirty="0" smtClean="0"/>
-              <a:t>		</a:t>
-            </a:r>
-            <a:r>
-              <a:rPr lang="en-US" altLang="zh-CN" dirty="0" err="1" smtClean="0"/>
-              <a:t>P’y</a:t>
-            </a:r>
-            <a:r>
-              <a:rPr lang="en-US" altLang="zh-CN" dirty="0" smtClean="0"/>
-              <a:t> = </a:t>
-            </a:r>
-            <a:r>
-              <a:rPr lang="en-US" altLang="zh-CN" dirty="0" err="1" smtClean="0"/>
-              <a:t>Pysinθ</a:t>
-            </a:r>
-            <a:r>
-              <a:rPr lang="en-US" altLang="zh-CN" dirty="0" smtClean="0"/>
-              <a:t> + </a:t>
-            </a:r>
-            <a:r>
-              <a:rPr lang="en-US" altLang="zh-CN" dirty="0" err="1" smtClean="0"/>
-              <a:t>Pxcosθ</a:t>
-            </a:r>
-            <a:r>
-              <a:rPr lang="en-US" altLang="zh-CN" dirty="0" smtClean="0"/>
-              <a:t> </a:t>
-            </a:r>
-            <a:endParaRPr lang="zh-CN" altLang="en-US" dirty="0"/>
-          </a:p>
-        </p:txBody>
-      </p:sp>
-    </p:spTree>
-  </p:cSld>
-  <p:clrMapOvr>
-    <a:masterClrMapping/>
-  </p:clrMapOvr>
-</p:sld>
-</file>
-
-<file path=ppt/slides/slide16.xml><?xml version="1.0" encoding="utf-8"?>
-<p:sld xmlns:a="http://schemas.openxmlformats.org/drawingml/2006/main" xmlns:r="http://schemas.openxmlformats.org/officeDocument/2006/relationships" xmlns:p="http://schemas.openxmlformats.org/presentationml/2006/main">
-  <p:cSld>
-    <p:spTree>
-      <p:nvGrpSpPr>
-        <p:cNvPr id="1" name=""/>
-        <p:cNvGrpSpPr/>
-        <p:nvPr/>
-      </p:nvGrpSpPr>
-      <p:grpSpPr>
-        <a:xfrm>
-          <a:off x="0" y="0"/>
-          <a:ext cx="0" cy="0"/>
-          <a:chOff x="0" y="0"/>
-          <a:chExt cx="0" cy="0"/>
-        </a:xfrm>
-      </p:grpSpPr>
-      <p:sp>
-        <p:nvSpPr>
-          <p:cNvPr id="2" name="标题 1"/>
-          <p:cNvSpPr>
-            <a:spLocks noGrp="1"/>
-          </p:cNvSpPr>
-          <p:nvPr>
-            <p:ph type="title"/>
-          </p:nvPr>
-        </p:nvSpPr>
-        <p:spPr/>
-        <p:txBody>
-          <a:bodyPr/>
-          <a:lstStyle/>
-          <a:p>
-            <a:r>
-              <a:rPr lang="zh-CN" altLang="en-US" dirty="0" smtClean="0"/>
-              <a:t>坐标变换流程</a:t>
-            </a:r>
-            <a:endParaRPr lang="zh-CN" altLang="en-US" dirty="0"/>
-          </a:p>
-        </p:txBody>
-      </p:sp>
-      <p:sp>
-        <p:nvSpPr>
-          <p:cNvPr id="3" name="内容占位符 2"/>
-          <p:cNvSpPr>
-            <a:spLocks noGrp="1"/>
-          </p:cNvSpPr>
-          <p:nvPr>
-            <p:ph idx="1"/>
-          </p:nvPr>
-        </p:nvSpPr>
-        <p:spPr/>
-        <p:txBody>
-          <a:bodyPr/>
-          <a:lstStyle/>
-          <a:p>
-            <a:r>
-              <a:rPr lang="zh-CN" altLang="en-US" dirty="0" smtClean="0"/>
-              <a:t>矩</a:t>
-            </a:r>
-            <a:r>
-              <a:rPr lang="zh-CN" altLang="en-US" dirty="0" smtClean="0"/>
-              <a:t>阵形式</a:t>
+          <a:bodyPr/>
+          <a:lstStyle/>
+          <a:p>
+            <a:r>
+              <a:rPr lang="zh-CN" altLang="en-US" dirty="0" smtClean="0"/>
+              <a:t>矩阵形式</a:t>
             </a:r>
             <a:endParaRPr lang="en-US" altLang="zh-CN" dirty="0" smtClean="0"/>
           </a:p>
@@ -4441,17 +4333,8 @@
             </a:pPr>
             <a:r>
               <a:rPr lang="en-US" altLang="zh-CN" dirty="0" smtClean="0"/>
-              <a:t>	 P’ =</a:t>
-            </a:r>
-            <a:r>
-              <a:rPr lang="en-US" altLang="zh-CN" dirty="0" smtClean="0"/>
-              <a:t>  			 </a:t>
-            </a:r>
-            <a:r>
-              <a:rPr lang="en-US" altLang="zh-CN" dirty="0" smtClean="0"/>
-              <a:t>P</a:t>
-            </a:r>
-            <a:endParaRPr lang="en-US" altLang="zh-CN" dirty="0" smtClean="0"/>
+              <a:t>	 P’ =  			 P</a:t>
+            </a:r>
           </a:p>
           <a:p>
             <a:pPr lvl="1">
@@ -4459,11 +4342,7 @@
             </a:pPr>
             <a:r>
               <a:rPr lang="en-US" altLang="zh-CN" dirty="0" smtClean="0"/>
-              <a:t>	</a:t>
-            </a:r>
-            <a:r>
-              <a:rPr lang="en-US" altLang="zh-CN" dirty="0" smtClean="0"/>
-              <a:t>		</a:t>
+              <a:t>			</a:t>
             </a:r>
             <a:r>
               <a:rPr lang="en-US" altLang="zh-CN" dirty="0" err="1" smtClean="0"/>
@@ -4475,11 +4354,7 @@
             </a:r>
             <a:r>
               <a:rPr lang="en-US" altLang="zh-CN" dirty="0" err="1" smtClean="0"/>
-              <a:t>cos</a:t>
-            </a:r>
-            <a:r>
-              <a:rPr lang="en-US" altLang="zh-CN" dirty="0" err="1" smtClean="0"/>
-              <a:t>θ</a:t>
+              <a:t>cosθ</a:t>
             </a:r>
             <a:r>
               <a:rPr lang="en-US" altLang="zh-CN" dirty="0" smtClean="0"/>
@@ -4676,7 +4551,7 @@
 </p:sld>
 </file>
 
-<file path=ppt/slides/slide17.xml><?xml version="1.0" encoding="utf-8"?>
+<file path=ppt/slides/slide16.xml><?xml version="1.0" encoding="utf-8"?>
 <p:sld xmlns:a="http://schemas.openxmlformats.org/drawingml/2006/main" xmlns:r="http://schemas.openxmlformats.org/officeDocument/2006/relationships" xmlns:p="http://schemas.openxmlformats.org/presentationml/2006/main">
   <p:cSld>
     <p:spTree>
@@ -4763,15 +4638,7 @@
             </a:r>
             <a:r>
               <a:rPr lang="zh-CN" altLang="en-US" sz="2000" dirty="0" smtClean="0"/>
-              <a:t>角，旋转轴为单位</a:t>
-            </a:r>
-            <a:r>
-              <a:rPr lang="zh-CN" altLang="en-US" sz="2000" dirty="0" smtClean="0"/>
-              <a:t>向</a:t>
-            </a:r>
-            <a:r>
-              <a:rPr lang="zh-CN" altLang="en-US" sz="2000" dirty="0" smtClean="0"/>
-              <a:t>量</a:t>
+              <a:t>角，旋转轴为单位向量</a:t>
             </a:r>
             <a:r>
               <a:rPr lang="en-US" altLang="zh-CN" sz="2000" dirty="0" smtClean="0"/>
@@ -4819,11 +4686,7 @@
             </a:r>
             <a:r>
               <a:rPr lang="zh-CN" altLang="en-US" sz="2000" dirty="0" smtClean="0"/>
-              <a:t>垂</a:t>
-            </a:r>
-            <a:r>
-              <a:rPr lang="zh-CN" altLang="en-US" sz="2000" dirty="0" smtClean="0"/>
-              <a:t>直分量的旋转问题。</a:t>
+              <a:t>垂直分量的旋转问题。</a:t>
             </a:r>
             <a:endParaRPr lang="zh-CN" altLang="en-US" sz="2000" dirty="0"/>
           </a:p>
@@ -4869,7 +4732,7 @@
 </p:sld>
 </file>
 
-<file path=ppt/slides/slide18.xml><?xml version="1.0" encoding="utf-8"?>
+<file path=ppt/slides/slide17.xml><?xml version="1.0" encoding="utf-8"?>
 <p:sld xmlns:a="http://schemas.openxmlformats.org/drawingml/2006/main" xmlns:r="http://schemas.openxmlformats.org/officeDocument/2006/relationships" xmlns:p="http://schemas.openxmlformats.org/presentationml/2006/main">
   <p:cSld>
     <p:spTree>
@@ -4975,11 +4838,7 @@
             </a:pPr>
             <a:r>
               <a:rPr lang="en-US" altLang="zh-CN" dirty="0" smtClean="0"/>
-              <a:t>	</a:t>
-            </a:r>
-            <a:r>
-              <a:rPr lang="en-US" altLang="zh-CN" dirty="0" smtClean="0"/>
-              <a:t>	[p – (AP)A]</a:t>
+              <a:t>		[p – (AP)A]</a:t>
             </a:r>
             <a:r>
               <a:rPr lang="en-US" altLang="zh-CN" dirty="0" err="1" smtClean="0"/>
@@ -5039,11 +4898,7 @@
             </a:pPr>
             <a:r>
               <a:rPr lang="en-US" altLang="zh-CN" dirty="0" smtClean="0"/>
-              <a:t>	</a:t>
-            </a:r>
-            <a:r>
-              <a:rPr lang="en-US" altLang="zh-CN" dirty="0" smtClean="0"/>
-              <a:t>	P’ = </a:t>
+              <a:t>		P’ = </a:t>
             </a:r>
             <a:r>
               <a:rPr lang="en-US" altLang="zh-CN" dirty="0" err="1" smtClean="0"/>
@@ -5071,11 +4926,7 @@
             </a:r>
             <a:r>
               <a:rPr lang="en-US" altLang="zh-CN" dirty="0" err="1" smtClean="0"/>
-              <a:t>cos</a:t>
-            </a:r>
-            <a:r>
-              <a:rPr lang="en-US" altLang="zh-CN" dirty="0" err="1" smtClean="0"/>
-              <a:t>θ</a:t>
+              <a:t>cosθ</a:t>
             </a:r>
             <a:r>
               <a:rPr lang="en-US" altLang="zh-CN" dirty="0" smtClean="0"/>
@@ -5093,7 +4944,7 @@
 </p:sld>
 </file>
 
-<file path=ppt/slides/slide19.xml><?xml version="1.0" encoding="utf-8"?>
+<file path=ppt/slides/slide18.xml><?xml version="1.0" encoding="utf-8"?>
 <p:sld xmlns:a="http://schemas.openxmlformats.org/drawingml/2006/main" xmlns:r="http://schemas.openxmlformats.org/officeDocument/2006/relationships" xmlns:p="http://schemas.openxmlformats.org/presentationml/2006/main">
   <p:cSld>
     <p:spTree>
@@ -5244,6 +5095,235 @@
 </p:sld>
 </file>
 
+<file path=ppt/slides/slide19.xml><?xml version="1.0" encoding="utf-8"?>
+<p:sld xmlns:a="http://schemas.openxmlformats.org/drawingml/2006/main" xmlns:r="http://schemas.openxmlformats.org/officeDocument/2006/relationships" xmlns:p="http://schemas.openxmlformats.org/presentationml/2006/main">
+  <p:cSld>
+    <p:spTree>
+      <p:nvGrpSpPr>
+        <p:cNvPr id="1" name=""/>
+        <p:cNvGrpSpPr/>
+        <p:nvPr/>
+      </p:nvGrpSpPr>
+      <p:grpSpPr>
+        <a:xfrm>
+          <a:off x="0" y="0"/>
+          <a:ext cx="0" cy="0"/>
+          <a:chOff x="0" y="0"/>
+          <a:chExt cx="0" cy="0"/>
+        </a:xfrm>
+      </p:grpSpPr>
+      <p:sp>
+        <p:nvSpPr>
+          <p:cNvPr id="2" name="标题 1"/>
+          <p:cNvSpPr>
+            <a:spLocks noGrp="1"/>
+          </p:cNvSpPr>
+          <p:nvPr>
+            <p:ph type="title"/>
+          </p:nvPr>
+        </p:nvSpPr>
+        <p:spPr/>
+        <p:txBody>
+          <a:bodyPr/>
+          <a:lstStyle/>
+          <a:p>
+            <a:r>
+              <a:rPr lang="zh-CN" altLang="en-US" dirty="0" smtClean="0"/>
+              <a:t>坐标变换流程</a:t>
+            </a:r>
+            <a:endParaRPr lang="zh-CN" altLang="en-US" dirty="0"/>
+          </a:p>
+        </p:txBody>
+      </p:sp>
+      <p:sp>
+        <p:nvSpPr>
+          <p:cNvPr id="3" name="内容占位符 2"/>
+          <p:cNvSpPr>
+            <a:spLocks noGrp="1"/>
+          </p:cNvSpPr>
+          <p:nvPr>
+            <p:ph idx="1"/>
+          </p:nvPr>
+        </p:nvSpPr>
+        <p:spPr/>
+        <p:txBody>
+          <a:bodyPr>
+            <a:normAutofit fontScale="92500" lnSpcReduction="20000"/>
+          </a:bodyPr>
+          <a:lstStyle/>
+          <a:p>
+            <a:r>
+              <a:rPr lang="zh-CN" altLang="en-US" dirty="0" smtClean="0"/>
+              <a:t>变换到摄像机坐标系</a:t>
+            </a:r>
+            <a:endParaRPr lang="en-US" altLang="zh-CN" dirty="0" smtClean="0"/>
+          </a:p>
+          <a:p>
+            <a:pPr>
+              <a:buNone/>
+            </a:pPr>
+            <a:r>
+              <a:rPr lang="en-US" altLang="zh-CN" dirty="0" smtClean="0"/>
+              <a:t>	</a:t>
+            </a:r>
+            <a:r>
+              <a:rPr lang="zh-CN" altLang="en-US" dirty="0" smtClean="0"/>
+              <a:t>通常，我们通过三个量来构建一个摄像机矩阵即，摄像机的位置</a:t>
+            </a:r>
+            <a:r>
+              <a:rPr lang="en-US" altLang="zh-CN" dirty="0" smtClean="0"/>
+              <a:t>pos</a:t>
+            </a:r>
+            <a:r>
+              <a:rPr lang="zh-CN" altLang="en-US" dirty="0" smtClean="0"/>
+              <a:t>、方向</a:t>
+            </a:r>
+            <a:r>
+              <a:rPr lang="en-US" altLang="zh-CN" dirty="0" smtClean="0"/>
+              <a:t>dir</a:t>
+            </a:r>
+            <a:r>
+              <a:rPr lang="zh-CN" altLang="en-US" dirty="0" smtClean="0"/>
+              <a:t>、向上</a:t>
+            </a:r>
+            <a:r>
+              <a:rPr lang="en-US" altLang="zh-CN" dirty="0" smtClean="0"/>
+              <a:t>up</a:t>
+            </a:r>
+            <a:r>
+              <a:rPr lang="zh-CN" altLang="en-US" dirty="0" smtClean="0"/>
+              <a:t>向量。在右手坐标系统中，摄像机方向指向其本身坐标的</a:t>
+            </a:r>
+            <a:r>
+              <a:rPr lang="en-US" altLang="zh-CN" dirty="0" smtClean="0"/>
+              <a:t>-z</a:t>
+            </a:r>
+            <a:r>
+              <a:rPr lang="zh-CN" altLang="en-US" dirty="0" smtClean="0"/>
+              <a:t>方向，于是</a:t>
+            </a:r>
+            <a:endParaRPr lang="en-US" altLang="zh-CN" dirty="0" smtClean="0"/>
+          </a:p>
+          <a:p>
+            <a:pPr>
+              <a:buNone/>
+            </a:pPr>
+            <a:r>
+              <a:rPr lang="en-US" altLang="zh-CN" dirty="0" smtClean="0"/>
+              <a:t>		</a:t>
+            </a:r>
+            <a:r>
+              <a:rPr lang="en-US" altLang="zh-CN" dirty="0" err="1" smtClean="0"/>
+              <a:t>zaxis</a:t>
+            </a:r>
+            <a:r>
+              <a:rPr lang="en-US" altLang="zh-CN" dirty="0" smtClean="0"/>
+              <a:t> = -dir;</a:t>
+            </a:r>
+          </a:p>
+          <a:p>
+            <a:pPr>
+              <a:buNone/>
+            </a:pPr>
+            <a:r>
+              <a:rPr lang="en-US" altLang="zh-CN" dirty="0" smtClean="0"/>
+              <a:t>		</a:t>
+            </a:r>
+            <a:r>
+              <a:rPr lang="en-US" altLang="zh-CN" dirty="0" err="1" smtClean="0"/>
+              <a:t>xaxis</a:t>
+            </a:r>
+            <a:r>
+              <a:rPr lang="en-US" altLang="zh-CN" dirty="0" smtClean="0"/>
+              <a:t> = </a:t>
+            </a:r>
+            <a:r>
+              <a:rPr lang="en-US" altLang="zh-CN" dirty="0" err="1" smtClean="0"/>
+              <a:t>up.crossProduct</a:t>
+            </a:r>
+            <a:r>
+              <a:rPr lang="en-US" altLang="zh-CN" dirty="0" smtClean="0"/>
+              <a:t>(</a:t>
+            </a:r>
+            <a:r>
+              <a:rPr lang="en-US" altLang="zh-CN" dirty="0" err="1" smtClean="0"/>
+              <a:t>zaxis</a:t>
+            </a:r>
+            <a:r>
+              <a:rPr lang="en-US" altLang="zh-CN" dirty="0" smtClean="0"/>
+              <a:t>);</a:t>
+            </a:r>
+          </a:p>
+          <a:p>
+            <a:pPr>
+              <a:buNone/>
+            </a:pPr>
+            <a:r>
+              <a:rPr lang="en-US" altLang="zh-CN" dirty="0" smtClean="0"/>
+              <a:t>		</a:t>
+            </a:r>
+            <a:r>
+              <a:rPr lang="en-US" altLang="zh-CN" dirty="0" err="1" smtClean="0"/>
+              <a:t>yaxis</a:t>
+            </a:r>
+            <a:r>
+              <a:rPr lang="en-US" altLang="zh-CN" dirty="0" smtClean="0"/>
+              <a:t> = </a:t>
+            </a:r>
+            <a:r>
+              <a:rPr lang="en-US" altLang="zh-CN" dirty="0" err="1" smtClean="0"/>
+              <a:t>zaxis.crossProduct</a:t>
+            </a:r>
+            <a:r>
+              <a:rPr lang="en-US" altLang="zh-CN" dirty="0" smtClean="0"/>
+              <a:t>(</a:t>
+            </a:r>
+            <a:r>
+              <a:rPr lang="en-US" altLang="zh-CN" dirty="0" err="1" smtClean="0"/>
+              <a:t>xaxis</a:t>
+            </a:r>
+            <a:r>
+              <a:rPr lang="en-US" altLang="zh-CN" dirty="0" smtClean="0"/>
+              <a:t>);</a:t>
+            </a:r>
+          </a:p>
+          <a:p>
+            <a:pPr>
+              <a:buNone/>
+            </a:pPr>
+            <a:r>
+              <a:rPr lang="en-US" altLang="zh-CN" dirty="0" smtClean="0"/>
+              <a:t>	</a:t>
+            </a:r>
+            <a:r>
+              <a:rPr lang="zh-CN" altLang="en-US" dirty="0" smtClean="0"/>
+              <a:t>知道摄像机的三个坐标轴，就可以通过线性变换，将世界坐标系变换到摄像机坐标系。</a:t>
+            </a:r>
+            <a:endParaRPr lang="en-US" altLang="zh-CN" dirty="0" smtClean="0"/>
+          </a:p>
+          <a:p>
+            <a:pPr>
+              <a:buNone/>
+            </a:pPr>
+            <a:endParaRPr lang="zh-CN" altLang="en-US" dirty="0"/>
+          </a:p>
+        </p:txBody>
+      </p:sp>
+    </p:spTree>
+  </p:cSld>
+  <p:clrMapOvr>
+    <a:masterClrMapping/>
+  </p:clrMapOvr>
+  <p:timing>
+    <p:tnLst>
+      <p:par>
+        <p:cTn id="1" dur="indefinite" restart="never" nodeType="tmRoot"/>
+      </p:par>
+    </p:tnLst>
+  </p:timing>
+</p:sld>
+</file>
+
 <file path=ppt/slides/slide2.xml><?xml version="1.0" encoding="utf-8"?>
 <p:sld xmlns:a="http://schemas.openxmlformats.org/drawingml/2006/main" xmlns:r="http://schemas.openxmlformats.org/officeDocument/2006/relationships" xmlns:p="http://schemas.openxmlformats.org/presentationml/2006/main">
   <p:cSld>
@@ -5310,26 +5390,14 @@
           <a:p>
             <a:r>
               <a:rPr lang="zh-CN" altLang="en-US" dirty="0" smtClean="0"/>
-              <a:t>目</a:t>
-            </a:r>
-            <a:r>
-              <a:rPr lang="zh-CN" altLang="en-US" dirty="0" smtClean="0"/>
-              <a:t>的与意义</a:t>
+              <a:t>目的与意义</a:t>
             </a:r>
             <a:endParaRPr lang="en-US" altLang="zh-CN" dirty="0" smtClean="0"/>
           </a:p>
           <a:p>
             <a:r>
               <a:rPr lang="zh-CN" altLang="en-US" dirty="0" smtClean="0"/>
-              <a:t>计</a:t>
-            </a:r>
-            <a:r>
-              <a:rPr lang="zh-CN" altLang="en-US" dirty="0" smtClean="0"/>
-              <a:t>算</a:t>
-            </a:r>
-            <a:r>
-              <a:rPr lang="zh-CN" altLang="en-US" dirty="0" smtClean="0"/>
-              <a:t>机图形系统工作原理</a:t>
+              <a:t>计算机图形系统工作原理</a:t>
             </a:r>
             <a:endParaRPr lang="en-US" altLang="zh-CN" dirty="0" smtClean="0"/>
           </a:p>
@@ -5340,11 +5408,7 @@
             </a:r>
             <a:r>
               <a:rPr lang="zh-CN" altLang="en-US" dirty="0" smtClean="0"/>
-              <a:t>平台</a:t>
-            </a:r>
-            <a:r>
-              <a:rPr lang="zh-CN" altLang="en-US" dirty="0" smtClean="0"/>
-              <a:t>下关键</a:t>
+              <a:t>平台下关键</a:t>
             </a:r>
             <a:r>
               <a:rPr lang="en-US" altLang="zh-CN" dirty="0" smtClean="0"/>
@@ -5359,33 +5423,21 @@
           <a:p>
             <a:r>
               <a:rPr lang="zh-CN" altLang="en-US" dirty="0" smtClean="0"/>
-              <a:t>绘</a:t>
-            </a:r>
-            <a:r>
-              <a:rPr lang="zh-CN" altLang="en-US" dirty="0" smtClean="0"/>
-              <a:t>制第一个三角形</a:t>
+              <a:t>绘制第一个三角形</a:t>
             </a:r>
             <a:endParaRPr lang="en-US" altLang="zh-CN" dirty="0" smtClean="0"/>
           </a:p>
           <a:p>
             <a:r>
               <a:rPr lang="zh-CN" altLang="en-US" dirty="0" smtClean="0"/>
-              <a:t>图</a:t>
-            </a:r>
-            <a:r>
-              <a:rPr lang="zh-CN" altLang="en-US" dirty="0" smtClean="0"/>
-              <a:t>形绘制流水线</a:t>
+              <a:t>图形绘制流水线</a:t>
             </a:r>
             <a:endParaRPr lang="en-US" altLang="zh-CN" dirty="0" smtClean="0"/>
           </a:p>
           <a:p>
             <a:r>
               <a:rPr lang="zh-CN" altLang="en-US" dirty="0" smtClean="0"/>
-              <a:t>坐</a:t>
-            </a:r>
-            <a:r>
-              <a:rPr lang="zh-CN" altLang="en-US" dirty="0" smtClean="0"/>
-              <a:t>标变换流程</a:t>
+              <a:t>坐标变换流程</a:t>
             </a:r>
             <a:endParaRPr lang="en-US" altLang="zh-CN" dirty="0" smtClean="0"/>
           </a:p>
@@ -5399,40 +5451,43 @@
           <a:p>
             <a:r>
               <a:rPr lang="zh-CN" altLang="en-US" dirty="0" smtClean="0"/>
-              <a:t>光栅化操作</a:t>
+              <a:t>光栅化操</a:t>
+            </a:r>
+            <a:r>
+              <a:rPr lang="zh-CN" altLang="en-US" dirty="0" smtClean="0"/>
+              <a:t>作</a:t>
             </a:r>
             <a:endParaRPr lang="en-US" altLang="zh-CN" dirty="0" smtClean="0"/>
           </a:p>
           <a:p>
             <a:r>
               <a:rPr lang="zh-CN" altLang="en-US" dirty="0" smtClean="0"/>
-              <a:t>基</a:t>
-            </a:r>
-            <a:r>
-              <a:rPr lang="zh-CN" altLang="en-US" dirty="0" smtClean="0"/>
-              <a:t>本光照模型</a:t>
+              <a:t>纹</a:t>
+            </a:r>
+            <a:r>
+              <a:rPr lang="zh-CN" altLang="en-US" dirty="0" smtClean="0"/>
+              <a:t>理映射</a:t>
             </a:r>
             <a:endParaRPr lang="en-US" altLang="zh-CN" dirty="0" smtClean="0"/>
           </a:p>
           <a:p>
             <a:r>
               <a:rPr lang="zh-CN" altLang="en-US" dirty="0" smtClean="0"/>
-              <a:t>高</a:t>
-            </a:r>
-            <a:r>
-              <a:rPr lang="zh-CN" altLang="en-US" dirty="0" smtClean="0"/>
-              <a:t>级光照技术</a:t>
+              <a:t>基本光照模型</a:t>
             </a:r>
             <a:endParaRPr lang="en-US" altLang="zh-CN" dirty="0" smtClean="0"/>
           </a:p>
           <a:p>
             <a:r>
               <a:rPr lang="zh-CN" altLang="en-US" dirty="0" smtClean="0"/>
-              <a:t>推</a:t>
-            </a:r>
-            <a:r>
-              <a:rPr lang="zh-CN" altLang="en-US" dirty="0" smtClean="0"/>
-              <a:t>荐书籍</a:t>
+              <a:t>高级光照技术</a:t>
+            </a:r>
+            <a:endParaRPr lang="en-US" altLang="zh-CN" dirty="0" smtClean="0"/>
+          </a:p>
+          <a:p>
+            <a:r>
+              <a:rPr lang="zh-CN" altLang="en-US" dirty="0" smtClean="0"/>
+              <a:t>推荐书籍</a:t>
             </a:r>
             <a:endParaRPr lang="en-US" altLang="zh-CN" dirty="0" smtClean="0"/>
           </a:p>
@@ -5501,18 +5556,37 @@
         </p:nvSpPr>
         <p:spPr/>
         <p:txBody>
-          <a:bodyPr>
-            <a:normAutofit fontScale="92500" lnSpcReduction="20000"/>
-          </a:bodyPr>
-          <a:lstStyle/>
-          <a:p>
-            <a:r>
-              <a:rPr lang="zh-CN" altLang="en-US" dirty="0" smtClean="0"/>
-              <a:t>变换到摄像机坐标系</a:t>
+          <a:bodyPr/>
+          <a:lstStyle/>
+          <a:p>
+            <a:r>
+              <a:rPr lang="zh-CN" altLang="en-US" dirty="0" smtClean="0"/>
+              <a:t>投影变换</a:t>
             </a:r>
             <a:endParaRPr lang="en-US" altLang="zh-CN" dirty="0" smtClean="0"/>
           </a:p>
           <a:p>
+            <a:pPr marL="342900" lvl="1" indent="-342900">
+              <a:buNone/>
+            </a:pPr>
+            <a:r>
+              <a:rPr lang="en-US" altLang="zh-CN" dirty="0" smtClean="0"/>
+              <a:t>	</a:t>
+            </a:r>
+            <a:r>
+              <a:rPr lang="zh-CN" altLang="en-US" dirty="0" smtClean="0"/>
+              <a:t>投影变换完成的是如何将三维模型显示到二维视口上，这是一个三维转二维的过程。</a:t>
+            </a:r>
+            <a:endParaRPr lang="en-US" altLang="zh-CN" dirty="0" smtClean="0"/>
+          </a:p>
+          <a:p>
+            <a:r>
+              <a:rPr lang="zh-CN" altLang="en-US" dirty="0" smtClean="0"/>
+              <a:t>视锥体</a:t>
+            </a:r>
+            <a:endParaRPr lang="en-US" altLang="zh-CN" dirty="0" smtClean="0"/>
+          </a:p>
+          <a:p>
             <a:pPr>
               <a:buNone/>
             </a:pPr>
@@ -5520,268 +5594,6 @@
               <a:rPr lang="en-US" altLang="zh-CN" dirty="0" smtClean="0"/>
               <a:t>	</a:t>
             </a:r>
-            <a:r>
-              <a:rPr lang="zh-CN" altLang="en-US" dirty="0" smtClean="0"/>
-              <a:t>通</a:t>
-            </a:r>
-            <a:r>
-              <a:rPr lang="zh-CN" altLang="en-US" dirty="0" smtClean="0"/>
-              <a:t>常，我们通过三个量来构建一个摄像机矩阵即，摄像机的位置</a:t>
-            </a:r>
-            <a:r>
-              <a:rPr lang="en-US" altLang="zh-CN" dirty="0" smtClean="0"/>
-              <a:t>pos</a:t>
-            </a:r>
-            <a:r>
-              <a:rPr lang="zh-CN" altLang="en-US" dirty="0" smtClean="0"/>
-              <a:t>、方向</a:t>
-            </a:r>
-            <a:r>
-              <a:rPr lang="en-US" altLang="zh-CN" dirty="0" smtClean="0"/>
-              <a:t>dir</a:t>
-            </a:r>
-            <a:r>
-              <a:rPr lang="zh-CN" altLang="en-US" dirty="0" smtClean="0"/>
-              <a:t>、向上</a:t>
-            </a:r>
-            <a:r>
-              <a:rPr lang="en-US" altLang="zh-CN" dirty="0" smtClean="0"/>
-              <a:t>up</a:t>
-            </a:r>
-            <a:r>
-              <a:rPr lang="zh-CN" altLang="en-US" dirty="0" smtClean="0"/>
-              <a:t>向量。在右手坐标系统中，摄像机方向指向其本身坐标的</a:t>
-            </a:r>
-            <a:r>
-              <a:rPr lang="en-US" altLang="zh-CN" dirty="0" smtClean="0"/>
-              <a:t>-z</a:t>
-            </a:r>
-            <a:r>
-              <a:rPr lang="zh-CN" altLang="en-US" dirty="0" smtClean="0"/>
-              <a:t>方向，于是</a:t>
-            </a:r>
-            <a:endParaRPr lang="en-US" altLang="zh-CN" dirty="0" smtClean="0"/>
-          </a:p>
-          <a:p>
-            <a:pPr>
-              <a:buNone/>
-            </a:pPr>
-            <a:r>
-              <a:rPr lang="en-US" altLang="zh-CN" dirty="0" smtClean="0"/>
-              <a:t>		</a:t>
-            </a:r>
-            <a:r>
-              <a:rPr lang="en-US" altLang="zh-CN" dirty="0" err="1" smtClean="0"/>
-              <a:t>zaxis</a:t>
-            </a:r>
-            <a:r>
-              <a:rPr lang="en-US" altLang="zh-CN" dirty="0" smtClean="0"/>
-              <a:t> = -dir;</a:t>
-            </a:r>
-          </a:p>
-          <a:p>
-            <a:pPr>
-              <a:buNone/>
-            </a:pPr>
-            <a:r>
-              <a:rPr lang="en-US" altLang="zh-CN" dirty="0" smtClean="0"/>
-              <a:t>	</a:t>
-            </a:r>
-            <a:r>
-              <a:rPr lang="en-US" altLang="zh-CN" dirty="0" smtClean="0"/>
-              <a:t>	</a:t>
-            </a:r>
-            <a:r>
-              <a:rPr lang="en-US" altLang="zh-CN" dirty="0" err="1" smtClean="0"/>
-              <a:t>xaxis</a:t>
-            </a:r>
-            <a:r>
-              <a:rPr lang="en-US" altLang="zh-CN" dirty="0" smtClean="0"/>
-              <a:t> = </a:t>
-            </a:r>
-            <a:r>
-              <a:rPr lang="en-US" altLang="zh-CN" dirty="0" err="1" smtClean="0"/>
-              <a:t>up.crossProduct</a:t>
-            </a:r>
-            <a:r>
-              <a:rPr lang="en-US" altLang="zh-CN" dirty="0" smtClean="0"/>
-              <a:t>(</a:t>
-            </a:r>
-            <a:r>
-              <a:rPr lang="en-US" altLang="zh-CN" dirty="0" err="1" smtClean="0"/>
-              <a:t>zaxis</a:t>
-            </a:r>
-            <a:r>
-              <a:rPr lang="en-US" altLang="zh-CN" dirty="0" smtClean="0"/>
-              <a:t>);</a:t>
-            </a:r>
-          </a:p>
-          <a:p>
-            <a:pPr>
-              <a:buNone/>
-            </a:pPr>
-            <a:r>
-              <a:rPr lang="en-US" altLang="zh-CN" dirty="0" smtClean="0"/>
-              <a:t>	</a:t>
-            </a:r>
-            <a:r>
-              <a:rPr lang="en-US" altLang="zh-CN" dirty="0" smtClean="0"/>
-              <a:t>	</a:t>
-            </a:r>
-            <a:r>
-              <a:rPr lang="en-US" altLang="zh-CN" dirty="0" err="1" smtClean="0"/>
-              <a:t>yaxis</a:t>
-            </a:r>
-            <a:r>
-              <a:rPr lang="en-US" altLang="zh-CN" dirty="0" smtClean="0"/>
-              <a:t> = </a:t>
-            </a:r>
-            <a:r>
-              <a:rPr lang="en-US" altLang="zh-CN" dirty="0" err="1" smtClean="0"/>
-              <a:t>zaxis.crossProduct</a:t>
-            </a:r>
-            <a:r>
-              <a:rPr lang="en-US" altLang="zh-CN" dirty="0" smtClean="0"/>
-              <a:t>(</a:t>
-            </a:r>
-            <a:r>
-              <a:rPr lang="en-US" altLang="zh-CN" dirty="0" err="1" smtClean="0"/>
-              <a:t>xaxis</a:t>
-            </a:r>
-            <a:r>
-              <a:rPr lang="en-US" altLang="zh-CN" dirty="0" smtClean="0"/>
-              <a:t>);</a:t>
-            </a:r>
-          </a:p>
-          <a:p>
-            <a:pPr>
-              <a:buNone/>
-            </a:pPr>
-            <a:r>
-              <a:rPr lang="en-US" altLang="zh-CN" dirty="0" smtClean="0"/>
-              <a:t>	</a:t>
-            </a:r>
-            <a:r>
-              <a:rPr lang="zh-CN" altLang="en-US" dirty="0" smtClean="0"/>
-              <a:t>知道摄像机的三个坐标轴，就可以通过线性变换，将世界坐标系变换到摄像机坐标系。</a:t>
-            </a:r>
-            <a:endParaRPr lang="en-US" altLang="zh-CN" dirty="0" smtClean="0"/>
-          </a:p>
-          <a:p>
-            <a:pPr>
-              <a:buNone/>
-            </a:pPr>
-            <a:endParaRPr lang="zh-CN" altLang="en-US" dirty="0"/>
-          </a:p>
-        </p:txBody>
-      </p:sp>
-    </p:spTree>
-  </p:cSld>
-  <p:clrMapOvr>
-    <a:masterClrMapping/>
-  </p:clrMapOvr>
-</p:sld>
-</file>
-
-<file path=ppt/slides/slide21.xml><?xml version="1.0" encoding="utf-8"?>
-<p:sld xmlns:a="http://schemas.openxmlformats.org/drawingml/2006/main" xmlns:r="http://schemas.openxmlformats.org/officeDocument/2006/relationships" xmlns:p="http://schemas.openxmlformats.org/presentationml/2006/main">
-  <p:cSld>
-    <p:spTree>
-      <p:nvGrpSpPr>
-        <p:cNvPr id="1" name=""/>
-        <p:cNvGrpSpPr/>
-        <p:nvPr/>
-      </p:nvGrpSpPr>
-      <p:grpSpPr>
-        <a:xfrm>
-          <a:off x="0" y="0"/>
-          <a:ext cx="0" cy="0"/>
-          <a:chOff x="0" y="0"/>
-          <a:chExt cx="0" cy="0"/>
-        </a:xfrm>
-      </p:grpSpPr>
-      <p:sp>
-        <p:nvSpPr>
-          <p:cNvPr id="2" name="标题 1"/>
-          <p:cNvSpPr>
-            <a:spLocks noGrp="1"/>
-          </p:cNvSpPr>
-          <p:nvPr>
-            <p:ph type="title"/>
-          </p:nvPr>
-        </p:nvSpPr>
-        <p:spPr/>
-        <p:txBody>
-          <a:bodyPr/>
-          <a:lstStyle/>
-          <a:p>
-            <a:r>
-              <a:rPr lang="zh-CN" altLang="en-US" dirty="0" smtClean="0"/>
-              <a:t>坐标变换流程</a:t>
-            </a:r>
-            <a:endParaRPr lang="zh-CN" altLang="en-US" dirty="0"/>
-          </a:p>
-        </p:txBody>
-      </p:sp>
-      <p:sp>
-        <p:nvSpPr>
-          <p:cNvPr id="3" name="内容占位符 2"/>
-          <p:cNvSpPr>
-            <a:spLocks noGrp="1"/>
-          </p:cNvSpPr>
-          <p:nvPr>
-            <p:ph idx="1"/>
-          </p:nvPr>
-        </p:nvSpPr>
-        <p:spPr/>
-        <p:txBody>
-          <a:bodyPr/>
-          <a:lstStyle/>
-          <a:p>
-            <a:r>
-              <a:rPr lang="zh-CN" altLang="en-US" dirty="0" smtClean="0"/>
-              <a:t>投影变换</a:t>
-            </a:r>
-            <a:endParaRPr lang="en-US" altLang="zh-CN" dirty="0" smtClean="0"/>
-          </a:p>
-          <a:p>
-            <a:pPr marL="342900" lvl="1" indent="-342900">
-              <a:buNone/>
-            </a:pPr>
-            <a:r>
-              <a:rPr lang="en-US" altLang="zh-CN" dirty="0" smtClean="0"/>
-              <a:t>	</a:t>
-            </a:r>
-            <a:r>
-              <a:rPr lang="zh-CN" altLang="en-US" dirty="0" smtClean="0"/>
-              <a:t>投</a:t>
-            </a:r>
-            <a:r>
-              <a:rPr lang="zh-CN" altLang="en-US" dirty="0" smtClean="0"/>
-              <a:t>影变换完成的是如何将三维模型显示到二维视口上，这是一个三维转二维的过程</a:t>
-            </a:r>
-            <a:r>
-              <a:rPr lang="zh-CN" altLang="en-US" dirty="0" smtClean="0"/>
-              <a:t>。</a:t>
-            </a:r>
-            <a:endParaRPr lang="en-US" altLang="zh-CN" dirty="0" smtClean="0"/>
-          </a:p>
-          <a:p>
-            <a:r>
-              <a:rPr lang="zh-CN" altLang="en-US" dirty="0" smtClean="0"/>
-              <a:t>视锥体</a:t>
-            </a:r>
-            <a:endParaRPr lang="en-US" altLang="zh-CN" dirty="0" smtClean="0"/>
-          </a:p>
-          <a:p>
-            <a:pPr>
-              <a:buNone/>
-            </a:pPr>
-            <a:r>
-              <a:rPr lang="en-US" altLang="zh-CN" dirty="0" smtClean="0"/>
-              <a:t>	</a:t>
-            </a:r>
-            <a:endParaRPr lang="en-US" altLang="zh-CN" dirty="0" smtClean="0"/>
           </a:p>
           <a:p>
             <a:pPr lvl="1">
@@ -5828,10 +5640,17 @@
   <p:clrMapOvr>
     <a:masterClrMapping/>
   </p:clrMapOvr>
+  <p:timing>
+    <p:tnLst>
+      <p:par>
+        <p:cTn id="1" dur="indefinite" restart="never" nodeType="tmRoot"/>
+      </p:par>
+    </p:tnLst>
+  </p:timing>
 </p:sld>
 </file>
 
-<file path=ppt/slides/slide22.xml><?xml version="1.0" encoding="utf-8"?>
+<file path=ppt/slides/slide21.xml><?xml version="1.0" encoding="utf-8"?>
 <p:sld xmlns:a="http://schemas.openxmlformats.org/drawingml/2006/main" xmlns:r="http://schemas.openxmlformats.org/officeDocument/2006/relationships" xmlns:p="http://schemas.openxmlformats.org/presentationml/2006/main">
   <p:cSld>
     <p:spTree>
@@ -5904,11 +5723,7 @@
             </a:r>
             <a:r>
               <a:rPr lang="zh-CN" altLang="en-US" dirty="0" smtClean="0"/>
-              <a:t>投</a:t>
-            </a:r>
-            <a:r>
-              <a:rPr lang="zh-CN" altLang="en-US" dirty="0" smtClean="0"/>
-              <a:t>影变换会产生近大远小的效果。变换后的</a:t>
+              <a:t>投影变换会产生近大远小的效果。变换后的</a:t>
             </a:r>
             <a:r>
               <a:rPr lang="en-US" altLang="zh-CN" dirty="0" smtClean="0"/>
@@ -6003,11 +5818,7 @@
           <a:p>
             <a:r>
               <a:rPr lang="zh-CN" altLang="en-US" dirty="0" smtClean="0"/>
-              <a:t>透</a:t>
-            </a:r>
-            <a:r>
-              <a:rPr lang="zh-CN" altLang="en-US" dirty="0" smtClean="0"/>
-              <a:t>视投影矩阵的推导（很多书籍都是一带而过）</a:t>
+              <a:t>透视投影矩阵的推导（很多书籍都是一带而过）</a:t>
             </a:r>
             <a:endParaRPr lang="en-US" altLang="zh-CN" dirty="0" smtClean="0"/>
           </a:p>
@@ -6017,11 +5828,7 @@
             </a:pPr>
             <a:r>
               <a:rPr lang="zh-CN" altLang="en-US" dirty="0" smtClean="0"/>
-              <a:t>整</a:t>
-            </a:r>
-            <a:r>
-              <a:rPr lang="zh-CN" altLang="en-US" dirty="0" smtClean="0"/>
-              <a:t>个投影过程分为两个部分，第一部分是从</a:t>
+              <a:t>整个投影过程分为两个部分，第一部分是从</a:t>
             </a:r>
             <a:r>
               <a:rPr lang="en-US" altLang="zh-CN" dirty="0" smtClean="0"/>
@@ -6098,7 +5905,7 @@
 </p:sld>
 </file>
 
-<file path=ppt/slides/slide23.xml><?xml version="1.0" encoding="utf-8"?>
+<file path=ppt/slides/slide22.xml><?xml version="1.0" encoding="utf-8"?>
 <p:sld xmlns:a="http://schemas.openxmlformats.org/drawingml/2006/main" xmlns:r="http://schemas.openxmlformats.org/officeDocument/2006/relationships" xmlns:p="http://schemas.openxmlformats.org/presentationml/2006/main">
   <p:cSld>
     <p:spTree>
@@ -6263,7 +6070,7 @@
 </p:sld>
 </file>
 
-<file path=ppt/slides/slide24.xml><?xml version="1.0" encoding="utf-8"?>
+<file path=ppt/slides/slide23.xml><?xml version="1.0" encoding="utf-8"?>
 <p:sld xmlns:a="http://schemas.openxmlformats.org/drawingml/2006/main" xmlns:r="http://schemas.openxmlformats.org/officeDocument/2006/relationships" xmlns:p="http://schemas.openxmlformats.org/presentationml/2006/main">
   <p:cSld>
     <p:spTree>
@@ -6342,19 +6149,7 @@
             </a:r>
             <a:r>
               <a:rPr lang="zh-CN" altLang="en-US" sz="2000" dirty="0" smtClean="0"/>
-              <a:t>缩</a:t>
-            </a:r>
-            <a:r>
-              <a:rPr lang="zh-CN" altLang="en-US" sz="2000" dirty="0" smtClean="0"/>
-              <a:t>放的过</a:t>
-            </a:r>
-            <a:r>
-              <a:rPr lang="zh-CN" altLang="en-US" sz="2000" dirty="0" smtClean="0"/>
-              <a:t>程，假</a:t>
-            </a:r>
-            <a:r>
-              <a:rPr lang="zh-CN" altLang="en-US" sz="2000" dirty="0" smtClean="0"/>
-              <a:t>设投影平面的高度为</a:t>
+              <a:t>缩放的过程，假设投影平面的高度为</a:t>
             </a:r>
             <a:r>
               <a:rPr lang="en-US" altLang="zh-CN" sz="2000" dirty="0" smtClean="0"/>
@@ -6362,19 +6157,7 @@
             </a:r>
             <a:r>
               <a:rPr lang="zh-CN" altLang="en-US" sz="2000" dirty="0" smtClean="0"/>
-              <a:t>，由</a:t>
-            </a:r>
-            <a:r>
-              <a:rPr lang="zh-CN" altLang="en-US" sz="2000" dirty="0" smtClean="0"/>
-              <a:t>于转换</a:t>
-            </a:r>
-            <a:r>
-              <a:rPr lang="zh-CN" altLang="en-US" sz="2000" dirty="0" smtClean="0"/>
-              <a:t>后的</a:t>
-            </a:r>
-            <a:r>
-              <a:rPr lang="zh-CN" altLang="en-US" sz="2000" dirty="0" smtClean="0"/>
-              <a:t>高度为</a:t>
+              <a:t>，由于转换后的高度为</a:t>
             </a:r>
             <a:r>
               <a:rPr lang="en-US" altLang="zh-CN" sz="2000" dirty="0" smtClean="0"/>
@@ -6409,11 +6192,7 @@
             </a:r>
             <a:r>
               <a:rPr lang="zh-CN" altLang="en-US" sz="2000" dirty="0" smtClean="0"/>
-              <a:t>投</a:t>
-            </a:r>
-            <a:r>
-              <a:rPr lang="zh-CN" altLang="en-US" sz="2000" dirty="0" smtClean="0"/>
-              <a:t>影平面的宽高比为</a:t>
+              <a:t>投影平面的宽高比为</a:t>
             </a:r>
             <a:r>
               <a:rPr lang="en-US" altLang="zh-CN" sz="2000" dirty="0" smtClean="0"/>
@@ -6499,7 +6278,7 @@
 </p:sld>
 </file>
 
-<file path=ppt/slides/slide25.xml><?xml version="1.0" encoding="utf-8"?>
+<file path=ppt/slides/slide24.xml><?xml version="1.0" encoding="utf-8"?>
 <p:sld xmlns:a="http://schemas.openxmlformats.org/drawingml/2006/main" xmlns:r="http://schemas.openxmlformats.org/officeDocument/2006/relationships" xmlns:p="http://schemas.openxmlformats.org/presentationml/2006/main">
   <p:cSld>
     <p:spTree>
@@ -6607,7 +6386,6 @@
               <a:rPr lang="en-US" altLang="zh-CN" sz="2000" dirty="0" smtClean="0"/>
               <a:t>	</a:t>
             </a:r>
-            <a:endParaRPr lang="en-US" altLang="zh-CN" sz="2000" dirty="0" smtClean="0"/>
           </a:p>
           <a:p>
             <a:pPr>
@@ -6675,7 +6453,6 @@
               <a:rPr lang="en-US" altLang="zh-CN" sz="2000" dirty="0" smtClean="0"/>
               <a:t>	</a:t>
             </a:r>
-            <a:endParaRPr lang="en-US" altLang="zh-CN" sz="2000" dirty="0" smtClean="0"/>
           </a:p>
           <a:p>
             <a:pPr>
@@ -6793,7 +6570,7 @@
 </p:sld>
 </file>
 
-<file path=ppt/slides/slide26.xml><?xml version="1.0" encoding="utf-8"?>
+<file path=ppt/slides/slide25.xml><?xml version="1.0" encoding="utf-8"?>
 <p:sld xmlns:a="http://schemas.openxmlformats.org/drawingml/2006/main" xmlns:r="http://schemas.openxmlformats.org/officeDocument/2006/relationships" xmlns:p="http://schemas.openxmlformats.org/presentationml/2006/main">
   <p:cSld>
     <p:spTree>
@@ -7003,6 +6780,202 @@
 </p:sld>
 </file>
 
+<file path=ppt/slides/slide26.xml><?xml version="1.0" encoding="utf-8"?>
+<p:sld xmlns:a="http://schemas.openxmlformats.org/drawingml/2006/main" xmlns:r="http://schemas.openxmlformats.org/officeDocument/2006/relationships" xmlns:p="http://schemas.openxmlformats.org/presentationml/2006/main">
+  <p:cSld>
+    <p:spTree>
+      <p:nvGrpSpPr>
+        <p:cNvPr id="1" name=""/>
+        <p:cNvGrpSpPr/>
+        <p:nvPr/>
+      </p:nvGrpSpPr>
+      <p:grpSpPr>
+        <a:xfrm>
+          <a:off x="0" y="0"/>
+          <a:ext cx="0" cy="0"/>
+          <a:chOff x="0" y="0"/>
+          <a:chExt cx="0" cy="0"/>
+        </a:xfrm>
+      </p:grpSpPr>
+      <p:sp>
+        <p:nvSpPr>
+          <p:cNvPr id="2" name="标题 1"/>
+          <p:cNvSpPr>
+            <a:spLocks noGrp="1"/>
+          </p:cNvSpPr>
+          <p:nvPr>
+            <p:ph type="title"/>
+          </p:nvPr>
+        </p:nvSpPr>
+        <p:spPr/>
+        <p:txBody>
+          <a:bodyPr>
+            <a:normAutofit/>
+          </a:bodyPr>
+          <a:lstStyle/>
+          <a:p>
+            <a:r>
+              <a:rPr lang="zh-CN" altLang="en-US" dirty="0" smtClean="0"/>
+              <a:t>剔除操作和裁剪操作</a:t>
+            </a:r>
+            <a:endParaRPr lang="en-US" altLang="zh-CN" dirty="0" smtClean="0"/>
+          </a:p>
+        </p:txBody>
+      </p:sp>
+      <p:sp>
+        <p:nvSpPr>
+          <p:cNvPr id="5" name="内容占位符 4"/>
+          <p:cNvSpPr>
+            <a:spLocks noGrp="1"/>
+          </p:cNvSpPr>
+          <p:nvPr>
+            <p:ph idx="1"/>
+          </p:nvPr>
+        </p:nvSpPr>
+        <p:spPr/>
+        <p:txBody>
+          <a:bodyPr>
+            <a:normAutofit/>
+          </a:bodyPr>
+          <a:lstStyle/>
+          <a:p>
+            <a:r>
+              <a:rPr lang="zh-CN" altLang="en-US" dirty="0" smtClean="0"/>
+              <a:t>对象剔除操作</a:t>
+            </a:r>
+            <a:endParaRPr lang="en-US" altLang="zh-CN" dirty="0" smtClean="0"/>
+          </a:p>
+          <a:p>
+            <a:pPr>
+              <a:buNone/>
+            </a:pPr>
+            <a:r>
+              <a:rPr lang="en-US" altLang="zh-CN" dirty="0" smtClean="0"/>
+              <a:t>	</a:t>
+            </a:r>
+            <a:r>
+              <a:rPr lang="zh-CN" altLang="en-US" sz="2000" dirty="0" smtClean="0"/>
+              <a:t>对象剔除操作将计算对象整体是否位于视锥体内，若对象位于视锥体外部，则无须消耗光栅化操作过程中的</a:t>
+            </a:r>
+            <a:r>
+              <a:rPr lang="en-US" altLang="zh-CN" sz="2000" dirty="0" smtClean="0"/>
+              <a:t>CPU</a:t>
+            </a:r>
+            <a:r>
+              <a:rPr lang="zh-CN" altLang="en-US" sz="2000" dirty="0" smtClean="0"/>
+              <a:t>周期（硬件渲染包括</a:t>
+            </a:r>
+            <a:r>
+              <a:rPr lang="en-US" altLang="zh-CN" sz="2000" dirty="0" smtClean="0"/>
+              <a:t>GPU</a:t>
+            </a:r>
+            <a:r>
+              <a:rPr lang="zh-CN" altLang="en-US" sz="2000" dirty="0" smtClean="0"/>
+              <a:t>周期），通常，应用程序针对每一个对象维的一个包围盒，若包围盒在视锥体外，则可快速剔除该对象。</a:t>
+            </a:r>
+            <a:endParaRPr lang="en-US" altLang="zh-CN" sz="2000" dirty="0" smtClean="0"/>
+          </a:p>
+          <a:p>
+            <a:r>
+              <a:rPr lang="zh-CN" altLang="en-US" dirty="0" smtClean="0"/>
+              <a:t>背面剔除</a:t>
+            </a:r>
+            <a:endParaRPr lang="en-US" altLang="zh-CN" dirty="0" smtClean="0"/>
+          </a:p>
+          <a:p>
+            <a:pPr>
+              <a:buNone/>
+            </a:pPr>
+            <a:r>
+              <a:rPr lang="en-US" altLang="zh-CN" dirty="0" smtClean="0"/>
+              <a:t>	</a:t>
+            </a:r>
+            <a:r>
+              <a:rPr lang="zh-CN" altLang="en-US" sz="2000" dirty="0" smtClean="0"/>
+              <a:t>针对有向三角形，其法线均指向对象表面外侧。在摄像机空间的三角形三个顶点</a:t>
+            </a:r>
+            <a:r>
+              <a:rPr lang="en-US" altLang="zh-CN" sz="2000" dirty="0" smtClean="0"/>
+              <a:t>Vi = (</a:t>
+            </a:r>
+            <a:r>
+              <a:rPr lang="en-US" altLang="zh-CN" sz="2000" dirty="0" err="1" smtClean="0"/>
+              <a:t>ri</a:t>
+            </a:r>
+            <a:r>
+              <a:rPr lang="en-US" altLang="zh-CN" sz="2000" dirty="0" smtClean="0"/>
+              <a:t>, </a:t>
+            </a:r>
+            <a:r>
+              <a:rPr lang="en-US" altLang="zh-CN" sz="2000" dirty="0" err="1" smtClean="0"/>
+              <a:t>ui</a:t>
+            </a:r>
+            <a:r>
+              <a:rPr lang="en-US" altLang="zh-CN" sz="2000" dirty="0" smtClean="0"/>
+              <a:t>, </a:t>
+            </a:r>
+            <a:r>
+              <a:rPr lang="en-US" altLang="zh-CN" sz="2000" dirty="0" err="1" smtClean="0"/>
+              <a:t>di</a:t>
+            </a:r>
+            <a:r>
+              <a:rPr lang="en-US" altLang="zh-CN" sz="2000" dirty="0" smtClean="0"/>
+              <a:t>)</a:t>
+            </a:r>
+            <a:r>
+              <a:rPr lang="zh-CN" altLang="en-US" sz="2000" dirty="0" smtClean="0"/>
+              <a:t>，法向量</a:t>
+            </a:r>
+            <a:r>
+              <a:rPr lang="en-US" altLang="zh-CN" sz="2000" dirty="0" smtClean="0"/>
+              <a:t>N=(V1- V0)X(V2 – V0)</a:t>
+            </a:r>
+            <a:r>
+              <a:rPr lang="zh-CN" altLang="en-US" sz="2000" dirty="0" smtClean="0"/>
+              <a:t>，眼睛位置为</a:t>
+            </a:r>
+            <a:r>
+              <a:rPr lang="en-US" altLang="zh-CN" sz="2000" dirty="0" smtClean="0"/>
+              <a:t>(0, 0, 0)</a:t>
+            </a:r>
+            <a:r>
+              <a:rPr lang="zh-CN" altLang="en-US" sz="2000" dirty="0" smtClean="0"/>
+              <a:t>，则</a:t>
+            </a:r>
+            <a:r>
+              <a:rPr lang="en-US" altLang="zh-CN" sz="2000" dirty="0" smtClean="0"/>
+              <a:t>P-V0=(-r0, -u0, -d0)</a:t>
+            </a:r>
+            <a:r>
+              <a:rPr lang="zh-CN" altLang="en-US" sz="2000" dirty="0" smtClean="0"/>
+              <a:t>与法向量</a:t>
+            </a:r>
+            <a:r>
+              <a:rPr lang="en-US" altLang="zh-CN" sz="2000" dirty="0" smtClean="0"/>
+              <a:t>N</a:t>
+            </a:r>
+            <a:r>
+              <a:rPr lang="zh-CN" altLang="en-US" sz="2000" dirty="0" smtClean="0"/>
+              <a:t>成锐角时可见。</a:t>
+            </a:r>
+            <a:endParaRPr lang="en-US" altLang="zh-CN" sz="2000" dirty="0" smtClean="0"/>
+          </a:p>
+          <a:p>
+            <a:pPr>
+              <a:buNone/>
+            </a:pPr>
+            <a:endParaRPr lang="zh-CN" altLang="en-US" sz="2000" dirty="0"/>
+          </a:p>
+        </p:txBody>
+      </p:sp>
+    </p:spTree>
+  </p:cSld>
+  <p:clrMapOvr>
+    <a:masterClrMapping/>
+  </p:clrMapOvr>
+</p:sld>
+</file>
+
 <file path=ppt/slides/slide27.xml><?xml version="1.0" encoding="utf-8"?>
 <p:sld xmlns:a="http://schemas.openxmlformats.org/drawingml/2006/main" xmlns:r="http://schemas.openxmlformats.org/officeDocument/2006/relationships" xmlns:p="http://schemas.openxmlformats.org/presentationml/2006/main">
   <p:cSld>
@@ -7032,248 +7005,40 @@
         </p:nvSpPr>
         <p:spPr/>
         <p:txBody>
+          <a:bodyPr/>
+          <a:lstStyle/>
+          <a:p>
+            <a:r>
+              <a:rPr lang="zh-CN" altLang="en-US" dirty="0" smtClean="0"/>
+              <a:t>剔除操作和裁剪操作</a:t>
+            </a:r>
+            <a:endParaRPr lang="zh-CN" altLang="en-US" dirty="0"/>
+          </a:p>
+        </p:txBody>
+      </p:sp>
+      <p:sp>
+        <p:nvSpPr>
+          <p:cNvPr id="5" name="内容占位符 4"/>
+          <p:cNvSpPr>
+            <a:spLocks noGrp="1"/>
+          </p:cNvSpPr>
+          <p:nvPr>
+            <p:ph idx="1"/>
+          </p:nvPr>
+        </p:nvSpPr>
+        <p:spPr/>
+        <p:txBody>
           <a:bodyPr>
             <a:normAutofit/>
           </a:bodyPr>
           <a:lstStyle/>
           <a:p>
-            <a:r>
-              <a:rPr lang="zh-CN" altLang="en-US" dirty="0" smtClean="0"/>
-              <a:t>剔除操作和裁剪操作</a:t>
-            </a:r>
-            <a:endParaRPr lang="en-US" altLang="zh-CN" dirty="0" smtClean="0"/>
-          </a:p>
-        </p:txBody>
-      </p:sp>
-      <p:sp>
-        <p:nvSpPr>
-          <p:cNvPr id="5" name="内容占位符 4"/>
-          <p:cNvSpPr>
-            <a:spLocks noGrp="1"/>
-          </p:cNvSpPr>
-          <p:nvPr>
-            <p:ph idx="1"/>
-          </p:nvPr>
-        </p:nvSpPr>
-        <p:spPr/>
-        <p:txBody>
-          <a:bodyPr>
-            <a:normAutofit/>
-          </a:bodyPr>
-          <a:lstStyle/>
-          <a:p>
-            <a:r>
-              <a:rPr lang="zh-CN" altLang="en-US" dirty="0" smtClean="0"/>
-              <a:t>对</a:t>
-            </a:r>
-            <a:r>
-              <a:rPr lang="zh-CN" altLang="en-US" dirty="0" smtClean="0"/>
-              <a:t>象剔除操作</a:t>
-            </a:r>
-            <a:endParaRPr lang="en-US" altLang="zh-CN" dirty="0" smtClean="0"/>
-          </a:p>
-          <a:p>
             <a:pPr>
               <a:buNone/>
             </a:pPr>
             <a:r>
-              <a:rPr lang="en-US" altLang="zh-CN" dirty="0" smtClean="0"/>
-              <a:t>	</a:t>
-            </a:r>
-            <a:r>
               <a:rPr lang="zh-CN" altLang="en-US" sz="2000" dirty="0" smtClean="0"/>
-              <a:t>对</a:t>
-            </a:r>
-            <a:r>
-              <a:rPr lang="zh-CN" altLang="en-US" sz="2000" dirty="0" smtClean="0"/>
-              <a:t>象剔除操作将计算对象整体是否位于视锥体内，若对象位于视锥体外部，则无须消耗光栅化操作过程中的</a:t>
-            </a:r>
-            <a:r>
-              <a:rPr lang="en-US" altLang="zh-CN" sz="2000" dirty="0" smtClean="0"/>
-              <a:t>CPU</a:t>
-            </a:r>
-            <a:r>
-              <a:rPr lang="zh-CN" altLang="en-US" sz="2000" dirty="0" smtClean="0"/>
-              <a:t>周期（硬件渲染包括</a:t>
-            </a:r>
-            <a:r>
-              <a:rPr lang="en-US" altLang="zh-CN" sz="2000" dirty="0" smtClean="0"/>
-              <a:t>GPU</a:t>
-            </a:r>
-            <a:r>
-              <a:rPr lang="zh-CN" altLang="en-US" sz="2000" dirty="0" smtClean="0"/>
-              <a:t>周期），通常，应用程序针对每一个对象维的一个包围盒，若包围盒在视锥体外，则可快速剔除该对象。</a:t>
-            </a:r>
-            <a:endParaRPr lang="en-US" altLang="zh-CN" sz="2000" dirty="0" smtClean="0"/>
-          </a:p>
-          <a:p>
-            <a:r>
-              <a:rPr lang="zh-CN" altLang="en-US" dirty="0" smtClean="0"/>
-              <a:t>背面剔除</a:t>
-            </a:r>
-            <a:endParaRPr lang="en-US" altLang="zh-CN" dirty="0" smtClean="0"/>
-          </a:p>
-          <a:p>
-            <a:pPr>
-              <a:buNone/>
-            </a:pPr>
-            <a:r>
-              <a:rPr lang="en-US" altLang="zh-CN" dirty="0" smtClean="0"/>
-              <a:t>	</a:t>
-            </a:r>
-            <a:r>
-              <a:rPr lang="zh-CN" altLang="en-US" sz="2000" dirty="0" smtClean="0"/>
-              <a:t>针对有向三角形，其法线均指向对象表面外侧。在摄像机空间的三角形三个顶点</a:t>
-            </a:r>
-            <a:r>
-              <a:rPr lang="en-US" altLang="zh-CN" sz="2000" dirty="0" smtClean="0"/>
-              <a:t>Vi = (</a:t>
-            </a:r>
-            <a:r>
-              <a:rPr lang="en-US" altLang="zh-CN" sz="2000" dirty="0" err="1" smtClean="0"/>
-              <a:t>ri</a:t>
-            </a:r>
-            <a:r>
-              <a:rPr lang="en-US" altLang="zh-CN" sz="2000" dirty="0" smtClean="0"/>
-              <a:t>, </a:t>
-            </a:r>
-            <a:r>
-              <a:rPr lang="en-US" altLang="zh-CN" sz="2000" dirty="0" err="1" smtClean="0"/>
-              <a:t>ui</a:t>
-            </a:r>
-            <a:r>
-              <a:rPr lang="en-US" altLang="zh-CN" sz="2000" dirty="0" smtClean="0"/>
-              <a:t>, </a:t>
-            </a:r>
-            <a:r>
-              <a:rPr lang="en-US" altLang="zh-CN" sz="2000" dirty="0" err="1" smtClean="0"/>
-              <a:t>di</a:t>
-            </a:r>
-            <a:r>
-              <a:rPr lang="en-US" altLang="zh-CN" sz="2000" dirty="0" smtClean="0"/>
-              <a:t>)</a:t>
-            </a:r>
-            <a:r>
-              <a:rPr lang="zh-CN" altLang="en-US" sz="2000" dirty="0" smtClean="0"/>
-              <a:t>，法向量</a:t>
-            </a:r>
-            <a:r>
-              <a:rPr lang="en-US" altLang="zh-CN" sz="2000" dirty="0" smtClean="0"/>
-              <a:t>N=(V1- V0)X(V2 – V0)</a:t>
-            </a:r>
-            <a:r>
-              <a:rPr lang="zh-CN" altLang="en-US" sz="2000" dirty="0" smtClean="0"/>
-              <a:t>，眼睛位置为</a:t>
-            </a:r>
-            <a:r>
-              <a:rPr lang="en-US" altLang="zh-CN" sz="2000" dirty="0" smtClean="0"/>
-              <a:t>(0, 0, 0)</a:t>
-            </a:r>
-            <a:r>
-              <a:rPr lang="zh-CN" altLang="en-US" sz="2000" dirty="0" smtClean="0"/>
-              <a:t>，则</a:t>
-            </a:r>
-            <a:r>
-              <a:rPr lang="en-US" altLang="zh-CN" sz="2000" dirty="0" smtClean="0"/>
-              <a:t>P-V0=(-r0, -u0, -d0)</a:t>
-            </a:r>
-            <a:r>
-              <a:rPr lang="zh-CN" altLang="en-US" sz="2000" dirty="0" smtClean="0"/>
-              <a:t>与法向量</a:t>
-            </a:r>
-            <a:r>
-              <a:rPr lang="en-US" altLang="zh-CN" sz="2000" dirty="0" smtClean="0"/>
-              <a:t>N</a:t>
-            </a:r>
-            <a:r>
-              <a:rPr lang="zh-CN" altLang="en-US" sz="2000" dirty="0" smtClean="0"/>
-              <a:t>成锐角时可见。</a:t>
-            </a:r>
-            <a:endParaRPr lang="en-US" altLang="zh-CN" sz="2000" dirty="0" smtClean="0"/>
-          </a:p>
-          <a:p>
-            <a:pPr>
-              <a:buNone/>
-            </a:pPr>
-            <a:endParaRPr lang="zh-CN" altLang="en-US" sz="2000" dirty="0"/>
-          </a:p>
-        </p:txBody>
-      </p:sp>
-    </p:spTree>
-  </p:cSld>
-  <p:clrMapOvr>
-    <a:masterClrMapping/>
-  </p:clrMapOvr>
-</p:sld>
-</file>
-
-<file path=ppt/slides/slide28.xml><?xml version="1.0" encoding="utf-8"?>
-<p:sld xmlns:a="http://schemas.openxmlformats.org/drawingml/2006/main" xmlns:r="http://schemas.openxmlformats.org/officeDocument/2006/relationships" xmlns:p="http://schemas.openxmlformats.org/presentationml/2006/main">
-  <p:cSld>
-    <p:spTree>
-      <p:nvGrpSpPr>
-        <p:cNvPr id="1" name=""/>
-        <p:cNvGrpSpPr/>
-        <p:nvPr/>
-      </p:nvGrpSpPr>
-      <p:grpSpPr>
-        <a:xfrm>
-          <a:off x="0" y="0"/>
-          <a:ext cx="0" cy="0"/>
-          <a:chOff x="0" y="0"/>
-          <a:chExt cx="0" cy="0"/>
-        </a:xfrm>
-      </p:grpSpPr>
-      <p:sp>
-        <p:nvSpPr>
-          <p:cNvPr id="2" name="标题 1"/>
-          <p:cNvSpPr>
-            <a:spLocks noGrp="1"/>
-          </p:cNvSpPr>
-          <p:nvPr>
-            <p:ph type="title"/>
-          </p:nvPr>
-        </p:nvSpPr>
-        <p:spPr/>
-        <p:txBody>
-          <a:bodyPr/>
-          <a:lstStyle/>
-          <a:p>
-            <a:r>
-              <a:rPr lang="zh-CN" altLang="en-US" dirty="0" smtClean="0"/>
-              <a:t>剔除操作和裁剪操作</a:t>
-            </a:r>
-            <a:endParaRPr lang="zh-CN" altLang="en-US" dirty="0"/>
-          </a:p>
-        </p:txBody>
-      </p:sp>
-      <p:sp>
-        <p:nvSpPr>
-          <p:cNvPr id="5" name="内容占位符 4"/>
-          <p:cNvSpPr>
-            <a:spLocks noGrp="1"/>
-          </p:cNvSpPr>
-          <p:nvPr>
-            <p:ph idx="1"/>
-          </p:nvPr>
-        </p:nvSpPr>
-        <p:spPr/>
-        <p:txBody>
-          <a:bodyPr>
-            <a:normAutofit/>
-          </a:bodyPr>
-          <a:lstStyle/>
-          <a:p>
-            <a:pPr>
-              <a:buNone/>
-            </a:pPr>
-            <a:r>
-              <a:rPr lang="zh-CN" altLang="en-US" sz="2000" dirty="0" smtClean="0"/>
-              <a:t>正面测试如下</a:t>
-            </a:r>
-            <a:r>
-              <a:rPr lang="zh-CN" altLang="en-US" sz="2000" dirty="0" smtClean="0"/>
-              <a:t>：</a:t>
+              <a:t>正面测试如下：</a:t>
             </a:r>
             <a:endParaRPr lang="en-US" altLang="zh-CN" sz="2000" dirty="0" smtClean="0"/>
           </a:p>
@@ -7391,7 +7156,7 @@
 </p:sld>
 </file>
 
-<file path=ppt/slides/slide29.xml><?xml version="1.0" encoding="utf-8"?>
+<file path=ppt/slides/slide28.xml><?xml version="1.0" encoding="utf-8"?>
 <p:sld xmlns:a="http://schemas.openxmlformats.org/drawingml/2006/main" xmlns:r="http://schemas.openxmlformats.org/officeDocument/2006/relationships" xmlns:p="http://schemas.openxmlformats.org/presentationml/2006/main">
   <p:cSld>
     <p:spTree>
@@ -7573,6 +7338,77 @@
 </p:sld>
 </file>
 
+<file path=ppt/slides/slide29.xml><?xml version="1.0" encoding="utf-8"?>
+<p:sld xmlns:a="http://schemas.openxmlformats.org/drawingml/2006/main" xmlns:r="http://schemas.openxmlformats.org/officeDocument/2006/relationships" xmlns:p="http://schemas.openxmlformats.org/presentationml/2006/main">
+  <p:cSld>
+    <p:spTree>
+      <p:nvGrpSpPr>
+        <p:cNvPr id="1" name=""/>
+        <p:cNvGrpSpPr/>
+        <p:nvPr/>
+      </p:nvGrpSpPr>
+      <p:grpSpPr>
+        <a:xfrm>
+          <a:off x="0" y="0"/>
+          <a:ext cx="0" cy="0"/>
+          <a:chOff x="0" y="0"/>
+          <a:chExt cx="0" cy="0"/>
+        </a:xfrm>
+      </p:grpSpPr>
+      <p:sp>
+        <p:nvSpPr>
+          <p:cNvPr id="2" name="标题 1"/>
+          <p:cNvSpPr>
+            <a:spLocks noGrp="1"/>
+          </p:cNvSpPr>
+          <p:nvPr>
+            <p:ph type="title"/>
+          </p:nvPr>
+        </p:nvSpPr>
+        <p:spPr/>
+        <p:txBody>
+          <a:bodyPr/>
+          <a:lstStyle/>
+          <a:p>
+            <a:r>
+              <a:rPr lang="zh-CN" altLang="en-US" dirty="0" smtClean="0"/>
+              <a:t>光栅化操作</a:t>
+            </a:r>
+            <a:endParaRPr lang="zh-CN" altLang="en-US" dirty="0"/>
+          </a:p>
+        </p:txBody>
+      </p:sp>
+      <p:sp>
+        <p:nvSpPr>
+          <p:cNvPr id="3" name="内容占位符 2"/>
+          <p:cNvSpPr>
+            <a:spLocks noGrp="1"/>
+          </p:cNvSpPr>
+          <p:nvPr>
+            <p:ph idx="1"/>
+          </p:nvPr>
+        </p:nvSpPr>
+        <p:spPr/>
+        <p:txBody>
+          <a:bodyPr/>
+          <a:lstStyle/>
+          <a:p>
+            <a:r>
+              <a:rPr lang="zh-CN" altLang="en-US" dirty="0" smtClean="0"/>
+              <a:t>直线段光栅化</a:t>
+            </a:r>
+            <a:endParaRPr lang="zh-CN" altLang="en-US" dirty="0"/>
+          </a:p>
+        </p:txBody>
+      </p:sp>
+    </p:spTree>
+  </p:cSld>
+  <p:clrMapOvr>
+    <a:masterClrMapping/>
+  </p:clrMapOvr>
+</p:sld>
+</file>
+
 <file path=ppt/slides/slide3.xml><?xml version="1.0" encoding="utf-8"?>
 <p:sld xmlns:a="http://schemas.openxmlformats.org/drawingml/2006/main" xmlns:r="http://schemas.openxmlformats.org/officeDocument/2006/relationships" xmlns:p="http://schemas.openxmlformats.org/presentationml/2006/main">
   <p:cSld>
@@ -7654,15 +7490,7 @@
             </a:r>
             <a:r>
               <a:rPr lang="zh-CN" altLang="en-US" dirty="0" smtClean="0"/>
-              <a:t>等这样的技术。这些是目前比较流行的且用到的最多的硬件</a:t>
-            </a:r>
-            <a:r>
-              <a:rPr lang="zh-CN" altLang="en-US" dirty="0" smtClean="0"/>
-              <a:t>图</a:t>
-            </a:r>
-            <a:r>
-              <a:rPr lang="zh-CN" altLang="en-US" dirty="0" smtClean="0"/>
-              <a:t>形程序接口。我们将需要渲染的数据交给</a:t>
+              <a:t>等这样的技术。这些是目前比较流行的且用到的最多的硬件图形程序接口。我们将需要渲染的数据交给</a:t>
             </a:r>
             <a:r>
               <a:rPr lang="en-US" altLang="zh-CN" dirty="0" smtClean="0"/>
@@ -7752,7 +7580,7 @@
           <a:p>
             <a:r>
               <a:rPr lang="zh-CN" altLang="en-US" dirty="0" smtClean="0"/>
-              <a:t>直线段光栅化</a:t>
+              <a:t>三角形光栅化</a:t>
             </a:r>
             <a:endParaRPr lang="zh-CN" altLang="en-US" dirty="0"/>
           </a:p>
@@ -7800,6 +7628,207 @@
           <a:p>
             <a:r>
               <a:rPr lang="zh-CN" altLang="en-US" dirty="0" smtClean="0"/>
+              <a:t>纹理映射</a:t>
+            </a:r>
+            <a:endParaRPr lang="zh-CN" altLang="en-US" dirty="0"/>
+          </a:p>
+        </p:txBody>
+      </p:sp>
+      <p:sp>
+        <p:nvSpPr>
+          <p:cNvPr id="3" name="内容占位符 2"/>
+          <p:cNvSpPr>
+            <a:spLocks noGrp="1"/>
+          </p:cNvSpPr>
+          <p:nvPr>
+            <p:ph idx="1"/>
+          </p:nvPr>
+        </p:nvSpPr>
+        <p:spPr/>
+        <p:txBody>
+          <a:bodyPr/>
+          <a:lstStyle/>
+          <a:p>
+            <a:endParaRPr lang="zh-CN" altLang="en-US" dirty="0"/>
+          </a:p>
+        </p:txBody>
+      </p:sp>
+    </p:spTree>
+  </p:cSld>
+  <p:clrMapOvr>
+    <a:masterClrMapping/>
+  </p:clrMapOvr>
+</p:sld>
+</file>
+
+<file path=ppt/slides/slide32.xml><?xml version="1.0" encoding="utf-8"?>
+<p:sld xmlns:a="http://schemas.openxmlformats.org/drawingml/2006/main" xmlns:r="http://schemas.openxmlformats.org/officeDocument/2006/relationships" xmlns:p="http://schemas.openxmlformats.org/presentationml/2006/main">
+  <p:cSld>
+    <p:spTree>
+      <p:nvGrpSpPr>
+        <p:cNvPr id="1" name=""/>
+        <p:cNvGrpSpPr/>
+        <p:nvPr/>
+      </p:nvGrpSpPr>
+      <p:grpSpPr>
+        <a:xfrm>
+          <a:off x="0" y="0"/>
+          <a:ext cx="0" cy="0"/>
+          <a:chOff x="0" y="0"/>
+          <a:chExt cx="0" cy="0"/>
+        </a:xfrm>
+      </p:grpSpPr>
+      <p:sp>
+        <p:nvSpPr>
+          <p:cNvPr id="2" name="标题 1"/>
+          <p:cNvSpPr>
+            <a:spLocks noGrp="1"/>
+          </p:cNvSpPr>
+          <p:nvPr>
+            <p:ph type="title"/>
+          </p:nvPr>
+        </p:nvSpPr>
+        <p:spPr/>
+        <p:txBody>
+          <a:bodyPr/>
+          <a:lstStyle/>
+          <a:p>
+            <a:r>
+              <a:rPr lang="zh-CN" altLang="en-US" dirty="0" smtClean="0"/>
+              <a:t>基本光照模型</a:t>
+            </a:r>
+            <a:endParaRPr lang="zh-CN" altLang="en-US" dirty="0"/>
+          </a:p>
+        </p:txBody>
+      </p:sp>
+      <p:sp>
+        <p:nvSpPr>
+          <p:cNvPr id="3" name="内容占位符 2"/>
+          <p:cNvSpPr>
+            <a:spLocks noGrp="1"/>
+          </p:cNvSpPr>
+          <p:nvPr>
+            <p:ph idx="1"/>
+          </p:nvPr>
+        </p:nvSpPr>
+        <p:spPr/>
+        <p:txBody>
+          <a:bodyPr/>
+          <a:lstStyle/>
+          <a:p>
+            <a:endParaRPr lang="zh-CN" altLang="en-US"/>
+          </a:p>
+        </p:txBody>
+      </p:sp>
+    </p:spTree>
+  </p:cSld>
+  <p:clrMapOvr>
+    <a:masterClrMapping/>
+  </p:clrMapOvr>
+</p:sld>
+</file>
+
+<file path=ppt/slides/slide33.xml><?xml version="1.0" encoding="utf-8"?>
+<p:sld xmlns:a="http://schemas.openxmlformats.org/drawingml/2006/main" xmlns:r="http://schemas.openxmlformats.org/officeDocument/2006/relationships" xmlns:p="http://schemas.openxmlformats.org/presentationml/2006/main">
+  <p:cSld>
+    <p:spTree>
+      <p:nvGrpSpPr>
+        <p:cNvPr id="1" name=""/>
+        <p:cNvGrpSpPr/>
+        <p:nvPr/>
+      </p:nvGrpSpPr>
+      <p:grpSpPr>
+        <a:xfrm>
+          <a:off x="0" y="0"/>
+          <a:ext cx="0" cy="0"/>
+          <a:chOff x="0" y="0"/>
+          <a:chExt cx="0" cy="0"/>
+        </a:xfrm>
+      </p:grpSpPr>
+      <p:sp>
+        <p:nvSpPr>
+          <p:cNvPr id="2" name="标题 1"/>
+          <p:cNvSpPr>
+            <a:spLocks noGrp="1"/>
+          </p:cNvSpPr>
+          <p:nvPr>
+            <p:ph type="title"/>
+          </p:nvPr>
+        </p:nvSpPr>
+        <p:spPr/>
+        <p:txBody>
+          <a:bodyPr/>
+          <a:lstStyle/>
+          <a:p>
+            <a:r>
+              <a:rPr lang="zh-CN" altLang="en-US" dirty="0" smtClean="0"/>
+              <a:t>高级光照模型</a:t>
+            </a:r>
+            <a:endParaRPr lang="zh-CN" altLang="en-US" dirty="0"/>
+          </a:p>
+        </p:txBody>
+      </p:sp>
+      <p:sp>
+        <p:nvSpPr>
+          <p:cNvPr id="3" name="内容占位符 2"/>
+          <p:cNvSpPr>
+            <a:spLocks noGrp="1"/>
+          </p:cNvSpPr>
+          <p:nvPr>
+            <p:ph idx="1"/>
+          </p:nvPr>
+        </p:nvSpPr>
+        <p:spPr/>
+        <p:txBody>
+          <a:bodyPr/>
+          <a:lstStyle/>
+          <a:p>
+            <a:endParaRPr lang="zh-CN" altLang="en-US"/>
+          </a:p>
+        </p:txBody>
+      </p:sp>
+    </p:spTree>
+  </p:cSld>
+  <p:clrMapOvr>
+    <a:masterClrMapping/>
+  </p:clrMapOvr>
+</p:sld>
+</file>
+
+<file path=ppt/slides/slide34.xml><?xml version="1.0" encoding="utf-8"?>
+<p:sld xmlns:a="http://schemas.openxmlformats.org/drawingml/2006/main" xmlns:r="http://schemas.openxmlformats.org/officeDocument/2006/relationships" xmlns:p="http://schemas.openxmlformats.org/presentationml/2006/main">
+  <p:cSld>
+    <p:spTree>
+      <p:nvGrpSpPr>
+        <p:cNvPr id="1" name=""/>
+        <p:cNvGrpSpPr/>
+        <p:nvPr/>
+      </p:nvGrpSpPr>
+      <p:grpSpPr>
+        <a:xfrm>
+          <a:off x="0" y="0"/>
+          <a:ext cx="0" cy="0"/>
+          <a:chOff x="0" y="0"/>
+          <a:chExt cx="0" cy="0"/>
+        </a:xfrm>
+      </p:grpSpPr>
+      <p:sp>
+        <p:nvSpPr>
+          <p:cNvPr id="2" name="标题 1"/>
+          <p:cNvSpPr>
+            <a:spLocks noGrp="1"/>
+          </p:cNvSpPr>
+          <p:nvPr>
+            <p:ph type="title"/>
+          </p:nvPr>
+        </p:nvSpPr>
+        <p:spPr/>
+        <p:txBody>
+          <a:bodyPr/>
+          <a:lstStyle/>
+          <a:p>
+            <a:r>
+              <a:rPr lang="zh-CN" altLang="en-US" dirty="0" smtClean="0"/>
               <a:t>推荐书籍</a:t>
             </a:r>
             <a:endParaRPr lang="zh-CN" altLang="en-US" dirty="0"/>
@@ -7862,6 +7891,59 @@
             <a:r>
               <a:rPr lang="zh-CN" altLang="en-US" dirty="0" smtClean="0"/>
               <a:t>游戏引擎设计：实时计算机图形学的应用方法</a:t>
+            </a:r>
+            <a:endParaRPr lang="zh-CN" altLang="en-US" dirty="0"/>
+          </a:p>
+        </p:txBody>
+      </p:sp>
+    </p:spTree>
+  </p:cSld>
+  <p:clrMapOvr>
+    <a:masterClrMapping/>
+  </p:clrMapOvr>
+</p:sld>
+</file>
+
+<file path=ppt/slides/slide35.xml><?xml version="1.0" encoding="utf-8"?>
+<p:sld xmlns:a="http://schemas.openxmlformats.org/drawingml/2006/main" xmlns:r="http://schemas.openxmlformats.org/officeDocument/2006/relationships" xmlns:p="http://schemas.openxmlformats.org/presentationml/2006/main">
+  <p:cSld>
+    <p:spTree>
+      <p:nvGrpSpPr>
+        <p:cNvPr id="1" name=""/>
+        <p:cNvGrpSpPr/>
+        <p:nvPr/>
+      </p:nvGrpSpPr>
+      <p:grpSpPr>
+        <a:xfrm>
+          <a:off x="0" y="0"/>
+          <a:ext cx="0" cy="0"/>
+          <a:chOff x="0" y="0"/>
+          <a:chExt cx="0" cy="0"/>
+        </a:xfrm>
+      </p:grpSpPr>
+      <p:sp>
+        <p:nvSpPr>
+          <p:cNvPr id="2" name="标题 1"/>
+          <p:cNvSpPr>
+            <a:spLocks noGrp="1"/>
+          </p:cNvSpPr>
+          <p:nvPr>
+            <p:ph type="title"/>
+          </p:nvPr>
+        </p:nvSpPr>
+        <p:spPr>
+          <a:xfrm>
+            <a:off x="323528" y="2636912"/>
+            <a:ext cx="8229600" cy="1143000"/>
+          </a:xfrm>
+        </p:spPr>
+        <p:txBody>
+          <a:bodyPr/>
+          <a:lstStyle/>
+          <a:p>
+            <a:r>
+              <a:rPr lang="zh-CN" altLang="en-US" dirty="0" smtClean="0"/>
+              <a:t>谢谢</a:t>
             </a:r>
             <a:endParaRPr lang="zh-CN" altLang="en-US" dirty="0"/>
           </a:p>
@@ -8091,11 +8173,7 @@
             </a:r>
             <a:r>
               <a:rPr lang="zh-CN" altLang="en-US" dirty="0" smtClean="0"/>
-              <a:t>知</a:t>
-            </a:r>
-            <a:r>
-              <a:rPr lang="zh-CN" altLang="en-US" dirty="0" smtClean="0"/>
-              <a:t>识的情况下也能实现</a:t>
+              <a:t>知识的情况下也能实现</a:t>
             </a:r>
             <a:r>
               <a:rPr lang="en-US" altLang="zh-CN" dirty="0" smtClean="0"/>
@@ -8305,15 +8383,7 @@
           <a:p>
             <a:r>
               <a:rPr lang="zh-CN" altLang="en-US" dirty="0" smtClean="0"/>
-              <a:t>所以要完成渲染，我们的目标只是先在内存中绘制想要的图像，并将最终的</a:t>
-            </a:r>
-            <a:r>
-              <a:rPr lang="zh-CN" altLang="en-US" dirty="0" smtClean="0"/>
-              <a:t>绘</a:t>
-            </a:r>
-            <a:r>
-              <a:rPr lang="zh-CN" altLang="en-US" dirty="0" smtClean="0"/>
-              <a:t>制结果从内存中拷贝到帧缓冲区中。</a:t>
+              <a:t>所以要完成渲染，我们的目标只是先在内存中绘制想要的图像，并将最终的绘制结果从内存中拷贝到帧缓冲区中。</a:t>
             </a:r>
             <a:endParaRPr lang="zh-CN" altLang="en-US" dirty="0"/>
           </a:p>
@@ -8403,11 +8473,7 @@
           <a:p>
             <a:r>
               <a:rPr lang="zh-CN" altLang="en-US" dirty="0" smtClean="0"/>
-              <a:t>拷</a:t>
-            </a:r>
-            <a:r>
-              <a:rPr lang="zh-CN" altLang="en-US" dirty="0" smtClean="0"/>
-              <a:t>贝</a:t>
+              <a:t>拷贝</a:t>
             </a:r>
             <a:r>
               <a:rPr lang="en-US" altLang="zh-CN" dirty="0" smtClean="0"/>
@@ -8505,11 +8571,7 @@
             </a:r>
             <a:r>
               <a:rPr lang="en-US" altLang="zh-CN" dirty="0" smtClean="0"/>
-              <a:t>, </a:t>
-            </a:r>
-            <a:r>
-              <a:rPr lang="en-US" altLang="zh-CN" dirty="0" smtClean="0"/>
-              <a:t>HDC </a:t>
+              <a:t>, HDC </a:t>
             </a:r>
             <a:r>
               <a:rPr lang="en-US" altLang="zh-CN" dirty="0" err="1" smtClean="0"/>
@@ -8549,11 +8611,7 @@
             </a:r>
             <a:r>
               <a:rPr lang="en-US" altLang="zh-CN" dirty="0" smtClean="0"/>
-              <a:t>, </a:t>
-            </a:r>
-            <a:r>
-              <a:rPr lang="en-US" altLang="zh-CN" dirty="0" smtClean="0"/>
-              <a:t>DWORD </a:t>
+              <a:t>, DWORD </a:t>
             </a:r>
             <a:r>
               <a:rPr lang="en-US" altLang="zh-CN" dirty="0" err="1" smtClean="0"/>
@@ -8577,11 +8635,7 @@
             </a:pPr>
             <a:r>
               <a:rPr lang="en-US" altLang="zh-CN" dirty="0" smtClean="0"/>
-              <a:t>	</a:t>
-            </a:r>
-            <a:r>
-              <a:rPr lang="en-US" altLang="zh-CN" dirty="0" smtClean="0"/>
-              <a:t>HDC </a:t>
+              <a:t>	HDC </a:t>
             </a:r>
             <a:r>
               <a:rPr lang="en-US" altLang="zh-CN" dirty="0" err="1" smtClean="0"/>
@@ -8614,11 +8668,7 @@
             </a:pPr>
             <a:r>
               <a:rPr lang="en-US" altLang="zh-CN" dirty="0" smtClean="0"/>
-              <a:t>	static </a:t>
-            </a:r>
-            <a:r>
-              <a:rPr lang="en-US" altLang="zh-CN" dirty="0" smtClean="0"/>
-              <a:t>HDC </a:t>
+              <a:t>	static HDC </a:t>
             </a:r>
             <a:r>
               <a:rPr lang="en-US" altLang="zh-CN" dirty="0" err="1" smtClean="0"/>
@@ -8968,11 +9018,7 @@
           <a:p>
             <a:r>
               <a:rPr lang="zh-CN" altLang="en-US" dirty="0" smtClean="0"/>
-              <a:t>游</a:t>
-            </a:r>
-            <a:r>
-              <a:rPr lang="zh-CN" altLang="en-US" dirty="0" smtClean="0"/>
-              <a:t>戏复杂的模块和场景都是由三角形组成的，我们、从绘制一个</a:t>
+              <a:t>游戏复杂的模块和场景都是由三角形组成的，我们、从绘制一个</a:t>
             </a:r>
             <a:r>
               <a:rPr lang="en-US" altLang="zh-CN" dirty="0" smtClean="0"/>
@@ -9009,11 +9055,7 @@
             <a:pPr lvl="1"/>
             <a:r>
               <a:rPr lang="zh-CN" altLang="en-US" dirty="0" smtClean="0"/>
-              <a:t>任</a:t>
-            </a:r>
-            <a:r>
-              <a:rPr lang="zh-CN" altLang="en-US" dirty="0" smtClean="0"/>
-              <a:t>意三角形（可以分割为两个平底三角形）</a:t>
+              <a:t>任意三角形（可以分割为两个平底三角形）</a:t>
             </a:r>
             <a:endParaRPr lang="en-US" altLang="zh-CN" dirty="0" smtClean="0"/>
           </a:p>

--- a/SoftEngine/doc/SoftwareRender.pptx
+++ b/SoftEngine/doc/SoftwareRender.pptx
@@ -242,7 +242,7 @@
           <a:p>
             <a:fld id="{7FD73F73-AD69-480B-91F2-49106152900A}" type="datetimeFigureOut">
               <a:rPr lang="zh-CN" altLang="en-US" smtClean="0"/>
-              <a:t>2017/7/17</a:t>
+              <a:t>2017/7/18</a:t>
             </a:fld>
             <a:endParaRPr lang="zh-CN" altLang="en-US"/>
           </a:p>
@@ -712,7 +712,7 @@
           <a:p>
             <a:fld id="{2514DD5B-EB48-44C1-916F-AD55A63A68F5}" type="datetimeFigureOut">
               <a:rPr lang="zh-CN" altLang="en-US" smtClean="0"/>
-              <a:t>2017/7/17</a:t>
+              <a:t>2017/7/18</a:t>
             </a:fld>
             <a:endParaRPr lang="zh-CN" altLang="en-US"/>
           </a:p>
@@ -943,7 +943,7 @@
           <a:p>
             <a:fld id="{2514DD5B-EB48-44C1-916F-AD55A63A68F5}" type="datetimeFigureOut">
               <a:rPr lang="zh-CN" altLang="en-US" smtClean="0"/>
-              <a:t>2017/7/17</a:t>
+              <a:t>2017/7/18</a:t>
             </a:fld>
             <a:endParaRPr lang="zh-CN" altLang="en-US"/>
           </a:p>
@@ -1174,7 +1174,7 @@
           <a:p>
             <a:fld id="{2514DD5B-EB48-44C1-916F-AD55A63A68F5}" type="datetimeFigureOut">
               <a:rPr lang="zh-CN" altLang="en-US" smtClean="0"/>
-              <a:t>2017/7/17</a:t>
+              <a:t>2017/7/18</a:t>
             </a:fld>
             <a:endParaRPr lang="zh-CN" altLang="en-US"/>
           </a:p>
@@ -1473,7 +1473,7 @@
               <a:pPr>
                 <a:defRPr/>
               </a:pPr>
-              <a:t>2017/7/17</a:t>
+              <a:t>2017/7/18</a:t>
             </a:fld>
             <a:endParaRPr lang="zh-CN" altLang="en-US"/>
           </a:p>
@@ -1719,7 +1719,7 @@
               <a:pPr>
                 <a:defRPr/>
               </a:pPr>
-              <a:t>2017/7/17</a:t>
+              <a:t>2017/7/18</a:t>
             </a:fld>
             <a:endParaRPr lang="zh-CN" altLang="en-US"/>
           </a:p>
@@ -2031,7 +2031,7 @@
               <a:pPr>
                 <a:defRPr/>
               </a:pPr>
-              <a:t>2017/7/17</a:t>
+              <a:t>2017/7/18</a:t>
             </a:fld>
             <a:endParaRPr lang="zh-CN" altLang="en-US"/>
           </a:p>
@@ -2393,7 +2393,7 @@
               <a:pPr>
                 <a:defRPr/>
               </a:pPr>
-              <a:t>2017/7/17</a:t>
+              <a:t>2017/7/18</a:t>
             </a:fld>
             <a:endParaRPr lang="zh-CN" altLang="en-US"/>
           </a:p>
@@ -2895,7 +2895,7 @@
               <a:pPr>
                 <a:defRPr/>
               </a:pPr>
-              <a:t>2017/7/17</a:t>
+              <a:t>2017/7/18</a:t>
             </a:fld>
             <a:endParaRPr lang="zh-CN" altLang="en-US"/>
           </a:p>
@@ -3081,7 +3081,7 @@
               <a:pPr>
                 <a:defRPr/>
               </a:pPr>
-              <a:t>2017/7/17</a:t>
+              <a:t>2017/7/18</a:t>
             </a:fld>
             <a:endParaRPr lang="zh-CN" altLang="en-US"/>
           </a:p>
@@ -3236,7 +3236,7 @@
               <a:pPr>
                 <a:defRPr/>
               </a:pPr>
-              <a:t>2017/7/17</a:t>
+              <a:t>2017/7/18</a:t>
             </a:fld>
             <a:endParaRPr lang="zh-CN" altLang="en-US"/>
           </a:p>
@@ -3582,7 +3582,7 @@
               <a:pPr>
                 <a:defRPr/>
               </a:pPr>
-              <a:t>2017/7/17</a:t>
+              <a:t>2017/7/18</a:t>
             </a:fld>
             <a:endParaRPr lang="zh-CN" altLang="en-US"/>
           </a:p>
@@ -3822,7 +3822,7 @@
           <a:p>
             <a:fld id="{2514DD5B-EB48-44C1-916F-AD55A63A68F5}" type="datetimeFigureOut">
               <a:rPr lang="zh-CN" altLang="en-US" smtClean="0"/>
-              <a:t>2017/7/17</a:t>
+              <a:t>2017/7/18</a:t>
             </a:fld>
             <a:endParaRPr lang="zh-CN" altLang="en-US"/>
           </a:p>
@@ -4139,7 +4139,7 @@
               <a:pPr>
                 <a:defRPr/>
               </a:pPr>
-              <a:t>2017/7/17</a:t>
+              <a:t>2017/7/18</a:t>
             </a:fld>
             <a:endParaRPr lang="zh-CN" altLang="en-US"/>
           </a:p>
@@ -4385,7 +4385,7 @@
               <a:pPr>
                 <a:defRPr/>
               </a:pPr>
-              <a:t>2017/7/17</a:t>
+              <a:t>2017/7/18</a:t>
             </a:fld>
             <a:endParaRPr lang="zh-CN" altLang="en-US"/>
           </a:p>
@@ -4631,7 +4631,7 @@
               <a:pPr>
                 <a:defRPr/>
               </a:pPr>
-              <a:t>2017/7/17</a:t>
+              <a:t>2017/7/18</a:t>
             </a:fld>
             <a:endParaRPr lang="zh-CN" altLang="en-US"/>
           </a:p>
@@ -4937,7 +4937,7 @@
           <a:p>
             <a:fld id="{2514DD5B-EB48-44C1-916F-AD55A63A68F5}" type="datetimeFigureOut">
               <a:rPr lang="zh-CN" altLang="en-US" smtClean="0"/>
-              <a:t>2017/7/17</a:t>
+              <a:t>2017/7/18</a:t>
             </a:fld>
             <a:endParaRPr lang="zh-CN" altLang="en-US"/>
           </a:p>
@@ -5284,7 +5284,7 @@
           <a:p>
             <a:fld id="{2514DD5B-EB48-44C1-916F-AD55A63A68F5}" type="datetimeFigureOut">
               <a:rPr lang="zh-CN" altLang="en-US" smtClean="0"/>
-              <a:t>2017/7/17</a:t>
+              <a:t>2017/7/18</a:t>
             </a:fld>
             <a:endParaRPr lang="zh-CN" altLang="en-US"/>
           </a:p>
@@ -5771,7 +5771,7 @@
           <a:p>
             <a:fld id="{2514DD5B-EB48-44C1-916F-AD55A63A68F5}" type="datetimeFigureOut">
               <a:rPr lang="zh-CN" altLang="en-US" smtClean="0"/>
-              <a:t>2017/7/17</a:t>
+              <a:t>2017/7/18</a:t>
             </a:fld>
             <a:endParaRPr lang="zh-CN" altLang="en-US"/>
           </a:p>
@@ -5942,7 +5942,7 @@
           <a:p>
             <a:fld id="{2514DD5B-EB48-44C1-916F-AD55A63A68F5}" type="datetimeFigureOut">
               <a:rPr lang="zh-CN" altLang="en-US" smtClean="0"/>
-              <a:t>2017/7/17</a:t>
+              <a:t>2017/7/18</a:t>
             </a:fld>
             <a:endParaRPr lang="zh-CN" altLang="en-US"/>
           </a:p>
@@ -6082,7 +6082,7 @@
           <a:p>
             <a:fld id="{2514DD5B-EB48-44C1-916F-AD55A63A68F5}" type="datetimeFigureOut">
               <a:rPr lang="zh-CN" altLang="en-US" smtClean="0"/>
-              <a:t>2017/7/17</a:t>
+              <a:t>2017/7/18</a:t>
             </a:fld>
             <a:endParaRPr lang="zh-CN" altLang="en-US"/>
           </a:p>
@@ -6413,7 +6413,7 @@
           <a:p>
             <a:fld id="{2514DD5B-EB48-44C1-916F-AD55A63A68F5}" type="datetimeFigureOut">
               <a:rPr lang="zh-CN" altLang="en-US" smtClean="0"/>
-              <a:t>2017/7/17</a:t>
+              <a:t>2017/7/18</a:t>
             </a:fld>
             <a:endParaRPr lang="zh-CN" altLang="en-US"/>
           </a:p>
@@ -6724,7 +6724,7 @@
           <a:p>
             <a:fld id="{2514DD5B-EB48-44C1-916F-AD55A63A68F5}" type="datetimeFigureOut">
               <a:rPr lang="zh-CN" altLang="en-US" smtClean="0"/>
-              <a:t>2017/7/17</a:t>
+              <a:t>2017/7/18</a:t>
             </a:fld>
             <a:endParaRPr lang="zh-CN" altLang="en-US"/>
           </a:p>
@@ -7882,11 +7882,7 @@
             <a:pPr lvl="1"/>
             <a:r>
               <a:rPr lang="zh-CN" altLang="en-US" dirty="0" smtClean="0"/>
-              <a:t>任意三角形（可以分割为两</a:t>
-            </a:r>
-            <a:r>
-              <a:rPr lang="zh-CN" altLang="en-US" dirty="0" smtClean="0"/>
-              <a:t>个</a:t>
+              <a:t>任意三角形（可以分割为两个</a:t>
             </a:r>
             <a:endParaRPr lang="en-US" altLang="zh-CN" dirty="0" smtClean="0"/>
           </a:p>
@@ -7896,11 +7892,7 @@
             </a:pPr>
             <a:r>
               <a:rPr lang="zh-CN" altLang="en-US" dirty="0" smtClean="0"/>
-              <a:t>平底</a:t>
-            </a:r>
-            <a:r>
-              <a:rPr lang="zh-CN" altLang="en-US" dirty="0" smtClean="0"/>
-              <a:t>三角形）</a:t>
+              <a:t>平底三角形）</a:t>
             </a:r>
             <a:endParaRPr lang="en-US" altLang="zh-CN" dirty="0" smtClean="0"/>
           </a:p>
@@ -9607,11 +9599,7 @@
             </a:r>
             <a:r>
               <a:rPr lang="zh-CN" altLang="en-US" sz="2000" dirty="0" smtClean="0"/>
-              <a:t>则</a:t>
-            </a:r>
-            <a:r>
-              <a:rPr lang="zh-CN" altLang="en-US" sz="2000" dirty="0" smtClean="0"/>
-              <a:t>向量</a:t>
+              <a:t>则向量</a:t>
             </a:r>
             <a:r>
               <a:rPr lang="en-US" altLang="zh-CN" sz="2000" dirty="0" smtClean="0"/>
@@ -9627,11 +9615,7 @@
             </a:r>
             <a:r>
               <a:rPr lang="zh-CN" altLang="en-US" sz="2000" dirty="0" smtClean="0"/>
-              <a:t>平行和</a:t>
-            </a:r>
-            <a:r>
-              <a:rPr lang="zh-CN" altLang="en-US" sz="2000" dirty="0" smtClean="0"/>
-              <a:t>垂直的</a:t>
+              <a:t>平行和垂直的</a:t>
             </a:r>
             <a:endParaRPr lang="en-US" altLang="zh-CN" sz="2000" dirty="0" smtClean="0"/>
           </a:p>
@@ -9645,11 +9629,7 @@
             </a:r>
             <a:r>
               <a:rPr lang="zh-CN" altLang="en-US" sz="2000" dirty="0" smtClean="0"/>
-              <a:t>分量</a:t>
-            </a:r>
-            <a:r>
-              <a:rPr lang="zh-CN" altLang="en-US" sz="2000" dirty="0" smtClean="0"/>
-              <a:t>，与向量</a:t>
+              <a:t>分量，与向量</a:t>
             </a:r>
             <a:r>
               <a:rPr lang="en-US" altLang="zh-CN" sz="2000" dirty="0" smtClean="0"/>
@@ -9657,11 +9637,7 @@
             </a:r>
             <a:r>
               <a:rPr lang="zh-CN" altLang="en-US" sz="2000" dirty="0" smtClean="0"/>
-              <a:t>平行的分量在旋转过程中不变</a:t>
-            </a:r>
-            <a:r>
-              <a:rPr lang="zh-CN" altLang="en-US" sz="2000" dirty="0" smtClean="0"/>
-              <a:t>，</a:t>
+              <a:t>平行的分量在旋转过程中不变，</a:t>
             </a:r>
             <a:endParaRPr lang="en-US" altLang="zh-CN" sz="2000" dirty="0" smtClean="0"/>
           </a:p>
@@ -9675,11 +9651,7 @@
             </a:r>
             <a:r>
               <a:rPr lang="zh-CN" altLang="en-US" sz="2000" dirty="0" smtClean="0"/>
-              <a:t>因此</a:t>
-            </a:r>
-            <a:r>
-              <a:rPr lang="zh-CN" altLang="en-US" sz="2000" dirty="0" smtClean="0"/>
-              <a:t>问题简化为向量</a:t>
+              <a:t>因此问题简化为向量</a:t>
             </a:r>
             <a:r>
               <a:rPr lang="en-US" altLang="zh-CN" sz="2000" dirty="0" smtClean="0"/>
@@ -9695,11 +9667,7 @@
             </a:r>
             <a:r>
               <a:rPr lang="zh-CN" altLang="en-US" sz="2000" dirty="0" smtClean="0"/>
-              <a:t>垂直分量</a:t>
-            </a:r>
-            <a:r>
-              <a:rPr lang="zh-CN" altLang="en-US" sz="2000" dirty="0" smtClean="0"/>
-              <a:t>的</a:t>
+              <a:t>垂直分量的</a:t>
             </a:r>
             <a:endParaRPr lang="en-US" altLang="zh-CN" sz="2000" dirty="0" smtClean="0"/>
           </a:p>
@@ -9713,11 +9681,7 @@
             </a:r>
             <a:r>
               <a:rPr lang="zh-CN" altLang="en-US" sz="2000" dirty="0" smtClean="0"/>
-              <a:t>旋转</a:t>
-            </a:r>
-            <a:r>
-              <a:rPr lang="zh-CN" altLang="en-US" sz="2000" dirty="0" smtClean="0"/>
-              <a:t>问题。</a:t>
+              <a:t>旋转问题。</a:t>
             </a:r>
             <a:endParaRPr lang="zh-CN" altLang="en-US" sz="2000" dirty="0"/>
           </a:p>
@@ -10268,11 +10232,7 @@
           <a:p>
             <a:r>
               <a:rPr lang="zh-CN" altLang="en-US" dirty="0" smtClean="0"/>
-              <a:t>光栅化</a:t>
-            </a:r>
-            <a:r>
-              <a:rPr lang="zh-CN" altLang="en-US" dirty="0" smtClean="0"/>
-              <a:t>操作</a:t>
+              <a:t>光栅化操作</a:t>
             </a:r>
             <a:endParaRPr lang="en-US" altLang="zh-CN" dirty="0" smtClean="0"/>
           </a:p>
@@ -11076,7 +11036,7 @@
       </p:sp>
       <p:pic>
         <p:nvPicPr>
-          <p:cNvPr id="4" name="Picture 2"/>
+          <p:cNvPr id="6" name="Picture 3"/>
           <p:cNvPicPr>
             <a:picLocks noChangeAspect="1" noChangeArrowheads="1"/>
           </p:cNvPicPr>
@@ -11084,38 +11044,6 @@
         </p:nvPicPr>
         <p:blipFill>
           <a:blip r:embed="rId2" cstate="print"/>
-          <a:srcRect/>
-          <a:stretch>
-            <a:fillRect/>
-          </a:stretch>
-        </p:blipFill>
-        <p:spPr bwMode="auto">
-          <a:xfrm>
-            <a:off x="4860031" y="2735560"/>
-            <a:ext cx="3365584" cy="2277616"/>
-          </a:xfrm>
-          <a:prstGeom prst="rect">
-            <a:avLst/>
-          </a:prstGeom>
-          <a:noFill/>
-          <a:ln w="9525">
-            <a:noFill/>
-            <a:miter lim="800000"/>
-            <a:headEnd/>
-            <a:tailEnd/>
-          </a:ln>
-        </p:spPr>
-      </p:pic>
-      <p:pic>
-        <p:nvPicPr>
-          <p:cNvPr id="6" name="Picture 3"/>
-          <p:cNvPicPr>
-            <a:picLocks noChangeAspect="1" noChangeArrowheads="1"/>
-          </p:cNvPicPr>
-          <p:nvPr/>
-        </p:nvPicPr>
-        <p:blipFill>
-          <a:blip r:embed="rId3" cstate="print"/>
           <a:srcRect/>
           <a:stretch>
             <a:fillRect/>
@@ -11136,6 +11064,70 @@
             <a:headEnd/>
             <a:tailEnd/>
           </a:ln>
+        </p:spPr>
+      </p:pic>
+      <p:pic>
+        <p:nvPicPr>
+          <p:cNvPr id="1026" name="Picture 2"/>
+          <p:cNvPicPr>
+            <a:picLocks noChangeAspect="1" noChangeArrowheads="1"/>
+          </p:cNvPicPr>
+          <p:nvPr/>
+        </p:nvPicPr>
+        <p:blipFill>
+          <a:blip r:embed="rId3">
+            <a:extLst>
+              <a:ext uri="{28A0092B-C50C-407E-A947-70E740481C1C}">
+                <a14:useLocalDpi xmlns:a14="http://schemas.microsoft.com/office/drawing/2010/main" val="0"/>
+              </a:ext>
+            </a:extLst>
+          </a:blip>
+          <a:srcRect/>
+          <a:stretch>
+            <a:fillRect/>
+          </a:stretch>
+        </p:blipFill>
+        <p:spPr bwMode="auto">
+          <a:xfrm>
+            <a:off x="5148064" y="2883276"/>
+            <a:ext cx="3038475" cy="2266950"/>
+          </a:xfrm>
+          <a:prstGeom prst="rect">
+            <a:avLst/>
+          </a:prstGeom>
+          <a:noFill/>
+          <a:ln>
+            <a:noFill/>
+          </a:ln>
+          <a:effectLst/>
+          <a:extLst>
+            <a:ext uri="{909E8E84-426E-40DD-AFC4-6F175D3DCCD1}">
+              <a14:hiddenFill xmlns:a14="http://schemas.microsoft.com/office/drawing/2010/main">
+                <a:solidFill>
+                  <a:schemeClr val="accent1"/>
+                </a:solidFill>
+              </a14:hiddenFill>
+            </a:ext>
+            <a:ext uri="{91240B29-F687-4F45-9708-019B960494DF}">
+              <a14:hiddenLine xmlns:a14="http://schemas.microsoft.com/office/drawing/2010/main" w="9525">
+                <a:solidFill>
+                  <a:schemeClr val="tx1"/>
+                </a:solidFill>
+                <a:miter lim="800000"/>
+                <a:headEnd/>
+                <a:tailEnd/>
+              </a14:hiddenLine>
+            </a:ext>
+            <a:ext uri="{AF507438-7753-43E0-B8FC-AC1667EBCBE1}">
+              <a14:hiddenEffects xmlns:a14="http://schemas.microsoft.com/office/drawing/2010/main">
+                <a:effectLst>
+                  <a:outerShdw dist="35921" dir="2700000" algn="ctr" rotWithShape="0">
+                    <a:schemeClr val="bg2"/>
+                  </a:outerShdw>
+                </a:effectLst>
+              </a14:hiddenEffects>
+            </a:ext>
+          </a:extLst>
         </p:spPr>
       </p:pic>
     </p:spTree>
@@ -11535,11 +11527,7 @@
             </a:r>
             <a:r>
               <a:rPr lang="zh-CN" altLang="en-US" sz="2000" dirty="0" smtClean="0"/>
-              <a:t>解</a:t>
-            </a:r>
-            <a:r>
-              <a:rPr lang="zh-CN" altLang="en-US" sz="2000" dirty="0" smtClean="0"/>
-              <a:t>得：</a:t>
+              <a:t>解得：</a:t>
             </a:r>
             <a:endParaRPr lang="en-US" altLang="zh-CN" sz="2000" dirty="0" smtClean="0"/>
           </a:p>
@@ -11845,14 +11833,20 @@
       </p:pic>
       <p:pic>
         <p:nvPicPr>
-          <p:cNvPr id="10" name="Picture 3"/>
+          <p:cNvPr id="2051" name="Picture 3"/>
           <p:cNvPicPr>
             <a:picLocks noChangeAspect="1" noChangeArrowheads="1"/>
           </p:cNvPicPr>
           <p:nvPr/>
         </p:nvPicPr>
         <p:blipFill>
-          <a:blip r:embed="rId3" cstate="print"/>
+          <a:blip r:embed="rId3">
+            <a:extLst>
+              <a:ext uri="{28A0092B-C50C-407E-A947-70E740481C1C}">
+                <a14:useLocalDpi xmlns:a14="http://schemas.microsoft.com/office/drawing/2010/main" val="0"/>
+              </a:ext>
+            </a:extLst>
+          </a:blip>
           <a:srcRect/>
           <a:stretch>
             <a:fillRect/>
@@ -11860,19 +11854,45 @@
         </p:blipFill>
         <p:spPr bwMode="auto">
           <a:xfrm>
-            <a:off x="3923928" y="3573016"/>
-            <a:ext cx="3096939" cy="2167004"/>
+            <a:off x="3760515" y="3573016"/>
+            <a:ext cx="3571875" cy="1981200"/>
           </a:xfrm>
           <a:prstGeom prst="rect">
             <a:avLst/>
           </a:prstGeom>
           <a:noFill/>
-          <a:ln w="9525">
+          <a:ln>
             <a:noFill/>
-            <a:miter lim="800000"/>
-            <a:headEnd/>
-            <a:tailEnd/>
           </a:ln>
+          <a:effectLst/>
+          <a:extLst>
+            <a:ext uri="{909E8E84-426E-40DD-AFC4-6F175D3DCCD1}">
+              <a14:hiddenFill xmlns:a14="http://schemas.microsoft.com/office/drawing/2010/main">
+                <a:solidFill>
+                  <a:schemeClr val="accent1"/>
+                </a:solidFill>
+              </a14:hiddenFill>
+            </a:ext>
+            <a:ext uri="{91240B29-F687-4F45-9708-019B960494DF}">
+              <a14:hiddenLine xmlns:a14="http://schemas.microsoft.com/office/drawing/2010/main" w="9525">
+                <a:solidFill>
+                  <a:schemeClr val="tx1"/>
+                </a:solidFill>
+                <a:miter lim="800000"/>
+                <a:headEnd/>
+                <a:tailEnd/>
+              </a14:hiddenLine>
+            </a:ext>
+            <a:ext uri="{AF507438-7753-43E0-B8FC-AC1667EBCBE1}">
+              <a14:hiddenEffects xmlns:a14="http://schemas.microsoft.com/office/drawing/2010/main">
+                <a:effectLst>
+                  <a:outerShdw dist="35921" dir="2700000" algn="ctr" rotWithShape="0">
+                    <a:schemeClr val="bg2"/>
+                  </a:outerShdw>
+                </a:effectLst>
+              </a14:hiddenEffects>
+            </a:ext>
+          </a:extLst>
         </p:spPr>
       </p:pic>
     </p:spTree>
@@ -12558,11 +12578,7 @@
             </a:r>
             <a:r>
               <a:rPr lang="zh-CN" altLang="en-US" sz="2000" dirty="0" smtClean="0"/>
-              <a:t>提供给我们更灵活简单的方式去渲染图像，但却隐藏了许多细节</a:t>
-            </a:r>
-            <a:r>
-              <a:rPr lang="zh-CN" altLang="en-US" sz="2000" dirty="0" smtClean="0"/>
-              <a:t>。</a:t>
+              <a:t>提供给我们更灵活简单的方式去渲染图像，但却隐藏了许多细节。</a:t>
             </a:r>
             <a:endParaRPr lang="en-US" altLang="zh-CN" sz="2000" dirty="0" smtClean="0"/>
           </a:p>
@@ -12947,11 +12963,7 @@
           <a:p>
             <a:r>
               <a:rPr lang="zh-CN" altLang="en-US" dirty="0" smtClean="0"/>
-              <a:t>直线段光栅</a:t>
-            </a:r>
-            <a:r>
-              <a:rPr lang="zh-CN" altLang="en-US" dirty="0" smtClean="0"/>
-              <a:t>化（</a:t>
+              <a:t>直线段光栅化（</a:t>
             </a:r>
             <a:r>
               <a:rPr lang="en-US" altLang="zh-CN" dirty="0" err="1" smtClean="0"/>
@@ -13418,11 +13430,7 @@
           <a:p>
             <a:r>
               <a:rPr lang="zh-CN" altLang="en-US" dirty="0" smtClean="0"/>
-              <a:t>三角形光栅</a:t>
-            </a:r>
-            <a:r>
-              <a:rPr lang="zh-CN" altLang="en-US" dirty="0" smtClean="0"/>
-              <a:t>化</a:t>
+              <a:t>三角形光栅化</a:t>
             </a:r>
             <a:endParaRPr lang="en-US" altLang="zh-CN" dirty="0" smtClean="0"/>
           </a:p>
@@ -16517,11 +16525,7 @@
           <a:p>
             <a:r>
               <a:rPr lang="zh-CN" altLang="en-US" dirty="0" smtClean="0"/>
-              <a:t>高级</a:t>
-            </a:r>
-            <a:r>
-              <a:rPr lang="zh-CN" altLang="en-US" dirty="0" smtClean="0"/>
-              <a:t>光照技术</a:t>
+              <a:t>高级光照技术</a:t>
             </a:r>
             <a:endParaRPr lang="zh-CN" altLang="en-US" dirty="0"/>
           </a:p>
@@ -17320,11 +17324,7 @@
             </a:r>
             <a:r>
               <a:rPr lang="zh-CN" altLang="en-US" dirty="0" smtClean="0"/>
-              <a:t>游戏与计算机图形学中的数学</a:t>
-            </a:r>
-            <a:r>
-              <a:rPr lang="zh-CN" altLang="en-US" dirty="0" smtClean="0"/>
-              <a:t>方法</a:t>
+              <a:t>游戏与计算机图形学中的数学方法</a:t>
             </a:r>
             <a:endParaRPr lang="en-US" altLang="zh-CN" dirty="0" smtClean="0"/>
           </a:p>
@@ -17350,11 +17350,7 @@
             </a:r>
             <a:r>
               <a:rPr lang="zh-CN" altLang="en-US" dirty="0" smtClean="0"/>
-              <a:t>游戏引擎设计：实时计算机图形学的应用</a:t>
-            </a:r>
-            <a:r>
-              <a:rPr lang="zh-CN" altLang="en-US" dirty="0" smtClean="0"/>
-              <a:t>方法</a:t>
+              <a:t>游戏引擎设计：实时计算机图形学的应用方法</a:t>
             </a:r>
             <a:endParaRPr lang="en-US" altLang="zh-CN" dirty="0" smtClean="0"/>
           </a:p>
@@ -17416,7 +17412,6 @@
               <a:rPr lang="zh-CN" altLang="en-US" dirty="0"/>
               <a:t>目的与意义</a:t>
             </a:r>
-            <a:endParaRPr lang="zh-CN" altLang="en-US" dirty="0"/>
           </a:p>
         </p:txBody>
       </p:sp>

--- a/SoftEngine/doc/SoftwareRender.pptx
+++ b/SoftEngine/doc/SoftwareRender.pptx
@@ -8086,7 +8086,7 @@
         </p:spPr>
         <p:txBody>
           <a:bodyPr>
-            <a:normAutofit fontScale="92500" lnSpcReduction="20000"/>
+            <a:normAutofit/>
           </a:bodyPr>
           <a:lstStyle/>
           <a:p>
@@ -8100,200 +8100,191 @@
             <a:pPr>
               <a:buNone/>
             </a:pPr>
-            <a:r>
-              <a:rPr lang="en-US" altLang="zh-CN" dirty="0" smtClean="0"/>
-              <a:t>	</a:t>
-            </a:r>
+            <a:endParaRPr lang="en-US" altLang="zh-CN" dirty="0"/>
           </a:p>
           <a:p>
             <a:pPr>
               <a:buNone/>
             </a:pPr>
-            <a:endParaRPr lang="en-US" altLang="zh-CN" dirty="0" smtClean="0"/>
+            <a:r>
+              <a:rPr lang="en-US" altLang="zh-CN" sz="2000" dirty="0" smtClean="0"/>
+              <a:t>rate = dx / </a:t>
+            </a:r>
+            <a:r>
+              <a:rPr lang="en-US" altLang="zh-CN" sz="2000" dirty="0" err="1" smtClean="0"/>
+              <a:t>dy</a:t>
+            </a:r>
+            <a:r>
+              <a:rPr lang="en-US" altLang="zh-CN" sz="2000" dirty="0" smtClean="0"/>
+              <a:t>  </a:t>
+            </a:r>
           </a:p>
           <a:p>
             <a:pPr>
               <a:buNone/>
             </a:pPr>
-            <a:endParaRPr lang="en-US" altLang="zh-CN" dirty="0" smtClean="0"/>
+            <a:r>
+              <a:rPr lang="en-US" altLang="zh-CN" sz="2000" dirty="0" err="1" smtClean="0"/>
+              <a:t>v</a:t>
+            </a:r>
+            <a:r>
+              <a:rPr lang="en-US" altLang="zh-CN" sz="2000" baseline="-25000" dirty="0" err="1" smtClean="0"/>
+              <a:t>L</a:t>
+            </a:r>
+            <a:r>
+              <a:rPr lang="en-US" altLang="zh-CN" sz="2000" dirty="0" err="1" smtClean="0"/>
+              <a:t>.x</a:t>
+            </a:r>
+            <a:r>
+              <a:rPr lang="en-US" altLang="zh-CN" sz="2000" dirty="0" smtClean="0"/>
+              <a:t> = </a:t>
+            </a:r>
+            <a:r>
+              <a:rPr lang="en-US" altLang="zh-CN" sz="2000" dirty="0" err="1" smtClean="0"/>
+              <a:t>dv</a:t>
+            </a:r>
+            <a:r>
+              <a:rPr lang="en-US" altLang="zh-CN" sz="2000" baseline="-25000" dirty="0" err="1" smtClean="0"/>
+              <a:t>L</a:t>
+            </a:r>
+            <a:r>
+              <a:rPr lang="en-US" altLang="zh-CN" sz="2000" dirty="0" err="1" smtClean="0"/>
+              <a:t>.y</a:t>
+            </a:r>
+            <a:r>
+              <a:rPr lang="en-US" altLang="zh-CN" sz="2000" dirty="0" smtClean="0"/>
+              <a:t> * </a:t>
+            </a:r>
+            <a:r>
+              <a:rPr lang="en-US" altLang="zh-CN" sz="2000" dirty="0" err="1" smtClean="0"/>
+              <a:t>rate</a:t>
+            </a:r>
+            <a:r>
+              <a:rPr lang="en-US" altLang="zh-CN" sz="2000" baseline="-25000" dirty="0" err="1" smtClean="0"/>
+              <a:t>L</a:t>
+            </a:r>
+            <a:endParaRPr lang="en-US" altLang="zh-CN" sz="2000" baseline="-25000" dirty="0" smtClean="0"/>
           </a:p>
           <a:p>
             <a:pPr>
               <a:buNone/>
             </a:pPr>
-            <a:endParaRPr lang="en-US" altLang="zh-CN" dirty="0" smtClean="0"/>
+            <a:r>
+              <a:rPr lang="en-US" altLang="zh-CN" sz="2000" dirty="0" err="1" smtClean="0"/>
+              <a:t>v</a:t>
+            </a:r>
+            <a:r>
+              <a:rPr lang="en-US" altLang="zh-CN" sz="2000" baseline="-25000" dirty="0" err="1" smtClean="0"/>
+              <a:t>R</a:t>
+            </a:r>
+            <a:r>
+              <a:rPr lang="en-US" altLang="zh-CN" sz="2000" dirty="0" err="1" smtClean="0"/>
+              <a:t>.x</a:t>
+            </a:r>
+            <a:r>
+              <a:rPr lang="en-US" altLang="zh-CN" sz="2000" dirty="0" smtClean="0"/>
+              <a:t> = </a:t>
+            </a:r>
+            <a:r>
+              <a:rPr lang="en-US" altLang="zh-CN" sz="2000" dirty="0" err="1" smtClean="0"/>
+              <a:t>dv</a:t>
+            </a:r>
+            <a:r>
+              <a:rPr lang="en-US" altLang="zh-CN" sz="2000" baseline="-25000" dirty="0" err="1" smtClean="0"/>
+              <a:t>R</a:t>
+            </a:r>
+            <a:r>
+              <a:rPr lang="en-US" altLang="zh-CN" sz="2000" dirty="0" err="1" smtClean="0"/>
+              <a:t>.y</a:t>
+            </a:r>
+            <a:r>
+              <a:rPr lang="en-US" altLang="zh-CN" sz="2000" dirty="0" smtClean="0"/>
+              <a:t> * </a:t>
+            </a:r>
+            <a:r>
+              <a:rPr lang="en-US" altLang="zh-CN" sz="2000" dirty="0" err="1" smtClean="0"/>
+              <a:t>rate</a:t>
+            </a:r>
+            <a:r>
+              <a:rPr lang="en-US" altLang="zh-CN" sz="2000" baseline="-25000" dirty="0" err="1" smtClean="0"/>
+              <a:t>R</a:t>
+            </a:r>
+            <a:endParaRPr lang="en-US" altLang="zh-CN" sz="2000" baseline="-25000" dirty="0" smtClean="0"/>
           </a:p>
           <a:p>
             <a:pPr>
               <a:buNone/>
             </a:pPr>
             <a:r>
-              <a:rPr lang="en-US" altLang="zh-CN" dirty="0" smtClean="0"/>
-              <a:t>rate = </a:t>
-            </a:r>
-            <a:r>
-              <a:rPr lang="en-US" altLang="zh-CN" dirty="0" err="1" smtClean="0"/>
-              <a:t>dx</a:t>
-            </a:r>
-            <a:r>
-              <a:rPr lang="en-US" altLang="zh-CN" dirty="0" smtClean="0"/>
-              <a:t> / </a:t>
-            </a:r>
-            <a:r>
-              <a:rPr lang="en-US" altLang="zh-CN" dirty="0" err="1" smtClean="0"/>
-              <a:t>dy</a:t>
-            </a:r>
-            <a:r>
-              <a:rPr lang="en-US" altLang="zh-CN" dirty="0" smtClean="0"/>
-              <a:t>  </a:t>
+              <a:rPr lang="en-US" altLang="zh-CN" sz="2000" baseline="-25000" dirty="0" err="1" smtClean="0"/>
+              <a:t>DrawLine</a:t>
+            </a:r>
+            <a:r>
+              <a:rPr lang="en-US" altLang="zh-CN" sz="2000" baseline="-25000" dirty="0" smtClean="0"/>
+              <a:t>(</a:t>
+            </a:r>
+            <a:r>
+              <a:rPr lang="en-US" altLang="zh-CN" sz="2000" dirty="0" err="1" smtClean="0"/>
+              <a:t>v</a:t>
+            </a:r>
+            <a:r>
+              <a:rPr lang="en-US" altLang="zh-CN" sz="2000" baseline="-25000" dirty="0" err="1" smtClean="0"/>
+              <a:t>L</a:t>
+            </a:r>
+            <a:r>
+              <a:rPr lang="en-US" altLang="zh-CN" sz="2000" baseline="-25000" dirty="0" smtClean="0"/>
+              <a:t> </a:t>
+            </a:r>
+            <a:r>
+              <a:rPr lang="en-US" altLang="zh-CN" sz="2000" dirty="0" smtClean="0"/>
+              <a:t>,</a:t>
+            </a:r>
+            <a:r>
+              <a:rPr lang="en-US" altLang="zh-CN" sz="2000" baseline="-25000" dirty="0" smtClean="0"/>
+              <a:t> </a:t>
+            </a:r>
+            <a:r>
+              <a:rPr lang="en-US" altLang="zh-CN" sz="2000" dirty="0" err="1" smtClean="0"/>
+              <a:t>v</a:t>
+            </a:r>
+            <a:r>
+              <a:rPr lang="en-US" altLang="zh-CN" sz="2000" baseline="-25000" dirty="0" err="1" smtClean="0"/>
+              <a:t>R</a:t>
+            </a:r>
+            <a:r>
+              <a:rPr lang="en-US" altLang="zh-CN" sz="2000" dirty="0" smtClean="0"/>
+              <a:t> ,</a:t>
+            </a:r>
+            <a:r>
+              <a:rPr lang="en-US" altLang="zh-CN" sz="2000" baseline="-25000" dirty="0" smtClean="0"/>
+              <a:t>  color);</a:t>
             </a:r>
           </a:p>
           <a:p>
             <a:pPr>
               <a:buNone/>
             </a:pPr>
-            <a:r>
-              <a:rPr lang="en-US" altLang="zh-CN" dirty="0" err="1" smtClean="0"/>
-              <a:t>v</a:t>
-            </a:r>
-            <a:r>
-              <a:rPr lang="en-US" altLang="zh-CN" baseline="-25000" dirty="0" err="1" smtClean="0"/>
-              <a:t>L</a:t>
-            </a:r>
-            <a:r>
-              <a:rPr lang="en-US" altLang="zh-CN" dirty="0" err="1" smtClean="0"/>
-              <a:t>.x</a:t>
-            </a:r>
-            <a:r>
-              <a:rPr lang="en-US" altLang="zh-CN" dirty="0" smtClean="0"/>
-              <a:t> = </a:t>
-            </a:r>
-            <a:r>
-              <a:rPr lang="en-US" altLang="zh-CN" dirty="0" err="1" smtClean="0"/>
-              <a:t>dv</a:t>
-            </a:r>
-            <a:r>
-              <a:rPr lang="en-US" altLang="zh-CN" baseline="-25000" dirty="0" err="1" smtClean="0"/>
-              <a:t>L</a:t>
-            </a:r>
-            <a:r>
-              <a:rPr lang="en-US" altLang="zh-CN" dirty="0" err="1" smtClean="0"/>
-              <a:t>.y</a:t>
-            </a:r>
-            <a:r>
-              <a:rPr lang="en-US" altLang="zh-CN" dirty="0" smtClean="0"/>
-              <a:t> * </a:t>
-            </a:r>
-            <a:r>
-              <a:rPr lang="en-US" altLang="zh-CN" dirty="0" err="1" smtClean="0"/>
-              <a:t>rate</a:t>
-            </a:r>
-            <a:r>
-              <a:rPr lang="en-US" altLang="zh-CN" baseline="-25000" dirty="0" err="1" smtClean="0"/>
-              <a:t>L</a:t>
-            </a:r>
-            <a:endParaRPr lang="en-US" altLang="zh-CN" baseline="-25000" dirty="0" smtClean="0"/>
+            <a:endParaRPr lang="en-US" altLang="zh-CN" sz="2000" dirty="0" smtClean="0"/>
           </a:p>
           <a:p>
             <a:pPr>
               <a:buNone/>
             </a:pPr>
             <a:r>
-              <a:rPr lang="en-US" altLang="zh-CN" dirty="0" err="1" smtClean="0"/>
-              <a:t>v</a:t>
-            </a:r>
-            <a:r>
-              <a:rPr lang="en-US" altLang="zh-CN" baseline="-25000" dirty="0" err="1" smtClean="0"/>
-              <a:t>R</a:t>
-            </a:r>
-            <a:r>
-              <a:rPr lang="en-US" altLang="zh-CN" dirty="0" err="1" smtClean="0"/>
-              <a:t>.x</a:t>
-            </a:r>
-            <a:r>
-              <a:rPr lang="en-US" altLang="zh-CN" dirty="0" smtClean="0"/>
-              <a:t> = </a:t>
-            </a:r>
-            <a:r>
-              <a:rPr lang="en-US" altLang="zh-CN" dirty="0" err="1" smtClean="0"/>
-              <a:t>dv</a:t>
-            </a:r>
-            <a:r>
-              <a:rPr lang="en-US" altLang="zh-CN" baseline="-25000" dirty="0" err="1" smtClean="0"/>
-              <a:t>R</a:t>
-            </a:r>
-            <a:r>
-              <a:rPr lang="en-US" altLang="zh-CN" dirty="0" err="1" smtClean="0"/>
-              <a:t>.y</a:t>
-            </a:r>
-            <a:r>
-              <a:rPr lang="en-US" altLang="zh-CN" dirty="0" smtClean="0"/>
-              <a:t> * </a:t>
-            </a:r>
-            <a:r>
-              <a:rPr lang="en-US" altLang="zh-CN" dirty="0" err="1" smtClean="0"/>
-              <a:t>rate</a:t>
-            </a:r>
-            <a:r>
-              <a:rPr lang="en-US" altLang="zh-CN" baseline="-25000" dirty="0" err="1" smtClean="0"/>
-              <a:t>R</a:t>
-            </a:r>
-            <a:endParaRPr lang="en-US" altLang="zh-CN" baseline="-25000" dirty="0" smtClean="0"/>
+              <a:rPr lang="zh-CN" altLang="en-US" sz="2000" dirty="0" smtClean="0"/>
+              <a:t>如何让三角形动起来？</a:t>
+            </a:r>
+            <a:endParaRPr lang="en-US" altLang="zh-CN" sz="2000" dirty="0"/>
           </a:p>
           <a:p>
             <a:pPr>
               <a:buNone/>
             </a:pPr>
             <a:r>
-              <a:rPr lang="en-US" altLang="zh-CN" baseline="-25000" dirty="0" err="1" smtClean="0"/>
-              <a:t>DrawLine</a:t>
-            </a:r>
-            <a:r>
-              <a:rPr lang="en-US" altLang="zh-CN" baseline="-25000" dirty="0" smtClean="0"/>
-              <a:t>(</a:t>
-            </a:r>
-            <a:r>
-              <a:rPr lang="en-US" altLang="zh-CN" dirty="0" err="1" smtClean="0"/>
-              <a:t>v</a:t>
-            </a:r>
-            <a:r>
-              <a:rPr lang="en-US" altLang="zh-CN" baseline="-25000" dirty="0" err="1" smtClean="0"/>
-              <a:t>L</a:t>
-            </a:r>
-            <a:r>
-              <a:rPr lang="en-US" altLang="zh-CN" baseline="-25000" dirty="0" smtClean="0"/>
-              <a:t> </a:t>
-            </a:r>
-            <a:r>
-              <a:rPr lang="en-US" altLang="zh-CN" dirty="0" smtClean="0"/>
-              <a:t>,</a:t>
-            </a:r>
-            <a:r>
-              <a:rPr lang="en-US" altLang="zh-CN" baseline="-25000" dirty="0" smtClean="0"/>
-              <a:t> </a:t>
-            </a:r>
-            <a:r>
-              <a:rPr lang="en-US" altLang="zh-CN" dirty="0" err="1" smtClean="0"/>
-              <a:t>v</a:t>
-            </a:r>
-            <a:r>
-              <a:rPr lang="en-US" altLang="zh-CN" baseline="-25000" dirty="0" err="1" smtClean="0"/>
-              <a:t>R</a:t>
-            </a:r>
-            <a:r>
-              <a:rPr lang="en-US" altLang="zh-CN" dirty="0" smtClean="0"/>
-              <a:t> ,</a:t>
-            </a:r>
-            <a:r>
-              <a:rPr lang="en-US" altLang="zh-CN" baseline="-25000" dirty="0" smtClean="0"/>
-              <a:t>  color);</a:t>
-            </a:r>
-          </a:p>
-          <a:p>
-            <a:pPr>
-              <a:buNone/>
-            </a:pPr>
-            <a:endParaRPr lang="en-US" altLang="zh-CN" dirty="0" smtClean="0"/>
+              <a:rPr lang="zh-CN" altLang="en-US" sz="2000" dirty="0" smtClean="0"/>
+              <a:t>如何且有更丰富的表现？</a:t>
+            </a:r>
+            <a:endParaRPr lang="en-US" altLang="zh-CN" sz="2000" dirty="0" smtClean="0"/>
           </a:p>
           <a:p>
             <a:pPr>
@@ -8320,7 +8311,7 @@
         </p:blipFill>
         <p:spPr bwMode="auto">
           <a:xfrm>
-            <a:off x="2699792" y="2132856"/>
+            <a:off x="5148064" y="2158091"/>
             <a:ext cx="2580611" cy="1584176"/>
           </a:xfrm>
           <a:prstGeom prst="rect">
@@ -10734,7 +10725,7 @@
         <p:spPr/>
         <p:txBody>
           <a:bodyPr>
-            <a:normAutofit fontScale="92500" lnSpcReduction="20000"/>
+            <a:normAutofit/>
           </a:bodyPr>
           <a:lstStyle/>
           <a:p>
@@ -10753,164 +10744,172 @@
               <a:t>	</a:t>
             </a:r>
             <a:r>
+              <a:rPr lang="zh-CN" altLang="en-US" sz="2400" dirty="0" smtClean="0"/>
+              <a:t>投影变换会产生近大远小的效果。变换后的</a:t>
+            </a:r>
+            <a:r>
+              <a:rPr lang="en-US" altLang="zh-CN" sz="2400" dirty="0" smtClean="0"/>
+              <a:t>x</a:t>
+            </a:r>
+            <a:r>
+              <a:rPr lang="zh-CN" altLang="en-US" sz="2400" dirty="0" smtClean="0"/>
+              <a:t>坐标范围是</a:t>
+            </a:r>
+            <a:r>
+              <a:rPr lang="en-US" altLang="zh-CN" sz="2400" dirty="0" smtClean="0"/>
+              <a:t>[-1, 1]</a:t>
+            </a:r>
+            <a:r>
+              <a:rPr lang="zh-CN" altLang="en-US" sz="2400" dirty="0" smtClean="0"/>
+              <a:t>，</a:t>
+            </a:r>
+            <a:r>
+              <a:rPr lang="en-US" altLang="zh-CN" sz="2400" dirty="0" smtClean="0"/>
+              <a:t>y</a:t>
+            </a:r>
+            <a:r>
+              <a:rPr lang="zh-CN" altLang="en-US" sz="2400" dirty="0" smtClean="0"/>
+              <a:t>坐标范围是</a:t>
+            </a:r>
+            <a:r>
+              <a:rPr lang="en-US" altLang="zh-CN" sz="2400" dirty="0" smtClean="0"/>
+              <a:t>[-1, 1]</a:t>
+            </a:r>
+            <a:r>
+              <a:rPr lang="zh-CN" altLang="en-US" sz="2400" dirty="0" smtClean="0"/>
+              <a:t>，</a:t>
+            </a:r>
+            <a:r>
+              <a:rPr lang="en-US" altLang="zh-CN" sz="2400" dirty="0" smtClean="0"/>
+              <a:t>z</a:t>
+            </a:r>
+            <a:r>
+              <a:rPr lang="zh-CN" altLang="en-US" sz="2400" dirty="0" smtClean="0"/>
+              <a:t>坐标范围是</a:t>
+            </a:r>
+            <a:r>
+              <a:rPr lang="en-US" altLang="zh-CN" sz="2400" dirty="0" smtClean="0"/>
+              <a:t>[-1, 1]</a:t>
+            </a:r>
+            <a:r>
+              <a:rPr lang="zh-CN" altLang="en-US" sz="2400" dirty="0" smtClean="0"/>
+              <a:t>（</a:t>
+            </a:r>
+            <a:r>
+              <a:rPr lang="en-US" altLang="zh-CN" sz="2400" dirty="0" err="1" smtClean="0"/>
+              <a:t>OpenGLz</a:t>
+            </a:r>
+            <a:r>
+              <a:rPr lang="zh-CN" altLang="en-US" sz="2400" dirty="0" smtClean="0"/>
+              <a:t>值范围是</a:t>
+            </a:r>
+            <a:r>
+              <a:rPr lang="en-US" altLang="zh-CN" sz="2400" dirty="0" smtClean="0"/>
+              <a:t>[-1, 1]</a:t>
+            </a:r>
+            <a:r>
+              <a:rPr lang="zh-CN" altLang="en-US" sz="2400" dirty="0" smtClean="0"/>
+              <a:t>，</a:t>
+            </a:r>
+            <a:r>
+              <a:rPr lang="en-US" altLang="zh-CN" sz="2400" dirty="0" smtClean="0"/>
+              <a:t>DirectX</a:t>
+            </a:r>
+            <a:r>
+              <a:rPr lang="zh-CN" altLang="en-US" sz="2400" dirty="0" smtClean="0"/>
+              <a:t>中</a:t>
+            </a:r>
+            <a:r>
+              <a:rPr lang="en-US" altLang="zh-CN" sz="2400" dirty="0" smtClean="0"/>
+              <a:t>z</a:t>
+            </a:r>
+            <a:r>
+              <a:rPr lang="zh-CN" altLang="en-US" sz="2400" dirty="0" smtClean="0"/>
+              <a:t>坐标范围是</a:t>
+            </a:r>
+            <a:r>
+              <a:rPr lang="en-US" altLang="zh-CN" sz="2400" dirty="0" smtClean="0"/>
+              <a:t>[0, 1]</a:t>
+            </a:r>
+            <a:r>
+              <a:rPr lang="zh-CN" altLang="en-US" sz="2400" dirty="0" smtClean="0"/>
+              <a:t>）</a:t>
+            </a:r>
+            <a:endParaRPr lang="en-US" altLang="zh-CN" sz="2400" dirty="0" smtClean="0"/>
+          </a:p>
+          <a:p>
+            <a:r>
               <a:rPr lang="zh-CN" altLang="en-US" dirty="0" smtClean="0"/>
-              <a:t>投影变换会产生近大远小的效果。变换后的</a:t>
-            </a:r>
-            <a:r>
-              <a:rPr lang="en-US" altLang="zh-CN" dirty="0" smtClean="0"/>
-              <a:t>x</a:t>
+              <a:t>透视投影矩阵的</a:t>
             </a:r>
             <a:r>
               <a:rPr lang="zh-CN" altLang="en-US" dirty="0" smtClean="0"/>
-              <a:t>坐标范围是</a:t>
-            </a:r>
-            <a:r>
-              <a:rPr lang="en-US" altLang="zh-CN" dirty="0" smtClean="0"/>
-              <a:t>[-1, 1]</a:t>
-            </a:r>
-            <a:r>
-              <a:rPr lang="zh-CN" altLang="en-US" dirty="0" smtClean="0"/>
-              <a:t>，</a:t>
-            </a:r>
-            <a:r>
-              <a:rPr lang="en-US" altLang="zh-CN" dirty="0" smtClean="0"/>
-              <a:t>y</a:t>
-            </a:r>
-            <a:r>
-              <a:rPr lang="zh-CN" altLang="en-US" dirty="0" smtClean="0"/>
-              <a:t>坐标范围是</a:t>
-            </a:r>
-            <a:r>
-              <a:rPr lang="en-US" altLang="zh-CN" dirty="0" smtClean="0"/>
-              <a:t>[-1, 1]</a:t>
-            </a:r>
-            <a:r>
-              <a:rPr lang="zh-CN" altLang="en-US" dirty="0" smtClean="0"/>
-              <a:t>，</a:t>
-            </a:r>
-            <a:r>
-              <a:rPr lang="en-US" altLang="zh-CN" dirty="0" smtClean="0"/>
-              <a:t>z</a:t>
-            </a:r>
-            <a:r>
-              <a:rPr lang="zh-CN" altLang="en-US" dirty="0" smtClean="0"/>
-              <a:t>坐标范围是</a:t>
-            </a:r>
-            <a:r>
-              <a:rPr lang="en-US" altLang="zh-CN" dirty="0" smtClean="0"/>
-              <a:t>[-1, 1]</a:t>
-            </a:r>
-            <a:r>
-              <a:rPr lang="zh-CN" altLang="en-US" dirty="0" smtClean="0"/>
-              <a:t>（</a:t>
-            </a:r>
-            <a:r>
-              <a:rPr lang="en-US" altLang="zh-CN" dirty="0" err="1" smtClean="0"/>
-              <a:t>OpenGLz</a:t>
-            </a:r>
-            <a:r>
-              <a:rPr lang="zh-CN" altLang="en-US" dirty="0" smtClean="0"/>
-              <a:t>值范围是</a:t>
-            </a:r>
-            <a:r>
-              <a:rPr lang="en-US" altLang="zh-CN" dirty="0" smtClean="0"/>
-              <a:t>[-1, 1]</a:t>
-            </a:r>
-            <a:r>
-              <a:rPr lang="zh-CN" altLang="en-US" dirty="0" smtClean="0"/>
-              <a:t>，</a:t>
-            </a:r>
-            <a:r>
-              <a:rPr lang="en-US" altLang="zh-CN" dirty="0" smtClean="0"/>
-              <a:t>DirectX</a:t>
-            </a:r>
-            <a:r>
-              <a:rPr lang="zh-CN" altLang="en-US" dirty="0" smtClean="0"/>
-              <a:t>中</a:t>
-            </a:r>
-            <a:r>
-              <a:rPr lang="en-US" altLang="zh-CN" dirty="0" smtClean="0"/>
-              <a:t>z</a:t>
-            </a:r>
-            <a:r>
-              <a:rPr lang="zh-CN" altLang="en-US" dirty="0" smtClean="0"/>
-              <a:t>坐标范围是</a:t>
-            </a:r>
-            <a:r>
-              <a:rPr lang="en-US" altLang="zh-CN" dirty="0" smtClean="0"/>
-              <a:t>[0, 1]</a:t>
-            </a:r>
-            <a:r>
-              <a:rPr lang="zh-CN" altLang="en-US" dirty="0" smtClean="0"/>
-              <a:t>）</a:t>
+              <a:t>推导</a:t>
             </a:r>
             <a:endParaRPr lang="en-US" altLang="zh-CN" dirty="0" smtClean="0"/>
           </a:p>
           <a:p>
-            <a:r>
-              <a:rPr lang="zh-CN" altLang="en-US" dirty="0" smtClean="0"/>
-              <a:t>透视投影矩阵的推导（很多书籍都是一带而过）</a:t>
-            </a:r>
-            <a:endParaRPr lang="en-US" altLang="zh-CN" dirty="0" smtClean="0"/>
-          </a:p>
-          <a:p>
-            <a:pPr lvl="1">
-              <a:buNone/>
-            </a:pPr>
-            <a:r>
-              <a:rPr lang="zh-CN" altLang="en-US" dirty="0" smtClean="0"/>
-              <a:t>整个投影过程分为两个部分，第一部分是从</a:t>
-            </a:r>
-            <a:r>
-              <a:rPr lang="en-US" altLang="zh-CN" dirty="0" smtClean="0"/>
+            <a:pPr marL="400050" lvl="1" indent="0">
+              <a:buNone/>
+            </a:pPr>
+            <a:r>
+              <a:rPr lang="zh-CN" altLang="en-US" sz="2400" dirty="0" smtClean="0"/>
+              <a:t>整个</a:t>
+            </a:r>
+            <a:r>
+              <a:rPr lang="zh-CN" altLang="en-US" sz="2400" dirty="0" smtClean="0"/>
+              <a:t>投影过程分为两个部分，第一部分是从</a:t>
+            </a:r>
+            <a:r>
+              <a:rPr lang="en-US" altLang="zh-CN" sz="2400" dirty="0" smtClean="0"/>
               <a:t>Frustum</a:t>
             </a:r>
             <a:r>
-              <a:rPr lang="zh-CN" altLang="en-US" dirty="0" smtClean="0"/>
+              <a:rPr lang="zh-CN" altLang="en-US" sz="2400" dirty="0" smtClean="0"/>
               <a:t>内一点投影到近剪裁面的过程，第二部分是由近裁剪面缩放的过程。假设</a:t>
             </a:r>
             <a:r>
-              <a:rPr lang="en-US" altLang="zh-CN" dirty="0" smtClean="0"/>
+              <a:rPr lang="en-US" altLang="zh-CN" sz="2400" dirty="0" smtClean="0"/>
               <a:t>Frustum</a:t>
             </a:r>
             <a:r>
-              <a:rPr lang="zh-CN" altLang="en-US" dirty="0" smtClean="0"/>
+              <a:rPr lang="zh-CN" altLang="en-US" sz="2400" dirty="0" smtClean="0"/>
               <a:t>内有一点</a:t>
             </a:r>
             <a:r>
-              <a:rPr lang="en-US" altLang="zh-CN" dirty="0" smtClean="0"/>
+              <a:rPr lang="en-US" altLang="zh-CN" sz="2400" dirty="0" smtClean="0"/>
               <a:t>P(x, y, z)</a:t>
             </a:r>
             <a:r>
-              <a:rPr lang="zh-CN" altLang="en-US" dirty="0" smtClean="0"/>
+              <a:rPr lang="zh-CN" altLang="en-US" sz="2400" dirty="0" smtClean="0"/>
               <a:t>， 在近裁剪面上的投影是</a:t>
             </a:r>
             <a:r>
-              <a:rPr lang="en-US" altLang="zh-CN" dirty="0" smtClean="0"/>
+              <a:rPr lang="en-US" altLang="zh-CN" sz="2400" dirty="0" smtClean="0"/>
               <a:t>P’(x’, y’, z’)</a:t>
             </a:r>
             <a:r>
-              <a:rPr lang="zh-CN" altLang="en-US" dirty="0" smtClean="0"/>
+              <a:rPr lang="zh-CN" altLang="en-US" sz="2400" dirty="0" smtClean="0"/>
               <a:t>，经过缩放后的最终坐标为</a:t>
             </a:r>
             <a:r>
-              <a:rPr lang="en-US" altLang="zh-CN" dirty="0" smtClean="0"/>
+              <a:rPr lang="en-US" altLang="zh-CN" sz="2400" dirty="0" smtClean="0"/>
               <a:t>P’’(x’’, y’’, z’’)</a:t>
             </a:r>
             <a:r>
-              <a:rPr lang="zh-CN" altLang="en-US" dirty="0" smtClean="0"/>
+              <a:rPr lang="zh-CN" altLang="en-US" sz="2400" dirty="0" smtClean="0"/>
               <a:t>，假设所求投影矩阵为</a:t>
             </a:r>
             <a:r>
-              <a:rPr lang="en-US" altLang="zh-CN" dirty="0" smtClean="0"/>
+              <a:rPr lang="en-US" altLang="zh-CN" sz="2400" dirty="0" smtClean="0"/>
               <a:t>M</a:t>
             </a:r>
             <a:r>
-              <a:rPr lang="zh-CN" altLang="en-US" dirty="0" smtClean="0"/>
+              <a:rPr lang="zh-CN" altLang="en-US" sz="2400" dirty="0" smtClean="0"/>
               <a:t>，则：</a:t>
             </a:r>
             <a:r>
-              <a:rPr lang="en-US" altLang="zh-CN" dirty="0" smtClean="0"/>
+              <a:rPr lang="en-US" altLang="zh-CN" sz="2400" dirty="0" smtClean="0"/>
               <a:t>MP = P’’</a:t>
             </a:r>
           </a:p>
@@ -11586,14 +11585,20 @@
       </p:pic>
       <p:pic>
         <p:nvPicPr>
-          <p:cNvPr id="8" name="Picture 3"/>
+          <p:cNvPr id="1026" name="Picture 2"/>
           <p:cNvPicPr>
             <a:picLocks noChangeAspect="1" noChangeArrowheads="1"/>
           </p:cNvPicPr>
           <p:nvPr/>
         </p:nvPicPr>
         <p:blipFill>
-          <a:blip r:embed="rId3" cstate="print"/>
+          <a:blip r:embed="rId3">
+            <a:extLst>
+              <a:ext uri="{28A0092B-C50C-407E-A947-70E740481C1C}">
+                <a14:useLocalDpi xmlns:a14="http://schemas.microsoft.com/office/drawing/2010/main" val="0"/>
+              </a:ext>
+            </a:extLst>
+          </a:blip>
           <a:srcRect/>
           <a:stretch>
             <a:fillRect/>
@@ -11601,31 +11606,63 @@
         </p:blipFill>
         <p:spPr bwMode="auto">
           <a:xfrm>
-            <a:off x="1043608" y="4437112"/>
-            <a:ext cx="1362075" cy="1362075"/>
+            <a:off x="4644008" y="4731450"/>
+            <a:ext cx="2305050" cy="762000"/>
           </a:xfrm>
           <a:prstGeom prst="rect">
             <a:avLst/>
           </a:prstGeom>
           <a:noFill/>
-          <a:ln w="9525">
+          <a:ln>
             <a:noFill/>
-            <a:miter lim="800000"/>
-            <a:headEnd/>
-            <a:tailEnd/>
           </a:ln>
+          <a:effectLst/>
+          <a:extLst>
+            <a:ext uri="{909E8E84-426E-40DD-AFC4-6F175D3DCCD1}">
+              <a14:hiddenFill xmlns:a14="http://schemas.microsoft.com/office/drawing/2010/main">
+                <a:solidFill>
+                  <a:schemeClr val="accent1"/>
+                </a:solidFill>
+              </a14:hiddenFill>
+            </a:ext>
+            <a:ext uri="{91240B29-F687-4F45-9708-019B960494DF}">
+              <a14:hiddenLine xmlns:a14="http://schemas.microsoft.com/office/drawing/2010/main" w="9525">
+                <a:solidFill>
+                  <a:schemeClr val="tx1"/>
+                </a:solidFill>
+                <a:miter lim="800000"/>
+                <a:headEnd/>
+                <a:tailEnd/>
+              </a14:hiddenLine>
+            </a:ext>
+            <a:ext uri="{AF507438-7753-43E0-B8FC-AC1667EBCBE1}">
+              <a14:hiddenEffects xmlns:a14="http://schemas.microsoft.com/office/drawing/2010/main">
+                <a:effectLst>
+                  <a:outerShdw dist="35921" dir="2700000" algn="ctr" rotWithShape="0">
+                    <a:schemeClr val="bg2"/>
+                  </a:outerShdw>
+                </a:effectLst>
+              </a14:hiddenEffects>
+            </a:ext>
+          </a:extLst>
         </p:spPr>
       </p:pic>
       <p:pic>
         <p:nvPicPr>
-          <p:cNvPr id="9" name="Picture 4"/>
+          <p:cNvPr id="1027" name="Picture 3"/>
           <p:cNvPicPr>
             <a:picLocks noChangeAspect="1" noChangeArrowheads="1"/>
           </p:cNvPicPr>
           <p:nvPr/>
         </p:nvPicPr>
         <p:blipFill>
-          <a:blip r:embed="rId4" cstate="print"/>
+          <a:blip r:embed="rId4">
+            <a:extLst>
+              <a:ext uri="{28A0092B-C50C-407E-A947-70E740481C1C}">
+                <a14:useLocalDpi xmlns:a14="http://schemas.microsoft.com/office/drawing/2010/main" val="0"/>
+              </a:ext>
+            </a:extLst>
+          </a:blip>
           <a:srcRect/>
           <a:stretch>
             <a:fillRect/>
@@ -11633,19 +11670,45 @@
         </p:blipFill>
         <p:spPr bwMode="auto">
           <a:xfrm>
-            <a:off x="4211960" y="4653136"/>
-            <a:ext cx="2428875" cy="933450"/>
+            <a:off x="1053362" y="4293096"/>
+            <a:ext cx="1419225" cy="1352550"/>
           </a:xfrm>
           <a:prstGeom prst="rect">
             <a:avLst/>
           </a:prstGeom>
           <a:noFill/>
-          <a:ln w="9525">
+          <a:ln>
             <a:noFill/>
-            <a:miter lim="800000"/>
-            <a:headEnd/>
-            <a:tailEnd/>
           </a:ln>
+          <a:effectLst/>
+          <a:extLst>
+            <a:ext uri="{909E8E84-426E-40DD-AFC4-6F175D3DCCD1}">
+              <a14:hiddenFill xmlns:a14="http://schemas.microsoft.com/office/drawing/2010/main">
+                <a:solidFill>
+                  <a:schemeClr val="accent1"/>
+                </a:solidFill>
+              </a14:hiddenFill>
+            </a:ext>
+            <a:ext uri="{91240B29-F687-4F45-9708-019B960494DF}">
+              <a14:hiddenLine xmlns:a14="http://schemas.microsoft.com/office/drawing/2010/main" w="9525">
+                <a:solidFill>
+                  <a:schemeClr val="tx1"/>
+                </a:solidFill>
+                <a:miter lim="800000"/>
+                <a:headEnd/>
+                <a:tailEnd/>
+              </a14:hiddenLine>
+            </a:ext>
+            <a:ext uri="{AF507438-7753-43E0-B8FC-AC1667EBCBE1}">
+              <a14:hiddenEffects xmlns:a14="http://schemas.microsoft.com/office/drawing/2010/main">
+                <a:effectLst>
+                  <a:outerShdw dist="35921" dir="2700000" algn="ctr" rotWithShape="0">
+                    <a:schemeClr val="bg2"/>
+                  </a:outerShdw>
+                </a:effectLst>
+              </a14:hiddenEffects>
+            </a:ext>
+          </a:extLst>
         </p:spPr>
       </p:pic>
     </p:spTree>
@@ -11765,11 +11828,19 @@
             </a:r>
             <a:r>
               <a:rPr lang="zh-CN" altLang="en-US" sz="2000" dirty="0" smtClean="0"/>
-              <a:t>代入到</a:t>
+              <a:t>代入</a:t>
+            </a:r>
+            <a:r>
+              <a:rPr lang="zh-CN" altLang="en-US" sz="2000" dirty="0" smtClean="0"/>
+              <a:t>到</a:t>
             </a:r>
             <a:r>
               <a:rPr lang="en-US" altLang="zh-CN" sz="2000" dirty="0" smtClean="0"/>
-              <a:t>PM=P’’</a:t>
+              <a:t>MP=P</a:t>
+            </a:r>
+            <a:r>
+              <a:rPr lang="en-US" altLang="zh-CN" sz="2000" dirty="0" smtClean="0"/>
+              <a:t>’’</a:t>
             </a:r>
             <a:r>
               <a:rPr lang="zh-CN" altLang="en-US" sz="2000" dirty="0" smtClean="0"/>
@@ -11787,7 +11858,29 @@
             </a:r>
             <a:r>
               <a:rPr lang="zh-CN" altLang="en-US" sz="2000" dirty="0" smtClean="0"/>
-              <a:t>求得最后的矩阵为：</a:t>
+              <a:t>求得最后的</a:t>
+            </a:r>
+            <a:r>
+              <a:rPr lang="zh-CN" altLang="en-US" sz="2000" dirty="0" smtClean="0"/>
+              <a:t>矩阵（列优</a:t>
+            </a:r>
+            <a:endParaRPr lang="en-US" altLang="zh-CN" sz="2000" dirty="0" smtClean="0"/>
+          </a:p>
+          <a:p>
+            <a:pPr>
+              <a:buNone/>
+            </a:pPr>
+            <a:r>
+              <a:rPr lang="en-US" altLang="zh-CN" sz="2000" dirty="0"/>
+              <a:t>	</a:t>
+            </a:r>
+            <a:r>
+              <a:rPr lang="zh-CN" altLang="en-US" sz="2000" dirty="0" smtClean="0"/>
+              <a:t>先）为</a:t>
+            </a:r>
+            <a:r>
+              <a:rPr lang="zh-CN" altLang="en-US" sz="2000" dirty="0" smtClean="0"/>
+              <a:t>：</a:t>
             </a:r>
             <a:endParaRPr lang="en-US" altLang="zh-CN" sz="2000" dirty="0" smtClean="0"/>
           </a:p>
@@ -11801,14 +11894,20 @@
       </p:sp>
       <p:pic>
         <p:nvPicPr>
-          <p:cNvPr id="9" name="Picture 2"/>
+          <p:cNvPr id="2050" name="Picture 2"/>
           <p:cNvPicPr>
             <a:picLocks noChangeAspect="1" noChangeArrowheads="1"/>
           </p:cNvPicPr>
           <p:nvPr/>
         </p:nvPicPr>
         <p:blipFill>
-          <a:blip r:embed="rId2" cstate="print"/>
+          <a:blip r:embed="rId2">
+            <a:extLst>
+              <a:ext uri="{28A0092B-C50C-407E-A947-70E740481C1C}">
+                <a14:useLocalDpi xmlns:a14="http://schemas.microsoft.com/office/drawing/2010/main" val="0"/>
+              </a:ext>
+            </a:extLst>
+          </a:blip>
           <a:srcRect/>
           <a:stretch>
             <a:fillRect/>
@@ -11816,24 +11915,50 @@
         </p:blipFill>
         <p:spPr bwMode="auto">
           <a:xfrm>
-            <a:off x="1331640" y="2060848"/>
-            <a:ext cx="2428875" cy="790575"/>
+            <a:off x="4452392" y="3573016"/>
+            <a:ext cx="3505200" cy="2219325"/>
           </a:xfrm>
           <a:prstGeom prst="rect">
             <a:avLst/>
           </a:prstGeom>
           <a:noFill/>
-          <a:ln w="9525">
+          <a:ln>
             <a:noFill/>
-            <a:miter lim="800000"/>
-            <a:headEnd/>
-            <a:tailEnd/>
           </a:ln>
+          <a:effectLst/>
+          <a:extLst>
+            <a:ext uri="{909E8E84-426E-40DD-AFC4-6F175D3DCCD1}">
+              <a14:hiddenFill xmlns:a14="http://schemas.microsoft.com/office/drawing/2010/main">
+                <a:solidFill>
+                  <a:schemeClr val="accent1"/>
+                </a:solidFill>
+              </a14:hiddenFill>
+            </a:ext>
+            <a:ext uri="{91240B29-F687-4F45-9708-019B960494DF}">
+              <a14:hiddenLine xmlns:a14="http://schemas.microsoft.com/office/drawing/2010/main" w="9525">
+                <a:solidFill>
+                  <a:schemeClr val="tx1"/>
+                </a:solidFill>
+                <a:miter lim="800000"/>
+                <a:headEnd/>
+                <a:tailEnd/>
+              </a14:hiddenLine>
+            </a:ext>
+            <a:ext uri="{AF507438-7753-43E0-B8FC-AC1667EBCBE1}">
+              <a14:hiddenEffects xmlns:a14="http://schemas.microsoft.com/office/drawing/2010/main">
+                <a:effectLst>
+                  <a:outerShdw dist="35921" dir="2700000" algn="ctr" rotWithShape="0">
+                    <a:schemeClr val="bg2"/>
+                  </a:outerShdw>
+                </a:effectLst>
+              </a14:hiddenEffects>
+            </a:ext>
+          </a:extLst>
         </p:spPr>
       </p:pic>
       <p:pic>
         <p:nvPicPr>
-          <p:cNvPr id="2051" name="Picture 3"/>
+          <p:cNvPr id="3" name="Picture 3"/>
           <p:cNvPicPr>
             <a:picLocks noChangeAspect="1" noChangeArrowheads="1"/>
           </p:cNvPicPr>
@@ -11854,8 +11979,8 @@
         </p:blipFill>
         <p:spPr bwMode="auto">
           <a:xfrm>
-            <a:off x="3760515" y="3573016"/>
-            <a:ext cx="3571875" cy="1981200"/>
+            <a:off x="2051720" y="1700808"/>
+            <a:ext cx="2400300" cy="876300"/>
           </a:xfrm>
           <a:prstGeom prst="rect">
             <a:avLst/>
@@ -13691,7 +13816,7 @@
       </p:pic>
       <p:pic>
         <p:nvPicPr>
-          <p:cNvPr id="7" name="Picture 2"/>
+          <p:cNvPr id="8" name="Picture 3"/>
           <p:cNvPicPr>
             <a:picLocks noChangeAspect="1" noChangeArrowheads="1"/>
           </p:cNvPicPr>
@@ -13712,8 +13837,8 @@
         </p:blipFill>
         <p:spPr bwMode="auto">
           <a:xfrm>
-            <a:off x="827584" y="2204863"/>
-            <a:ext cx="6172200" cy="1228725"/>
+            <a:off x="811808" y="3688664"/>
+            <a:ext cx="5472608" cy="1620868"/>
           </a:xfrm>
           <a:prstGeom prst="rect">
             <a:avLst/>
@@ -13755,7 +13880,7 @@
       </p:pic>
       <p:pic>
         <p:nvPicPr>
-          <p:cNvPr id="8" name="Picture 3"/>
+          <p:cNvPr id="3074" name="Picture 2"/>
           <p:cNvPicPr>
             <a:picLocks noChangeAspect="1" noChangeArrowheads="1"/>
           </p:cNvPicPr>
@@ -13776,8 +13901,8 @@
         </p:blipFill>
         <p:spPr bwMode="auto">
           <a:xfrm>
-            <a:off x="811808" y="3688664"/>
-            <a:ext cx="5472608" cy="1620868"/>
+            <a:off x="811808" y="2338564"/>
+            <a:ext cx="6665913" cy="1076325"/>
           </a:xfrm>
           <a:prstGeom prst="rect">
             <a:avLst/>
@@ -15409,116 +15534,125 @@
         <p:spPr/>
         <p:txBody>
           <a:bodyPr>
-            <a:normAutofit fontScale="92500" lnSpcReduction="20000"/>
+            <a:normAutofit/>
           </a:bodyPr>
           <a:lstStyle/>
           <a:p>
             <a:r>
-              <a:rPr lang="zh-CN" altLang="en-US" dirty="0" smtClean="0"/>
+              <a:rPr lang="zh-CN" altLang="en-US" sz="2000" dirty="0" smtClean="0"/>
               <a:t>虽然如今的</a:t>
             </a:r>
             <a:r>
-              <a:rPr lang="en-US" altLang="zh-CN" dirty="0" smtClean="0"/>
+              <a:rPr lang="en-US" altLang="zh-CN" sz="2000" dirty="0" smtClean="0"/>
               <a:t>GPU</a:t>
             </a:r>
             <a:r>
-              <a:rPr lang="zh-CN" altLang="en-US" dirty="0" smtClean="0"/>
+              <a:rPr lang="zh-CN" altLang="en-US" sz="2000" dirty="0" smtClean="0"/>
               <a:t>能力已经十分发达，并且目前也几乎没有游戏引擎用软件的方式去完成渲染。但学习软件渲染过程却可以让我们在使用如</a:t>
             </a:r>
             <a:r>
-              <a:rPr lang="en-US" altLang="zh-CN" dirty="0" smtClean="0"/>
+              <a:rPr lang="en-US" altLang="zh-CN" sz="2000" dirty="0" smtClean="0"/>
               <a:t>OpenGL</a:t>
             </a:r>
             <a:r>
-              <a:rPr lang="zh-CN" altLang="en-US" dirty="0" smtClean="0"/>
+              <a:rPr lang="zh-CN" altLang="en-US" sz="2000" dirty="0" smtClean="0"/>
               <a:t>时知道他都为我们做了什么和我们为什么要这样写程序。</a:t>
             </a:r>
-            <a:endParaRPr lang="en-US" altLang="zh-CN" dirty="0" smtClean="0"/>
-          </a:p>
-          <a:p>
-            <a:r>
-              <a:rPr lang="zh-CN" altLang="en-US" dirty="0" smtClean="0"/>
+            <a:endParaRPr lang="en-US" altLang="zh-CN" sz="2000" dirty="0" smtClean="0"/>
+          </a:p>
+          <a:p>
+            <a:endParaRPr lang="en-US" altLang="zh-CN" sz="2000" dirty="0" smtClean="0"/>
+          </a:p>
+          <a:p>
+            <a:r>
+              <a:rPr lang="zh-CN" altLang="en-US" sz="2000" dirty="0" smtClean="0"/>
               <a:t>对软件渲染有一定了解后，更快的学习硬件渲染技术，无论是</a:t>
             </a:r>
             <a:r>
-              <a:rPr lang="en-US" altLang="zh-CN" dirty="0" smtClean="0"/>
+              <a:rPr lang="en-US" altLang="zh-CN" sz="2000" dirty="0" smtClean="0"/>
               <a:t>OpenGL</a:t>
             </a:r>
             <a:r>
-              <a:rPr lang="zh-CN" altLang="en-US" dirty="0" smtClean="0"/>
+              <a:rPr lang="zh-CN" altLang="en-US" sz="2000" dirty="0" smtClean="0"/>
               <a:t>、</a:t>
             </a:r>
             <a:r>
-              <a:rPr lang="en-US" altLang="zh-CN" dirty="0" smtClean="0"/>
+              <a:rPr lang="en-US" altLang="zh-CN" sz="2000" dirty="0" smtClean="0"/>
               <a:t>DX</a:t>
             </a:r>
             <a:r>
-              <a:rPr lang="zh-CN" altLang="en-US" dirty="0" smtClean="0"/>
+              <a:rPr lang="zh-CN" altLang="en-US" sz="2000" dirty="0" smtClean="0"/>
               <a:t>或是</a:t>
             </a:r>
             <a:r>
-              <a:rPr lang="en-US" altLang="zh-CN" dirty="0" smtClean="0"/>
+              <a:rPr lang="en-US" altLang="zh-CN" sz="2000" dirty="0" smtClean="0"/>
               <a:t>Metal</a:t>
             </a:r>
             <a:r>
-              <a:rPr lang="zh-CN" altLang="en-US" dirty="0" smtClean="0"/>
+              <a:rPr lang="zh-CN" altLang="en-US" sz="2000" dirty="0" smtClean="0"/>
               <a:t>，其底层原理基本相同。</a:t>
             </a:r>
-            <a:endParaRPr lang="en-US" altLang="zh-CN" dirty="0" smtClean="0"/>
-          </a:p>
-          <a:p>
-            <a:r>
-              <a:rPr lang="zh-CN" altLang="en-US" dirty="0" smtClean="0"/>
+            <a:endParaRPr lang="en-US" altLang="zh-CN" sz="2000" dirty="0" smtClean="0"/>
+          </a:p>
+          <a:p>
+            <a:endParaRPr lang="en-US" altLang="zh-CN" sz="2000" dirty="0" smtClean="0"/>
+          </a:p>
+          <a:p>
+            <a:r>
+              <a:rPr lang="zh-CN" altLang="en-US" sz="2000" dirty="0" smtClean="0"/>
               <a:t>在没有</a:t>
             </a:r>
             <a:r>
-              <a:rPr lang="en-US" altLang="zh-CN" dirty="0" smtClean="0"/>
+              <a:rPr lang="en-US" altLang="zh-CN" sz="2000" dirty="0" smtClean="0"/>
               <a:t>OpenGL</a:t>
             </a:r>
             <a:r>
-              <a:rPr lang="zh-CN" altLang="en-US" dirty="0" smtClean="0"/>
+              <a:rPr lang="zh-CN" altLang="en-US" sz="2000" dirty="0" smtClean="0"/>
               <a:t>、</a:t>
             </a:r>
             <a:r>
-              <a:rPr lang="en-US" altLang="zh-CN" dirty="0" smtClean="0"/>
+              <a:rPr lang="en-US" altLang="zh-CN" sz="2000" dirty="0" smtClean="0"/>
               <a:t>DX</a:t>
             </a:r>
             <a:r>
-              <a:rPr lang="zh-CN" altLang="en-US" dirty="0" smtClean="0"/>
+              <a:rPr lang="zh-CN" altLang="en-US" sz="2000" dirty="0" smtClean="0"/>
               <a:t>知识的情况下也能实现</a:t>
             </a:r>
             <a:r>
-              <a:rPr lang="en-US" altLang="zh-CN" dirty="0" smtClean="0"/>
+              <a:rPr lang="en-US" altLang="zh-CN" sz="2000" dirty="0" smtClean="0"/>
               <a:t>3D</a:t>
             </a:r>
             <a:r>
-              <a:rPr lang="zh-CN" altLang="en-US" dirty="0" smtClean="0"/>
+              <a:rPr lang="zh-CN" altLang="en-US" sz="2000" dirty="0" smtClean="0"/>
               <a:t>渲染。</a:t>
             </a:r>
-            <a:endParaRPr lang="en-US" altLang="zh-CN" dirty="0" smtClean="0"/>
-          </a:p>
-          <a:p>
-            <a:r>
-              <a:rPr lang="zh-CN" altLang="en-US" dirty="0" smtClean="0"/>
+            <a:endParaRPr lang="en-US" altLang="zh-CN" sz="2000" dirty="0" smtClean="0"/>
+          </a:p>
+          <a:p>
+            <a:endParaRPr lang="en-US" altLang="zh-CN" sz="2000" dirty="0" smtClean="0"/>
+          </a:p>
+          <a:p>
+            <a:r>
+              <a:rPr lang="zh-CN" altLang="en-US" sz="2000" dirty="0" smtClean="0"/>
               <a:t>我甚至可以去实现</a:t>
             </a:r>
             <a:r>
-              <a:rPr lang="en-US" altLang="zh-CN" dirty="0" smtClean="0"/>
+              <a:rPr lang="en-US" altLang="zh-CN" sz="2000" dirty="0" smtClean="0"/>
               <a:t>OpenGL</a:t>
             </a:r>
             <a:r>
-              <a:rPr lang="zh-CN" altLang="en-US" dirty="0" smtClean="0"/>
+              <a:rPr lang="zh-CN" altLang="en-US" sz="2000" dirty="0" smtClean="0"/>
               <a:t>、</a:t>
             </a:r>
             <a:r>
-              <a:rPr lang="en-US" altLang="zh-CN" dirty="0" smtClean="0"/>
+              <a:rPr lang="en-US" altLang="zh-CN" sz="2000" dirty="0" smtClean="0"/>
               <a:t>DX</a:t>
             </a:r>
             <a:r>
-              <a:rPr lang="zh-CN" altLang="en-US" dirty="0" smtClean="0"/>
+              <a:rPr lang="zh-CN" altLang="en-US" sz="2000" dirty="0" smtClean="0"/>
               <a:t>！</a:t>
             </a:r>
-            <a:endParaRPr lang="zh-CN" altLang="en-US" dirty="0"/>
+            <a:endParaRPr lang="zh-CN" altLang="en-US" sz="2000" dirty="0"/>
           </a:p>
         </p:txBody>
       </p:sp>

--- a/SoftEngine/doc/SoftwareRender.pptx
+++ b/SoftEngine/doc/SoftwareRender.pptx
@@ -242,7 +242,7 @@
           <a:p>
             <a:fld id="{7FD73F73-AD69-480B-91F2-49106152900A}" type="datetimeFigureOut">
               <a:rPr lang="zh-CN" altLang="en-US" smtClean="0"/>
-              <a:t>2017/7/18</a:t>
+              <a:t>2017/7/19</a:t>
             </a:fld>
             <a:endParaRPr lang="zh-CN" altLang="en-US"/>
           </a:p>
@@ -712,7 +712,7 @@
           <a:p>
             <a:fld id="{2514DD5B-EB48-44C1-916F-AD55A63A68F5}" type="datetimeFigureOut">
               <a:rPr lang="zh-CN" altLang="en-US" smtClean="0"/>
-              <a:t>2017/7/18</a:t>
+              <a:t>2017/7/19</a:t>
             </a:fld>
             <a:endParaRPr lang="zh-CN" altLang="en-US"/>
           </a:p>
@@ -943,7 +943,7 @@
           <a:p>
             <a:fld id="{2514DD5B-EB48-44C1-916F-AD55A63A68F5}" type="datetimeFigureOut">
               <a:rPr lang="zh-CN" altLang="en-US" smtClean="0"/>
-              <a:t>2017/7/18</a:t>
+              <a:t>2017/7/19</a:t>
             </a:fld>
             <a:endParaRPr lang="zh-CN" altLang="en-US"/>
           </a:p>
@@ -1174,7 +1174,7 @@
           <a:p>
             <a:fld id="{2514DD5B-EB48-44C1-916F-AD55A63A68F5}" type="datetimeFigureOut">
               <a:rPr lang="zh-CN" altLang="en-US" smtClean="0"/>
-              <a:t>2017/7/18</a:t>
+              <a:t>2017/7/19</a:t>
             </a:fld>
             <a:endParaRPr lang="zh-CN" altLang="en-US"/>
           </a:p>
@@ -1473,7 +1473,7 @@
               <a:pPr>
                 <a:defRPr/>
               </a:pPr>
-              <a:t>2017/7/18</a:t>
+              <a:t>2017/7/19</a:t>
             </a:fld>
             <a:endParaRPr lang="zh-CN" altLang="en-US"/>
           </a:p>
@@ -1719,7 +1719,7 @@
               <a:pPr>
                 <a:defRPr/>
               </a:pPr>
-              <a:t>2017/7/18</a:t>
+              <a:t>2017/7/19</a:t>
             </a:fld>
             <a:endParaRPr lang="zh-CN" altLang="en-US"/>
           </a:p>
@@ -2031,7 +2031,7 @@
               <a:pPr>
                 <a:defRPr/>
               </a:pPr>
-              <a:t>2017/7/18</a:t>
+              <a:t>2017/7/19</a:t>
             </a:fld>
             <a:endParaRPr lang="zh-CN" altLang="en-US"/>
           </a:p>
@@ -2393,7 +2393,7 @@
               <a:pPr>
                 <a:defRPr/>
               </a:pPr>
-              <a:t>2017/7/18</a:t>
+              <a:t>2017/7/19</a:t>
             </a:fld>
             <a:endParaRPr lang="zh-CN" altLang="en-US"/>
           </a:p>
@@ -2895,7 +2895,7 @@
               <a:pPr>
                 <a:defRPr/>
               </a:pPr>
-              <a:t>2017/7/18</a:t>
+              <a:t>2017/7/19</a:t>
             </a:fld>
             <a:endParaRPr lang="zh-CN" altLang="en-US"/>
           </a:p>
@@ -3081,7 +3081,7 @@
               <a:pPr>
                 <a:defRPr/>
               </a:pPr>
-              <a:t>2017/7/18</a:t>
+              <a:t>2017/7/19</a:t>
             </a:fld>
             <a:endParaRPr lang="zh-CN" altLang="en-US"/>
           </a:p>
@@ -3236,7 +3236,7 @@
               <a:pPr>
                 <a:defRPr/>
               </a:pPr>
-              <a:t>2017/7/18</a:t>
+              <a:t>2017/7/19</a:t>
             </a:fld>
             <a:endParaRPr lang="zh-CN" altLang="en-US"/>
           </a:p>
@@ -3582,7 +3582,7 @@
               <a:pPr>
                 <a:defRPr/>
               </a:pPr>
-              <a:t>2017/7/18</a:t>
+              <a:t>2017/7/19</a:t>
             </a:fld>
             <a:endParaRPr lang="zh-CN" altLang="en-US"/>
           </a:p>
@@ -3822,7 +3822,7 @@
           <a:p>
             <a:fld id="{2514DD5B-EB48-44C1-916F-AD55A63A68F5}" type="datetimeFigureOut">
               <a:rPr lang="zh-CN" altLang="en-US" smtClean="0"/>
-              <a:t>2017/7/18</a:t>
+              <a:t>2017/7/19</a:t>
             </a:fld>
             <a:endParaRPr lang="zh-CN" altLang="en-US"/>
           </a:p>
@@ -4139,7 +4139,7 @@
               <a:pPr>
                 <a:defRPr/>
               </a:pPr>
-              <a:t>2017/7/18</a:t>
+              <a:t>2017/7/19</a:t>
             </a:fld>
             <a:endParaRPr lang="zh-CN" altLang="en-US"/>
           </a:p>
@@ -4385,7 +4385,7 @@
               <a:pPr>
                 <a:defRPr/>
               </a:pPr>
-              <a:t>2017/7/18</a:t>
+              <a:t>2017/7/19</a:t>
             </a:fld>
             <a:endParaRPr lang="zh-CN" altLang="en-US"/>
           </a:p>
@@ -4631,7 +4631,7 @@
               <a:pPr>
                 <a:defRPr/>
               </a:pPr>
-              <a:t>2017/7/18</a:t>
+              <a:t>2017/7/19</a:t>
             </a:fld>
             <a:endParaRPr lang="zh-CN" altLang="en-US"/>
           </a:p>
@@ -4937,7 +4937,7 @@
           <a:p>
             <a:fld id="{2514DD5B-EB48-44C1-916F-AD55A63A68F5}" type="datetimeFigureOut">
               <a:rPr lang="zh-CN" altLang="en-US" smtClean="0"/>
-              <a:t>2017/7/18</a:t>
+              <a:t>2017/7/19</a:t>
             </a:fld>
             <a:endParaRPr lang="zh-CN" altLang="en-US"/>
           </a:p>
@@ -5284,7 +5284,7 @@
           <a:p>
             <a:fld id="{2514DD5B-EB48-44C1-916F-AD55A63A68F5}" type="datetimeFigureOut">
               <a:rPr lang="zh-CN" altLang="en-US" smtClean="0"/>
-              <a:t>2017/7/18</a:t>
+              <a:t>2017/7/19</a:t>
             </a:fld>
             <a:endParaRPr lang="zh-CN" altLang="en-US"/>
           </a:p>
@@ -5771,7 +5771,7 @@
           <a:p>
             <a:fld id="{2514DD5B-EB48-44C1-916F-AD55A63A68F5}" type="datetimeFigureOut">
               <a:rPr lang="zh-CN" altLang="en-US" smtClean="0"/>
-              <a:t>2017/7/18</a:t>
+              <a:t>2017/7/19</a:t>
             </a:fld>
             <a:endParaRPr lang="zh-CN" altLang="en-US"/>
           </a:p>
@@ -5942,7 +5942,7 @@
           <a:p>
             <a:fld id="{2514DD5B-EB48-44C1-916F-AD55A63A68F5}" type="datetimeFigureOut">
               <a:rPr lang="zh-CN" altLang="en-US" smtClean="0"/>
-              <a:t>2017/7/18</a:t>
+              <a:t>2017/7/19</a:t>
             </a:fld>
             <a:endParaRPr lang="zh-CN" altLang="en-US"/>
           </a:p>
@@ -6082,7 +6082,7 @@
           <a:p>
             <a:fld id="{2514DD5B-EB48-44C1-916F-AD55A63A68F5}" type="datetimeFigureOut">
               <a:rPr lang="zh-CN" altLang="en-US" smtClean="0"/>
-              <a:t>2017/7/18</a:t>
+              <a:t>2017/7/19</a:t>
             </a:fld>
             <a:endParaRPr lang="zh-CN" altLang="en-US"/>
           </a:p>
@@ -6413,7 +6413,7 @@
           <a:p>
             <a:fld id="{2514DD5B-EB48-44C1-916F-AD55A63A68F5}" type="datetimeFigureOut">
               <a:rPr lang="zh-CN" altLang="en-US" smtClean="0"/>
-              <a:t>2017/7/18</a:t>
+              <a:t>2017/7/19</a:t>
             </a:fld>
             <a:endParaRPr lang="zh-CN" altLang="en-US"/>
           </a:p>
@@ -6724,7 +6724,7 @@
           <a:p>
             <a:fld id="{2514DD5B-EB48-44C1-916F-AD55A63A68F5}" type="datetimeFigureOut">
               <a:rPr lang="zh-CN" altLang="en-US" smtClean="0"/>
-              <a:t>2017/7/18</a:t>
+              <a:t>2017/7/19</a:t>
             </a:fld>
             <a:endParaRPr lang="zh-CN" altLang="en-US"/>
           </a:p>
@@ -10840,11 +10840,7 @@
           <a:p>
             <a:r>
               <a:rPr lang="zh-CN" altLang="en-US" dirty="0" smtClean="0"/>
-              <a:t>透视投影矩阵的</a:t>
-            </a:r>
-            <a:r>
-              <a:rPr lang="zh-CN" altLang="en-US" dirty="0" smtClean="0"/>
-              <a:t>推导</a:t>
+              <a:t>透视投影矩阵的推导</a:t>
             </a:r>
             <a:endParaRPr lang="en-US" altLang="zh-CN" dirty="0" smtClean="0"/>
           </a:p>
@@ -10854,11 +10850,7 @@
             </a:pPr>
             <a:r>
               <a:rPr lang="zh-CN" altLang="en-US" sz="2400" dirty="0" smtClean="0"/>
-              <a:t>整个</a:t>
-            </a:r>
-            <a:r>
-              <a:rPr lang="zh-CN" altLang="en-US" sz="2400" dirty="0" smtClean="0"/>
-              <a:t>投影过程分为两个部分，第一部分是从</a:t>
+              <a:t>整个投影过程分为两个部分，第一部分是从</a:t>
             </a:r>
             <a:r>
               <a:rPr lang="en-US" altLang="zh-CN" sz="2400" dirty="0" smtClean="0"/>
@@ -11828,19 +11820,11 @@
             </a:r>
             <a:r>
               <a:rPr lang="zh-CN" altLang="en-US" sz="2000" dirty="0" smtClean="0"/>
-              <a:t>代入</a:t>
-            </a:r>
-            <a:r>
-              <a:rPr lang="zh-CN" altLang="en-US" sz="2000" dirty="0" smtClean="0"/>
-              <a:t>到</a:t>
+              <a:t>代入到</a:t>
             </a:r>
             <a:r>
               <a:rPr lang="en-US" altLang="zh-CN" sz="2000" dirty="0" smtClean="0"/>
-              <a:t>MP=P</a:t>
-            </a:r>
-            <a:r>
-              <a:rPr lang="en-US" altLang="zh-CN" sz="2000" dirty="0" smtClean="0"/>
-              <a:t>’’</a:t>
+              <a:t>MP=P’’</a:t>
             </a:r>
             <a:r>
               <a:rPr lang="zh-CN" altLang="en-US" sz="2000" dirty="0" smtClean="0"/>
@@ -11858,11 +11842,7 @@
             </a:r>
             <a:r>
               <a:rPr lang="zh-CN" altLang="en-US" sz="2000" dirty="0" smtClean="0"/>
-              <a:t>求得最后的</a:t>
-            </a:r>
-            <a:r>
-              <a:rPr lang="zh-CN" altLang="en-US" sz="2000" dirty="0" smtClean="0"/>
-              <a:t>矩阵（列优</a:t>
+              <a:t>求得最后的矩阵（列优</a:t>
             </a:r>
             <a:endParaRPr lang="en-US" altLang="zh-CN" sz="2000" dirty="0" smtClean="0"/>
           </a:p>
@@ -11876,11 +11856,7 @@
             </a:r>
             <a:r>
               <a:rPr lang="zh-CN" altLang="en-US" sz="2000" dirty="0" smtClean="0"/>
-              <a:t>先）为</a:t>
-            </a:r>
-            <a:r>
-              <a:rPr lang="zh-CN" altLang="en-US" sz="2000" dirty="0" smtClean="0"/>
-              <a:t>：</a:t>
+              <a:t>先）为：</a:t>
             </a:r>
             <a:endParaRPr lang="en-US" altLang="zh-CN" sz="2000" dirty="0" smtClean="0"/>
           </a:p>
@@ -14391,9 +14367,19 @@
             <a:pPr marL="0" indent="0">
               <a:buNone/>
             </a:pPr>
+            <a:endParaRPr lang="en-US" altLang="zh-CN" sz="2000" dirty="0" smtClean="0"/>
+          </a:p>
+          <a:p>
+            <a:pPr marL="0" indent="0">
+              <a:buNone/>
+            </a:pPr>
             <a:r>
               <a:rPr lang="zh-CN" altLang="en-US" sz="2000" dirty="0" smtClean="0"/>
-              <a:t>如何计算</a:t>
+              <a:t>如何</a:t>
+            </a:r>
+            <a:r>
+              <a:rPr lang="zh-CN" altLang="en-US" sz="2000" dirty="0" smtClean="0"/>
+              <a:t>计算</a:t>
             </a:r>
             <a:r>
               <a:rPr lang="en-US" altLang="zh-CN" sz="2000" dirty="0" smtClean="0"/>
@@ -14487,62 +14473,6 @@
             <a:pPr marL="0" indent="0">
               <a:buNone/>
             </a:pPr>
-            <a:endParaRPr lang="en-US" altLang="zh-CN" sz="2000" dirty="0" smtClean="0"/>
-          </a:p>
-          <a:p>
-            <a:pPr marL="0" indent="0">
-              <a:buNone/>
-            </a:pPr>
-            <a:r>
-              <a:rPr lang="zh-CN" altLang="en-US" sz="2000" dirty="0" smtClean="0"/>
-              <a:t>为了避免每次清空</a:t>
-            </a:r>
-            <a:r>
-              <a:rPr lang="en-US" altLang="zh-CN" sz="2000" dirty="0" smtClean="0"/>
-              <a:t>1/z</a:t>
-            </a:r>
-            <a:r>
-              <a:rPr lang="zh-CN" altLang="en-US" sz="2000" dirty="0" smtClean="0"/>
-              <a:t>缓存带来 的效率问题，因为</a:t>
-            </a:r>
-            <a:r>
-              <a:rPr lang="en-US" altLang="zh-CN" sz="2000" dirty="0" smtClean="0"/>
-              <a:t>z&gt;1</a:t>
-            </a:r>
-            <a:r>
-              <a:rPr lang="zh-CN" altLang="en-US" sz="2000" dirty="0" smtClean="0"/>
-              <a:t>时，</a:t>
-            </a:r>
-            <a:endParaRPr lang="en-US" altLang="zh-CN" sz="2000" dirty="0" smtClean="0"/>
-          </a:p>
-          <a:p>
-            <a:pPr marL="0" indent="0">
-              <a:buNone/>
-            </a:pPr>
-            <a:r>
-              <a:rPr lang="en-US" altLang="zh-CN" sz="2000" dirty="0" smtClean="0"/>
-              <a:t>1/z</a:t>
-            </a:r>
-            <a:r>
-              <a:rPr lang="zh-CN" altLang="en-US" sz="2000" dirty="0" smtClean="0"/>
-              <a:t>决小于</a:t>
-            </a:r>
-            <a:r>
-              <a:rPr lang="en-US" altLang="zh-CN" sz="2000" dirty="0" smtClean="0"/>
-              <a:t>1</a:t>
-            </a:r>
-            <a:r>
-              <a:rPr lang="zh-CN" altLang="en-US" sz="2000" dirty="0" smtClean="0"/>
-              <a:t>，可以在每次绘制时，将缓冲中的值加上</a:t>
-            </a:r>
-            <a:r>
-              <a:rPr lang="en-US" altLang="zh-CN" sz="2000" dirty="0" smtClean="0"/>
-              <a:t>1</a:t>
-            </a:r>
-            <a:r>
-              <a:rPr lang="zh-CN" altLang="en-US" sz="2000" dirty="0" smtClean="0"/>
-              <a:t>的偏移，但这里需要注意溢出问题。</a:t>
-            </a:r>
             <a:endParaRPr lang="en-US" altLang="zh-CN" sz="2000" dirty="0" smtClean="0"/>
           </a:p>
           <a:p>

--- a/SoftEngine/doc/SoftwareRender.pptx
+++ b/SoftEngine/doc/SoftwareRender.pptx
@@ -6,7 +6,7 @@
     <p:sldMasterId id="2147483684" r:id="rId2"/>
   </p:sldMasterIdLst>
   <p:notesMasterIdLst>
-    <p:notesMasterId r:id="rId53"/>
+    <p:notesMasterId r:id="rId55"/>
   </p:notesMasterIdLst>
   <p:sldIdLst>
     <p:sldId id="257" r:id="rId3"/>
@@ -35,30 +35,32 @@
     <p:sldId id="279" r:id="rId26"/>
     <p:sldId id="280" r:id="rId27"/>
     <p:sldId id="281" r:id="rId28"/>
-    <p:sldId id="282" r:id="rId29"/>
-    <p:sldId id="283" r:id="rId30"/>
-    <p:sldId id="284" r:id="rId31"/>
-    <p:sldId id="285" r:id="rId32"/>
-    <p:sldId id="286" r:id="rId33"/>
-    <p:sldId id="287" r:id="rId34"/>
-    <p:sldId id="288" r:id="rId35"/>
-    <p:sldId id="289" r:id="rId36"/>
-    <p:sldId id="290" r:id="rId37"/>
-    <p:sldId id="291" r:id="rId38"/>
-    <p:sldId id="292" r:id="rId39"/>
-    <p:sldId id="293" r:id="rId40"/>
-    <p:sldId id="294" r:id="rId41"/>
-    <p:sldId id="295" r:id="rId42"/>
-    <p:sldId id="296" r:id="rId43"/>
-    <p:sldId id="297" r:id="rId44"/>
-    <p:sldId id="298" r:id="rId45"/>
-    <p:sldId id="299" r:id="rId46"/>
-    <p:sldId id="300" r:id="rId47"/>
-    <p:sldId id="301" r:id="rId48"/>
-    <p:sldId id="302" r:id="rId49"/>
-    <p:sldId id="303" r:id="rId50"/>
-    <p:sldId id="304" r:id="rId51"/>
-    <p:sldId id="305" r:id="rId52"/>
+    <p:sldId id="307" r:id="rId29"/>
+    <p:sldId id="282" r:id="rId30"/>
+    <p:sldId id="283" r:id="rId31"/>
+    <p:sldId id="284" r:id="rId32"/>
+    <p:sldId id="285" r:id="rId33"/>
+    <p:sldId id="286" r:id="rId34"/>
+    <p:sldId id="287" r:id="rId35"/>
+    <p:sldId id="288" r:id="rId36"/>
+    <p:sldId id="289" r:id="rId37"/>
+    <p:sldId id="290" r:id="rId38"/>
+    <p:sldId id="291" r:id="rId39"/>
+    <p:sldId id="292" r:id="rId40"/>
+    <p:sldId id="308" r:id="rId41"/>
+    <p:sldId id="293" r:id="rId42"/>
+    <p:sldId id="294" r:id="rId43"/>
+    <p:sldId id="295" r:id="rId44"/>
+    <p:sldId id="296" r:id="rId45"/>
+    <p:sldId id="297" r:id="rId46"/>
+    <p:sldId id="298" r:id="rId47"/>
+    <p:sldId id="299" r:id="rId48"/>
+    <p:sldId id="300" r:id="rId49"/>
+    <p:sldId id="301" r:id="rId50"/>
+    <p:sldId id="302" r:id="rId51"/>
+    <p:sldId id="303" r:id="rId52"/>
+    <p:sldId id="304" r:id="rId53"/>
+    <p:sldId id="305" r:id="rId54"/>
   </p:sldIdLst>
   <p:sldSz cx="9144000" cy="6858000" type="screen4x3"/>
   <p:notesSz cx="6858000" cy="9144000"/>
@@ -242,7 +244,7 @@
           <a:p>
             <a:fld id="{7FD73F73-AD69-480B-91F2-49106152900A}" type="datetimeFigureOut">
               <a:rPr lang="zh-CN" altLang="en-US" smtClean="0"/>
-              <a:t>2017/7/19</a:t>
+              <a:t>2017/7/20</a:t>
             </a:fld>
             <a:endParaRPr lang="zh-CN" altLang="en-US"/>
           </a:p>
@@ -712,7 +714,7 @@
           <a:p>
             <a:fld id="{2514DD5B-EB48-44C1-916F-AD55A63A68F5}" type="datetimeFigureOut">
               <a:rPr lang="zh-CN" altLang="en-US" smtClean="0"/>
-              <a:t>2017/7/19</a:t>
+              <a:t>2017/7/20</a:t>
             </a:fld>
             <a:endParaRPr lang="zh-CN" altLang="en-US"/>
           </a:p>
@@ -943,7 +945,7 @@
           <a:p>
             <a:fld id="{2514DD5B-EB48-44C1-916F-AD55A63A68F5}" type="datetimeFigureOut">
               <a:rPr lang="zh-CN" altLang="en-US" smtClean="0"/>
-              <a:t>2017/7/19</a:t>
+              <a:t>2017/7/20</a:t>
             </a:fld>
             <a:endParaRPr lang="zh-CN" altLang="en-US"/>
           </a:p>
@@ -1174,7 +1176,7 @@
           <a:p>
             <a:fld id="{2514DD5B-EB48-44C1-916F-AD55A63A68F5}" type="datetimeFigureOut">
               <a:rPr lang="zh-CN" altLang="en-US" smtClean="0"/>
-              <a:t>2017/7/19</a:t>
+              <a:t>2017/7/20</a:t>
             </a:fld>
             <a:endParaRPr lang="zh-CN" altLang="en-US"/>
           </a:p>
@@ -1473,7 +1475,7 @@
               <a:pPr>
                 <a:defRPr/>
               </a:pPr>
-              <a:t>2017/7/19</a:t>
+              <a:t>2017/7/20</a:t>
             </a:fld>
             <a:endParaRPr lang="zh-CN" altLang="en-US"/>
           </a:p>
@@ -1719,7 +1721,7 @@
               <a:pPr>
                 <a:defRPr/>
               </a:pPr>
-              <a:t>2017/7/19</a:t>
+              <a:t>2017/7/20</a:t>
             </a:fld>
             <a:endParaRPr lang="zh-CN" altLang="en-US"/>
           </a:p>
@@ -2031,7 +2033,7 @@
               <a:pPr>
                 <a:defRPr/>
               </a:pPr>
-              <a:t>2017/7/19</a:t>
+              <a:t>2017/7/20</a:t>
             </a:fld>
             <a:endParaRPr lang="zh-CN" altLang="en-US"/>
           </a:p>
@@ -2393,7 +2395,7 @@
               <a:pPr>
                 <a:defRPr/>
               </a:pPr>
-              <a:t>2017/7/19</a:t>
+              <a:t>2017/7/20</a:t>
             </a:fld>
             <a:endParaRPr lang="zh-CN" altLang="en-US"/>
           </a:p>
@@ -2895,7 +2897,7 @@
               <a:pPr>
                 <a:defRPr/>
               </a:pPr>
-              <a:t>2017/7/19</a:t>
+              <a:t>2017/7/20</a:t>
             </a:fld>
             <a:endParaRPr lang="zh-CN" altLang="en-US"/>
           </a:p>
@@ -3081,7 +3083,7 @@
               <a:pPr>
                 <a:defRPr/>
               </a:pPr>
-              <a:t>2017/7/19</a:t>
+              <a:t>2017/7/20</a:t>
             </a:fld>
             <a:endParaRPr lang="zh-CN" altLang="en-US"/>
           </a:p>
@@ -3236,7 +3238,7 @@
               <a:pPr>
                 <a:defRPr/>
               </a:pPr>
-              <a:t>2017/7/19</a:t>
+              <a:t>2017/7/20</a:t>
             </a:fld>
             <a:endParaRPr lang="zh-CN" altLang="en-US"/>
           </a:p>
@@ -3582,7 +3584,7 @@
               <a:pPr>
                 <a:defRPr/>
               </a:pPr>
-              <a:t>2017/7/19</a:t>
+              <a:t>2017/7/20</a:t>
             </a:fld>
             <a:endParaRPr lang="zh-CN" altLang="en-US"/>
           </a:p>
@@ -3822,7 +3824,7 @@
           <a:p>
             <a:fld id="{2514DD5B-EB48-44C1-916F-AD55A63A68F5}" type="datetimeFigureOut">
               <a:rPr lang="zh-CN" altLang="en-US" smtClean="0"/>
-              <a:t>2017/7/19</a:t>
+              <a:t>2017/7/20</a:t>
             </a:fld>
             <a:endParaRPr lang="zh-CN" altLang="en-US"/>
           </a:p>
@@ -4139,7 +4141,7 @@
               <a:pPr>
                 <a:defRPr/>
               </a:pPr>
-              <a:t>2017/7/19</a:t>
+              <a:t>2017/7/20</a:t>
             </a:fld>
             <a:endParaRPr lang="zh-CN" altLang="en-US"/>
           </a:p>
@@ -4385,7 +4387,7 @@
               <a:pPr>
                 <a:defRPr/>
               </a:pPr>
-              <a:t>2017/7/19</a:t>
+              <a:t>2017/7/20</a:t>
             </a:fld>
             <a:endParaRPr lang="zh-CN" altLang="en-US"/>
           </a:p>
@@ -4631,7 +4633,7 @@
               <a:pPr>
                 <a:defRPr/>
               </a:pPr>
-              <a:t>2017/7/19</a:t>
+              <a:t>2017/7/20</a:t>
             </a:fld>
             <a:endParaRPr lang="zh-CN" altLang="en-US"/>
           </a:p>
@@ -4937,7 +4939,7 @@
           <a:p>
             <a:fld id="{2514DD5B-EB48-44C1-916F-AD55A63A68F5}" type="datetimeFigureOut">
               <a:rPr lang="zh-CN" altLang="en-US" smtClean="0"/>
-              <a:t>2017/7/19</a:t>
+              <a:t>2017/7/20</a:t>
             </a:fld>
             <a:endParaRPr lang="zh-CN" altLang="en-US"/>
           </a:p>
@@ -5284,7 +5286,7 @@
           <a:p>
             <a:fld id="{2514DD5B-EB48-44C1-916F-AD55A63A68F5}" type="datetimeFigureOut">
               <a:rPr lang="zh-CN" altLang="en-US" smtClean="0"/>
-              <a:t>2017/7/19</a:t>
+              <a:t>2017/7/20</a:t>
             </a:fld>
             <a:endParaRPr lang="zh-CN" altLang="en-US"/>
           </a:p>
@@ -5771,7 +5773,7 @@
           <a:p>
             <a:fld id="{2514DD5B-EB48-44C1-916F-AD55A63A68F5}" type="datetimeFigureOut">
               <a:rPr lang="zh-CN" altLang="en-US" smtClean="0"/>
-              <a:t>2017/7/19</a:t>
+              <a:t>2017/7/20</a:t>
             </a:fld>
             <a:endParaRPr lang="zh-CN" altLang="en-US"/>
           </a:p>
@@ -5942,7 +5944,7 @@
           <a:p>
             <a:fld id="{2514DD5B-EB48-44C1-916F-AD55A63A68F5}" type="datetimeFigureOut">
               <a:rPr lang="zh-CN" altLang="en-US" smtClean="0"/>
-              <a:t>2017/7/19</a:t>
+              <a:t>2017/7/20</a:t>
             </a:fld>
             <a:endParaRPr lang="zh-CN" altLang="en-US"/>
           </a:p>
@@ -6082,7 +6084,7 @@
           <a:p>
             <a:fld id="{2514DD5B-EB48-44C1-916F-AD55A63A68F5}" type="datetimeFigureOut">
               <a:rPr lang="zh-CN" altLang="en-US" smtClean="0"/>
-              <a:t>2017/7/19</a:t>
+              <a:t>2017/7/20</a:t>
             </a:fld>
             <a:endParaRPr lang="zh-CN" altLang="en-US"/>
           </a:p>
@@ -6413,7 +6415,7 @@
           <a:p>
             <a:fld id="{2514DD5B-EB48-44C1-916F-AD55A63A68F5}" type="datetimeFigureOut">
               <a:rPr lang="zh-CN" altLang="en-US" smtClean="0"/>
-              <a:t>2017/7/19</a:t>
+              <a:t>2017/7/20</a:t>
             </a:fld>
             <a:endParaRPr lang="zh-CN" altLang="en-US"/>
           </a:p>
@@ -6724,7 +6726,7 @@
           <a:p>
             <a:fld id="{2514DD5B-EB48-44C1-916F-AD55A63A68F5}" type="datetimeFigureOut">
               <a:rPr lang="zh-CN" altLang="en-US" smtClean="0"/>
-              <a:t>2017/7/19</a:t>
+              <a:t>2017/7/20</a:t>
             </a:fld>
             <a:endParaRPr lang="zh-CN" altLang="en-US"/>
           </a:p>
@@ -11027,14 +11029,20 @@
       </p:sp>
       <p:pic>
         <p:nvPicPr>
-          <p:cNvPr id="6" name="Picture 3"/>
+          <p:cNvPr id="1026" name="Picture 2"/>
           <p:cNvPicPr>
             <a:picLocks noChangeAspect="1" noChangeArrowheads="1"/>
           </p:cNvPicPr>
           <p:nvPr/>
         </p:nvPicPr>
         <p:blipFill>
-          <a:blip r:embed="rId2" cstate="print"/>
+          <a:blip r:embed="rId2">
+            <a:extLst>
+              <a:ext uri="{28A0092B-C50C-407E-A947-70E740481C1C}">
+                <a14:useLocalDpi xmlns:a14="http://schemas.microsoft.com/office/drawing/2010/main" val="0"/>
+              </a:ext>
+            </a:extLst>
+          </a:blip>
           <a:srcRect/>
           <a:stretch>
             <a:fillRect/>
@@ -11042,24 +11050,50 @@
         </p:blipFill>
         <p:spPr bwMode="auto">
           <a:xfrm>
-            <a:off x="1187624" y="2719040"/>
-            <a:ext cx="3528392" cy="2595423"/>
+            <a:off x="5148064" y="2883276"/>
+            <a:ext cx="3038475" cy="2266950"/>
           </a:xfrm>
           <a:prstGeom prst="rect">
             <a:avLst/>
           </a:prstGeom>
           <a:noFill/>
-          <a:ln w="9525">
+          <a:ln>
             <a:noFill/>
-            <a:miter lim="800000"/>
-            <a:headEnd/>
-            <a:tailEnd/>
           </a:ln>
+          <a:effectLst/>
+          <a:extLst>
+            <a:ext uri="{909E8E84-426E-40DD-AFC4-6F175D3DCCD1}">
+              <a14:hiddenFill xmlns:a14="http://schemas.microsoft.com/office/drawing/2010/main">
+                <a:solidFill>
+                  <a:schemeClr val="accent1"/>
+                </a:solidFill>
+              </a14:hiddenFill>
+            </a:ext>
+            <a:ext uri="{91240B29-F687-4F45-9708-019B960494DF}">
+              <a14:hiddenLine xmlns:a14="http://schemas.microsoft.com/office/drawing/2010/main" w="9525">
+                <a:solidFill>
+                  <a:schemeClr val="tx1"/>
+                </a:solidFill>
+                <a:miter lim="800000"/>
+                <a:headEnd/>
+                <a:tailEnd/>
+              </a14:hiddenLine>
+            </a:ext>
+            <a:ext uri="{AF507438-7753-43E0-B8FC-AC1667EBCBE1}">
+              <a14:hiddenEffects xmlns:a14="http://schemas.microsoft.com/office/drawing/2010/main">
+                <a:effectLst>
+                  <a:outerShdw dist="35921" dir="2700000" algn="ctr" rotWithShape="0">
+                    <a:schemeClr val="bg2"/>
+                  </a:outerShdw>
+                </a:effectLst>
+              </a14:hiddenEffects>
+            </a:ext>
+          </a:extLst>
         </p:spPr>
       </p:pic>
       <p:pic>
         <p:nvPicPr>
-          <p:cNvPr id="1026" name="Picture 2"/>
+          <p:cNvPr id="4" name="Picture 2"/>
           <p:cNvPicPr>
             <a:picLocks noChangeAspect="1" noChangeArrowheads="1"/>
           </p:cNvPicPr>
@@ -11080,8 +11114,8 @@
         </p:blipFill>
         <p:spPr bwMode="auto">
           <a:xfrm>
-            <a:off x="5148064" y="2883276"/>
-            <a:ext cx="3038475" cy="2266950"/>
+            <a:off x="974883" y="2664201"/>
+            <a:ext cx="3314700" cy="2705100"/>
           </a:xfrm>
           <a:prstGeom prst="rect">
             <a:avLst/>
@@ -11272,14 +11306,20 @@
       </p:sp>
       <p:pic>
         <p:nvPicPr>
-          <p:cNvPr id="7" name="Picture 2"/>
+          <p:cNvPr id="2050" name="Picture 2"/>
           <p:cNvPicPr>
             <a:picLocks noChangeAspect="1" noChangeArrowheads="1"/>
           </p:cNvPicPr>
           <p:nvPr/>
         </p:nvPicPr>
         <p:blipFill>
-          <a:blip r:embed="rId2" cstate="print"/>
+          <a:blip r:embed="rId2">
+            <a:extLst>
+              <a:ext uri="{28A0092B-C50C-407E-A947-70E740481C1C}">
+                <a14:useLocalDpi xmlns:a14="http://schemas.microsoft.com/office/drawing/2010/main" val="0"/>
+              </a:ext>
+            </a:extLst>
+          </a:blip>
           <a:srcRect/>
           <a:stretch>
             <a:fillRect/>
@@ -11287,31 +11327,63 @@
         </p:blipFill>
         <p:spPr bwMode="auto">
           <a:xfrm>
-            <a:off x="1259632" y="2780928"/>
-            <a:ext cx="2890440" cy="1884725"/>
+            <a:off x="1346101" y="2708920"/>
+            <a:ext cx="2781300" cy="1885950"/>
           </a:xfrm>
           <a:prstGeom prst="rect">
             <a:avLst/>
           </a:prstGeom>
           <a:noFill/>
-          <a:ln w="9525">
+          <a:ln>
             <a:noFill/>
-            <a:miter lim="800000"/>
-            <a:headEnd/>
-            <a:tailEnd/>
           </a:ln>
+          <a:effectLst/>
+          <a:extLst>
+            <a:ext uri="{909E8E84-426E-40DD-AFC4-6F175D3DCCD1}">
+              <a14:hiddenFill xmlns:a14="http://schemas.microsoft.com/office/drawing/2010/main">
+                <a:solidFill>
+                  <a:schemeClr val="accent1"/>
+                </a:solidFill>
+              </a14:hiddenFill>
+            </a:ext>
+            <a:ext uri="{91240B29-F687-4F45-9708-019B960494DF}">
+              <a14:hiddenLine xmlns:a14="http://schemas.microsoft.com/office/drawing/2010/main" w="9525">
+                <a:solidFill>
+                  <a:schemeClr val="tx1"/>
+                </a:solidFill>
+                <a:miter lim="800000"/>
+                <a:headEnd/>
+                <a:tailEnd/>
+              </a14:hiddenLine>
+            </a:ext>
+            <a:ext uri="{AF507438-7753-43E0-B8FC-AC1667EBCBE1}">
+              <a14:hiddenEffects xmlns:a14="http://schemas.microsoft.com/office/drawing/2010/main">
+                <a:effectLst>
+                  <a:outerShdw dist="35921" dir="2700000" algn="ctr" rotWithShape="0">
+                    <a:schemeClr val="bg2"/>
+                  </a:outerShdw>
+                </a:effectLst>
+              </a14:hiddenEffects>
+            </a:ext>
+          </a:extLst>
         </p:spPr>
       </p:pic>
       <p:pic>
         <p:nvPicPr>
-          <p:cNvPr id="8" name="Picture 3"/>
+          <p:cNvPr id="2051" name="Picture 3"/>
           <p:cNvPicPr>
             <a:picLocks noChangeAspect="1" noChangeArrowheads="1"/>
           </p:cNvPicPr>
           <p:nvPr/>
         </p:nvPicPr>
         <p:blipFill>
-          <a:blip r:embed="rId3" cstate="print"/>
+          <a:blip r:embed="rId3">
+            <a:extLst>
+              <a:ext uri="{28A0092B-C50C-407E-A947-70E740481C1C}">
+                <a14:useLocalDpi xmlns:a14="http://schemas.microsoft.com/office/drawing/2010/main" val="0"/>
+              </a:ext>
+            </a:extLst>
+          </a:blip>
           <a:srcRect/>
           <a:stretch>
             <a:fillRect/>
@@ -11320,18 +11392,44 @@
         <p:spPr bwMode="auto">
           <a:xfrm>
             <a:off x="1346101" y="5157192"/>
-            <a:ext cx="1929755" cy="645784"/>
+            <a:ext cx="1695450" cy="609600"/>
           </a:xfrm>
           <a:prstGeom prst="rect">
             <a:avLst/>
           </a:prstGeom>
           <a:noFill/>
-          <a:ln w="9525">
+          <a:ln>
             <a:noFill/>
-            <a:miter lim="800000"/>
-            <a:headEnd/>
-            <a:tailEnd/>
           </a:ln>
+          <a:effectLst/>
+          <a:extLst>
+            <a:ext uri="{909E8E84-426E-40DD-AFC4-6F175D3DCCD1}">
+              <a14:hiddenFill xmlns:a14="http://schemas.microsoft.com/office/drawing/2010/main">
+                <a:solidFill>
+                  <a:schemeClr val="accent1"/>
+                </a:solidFill>
+              </a14:hiddenFill>
+            </a:ext>
+            <a:ext uri="{91240B29-F687-4F45-9708-019B960494DF}">
+              <a14:hiddenLine xmlns:a14="http://schemas.microsoft.com/office/drawing/2010/main" w="9525">
+                <a:solidFill>
+                  <a:schemeClr val="tx1"/>
+                </a:solidFill>
+                <a:miter lim="800000"/>
+                <a:headEnd/>
+                <a:tailEnd/>
+              </a14:hiddenLine>
+            </a:ext>
+            <a:ext uri="{AF507438-7753-43E0-B8FC-AC1667EBCBE1}">
+              <a14:hiddenEffects xmlns:a14="http://schemas.microsoft.com/office/drawing/2010/main">
+                <a:effectLst>
+                  <a:outerShdw dist="35921" dir="2700000" algn="ctr" rotWithShape="0">
+                    <a:schemeClr val="bg2"/>
+                  </a:outerShdw>
+                </a:effectLst>
+              </a14:hiddenEffects>
+            </a:ext>
+          </a:extLst>
         </p:spPr>
       </p:pic>
     </p:spTree>
@@ -11775,102 +11873,108 @@
               <a:buNone/>
             </a:pPr>
             <a:r>
+              <a:rPr lang="zh-CN" altLang="en-US" sz="2000" dirty="0" smtClean="0"/>
+              <a:t>所以，</a:t>
+            </a:r>
+            <a:endParaRPr lang="en-US" altLang="zh-CN" sz="2000" dirty="0" smtClean="0"/>
+          </a:p>
+          <a:p>
+            <a:pPr>
+              <a:buNone/>
+            </a:pPr>
+            <a:endParaRPr lang="en-US" altLang="zh-CN" sz="2000" dirty="0"/>
+          </a:p>
+          <a:p>
+            <a:pPr>
+              <a:buNone/>
+            </a:pPr>
+            <a:endParaRPr lang="en-US" altLang="zh-CN" sz="2000" dirty="0"/>
+          </a:p>
+          <a:p>
+            <a:pPr>
+              <a:buNone/>
+            </a:pPr>
+            <a:r>
+              <a:rPr lang="en-US" altLang="zh-CN" sz="2000" dirty="0" smtClean="0"/>
+              <a:t>x’’</a:t>
+            </a:r>
+            <a:r>
+              <a:rPr lang="zh-CN" altLang="en-US" sz="2000" dirty="0" smtClean="0"/>
+              <a:t>，</a:t>
+            </a:r>
+            <a:r>
+              <a:rPr lang="en-US" altLang="zh-CN" sz="2000" dirty="0" smtClean="0"/>
+              <a:t>y’’</a:t>
+            </a:r>
+            <a:r>
+              <a:rPr lang="zh-CN" altLang="en-US" sz="2000" dirty="0" smtClean="0"/>
+              <a:t>，</a:t>
+            </a:r>
+            <a:r>
+              <a:rPr lang="en-US" altLang="zh-CN" sz="2000" dirty="0" smtClean="0"/>
+              <a:t> z’’</a:t>
+            </a:r>
+            <a:r>
+              <a:rPr lang="zh-CN" altLang="en-US" sz="2000" dirty="0" smtClean="0"/>
+              <a:t>中都除了以</a:t>
+            </a:r>
+            <a:r>
+              <a:rPr lang="en-US" altLang="zh-CN" sz="2000" dirty="0" smtClean="0"/>
+              <a:t>-</a:t>
+            </a:r>
+            <a:r>
+              <a:rPr lang="en-US" altLang="zh-CN" sz="2000" dirty="0" err="1" smtClean="0"/>
+              <a:t>Pz</a:t>
+            </a:r>
+            <a:r>
+              <a:rPr lang="zh-CN" altLang="en-US" sz="2000" dirty="0" smtClean="0"/>
+              <a:t>，</a:t>
+            </a:r>
+            <a:r>
+              <a:rPr lang="zh-CN" altLang="en-US" sz="2000" dirty="0" smtClean="0"/>
+              <a:t>最后的坐标转化为齐次坐标形式为：</a:t>
+            </a:r>
+            <a:endParaRPr lang="en-US" altLang="zh-CN" sz="2000" dirty="0" smtClean="0"/>
+          </a:p>
+          <a:p>
+            <a:pPr>
+              <a:buNone/>
+            </a:pPr>
+            <a:endParaRPr lang="en-US" altLang="zh-CN" sz="2000" dirty="0" smtClean="0"/>
+          </a:p>
+          <a:p>
+            <a:pPr>
+              <a:buNone/>
+            </a:pPr>
+            <a:endParaRPr lang="en-US" altLang="zh-CN" sz="2000" dirty="0" smtClean="0"/>
+          </a:p>
+          <a:p>
+            <a:pPr>
+              <a:buNone/>
+            </a:pPr>
+            <a:endParaRPr lang="en-US" altLang="zh-CN" sz="2000" dirty="0" smtClean="0"/>
+          </a:p>
+          <a:p>
+            <a:pPr>
+              <a:buNone/>
+            </a:pPr>
+            <a:endParaRPr lang="en-US" altLang="zh-CN" sz="2000" dirty="0" smtClean="0"/>
+          </a:p>
+          <a:p>
+            <a:pPr>
+              <a:buNone/>
+            </a:pPr>
+            <a:r>
               <a:rPr lang="en-US" altLang="zh-CN" sz="2000" dirty="0" smtClean="0"/>
               <a:t>	</a:t>
             </a:r>
-            <a:r>
-              <a:rPr lang="zh-CN" altLang="en-US" sz="2000" dirty="0" smtClean="0"/>
-              <a:t>所以，</a:t>
-            </a:r>
-            <a:endParaRPr lang="en-US" altLang="zh-CN" sz="2000" dirty="0" smtClean="0"/>
-          </a:p>
-          <a:p>
-            <a:pPr>
-              <a:buNone/>
-            </a:pPr>
-            <a:endParaRPr lang="en-US" altLang="zh-CN" sz="2000" dirty="0" smtClean="0"/>
-          </a:p>
-          <a:p>
-            <a:pPr>
-              <a:buNone/>
-            </a:pPr>
-            <a:endParaRPr lang="en-US" altLang="zh-CN" sz="2000" dirty="0" smtClean="0"/>
-          </a:p>
-          <a:p>
-            <a:pPr>
-              <a:buNone/>
-            </a:pPr>
-            <a:endParaRPr lang="en-US" altLang="zh-CN" sz="2000" dirty="0" smtClean="0"/>
-          </a:p>
-          <a:p>
-            <a:pPr>
-              <a:buNone/>
-            </a:pPr>
-            <a:r>
-              <a:rPr lang="en-US" altLang="zh-CN" sz="2000" dirty="0" smtClean="0"/>
-              <a:t>	</a:t>
-            </a:r>
-            <a:r>
-              <a:rPr lang="zh-CN" altLang="en-US" sz="2000" dirty="0" smtClean="0"/>
-              <a:t>将</a:t>
-            </a:r>
-            <a:r>
-              <a:rPr lang="en-US" altLang="zh-CN" sz="2000" dirty="0" smtClean="0"/>
-              <a:t>x’’, y’’, z’’</a:t>
-            </a:r>
-            <a:r>
-              <a:rPr lang="zh-CN" altLang="en-US" sz="2000" dirty="0" smtClean="0"/>
-              <a:t>代入到</a:t>
-            </a:r>
-            <a:r>
-              <a:rPr lang="en-US" altLang="zh-CN" sz="2000" dirty="0" smtClean="0"/>
-              <a:t>MP=P’’</a:t>
-            </a:r>
-            <a:r>
-              <a:rPr lang="zh-CN" altLang="en-US" sz="2000" dirty="0" smtClean="0"/>
-              <a:t>，</a:t>
-            </a:r>
-            <a:endParaRPr lang="en-US" altLang="zh-CN" sz="2000" dirty="0" smtClean="0"/>
-          </a:p>
-          <a:p>
-            <a:pPr>
-              <a:buNone/>
-            </a:pPr>
-            <a:r>
-              <a:rPr lang="en-US" altLang="zh-CN" sz="2000" dirty="0" smtClean="0"/>
-              <a:t>	</a:t>
-            </a:r>
-            <a:r>
-              <a:rPr lang="zh-CN" altLang="en-US" sz="2000" dirty="0" smtClean="0"/>
-              <a:t>求得最后的矩阵（列优</a:t>
-            </a:r>
-            <a:endParaRPr lang="en-US" altLang="zh-CN" sz="2000" dirty="0" smtClean="0"/>
-          </a:p>
-          <a:p>
-            <a:pPr>
-              <a:buNone/>
-            </a:pPr>
-            <a:r>
-              <a:rPr lang="en-US" altLang="zh-CN" sz="2000" dirty="0"/>
-              <a:t>	</a:t>
-            </a:r>
-            <a:r>
-              <a:rPr lang="zh-CN" altLang="en-US" sz="2000" dirty="0" smtClean="0"/>
-              <a:t>先）为：</a:t>
-            </a:r>
-            <a:endParaRPr lang="en-US" altLang="zh-CN" sz="2000" dirty="0" smtClean="0"/>
-          </a:p>
-          <a:p>
-            <a:pPr>
-              <a:buNone/>
-            </a:pPr>
             <a:endParaRPr lang="zh-CN" altLang="en-US" dirty="0"/>
           </a:p>
         </p:txBody>
       </p:sp>
       <p:pic>
         <p:nvPicPr>
-          <p:cNvPr id="2050" name="Picture 2"/>
+          <p:cNvPr id="3" name="Picture 3"/>
           <p:cNvPicPr>
             <a:picLocks noChangeAspect="1" noChangeArrowheads="1"/>
           </p:cNvPicPr>
@@ -11891,8 +11995,8 @@
         </p:blipFill>
         <p:spPr bwMode="auto">
           <a:xfrm>
-            <a:off x="4452392" y="3573016"/>
-            <a:ext cx="3505200" cy="2219325"/>
+            <a:off x="2051720" y="1700808"/>
+            <a:ext cx="2400300" cy="876300"/>
           </a:xfrm>
           <a:prstGeom prst="rect">
             <a:avLst/>
@@ -11934,7 +12038,7 @@
       </p:pic>
       <p:pic>
         <p:nvPicPr>
-          <p:cNvPr id="3" name="Picture 3"/>
+          <p:cNvPr id="3074" name="Picture 2"/>
           <p:cNvPicPr>
             <a:picLocks noChangeAspect="1" noChangeArrowheads="1"/>
           </p:cNvPicPr>
@@ -11955,8 +12059,8 @@
         </p:blipFill>
         <p:spPr bwMode="auto">
           <a:xfrm>
-            <a:off x="2051720" y="1700808"/>
-            <a:ext cx="2400300" cy="876300"/>
+            <a:off x="2051720" y="3068960"/>
+            <a:ext cx="2162175" cy="2743200"/>
           </a:xfrm>
           <a:prstGeom prst="rect">
             <a:avLst/>
@@ -12038,6 +12142,202 @@
         </p:nvSpPr>
         <p:spPr/>
         <p:txBody>
+          <a:bodyPr/>
+          <a:lstStyle/>
+          <a:p>
+            <a:r>
+              <a:rPr lang="zh-CN" altLang="en-US" dirty="0" smtClean="0"/>
+              <a:t>坐标变换流程</a:t>
+            </a:r>
+            <a:endParaRPr lang="zh-CN" altLang="en-US" dirty="0"/>
+          </a:p>
+        </p:txBody>
+      </p:sp>
+      <p:sp>
+        <p:nvSpPr>
+          <p:cNvPr id="3" name="内容占位符 2"/>
+          <p:cNvSpPr>
+            <a:spLocks noGrp="1"/>
+          </p:cNvSpPr>
+          <p:nvPr>
+            <p:ph idx="1"/>
+          </p:nvPr>
+        </p:nvSpPr>
+        <p:spPr/>
+        <p:txBody>
+          <a:bodyPr/>
+          <a:lstStyle/>
+          <a:p>
+            <a:pPr>
+              <a:buNone/>
+            </a:pPr>
+            <a:endParaRPr lang="en-US" altLang="zh-CN" sz="2000" dirty="0" smtClean="0"/>
+          </a:p>
+          <a:p>
+            <a:pPr>
+              <a:buNone/>
+            </a:pPr>
+            <a:endParaRPr lang="en-US" altLang="zh-CN" sz="2000" dirty="0"/>
+          </a:p>
+          <a:p>
+            <a:pPr>
+              <a:buNone/>
+            </a:pPr>
+            <a:r>
+              <a:rPr lang="zh-CN" altLang="en-US" sz="2000" dirty="0" smtClean="0"/>
+              <a:t>将</a:t>
+            </a:r>
+            <a:r>
+              <a:rPr lang="en-US" altLang="zh-CN" sz="2000" dirty="0"/>
+              <a:t>x’’, y’’, z’’</a:t>
+            </a:r>
+            <a:r>
+              <a:rPr lang="zh-CN" altLang="en-US" sz="2000" dirty="0"/>
+              <a:t>代入到</a:t>
+            </a:r>
+            <a:r>
+              <a:rPr lang="en-US" altLang="zh-CN" sz="2000" dirty="0"/>
+              <a:t>MP=P’’</a:t>
+            </a:r>
+            <a:r>
+              <a:rPr lang="zh-CN" altLang="en-US" sz="2000" dirty="0" smtClean="0"/>
+              <a:t>，求</a:t>
+            </a:r>
+            <a:endParaRPr lang="en-US" altLang="zh-CN" sz="2000" dirty="0" smtClean="0"/>
+          </a:p>
+          <a:p>
+            <a:pPr>
+              <a:buNone/>
+            </a:pPr>
+            <a:r>
+              <a:rPr lang="zh-CN" altLang="en-US" sz="2000" dirty="0" smtClean="0"/>
+              <a:t>得</a:t>
+            </a:r>
+            <a:r>
+              <a:rPr lang="zh-CN" altLang="en-US" sz="2000" dirty="0"/>
+              <a:t>最后的矩阵（列</a:t>
+            </a:r>
+            <a:r>
+              <a:rPr lang="zh-CN" altLang="en-US" sz="2000" dirty="0" smtClean="0"/>
+              <a:t>优先</a:t>
+            </a:r>
+            <a:r>
+              <a:rPr lang="zh-CN" altLang="en-US" sz="2000" dirty="0"/>
+              <a:t>）为：</a:t>
+            </a:r>
+            <a:endParaRPr lang="en-US" altLang="zh-CN" sz="2000" dirty="0"/>
+          </a:p>
+          <a:p>
+            <a:endParaRPr lang="zh-CN" altLang="en-US" dirty="0"/>
+          </a:p>
+        </p:txBody>
+      </p:sp>
+      <p:pic>
+        <p:nvPicPr>
+          <p:cNvPr id="4" name="Picture 2"/>
+          <p:cNvPicPr>
+            <a:picLocks noChangeAspect="1" noChangeArrowheads="1"/>
+          </p:cNvPicPr>
+          <p:nvPr/>
+        </p:nvPicPr>
+        <p:blipFill>
+          <a:blip r:embed="rId2">
+            <a:extLst>
+              <a:ext uri="{28A0092B-C50C-407E-A947-70E740481C1C}">
+                <a14:useLocalDpi xmlns:a14="http://schemas.microsoft.com/office/drawing/2010/main" val="0"/>
+              </a:ext>
+            </a:extLst>
+          </a:blip>
+          <a:srcRect/>
+          <a:stretch>
+            <a:fillRect/>
+          </a:stretch>
+        </p:blipFill>
+        <p:spPr bwMode="auto">
+          <a:xfrm>
+            <a:off x="4355976" y="2204864"/>
+            <a:ext cx="3505200" cy="2219325"/>
+          </a:xfrm>
+          <a:prstGeom prst="rect">
+            <a:avLst/>
+          </a:prstGeom>
+          <a:noFill/>
+          <a:ln>
+            <a:noFill/>
+          </a:ln>
+          <a:effectLst/>
+          <a:extLst>
+            <a:ext uri="{909E8E84-426E-40DD-AFC4-6F175D3DCCD1}">
+              <a14:hiddenFill xmlns:a14="http://schemas.microsoft.com/office/drawing/2010/main">
+                <a:solidFill>
+                  <a:schemeClr val="accent1"/>
+                </a:solidFill>
+              </a14:hiddenFill>
+            </a:ext>
+            <a:ext uri="{91240B29-F687-4F45-9708-019B960494DF}">
+              <a14:hiddenLine xmlns:a14="http://schemas.microsoft.com/office/drawing/2010/main" w="9525">
+                <a:solidFill>
+                  <a:schemeClr val="tx1"/>
+                </a:solidFill>
+                <a:miter lim="800000"/>
+                <a:headEnd/>
+                <a:tailEnd/>
+              </a14:hiddenLine>
+            </a:ext>
+            <a:ext uri="{AF507438-7753-43E0-B8FC-AC1667EBCBE1}">
+              <a14:hiddenEffects xmlns:a14="http://schemas.microsoft.com/office/drawing/2010/main">
+                <a:effectLst>
+                  <a:outerShdw dist="35921" dir="2700000" algn="ctr" rotWithShape="0">
+                    <a:schemeClr val="bg2"/>
+                  </a:outerShdw>
+                </a:effectLst>
+              </a14:hiddenEffects>
+            </a:ext>
+          </a:extLst>
+        </p:spPr>
+      </p:pic>
+    </p:spTree>
+    <p:extLst>
+      <p:ext uri="{BB962C8B-B14F-4D97-AF65-F5344CB8AC3E}">
+        <p14:creationId xmlns:p14="http://schemas.microsoft.com/office/powerpoint/2010/main" val="2415058037"/>
+      </p:ext>
+    </p:extLst>
+  </p:cSld>
+  <p:clrMapOvr>
+    <a:masterClrMapping/>
+  </p:clrMapOvr>
+</p:sld>
+</file>
+
+<file path=ppt/slides/slide28.xml><?xml version="1.0" encoding="utf-8"?>
+<p:sld xmlns:a="http://schemas.openxmlformats.org/drawingml/2006/main" xmlns:r="http://schemas.openxmlformats.org/officeDocument/2006/relationships" xmlns:p="http://schemas.openxmlformats.org/presentationml/2006/main">
+  <p:cSld>
+    <p:spTree>
+      <p:nvGrpSpPr>
+        <p:cNvPr id="1" name=""/>
+        <p:cNvGrpSpPr/>
+        <p:nvPr/>
+      </p:nvGrpSpPr>
+      <p:grpSpPr>
+        <a:xfrm>
+          <a:off x="0" y="0"/>
+          <a:ext cx="0" cy="0"/>
+          <a:chOff x="0" y="0"/>
+          <a:chExt cx="0" cy="0"/>
+        </a:xfrm>
+      </p:grpSpPr>
+      <p:sp>
+        <p:nvSpPr>
+          <p:cNvPr id="2" name="标题 1"/>
+          <p:cNvSpPr>
+            <a:spLocks noGrp="1"/>
+          </p:cNvSpPr>
+          <p:nvPr>
+            <p:ph type="title"/>
+          </p:nvPr>
+        </p:nvSpPr>
+        <p:spPr/>
+        <p:txBody>
           <a:bodyPr>
             <a:normAutofit/>
           </a:bodyPr>
@@ -12210,7 +12510,7 @@
 </p:sld>
 </file>
 
-<file path=ppt/slides/slide28.xml><?xml version="1.0" encoding="utf-8"?>
+<file path=ppt/slides/slide29.xml><?xml version="1.0" encoding="utf-8"?>
 <p:sld xmlns:a="http://schemas.openxmlformats.org/drawingml/2006/main" xmlns:r="http://schemas.openxmlformats.org/officeDocument/2006/relationships" xmlns:p="http://schemas.openxmlformats.org/presentationml/2006/main">
   <p:cSld>
     <p:spTree>
@@ -12395,7 +12695,154 @@
 </p:sld>
 </file>
 
-<file path=ppt/slides/slide29.xml><?xml version="1.0" encoding="utf-8"?>
+<file path=ppt/slides/slide3.xml><?xml version="1.0" encoding="utf-8"?>
+<p:sld xmlns:a="http://schemas.openxmlformats.org/drawingml/2006/main" xmlns:r="http://schemas.openxmlformats.org/officeDocument/2006/relationships" xmlns:p="http://schemas.openxmlformats.org/presentationml/2006/main">
+  <p:cSld>
+    <p:spTree>
+      <p:nvGrpSpPr>
+        <p:cNvPr id="1" name=""/>
+        <p:cNvGrpSpPr/>
+        <p:nvPr/>
+      </p:nvGrpSpPr>
+      <p:grpSpPr>
+        <a:xfrm>
+          <a:off x="0" y="0"/>
+          <a:ext cx="0" cy="0"/>
+          <a:chOff x="0" y="0"/>
+          <a:chExt cx="0" cy="0"/>
+        </a:xfrm>
+      </p:grpSpPr>
+      <p:sp>
+        <p:nvSpPr>
+          <p:cNvPr id="2" name="标题 1"/>
+          <p:cNvSpPr>
+            <a:spLocks noGrp="1"/>
+          </p:cNvSpPr>
+          <p:nvPr>
+            <p:ph type="title"/>
+          </p:nvPr>
+        </p:nvSpPr>
+        <p:spPr/>
+        <p:txBody>
+          <a:bodyPr/>
+          <a:lstStyle/>
+          <a:p>
+            <a:r>
+              <a:rPr lang="zh-CN" altLang="en-US" dirty="0" smtClean="0"/>
+              <a:t>软件渲染概述</a:t>
+            </a:r>
+            <a:endParaRPr lang="zh-CN" altLang="en-US" dirty="0"/>
+          </a:p>
+        </p:txBody>
+      </p:sp>
+      <p:sp>
+        <p:nvSpPr>
+          <p:cNvPr id="3" name="内容占位符 2"/>
+          <p:cNvSpPr>
+            <a:spLocks noGrp="1"/>
+          </p:cNvSpPr>
+          <p:nvPr>
+            <p:ph idx="1"/>
+          </p:nvPr>
+        </p:nvSpPr>
+        <p:spPr/>
+        <p:txBody>
+          <a:bodyPr/>
+          <a:lstStyle/>
+          <a:p>
+            <a:r>
+              <a:rPr lang="zh-CN" altLang="en-US" sz="2000" dirty="0" smtClean="0"/>
+              <a:t>一提到渲染，通常我们想到的大多都是像</a:t>
+            </a:r>
+            <a:r>
+              <a:rPr lang="en-US" altLang="zh-CN" sz="2000" dirty="0" smtClean="0"/>
+              <a:t>OpenGL(</a:t>
+            </a:r>
+            <a:r>
+              <a:rPr lang="en-US" altLang="zh-CN" sz="2000" dirty="0" err="1" smtClean="0"/>
+              <a:t>OpenES</a:t>
+            </a:r>
+            <a:r>
+              <a:rPr lang="en-US" altLang="zh-CN" sz="2000" dirty="0" smtClean="0"/>
+              <a:t>)</a:t>
+            </a:r>
+            <a:r>
+              <a:rPr lang="zh-CN" altLang="en-US" sz="2000" dirty="0" smtClean="0"/>
+              <a:t>、</a:t>
+            </a:r>
+            <a:r>
+              <a:rPr lang="en-US" altLang="zh-CN" sz="2000" dirty="0" smtClean="0"/>
+              <a:t>DirectX</a:t>
+            </a:r>
+            <a:r>
+              <a:rPr lang="zh-CN" altLang="en-US" sz="2000" dirty="0" smtClean="0"/>
+              <a:t>等这样的技术。这些是目前比较流行的且用到的最多的硬件图形程序接口。我们将需要渲染的数据交给</a:t>
+            </a:r>
+            <a:r>
+              <a:rPr lang="en-US" altLang="zh-CN" sz="2000" dirty="0" smtClean="0"/>
+              <a:t>GPU</a:t>
+            </a:r>
+            <a:r>
+              <a:rPr lang="zh-CN" altLang="en-US" sz="2000" dirty="0" smtClean="0"/>
+              <a:t>，利用硬件能力加速渲染。这些底</a:t>
+            </a:r>
+            <a:r>
+              <a:rPr lang="en-US" altLang="zh-CN" sz="2000" dirty="0" smtClean="0"/>
+              <a:t>API</a:t>
+            </a:r>
+            <a:r>
+              <a:rPr lang="zh-CN" altLang="en-US" sz="2000" dirty="0" smtClean="0"/>
+              <a:t>提供给我们更灵活简单的方式去渲染图像，但却隐藏了许多细节。</a:t>
+            </a:r>
+            <a:endParaRPr lang="en-US" altLang="zh-CN" sz="2000" dirty="0" smtClean="0"/>
+          </a:p>
+          <a:p>
+            <a:endParaRPr lang="en-US" altLang="zh-CN" sz="2000" dirty="0" smtClean="0"/>
+          </a:p>
+          <a:p>
+            <a:r>
+              <a:rPr lang="zh-CN" altLang="en-US" sz="2000" dirty="0"/>
+              <a:t>软件渲染则只利用</a:t>
+            </a:r>
+            <a:r>
+              <a:rPr lang="en-US" altLang="zh-CN" sz="2000" dirty="0"/>
+              <a:t>CPU</a:t>
+            </a:r>
+            <a:r>
+              <a:rPr lang="zh-CN" altLang="en-US" sz="2000" dirty="0"/>
+              <a:t>完成渲染所需要的一切计算，然后将数据写入到帧缓冲中完成渲染，这在过去</a:t>
+            </a:r>
+            <a:r>
+              <a:rPr lang="en-US" altLang="zh-CN" sz="2000" dirty="0"/>
+              <a:t>GPU</a:t>
+            </a:r>
+            <a:r>
+              <a:rPr lang="zh-CN" altLang="en-US" sz="2000" dirty="0"/>
+              <a:t>不发达的年代，软件渲染是十分重要的。</a:t>
+            </a:r>
+          </a:p>
+          <a:p>
+            <a:endParaRPr lang="en-US" altLang="zh-CN" sz="2000" dirty="0" smtClean="0"/>
+          </a:p>
+          <a:p>
+            <a:endParaRPr lang="zh-CN" altLang="en-US" dirty="0"/>
+          </a:p>
+        </p:txBody>
+      </p:sp>
+    </p:spTree>
+    <p:extLst>
+      <p:ext uri="{BB962C8B-B14F-4D97-AF65-F5344CB8AC3E}">
+        <p14:creationId xmlns:p14="http://schemas.microsoft.com/office/powerpoint/2010/main" val="929913962"/>
+      </p:ext>
+    </p:extLst>
+  </p:cSld>
+  <p:clrMapOvr>
+    <a:masterClrMapping/>
+  </p:clrMapOvr>
+</p:sld>
+</file>
+
+<file path=ppt/slides/slide30.xml><?xml version="1.0" encoding="utf-8"?>
 <p:sld xmlns:a="http://schemas.openxmlformats.org/drawingml/2006/main" xmlns:r="http://schemas.openxmlformats.org/officeDocument/2006/relationships" xmlns:p="http://schemas.openxmlformats.org/presentationml/2006/main">
   <p:cSld>
     <p:spTree>
@@ -12582,154 +13029,7 @@
 </p:sld>
 </file>
 
-<file path=ppt/slides/slide3.xml><?xml version="1.0" encoding="utf-8"?>
-<p:sld xmlns:a="http://schemas.openxmlformats.org/drawingml/2006/main" xmlns:r="http://schemas.openxmlformats.org/officeDocument/2006/relationships" xmlns:p="http://schemas.openxmlformats.org/presentationml/2006/main">
-  <p:cSld>
-    <p:spTree>
-      <p:nvGrpSpPr>
-        <p:cNvPr id="1" name=""/>
-        <p:cNvGrpSpPr/>
-        <p:nvPr/>
-      </p:nvGrpSpPr>
-      <p:grpSpPr>
-        <a:xfrm>
-          <a:off x="0" y="0"/>
-          <a:ext cx="0" cy="0"/>
-          <a:chOff x="0" y="0"/>
-          <a:chExt cx="0" cy="0"/>
-        </a:xfrm>
-      </p:grpSpPr>
-      <p:sp>
-        <p:nvSpPr>
-          <p:cNvPr id="2" name="标题 1"/>
-          <p:cNvSpPr>
-            <a:spLocks noGrp="1"/>
-          </p:cNvSpPr>
-          <p:nvPr>
-            <p:ph type="title"/>
-          </p:nvPr>
-        </p:nvSpPr>
-        <p:spPr/>
-        <p:txBody>
-          <a:bodyPr/>
-          <a:lstStyle/>
-          <a:p>
-            <a:r>
-              <a:rPr lang="zh-CN" altLang="en-US" dirty="0" smtClean="0"/>
-              <a:t>软件渲染概述</a:t>
-            </a:r>
-            <a:endParaRPr lang="zh-CN" altLang="en-US" dirty="0"/>
-          </a:p>
-        </p:txBody>
-      </p:sp>
-      <p:sp>
-        <p:nvSpPr>
-          <p:cNvPr id="3" name="内容占位符 2"/>
-          <p:cNvSpPr>
-            <a:spLocks noGrp="1"/>
-          </p:cNvSpPr>
-          <p:nvPr>
-            <p:ph idx="1"/>
-          </p:nvPr>
-        </p:nvSpPr>
-        <p:spPr/>
-        <p:txBody>
-          <a:bodyPr/>
-          <a:lstStyle/>
-          <a:p>
-            <a:r>
-              <a:rPr lang="zh-CN" altLang="en-US" sz="2000" dirty="0" smtClean="0"/>
-              <a:t>一提到渲染，通常我们想到的大多都是像</a:t>
-            </a:r>
-            <a:r>
-              <a:rPr lang="en-US" altLang="zh-CN" sz="2000" dirty="0" smtClean="0"/>
-              <a:t>OpenGL(</a:t>
-            </a:r>
-            <a:r>
-              <a:rPr lang="en-US" altLang="zh-CN" sz="2000" dirty="0" err="1" smtClean="0"/>
-              <a:t>OpenES</a:t>
-            </a:r>
-            <a:r>
-              <a:rPr lang="en-US" altLang="zh-CN" sz="2000" dirty="0" smtClean="0"/>
-              <a:t>)</a:t>
-            </a:r>
-            <a:r>
-              <a:rPr lang="zh-CN" altLang="en-US" sz="2000" dirty="0" smtClean="0"/>
-              <a:t>、</a:t>
-            </a:r>
-            <a:r>
-              <a:rPr lang="en-US" altLang="zh-CN" sz="2000" dirty="0" smtClean="0"/>
-              <a:t>DirectX</a:t>
-            </a:r>
-            <a:r>
-              <a:rPr lang="zh-CN" altLang="en-US" sz="2000" dirty="0" smtClean="0"/>
-              <a:t>等这样的技术。这些是目前比较流行的且用到的最多的硬件图形程序接口。我们将需要渲染的数据交给</a:t>
-            </a:r>
-            <a:r>
-              <a:rPr lang="en-US" altLang="zh-CN" sz="2000" dirty="0" smtClean="0"/>
-              <a:t>GPU</a:t>
-            </a:r>
-            <a:r>
-              <a:rPr lang="zh-CN" altLang="en-US" sz="2000" dirty="0" smtClean="0"/>
-              <a:t>，利用硬件能力加速渲染。这些底</a:t>
-            </a:r>
-            <a:r>
-              <a:rPr lang="en-US" altLang="zh-CN" sz="2000" dirty="0" smtClean="0"/>
-              <a:t>API</a:t>
-            </a:r>
-            <a:r>
-              <a:rPr lang="zh-CN" altLang="en-US" sz="2000" dirty="0" smtClean="0"/>
-              <a:t>提供给我们更灵活简单的方式去渲染图像，但却隐藏了许多细节。</a:t>
-            </a:r>
-            <a:endParaRPr lang="en-US" altLang="zh-CN" sz="2000" dirty="0" smtClean="0"/>
-          </a:p>
-          <a:p>
-            <a:endParaRPr lang="en-US" altLang="zh-CN" sz="2000" dirty="0" smtClean="0"/>
-          </a:p>
-          <a:p>
-            <a:r>
-              <a:rPr lang="zh-CN" altLang="en-US" sz="2000" dirty="0"/>
-              <a:t>软件渲染则只利用</a:t>
-            </a:r>
-            <a:r>
-              <a:rPr lang="en-US" altLang="zh-CN" sz="2000" dirty="0"/>
-              <a:t>CPU</a:t>
-            </a:r>
-            <a:r>
-              <a:rPr lang="zh-CN" altLang="en-US" sz="2000" dirty="0"/>
-              <a:t>完成渲染所需要的一切计算，然后将数据写入到帧缓冲中完成渲染，这在过去</a:t>
-            </a:r>
-            <a:r>
-              <a:rPr lang="en-US" altLang="zh-CN" sz="2000" dirty="0"/>
-              <a:t>GPU</a:t>
-            </a:r>
-            <a:r>
-              <a:rPr lang="zh-CN" altLang="en-US" sz="2000" dirty="0"/>
-              <a:t>不发达的年代，软件渲染是十分重要的。</a:t>
-            </a:r>
-          </a:p>
-          <a:p>
-            <a:endParaRPr lang="en-US" altLang="zh-CN" sz="2000" dirty="0" smtClean="0"/>
-          </a:p>
-          <a:p>
-            <a:endParaRPr lang="zh-CN" altLang="en-US" dirty="0"/>
-          </a:p>
-        </p:txBody>
-      </p:sp>
-    </p:spTree>
-    <p:extLst>
-      <p:ext uri="{BB962C8B-B14F-4D97-AF65-F5344CB8AC3E}">
-        <p14:creationId xmlns:p14="http://schemas.microsoft.com/office/powerpoint/2010/main" val="929913962"/>
-      </p:ext>
-    </p:extLst>
-  </p:cSld>
-  <p:clrMapOvr>
-    <a:masterClrMapping/>
-  </p:clrMapOvr>
-</p:sld>
-</file>
-
-<file path=ppt/slides/slide30.xml><?xml version="1.0" encoding="utf-8"?>
+<file path=ppt/slides/slide31.xml><?xml version="1.0" encoding="utf-8"?>
 <p:sld xmlns:a="http://schemas.openxmlformats.org/drawingml/2006/main" xmlns:r="http://schemas.openxmlformats.org/officeDocument/2006/relationships" xmlns:p="http://schemas.openxmlformats.org/presentationml/2006/main">
   <p:cSld>
     <p:spTree>
@@ -12868,7 +13168,7 @@
 </p:sld>
 </file>
 
-<file path=ppt/slides/slide31.xml><?xml version="1.0" encoding="utf-8"?>
+<file path=ppt/slides/slide32.xml><?xml version="1.0" encoding="utf-8"?>
 <p:sld xmlns:a="http://schemas.openxmlformats.org/drawingml/2006/main" xmlns:r="http://schemas.openxmlformats.org/officeDocument/2006/relationships" xmlns:p="http://schemas.openxmlformats.org/presentationml/2006/main">
   <p:cSld>
     <p:spTree>
@@ -13007,7 +13307,7 @@
 </p:sld>
 </file>
 
-<file path=ppt/slides/slide32.xml><?xml version="1.0" encoding="utf-8"?>
+<file path=ppt/slides/slide33.xml><?xml version="1.0" encoding="utf-8"?>
 <p:sld xmlns:a="http://schemas.openxmlformats.org/drawingml/2006/main" xmlns:r="http://schemas.openxmlformats.org/officeDocument/2006/relationships" xmlns:p="http://schemas.openxmlformats.org/presentationml/2006/main">
   <p:cSld>
     <p:spTree>
@@ -13474,7 +13774,7 @@
 </p:sld>
 </file>
 
-<file path=ppt/slides/slide33.xml><?xml version="1.0" encoding="utf-8"?>
+<file path=ppt/slides/slide34.xml><?xml version="1.0" encoding="utf-8"?>
 <p:sld xmlns:a="http://schemas.openxmlformats.org/drawingml/2006/main" xmlns:r="http://schemas.openxmlformats.org/officeDocument/2006/relationships" xmlns:p="http://schemas.openxmlformats.org/presentationml/2006/main">
   <p:cSld>
     <p:spTree>
@@ -13660,7 +13960,7 @@
 </p:sld>
 </file>
 
-<file path=ppt/slides/slide34.xml><?xml version="1.0" encoding="utf-8"?>
+<file path=ppt/slides/slide35.xml><?xml version="1.0" encoding="utf-8"?>
 <p:sld xmlns:a="http://schemas.openxmlformats.org/drawingml/2006/main" xmlns:r="http://schemas.openxmlformats.org/officeDocument/2006/relationships" xmlns:p="http://schemas.openxmlformats.org/presentationml/2006/main">
   <p:cSld>
     <p:spTree>
@@ -13931,377 +14231,6 @@
 </p:sld>
 </file>
 
-<file path=ppt/slides/slide35.xml><?xml version="1.0" encoding="utf-8"?>
-<p:sld xmlns:a="http://schemas.openxmlformats.org/drawingml/2006/main" xmlns:r="http://schemas.openxmlformats.org/officeDocument/2006/relationships" xmlns:p="http://schemas.openxmlformats.org/presentationml/2006/main">
-  <p:cSld>
-    <p:spTree>
-      <p:nvGrpSpPr>
-        <p:cNvPr id="1" name=""/>
-        <p:cNvGrpSpPr/>
-        <p:nvPr/>
-      </p:nvGrpSpPr>
-      <p:grpSpPr>
-        <a:xfrm>
-          <a:off x="0" y="0"/>
-          <a:ext cx="0" cy="0"/>
-          <a:chOff x="0" y="0"/>
-          <a:chExt cx="0" cy="0"/>
-        </a:xfrm>
-      </p:grpSpPr>
-      <p:sp>
-        <p:nvSpPr>
-          <p:cNvPr id="2" name="标题 1"/>
-          <p:cNvSpPr>
-            <a:spLocks noGrp="1"/>
-          </p:cNvSpPr>
-          <p:nvPr>
-            <p:ph type="title"/>
-          </p:nvPr>
-        </p:nvSpPr>
-        <p:spPr/>
-        <p:txBody>
-          <a:bodyPr/>
-          <a:lstStyle/>
-          <a:p>
-            <a:r>
-              <a:rPr lang="zh-CN" altLang="en-US" dirty="0" smtClean="0"/>
-              <a:t>深度缓存</a:t>
-            </a:r>
-            <a:endParaRPr lang="zh-CN" altLang="en-US" dirty="0"/>
-          </a:p>
-        </p:txBody>
-      </p:sp>
-      <p:sp>
-        <p:nvSpPr>
-          <p:cNvPr id="3" name="内容占位符 2"/>
-          <p:cNvSpPr>
-            <a:spLocks noGrp="1"/>
-          </p:cNvSpPr>
-          <p:nvPr>
-            <p:ph idx="1"/>
-          </p:nvPr>
-        </p:nvSpPr>
-        <p:spPr/>
-        <p:txBody>
-          <a:bodyPr>
-            <a:normAutofit fontScale="92500" lnSpcReduction="10000"/>
-          </a:bodyPr>
-          <a:lstStyle/>
-          <a:p>
-            <a:r>
-              <a:rPr lang="zh-CN" altLang="en-US" dirty="0" smtClean="0"/>
-              <a:t>标准</a:t>
-            </a:r>
-            <a:r>
-              <a:rPr lang="en-US" altLang="zh-CN" dirty="0" smtClean="0"/>
-              <a:t>Z</a:t>
-            </a:r>
-            <a:r>
-              <a:rPr lang="zh-CN" altLang="en-US" dirty="0" smtClean="0"/>
-              <a:t>缓存：隐藏面消除技术</a:t>
-            </a:r>
-            <a:endParaRPr lang="en-US" altLang="zh-CN" dirty="0" smtClean="0"/>
-          </a:p>
-          <a:p>
-            <a:pPr marL="0" indent="0">
-              <a:buNone/>
-            </a:pPr>
-            <a:r>
-              <a:rPr lang="zh-CN" altLang="en-US" sz="2000" dirty="0" smtClean="0"/>
-              <a:t>目的：使用画家算法可以对多边形进行排序，但是当两个多边形相交时，则无法处理。使用</a:t>
-            </a:r>
-            <a:r>
-              <a:rPr lang="en-US" altLang="zh-CN" sz="2000" dirty="0" smtClean="0"/>
-              <a:t>Z</a:t>
-            </a:r>
-            <a:r>
-              <a:rPr lang="zh-CN" altLang="en-US" sz="2000" dirty="0" smtClean="0"/>
-              <a:t>缓存可以解决这个问题。</a:t>
-            </a:r>
-            <a:endParaRPr lang="en-US" altLang="zh-CN" sz="2000" dirty="0" smtClean="0"/>
-          </a:p>
-          <a:p>
-            <a:pPr marL="0" indent="0">
-              <a:buNone/>
-            </a:pPr>
-            <a:r>
-              <a:rPr lang="zh-CN" altLang="en-US" sz="2000" dirty="0" smtClean="0"/>
-              <a:t>基本实现：创建一个</a:t>
-            </a:r>
-            <a:r>
-              <a:rPr lang="en-US" altLang="zh-CN" sz="2000" dirty="0" smtClean="0"/>
-              <a:t>z</a:t>
-            </a:r>
-            <a:r>
-              <a:rPr lang="zh-CN" altLang="en-US" sz="2000" dirty="0" smtClean="0"/>
-              <a:t>缓存，其尺寸与</a:t>
-            </a:r>
-            <a:r>
-              <a:rPr lang="en-US" altLang="zh-CN" sz="2000" dirty="0" err="1" smtClean="0"/>
-              <a:t>MxN</a:t>
-            </a:r>
-            <a:r>
-              <a:rPr lang="zh-CN" altLang="en-US" sz="2000" dirty="0" smtClean="0"/>
-              <a:t>的屏幕大小相同，初始化</a:t>
-            </a:r>
-            <a:r>
-              <a:rPr lang="en-US" altLang="zh-CN" sz="2000" dirty="0" smtClean="0"/>
-              <a:t>Z</a:t>
-            </a:r>
-            <a:r>
-              <a:rPr lang="zh-CN" altLang="en-US" sz="2000" dirty="0" smtClean="0"/>
-              <a:t>缓存为最大</a:t>
-            </a:r>
-            <a:r>
-              <a:rPr lang="en-US" altLang="zh-CN" sz="2000" dirty="0" smtClean="0"/>
-              <a:t>z</a:t>
-            </a:r>
-            <a:r>
-              <a:rPr lang="zh-CN" altLang="en-US" sz="2000" dirty="0" smtClean="0"/>
-              <a:t>值。伪代码如下：</a:t>
-            </a:r>
-            <a:endParaRPr lang="en-US" altLang="zh-CN" sz="2000" dirty="0" smtClean="0"/>
-          </a:p>
-          <a:p>
-            <a:pPr marL="0" indent="0">
-              <a:buNone/>
-            </a:pPr>
-            <a:endParaRPr lang="en-US" altLang="zh-CN" sz="2000" dirty="0" smtClean="0"/>
-          </a:p>
-          <a:p>
-            <a:pPr marL="400050" lvl="1" indent="0">
-              <a:buNone/>
-            </a:pPr>
-            <a:r>
-              <a:rPr lang="en-US" altLang="zh-CN" sz="1600" dirty="0" smtClean="0"/>
-              <a:t>for </a:t>
-            </a:r>
-            <a:r>
-              <a:rPr lang="zh-CN" altLang="en-US" sz="1600" dirty="0" smtClean="0"/>
-              <a:t>三角形列表 </a:t>
-            </a:r>
-            <a:r>
-              <a:rPr lang="en-US" altLang="zh-CN" sz="1600" dirty="0" smtClean="0"/>
-              <a:t>do</a:t>
-            </a:r>
-          </a:p>
-          <a:p>
-            <a:pPr marL="400050" lvl="1" indent="0">
-              <a:buNone/>
-            </a:pPr>
-            <a:r>
-              <a:rPr lang="en-US" altLang="zh-CN" sz="1600" dirty="0" smtClean="0"/>
-              <a:t>	</a:t>
-            </a:r>
-            <a:r>
-              <a:rPr lang="zh-CN" altLang="en-US" sz="1600" dirty="0" smtClean="0"/>
-              <a:t>光栅化每个三角形，生成</a:t>
-            </a:r>
-            <a:r>
-              <a:rPr lang="en-US" altLang="zh-CN" sz="1600" dirty="0" smtClean="0"/>
-              <a:t>xi, </a:t>
-            </a:r>
-            <a:r>
-              <a:rPr lang="en-US" altLang="zh-CN" sz="1600" dirty="0" err="1" smtClean="0"/>
-              <a:t>yi</a:t>
-            </a:r>
-            <a:r>
-              <a:rPr lang="en-US" altLang="zh-CN" sz="1600" dirty="0" smtClean="0"/>
-              <a:t>, </a:t>
-            </a:r>
-            <a:r>
-              <a:rPr lang="en-US" altLang="zh-CN" sz="1600" dirty="0" err="1" smtClean="0"/>
-              <a:t>zi</a:t>
-            </a:r>
-            <a:r>
-              <a:rPr lang="en-US" altLang="zh-CN" sz="1600" dirty="0" smtClean="0"/>
-              <a:t>;</a:t>
-            </a:r>
-          </a:p>
-          <a:p>
-            <a:pPr marL="400050" lvl="1" indent="0">
-              <a:buNone/>
-            </a:pPr>
-            <a:r>
-              <a:rPr lang="en-US" altLang="zh-CN" sz="1600" dirty="0"/>
-              <a:t>	</a:t>
-            </a:r>
-            <a:r>
-              <a:rPr lang="en-US" altLang="zh-CN" sz="1600" dirty="0" smtClean="0"/>
-              <a:t>for </a:t>
-            </a:r>
-            <a:r>
-              <a:rPr lang="zh-CN" altLang="en-US" sz="1600" dirty="0" smtClean="0"/>
-              <a:t>每组</a:t>
-            </a:r>
-            <a:r>
-              <a:rPr lang="en-US" altLang="zh-CN" sz="1600" dirty="0" smtClean="0"/>
-              <a:t>xi, </a:t>
-            </a:r>
-            <a:r>
-              <a:rPr lang="en-US" altLang="zh-CN" sz="1600" dirty="0" err="1" smtClean="0"/>
-              <a:t>yi</a:t>
-            </a:r>
-            <a:r>
-              <a:rPr lang="en-US" altLang="zh-CN" sz="1600" dirty="0" smtClean="0"/>
-              <a:t>, </a:t>
-            </a:r>
-            <a:r>
-              <a:rPr lang="en-US" altLang="zh-CN" sz="1600" dirty="0" err="1" smtClean="0"/>
-              <a:t>zi</a:t>
-            </a:r>
-            <a:r>
-              <a:rPr lang="en-US" altLang="zh-CN" sz="1600" dirty="0" smtClean="0"/>
-              <a:t> do</a:t>
-            </a:r>
-          </a:p>
-          <a:p>
-            <a:pPr marL="400050" lvl="1" indent="0">
-              <a:buNone/>
-            </a:pPr>
-            <a:r>
-              <a:rPr lang="en-US" altLang="zh-CN" sz="1600" dirty="0" smtClean="0"/>
-              <a:t>		if </a:t>
-            </a:r>
-            <a:r>
-              <a:rPr lang="en-US" altLang="zh-CN" sz="1600" dirty="0" err="1" smtClean="0"/>
-              <a:t>zi</a:t>
-            </a:r>
-            <a:r>
-              <a:rPr lang="en-US" altLang="zh-CN" sz="1600" dirty="0" smtClean="0"/>
-              <a:t> &lt; </a:t>
-            </a:r>
-            <a:r>
-              <a:rPr lang="en-US" altLang="zh-CN" sz="1600" dirty="0" err="1" smtClean="0"/>
-              <a:t>zbuffer</a:t>
-            </a:r>
-            <a:r>
-              <a:rPr lang="en-US" altLang="zh-CN" sz="1600" dirty="0" smtClean="0"/>
-              <a:t>[xi, </a:t>
-            </a:r>
-            <a:r>
-              <a:rPr lang="en-US" altLang="zh-CN" sz="1600" dirty="0" err="1" smtClean="0"/>
-              <a:t>yi</a:t>
-            </a:r>
-            <a:r>
-              <a:rPr lang="en-US" altLang="zh-CN" sz="1600" dirty="0" smtClean="0"/>
-              <a:t>] then</a:t>
-            </a:r>
-          </a:p>
-          <a:p>
-            <a:pPr marL="400050" lvl="1" indent="0">
-              <a:buNone/>
-            </a:pPr>
-            <a:r>
-              <a:rPr lang="en-US" altLang="zh-CN" sz="1600" dirty="0"/>
-              <a:t>	</a:t>
-            </a:r>
-            <a:r>
-              <a:rPr lang="en-US" altLang="zh-CN" sz="1600" dirty="0" smtClean="0"/>
-              <a:t>		</a:t>
-            </a:r>
-            <a:r>
-              <a:rPr lang="en-US" altLang="zh-CN" sz="1600" dirty="0" err="1" smtClean="0"/>
-              <a:t>zbuffer</a:t>
-            </a:r>
-            <a:r>
-              <a:rPr lang="en-US" altLang="zh-CN" sz="1600" dirty="0" smtClean="0"/>
-              <a:t>[xi, </a:t>
-            </a:r>
-            <a:r>
-              <a:rPr lang="en-US" altLang="zh-CN" sz="1600" dirty="0" err="1" smtClean="0"/>
-              <a:t>yi</a:t>
-            </a:r>
-            <a:r>
-              <a:rPr lang="en-US" altLang="zh-CN" sz="1600" dirty="0" smtClean="0"/>
-              <a:t>] = </a:t>
-            </a:r>
-            <a:r>
-              <a:rPr lang="en-US" altLang="zh-CN" sz="1600" dirty="0" err="1" smtClean="0"/>
-              <a:t>zi</a:t>
-            </a:r>
-            <a:r>
-              <a:rPr lang="en-US" altLang="zh-CN" sz="1600" dirty="0" smtClean="0"/>
-              <a:t>;</a:t>
-            </a:r>
-          </a:p>
-          <a:p>
-            <a:pPr marL="400050" lvl="1" indent="0">
-              <a:buNone/>
-            </a:pPr>
-            <a:r>
-              <a:rPr lang="en-US" altLang="zh-CN" sz="1600" dirty="0"/>
-              <a:t>	</a:t>
-            </a:r>
-            <a:r>
-              <a:rPr lang="en-US" altLang="zh-CN" sz="1600" dirty="0" smtClean="0"/>
-              <a:t>		</a:t>
-            </a:r>
-            <a:r>
-              <a:rPr lang="en-US" altLang="zh-CN" sz="1600" dirty="0" err="1" smtClean="0"/>
-              <a:t>DrawPoint</a:t>
-            </a:r>
-            <a:r>
-              <a:rPr lang="en-US" altLang="zh-CN" sz="1600" dirty="0" smtClean="0"/>
-              <a:t>(xi, </a:t>
-            </a:r>
-            <a:r>
-              <a:rPr lang="en-US" altLang="zh-CN" sz="1600" dirty="0" err="1" smtClean="0"/>
-              <a:t>yi</a:t>
-            </a:r>
-            <a:r>
-              <a:rPr lang="en-US" altLang="zh-CN" sz="1600" dirty="0" smtClean="0"/>
-              <a:t>, color);</a:t>
-            </a:r>
-          </a:p>
-          <a:p>
-            <a:pPr marL="400050" lvl="1" indent="0">
-              <a:buNone/>
-            </a:pPr>
-            <a:r>
-              <a:rPr lang="en-US" altLang="zh-CN" sz="1600" dirty="0"/>
-              <a:t>	</a:t>
-            </a:r>
-            <a:r>
-              <a:rPr lang="en-US" altLang="zh-CN" sz="1600" dirty="0" smtClean="0"/>
-              <a:t>	end</a:t>
-            </a:r>
-            <a:endParaRPr lang="en-US" altLang="zh-CN" sz="1600" dirty="0"/>
-          </a:p>
-          <a:p>
-            <a:pPr marL="400050" lvl="1" indent="0">
-              <a:buNone/>
-            </a:pPr>
-            <a:r>
-              <a:rPr lang="en-US" altLang="zh-CN" sz="1600" dirty="0" smtClean="0"/>
-              <a:t>	end</a:t>
-            </a:r>
-            <a:endParaRPr lang="en-US" altLang="zh-CN" sz="1600" dirty="0"/>
-          </a:p>
-          <a:p>
-            <a:pPr marL="400050" lvl="1" indent="0">
-              <a:buNone/>
-            </a:pPr>
-            <a:r>
-              <a:rPr lang="en-US" altLang="zh-CN" sz="1600" dirty="0" smtClean="0"/>
-              <a:t>end </a:t>
-            </a:r>
-          </a:p>
-        </p:txBody>
-      </p:sp>
-    </p:spTree>
-    <p:extLst>
-      <p:ext uri="{BB962C8B-B14F-4D97-AF65-F5344CB8AC3E}">
-        <p14:creationId xmlns:p14="http://schemas.microsoft.com/office/powerpoint/2010/main" val="1625808036"/>
-      </p:ext>
-    </p:extLst>
-  </p:cSld>
-  <p:clrMapOvr>
-    <a:masterClrMapping/>
-  </p:clrMapOvr>
-</p:sld>
-</file>
-
 <file path=ppt/slides/slide36.xml><?xml version="1.0" encoding="utf-8"?>
 <p:sld xmlns:a="http://schemas.openxmlformats.org/drawingml/2006/main" xmlns:r="http://schemas.openxmlformats.org/officeDocument/2006/relationships" xmlns:p="http://schemas.openxmlformats.org/presentationml/2006/main">
   <p:cSld>
@@ -14354,11 +14283,382 @@
         </p:nvSpPr>
         <p:spPr/>
         <p:txBody>
+          <a:bodyPr>
+            <a:normAutofit fontScale="92500" lnSpcReduction="10000"/>
+          </a:bodyPr>
+          <a:lstStyle/>
+          <a:p>
+            <a:r>
+              <a:rPr lang="zh-CN" altLang="en-US" dirty="0" smtClean="0"/>
+              <a:t>标准</a:t>
+            </a:r>
+            <a:r>
+              <a:rPr lang="en-US" altLang="zh-CN" dirty="0" smtClean="0"/>
+              <a:t>Z</a:t>
+            </a:r>
+            <a:r>
+              <a:rPr lang="zh-CN" altLang="en-US" dirty="0" smtClean="0"/>
+              <a:t>缓存：隐藏面消除技术</a:t>
+            </a:r>
+            <a:endParaRPr lang="en-US" altLang="zh-CN" dirty="0" smtClean="0"/>
+          </a:p>
+          <a:p>
+            <a:pPr marL="0" indent="0">
+              <a:buNone/>
+            </a:pPr>
+            <a:r>
+              <a:rPr lang="zh-CN" altLang="en-US" sz="2000" dirty="0" smtClean="0"/>
+              <a:t>目的：使用画家算法可以对多边形进行排序，但是当两个多边形相交时，则无法处理。使用</a:t>
+            </a:r>
+            <a:r>
+              <a:rPr lang="en-US" altLang="zh-CN" sz="2000" dirty="0" smtClean="0"/>
+              <a:t>Z</a:t>
+            </a:r>
+            <a:r>
+              <a:rPr lang="zh-CN" altLang="en-US" sz="2000" dirty="0" smtClean="0"/>
+              <a:t>缓存可以解决这个问题。</a:t>
+            </a:r>
+            <a:endParaRPr lang="en-US" altLang="zh-CN" sz="2000" dirty="0" smtClean="0"/>
+          </a:p>
+          <a:p>
+            <a:pPr marL="0" indent="0">
+              <a:buNone/>
+            </a:pPr>
+            <a:r>
+              <a:rPr lang="zh-CN" altLang="en-US" sz="2000" dirty="0" smtClean="0"/>
+              <a:t>基本实现：创建一个</a:t>
+            </a:r>
+            <a:r>
+              <a:rPr lang="en-US" altLang="zh-CN" sz="2000" dirty="0" smtClean="0"/>
+              <a:t>z</a:t>
+            </a:r>
+            <a:r>
+              <a:rPr lang="zh-CN" altLang="en-US" sz="2000" dirty="0" smtClean="0"/>
+              <a:t>缓存，其尺寸与</a:t>
+            </a:r>
+            <a:r>
+              <a:rPr lang="en-US" altLang="zh-CN" sz="2000" dirty="0" err="1" smtClean="0"/>
+              <a:t>MxN</a:t>
+            </a:r>
+            <a:r>
+              <a:rPr lang="zh-CN" altLang="en-US" sz="2000" dirty="0" smtClean="0"/>
+              <a:t>的屏幕大小相同，初始化</a:t>
+            </a:r>
+            <a:r>
+              <a:rPr lang="en-US" altLang="zh-CN" sz="2000" dirty="0" smtClean="0"/>
+              <a:t>Z</a:t>
+            </a:r>
+            <a:r>
+              <a:rPr lang="zh-CN" altLang="en-US" sz="2000" dirty="0" smtClean="0"/>
+              <a:t>缓存为最大</a:t>
+            </a:r>
+            <a:r>
+              <a:rPr lang="en-US" altLang="zh-CN" sz="2000" dirty="0" smtClean="0"/>
+              <a:t>z</a:t>
+            </a:r>
+            <a:r>
+              <a:rPr lang="zh-CN" altLang="en-US" sz="2000" dirty="0" smtClean="0"/>
+              <a:t>值。伪代码如下：</a:t>
+            </a:r>
+            <a:endParaRPr lang="en-US" altLang="zh-CN" sz="2000" dirty="0" smtClean="0"/>
+          </a:p>
+          <a:p>
+            <a:pPr marL="0" indent="0">
+              <a:buNone/>
+            </a:pPr>
+            <a:endParaRPr lang="en-US" altLang="zh-CN" sz="2000" dirty="0" smtClean="0"/>
+          </a:p>
+          <a:p>
+            <a:pPr marL="400050" lvl="1" indent="0">
+              <a:buNone/>
+            </a:pPr>
+            <a:r>
+              <a:rPr lang="en-US" altLang="zh-CN" sz="1600" dirty="0" smtClean="0"/>
+              <a:t>for </a:t>
+            </a:r>
+            <a:r>
+              <a:rPr lang="zh-CN" altLang="en-US" sz="1600" dirty="0" smtClean="0"/>
+              <a:t>三角形列表 </a:t>
+            </a:r>
+            <a:r>
+              <a:rPr lang="en-US" altLang="zh-CN" sz="1600" dirty="0" smtClean="0"/>
+              <a:t>do</a:t>
+            </a:r>
+          </a:p>
+          <a:p>
+            <a:pPr marL="400050" lvl="1" indent="0">
+              <a:buNone/>
+            </a:pPr>
+            <a:r>
+              <a:rPr lang="en-US" altLang="zh-CN" sz="1600" dirty="0" smtClean="0"/>
+              <a:t>	</a:t>
+            </a:r>
+            <a:r>
+              <a:rPr lang="zh-CN" altLang="en-US" sz="1600" dirty="0" smtClean="0"/>
+              <a:t>光栅化每个三角形，生成</a:t>
+            </a:r>
+            <a:r>
+              <a:rPr lang="en-US" altLang="zh-CN" sz="1600" dirty="0" smtClean="0"/>
+              <a:t>xi, </a:t>
+            </a:r>
+            <a:r>
+              <a:rPr lang="en-US" altLang="zh-CN" sz="1600" dirty="0" err="1" smtClean="0"/>
+              <a:t>yi</a:t>
+            </a:r>
+            <a:r>
+              <a:rPr lang="en-US" altLang="zh-CN" sz="1600" dirty="0" smtClean="0"/>
+              <a:t>, </a:t>
+            </a:r>
+            <a:r>
+              <a:rPr lang="en-US" altLang="zh-CN" sz="1600" dirty="0" err="1" smtClean="0"/>
+              <a:t>zi</a:t>
+            </a:r>
+            <a:r>
+              <a:rPr lang="en-US" altLang="zh-CN" sz="1600" dirty="0" smtClean="0"/>
+              <a:t>;</a:t>
+            </a:r>
+          </a:p>
+          <a:p>
+            <a:pPr marL="400050" lvl="1" indent="0">
+              <a:buNone/>
+            </a:pPr>
+            <a:r>
+              <a:rPr lang="en-US" altLang="zh-CN" sz="1600" dirty="0"/>
+              <a:t>	</a:t>
+            </a:r>
+            <a:r>
+              <a:rPr lang="en-US" altLang="zh-CN" sz="1600" dirty="0" smtClean="0"/>
+              <a:t>for </a:t>
+            </a:r>
+            <a:r>
+              <a:rPr lang="zh-CN" altLang="en-US" sz="1600" dirty="0" smtClean="0"/>
+              <a:t>每组</a:t>
+            </a:r>
+            <a:r>
+              <a:rPr lang="en-US" altLang="zh-CN" sz="1600" dirty="0" smtClean="0"/>
+              <a:t>xi, </a:t>
+            </a:r>
+            <a:r>
+              <a:rPr lang="en-US" altLang="zh-CN" sz="1600" dirty="0" err="1" smtClean="0"/>
+              <a:t>yi</a:t>
+            </a:r>
+            <a:r>
+              <a:rPr lang="en-US" altLang="zh-CN" sz="1600" dirty="0" smtClean="0"/>
+              <a:t>, </a:t>
+            </a:r>
+            <a:r>
+              <a:rPr lang="en-US" altLang="zh-CN" sz="1600" dirty="0" err="1" smtClean="0"/>
+              <a:t>zi</a:t>
+            </a:r>
+            <a:r>
+              <a:rPr lang="en-US" altLang="zh-CN" sz="1600" dirty="0" smtClean="0"/>
+              <a:t> do</a:t>
+            </a:r>
+          </a:p>
+          <a:p>
+            <a:pPr marL="400050" lvl="1" indent="0">
+              <a:buNone/>
+            </a:pPr>
+            <a:r>
+              <a:rPr lang="en-US" altLang="zh-CN" sz="1600" dirty="0" smtClean="0"/>
+              <a:t>		if </a:t>
+            </a:r>
+            <a:r>
+              <a:rPr lang="en-US" altLang="zh-CN" sz="1600" dirty="0" err="1" smtClean="0"/>
+              <a:t>zi</a:t>
+            </a:r>
+            <a:r>
+              <a:rPr lang="en-US" altLang="zh-CN" sz="1600" dirty="0" smtClean="0"/>
+              <a:t> &lt; </a:t>
+            </a:r>
+            <a:r>
+              <a:rPr lang="en-US" altLang="zh-CN" sz="1600" dirty="0" err="1" smtClean="0"/>
+              <a:t>zbuffer</a:t>
+            </a:r>
+            <a:r>
+              <a:rPr lang="en-US" altLang="zh-CN" sz="1600" dirty="0" smtClean="0"/>
+              <a:t>[xi, </a:t>
+            </a:r>
+            <a:r>
+              <a:rPr lang="en-US" altLang="zh-CN" sz="1600" dirty="0" err="1" smtClean="0"/>
+              <a:t>yi</a:t>
+            </a:r>
+            <a:r>
+              <a:rPr lang="en-US" altLang="zh-CN" sz="1600" dirty="0" smtClean="0"/>
+              <a:t>] then</a:t>
+            </a:r>
+          </a:p>
+          <a:p>
+            <a:pPr marL="400050" lvl="1" indent="0">
+              <a:buNone/>
+            </a:pPr>
+            <a:r>
+              <a:rPr lang="en-US" altLang="zh-CN" sz="1600" dirty="0"/>
+              <a:t>	</a:t>
+            </a:r>
+            <a:r>
+              <a:rPr lang="en-US" altLang="zh-CN" sz="1600" dirty="0" smtClean="0"/>
+              <a:t>		</a:t>
+            </a:r>
+            <a:r>
+              <a:rPr lang="en-US" altLang="zh-CN" sz="1600" dirty="0" err="1" smtClean="0"/>
+              <a:t>zbuffer</a:t>
+            </a:r>
+            <a:r>
+              <a:rPr lang="en-US" altLang="zh-CN" sz="1600" dirty="0" smtClean="0"/>
+              <a:t>[xi, </a:t>
+            </a:r>
+            <a:r>
+              <a:rPr lang="en-US" altLang="zh-CN" sz="1600" dirty="0" err="1" smtClean="0"/>
+              <a:t>yi</a:t>
+            </a:r>
+            <a:r>
+              <a:rPr lang="en-US" altLang="zh-CN" sz="1600" dirty="0" smtClean="0"/>
+              <a:t>] = </a:t>
+            </a:r>
+            <a:r>
+              <a:rPr lang="en-US" altLang="zh-CN" sz="1600" dirty="0" err="1" smtClean="0"/>
+              <a:t>zi</a:t>
+            </a:r>
+            <a:r>
+              <a:rPr lang="en-US" altLang="zh-CN" sz="1600" dirty="0" smtClean="0"/>
+              <a:t>;</a:t>
+            </a:r>
+          </a:p>
+          <a:p>
+            <a:pPr marL="400050" lvl="1" indent="0">
+              <a:buNone/>
+            </a:pPr>
+            <a:r>
+              <a:rPr lang="en-US" altLang="zh-CN" sz="1600" dirty="0"/>
+              <a:t>	</a:t>
+            </a:r>
+            <a:r>
+              <a:rPr lang="en-US" altLang="zh-CN" sz="1600" dirty="0" smtClean="0"/>
+              <a:t>		</a:t>
+            </a:r>
+            <a:r>
+              <a:rPr lang="en-US" altLang="zh-CN" sz="1600" dirty="0" err="1" smtClean="0"/>
+              <a:t>DrawPoint</a:t>
+            </a:r>
+            <a:r>
+              <a:rPr lang="en-US" altLang="zh-CN" sz="1600" dirty="0" smtClean="0"/>
+              <a:t>(xi, </a:t>
+            </a:r>
+            <a:r>
+              <a:rPr lang="en-US" altLang="zh-CN" sz="1600" dirty="0" err="1" smtClean="0"/>
+              <a:t>yi</a:t>
+            </a:r>
+            <a:r>
+              <a:rPr lang="en-US" altLang="zh-CN" sz="1600" dirty="0" smtClean="0"/>
+              <a:t>, color);</a:t>
+            </a:r>
+          </a:p>
+          <a:p>
+            <a:pPr marL="400050" lvl="1" indent="0">
+              <a:buNone/>
+            </a:pPr>
+            <a:r>
+              <a:rPr lang="en-US" altLang="zh-CN" sz="1600" dirty="0"/>
+              <a:t>	</a:t>
+            </a:r>
+            <a:r>
+              <a:rPr lang="en-US" altLang="zh-CN" sz="1600" dirty="0" smtClean="0"/>
+              <a:t>	end</a:t>
+            </a:r>
+            <a:endParaRPr lang="en-US" altLang="zh-CN" sz="1600" dirty="0"/>
+          </a:p>
+          <a:p>
+            <a:pPr marL="400050" lvl="1" indent="0">
+              <a:buNone/>
+            </a:pPr>
+            <a:r>
+              <a:rPr lang="en-US" altLang="zh-CN" sz="1600" dirty="0" smtClean="0"/>
+              <a:t>	end</a:t>
+            </a:r>
+            <a:endParaRPr lang="en-US" altLang="zh-CN" sz="1600" dirty="0"/>
+          </a:p>
+          <a:p>
+            <a:pPr marL="400050" lvl="1" indent="0">
+              <a:buNone/>
+            </a:pPr>
+            <a:r>
+              <a:rPr lang="en-US" altLang="zh-CN" sz="1600" dirty="0" smtClean="0"/>
+              <a:t>end </a:t>
+            </a:r>
+          </a:p>
+        </p:txBody>
+      </p:sp>
+    </p:spTree>
+    <p:extLst>
+      <p:ext uri="{BB962C8B-B14F-4D97-AF65-F5344CB8AC3E}">
+        <p14:creationId xmlns:p14="http://schemas.microsoft.com/office/powerpoint/2010/main" val="1625808036"/>
+      </p:ext>
+    </p:extLst>
+  </p:cSld>
+  <p:clrMapOvr>
+    <a:masterClrMapping/>
+  </p:clrMapOvr>
+</p:sld>
+</file>
+
+<file path=ppt/slides/slide37.xml><?xml version="1.0" encoding="utf-8"?>
+<p:sld xmlns:a="http://schemas.openxmlformats.org/drawingml/2006/main" xmlns:r="http://schemas.openxmlformats.org/officeDocument/2006/relationships" xmlns:p="http://schemas.openxmlformats.org/presentationml/2006/main">
+  <p:cSld>
+    <p:spTree>
+      <p:nvGrpSpPr>
+        <p:cNvPr id="1" name=""/>
+        <p:cNvGrpSpPr/>
+        <p:nvPr/>
+      </p:nvGrpSpPr>
+      <p:grpSpPr>
+        <a:xfrm>
+          <a:off x="0" y="0"/>
+          <a:ext cx="0" cy="0"/>
+          <a:chOff x="0" y="0"/>
+          <a:chExt cx="0" cy="0"/>
+        </a:xfrm>
+      </p:grpSpPr>
+      <p:sp>
+        <p:nvSpPr>
+          <p:cNvPr id="2" name="标题 1"/>
+          <p:cNvSpPr>
+            <a:spLocks noGrp="1"/>
+          </p:cNvSpPr>
+          <p:nvPr>
+            <p:ph type="title"/>
+          </p:nvPr>
+        </p:nvSpPr>
+        <p:spPr/>
+        <p:txBody>
           <a:bodyPr/>
           <a:lstStyle/>
           <a:p>
             <a:r>
               <a:rPr lang="zh-CN" altLang="en-US" dirty="0" smtClean="0"/>
+              <a:t>深度缓存</a:t>
+            </a:r>
+            <a:endParaRPr lang="zh-CN" altLang="en-US" dirty="0"/>
+          </a:p>
+        </p:txBody>
+      </p:sp>
+      <p:sp>
+        <p:nvSpPr>
+          <p:cNvPr id="3" name="内容占位符 2"/>
+          <p:cNvSpPr>
+            <a:spLocks noGrp="1"/>
+          </p:cNvSpPr>
+          <p:nvPr>
+            <p:ph idx="1"/>
+          </p:nvPr>
+        </p:nvSpPr>
+        <p:spPr/>
+        <p:txBody>
+          <a:bodyPr/>
+          <a:lstStyle/>
+          <a:p>
+            <a:r>
+              <a:rPr lang="zh-CN" altLang="en-US" dirty="0" smtClean="0"/>
               <a:t>存在问题</a:t>
             </a:r>
             <a:endParaRPr lang="en-US" altLang="zh-CN" dirty="0" smtClean="0"/>
@@ -14375,11 +14675,7 @@
             </a:pPr>
             <a:r>
               <a:rPr lang="zh-CN" altLang="en-US" sz="2000" dirty="0" smtClean="0"/>
-              <a:t>如何</a:t>
-            </a:r>
-            <a:r>
-              <a:rPr lang="zh-CN" altLang="en-US" sz="2000" dirty="0" smtClean="0"/>
-              <a:t>计算</a:t>
+              <a:t>如何计算</a:t>
             </a:r>
             <a:r>
               <a:rPr lang="en-US" altLang="zh-CN" sz="2000" dirty="0" smtClean="0"/>
@@ -14560,7 +14856,7 @@
 </p:sld>
 </file>
 
-<file path=ppt/slides/slide37.xml><?xml version="1.0" encoding="utf-8"?>
+<file path=ppt/slides/slide38.xml><?xml version="1.0" encoding="utf-8"?>
 <p:sld xmlns:a="http://schemas.openxmlformats.org/drawingml/2006/main" xmlns:r="http://schemas.openxmlformats.org/officeDocument/2006/relationships" xmlns:p="http://schemas.openxmlformats.org/presentationml/2006/main">
   <p:cSld>
     <p:spTree>
@@ -14629,23 +14925,35 @@
             </a:pPr>
             <a:r>
               <a:rPr lang="zh-CN" altLang="en-US" sz="2000" dirty="0" smtClean="0"/>
-              <a:t>线段可表示：</a:t>
+              <a:t>线段可表示</a:t>
+            </a:r>
+            <a:r>
+              <a:rPr lang="zh-CN" altLang="en-US" sz="2000" dirty="0" smtClean="0"/>
+              <a:t>：</a:t>
             </a:r>
             <a:r>
               <a:rPr lang="en-US" altLang="zh-CN" sz="2000" dirty="0" smtClean="0"/>
-              <a:t>ax + </a:t>
-            </a:r>
-            <a:r>
-              <a:rPr lang="en-US" altLang="zh-CN" sz="2000" dirty="0" err="1" smtClean="0"/>
-              <a:t>bz</a:t>
+              <a:t> </a:t>
+            </a:r>
+            <a:r>
+              <a:rPr lang="zh-CN" altLang="en-US" sz="2000" dirty="0" smtClean="0"/>
+              <a:t>（</a:t>
             </a:r>
             <a:r>
               <a:rPr lang="en-US" altLang="zh-CN" sz="2000" dirty="0" smtClean="0"/>
-              <a:t> = c, c != 0</a:t>
+              <a:t>c </a:t>
+            </a:r>
+            <a:r>
+              <a:rPr lang="en-US" altLang="zh-CN" sz="2000" dirty="0" smtClean="0"/>
+              <a:t>!= </a:t>
+            </a:r>
+            <a:r>
+              <a:rPr lang="en-US" altLang="zh-CN" sz="2000" dirty="0" smtClean="0"/>
+              <a:t>0</a:t>
             </a:r>
             <a:r>
               <a:rPr lang="zh-CN" altLang="en-US" sz="2000" dirty="0" smtClean="0"/>
-              <a:t>，</a:t>
+              <a:t>），</a:t>
             </a:r>
             <a:endParaRPr lang="en-US" altLang="zh-CN" sz="2000" dirty="0" smtClean="0"/>
           </a:p>
@@ -14653,9 +14961,25 @@
             <a:pPr marL="0" indent="0">
               <a:buNone/>
             </a:pPr>
+            <a:endParaRPr lang="en-US" altLang="zh-CN" sz="2000" dirty="0" smtClean="0"/>
+          </a:p>
+          <a:p>
+            <a:pPr marL="0" indent="0">
+              <a:buNone/>
+            </a:pPr>
+            <a:endParaRPr lang="en-US" altLang="zh-CN" sz="2000" dirty="0" smtClean="0"/>
+          </a:p>
+          <a:p>
+            <a:pPr marL="0" indent="0">
+              <a:buNone/>
+            </a:pPr>
             <a:r>
               <a:rPr lang="zh-CN" altLang="en-US" sz="2000" dirty="0" smtClean="0"/>
-              <a:t>投影平面上的一点</a:t>
+              <a:t>投影平面</a:t>
+            </a:r>
+            <a:r>
+              <a:rPr lang="zh-CN" altLang="en-US" sz="2000" dirty="0" smtClean="0"/>
+              <a:t>上的一点</a:t>
             </a:r>
             <a:r>
               <a:rPr lang="en-US" altLang="zh-CN" sz="2000" dirty="0" smtClean="0"/>
@@ -14665,162 +14989,66 @@
               <a:rPr lang="zh-CN" altLang="en-US" sz="2000" dirty="0" smtClean="0"/>
               <a:t>：</a:t>
             </a:r>
+            <a:endParaRPr lang="en-US" altLang="zh-CN" sz="2000" dirty="0" smtClean="0"/>
+          </a:p>
+          <a:p>
+            <a:pPr marL="0" indent="0">
+              <a:buNone/>
+            </a:pPr>
+            <a:endParaRPr lang="en-US" altLang="zh-CN" sz="2000" dirty="0" smtClean="0"/>
+          </a:p>
+          <a:p>
+            <a:pPr marL="0" indent="0">
+              <a:buNone/>
+            </a:pPr>
+            <a:endParaRPr lang="en-US" altLang="zh-CN" sz="2000" dirty="0" smtClean="0"/>
+          </a:p>
+          <a:p>
+            <a:pPr marL="0" indent="0">
+              <a:buNone/>
+            </a:pPr>
+            <a:endParaRPr lang="en-US" altLang="zh-CN" sz="2000" smtClean="0"/>
+          </a:p>
+          <a:p>
+            <a:pPr marL="0" indent="0">
+              <a:buNone/>
+            </a:pPr>
+            <a:r>
+              <a:rPr lang="zh-CN" altLang="en-US" sz="2000" smtClean="0"/>
+              <a:t>代入</a:t>
+            </a:r>
+            <a:r>
+              <a:rPr lang="zh-CN" altLang="en-US" sz="2000" dirty="0" smtClean="0"/>
+              <a:t>到线段方程：</a:t>
+            </a:r>
+            <a:endParaRPr lang="en-US" altLang="zh-CN" sz="2000" dirty="0" smtClean="0"/>
+          </a:p>
+          <a:p>
+            <a:pPr marL="0" indent="0">
+              <a:buNone/>
+            </a:pPr>
             <a:r>
               <a:rPr lang="en-US" altLang="zh-CN" sz="2000" dirty="0" smtClean="0"/>
-              <a:t>p / x = -e / z</a:t>
-            </a:r>
-            <a:r>
-              <a:rPr lang="zh-CN" altLang="en-US" sz="2000" dirty="0"/>
-              <a:t>，</a:t>
-            </a:r>
+              <a:t>	</a:t>
+            </a:r>
+            <a:endParaRPr lang="en-US" altLang="zh-CN" sz="2000" dirty="0"/>
+          </a:p>
+          <a:p>
+            <a:pPr marL="0" indent="0">
+              <a:buNone/>
+            </a:pPr>
             <a:endParaRPr lang="en-US" altLang="zh-CN" sz="2000" dirty="0" smtClean="0"/>
           </a:p>
           <a:p>
             <a:pPr marL="0" indent="0">
               <a:buNone/>
             </a:pPr>
-            <a:r>
-              <a:rPr lang="zh-CN" altLang="en-US" sz="2000" dirty="0" smtClean="0"/>
-              <a:t>代入到线段方程：</a:t>
-            </a:r>
-            <a:endParaRPr lang="en-US" altLang="zh-CN" sz="2000" dirty="0" smtClean="0"/>
+            <a:endParaRPr lang="en-US" altLang="zh-CN" sz="2000" dirty="0"/>
           </a:p>
           <a:p>
             <a:pPr marL="0" indent="0">
               <a:buNone/>
             </a:pPr>
-            <a:r>
-              <a:rPr lang="en-US" altLang="zh-CN" sz="2000" dirty="0" smtClean="0"/>
-              <a:t>	(-</a:t>
-            </a:r>
-            <a:r>
-              <a:rPr lang="en-US" altLang="zh-CN" sz="2000" dirty="0" err="1" smtClean="0"/>
-              <a:t>ap</a:t>
-            </a:r>
-            <a:r>
-              <a:rPr lang="en-US" altLang="zh-CN" sz="2000" dirty="0" smtClean="0"/>
-              <a:t>/e + b)z = c</a:t>
-            </a:r>
-            <a:r>
-              <a:rPr lang="zh-CN" altLang="en-US" sz="2000" dirty="0" smtClean="0"/>
-              <a:t>，</a:t>
-            </a:r>
-            <a:endParaRPr lang="en-US" altLang="zh-CN" sz="2000" dirty="0" smtClean="0"/>
-          </a:p>
-          <a:p>
-            <a:pPr marL="0" indent="0">
-              <a:buNone/>
-            </a:pPr>
-            <a:r>
-              <a:rPr lang="zh-CN" altLang="en-US" sz="2000" dirty="0" smtClean="0"/>
-              <a:t>用</a:t>
-            </a:r>
-            <a:r>
-              <a:rPr lang="en-US" altLang="zh-CN" sz="2000" dirty="0" smtClean="0"/>
-              <a:t>1/z</a:t>
-            </a:r>
-            <a:r>
-              <a:rPr lang="zh-CN" altLang="en-US" sz="2000" dirty="0" smtClean="0"/>
-              <a:t>表示：</a:t>
-            </a:r>
-            <a:endParaRPr lang="en-US" altLang="zh-CN" sz="2000" dirty="0" smtClean="0"/>
-          </a:p>
-          <a:p>
-            <a:pPr marL="0" indent="0">
-              <a:buNone/>
-            </a:pPr>
-            <a:r>
-              <a:rPr lang="en-US" altLang="zh-CN" sz="2000" dirty="0"/>
-              <a:t>	</a:t>
-            </a:r>
-            <a:r>
-              <a:rPr lang="en-US" altLang="zh-CN" sz="2000" dirty="0" smtClean="0"/>
-              <a:t>1/z = -</a:t>
-            </a:r>
-            <a:r>
-              <a:rPr lang="en-US" altLang="zh-CN" sz="2000" dirty="0" err="1" smtClean="0"/>
-              <a:t>ap</a:t>
-            </a:r>
-            <a:r>
-              <a:rPr lang="en-US" altLang="zh-CN" sz="2000" dirty="0" smtClean="0"/>
-              <a:t>/</a:t>
-            </a:r>
-            <a:r>
-              <a:rPr lang="en-US" altLang="zh-CN" sz="2000" dirty="0" err="1" smtClean="0"/>
-              <a:t>ce</a:t>
-            </a:r>
-            <a:r>
-              <a:rPr lang="en-US" altLang="zh-CN" sz="2000" dirty="0" smtClean="0"/>
-              <a:t> + b / c</a:t>
-            </a:r>
-            <a:r>
-              <a:rPr lang="zh-CN" altLang="en-US" sz="2000" dirty="0" smtClean="0"/>
-              <a:t>，</a:t>
-            </a:r>
-            <a:endParaRPr lang="en-US" altLang="zh-CN" sz="2000" dirty="0" smtClean="0"/>
-          </a:p>
-          <a:p>
-            <a:pPr marL="0" indent="0">
-              <a:buNone/>
-            </a:pPr>
-            <a:r>
-              <a:rPr lang="zh-CN" altLang="en-US" sz="2000" dirty="0" smtClean="0"/>
-              <a:t>投影平面上</a:t>
-            </a:r>
-            <a:r>
-              <a:rPr lang="en-US" altLang="zh-CN" sz="2000" dirty="0" smtClean="0"/>
-              <a:t>p</a:t>
-            </a:r>
-            <a:r>
-              <a:rPr lang="zh-CN" altLang="en-US" sz="2000" dirty="0" smtClean="0"/>
-              <a:t>的线性插入表示为：</a:t>
-            </a:r>
-            <a:endParaRPr lang="en-US" altLang="zh-CN" sz="2000" dirty="0" smtClean="0"/>
-          </a:p>
-          <a:p>
-            <a:pPr marL="0" indent="0">
-              <a:buNone/>
-            </a:pPr>
-            <a:r>
-              <a:rPr lang="en-US" altLang="zh-CN" sz="2000" dirty="0" smtClean="0"/>
-              <a:t>	p3 = (1 - t)p1 + tp2</a:t>
-            </a:r>
-            <a:r>
-              <a:rPr lang="zh-CN" altLang="en-US" sz="2000" dirty="0" smtClean="0"/>
-              <a:t>，</a:t>
-            </a:r>
-            <a:endParaRPr lang="en-US" altLang="zh-CN" sz="2000" dirty="0" smtClean="0"/>
-          </a:p>
-          <a:p>
-            <a:pPr marL="0" indent="0">
-              <a:buNone/>
-            </a:pPr>
-            <a:r>
-              <a:rPr lang="zh-CN" altLang="en-US" sz="2000" dirty="0" smtClean="0"/>
-              <a:t>则</a:t>
-            </a:r>
-            <a:endParaRPr lang="en-US" altLang="zh-CN" sz="2000" dirty="0" smtClean="0"/>
-          </a:p>
-          <a:p>
-            <a:pPr marL="0" indent="0">
-              <a:buNone/>
-            </a:pPr>
-            <a:r>
-              <a:rPr lang="en-US" altLang="zh-CN" sz="2000" dirty="0" smtClean="0"/>
-              <a:t>	1/z3 = -ap3/</a:t>
-            </a:r>
-            <a:r>
-              <a:rPr lang="en-US" altLang="zh-CN" sz="2000" dirty="0" err="1" smtClean="0"/>
-              <a:t>ce</a:t>
-            </a:r>
-            <a:r>
-              <a:rPr lang="en-US" altLang="zh-CN" sz="2000" dirty="0" smtClean="0"/>
-              <a:t> + b/c = (1 - t)*1/z1 + t*1/z2</a:t>
-            </a:r>
-            <a:r>
-              <a:rPr lang="zh-CN" altLang="en-US" sz="2000" dirty="0" smtClean="0"/>
-              <a:t>。</a:t>
-            </a:r>
             <a:endParaRPr lang="en-US" altLang="zh-CN" sz="2000" dirty="0" smtClean="0"/>
           </a:p>
         </p:txBody>
@@ -14848,8 +15076,200 @@
         </p:blipFill>
         <p:spPr bwMode="auto">
           <a:xfrm>
-            <a:off x="5436096" y="2768352"/>
+            <a:off x="4932040" y="2768352"/>
             <a:ext cx="2664296" cy="2491900"/>
+          </a:xfrm>
+          <a:prstGeom prst="rect">
+            <a:avLst/>
+          </a:prstGeom>
+          <a:noFill/>
+          <a:ln>
+            <a:noFill/>
+          </a:ln>
+          <a:effectLst/>
+          <a:extLst>
+            <a:ext uri="{909E8E84-426E-40DD-AFC4-6F175D3DCCD1}">
+              <a14:hiddenFill xmlns:a14="http://schemas.microsoft.com/office/drawing/2010/main">
+                <a:solidFill>
+                  <a:schemeClr val="accent1"/>
+                </a:solidFill>
+              </a14:hiddenFill>
+            </a:ext>
+            <a:ext uri="{91240B29-F687-4F45-9708-019B960494DF}">
+              <a14:hiddenLine xmlns:a14="http://schemas.microsoft.com/office/drawing/2010/main" w="9525">
+                <a:solidFill>
+                  <a:schemeClr val="tx1"/>
+                </a:solidFill>
+                <a:miter lim="800000"/>
+                <a:headEnd/>
+                <a:tailEnd/>
+              </a14:hiddenLine>
+            </a:ext>
+            <a:ext uri="{AF507438-7753-43E0-B8FC-AC1667EBCBE1}">
+              <a14:hiddenEffects xmlns:a14="http://schemas.microsoft.com/office/drawing/2010/main">
+                <a:effectLst>
+                  <a:outerShdw dist="35921" dir="2700000" algn="ctr" rotWithShape="0">
+                    <a:schemeClr val="bg2"/>
+                  </a:outerShdw>
+                </a:effectLst>
+              </a14:hiddenEffects>
+            </a:ext>
+          </a:extLst>
+        </p:spPr>
+      </p:pic>
+      <p:pic>
+        <p:nvPicPr>
+          <p:cNvPr id="4098" name="Picture 2"/>
+          <p:cNvPicPr>
+            <a:picLocks noChangeAspect="1" noChangeArrowheads="1"/>
+          </p:cNvPicPr>
+          <p:nvPr/>
+        </p:nvPicPr>
+        <p:blipFill>
+          <a:blip r:embed="rId3">
+            <a:extLst>
+              <a:ext uri="{28A0092B-C50C-407E-A947-70E740481C1C}">
+                <a14:useLocalDpi xmlns:a14="http://schemas.microsoft.com/office/drawing/2010/main" val="0"/>
+              </a:ext>
+            </a:extLst>
+          </a:blip>
+          <a:srcRect/>
+          <a:stretch>
+            <a:fillRect/>
+          </a:stretch>
+        </p:blipFill>
+        <p:spPr bwMode="auto">
+          <a:xfrm>
+            <a:off x="1598552" y="2729657"/>
+            <a:ext cx="1028700" cy="247650"/>
+          </a:xfrm>
+          <a:prstGeom prst="rect">
+            <a:avLst/>
+          </a:prstGeom>
+          <a:noFill/>
+          <a:ln>
+            <a:noFill/>
+          </a:ln>
+          <a:effectLst/>
+          <a:extLst>
+            <a:ext uri="{909E8E84-426E-40DD-AFC4-6F175D3DCCD1}">
+              <a14:hiddenFill xmlns:a14="http://schemas.microsoft.com/office/drawing/2010/main">
+                <a:solidFill>
+                  <a:schemeClr val="accent1"/>
+                </a:solidFill>
+              </a14:hiddenFill>
+            </a:ext>
+            <a:ext uri="{91240B29-F687-4F45-9708-019B960494DF}">
+              <a14:hiddenLine xmlns:a14="http://schemas.microsoft.com/office/drawing/2010/main" w="9525">
+                <a:solidFill>
+                  <a:schemeClr val="tx1"/>
+                </a:solidFill>
+                <a:miter lim="800000"/>
+                <a:headEnd/>
+                <a:tailEnd/>
+              </a14:hiddenLine>
+            </a:ext>
+            <a:ext uri="{AF507438-7753-43E0-B8FC-AC1667EBCBE1}">
+              <a14:hiddenEffects xmlns:a14="http://schemas.microsoft.com/office/drawing/2010/main">
+                <a:effectLst>
+                  <a:outerShdw dist="35921" dir="2700000" algn="ctr" rotWithShape="0">
+                    <a:schemeClr val="bg2"/>
+                  </a:outerShdw>
+                </a:effectLst>
+              </a14:hiddenEffects>
+            </a:ext>
+          </a:extLst>
+        </p:spPr>
+      </p:pic>
+      <p:pic>
+        <p:nvPicPr>
+          <p:cNvPr id="4099" name="Picture 3"/>
+          <p:cNvPicPr>
+            <a:picLocks noChangeAspect="1" noChangeArrowheads="1"/>
+          </p:cNvPicPr>
+          <p:nvPr/>
+        </p:nvPicPr>
+        <p:blipFill>
+          <a:blip r:embed="rId4">
+            <a:extLst>
+              <a:ext uri="{28A0092B-C50C-407E-A947-70E740481C1C}">
+                <a14:useLocalDpi xmlns:a14="http://schemas.microsoft.com/office/drawing/2010/main" val="0"/>
+              </a:ext>
+            </a:extLst>
+          </a:blip>
+          <a:srcRect/>
+          <a:stretch>
+            <a:fillRect/>
+          </a:stretch>
+        </p:blipFill>
+        <p:spPr bwMode="auto">
+          <a:xfrm>
+            <a:off x="1660142" y="3757127"/>
+            <a:ext cx="733425" cy="514350"/>
+          </a:xfrm>
+          <a:prstGeom prst="rect">
+            <a:avLst/>
+          </a:prstGeom>
+          <a:noFill/>
+          <a:ln>
+            <a:noFill/>
+          </a:ln>
+          <a:effectLst/>
+          <a:extLst>
+            <a:ext uri="{909E8E84-426E-40DD-AFC4-6F175D3DCCD1}">
+              <a14:hiddenFill xmlns:a14="http://schemas.microsoft.com/office/drawing/2010/main">
+                <a:solidFill>
+                  <a:schemeClr val="accent1"/>
+                </a:solidFill>
+              </a14:hiddenFill>
+            </a:ext>
+            <a:ext uri="{91240B29-F687-4F45-9708-019B960494DF}">
+              <a14:hiddenLine xmlns:a14="http://schemas.microsoft.com/office/drawing/2010/main" w="9525">
+                <a:solidFill>
+                  <a:schemeClr val="tx1"/>
+                </a:solidFill>
+                <a:miter lim="800000"/>
+                <a:headEnd/>
+                <a:tailEnd/>
+              </a14:hiddenLine>
+            </a:ext>
+            <a:ext uri="{AF507438-7753-43E0-B8FC-AC1667EBCBE1}">
+              <a14:hiddenEffects xmlns:a14="http://schemas.microsoft.com/office/drawing/2010/main">
+                <a:effectLst>
+                  <a:outerShdw dist="35921" dir="2700000" algn="ctr" rotWithShape="0">
+                    <a:schemeClr val="bg2"/>
+                  </a:outerShdw>
+                </a:effectLst>
+              </a14:hiddenEffects>
+            </a:ext>
+          </a:extLst>
+        </p:spPr>
+      </p:pic>
+      <p:pic>
+        <p:nvPicPr>
+          <p:cNvPr id="4100" name="Picture 4"/>
+          <p:cNvPicPr>
+            <a:picLocks noChangeAspect="1" noChangeArrowheads="1"/>
+          </p:cNvPicPr>
+          <p:nvPr/>
+        </p:nvPicPr>
+        <p:blipFill>
+          <a:blip r:embed="rId5">
+            <a:extLst>
+              <a:ext uri="{28A0092B-C50C-407E-A947-70E740481C1C}">
+                <a14:useLocalDpi xmlns:a14="http://schemas.microsoft.com/office/drawing/2010/main" val="0"/>
+              </a:ext>
+            </a:extLst>
+          </a:blip>
+          <a:srcRect/>
+          <a:stretch>
+            <a:fillRect/>
+          </a:stretch>
+        </p:blipFill>
+        <p:spPr bwMode="auto">
+          <a:xfrm>
+            <a:off x="1598552" y="5260252"/>
+            <a:ext cx="1295400" cy="628650"/>
           </a:xfrm>
           <a:prstGeom prst="rect">
             <a:avLst/>
@@ -14902,7 +15322,538 @@
 </p:sld>
 </file>
 
-<file path=ppt/slides/slide38.xml><?xml version="1.0" encoding="utf-8"?>
+<file path=ppt/slides/slide39.xml><?xml version="1.0" encoding="utf-8"?>
+<p:sld xmlns:a="http://schemas.openxmlformats.org/drawingml/2006/main" xmlns:r="http://schemas.openxmlformats.org/officeDocument/2006/relationships" xmlns:p="http://schemas.openxmlformats.org/presentationml/2006/main">
+  <p:cSld>
+    <p:spTree>
+      <p:nvGrpSpPr>
+        <p:cNvPr id="1" name=""/>
+        <p:cNvGrpSpPr/>
+        <p:nvPr/>
+      </p:nvGrpSpPr>
+      <p:grpSpPr>
+        <a:xfrm>
+          <a:off x="0" y="0"/>
+          <a:ext cx="0" cy="0"/>
+          <a:chOff x="0" y="0"/>
+          <a:chExt cx="0" cy="0"/>
+        </a:xfrm>
+      </p:grpSpPr>
+      <p:sp>
+        <p:nvSpPr>
+          <p:cNvPr id="2" name="标题 1"/>
+          <p:cNvSpPr>
+            <a:spLocks noGrp="1"/>
+          </p:cNvSpPr>
+          <p:nvPr>
+            <p:ph type="title"/>
+          </p:nvPr>
+        </p:nvSpPr>
+        <p:spPr/>
+        <p:txBody>
+          <a:bodyPr/>
+          <a:lstStyle/>
+          <a:p>
+            <a:r>
+              <a:rPr lang="zh-CN" altLang="en-US" dirty="0" smtClean="0"/>
+              <a:t>深度缓存</a:t>
+            </a:r>
+            <a:endParaRPr lang="zh-CN" altLang="en-US" dirty="0"/>
+          </a:p>
+        </p:txBody>
+      </p:sp>
+      <p:sp>
+        <p:nvSpPr>
+          <p:cNvPr id="3" name="内容占位符 2"/>
+          <p:cNvSpPr>
+            <a:spLocks noGrp="1"/>
+          </p:cNvSpPr>
+          <p:nvPr>
+            <p:ph idx="1"/>
+          </p:nvPr>
+        </p:nvSpPr>
+        <p:spPr/>
+        <p:txBody>
+          <a:bodyPr/>
+          <a:lstStyle/>
+          <a:p>
+            <a:pPr marL="0" indent="0">
+              <a:buNone/>
+            </a:pPr>
+            <a:r>
+              <a:rPr lang="zh-CN" altLang="en-US" sz="2000" dirty="0"/>
+              <a:t>用</a:t>
+            </a:r>
+            <a:r>
+              <a:rPr lang="en-US" altLang="zh-CN" sz="2000" dirty="0"/>
+              <a:t>1/z</a:t>
+            </a:r>
+            <a:r>
+              <a:rPr lang="zh-CN" altLang="en-US" sz="2000" dirty="0"/>
+              <a:t>表示：</a:t>
+            </a:r>
+            <a:endParaRPr lang="en-US" altLang="zh-CN" sz="2000" dirty="0"/>
+          </a:p>
+          <a:p>
+            <a:pPr marL="0" indent="0">
+              <a:buNone/>
+            </a:pPr>
+            <a:endParaRPr lang="en-US" altLang="zh-CN" sz="2000" dirty="0" smtClean="0"/>
+          </a:p>
+          <a:p>
+            <a:pPr marL="0" indent="0">
+              <a:buNone/>
+            </a:pPr>
+            <a:endParaRPr lang="en-US" altLang="zh-CN" sz="2000" dirty="0"/>
+          </a:p>
+          <a:p>
+            <a:pPr marL="0" indent="0">
+              <a:buNone/>
+            </a:pPr>
+            <a:r>
+              <a:rPr lang="zh-CN" altLang="en-US" sz="2000" dirty="0" smtClean="0"/>
+              <a:t>投影平面</a:t>
+            </a:r>
+            <a:r>
+              <a:rPr lang="zh-CN" altLang="en-US" sz="2000" dirty="0"/>
+              <a:t>上</a:t>
+            </a:r>
+            <a:r>
+              <a:rPr lang="en-US" altLang="zh-CN" sz="2000" dirty="0"/>
+              <a:t>p</a:t>
+            </a:r>
+            <a:r>
+              <a:rPr lang="zh-CN" altLang="en-US" sz="2000" dirty="0"/>
+              <a:t>的线性插入表示为</a:t>
+            </a:r>
+            <a:r>
+              <a:rPr lang="zh-CN" altLang="en-US" sz="2000" dirty="0" smtClean="0"/>
+              <a:t>：</a:t>
+            </a:r>
+            <a:endParaRPr lang="en-US" altLang="zh-CN" sz="2000" dirty="0" smtClean="0"/>
+          </a:p>
+          <a:p>
+            <a:pPr marL="0" indent="0">
+              <a:buNone/>
+            </a:pPr>
+            <a:endParaRPr lang="en-US" altLang="zh-CN" sz="2000" dirty="0"/>
+          </a:p>
+          <a:p>
+            <a:pPr marL="0" indent="0">
+              <a:buNone/>
+            </a:pPr>
+            <a:r>
+              <a:rPr lang="zh-CN" altLang="en-US" sz="2000" dirty="0" smtClean="0"/>
+              <a:t>则</a:t>
+            </a:r>
+            <a:endParaRPr lang="en-US" altLang="zh-CN" sz="2000" dirty="0"/>
+          </a:p>
+          <a:p>
+            <a:pPr marL="0" indent="0">
+              <a:buNone/>
+            </a:pPr>
+            <a:r>
+              <a:rPr lang="en-US" altLang="zh-CN" sz="2000" dirty="0"/>
+              <a:t>	</a:t>
+            </a:r>
+            <a:endParaRPr lang="zh-CN" altLang="en-US" dirty="0"/>
+          </a:p>
+        </p:txBody>
+      </p:sp>
+      <p:pic>
+        <p:nvPicPr>
+          <p:cNvPr id="4" name="Picture 5"/>
+          <p:cNvPicPr>
+            <a:picLocks noChangeAspect="1" noChangeArrowheads="1"/>
+          </p:cNvPicPr>
+          <p:nvPr/>
+        </p:nvPicPr>
+        <p:blipFill>
+          <a:blip r:embed="rId2">
+            <a:extLst>
+              <a:ext uri="{28A0092B-C50C-407E-A947-70E740481C1C}">
+                <a14:useLocalDpi xmlns:a14="http://schemas.microsoft.com/office/drawing/2010/main" val="0"/>
+              </a:ext>
+            </a:extLst>
+          </a:blip>
+          <a:srcRect/>
+          <a:stretch>
+            <a:fillRect/>
+          </a:stretch>
+        </p:blipFill>
+        <p:spPr bwMode="auto">
+          <a:xfrm>
+            <a:off x="1475656" y="2046362"/>
+            <a:ext cx="1152525" cy="590550"/>
+          </a:xfrm>
+          <a:prstGeom prst="rect">
+            <a:avLst/>
+          </a:prstGeom>
+          <a:noFill/>
+          <a:ln>
+            <a:noFill/>
+          </a:ln>
+          <a:effectLst/>
+          <a:extLst>
+            <a:ext uri="{909E8E84-426E-40DD-AFC4-6F175D3DCCD1}">
+              <a14:hiddenFill xmlns:a14="http://schemas.microsoft.com/office/drawing/2010/main">
+                <a:solidFill>
+                  <a:schemeClr val="accent1"/>
+                </a:solidFill>
+              </a14:hiddenFill>
+            </a:ext>
+            <a:ext uri="{91240B29-F687-4F45-9708-019B960494DF}">
+              <a14:hiddenLine xmlns:a14="http://schemas.microsoft.com/office/drawing/2010/main" w="9525">
+                <a:solidFill>
+                  <a:schemeClr val="tx1"/>
+                </a:solidFill>
+                <a:miter lim="800000"/>
+                <a:headEnd/>
+                <a:tailEnd/>
+              </a14:hiddenLine>
+            </a:ext>
+            <a:ext uri="{AF507438-7753-43E0-B8FC-AC1667EBCBE1}">
+              <a14:hiddenEffects xmlns:a14="http://schemas.microsoft.com/office/drawing/2010/main">
+                <a:effectLst>
+                  <a:outerShdw dist="35921" dir="2700000" algn="ctr" rotWithShape="0">
+                    <a:schemeClr val="bg2"/>
+                  </a:outerShdw>
+                </a:effectLst>
+              </a14:hiddenEffects>
+            </a:ext>
+          </a:extLst>
+        </p:spPr>
+      </p:pic>
+      <p:pic>
+        <p:nvPicPr>
+          <p:cNvPr id="5122" name="Picture 2"/>
+          <p:cNvPicPr>
+            <a:picLocks noChangeAspect="1" noChangeArrowheads="1"/>
+          </p:cNvPicPr>
+          <p:nvPr/>
+        </p:nvPicPr>
+        <p:blipFill>
+          <a:blip r:embed="rId3">
+            <a:extLst>
+              <a:ext uri="{28A0092B-C50C-407E-A947-70E740481C1C}">
+                <a14:useLocalDpi xmlns:a14="http://schemas.microsoft.com/office/drawing/2010/main" val="0"/>
+              </a:ext>
+            </a:extLst>
+          </a:blip>
+          <a:srcRect/>
+          <a:stretch>
+            <a:fillRect/>
+          </a:stretch>
+        </p:blipFill>
+        <p:spPr bwMode="auto">
+          <a:xfrm>
+            <a:off x="1475655" y="3789040"/>
+            <a:ext cx="2847975" cy="2028825"/>
+          </a:xfrm>
+          <a:prstGeom prst="rect">
+            <a:avLst/>
+          </a:prstGeom>
+          <a:noFill/>
+          <a:ln>
+            <a:noFill/>
+          </a:ln>
+          <a:effectLst/>
+          <a:extLst>
+            <a:ext uri="{909E8E84-426E-40DD-AFC4-6F175D3DCCD1}">
+              <a14:hiddenFill xmlns:a14="http://schemas.microsoft.com/office/drawing/2010/main">
+                <a:solidFill>
+                  <a:schemeClr val="accent1"/>
+                </a:solidFill>
+              </a14:hiddenFill>
+            </a:ext>
+            <a:ext uri="{91240B29-F687-4F45-9708-019B960494DF}">
+              <a14:hiddenLine xmlns:a14="http://schemas.microsoft.com/office/drawing/2010/main" w="9525">
+                <a:solidFill>
+                  <a:schemeClr val="tx1"/>
+                </a:solidFill>
+                <a:miter lim="800000"/>
+                <a:headEnd/>
+                <a:tailEnd/>
+              </a14:hiddenLine>
+            </a:ext>
+            <a:ext uri="{AF507438-7753-43E0-B8FC-AC1667EBCBE1}">
+              <a14:hiddenEffects xmlns:a14="http://schemas.microsoft.com/office/drawing/2010/main">
+                <a:effectLst>
+                  <a:outerShdw dist="35921" dir="2700000" algn="ctr" rotWithShape="0">
+                    <a:schemeClr val="bg2"/>
+                  </a:outerShdw>
+                </a:effectLst>
+              </a14:hiddenEffects>
+            </a:ext>
+          </a:extLst>
+        </p:spPr>
+      </p:pic>
+      <p:pic>
+        <p:nvPicPr>
+          <p:cNvPr id="5123" name="Picture 3"/>
+          <p:cNvPicPr>
+            <a:picLocks noChangeAspect="1" noChangeArrowheads="1"/>
+          </p:cNvPicPr>
+          <p:nvPr/>
+        </p:nvPicPr>
+        <p:blipFill>
+          <a:blip r:embed="rId4">
+            <a:extLst>
+              <a:ext uri="{28A0092B-C50C-407E-A947-70E740481C1C}">
+                <a14:useLocalDpi xmlns:a14="http://schemas.microsoft.com/office/drawing/2010/main" val="0"/>
+              </a:ext>
+            </a:extLst>
+          </a:blip>
+          <a:srcRect/>
+          <a:stretch>
+            <a:fillRect/>
+          </a:stretch>
+        </p:blipFill>
+        <p:spPr bwMode="auto">
+          <a:xfrm>
+            <a:off x="1475656" y="3140968"/>
+            <a:ext cx="1371600" cy="276225"/>
+          </a:xfrm>
+          <a:prstGeom prst="rect">
+            <a:avLst/>
+          </a:prstGeom>
+          <a:noFill/>
+          <a:ln>
+            <a:noFill/>
+          </a:ln>
+          <a:effectLst/>
+          <a:extLst>
+            <a:ext uri="{909E8E84-426E-40DD-AFC4-6F175D3DCCD1}">
+              <a14:hiddenFill xmlns:a14="http://schemas.microsoft.com/office/drawing/2010/main">
+                <a:solidFill>
+                  <a:schemeClr val="accent1"/>
+                </a:solidFill>
+              </a14:hiddenFill>
+            </a:ext>
+            <a:ext uri="{91240B29-F687-4F45-9708-019B960494DF}">
+              <a14:hiddenLine xmlns:a14="http://schemas.microsoft.com/office/drawing/2010/main" w="9525">
+                <a:solidFill>
+                  <a:schemeClr val="tx1"/>
+                </a:solidFill>
+                <a:miter lim="800000"/>
+                <a:headEnd/>
+                <a:tailEnd/>
+              </a14:hiddenLine>
+            </a:ext>
+            <a:ext uri="{AF507438-7753-43E0-B8FC-AC1667EBCBE1}">
+              <a14:hiddenEffects xmlns:a14="http://schemas.microsoft.com/office/drawing/2010/main">
+                <a:effectLst>
+                  <a:outerShdw dist="35921" dir="2700000" algn="ctr" rotWithShape="0">
+                    <a:schemeClr val="bg2"/>
+                  </a:outerShdw>
+                </a:effectLst>
+              </a14:hiddenEffects>
+            </a:ext>
+          </a:extLst>
+        </p:spPr>
+      </p:pic>
+    </p:spTree>
+    <p:extLst>
+      <p:ext uri="{BB962C8B-B14F-4D97-AF65-F5344CB8AC3E}">
+        <p14:creationId xmlns:p14="http://schemas.microsoft.com/office/powerpoint/2010/main" val="2624546253"/>
+      </p:ext>
+    </p:extLst>
+  </p:cSld>
+  <p:clrMapOvr>
+    <a:masterClrMapping/>
+  </p:clrMapOvr>
+</p:sld>
+</file>
+
+<file path=ppt/slides/slide4.xml><?xml version="1.0" encoding="utf-8"?>
+<p:sld xmlns:a="http://schemas.openxmlformats.org/drawingml/2006/main" xmlns:r="http://schemas.openxmlformats.org/officeDocument/2006/relationships" xmlns:p="http://schemas.openxmlformats.org/presentationml/2006/main">
+  <p:cSld>
+    <p:spTree>
+      <p:nvGrpSpPr>
+        <p:cNvPr id="1" name=""/>
+        <p:cNvGrpSpPr/>
+        <p:nvPr/>
+      </p:nvGrpSpPr>
+      <p:grpSpPr>
+        <a:xfrm>
+          <a:off x="0" y="0"/>
+          <a:ext cx="0" cy="0"/>
+          <a:chOff x="0" y="0"/>
+          <a:chExt cx="0" cy="0"/>
+        </a:xfrm>
+      </p:grpSpPr>
+      <p:sp>
+        <p:nvSpPr>
+          <p:cNvPr id="2" name="标题 1"/>
+          <p:cNvSpPr>
+            <a:spLocks noGrp="1"/>
+          </p:cNvSpPr>
+          <p:nvPr>
+            <p:ph type="title"/>
+          </p:nvPr>
+        </p:nvSpPr>
+        <p:spPr/>
+        <p:txBody>
+          <a:bodyPr/>
+          <a:lstStyle/>
+          <a:p>
+            <a:r>
+              <a:rPr lang="zh-CN" altLang="en-US" dirty="0" smtClean="0"/>
+              <a:t>目的与意义</a:t>
+            </a:r>
+            <a:endParaRPr lang="zh-CN" altLang="en-US" dirty="0"/>
+          </a:p>
+        </p:txBody>
+      </p:sp>
+      <p:sp>
+        <p:nvSpPr>
+          <p:cNvPr id="3" name="内容占位符 2"/>
+          <p:cNvSpPr>
+            <a:spLocks noGrp="1"/>
+          </p:cNvSpPr>
+          <p:nvPr>
+            <p:ph idx="1"/>
+          </p:nvPr>
+        </p:nvSpPr>
+        <p:spPr/>
+        <p:txBody>
+          <a:bodyPr>
+            <a:normAutofit/>
+          </a:bodyPr>
+          <a:lstStyle/>
+          <a:p>
+            <a:r>
+              <a:rPr lang="zh-CN" altLang="en-US" sz="2000" dirty="0" smtClean="0"/>
+              <a:t>虽然如今的</a:t>
+            </a:r>
+            <a:r>
+              <a:rPr lang="en-US" altLang="zh-CN" sz="2000" dirty="0" smtClean="0"/>
+              <a:t>GPU</a:t>
+            </a:r>
+            <a:r>
+              <a:rPr lang="zh-CN" altLang="en-US" sz="2000" dirty="0" smtClean="0"/>
+              <a:t>能力已经十分发达，并且目前也几乎没有游戏引擎用软件的方式去完成渲染。但学习软件渲染过程却可以让我们在使用如</a:t>
+            </a:r>
+            <a:r>
+              <a:rPr lang="en-US" altLang="zh-CN" sz="2000" dirty="0" smtClean="0"/>
+              <a:t>OpenGL</a:t>
+            </a:r>
+            <a:r>
+              <a:rPr lang="zh-CN" altLang="en-US" sz="2000" dirty="0" smtClean="0"/>
+              <a:t>时知道他都为我们做了什么和我们为什么要这样写程序。</a:t>
+            </a:r>
+            <a:endParaRPr lang="en-US" altLang="zh-CN" sz="2000" dirty="0" smtClean="0"/>
+          </a:p>
+          <a:p>
+            <a:endParaRPr lang="en-US" altLang="zh-CN" sz="2000" dirty="0" smtClean="0"/>
+          </a:p>
+          <a:p>
+            <a:r>
+              <a:rPr lang="zh-CN" altLang="en-US" sz="2000" dirty="0" smtClean="0"/>
+              <a:t>对软件渲染有一定了解后，更快的学习硬件渲染技术，无论是</a:t>
+            </a:r>
+            <a:r>
+              <a:rPr lang="en-US" altLang="zh-CN" sz="2000" dirty="0" smtClean="0"/>
+              <a:t>OpenGL</a:t>
+            </a:r>
+            <a:r>
+              <a:rPr lang="zh-CN" altLang="en-US" sz="2000" dirty="0" smtClean="0"/>
+              <a:t>、</a:t>
+            </a:r>
+            <a:r>
+              <a:rPr lang="en-US" altLang="zh-CN" sz="2000" dirty="0" smtClean="0"/>
+              <a:t>DX</a:t>
+            </a:r>
+            <a:r>
+              <a:rPr lang="zh-CN" altLang="en-US" sz="2000" dirty="0" smtClean="0"/>
+              <a:t>或是</a:t>
+            </a:r>
+            <a:r>
+              <a:rPr lang="en-US" altLang="zh-CN" sz="2000" dirty="0" smtClean="0"/>
+              <a:t>Metal</a:t>
+            </a:r>
+            <a:r>
+              <a:rPr lang="zh-CN" altLang="en-US" sz="2000" dirty="0" smtClean="0"/>
+              <a:t>，其底层原理基本相同。</a:t>
+            </a:r>
+            <a:endParaRPr lang="en-US" altLang="zh-CN" sz="2000" dirty="0" smtClean="0"/>
+          </a:p>
+          <a:p>
+            <a:endParaRPr lang="en-US" altLang="zh-CN" sz="2000" dirty="0" smtClean="0"/>
+          </a:p>
+          <a:p>
+            <a:r>
+              <a:rPr lang="zh-CN" altLang="en-US" sz="2000" dirty="0" smtClean="0"/>
+              <a:t>在没有</a:t>
+            </a:r>
+            <a:r>
+              <a:rPr lang="en-US" altLang="zh-CN" sz="2000" dirty="0" smtClean="0"/>
+              <a:t>OpenGL</a:t>
+            </a:r>
+            <a:r>
+              <a:rPr lang="zh-CN" altLang="en-US" sz="2000" dirty="0" smtClean="0"/>
+              <a:t>、</a:t>
+            </a:r>
+            <a:r>
+              <a:rPr lang="en-US" altLang="zh-CN" sz="2000" dirty="0" smtClean="0"/>
+              <a:t>DX</a:t>
+            </a:r>
+            <a:r>
+              <a:rPr lang="zh-CN" altLang="en-US" sz="2000" dirty="0" smtClean="0"/>
+              <a:t>知识的情况下也能实现</a:t>
+            </a:r>
+            <a:r>
+              <a:rPr lang="en-US" altLang="zh-CN" sz="2000" dirty="0" smtClean="0"/>
+              <a:t>3D</a:t>
+            </a:r>
+            <a:r>
+              <a:rPr lang="zh-CN" altLang="en-US" sz="2000" dirty="0" smtClean="0"/>
+              <a:t>渲染。</a:t>
+            </a:r>
+            <a:endParaRPr lang="en-US" altLang="zh-CN" sz="2000" dirty="0" smtClean="0"/>
+          </a:p>
+          <a:p>
+            <a:endParaRPr lang="en-US" altLang="zh-CN" sz="2000" dirty="0" smtClean="0"/>
+          </a:p>
+          <a:p>
+            <a:r>
+              <a:rPr lang="zh-CN" altLang="en-US" sz="2000" dirty="0" smtClean="0"/>
+              <a:t>我甚至可以去实现</a:t>
+            </a:r>
+            <a:r>
+              <a:rPr lang="en-US" altLang="zh-CN" sz="2000" dirty="0" smtClean="0"/>
+              <a:t>OpenGL</a:t>
+            </a:r>
+            <a:r>
+              <a:rPr lang="zh-CN" altLang="en-US" sz="2000" dirty="0" smtClean="0"/>
+              <a:t>、</a:t>
+            </a:r>
+            <a:r>
+              <a:rPr lang="en-US" altLang="zh-CN" sz="2000" dirty="0" smtClean="0"/>
+              <a:t>DX</a:t>
+            </a:r>
+            <a:r>
+              <a:rPr lang="zh-CN" altLang="en-US" sz="2000" dirty="0" smtClean="0"/>
+              <a:t>！</a:t>
+            </a:r>
+            <a:endParaRPr lang="zh-CN" altLang="en-US" sz="2000" dirty="0"/>
+          </a:p>
+        </p:txBody>
+      </p:sp>
+    </p:spTree>
+    <p:extLst>
+      <p:ext uri="{BB962C8B-B14F-4D97-AF65-F5344CB8AC3E}">
+        <p14:creationId xmlns:p14="http://schemas.microsoft.com/office/powerpoint/2010/main" val="3086224481"/>
+      </p:ext>
+    </p:extLst>
+  </p:cSld>
+  <p:clrMapOvr>
+    <a:masterClrMapping/>
+  </p:clrMapOvr>
+</p:sld>
+</file>
+
+<file path=ppt/slides/slide40.xml><?xml version="1.0" encoding="utf-8"?>
 <p:sld xmlns:a="http://schemas.openxmlformats.org/drawingml/2006/main" xmlns:r="http://schemas.openxmlformats.org/officeDocument/2006/relationships" xmlns:p="http://schemas.openxmlformats.org/presentationml/2006/main">
   <p:cSld>
     <p:spTree>
@@ -15128,7 +16079,7 @@
 </p:sld>
 </file>
 
-<file path=ppt/slides/slide39.xml><?xml version="1.0" encoding="utf-8"?>
+<file path=ppt/slides/slide41.xml><?xml version="1.0" encoding="utf-8"?>
 <p:sld xmlns:a="http://schemas.openxmlformats.org/drawingml/2006/main" xmlns:r="http://schemas.openxmlformats.org/officeDocument/2006/relationships" xmlns:p="http://schemas.openxmlformats.org/presentationml/2006/main">
   <p:cSld>
     <p:spTree>
@@ -15411,7 +16362,7 @@
 </p:sld>
 </file>
 
-<file path=ppt/slides/slide4.xml><?xml version="1.0" encoding="utf-8"?>
+<file path=ppt/slides/slide42.xml><?xml version="1.0" encoding="utf-8"?>
 <p:sld xmlns:a="http://schemas.openxmlformats.org/drawingml/2006/main" xmlns:r="http://schemas.openxmlformats.org/officeDocument/2006/relationships" xmlns:p="http://schemas.openxmlformats.org/presentationml/2006/main">
   <p:cSld>
     <p:spTree>
@@ -15445,194 +16396,6 @@
           <a:p>
             <a:r>
               <a:rPr lang="zh-CN" altLang="en-US" dirty="0" smtClean="0"/>
-              <a:t>目的与意义</a:t>
-            </a:r>
-            <a:endParaRPr lang="zh-CN" altLang="en-US" dirty="0"/>
-          </a:p>
-        </p:txBody>
-      </p:sp>
-      <p:sp>
-        <p:nvSpPr>
-          <p:cNvPr id="3" name="内容占位符 2"/>
-          <p:cNvSpPr>
-            <a:spLocks noGrp="1"/>
-          </p:cNvSpPr>
-          <p:nvPr>
-            <p:ph idx="1"/>
-          </p:nvPr>
-        </p:nvSpPr>
-        <p:spPr/>
-        <p:txBody>
-          <a:bodyPr>
-            <a:normAutofit/>
-          </a:bodyPr>
-          <a:lstStyle/>
-          <a:p>
-            <a:r>
-              <a:rPr lang="zh-CN" altLang="en-US" sz="2000" dirty="0" smtClean="0"/>
-              <a:t>虽然如今的</a:t>
-            </a:r>
-            <a:r>
-              <a:rPr lang="en-US" altLang="zh-CN" sz="2000" dirty="0" smtClean="0"/>
-              <a:t>GPU</a:t>
-            </a:r>
-            <a:r>
-              <a:rPr lang="zh-CN" altLang="en-US" sz="2000" dirty="0" smtClean="0"/>
-              <a:t>能力已经十分发达，并且目前也几乎没有游戏引擎用软件的方式去完成渲染。但学习软件渲染过程却可以让我们在使用如</a:t>
-            </a:r>
-            <a:r>
-              <a:rPr lang="en-US" altLang="zh-CN" sz="2000" dirty="0" smtClean="0"/>
-              <a:t>OpenGL</a:t>
-            </a:r>
-            <a:r>
-              <a:rPr lang="zh-CN" altLang="en-US" sz="2000" dirty="0" smtClean="0"/>
-              <a:t>时知道他都为我们做了什么和我们为什么要这样写程序。</a:t>
-            </a:r>
-            <a:endParaRPr lang="en-US" altLang="zh-CN" sz="2000" dirty="0" smtClean="0"/>
-          </a:p>
-          <a:p>
-            <a:endParaRPr lang="en-US" altLang="zh-CN" sz="2000" dirty="0" smtClean="0"/>
-          </a:p>
-          <a:p>
-            <a:r>
-              <a:rPr lang="zh-CN" altLang="en-US" sz="2000" dirty="0" smtClean="0"/>
-              <a:t>对软件渲染有一定了解后，更快的学习硬件渲染技术，无论是</a:t>
-            </a:r>
-            <a:r>
-              <a:rPr lang="en-US" altLang="zh-CN" sz="2000" dirty="0" smtClean="0"/>
-              <a:t>OpenGL</a:t>
-            </a:r>
-            <a:r>
-              <a:rPr lang="zh-CN" altLang="en-US" sz="2000" dirty="0" smtClean="0"/>
-              <a:t>、</a:t>
-            </a:r>
-            <a:r>
-              <a:rPr lang="en-US" altLang="zh-CN" sz="2000" dirty="0" smtClean="0"/>
-              <a:t>DX</a:t>
-            </a:r>
-            <a:r>
-              <a:rPr lang="zh-CN" altLang="en-US" sz="2000" dirty="0" smtClean="0"/>
-              <a:t>或是</a:t>
-            </a:r>
-            <a:r>
-              <a:rPr lang="en-US" altLang="zh-CN" sz="2000" dirty="0" smtClean="0"/>
-              <a:t>Metal</a:t>
-            </a:r>
-            <a:r>
-              <a:rPr lang="zh-CN" altLang="en-US" sz="2000" dirty="0" smtClean="0"/>
-              <a:t>，其底层原理基本相同。</a:t>
-            </a:r>
-            <a:endParaRPr lang="en-US" altLang="zh-CN" sz="2000" dirty="0" smtClean="0"/>
-          </a:p>
-          <a:p>
-            <a:endParaRPr lang="en-US" altLang="zh-CN" sz="2000" dirty="0" smtClean="0"/>
-          </a:p>
-          <a:p>
-            <a:r>
-              <a:rPr lang="zh-CN" altLang="en-US" sz="2000" dirty="0" smtClean="0"/>
-              <a:t>在没有</a:t>
-            </a:r>
-            <a:r>
-              <a:rPr lang="en-US" altLang="zh-CN" sz="2000" dirty="0" smtClean="0"/>
-              <a:t>OpenGL</a:t>
-            </a:r>
-            <a:r>
-              <a:rPr lang="zh-CN" altLang="en-US" sz="2000" dirty="0" smtClean="0"/>
-              <a:t>、</a:t>
-            </a:r>
-            <a:r>
-              <a:rPr lang="en-US" altLang="zh-CN" sz="2000" dirty="0" smtClean="0"/>
-              <a:t>DX</a:t>
-            </a:r>
-            <a:r>
-              <a:rPr lang="zh-CN" altLang="en-US" sz="2000" dirty="0" smtClean="0"/>
-              <a:t>知识的情况下也能实现</a:t>
-            </a:r>
-            <a:r>
-              <a:rPr lang="en-US" altLang="zh-CN" sz="2000" dirty="0" smtClean="0"/>
-              <a:t>3D</a:t>
-            </a:r>
-            <a:r>
-              <a:rPr lang="zh-CN" altLang="en-US" sz="2000" dirty="0" smtClean="0"/>
-              <a:t>渲染。</a:t>
-            </a:r>
-            <a:endParaRPr lang="en-US" altLang="zh-CN" sz="2000" dirty="0" smtClean="0"/>
-          </a:p>
-          <a:p>
-            <a:endParaRPr lang="en-US" altLang="zh-CN" sz="2000" dirty="0" smtClean="0"/>
-          </a:p>
-          <a:p>
-            <a:r>
-              <a:rPr lang="zh-CN" altLang="en-US" sz="2000" dirty="0" smtClean="0"/>
-              <a:t>我甚至可以去实现</a:t>
-            </a:r>
-            <a:r>
-              <a:rPr lang="en-US" altLang="zh-CN" sz="2000" dirty="0" smtClean="0"/>
-              <a:t>OpenGL</a:t>
-            </a:r>
-            <a:r>
-              <a:rPr lang="zh-CN" altLang="en-US" sz="2000" dirty="0" smtClean="0"/>
-              <a:t>、</a:t>
-            </a:r>
-            <a:r>
-              <a:rPr lang="en-US" altLang="zh-CN" sz="2000" dirty="0" smtClean="0"/>
-              <a:t>DX</a:t>
-            </a:r>
-            <a:r>
-              <a:rPr lang="zh-CN" altLang="en-US" sz="2000" dirty="0" smtClean="0"/>
-              <a:t>！</a:t>
-            </a:r>
-            <a:endParaRPr lang="zh-CN" altLang="en-US" sz="2000" dirty="0"/>
-          </a:p>
-        </p:txBody>
-      </p:sp>
-    </p:spTree>
-    <p:extLst>
-      <p:ext uri="{BB962C8B-B14F-4D97-AF65-F5344CB8AC3E}">
-        <p14:creationId xmlns:p14="http://schemas.microsoft.com/office/powerpoint/2010/main" val="3086224481"/>
-      </p:ext>
-    </p:extLst>
-  </p:cSld>
-  <p:clrMapOvr>
-    <a:masterClrMapping/>
-  </p:clrMapOvr>
-</p:sld>
-</file>
-
-<file path=ppt/slides/slide40.xml><?xml version="1.0" encoding="utf-8"?>
-<p:sld xmlns:a="http://schemas.openxmlformats.org/drawingml/2006/main" xmlns:r="http://schemas.openxmlformats.org/officeDocument/2006/relationships" xmlns:p="http://schemas.openxmlformats.org/presentationml/2006/main">
-  <p:cSld>
-    <p:spTree>
-      <p:nvGrpSpPr>
-        <p:cNvPr id="1" name=""/>
-        <p:cNvGrpSpPr/>
-        <p:nvPr/>
-      </p:nvGrpSpPr>
-      <p:grpSpPr>
-        <a:xfrm>
-          <a:off x="0" y="0"/>
-          <a:ext cx="0" cy="0"/>
-          <a:chOff x="0" y="0"/>
-          <a:chExt cx="0" cy="0"/>
-        </a:xfrm>
-      </p:grpSpPr>
-      <p:sp>
-        <p:nvSpPr>
-          <p:cNvPr id="2" name="标题 1"/>
-          <p:cNvSpPr>
-            <a:spLocks noGrp="1"/>
-          </p:cNvSpPr>
-          <p:nvPr>
-            <p:ph type="title"/>
-          </p:nvPr>
-        </p:nvSpPr>
-        <p:spPr/>
-        <p:txBody>
-          <a:bodyPr/>
-          <a:lstStyle/>
-          <a:p>
-            <a:r>
-              <a:rPr lang="zh-CN" altLang="en-US" dirty="0" smtClean="0"/>
               <a:t>纹理映射（后续）</a:t>
             </a:r>
             <a:endParaRPr lang="zh-CN" altLang="en-US" dirty="0"/>
@@ -15710,7 +16473,7 @@
 </p:sld>
 </file>
 
-<file path=ppt/slides/slide41.xml><?xml version="1.0" encoding="utf-8"?>
+<file path=ppt/slides/slide43.xml><?xml version="1.0" encoding="utf-8"?>
 <p:sld xmlns:a="http://schemas.openxmlformats.org/drawingml/2006/main" xmlns:r="http://schemas.openxmlformats.org/officeDocument/2006/relationships" xmlns:p="http://schemas.openxmlformats.org/presentationml/2006/main">
   <p:cSld>
     <p:spTree>
@@ -16092,7 +16855,7 @@
 </p:sld>
 </file>
 
-<file path=ppt/slides/slide42.xml><?xml version="1.0" encoding="utf-8"?>
+<file path=ppt/slides/slide44.xml><?xml version="1.0" encoding="utf-8"?>
 <p:sld xmlns:a="http://schemas.openxmlformats.org/drawingml/2006/main" xmlns:r="http://schemas.openxmlformats.org/officeDocument/2006/relationships" xmlns:p="http://schemas.openxmlformats.org/presentationml/2006/main">
   <p:cSld>
     <p:spTree>
@@ -16232,7 +16995,7 @@
 </p:sld>
 </file>
 
-<file path=ppt/slides/slide43.xml><?xml version="1.0" encoding="utf-8"?>
+<file path=ppt/slides/slide45.xml><?xml version="1.0" encoding="utf-8"?>
 <p:sld xmlns:a="http://schemas.openxmlformats.org/drawingml/2006/main" xmlns:r="http://schemas.openxmlformats.org/officeDocument/2006/relationships" xmlns:p="http://schemas.openxmlformats.org/presentationml/2006/main">
   <p:cSld>
     <p:spTree>
@@ -16382,7 +17145,7 @@
 </p:sld>
 </file>
 
-<file path=ppt/slides/slide44.xml><?xml version="1.0" encoding="utf-8"?>
+<file path=ppt/slides/slide46.xml><?xml version="1.0" encoding="utf-8"?>
 <p:sld xmlns:a="http://schemas.openxmlformats.org/drawingml/2006/main" xmlns:r="http://schemas.openxmlformats.org/officeDocument/2006/relationships" xmlns:p="http://schemas.openxmlformats.org/presentationml/2006/main">
   <p:cSld>
     <p:spTree>
@@ -16555,7 +17318,7 @@
 </p:sld>
 </file>
 
-<file path=ppt/slides/slide45.xml><?xml version="1.0" encoding="utf-8"?>
+<file path=ppt/slides/slide47.xml><?xml version="1.0" encoding="utf-8"?>
 <p:sld xmlns:a="http://schemas.openxmlformats.org/drawingml/2006/main" xmlns:r="http://schemas.openxmlformats.org/officeDocument/2006/relationships" xmlns:p="http://schemas.openxmlformats.org/presentationml/2006/main">
   <p:cSld>
     <p:spTree>
@@ -16730,7 +17493,7 @@
 </p:sld>
 </file>
 
-<file path=ppt/slides/slide46.xml><?xml version="1.0" encoding="utf-8"?>
+<file path=ppt/slides/slide48.xml><?xml version="1.0" encoding="utf-8"?>
 <p:sld xmlns:a="http://schemas.openxmlformats.org/drawingml/2006/main" xmlns:r="http://schemas.openxmlformats.org/officeDocument/2006/relationships" xmlns:p="http://schemas.openxmlformats.org/presentationml/2006/main">
   <p:cSld>
     <p:spTree>
@@ -16960,7 +17723,7 @@
 </p:sld>
 </file>
 
-<file path=ppt/slides/slide47.xml><?xml version="1.0" encoding="utf-8"?>
+<file path=ppt/slides/slide49.xml><?xml version="1.0" encoding="utf-8"?>
 <p:sld xmlns:a="http://schemas.openxmlformats.org/drawingml/2006/main" xmlns:r="http://schemas.openxmlformats.org/officeDocument/2006/relationships" xmlns:p="http://schemas.openxmlformats.org/presentationml/2006/main">
   <p:cSld>
     <p:spTree>
@@ -17091,346 +17854,6 @@
     <p:extLst>
       <p:ext uri="{BB962C8B-B14F-4D97-AF65-F5344CB8AC3E}">
         <p14:creationId xmlns:p14="http://schemas.microsoft.com/office/powerpoint/2010/main" val="1882074163"/>
-      </p:ext>
-    </p:extLst>
-  </p:cSld>
-  <p:clrMapOvr>
-    <a:masterClrMapping/>
-  </p:clrMapOvr>
-</p:sld>
-</file>
-
-<file path=ppt/slides/slide48.xml><?xml version="1.0" encoding="utf-8"?>
-<p:sld xmlns:a="http://schemas.openxmlformats.org/drawingml/2006/main" xmlns:r="http://schemas.openxmlformats.org/officeDocument/2006/relationships" xmlns:p="http://schemas.openxmlformats.org/presentationml/2006/main">
-  <p:cSld>
-    <p:spTree>
-      <p:nvGrpSpPr>
-        <p:cNvPr id="1" name=""/>
-        <p:cNvGrpSpPr/>
-        <p:nvPr/>
-      </p:nvGrpSpPr>
-      <p:grpSpPr>
-        <a:xfrm>
-          <a:off x="0" y="0"/>
-          <a:ext cx="0" cy="0"/>
-          <a:chOff x="0" y="0"/>
-          <a:chExt cx="0" cy="0"/>
-        </a:xfrm>
-      </p:grpSpPr>
-      <p:sp>
-        <p:nvSpPr>
-          <p:cNvPr id="2" name="标题 1"/>
-          <p:cNvSpPr>
-            <a:spLocks noGrp="1"/>
-          </p:cNvSpPr>
-          <p:nvPr>
-            <p:ph type="title"/>
-          </p:nvPr>
-        </p:nvSpPr>
-        <p:spPr/>
-        <p:txBody>
-          <a:bodyPr/>
-          <a:lstStyle/>
-          <a:p>
-            <a:r>
-              <a:rPr lang="zh-CN" altLang="en-US" dirty="0" smtClean="0"/>
-              <a:t>高级光照技术</a:t>
-            </a:r>
-            <a:endParaRPr lang="zh-CN" altLang="en-US" dirty="0"/>
-          </a:p>
-        </p:txBody>
-      </p:sp>
-      <p:sp>
-        <p:nvSpPr>
-          <p:cNvPr id="3" name="内容占位符 2"/>
-          <p:cNvSpPr>
-            <a:spLocks noGrp="1"/>
-          </p:cNvSpPr>
-          <p:nvPr>
-            <p:ph idx="1"/>
-          </p:nvPr>
-        </p:nvSpPr>
-        <p:spPr/>
-        <p:txBody>
-          <a:bodyPr/>
-          <a:lstStyle/>
-          <a:p>
-            <a:r>
-              <a:rPr lang="zh-CN" altLang="en-US" dirty="0" smtClean="0"/>
-              <a:t>辐射度算法（</a:t>
-            </a:r>
-            <a:r>
-              <a:rPr lang="en-US" altLang="zh-CN" dirty="0" err="1" smtClean="0"/>
-              <a:t>Radiosity</a:t>
-            </a:r>
-            <a:r>
-              <a:rPr lang="zh-CN" altLang="en-US" dirty="0" smtClean="0"/>
-              <a:t>）</a:t>
-            </a:r>
-            <a:endParaRPr lang="en-US" altLang="zh-CN" dirty="0" smtClean="0"/>
-          </a:p>
-          <a:p>
-            <a:pPr marL="0" indent="0">
-              <a:buNone/>
-            </a:pPr>
-            <a:endParaRPr lang="en-US" altLang="zh-CN" sz="2000" dirty="0"/>
-          </a:p>
-          <a:p>
-            <a:pPr marL="0" indent="0">
-              <a:buNone/>
-            </a:pPr>
-            <a:r>
-              <a:rPr lang="zh-CN" altLang="en-US" sz="2000" dirty="0" smtClean="0"/>
-              <a:t>辐射度方法是基于物理</a:t>
-            </a:r>
-            <a:endParaRPr lang="en-US" altLang="zh-CN" sz="2000" dirty="0" smtClean="0"/>
-          </a:p>
-          <a:p>
-            <a:pPr marL="0" indent="0">
-              <a:buNone/>
-            </a:pPr>
-            <a:r>
-              <a:rPr lang="zh-CN" altLang="en-US" sz="2000" dirty="0" smtClean="0"/>
-              <a:t>学的能量平衡原理，它</a:t>
-            </a:r>
-            <a:endParaRPr lang="en-US" altLang="zh-CN" sz="2000" dirty="0" smtClean="0"/>
-          </a:p>
-          <a:p>
-            <a:pPr marL="0" indent="0">
-              <a:buNone/>
-            </a:pPr>
-            <a:r>
-              <a:rPr lang="zh-CN" altLang="en-US" sz="2000" dirty="0" smtClean="0"/>
-              <a:t>采用数值求解来近似</a:t>
-            </a:r>
-            <a:endParaRPr lang="en-US" altLang="zh-CN" sz="2000" dirty="0" smtClean="0"/>
-          </a:p>
-          <a:p>
-            <a:pPr marL="0" indent="0">
-              <a:buNone/>
-            </a:pPr>
-            <a:r>
-              <a:rPr lang="zh-CN" altLang="en-US" sz="2000" dirty="0" smtClean="0"/>
-              <a:t>每一个景物表面的辐射</a:t>
-            </a:r>
-            <a:endParaRPr lang="en-US" altLang="zh-CN" sz="2000" dirty="0" smtClean="0"/>
-          </a:p>
-          <a:p>
-            <a:pPr marL="0" indent="0">
-              <a:buNone/>
-            </a:pPr>
-            <a:r>
-              <a:rPr lang="zh-CN" altLang="en-US" sz="2000" dirty="0" smtClean="0"/>
-              <a:t>度分步。</a:t>
-            </a:r>
-            <a:endParaRPr lang="zh-CN" altLang="en-US" sz="2000" dirty="0"/>
-          </a:p>
-        </p:txBody>
-      </p:sp>
-      <p:pic>
-        <p:nvPicPr>
-          <p:cNvPr id="5" name="Picture 2"/>
-          <p:cNvPicPr>
-            <a:picLocks noChangeAspect="1" noChangeArrowheads="1"/>
-          </p:cNvPicPr>
-          <p:nvPr/>
-        </p:nvPicPr>
-        <p:blipFill>
-          <a:blip r:embed="rId2">
-            <a:extLst>
-              <a:ext uri="{28A0092B-C50C-407E-A947-70E740481C1C}">
-                <a14:useLocalDpi xmlns:a14="http://schemas.microsoft.com/office/drawing/2010/main" val="0"/>
-              </a:ext>
-            </a:extLst>
-          </a:blip>
-          <a:srcRect/>
-          <a:stretch>
-            <a:fillRect/>
-          </a:stretch>
-        </p:blipFill>
-        <p:spPr bwMode="auto">
-          <a:xfrm>
-            <a:off x="3563888" y="2420888"/>
-            <a:ext cx="4948213" cy="3061754"/>
-          </a:xfrm>
-          <a:prstGeom prst="rect">
-            <a:avLst/>
-          </a:prstGeom>
-          <a:noFill/>
-          <a:ln>
-            <a:noFill/>
-          </a:ln>
-          <a:effectLst/>
-          <a:extLst>
-            <a:ext uri="{909E8E84-426E-40DD-AFC4-6F175D3DCCD1}">
-              <a14:hiddenFill xmlns:a14="http://schemas.microsoft.com/office/drawing/2010/main">
-                <a:solidFill>
-                  <a:schemeClr val="accent1"/>
-                </a:solidFill>
-              </a14:hiddenFill>
-            </a:ext>
-            <a:ext uri="{91240B29-F687-4F45-9708-019B960494DF}">
-              <a14:hiddenLine xmlns:a14="http://schemas.microsoft.com/office/drawing/2010/main" w="9525">
-                <a:solidFill>
-                  <a:schemeClr val="tx1"/>
-                </a:solidFill>
-                <a:miter lim="800000"/>
-                <a:headEnd/>
-                <a:tailEnd/>
-              </a14:hiddenLine>
-            </a:ext>
-            <a:ext uri="{AF507438-7753-43E0-B8FC-AC1667EBCBE1}">
-              <a14:hiddenEffects xmlns:a14="http://schemas.microsoft.com/office/drawing/2010/main">
-                <a:effectLst>
-                  <a:outerShdw dist="35921" dir="2700000" algn="ctr" rotWithShape="0">
-                    <a:schemeClr val="bg2"/>
-                  </a:outerShdw>
-                </a:effectLst>
-              </a14:hiddenEffects>
-            </a:ext>
-          </a:extLst>
-        </p:spPr>
-      </p:pic>
-    </p:spTree>
-    <p:extLst>
-      <p:ext uri="{BB962C8B-B14F-4D97-AF65-F5344CB8AC3E}">
-        <p14:creationId xmlns:p14="http://schemas.microsoft.com/office/powerpoint/2010/main" val="3694269472"/>
-      </p:ext>
-    </p:extLst>
-  </p:cSld>
-  <p:clrMapOvr>
-    <a:masterClrMapping/>
-  </p:clrMapOvr>
-</p:sld>
-</file>
-
-<file path=ppt/slides/slide49.xml><?xml version="1.0" encoding="utf-8"?>
-<p:sld xmlns:a="http://schemas.openxmlformats.org/drawingml/2006/main" xmlns:r="http://schemas.openxmlformats.org/officeDocument/2006/relationships" xmlns:p="http://schemas.openxmlformats.org/presentationml/2006/main">
-  <p:cSld>
-    <p:spTree>
-      <p:nvGrpSpPr>
-        <p:cNvPr id="1" name=""/>
-        <p:cNvGrpSpPr/>
-        <p:nvPr/>
-      </p:nvGrpSpPr>
-      <p:grpSpPr>
-        <a:xfrm>
-          <a:off x="0" y="0"/>
-          <a:ext cx="0" cy="0"/>
-          <a:chOff x="0" y="0"/>
-          <a:chExt cx="0" cy="0"/>
-        </a:xfrm>
-      </p:grpSpPr>
-      <p:sp>
-        <p:nvSpPr>
-          <p:cNvPr id="2" name="标题 1"/>
-          <p:cNvSpPr>
-            <a:spLocks noGrp="1"/>
-          </p:cNvSpPr>
-          <p:nvPr>
-            <p:ph type="title"/>
-          </p:nvPr>
-        </p:nvSpPr>
-        <p:spPr/>
-        <p:txBody>
-          <a:bodyPr/>
-          <a:lstStyle/>
-          <a:p>
-            <a:r>
-              <a:rPr lang="zh-CN" altLang="en-US" dirty="0" smtClean="0"/>
-              <a:t>后续</a:t>
-            </a:r>
-            <a:endParaRPr lang="zh-CN" altLang="en-US" dirty="0"/>
-          </a:p>
-        </p:txBody>
-      </p:sp>
-      <p:sp>
-        <p:nvSpPr>
-          <p:cNvPr id="3" name="内容占位符 2"/>
-          <p:cNvSpPr>
-            <a:spLocks noGrp="1"/>
-          </p:cNvSpPr>
-          <p:nvPr>
-            <p:ph idx="1"/>
-          </p:nvPr>
-        </p:nvSpPr>
-        <p:spPr/>
-        <p:txBody>
-          <a:bodyPr/>
-          <a:lstStyle/>
-          <a:p>
-            <a:r>
-              <a:rPr lang="zh-CN" altLang="en-US" dirty="0" smtClean="0"/>
-              <a:t>交互式计算机图形学</a:t>
-            </a:r>
-            <a:r>
-              <a:rPr lang="en-US" altLang="zh-CN" dirty="0" smtClean="0"/>
-              <a:t>——</a:t>
-            </a:r>
-            <a:r>
-              <a:rPr lang="zh-CN" altLang="en-US" dirty="0" smtClean="0"/>
-              <a:t>基于</a:t>
-            </a:r>
-            <a:r>
-              <a:rPr lang="en-US" altLang="zh-CN" dirty="0" smtClean="0"/>
-              <a:t>OpenGL</a:t>
-            </a:r>
-            <a:r>
-              <a:rPr lang="zh-CN" altLang="en-US" dirty="0" smtClean="0"/>
-              <a:t>着色器的自顶向下方法</a:t>
-            </a:r>
-            <a:endParaRPr lang="en-US" altLang="zh-CN" dirty="0" smtClean="0"/>
-          </a:p>
-          <a:p>
-            <a:r>
-              <a:rPr lang="en-US" altLang="zh-CN" dirty="0" smtClean="0"/>
-              <a:t>3D</a:t>
-            </a:r>
-            <a:r>
-              <a:rPr lang="zh-CN" altLang="en-US" dirty="0" smtClean="0"/>
-              <a:t>游戏与计算机图形学中的数学方法</a:t>
-            </a:r>
-            <a:endParaRPr lang="en-US" altLang="zh-CN" dirty="0" smtClean="0"/>
-          </a:p>
-          <a:p>
-            <a:r>
-              <a:rPr lang="en-US" altLang="zh-CN" dirty="0"/>
-              <a:t>3D</a:t>
-            </a:r>
-            <a:r>
-              <a:rPr lang="zh-CN" altLang="en-US" dirty="0"/>
-              <a:t>游戏编程大师</a:t>
-            </a:r>
-            <a:r>
-              <a:rPr lang="zh-CN" altLang="en-US" dirty="0" smtClean="0"/>
-              <a:t>技巧</a:t>
-            </a:r>
-            <a:endParaRPr lang="en-US" altLang="zh-CN" dirty="0" smtClean="0"/>
-          </a:p>
-          <a:p>
-            <a:r>
-              <a:rPr lang="en-US" altLang="zh-CN" dirty="0" smtClean="0"/>
-              <a:t>3D</a:t>
-            </a:r>
-            <a:r>
-              <a:rPr lang="zh-CN" altLang="en-US" dirty="0" smtClean="0"/>
-              <a:t>游戏引擎设计：实时计算机图形学的应用方法</a:t>
-            </a:r>
-            <a:endParaRPr lang="en-US" altLang="zh-CN" dirty="0" smtClean="0"/>
-          </a:p>
-          <a:p>
-            <a:r>
-              <a:rPr lang="en-US" altLang="zh-CN" dirty="0"/>
-              <a:t>https://github.com/SeventhMage/MagicX.git/trunk/SoftEngine</a:t>
-            </a:r>
-            <a:endParaRPr lang="en-US" altLang="zh-CN" dirty="0" smtClean="0"/>
-          </a:p>
-        </p:txBody>
-      </p:sp>
-    </p:spTree>
-    <p:extLst>
-      <p:ext uri="{BB962C8B-B14F-4D97-AF65-F5344CB8AC3E}">
-        <p14:creationId xmlns:p14="http://schemas.microsoft.com/office/powerpoint/2010/main" val="1776074022"/>
       </p:ext>
     </p:extLst>
   </p:cSld>
@@ -17648,6 +18071,346 @@
 </file>
 
 <file path=ppt/slides/slide50.xml><?xml version="1.0" encoding="utf-8"?>
+<p:sld xmlns:a="http://schemas.openxmlformats.org/drawingml/2006/main" xmlns:r="http://schemas.openxmlformats.org/officeDocument/2006/relationships" xmlns:p="http://schemas.openxmlformats.org/presentationml/2006/main">
+  <p:cSld>
+    <p:spTree>
+      <p:nvGrpSpPr>
+        <p:cNvPr id="1" name=""/>
+        <p:cNvGrpSpPr/>
+        <p:nvPr/>
+      </p:nvGrpSpPr>
+      <p:grpSpPr>
+        <a:xfrm>
+          <a:off x="0" y="0"/>
+          <a:ext cx="0" cy="0"/>
+          <a:chOff x="0" y="0"/>
+          <a:chExt cx="0" cy="0"/>
+        </a:xfrm>
+      </p:grpSpPr>
+      <p:sp>
+        <p:nvSpPr>
+          <p:cNvPr id="2" name="标题 1"/>
+          <p:cNvSpPr>
+            <a:spLocks noGrp="1"/>
+          </p:cNvSpPr>
+          <p:nvPr>
+            <p:ph type="title"/>
+          </p:nvPr>
+        </p:nvSpPr>
+        <p:spPr/>
+        <p:txBody>
+          <a:bodyPr/>
+          <a:lstStyle/>
+          <a:p>
+            <a:r>
+              <a:rPr lang="zh-CN" altLang="en-US" dirty="0" smtClean="0"/>
+              <a:t>高级光照技术</a:t>
+            </a:r>
+            <a:endParaRPr lang="zh-CN" altLang="en-US" dirty="0"/>
+          </a:p>
+        </p:txBody>
+      </p:sp>
+      <p:sp>
+        <p:nvSpPr>
+          <p:cNvPr id="3" name="内容占位符 2"/>
+          <p:cNvSpPr>
+            <a:spLocks noGrp="1"/>
+          </p:cNvSpPr>
+          <p:nvPr>
+            <p:ph idx="1"/>
+          </p:nvPr>
+        </p:nvSpPr>
+        <p:spPr/>
+        <p:txBody>
+          <a:bodyPr/>
+          <a:lstStyle/>
+          <a:p>
+            <a:r>
+              <a:rPr lang="zh-CN" altLang="en-US" dirty="0" smtClean="0"/>
+              <a:t>辐射度算法（</a:t>
+            </a:r>
+            <a:r>
+              <a:rPr lang="en-US" altLang="zh-CN" dirty="0" err="1" smtClean="0"/>
+              <a:t>Radiosity</a:t>
+            </a:r>
+            <a:r>
+              <a:rPr lang="zh-CN" altLang="en-US" dirty="0" smtClean="0"/>
+              <a:t>）</a:t>
+            </a:r>
+            <a:endParaRPr lang="en-US" altLang="zh-CN" dirty="0" smtClean="0"/>
+          </a:p>
+          <a:p>
+            <a:pPr marL="0" indent="0">
+              <a:buNone/>
+            </a:pPr>
+            <a:endParaRPr lang="en-US" altLang="zh-CN" sz="2000" dirty="0"/>
+          </a:p>
+          <a:p>
+            <a:pPr marL="0" indent="0">
+              <a:buNone/>
+            </a:pPr>
+            <a:r>
+              <a:rPr lang="zh-CN" altLang="en-US" sz="2000" dirty="0" smtClean="0"/>
+              <a:t>辐射度方法是基于物理</a:t>
+            </a:r>
+            <a:endParaRPr lang="en-US" altLang="zh-CN" sz="2000" dirty="0" smtClean="0"/>
+          </a:p>
+          <a:p>
+            <a:pPr marL="0" indent="0">
+              <a:buNone/>
+            </a:pPr>
+            <a:r>
+              <a:rPr lang="zh-CN" altLang="en-US" sz="2000" dirty="0" smtClean="0"/>
+              <a:t>学的能量平衡原理，它</a:t>
+            </a:r>
+            <a:endParaRPr lang="en-US" altLang="zh-CN" sz="2000" dirty="0" smtClean="0"/>
+          </a:p>
+          <a:p>
+            <a:pPr marL="0" indent="0">
+              <a:buNone/>
+            </a:pPr>
+            <a:r>
+              <a:rPr lang="zh-CN" altLang="en-US" sz="2000" dirty="0" smtClean="0"/>
+              <a:t>采用数值求解来近似</a:t>
+            </a:r>
+            <a:endParaRPr lang="en-US" altLang="zh-CN" sz="2000" dirty="0" smtClean="0"/>
+          </a:p>
+          <a:p>
+            <a:pPr marL="0" indent="0">
+              <a:buNone/>
+            </a:pPr>
+            <a:r>
+              <a:rPr lang="zh-CN" altLang="en-US" sz="2000" dirty="0" smtClean="0"/>
+              <a:t>每一个景物表面的辐射</a:t>
+            </a:r>
+            <a:endParaRPr lang="en-US" altLang="zh-CN" sz="2000" dirty="0" smtClean="0"/>
+          </a:p>
+          <a:p>
+            <a:pPr marL="0" indent="0">
+              <a:buNone/>
+            </a:pPr>
+            <a:r>
+              <a:rPr lang="zh-CN" altLang="en-US" sz="2000" dirty="0" smtClean="0"/>
+              <a:t>度分步。</a:t>
+            </a:r>
+            <a:endParaRPr lang="zh-CN" altLang="en-US" sz="2000" dirty="0"/>
+          </a:p>
+        </p:txBody>
+      </p:sp>
+      <p:pic>
+        <p:nvPicPr>
+          <p:cNvPr id="5" name="Picture 2"/>
+          <p:cNvPicPr>
+            <a:picLocks noChangeAspect="1" noChangeArrowheads="1"/>
+          </p:cNvPicPr>
+          <p:nvPr/>
+        </p:nvPicPr>
+        <p:blipFill>
+          <a:blip r:embed="rId2">
+            <a:extLst>
+              <a:ext uri="{28A0092B-C50C-407E-A947-70E740481C1C}">
+                <a14:useLocalDpi xmlns:a14="http://schemas.microsoft.com/office/drawing/2010/main" val="0"/>
+              </a:ext>
+            </a:extLst>
+          </a:blip>
+          <a:srcRect/>
+          <a:stretch>
+            <a:fillRect/>
+          </a:stretch>
+        </p:blipFill>
+        <p:spPr bwMode="auto">
+          <a:xfrm>
+            <a:off x="3563888" y="2420888"/>
+            <a:ext cx="4948213" cy="3061754"/>
+          </a:xfrm>
+          <a:prstGeom prst="rect">
+            <a:avLst/>
+          </a:prstGeom>
+          <a:noFill/>
+          <a:ln>
+            <a:noFill/>
+          </a:ln>
+          <a:effectLst/>
+          <a:extLst>
+            <a:ext uri="{909E8E84-426E-40DD-AFC4-6F175D3DCCD1}">
+              <a14:hiddenFill xmlns:a14="http://schemas.microsoft.com/office/drawing/2010/main">
+                <a:solidFill>
+                  <a:schemeClr val="accent1"/>
+                </a:solidFill>
+              </a14:hiddenFill>
+            </a:ext>
+            <a:ext uri="{91240B29-F687-4F45-9708-019B960494DF}">
+              <a14:hiddenLine xmlns:a14="http://schemas.microsoft.com/office/drawing/2010/main" w="9525">
+                <a:solidFill>
+                  <a:schemeClr val="tx1"/>
+                </a:solidFill>
+                <a:miter lim="800000"/>
+                <a:headEnd/>
+                <a:tailEnd/>
+              </a14:hiddenLine>
+            </a:ext>
+            <a:ext uri="{AF507438-7753-43E0-B8FC-AC1667EBCBE1}">
+              <a14:hiddenEffects xmlns:a14="http://schemas.microsoft.com/office/drawing/2010/main">
+                <a:effectLst>
+                  <a:outerShdw dist="35921" dir="2700000" algn="ctr" rotWithShape="0">
+                    <a:schemeClr val="bg2"/>
+                  </a:outerShdw>
+                </a:effectLst>
+              </a14:hiddenEffects>
+            </a:ext>
+          </a:extLst>
+        </p:spPr>
+      </p:pic>
+    </p:spTree>
+    <p:extLst>
+      <p:ext uri="{BB962C8B-B14F-4D97-AF65-F5344CB8AC3E}">
+        <p14:creationId xmlns:p14="http://schemas.microsoft.com/office/powerpoint/2010/main" val="3694269472"/>
+      </p:ext>
+    </p:extLst>
+  </p:cSld>
+  <p:clrMapOvr>
+    <a:masterClrMapping/>
+  </p:clrMapOvr>
+</p:sld>
+</file>
+
+<file path=ppt/slides/slide51.xml><?xml version="1.0" encoding="utf-8"?>
+<p:sld xmlns:a="http://schemas.openxmlformats.org/drawingml/2006/main" xmlns:r="http://schemas.openxmlformats.org/officeDocument/2006/relationships" xmlns:p="http://schemas.openxmlformats.org/presentationml/2006/main">
+  <p:cSld>
+    <p:spTree>
+      <p:nvGrpSpPr>
+        <p:cNvPr id="1" name=""/>
+        <p:cNvGrpSpPr/>
+        <p:nvPr/>
+      </p:nvGrpSpPr>
+      <p:grpSpPr>
+        <a:xfrm>
+          <a:off x="0" y="0"/>
+          <a:ext cx="0" cy="0"/>
+          <a:chOff x="0" y="0"/>
+          <a:chExt cx="0" cy="0"/>
+        </a:xfrm>
+      </p:grpSpPr>
+      <p:sp>
+        <p:nvSpPr>
+          <p:cNvPr id="2" name="标题 1"/>
+          <p:cNvSpPr>
+            <a:spLocks noGrp="1"/>
+          </p:cNvSpPr>
+          <p:nvPr>
+            <p:ph type="title"/>
+          </p:nvPr>
+        </p:nvSpPr>
+        <p:spPr/>
+        <p:txBody>
+          <a:bodyPr/>
+          <a:lstStyle/>
+          <a:p>
+            <a:r>
+              <a:rPr lang="zh-CN" altLang="en-US" dirty="0" smtClean="0"/>
+              <a:t>后续</a:t>
+            </a:r>
+            <a:endParaRPr lang="zh-CN" altLang="en-US" dirty="0"/>
+          </a:p>
+        </p:txBody>
+      </p:sp>
+      <p:sp>
+        <p:nvSpPr>
+          <p:cNvPr id="3" name="内容占位符 2"/>
+          <p:cNvSpPr>
+            <a:spLocks noGrp="1"/>
+          </p:cNvSpPr>
+          <p:nvPr>
+            <p:ph idx="1"/>
+          </p:nvPr>
+        </p:nvSpPr>
+        <p:spPr/>
+        <p:txBody>
+          <a:bodyPr/>
+          <a:lstStyle/>
+          <a:p>
+            <a:r>
+              <a:rPr lang="zh-CN" altLang="en-US" dirty="0" smtClean="0"/>
+              <a:t>交互式计算机图形学</a:t>
+            </a:r>
+            <a:r>
+              <a:rPr lang="en-US" altLang="zh-CN" dirty="0" smtClean="0"/>
+              <a:t>——</a:t>
+            </a:r>
+            <a:r>
+              <a:rPr lang="zh-CN" altLang="en-US" dirty="0" smtClean="0"/>
+              <a:t>基于</a:t>
+            </a:r>
+            <a:r>
+              <a:rPr lang="en-US" altLang="zh-CN" dirty="0" smtClean="0"/>
+              <a:t>OpenGL</a:t>
+            </a:r>
+            <a:r>
+              <a:rPr lang="zh-CN" altLang="en-US" dirty="0" smtClean="0"/>
+              <a:t>着色器的自顶向下方法</a:t>
+            </a:r>
+            <a:endParaRPr lang="en-US" altLang="zh-CN" dirty="0" smtClean="0"/>
+          </a:p>
+          <a:p>
+            <a:r>
+              <a:rPr lang="en-US" altLang="zh-CN" dirty="0" smtClean="0"/>
+              <a:t>3D</a:t>
+            </a:r>
+            <a:r>
+              <a:rPr lang="zh-CN" altLang="en-US" dirty="0" smtClean="0"/>
+              <a:t>游戏与计算机图形学中的数学方法</a:t>
+            </a:r>
+            <a:endParaRPr lang="en-US" altLang="zh-CN" dirty="0" smtClean="0"/>
+          </a:p>
+          <a:p>
+            <a:r>
+              <a:rPr lang="en-US" altLang="zh-CN" dirty="0"/>
+              <a:t>3D</a:t>
+            </a:r>
+            <a:r>
+              <a:rPr lang="zh-CN" altLang="en-US" dirty="0"/>
+              <a:t>游戏编程大师</a:t>
+            </a:r>
+            <a:r>
+              <a:rPr lang="zh-CN" altLang="en-US" dirty="0" smtClean="0"/>
+              <a:t>技巧</a:t>
+            </a:r>
+            <a:endParaRPr lang="en-US" altLang="zh-CN" dirty="0" smtClean="0"/>
+          </a:p>
+          <a:p>
+            <a:r>
+              <a:rPr lang="en-US" altLang="zh-CN" dirty="0" smtClean="0"/>
+              <a:t>3D</a:t>
+            </a:r>
+            <a:r>
+              <a:rPr lang="zh-CN" altLang="en-US" dirty="0" smtClean="0"/>
+              <a:t>游戏引擎设计：实时计算机图形学的应用方法</a:t>
+            </a:r>
+            <a:endParaRPr lang="en-US" altLang="zh-CN" dirty="0" smtClean="0"/>
+          </a:p>
+          <a:p>
+            <a:r>
+              <a:rPr lang="en-US" altLang="zh-CN" dirty="0"/>
+              <a:t>https://github.com/SeventhMage/MagicX.git/trunk/SoftEngine</a:t>
+            </a:r>
+            <a:endParaRPr lang="en-US" altLang="zh-CN" dirty="0" smtClean="0"/>
+          </a:p>
+        </p:txBody>
+      </p:sp>
+    </p:spTree>
+    <p:extLst>
+      <p:ext uri="{BB962C8B-B14F-4D97-AF65-F5344CB8AC3E}">
+        <p14:creationId xmlns:p14="http://schemas.microsoft.com/office/powerpoint/2010/main" val="1776074022"/>
+      </p:ext>
+    </p:extLst>
+  </p:cSld>
+  <p:clrMapOvr>
+    <a:masterClrMapping/>
+  </p:clrMapOvr>
+</p:sld>
+</file>
+
+<file path=ppt/slides/slide52.xml><?xml version="1.0" encoding="utf-8"?>
 <p:sld xmlns:a="http://schemas.openxmlformats.org/drawingml/2006/main" xmlns:r="http://schemas.openxmlformats.org/officeDocument/2006/relationships" xmlns:p="http://schemas.openxmlformats.org/presentationml/2006/main">
   <p:cSld>
     <p:spTree>

--- a/SoftEngine/doc/SoftwareRender.pptx
+++ b/SoftEngine/doc/SoftwareRender.pptx
@@ -6,7 +6,7 @@
     <p:sldMasterId id="2147483684" r:id="rId2"/>
   </p:sldMasterIdLst>
   <p:notesMasterIdLst>
-    <p:notesMasterId r:id="rId55"/>
+    <p:notesMasterId r:id="rId57"/>
   </p:notesMasterIdLst>
   <p:sldIdLst>
     <p:sldId id="257" r:id="rId3"/>
@@ -48,19 +48,21 @@
     <p:sldId id="291" r:id="rId39"/>
     <p:sldId id="292" r:id="rId40"/>
     <p:sldId id="308" r:id="rId41"/>
-    <p:sldId id="293" r:id="rId42"/>
-    <p:sldId id="294" r:id="rId43"/>
-    <p:sldId id="295" r:id="rId44"/>
-    <p:sldId id="296" r:id="rId45"/>
-    <p:sldId id="297" r:id="rId46"/>
-    <p:sldId id="298" r:id="rId47"/>
-    <p:sldId id="299" r:id="rId48"/>
-    <p:sldId id="300" r:id="rId49"/>
-    <p:sldId id="301" r:id="rId50"/>
-    <p:sldId id="302" r:id="rId51"/>
-    <p:sldId id="303" r:id="rId52"/>
-    <p:sldId id="304" r:id="rId53"/>
-    <p:sldId id="305" r:id="rId54"/>
+    <p:sldId id="309" r:id="rId42"/>
+    <p:sldId id="310" r:id="rId43"/>
+    <p:sldId id="293" r:id="rId44"/>
+    <p:sldId id="294" r:id="rId45"/>
+    <p:sldId id="295" r:id="rId46"/>
+    <p:sldId id="296" r:id="rId47"/>
+    <p:sldId id="297" r:id="rId48"/>
+    <p:sldId id="298" r:id="rId49"/>
+    <p:sldId id="299" r:id="rId50"/>
+    <p:sldId id="300" r:id="rId51"/>
+    <p:sldId id="301" r:id="rId52"/>
+    <p:sldId id="302" r:id="rId53"/>
+    <p:sldId id="303" r:id="rId54"/>
+    <p:sldId id="304" r:id="rId55"/>
+    <p:sldId id="305" r:id="rId56"/>
   </p:sldIdLst>
   <p:sldSz cx="9144000" cy="6858000" type="screen4x3"/>
   <p:notesSz cx="6858000" cy="9144000"/>
@@ -244,7 +246,7 @@
           <a:p>
             <a:fld id="{7FD73F73-AD69-480B-91F2-49106152900A}" type="datetimeFigureOut">
               <a:rPr lang="zh-CN" altLang="en-US" smtClean="0"/>
-              <a:t>2017/7/20</a:t>
+              <a:t>2017/7/21</a:t>
             </a:fld>
             <a:endParaRPr lang="zh-CN" altLang="en-US"/>
           </a:p>
@@ -714,7 +716,7 @@
           <a:p>
             <a:fld id="{2514DD5B-EB48-44C1-916F-AD55A63A68F5}" type="datetimeFigureOut">
               <a:rPr lang="zh-CN" altLang="en-US" smtClean="0"/>
-              <a:t>2017/7/20</a:t>
+              <a:t>2017/7/21</a:t>
             </a:fld>
             <a:endParaRPr lang="zh-CN" altLang="en-US"/>
           </a:p>
@@ -945,7 +947,7 @@
           <a:p>
             <a:fld id="{2514DD5B-EB48-44C1-916F-AD55A63A68F5}" type="datetimeFigureOut">
               <a:rPr lang="zh-CN" altLang="en-US" smtClean="0"/>
-              <a:t>2017/7/20</a:t>
+              <a:t>2017/7/21</a:t>
             </a:fld>
             <a:endParaRPr lang="zh-CN" altLang="en-US"/>
           </a:p>
@@ -1176,7 +1178,7 @@
           <a:p>
             <a:fld id="{2514DD5B-EB48-44C1-916F-AD55A63A68F5}" type="datetimeFigureOut">
               <a:rPr lang="zh-CN" altLang="en-US" smtClean="0"/>
-              <a:t>2017/7/20</a:t>
+              <a:t>2017/7/21</a:t>
             </a:fld>
             <a:endParaRPr lang="zh-CN" altLang="en-US"/>
           </a:p>
@@ -1475,7 +1477,7 @@
               <a:pPr>
                 <a:defRPr/>
               </a:pPr>
-              <a:t>2017/7/20</a:t>
+              <a:t>2017/7/21</a:t>
             </a:fld>
             <a:endParaRPr lang="zh-CN" altLang="en-US"/>
           </a:p>
@@ -1721,7 +1723,7 @@
               <a:pPr>
                 <a:defRPr/>
               </a:pPr>
-              <a:t>2017/7/20</a:t>
+              <a:t>2017/7/21</a:t>
             </a:fld>
             <a:endParaRPr lang="zh-CN" altLang="en-US"/>
           </a:p>
@@ -2033,7 +2035,7 @@
               <a:pPr>
                 <a:defRPr/>
               </a:pPr>
-              <a:t>2017/7/20</a:t>
+              <a:t>2017/7/21</a:t>
             </a:fld>
             <a:endParaRPr lang="zh-CN" altLang="en-US"/>
           </a:p>
@@ -2395,7 +2397,7 @@
               <a:pPr>
                 <a:defRPr/>
               </a:pPr>
-              <a:t>2017/7/20</a:t>
+              <a:t>2017/7/21</a:t>
             </a:fld>
             <a:endParaRPr lang="zh-CN" altLang="en-US"/>
           </a:p>
@@ -2897,7 +2899,7 @@
               <a:pPr>
                 <a:defRPr/>
               </a:pPr>
-              <a:t>2017/7/20</a:t>
+              <a:t>2017/7/21</a:t>
             </a:fld>
             <a:endParaRPr lang="zh-CN" altLang="en-US"/>
           </a:p>
@@ -3083,7 +3085,7 @@
               <a:pPr>
                 <a:defRPr/>
               </a:pPr>
-              <a:t>2017/7/20</a:t>
+              <a:t>2017/7/21</a:t>
             </a:fld>
             <a:endParaRPr lang="zh-CN" altLang="en-US"/>
           </a:p>
@@ -3238,7 +3240,7 @@
               <a:pPr>
                 <a:defRPr/>
               </a:pPr>
-              <a:t>2017/7/20</a:t>
+              <a:t>2017/7/21</a:t>
             </a:fld>
             <a:endParaRPr lang="zh-CN" altLang="en-US"/>
           </a:p>
@@ -3584,7 +3586,7 @@
               <a:pPr>
                 <a:defRPr/>
               </a:pPr>
-              <a:t>2017/7/20</a:t>
+              <a:t>2017/7/21</a:t>
             </a:fld>
             <a:endParaRPr lang="zh-CN" altLang="en-US"/>
           </a:p>
@@ -3824,7 +3826,7 @@
           <a:p>
             <a:fld id="{2514DD5B-EB48-44C1-916F-AD55A63A68F5}" type="datetimeFigureOut">
               <a:rPr lang="zh-CN" altLang="en-US" smtClean="0"/>
-              <a:t>2017/7/20</a:t>
+              <a:t>2017/7/21</a:t>
             </a:fld>
             <a:endParaRPr lang="zh-CN" altLang="en-US"/>
           </a:p>
@@ -4141,7 +4143,7 @@
               <a:pPr>
                 <a:defRPr/>
               </a:pPr>
-              <a:t>2017/7/20</a:t>
+              <a:t>2017/7/21</a:t>
             </a:fld>
             <a:endParaRPr lang="zh-CN" altLang="en-US"/>
           </a:p>
@@ -4387,7 +4389,7 @@
               <a:pPr>
                 <a:defRPr/>
               </a:pPr>
-              <a:t>2017/7/20</a:t>
+              <a:t>2017/7/21</a:t>
             </a:fld>
             <a:endParaRPr lang="zh-CN" altLang="en-US"/>
           </a:p>
@@ -4633,7 +4635,7 @@
               <a:pPr>
                 <a:defRPr/>
               </a:pPr>
-              <a:t>2017/7/20</a:t>
+              <a:t>2017/7/21</a:t>
             </a:fld>
             <a:endParaRPr lang="zh-CN" altLang="en-US"/>
           </a:p>
@@ -4939,7 +4941,7 @@
           <a:p>
             <a:fld id="{2514DD5B-EB48-44C1-916F-AD55A63A68F5}" type="datetimeFigureOut">
               <a:rPr lang="zh-CN" altLang="en-US" smtClean="0"/>
-              <a:t>2017/7/20</a:t>
+              <a:t>2017/7/21</a:t>
             </a:fld>
             <a:endParaRPr lang="zh-CN" altLang="en-US"/>
           </a:p>
@@ -5286,7 +5288,7 @@
           <a:p>
             <a:fld id="{2514DD5B-EB48-44C1-916F-AD55A63A68F5}" type="datetimeFigureOut">
               <a:rPr lang="zh-CN" altLang="en-US" smtClean="0"/>
-              <a:t>2017/7/20</a:t>
+              <a:t>2017/7/21</a:t>
             </a:fld>
             <a:endParaRPr lang="zh-CN" altLang="en-US"/>
           </a:p>
@@ -5773,7 +5775,7 @@
           <a:p>
             <a:fld id="{2514DD5B-EB48-44C1-916F-AD55A63A68F5}" type="datetimeFigureOut">
               <a:rPr lang="zh-CN" altLang="en-US" smtClean="0"/>
-              <a:t>2017/7/20</a:t>
+              <a:t>2017/7/21</a:t>
             </a:fld>
             <a:endParaRPr lang="zh-CN" altLang="en-US"/>
           </a:p>
@@ -5944,7 +5946,7 @@
           <a:p>
             <a:fld id="{2514DD5B-EB48-44C1-916F-AD55A63A68F5}" type="datetimeFigureOut">
               <a:rPr lang="zh-CN" altLang="en-US" smtClean="0"/>
-              <a:t>2017/7/20</a:t>
+              <a:t>2017/7/21</a:t>
             </a:fld>
             <a:endParaRPr lang="zh-CN" altLang="en-US"/>
           </a:p>
@@ -6084,7 +6086,7 @@
           <a:p>
             <a:fld id="{2514DD5B-EB48-44C1-916F-AD55A63A68F5}" type="datetimeFigureOut">
               <a:rPr lang="zh-CN" altLang="en-US" smtClean="0"/>
-              <a:t>2017/7/20</a:t>
+              <a:t>2017/7/21</a:t>
             </a:fld>
             <a:endParaRPr lang="zh-CN" altLang="en-US"/>
           </a:p>
@@ -6415,7 +6417,7 @@
           <a:p>
             <a:fld id="{2514DD5B-EB48-44C1-916F-AD55A63A68F5}" type="datetimeFigureOut">
               <a:rPr lang="zh-CN" altLang="en-US" smtClean="0"/>
-              <a:t>2017/7/20</a:t>
+              <a:t>2017/7/21</a:t>
             </a:fld>
             <a:endParaRPr lang="zh-CN" altLang="en-US"/>
           </a:p>
@@ -6726,7 +6728,7 @@
           <a:p>
             <a:fld id="{2514DD5B-EB48-44C1-916F-AD55A63A68F5}" type="datetimeFigureOut">
               <a:rPr lang="zh-CN" altLang="en-US" smtClean="0"/>
-              <a:t>2017/7/20</a:t>
+              <a:t>2017/7/21</a:t>
             </a:fld>
             <a:endParaRPr lang="zh-CN" altLang="en-US"/>
           </a:p>
@@ -10151,7 +10153,7 @@
         <p:spPr/>
         <p:txBody>
           <a:bodyPr>
-            <a:normAutofit fontScale="62500" lnSpcReduction="20000"/>
+            <a:normAutofit fontScale="55000" lnSpcReduction="20000"/>
           </a:bodyPr>
           <a:lstStyle/>
           <a:p>
@@ -10233,6 +10235,13 @@
             <a:r>
               <a:rPr lang="zh-CN" altLang="en-US" dirty="0" smtClean="0"/>
               <a:t>深度缓存</a:t>
+            </a:r>
+            <a:endParaRPr lang="en-US" altLang="zh-CN" dirty="0" smtClean="0"/>
+          </a:p>
+          <a:p>
+            <a:r>
+              <a:rPr lang="zh-CN" altLang="en-US" dirty="0" smtClean="0"/>
+              <a:t>顶点属性</a:t>
             </a:r>
             <a:endParaRPr lang="en-US" altLang="zh-CN" dirty="0" smtClean="0"/>
           </a:p>
@@ -11916,7 +11925,11 @@
             </a:r>
             <a:r>
               <a:rPr lang="zh-CN" altLang="en-US" sz="2000" dirty="0" smtClean="0"/>
-              <a:t>中都除了以</a:t>
+              <a:t>中</a:t>
+            </a:r>
+            <a:r>
+              <a:rPr lang="zh-CN" altLang="en-US" sz="2000" dirty="0" smtClean="0"/>
+              <a:t>都有除以</a:t>
             </a:r>
             <a:r>
               <a:rPr lang="en-US" altLang="zh-CN" sz="2000" dirty="0" smtClean="0"/>
@@ -11928,11 +11941,7 @@
             </a:r>
             <a:r>
               <a:rPr lang="zh-CN" altLang="en-US" sz="2000" dirty="0" smtClean="0"/>
-              <a:t>，</a:t>
-            </a:r>
-            <a:r>
-              <a:rPr lang="zh-CN" altLang="en-US" sz="2000" dirty="0" smtClean="0"/>
-              <a:t>最后的坐标转化为齐次坐标形式为：</a:t>
+              <a:t>，最后的坐标转化为齐次坐标形式为：</a:t>
             </a:r>
             <a:endParaRPr lang="en-US" altLang="zh-CN" sz="2000" dirty="0" smtClean="0"/>
           </a:p>
@@ -14925,11 +14934,7 @@
             </a:pPr>
             <a:r>
               <a:rPr lang="zh-CN" altLang="en-US" sz="2000" dirty="0" smtClean="0"/>
-              <a:t>线段可表示</a:t>
-            </a:r>
-            <a:r>
-              <a:rPr lang="zh-CN" altLang="en-US" sz="2000" dirty="0" smtClean="0"/>
-              <a:t>：</a:t>
+              <a:t>线段可表示：</a:t>
             </a:r>
             <a:r>
               <a:rPr lang="en-US" altLang="zh-CN" sz="2000" dirty="0" smtClean="0"/>
@@ -14941,15 +14946,7 @@
             </a:r>
             <a:r>
               <a:rPr lang="en-US" altLang="zh-CN" sz="2000" dirty="0" smtClean="0"/>
-              <a:t>c </a:t>
-            </a:r>
-            <a:r>
-              <a:rPr lang="en-US" altLang="zh-CN" sz="2000" dirty="0" smtClean="0"/>
-              <a:t>!= </a:t>
-            </a:r>
-            <a:r>
-              <a:rPr lang="en-US" altLang="zh-CN" sz="2000" dirty="0" smtClean="0"/>
-              <a:t>0</a:t>
+              <a:t>c != 0</a:t>
             </a:r>
             <a:r>
               <a:rPr lang="zh-CN" altLang="en-US" sz="2000" dirty="0" smtClean="0"/>
@@ -14975,11 +14972,7 @@
             </a:pPr>
             <a:r>
               <a:rPr lang="zh-CN" altLang="en-US" sz="2000" dirty="0" smtClean="0"/>
-              <a:t>投影平面</a:t>
-            </a:r>
-            <a:r>
-              <a:rPr lang="zh-CN" altLang="en-US" sz="2000" dirty="0" smtClean="0"/>
-              <a:t>上的一点</a:t>
+              <a:t>投影平面上的一点</a:t>
             </a:r>
             <a:r>
               <a:rPr lang="en-US" altLang="zh-CN" sz="2000" dirty="0" smtClean="0"/>
@@ -15887,6 +15880,587 @@
           <a:p>
             <a:r>
               <a:rPr lang="zh-CN" altLang="en-US" dirty="0" smtClean="0"/>
+              <a:t>顶点属性</a:t>
+            </a:r>
+            <a:endParaRPr lang="zh-CN" altLang="en-US" dirty="0"/>
+          </a:p>
+        </p:txBody>
+      </p:sp>
+      <p:sp>
+        <p:nvSpPr>
+          <p:cNvPr id="3" name="内容占位符 2"/>
+          <p:cNvSpPr>
+            <a:spLocks noGrp="1"/>
+          </p:cNvSpPr>
+          <p:nvPr>
+            <p:ph idx="1"/>
+          </p:nvPr>
+        </p:nvSpPr>
+        <p:spPr/>
+        <p:txBody>
+          <a:bodyPr/>
+          <a:lstStyle/>
+          <a:p>
+            <a:r>
+              <a:rPr lang="zh-CN" altLang="en-US" sz="2000" dirty="0" smtClean="0"/>
+              <a:t>通常每个顶点携带了如颜色、纹理坐标等信息，对一条线段进行光栅化时，每个顶点属性都要进行插值计算。线段两端的深度值是</a:t>
+            </a:r>
+            <a:r>
+              <a:rPr lang="en-US" altLang="zh-CN" sz="2000" dirty="0" smtClean="0"/>
+              <a:t>z1</a:t>
+            </a:r>
+            <a:r>
+              <a:rPr lang="zh-CN" altLang="en-US" sz="2000" dirty="0"/>
+              <a:t>和</a:t>
+            </a:r>
+            <a:r>
+              <a:rPr lang="en-US" altLang="zh-CN" sz="2000" dirty="0" smtClean="0"/>
+              <a:t>z2</a:t>
+            </a:r>
+            <a:r>
+              <a:rPr lang="zh-CN" altLang="en-US" sz="2000" dirty="0" smtClean="0"/>
+              <a:t>，属性值</a:t>
+            </a:r>
+            <a:r>
+              <a:rPr lang="en-US" altLang="zh-CN" sz="2000" dirty="0" smtClean="0"/>
+              <a:t>b1</a:t>
+            </a:r>
+            <a:r>
+              <a:rPr lang="zh-CN" altLang="en-US" sz="2000" dirty="0" smtClean="0"/>
+              <a:t>，</a:t>
+            </a:r>
+            <a:r>
+              <a:rPr lang="en-US" altLang="zh-CN" sz="2000" dirty="0" smtClean="0"/>
+              <a:t>b2</a:t>
+            </a:r>
+            <a:r>
+              <a:rPr lang="zh-CN" altLang="en-US" sz="2000" dirty="0" smtClean="0"/>
+              <a:t>，插值点的深度为</a:t>
+            </a:r>
+            <a:r>
+              <a:rPr lang="en-US" altLang="zh-CN" sz="2000" dirty="0" smtClean="0"/>
+              <a:t>z3</a:t>
+            </a:r>
+            <a:r>
+              <a:rPr lang="zh-CN" altLang="en-US" sz="2000" dirty="0" smtClean="0"/>
+              <a:t>，属性值</a:t>
+            </a:r>
+            <a:r>
+              <a:rPr lang="en-US" altLang="zh-CN" sz="2000" dirty="0" smtClean="0"/>
+              <a:t>b3</a:t>
+            </a:r>
+            <a:r>
+              <a:rPr lang="zh-CN" altLang="en-US" sz="2000" dirty="0" smtClean="0"/>
+              <a:t>，则满足</a:t>
+            </a:r>
+            <a:r>
+              <a:rPr lang="zh-CN" altLang="en-US" dirty="0" smtClean="0"/>
+              <a:t>：</a:t>
+            </a:r>
+            <a:endParaRPr lang="en-US" altLang="zh-CN" dirty="0" smtClean="0"/>
+          </a:p>
+          <a:p>
+            <a:pPr marL="0" indent="0">
+              <a:buNone/>
+            </a:pPr>
+            <a:r>
+              <a:rPr lang="en-US" altLang="zh-CN" dirty="0"/>
+              <a:t>	</a:t>
+            </a:r>
+            <a:endParaRPr lang="en-US" altLang="zh-CN" dirty="0" smtClean="0"/>
+          </a:p>
+          <a:p>
+            <a:pPr marL="0" indent="0">
+              <a:buNone/>
+            </a:pPr>
+            <a:r>
+              <a:rPr lang="zh-CN" altLang="en-US" sz="2000" dirty="0" smtClean="0"/>
+              <a:t>带入下面</a:t>
+            </a:r>
+            <a:r>
+              <a:rPr lang="en-US" altLang="zh-CN" sz="2000" dirty="0" smtClean="0"/>
+              <a:t>z3</a:t>
+            </a:r>
+            <a:r>
+              <a:rPr lang="zh-CN" altLang="en-US" sz="2000" dirty="0" smtClean="0"/>
+              <a:t>的值：</a:t>
+            </a:r>
+            <a:endParaRPr lang="en-US" altLang="zh-CN" sz="2000" dirty="0" smtClean="0"/>
+          </a:p>
+          <a:p>
+            <a:pPr marL="0" indent="0">
+              <a:buNone/>
+            </a:pPr>
+            <a:endParaRPr lang="en-US" altLang="zh-CN" sz="2000" dirty="0"/>
+          </a:p>
+          <a:p>
+            <a:pPr marL="0" indent="0">
+              <a:buNone/>
+            </a:pPr>
+            <a:endParaRPr lang="en-US" altLang="zh-CN" sz="2000" dirty="0" smtClean="0"/>
+          </a:p>
+          <a:p>
+            <a:pPr marL="0" indent="0">
+              <a:buNone/>
+            </a:pPr>
+            <a:endParaRPr lang="en-US" altLang="zh-CN" sz="2000" dirty="0"/>
+          </a:p>
+          <a:p>
+            <a:pPr marL="0" indent="0">
+              <a:buNone/>
+            </a:pPr>
+            <a:r>
+              <a:rPr lang="zh-CN" altLang="en-US" sz="2000" dirty="0" smtClean="0"/>
+              <a:t>得到：</a:t>
+            </a:r>
+            <a:endParaRPr lang="en-US" altLang="zh-CN" sz="2000" dirty="0"/>
+          </a:p>
+        </p:txBody>
+      </p:sp>
+      <p:pic>
+        <p:nvPicPr>
+          <p:cNvPr id="1026" name="Picture 2"/>
+          <p:cNvPicPr>
+            <a:picLocks noChangeAspect="1" noChangeArrowheads="1"/>
+          </p:cNvPicPr>
+          <p:nvPr/>
+        </p:nvPicPr>
+        <p:blipFill>
+          <a:blip r:embed="rId2">
+            <a:extLst>
+              <a:ext uri="{28A0092B-C50C-407E-A947-70E740481C1C}">
+                <a14:useLocalDpi xmlns:a14="http://schemas.microsoft.com/office/drawing/2010/main" val="0"/>
+              </a:ext>
+            </a:extLst>
+          </a:blip>
+          <a:srcRect/>
+          <a:stretch>
+            <a:fillRect/>
+          </a:stretch>
+        </p:blipFill>
+        <p:spPr bwMode="auto">
+          <a:xfrm>
+            <a:off x="1619672" y="2709292"/>
+            <a:ext cx="1609725" cy="647700"/>
+          </a:xfrm>
+          <a:prstGeom prst="rect">
+            <a:avLst/>
+          </a:prstGeom>
+          <a:noFill/>
+          <a:ln>
+            <a:noFill/>
+          </a:ln>
+          <a:effectLst/>
+          <a:extLst>
+            <a:ext uri="{909E8E84-426E-40DD-AFC4-6F175D3DCCD1}">
+              <a14:hiddenFill xmlns:a14="http://schemas.microsoft.com/office/drawing/2010/main">
+                <a:solidFill>
+                  <a:schemeClr val="accent1"/>
+                </a:solidFill>
+              </a14:hiddenFill>
+            </a:ext>
+            <a:ext uri="{91240B29-F687-4F45-9708-019B960494DF}">
+              <a14:hiddenLine xmlns:a14="http://schemas.microsoft.com/office/drawing/2010/main" w="9525">
+                <a:solidFill>
+                  <a:schemeClr val="tx1"/>
+                </a:solidFill>
+                <a:miter lim="800000"/>
+                <a:headEnd/>
+                <a:tailEnd/>
+              </a14:hiddenLine>
+            </a:ext>
+            <a:ext uri="{AF507438-7753-43E0-B8FC-AC1667EBCBE1}">
+              <a14:hiddenEffects xmlns:a14="http://schemas.microsoft.com/office/drawing/2010/main">
+                <a:effectLst>
+                  <a:outerShdw dist="35921" dir="2700000" algn="ctr" rotWithShape="0">
+                    <a:schemeClr val="bg2"/>
+                  </a:outerShdw>
+                </a:effectLst>
+              </a14:hiddenEffects>
+            </a:ext>
+          </a:extLst>
+        </p:spPr>
+      </p:pic>
+      <p:pic>
+        <p:nvPicPr>
+          <p:cNvPr id="1027" name="Picture 3"/>
+          <p:cNvPicPr>
+            <a:picLocks noChangeAspect="1" noChangeArrowheads="1"/>
+          </p:cNvPicPr>
+          <p:nvPr/>
+        </p:nvPicPr>
+        <p:blipFill>
+          <a:blip r:embed="rId3">
+            <a:extLst>
+              <a:ext uri="{28A0092B-C50C-407E-A947-70E740481C1C}">
+                <a14:useLocalDpi xmlns:a14="http://schemas.microsoft.com/office/drawing/2010/main" val="0"/>
+              </a:ext>
+            </a:extLst>
+          </a:blip>
+          <a:srcRect/>
+          <a:stretch>
+            <a:fillRect/>
+          </a:stretch>
+        </p:blipFill>
+        <p:spPr bwMode="auto">
+          <a:xfrm>
+            <a:off x="1619672" y="3789040"/>
+            <a:ext cx="1828800" cy="866775"/>
+          </a:xfrm>
+          <a:prstGeom prst="rect">
+            <a:avLst/>
+          </a:prstGeom>
+          <a:noFill/>
+          <a:ln>
+            <a:noFill/>
+          </a:ln>
+          <a:effectLst/>
+          <a:extLst>
+            <a:ext uri="{909E8E84-426E-40DD-AFC4-6F175D3DCCD1}">
+              <a14:hiddenFill xmlns:a14="http://schemas.microsoft.com/office/drawing/2010/main">
+                <a:solidFill>
+                  <a:schemeClr val="accent1"/>
+                </a:solidFill>
+              </a14:hiddenFill>
+            </a:ext>
+            <a:ext uri="{91240B29-F687-4F45-9708-019B960494DF}">
+              <a14:hiddenLine xmlns:a14="http://schemas.microsoft.com/office/drawing/2010/main" w="9525">
+                <a:solidFill>
+                  <a:schemeClr val="tx1"/>
+                </a:solidFill>
+                <a:miter lim="800000"/>
+                <a:headEnd/>
+                <a:tailEnd/>
+              </a14:hiddenLine>
+            </a:ext>
+            <a:ext uri="{AF507438-7753-43E0-B8FC-AC1667EBCBE1}">
+              <a14:hiddenEffects xmlns:a14="http://schemas.microsoft.com/office/drawing/2010/main">
+                <a:effectLst>
+                  <a:outerShdw dist="35921" dir="2700000" algn="ctr" rotWithShape="0">
+                    <a:schemeClr val="bg2"/>
+                  </a:outerShdw>
+                </a:effectLst>
+              </a14:hiddenEffects>
+            </a:ext>
+          </a:extLst>
+        </p:spPr>
+      </p:pic>
+      <p:pic>
+        <p:nvPicPr>
+          <p:cNvPr id="1028" name="Picture 4"/>
+          <p:cNvPicPr>
+            <a:picLocks noChangeAspect="1" noChangeArrowheads="1"/>
+          </p:cNvPicPr>
+          <p:nvPr/>
+        </p:nvPicPr>
+        <p:blipFill>
+          <a:blip r:embed="rId4">
+            <a:extLst>
+              <a:ext uri="{28A0092B-C50C-407E-A947-70E740481C1C}">
+                <a14:useLocalDpi xmlns:a14="http://schemas.microsoft.com/office/drawing/2010/main" val="0"/>
+              </a:ext>
+            </a:extLst>
+          </a:blip>
+          <a:srcRect/>
+          <a:stretch>
+            <a:fillRect/>
+          </a:stretch>
+        </p:blipFill>
+        <p:spPr bwMode="auto">
+          <a:xfrm>
+            <a:off x="1619672" y="5229200"/>
+            <a:ext cx="2095500" cy="666750"/>
+          </a:xfrm>
+          <a:prstGeom prst="rect">
+            <a:avLst/>
+          </a:prstGeom>
+          <a:noFill/>
+          <a:ln>
+            <a:noFill/>
+          </a:ln>
+          <a:effectLst/>
+          <a:extLst>
+            <a:ext uri="{909E8E84-426E-40DD-AFC4-6F175D3DCCD1}">
+              <a14:hiddenFill xmlns:a14="http://schemas.microsoft.com/office/drawing/2010/main">
+                <a:solidFill>
+                  <a:schemeClr val="accent1"/>
+                </a:solidFill>
+              </a14:hiddenFill>
+            </a:ext>
+            <a:ext uri="{91240B29-F687-4F45-9708-019B960494DF}">
+              <a14:hiddenLine xmlns:a14="http://schemas.microsoft.com/office/drawing/2010/main" w="9525">
+                <a:solidFill>
+                  <a:schemeClr val="tx1"/>
+                </a:solidFill>
+                <a:miter lim="800000"/>
+                <a:headEnd/>
+                <a:tailEnd/>
+              </a14:hiddenLine>
+            </a:ext>
+            <a:ext uri="{AF507438-7753-43E0-B8FC-AC1667EBCBE1}">
+              <a14:hiddenEffects xmlns:a14="http://schemas.microsoft.com/office/drawing/2010/main">
+                <a:effectLst>
+                  <a:outerShdw dist="35921" dir="2700000" algn="ctr" rotWithShape="0">
+                    <a:schemeClr val="bg2"/>
+                  </a:outerShdw>
+                </a:effectLst>
+              </a14:hiddenEffects>
+            </a:ext>
+          </a:extLst>
+        </p:spPr>
+      </p:pic>
+    </p:spTree>
+    <p:extLst>
+      <p:ext uri="{BB962C8B-B14F-4D97-AF65-F5344CB8AC3E}">
+        <p14:creationId xmlns:p14="http://schemas.microsoft.com/office/powerpoint/2010/main" val="3855910949"/>
+      </p:ext>
+    </p:extLst>
+  </p:cSld>
+  <p:clrMapOvr>
+    <a:masterClrMapping/>
+  </p:clrMapOvr>
+</p:sld>
+</file>
+
+<file path=ppt/slides/slide41.xml><?xml version="1.0" encoding="utf-8"?>
+<p:sld xmlns:a="http://schemas.openxmlformats.org/drawingml/2006/main" xmlns:r="http://schemas.openxmlformats.org/officeDocument/2006/relationships" xmlns:p="http://schemas.openxmlformats.org/presentationml/2006/main">
+  <p:cSld>
+    <p:spTree>
+      <p:nvGrpSpPr>
+        <p:cNvPr id="1" name=""/>
+        <p:cNvGrpSpPr/>
+        <p:nvPr/>
+      </p:nvGrpSpPr>
+      <p:grpSpPr>
+        <a:xfrm>
+          <a:off x="0" y="0"/>
+          <a:ext cx="0" cy="0"/>
+          <a:chOff x="0" y="0"/>
+          <a:chExt cx="0" cy="0"/>
+        </a:xfrm>
+      </p:grpSpPr>
+      <p:sp>
+        <p:nvSpPr>
+          <p:cNvPr id="2" name="标题 1"/>
+          <p:cNvSpPr>
+            <a:spLocks noGrp="1"/>
+          </p:cNvSpPr>
+          <p:nvPr>
+            <p:ph type="title"/>
+          </p:nvPr>
+        </p:nvSpPr>
+        <p:spPr/>
+        <p:txBody>
+          <a:bodyPr/>
+          <a:lstStyle/>
+          <a:p>
+            <a:r>
+              <a:rPr lang="zh-CN" altLang="en-US" dirty="0" smtClean="0"/>
+              <a:t>顶点属性</a:t>
+            </a:r>
+            <a:endParaRPr lang="zh-CN" altLang="en-US" dirty="0"/>
+          </a:p>
+        </p:txBody>
+      </p:sp>
+      <p:sp>
+        <p:nvSpPr>
+          <p:cNvPr id="3" name="内容占位符 2"/>
+          <p:cNvSpPr>
+            <a:spLocks noGrp="1"/>
+          </p:cNvSpPr>
+          <p:nvPr>
+            <p:ph idx="1"/>
+          </p:nvPr>
+        </p:nvSpPr>
+        <p:spPr/>
+        <p:txBody>
+          <a:bodyPr/>
+          <a:lstStyle/>
+          <a:p>
+            <a:pPr marL="0" indent="0">
+              <a:buNone/>
+            </a:pPr>
+            <a:r>
+              <a:rPr lang="zh-CN" altLang="en-US" sz="2000" dirty="0" smtClean="0"/>
+              <a:t>分子分母同时除以</a:t>
+            </a:r>
+            <a:r>
+              <a:rPr lang="en-US" altLang="zh-CN" sz="2000" dirty="0" smtClean="0"/>
+              <a:t>z1z2</a:t>
+            </a:r>
+            <a:r>
+              <a:rPr lang="zh-CN" altLang="en-US" sz="2000" dirty="0" smtClean="0"/>
+              <a:t>得：</a:t>
+            </a:r>
+            <a:endParaRPr lang="en-US" altLang="zh-CN" sz="2000" dirty="0" smtClean="0"/>
+          </a:p>
+          <a:p>
+            <a:pPr marL="0" indent="0">
+              <a:buNone/>
+            </a:pPr>
+            <a:endParaRPr lang="en-US" altLang="zh-CN" sz="2000" dirty="0" smtClean="0"/>
+          </a:p>
+          <a:p>
+            <a:pPr marL="0" indent="0">
+              <a:buNone/>
+            </a:pPr>
+            <a:endParaRPr lang="en-US" altLang="zh-CN" sz="2000" dirty="0"/>
+          </a:p>
+          <a:p>
+            <a:pPr marL="0" indent="0">
+              <a:buNone/>
+            </a:pPr>
+            <a:endParaRPr lang="en-US" altLang="zh-CN" sz="2000" dirty="0" smtClean="0"/>
+          </a:p>
+          <a:p>
+            <a:pPr marL="0" indent="0">
+              <a:buNone/>
+            </a:pPr>
+            <a:endParaRPr lang="en-US" altLang="zh-CN" sz="2000" dirty="0"/>
+          </a:p>
+          <a:p>
+            <a:pPr marL="0" indent="0">
+              <a:buNone/>
+            </a:pPr>
+            <a:endParaRPr lang="en-US" altLang="zh-CN" sz="2000" dirty="0" smtClean="0"/>
+          </a:p>
+          <a:p>
+            <a:pPr marL="0" indent="0">
+              <a:buNone/>
+            </a:pPr>
+            <a:endParaRPr lang="en-US" altLang="zh-CN" sz="2000" dirty="0"/>
+          </a:p>
+          <a:p>
+            <a:pPr marL="0" indent="0">
+              <a:buNone/>
+            </a:pPr>
+            <a:r>
+              <a:rPr lang="zh-CN" altLang="en-US" sz="2000" dirty="0" smtClean="0"/>
+              <a:t>这表明，任意顶点属性除以</a:t>
+            </a:r>
+            <a:r>
+              <a:rPr lang="en-US" altLang="zh-CN" sz="2000" dirty="0" smtClean="0"/>
+              <a:t>z</a:t>
+            </a:r>
+            <a:r>
+              <a:rPr lang="zh-CN" altLang="en-US" sz="2000" dirty="0" smtClean="0"/>
+              <a:t>值可以进行线性插值计算。</a:t>
+            </a:r>
+            <a:endParaRPr lang="zh-CN" altLang="en-US" sz="2000" dirty="0"/>
+          </a:p>
+        </p:txBody>
+      </p:sp>
+      <p:pic>
+        <p:nvPicPr>
+          <p:cNvPr id="2050" name="Picture 2"/>
+          <p:cNvPicPr>
+            <a:picLocks noChangeAspect="1" noChangeArrowheads="1"/>
+          </p:cNvPicPr>
+          <p:nvPr/>
+        </p:nvPicPr>
+        <p:blipFill>
+          <a:blip r:embed="rId2">
+            <a:extLst>
+              <a:ext uri="{28A0092B-C50C-407E-A947-70E740481C1C}">
+                <a14:useLocalDpi xmlns:a14="http://schemas.microsoft.com/office/drawing/2010/main" val="0"/>
+              </a:ext>
+            </a:extLst>
+          </a:blip>
+          <a:srcRect/>
+          <a:stretch>
+            <a:fillRect/>
+          </a:stretch>
+        </p:blipFill>
+        <p:spPr bwMode="auto">
+          <a:xfrm>
+            <a:off x="1547664" y="2060848"/>
+            <a:ext cx="2247900" cy="1819275"/>
+          </a:xfrm>
+          <a:prstGeom prst="rect">
+            <a:avLst/>
+          </a:prstGeom>
+          <a:noFill/>
+          <a:ln>
+            <a:noFill/>
+          </a:ln>
+          <a:effectLst/>
+          <a:extLst>
+            <a:ext uri="{909E8E84-426E-40DD-AFC4-6F175D3DCCD1}">
+              <a14:hiddenFill xmlns:a14="http://schemas.microsoft.com/office/drawing/2010/main">
+                <a:solidFill>
+                  <a:schemeClr val="accent1"/>
+                </a:solidFill>
+              </a14:hiddenFill>
+            </a:ext>
+            <a:ext uri="{91240B29-F687-4F45-9708-019B960494DF}">
+              <a14:hiddenLine xmlns:a14="http://schemas.microsoft.com/office/drawing/2010/main" w="9525">
+                <a:solidFill>
+                  <a:schemeClr val="tx1"/>
+                </a:solidFill>
+                <a:miter lim="800000"/>
+                <a:headEnd/>
+                <a:tailEnd/>
+              </a14:hiddenLine>
+            </a:ext>
+            <a:ext uri="{AF507438-7753-43E0-B8FC-AC1667EBCBE1}">
+              <a14:hiddenEffects xmlns:a14="http://schemas.microsoft.com/office/drawing/2010/main">
+                <a:effectLst>
+                  <a:outerShdw dist="35921" dir="2700000" algn="ctr" rotWithShape="0">
+                    <a:schemeClr val="bg2"/>
+                  </a:outerShdw>
+                </a:effectLst>
+              </a14:hiddenEffects>
+            </a:ext>
+          </a:extLst>
+        </p:spPr>
+      </p:pic>
+    </p:spTree>
+    <p:extLst>
+      <p:ext uri="{BB962C8B-B14F-4D97-AF65-F5344CB8AC3E}">
+        <p14:creationId xmlns:p14="http://schemas.microsoft.com/office/powerpoint/2010/main" val="4215942374"/>
+      </p:ext>
+    </p:extLst>
+  </p:cSld>
+  <p:clrMapOvr>
+    <a:masterClrMapping/>
+  </p:clrMapOvr>
+</p:sld>
+</file>
+
+<file path=ppt/slides/slide42.xml><?xml version="1.0" encoding="utf-8"?>
+<p:sld xmlns:a="http://schemas.openxmlformats.org/drawingml/2006/main" xmlns:r="http://schemas.openxmlformats.org/officeDocument/2006/relationships" xmlns:p="http://schemas.openxmlformats.org/presentationml/2006/main">
+  <p:cSld>
+    <p:spTree>
+      <p:nvGrpSpPr>
+        <p:cNvPr id="1" name=""/>
+        <p:cNvGrpSpPr/>
+        <p:nvPr/>
+      </p:nvGrpSpPr>
+      <p:grpSpPr>
+        <a:xfrm>
+          <a:off x="0" y="0"/>
+          <a:ext cx="0" cy="0"/>
+          <a:chOff x="0" y="0"/>
+          <a:chExt cx="0" cy="0"/>
+        </a:xfrm>
+      </p:grpSpPr>
+      <p:sp>
+        <p:nvSpPr>
+          <p:cNvPr id="2" name="标题 1"/>
+          <p:cNvSpPr>
+            <a:spLocks noGrp="1"/>
+          </p:cNvSpPr>
+          <p:nvPr>
+            <p:ph type="title"/>
+          </p:nvPr>
+        </p:nvSpPr>
+        <p:spPr/>
+        <p:txBody>
+          <a:bodyPr/>
+          <a:lstStyle/>
+          <a:p>
+            <a:r>
+              <a:rPr lang="zh-CN" altLang="en-US" dirty="0" smtClean="0"/>
               <a:t>纹理映射</a:t>
             </a:r>
             <a:endParaRPr lang="zh-CN" altLang="en-US" dirty="0"/>
@@ -16079,7 +16653,7 @@
 </p:sld>
 </file>
 
-<file path=ppt/slides/slide41.xml><?xml version="1.0" encoding="utf-8"?>
+<file path=ppt/slides/slide43.xml><?xml version="1.0" encoding="utf-8"?>
 <p:sld xmlns:a="http://schemas.openxmlformats.org/drawingml/2006/main" xmlns:r="http://schemas.openxmlformats.org/officeDocument/2006/relationships" xmlns:p="http://schemas.openxmlformats.org/presentationml/2006/main">
   <p:cSld>
     <p:spTree>
@@ -16362,7 +16936,7 @@
 </p:sld>
 </file>
 
-<file path=ppt/slides/slide42.xml><?xml version="1.0" encoding="utf-8"?>
+<file path=ppt/slides/slide44.xml><?xml version="1.0" encoding="utf-8"?>
 <p:sld xmlns:a="http://schemas.openxmlformats.org/drawingml/2006/main" xmlns:r="http://schemas.openxmlformats.org/officeDocument/2006/relationships" xmlns:p="http://schemas.openxmlformats.org/presentationml/2006/main">
   <p:cSld>
     <p:spTree>
@@ -16454,7 +17028,18 @@
           <a:p>
             <a:r>
               <a:rPr lang="zh-CN" altLang="en-US" dirty="0" smtClean="0"/>
-              <a:t>环境映射</a:t>
+              <a:t>环境</a:t>
+            </a:r>
+            <a:r>
+              <a:rPr lang="zh-CN" altLang="en-US" dirty="0" smtClean="0"/>
+              <a:t>映射</a:t>
+            </a:r>
+            <a:endParaRPr lang="en-US" altLang="zh-CN" dirty="0" smtClean="0"/>
+          </a:p>
+          <a:p>
+            <a:r>
+              <a:rPr lang="zh-CN" altLang="en-US" dirty="0" smtClean="0"/>
+              <a:t>立方体映射</a:t>
             </a:r>
             <a:endParaRPr lang="zh-CN" altLang="en-US" dirty="0"/>
           </a:p>
@@ -16473,7 +17058,7 @@
 </p:sld>
 </file>
 
-<file path=ppt/slides/slide43.xml><?xml version="1.0" encoding="utf-8"?>
+<file path=ppt/slides/slide45.xml><?xml version="1.0" encoding="utf-8"?>
 <p:sld xmlns:a="http://schemas.openxmlformats.org/drawingml/2006/main" xmlns:r="http://schemas.openxmlformats.org/officeDocument/2006/relationships" xmlns:p="http://schemas.openxmlformats.org/presentationml/2006/main">
   <p:cSld>
     <p:spTree>
@@ -16855,7 +17440,7 @@
 </p:sld>
 </file>
 
-<file path=ppt/slides/slide44.xml><?xml version="1.0" encoding="utf-8"?>
+<file path=ppt/slides/slide46.xml><?xml version="1.0" encoding="utf-8"?>
 <p:sld xmlns:a="http://schemas.openxmlformats.org/drawingml/2006/main" xmlns:r="http://schemas.openxmlformats.org/officeDocument/2006/relationships" xmlns:p="http://schemas.openxmlformats.org/presentationml/2006/main">
   <p:cSld>
     <p:spTree>
@@ -16995,7 +17580,7 @@
 </p:sld>
 </file>
 
-<file path=ppt/slides/slide45.xml><?xml version="1.0" encoding="utf-8"?>
+<file path=ppt/slides/slide47.xml><?xml version="1.0" encoding="utf-8"?>
 <p:sld xmlns:a="http://schemas.openxmlformats.org/drawingml/2006/main" xmlns:r="http://schemas.openxmlformats.org/officeDocument/2006/relationships" xmlns:p="http://schemas.openxmlformats.org/presentationml/2006/main">
   <p:cSld>
     <p:spTree>
@@ -17145,7 +17730,7 @@
 </p:sld>
 </file>
 
-<file path=ppt/slides/slide46.xml><?xml version="1.0" encoding="utf-8"?>
+<file path=ppt/slides/slide48.xml><?xml version="1.0" encoding="utf-8"?>
 <p:sld xmlns:a="http://schemas.openxmlformats.org/drawingml/2006/main" xmlns:r="http://schemas.openxmlformats.org/officeDocument/2006/relationships" xmlns:p="http://schemas.openxmlformats.org/presentationml/2006/main">
   <p:cSld>
     <p:spTree>
@@ -17318,7 +17903,7 @@
 </p:sld>
 </file>
 
-<file path=ppt/slides/slide47.xml><?xml version="1.0" encoding="utf-8"?>
+<file path=ppt/slides/slide49.xml><?xml version="1.0" encoding="utf-8"?>
 <p:sld xmlns:a="http://schemas.openxmlformats.org/drawingml/2006/main" xmlns:r="http://schemas.openxmlformats.org/officeDocument/2006/relationships" xmlns:p="http://schemas.openxmlformats.org/presentationml/2006/main">
   <p:cSld>
     <p:spTree>
@@ -17484,376 +18069,6 @@
     <p:extLst>
       <p:ext uri="{BB962C8B-B14F-4D97-AF65-F5344CB8AC3E}">
         <p14:creationId xmlns:p14="http://schemas.microsoft.com/office/powerpoint/2010/main" val="1235565615"/>
-      </p:ext>
-    </p:extLst>
-  </p:cSld>
-  <p:clrMapOvr>
-    <a:masterClrMapping/>
-  </p:clrMapOvr>
-</p:sld>
-</file>
-
-<file path=ppt/slides/slide48.xml><?xml version="1.0" encoding="utf-8"?>
-<p:sld xmlns:a="http://schemas.openxmlformats.org/drawingml/2006/main" xmlns:r="http://schemas.openxmlformats.org/officeDocument/2006/relationships" xmlns:p="http://schemas.openxmlformats.org/presentationml/2006/main">
-  <p:cSld>
-    <p:spTree>
-      <p:nvGrpSpPr>
-        <p:cNvPr id="1" name=""/>
-        <p:cNvGrpSpPr/>
-        <p:nvPr/>
-      </p:nvGrpSpPr>
-      <p:grpSpPr>
-        <a:xfrm>
-          <a:off x="0" y="0"/>
-          <a:ext cx="0" cy="0"/>
-          <a:chOff x="0" y="0"/>
-          <a:chExt cx="0" cy="0"/>
-        </a:xfrm>
-      </p:grpSpPr>
-      <p:sp>
-        <p:nvSpPr>
-          <p:cNvPr id="2" name="标题 1"/>
-          <p:cNvSpPr>
-            <a:spLocks noGrp="1"/>
-          </p:cNvSpPr>
-          <p:nvPr>
-            <p:ph type="title"/>
-          </p:nvPr>
-        </p:nvSpPr>
-        <p:spPr/>
-        <p:txBody>
-          <a:bodyPr/>
-          <a:lstStyle/>
-          <a:p>
-            <a:r>
-              <a:rPr lang="zh-CN" altLang="en-US" dirty="0" smtClean="0"/>
-              <a:t>高级光照技术</a:t>
-            </a:r>
-            <a:endParaRPr lang="zh-CN" altLang="en-US" dirty="0"/>
-          </a:p>
-        </p:txBody>
-      </p:sp>
-      <p:sp>
-        <p:nvSpPr>
-          <p:cNvPr id="3" name="内容占位符 2"/>
-          <p:cNvSpPr>
-            <a:spLocks noGrp="1"/>
-          </p:cNvSpPr>
-          <p:nvPr>
-            <p:ph idx="1"/>
-          </p:nvPr>
-        </p:nvSpPr>
-        <p:spPr/>
-        <p:txBody>
-          <a:bodyPr>
-            <a:normAutofit fontScale="92500" lnSpcReduction="10000"/>
-          </a:bodyPr>
-          <a:lstStyle/>
-          <a:p>
-            <a:r>
-              <a:rPr lang="zh-CN" altLang="en-US" dirty="0" smtClean="0"/>
-              <a:t>光线跟踪技术</a:t>
-            </a:r>
-            <a:r>
-              <a:rPr lang="zh-CN" altLang="en-US" dirty="0"/>
-              <a:t>（</a:t>
-            </a:r>
-            <a:r>
-              <a:rPr lang="en-US" altLang="zh-CN" dirty="0"/>
-              <a:t>Ray tracing</a:t>
-            </a:r>
-            <a:r>
-              <a:rPr lang="zh-CN" altLang="en-US" dirty="0" smtClean="0"/>
-              <a:t>）</a:t>
-            </a:r>
-            <a:endParaRPr lang="en-US" altLang="zh-CN" dirty="0" smtClean="0"/>
-          </a:p>
-          <a:p>
-            <a:r>
-              <a:rPr lang="zh-CN" altLang="en-US" sz="2000" dirty="0"/>
-              <a:t>经典光线跟踪算法：由视点向屏幕上所有像素中心发射光线，对每一条光线与场景中物体的最近交点，递归进行反射和折射的计算。</a:t>
-            </a:r>
-          </a:p>
-          <a:p>
-            <a:r>
-              <a:rPr lang="zh-CN" altLang="en-US" sz="2000" dirty="0"/>
-              <a:t>交点处的光亮由三部分产生：</a:t>
-            </a:r>
-          </a:p>
-          <a:p>
-            <a:pPr marL="0" indent="0">
-              <a:buNone/>
-            </a:pPr>
-            <a:r>
-              <a:rPr lang="zh-CN" altLang="en-US" sz="2000" dirty="0" smtClean="0"/>
-              <a:t>（</a:t>
-            </a:r>
-            <a:r>
-              <a:rPr lang="en-US" altLang="zh-CN" sz="2000" dirty="0"/>
-              <a:t>1</a:t>
-            </a:r>
-            <a:r>
-              <a:rPr lang="zh-CN" altLang="en-US" sz="2000" dirty="0"/>
-              <a:t>）光源直接照射</a:t>
-            </a:r>
-          </a:p>
-          <a:p>
-            <a:pPr marL="0" indent="0">
-              <a:buNone/>
-            </a:pPr>
-            <a:r>
-              <a:rPr lang="zh-CN" altLang="en-US" sz="2000" dirty="0"/>
-              <a:t>（</a:t>
-            </a:r>
-            <a:r>
-              <a:rPr lang="en-US" altLang="zh-CN" sz="2000" dirty="0"/>
-              <a:t>2</a:t>
-            </a:r>
-            <a:r>
-              <a:rPr lang="zh-CN" altLang="en-US" sz="2000" dirty="0"/>
-              <a:t>）场景中其它物体通过该点向视点方向的反射</a:t>
-            </a:r>
-          </a:p>
-          <a:p>
-            <a:pPr marL="0" indent="0">
-              <a:buNone/>
-            </a:pPr>
-            <a:r>
-              <a:rPr lang="zh-CN" altLang="en-US" sz="2000" dirty="0" smtClean="0"/>
-              <a:t>（</a:t>
-            </a:r>
-            <a:r>
-              <a:rPr lang="en-US" altLang="zh-CN" sz="2000" dirty="0"/>
-              <a:t>3</a:t>
-            </a:r>
-            <a:r>
-              <a:rPr lang="zh-CN" altLang="en-US" sz="2000" dirty="0"/>
-              <a:t>）场景中其它物体通过该点向视点方向的折射</a:t>
-            </a:r>
-          </a:p>
-          <a:p>
-            <a:r>
-              <a:rPr lang="zh-CN" altLang="en-US" sz="2000" dirty="0"/>
-              <a:t>算法执行过程中首先要通过从将计算的点向光源方向发射一条射线进行阴影计算，检测到不透明物体产生阴影，透明</a:t>
-            </a:r>
-            <a:r>
-              <a:rPr lang="zh-CN" altLang="en-US" sz="2000" dirty="0" smtClean="0"/>
-              <a:t>物体衰减光强</a:t>
-            </a:r>
-            <a:r>
-              <a:rPr lang="zh-CN" altLang="en-US" sz="2000" dirty="0"/>
-              <a:t>。</a:t>
-            </a:r>
-          </a:p>
-          <a:p>
-            <a:r>
-              <a:rPr lang="zh-CN" altLang="en-US" sz="2000" dirty="0"/>
-              <a:t>光线跟踪终止条件：</a:t>
-            </a:r>
-          </a:p>
-          <a:p>
-            <a:pPr marL="0" indent="0">
-              <a:buNone/>
-            </a:pPr>
-            <a:r>
-              <a:rPr lang="zh-CN" altLang="en-US" sz="2000" dirty="0"/>
-              <a:t>（</a:t>
-            </a:r>
-            <a:r>
-              <a:rPr lang="en-US" altLang="zh-CN" sz="2000" dirty="0"/>
-              <a:t>1</a:t>
-            </a:r>
-            <a:r>
-              <a:rPr lang="zh-CN" altLang="en-US" sz="2000" dirty="0"/>
-              <a:t>）光线射出画面，不再与场景中物体相交；</a:t>
-            </a:r>
-          </a:p>
-          <a:p>
-            <a:pPr marL="0" indent="0">
-              <a:buNone/>
-            </a:pPr>
-            <a:r>
-              <a:rPr lang="zh-CN" altLang="en-US" sz="2000" dirty="0"/>
-              <a:t>（</a:t>
-            </a:r>
-            <a:r>
-              <a:rPr lang="en-US" altLang="zh-CN" sz="2000" dirty="0"/>
-              <a:t>2</a:t>
-            </a:r>
-            <a:r>
-              <a:rPr lang="zh-CN" altLang="en-US" sz="2000" dirty="0"/>
-              <a:t>）被跟踪点对屏幕像素显示亮度的贡献小于一定阈值；</a:t>
-            </a:r>
-          </a:p>
-          <a:p>
-            <a:pPr marL="0" indent="0">
-              <a:buNone/>
-            </a:pPr>
-            <a:r>
-              <a:rPr lang="zh-CN" altLang="en-US" sz="2000" dirty="0"/>
-              <a:t>（</a:t>
-            </a:r>
-            <a:r>
-              <a:rPr lang="en-US" altLang="zh-CN" sz="2000" dirty="0"/>
-              <a:t>3</a:t>
-            </a:r>
-            <a:r>
-              <a:rPr lang="zh-CN" altLang="en-US" sz="2000" dirty="0"/>
-              <a:t>）达到光线跟踪最大深度；</a:t>
-            </a:r>
-          </a:p>
-          <a:p>
-            <a:pPr marL="0" indent="0">
-              <a:buNone/>
-            </a:pPr>
-            <a:endParaRPr lang="zh-CN" altLang="en-US" sz="2000" dirty="0"/>
-          </a:p>
-        </p:txBody>
-      </p:sp>
-    </p:spTree>
-    <p:extLst>
-      <p:ext uri="{BB962C8B-B14F-4D97-AF65-F5344CB8AC3E}">
-        <p14:creationId xmlns:p14="http://schemas.microsoft.com/office/powerpoint/2010/main" val="129070015"/>
-      </p:ext>
-    </p:extLst>
-  </p:cSld>
-  <p:clrMapOvr>
-    <a:masterClrMapping/>
-  </p:clrMapOvr>
-</p:sld>
-</file>
-
-<file path=ppt/slides/slide49.xml><?xml version="1.0" encoding="utf-8"?>
-<p:sld xmlns:a="http://schemas.openxmlformats.org/drawingml/2006/main" xmlns:r="http://schemas.openxmlformats.org/officeDocument/2006/relationships" xmlns:p="http://schemas.openxmlformats.org/presentationml/2006/main">
-  <p:cSld>
-    <p:spTree>
-      <p:nvGrpSpPr>
-        <p:cNvPr id="1" name=""/>
-        <p:cNvGrpSpPr/>
-        <p:nvPr/>
-      </p:nvGrpSpPr>
-      <p:grpSpPr>
-        <a:xfrm>
-          <a:off x="0" y="0"/>
-          <a:ext cx="0" cy="0"/>
-          <a:chOff x="0" y="0"/>
-          <a:chExt cx="0" cy="0"/>
-        </a:xfrm>
-      </p:grpSpPr>
-      <p:sp>
-        <p:nvSpPr>
-          <p:cNvPr id="2" name="标题 1"/>
-          <p:cNvSpPr>
-            <a:spLocks noGrp="1"/>
-          </p:cNvSpPr>
-          <p:nvPr>
-            <p:ph type="title"/>
-          </p:nvPr>
-        </p:nvSpPr>
-        <p:spPr/>
-        <p:txBody>
-          <a:bodyPr/>
-          <a:lstStyle/>
-          <a:p>
-            <a:r>
-              <a:rPr lang="zh-CN" altLang="en-US" dirty="0" smtClean="0"/>
-              <a:t>高级光照技术</a:t>
-            </a:r>
-            <a:endParaRPr lang="zh-CN" altLang="en-US" dirty="0"/>
-          </a:p>
-        </p:txBody>
-      </p:sp>
-      <p:sp>
-        <p:nvSpPr>
-          <p:cNvPr id="3" name="内容占位符 2"/>
-          <p:cNvSpPr>
-            <a:spLocks noGrp="1"/>
-          </p:cNvSpPr>
-          <p:nvPr>
-            <p:ph idx="1"/>
-          </p:nvPr>
-        </p:nvSpPr>
-        <p:spPr/>
-        <p:txBody>
-          <a:bodyPr/>
-          <a:lstStyle/>
-          <a:p>
-            <a:r>
-              <a:rPr lang="zh-CN" altLang="en-US" dirty="0" smtClean="0"/>
-              <a:t>光线跟踪过程</a:t>
-            </a:r>
-            <a:endParaRPr lang="zh-CN" altLang="en-US" dirty="0"/>
-          </a:p>
-        </p:txBody>
-      </p:sp>
-      <p:pic>
-        <p:nvPicPr>
-          <p:cNvPr id="4" name="Picture 2"/>
-          <p:cNvPicPr>
-            <a:picLocks noChangeAspect="1" noChangeArrowheads="1"/>
-          </p:cNvPicPr>
-          <p:nvPr/>
-        </p:nvPicPr>
-        <p:blipFill>
-          <a:blip r:embed="rId2">
-            <a:extLst>
-              <a:ext uri="{28A0092B-C50C-407E-A947-70E740481C1C}">
-                <a14:useLocalDpi xmlns:a14="http://schemas.microsoft.com/office/drawing/2010/main" val="0"/>
-              </a:ext>
-            </a:extLst>
-          </a:blip>
-          <a:srcRect/>
-          <a:stretch>
-            <a:fillRect/>
-          </a:stretch>
-        </p:blipFill>
-        <p:spPr bwMode="auto">
-          <a:xfrm>
-            <a:off x="1835696" y="2276872"/>
-            <a:ext cx="5370562" cy="3506109"/>
-          </a:xfrm>
-          <a:prstGeom prst="rect">
-            <a:avLst/>
-          </a:prstGeom>
-          <a:noFill/>
-          <a:ln>
-            <a:noFill/>
-          </a:ln>
-          <a:effectLst/>
-          <a:extLst>
-            <a:ext uri="{909E8E84-426E-40DD-AFC4-6F175D3DCCD1}">
-              <a14:hiddenFill xmlns:a14="http://schemas.microsoft.com/office/drawing/2010/main">
-                <a:solidFill>
-                  <a:schemeClr val="accent1"/>
-                </a:solidFill>
-              </a14:hiddenFill>
-            </a:ext>
-            <a:ext uri="{91240B29-F687-4F45-9708-019B960494DF}">
-              <a14:hiddenLine xmlns:a14="http://schemas.microsoft.com/office/drawing/2010/main" w="9525">
-                <a:solidFill>
-                  <a:schemeClr val="tx1"/>
-                </a:solidFill>
-                <a:miter lim="800000"/>
-                <a:headEnd/>
-                <a:tailEnd/>
-              </a14:hiddenLine>
-            </a:ext>
-            <a:ext uri="{AF507438-7753-43E0-B8FC-AC1667EBCBE1}">
-              <a14:hiddenEffects xmlns:a14="http://schemas.microsoft.com/office/drawing/2010/main">
-                <a:effectLst>
-                  <a:outerShdw dist="35921" dir="2700000" algn="ctr" rotWithShape="0">
-                    <a:schemeClr val="bg2"/>
-                  </a:outerShdw>
-                </a:effectLst>
-              </a14:hiddenEffects>
-            </a:ext>
-          </a:extLst>
-        </p:spPr>
-      </p:pic>
-    </p:spTree>
-    <p:extLst>
-      <p:ext uri="{BB962C8B-B14F-4D97-AF65-F5344CB8AC3E}">
-        <p14:creationId xmlns:p14="http://schemas.microsoft.com/office/powerpoint/2010/main" val="1882074163"/>
       </p:ext>
     </p:extLst>
   </p:cSld>
@@ -18122,6 +18337,376 @@
         </p:nvSpPr>
         <p:spPr/>
         <p:txBody>
+          <a:bodyPr>
+            <a:normAutofit fontScale="92500" lnSpcReduction="10000"/>
+          </a:bodyPr>
+          <a:lstStyle/>
+          <a:p>
+            <a:r>
+              <a:rPr lang="zh-CN" altLang="en-US" dirty="0" smtClean="0"/>
+              <a:t>光线跟踪技术</a:t>
+            </a:r>
+            <a:r>
+              <a:rPr lang="zh-CN" altLang="en-US" dirty="0"/>
+              <a:t>（</a:t>
+            </a:r>
+            <a:r>
+              <a:rPr lang="en-US" altLang="zh-CN" dirty="0"/>
+              <a:t>Ray tracing</a:t>
+            </a:r>
+            <a:r>
+              <a:rPr lang="zh-CN" altLang="en-US" dirty="0" smtClean="0"/>
+              <a:t>）</a:t>
+            </a:r>
+            <a:endParaRPr lang="en-US" altLang="zh-CN" dirty="0" smtClean="0"/>
+          </a:p>
+          <a:p>
+            <a:r>
+              <a:rPr lang="zh-CN" altLang="en-US" sz="2000" dirty="0"/>
+              <a:t>经典光线跟踪算法：由视点向屏幕上所有像素中心发射光线，对每一条光线与场景中物体的最近交点，递归进行反射和折射的计算。</a:t>
+            </a:r>
+          </a:p>
+          <a:p>
+            <a:r>
+              <a:rPr lang="zh-CN" altLang="en-US" sz="2000" dirty="0"/>
+              <a:t>交点处的光亮由三部分产生：</a:t>
+            </a:r>
+          </a:p>
+          <a:p>
+            <a:pPr marL="0" indent="0">
+              <a:buNone/>
+            </a:pPr>
+            <a:r>
+              <a:rPr lang="zh-CN" altLang="en-US" sz="2000" dirty="0" smtClean="0"/>
+              <a:t>（</a:t>
+            </a:r>
+            <a:r>
+              <a:rPr lang="en-US" altLang="zh-CN" sz="2000" dirty="0"/>
+              <a:t>1</a:t>
+            </a:r>
+            <a:r>
+              <a:rPr lang="zh-CN" altLang="en-US" sz="2000" dirty="0"/>
+              <a:t>）光源直接照射</a:t>
+            </a:r>
+          </a:p>
+          <a:p>
+            <a:pPr marL="0" indent="0">
+              <a:buNone/>
+            </a:pPr>
+            <a:r>
+              <a:rPr lang="zh-CN" altLang="en-US" sz="2000" dirty="0"/>
+              <a:t>（</a:t>
+            </a:r>
+            <a:r>
+              <a:rPr lang="en-US" altLang="zh-CN" sz="2000" dirty="0"/>
+              <a:t>2</a:t>
+            </a:r>
+            <a:r>
+              <a:rPr lang="zh-CN" altLang="en-US" sz="2000" dirty="0"/>
+              <a:t>）场景中其它物体通过该点向视点方向的反射</a:t>
+            </a:r>
+          </a:p>
+          <a:p>
+            <a:pPr marL="0" indent="0">
+              <a:buNone/>
+            </a:pPr>
+            <a:r>
+              <a:rPr lang="zh-CN" altLang="en-US" sz="2000" dirty="0" smtClean="0"/>
+              <a:t>（</a:t>
+            </a:r>
+            <a:r>
+              <a:rPr lang="en-US" altLang="zh-CN" sz="2000" dirty="0"/>
+              <a:t>3</a:t>
+            </a:r>
+            <a:r>
+              <a:rPr lang="zh-CN" altLang="en-US" sz="2000" dirty="0"/>
+              <a:t>）场景中其它物体通过该点向视点方向的折射</a:t>
+            </a:r>
+          </a:p>
+          <a:p>
+            <a:r>
+              <a:rPr lang="zh-CN" altLang="en-US" sz="2000" dirty="0"/>
+              <a:t>算法执行过程中首先要通过从将计算的点向光源方向发射一条射线进行阴影计算，检测到不透明物体产生阴影，透明</a:t>
+            </a:r>
+            <a:r>
+              <a:rPr lang="zh-CN" altLang="en-US" sz="2000" dirty="0" smtClean="0"/>
+              <a:t>物体衰减光强</a:t>
+            </a:r>
+            <a:r>
+              <a:rPr lang="zh-CN" altLang="en-US" sz="2000" dirty="0"/>
+              <a:t>。</a:t>
+            </a:r>
+          </a:p>
+          <a:p>
+            <a:r>
+              <a:rPr lang="zh-CN" altLang="en-US" sz="2000" dirty="0"/>
+              <a:t>光线跟踪终止条件：</a:t>
+            </a:r>
+          </a:p>
+          <a:p>
+            <a:pPr marL="0" indent="0">
+              <a:buNone/>
+            </a:pPr>
+            <a:r>
+              <a:rPr lang="zh-CN" altLang="en-US" sz="2000" dirty="0"/>
+              <a:t>（</a:t>
+            </a:r>
+            <a:r>
+              <a:rPr lang="en-US" altLang="zh-CN" sz="2000" dirty="0"/>
+              <a:t>1</a:t>
+            </a:r>
+            <a:r>
+              <a:rPr lang="zh-CN" altLang="en-US" sz="2000" dirty="0"/>
+              <a:t>）光线射出画面，不再与场景中物体相交；</a:t>
+            </a:r>
+          </a:p>
+          <a:p>
+            <a:pPr marL="0" indent="0">
+              <a:buNone/>
+            </a:pPr>
+            <a:r>
+              <a:rPr lang="zh-CN" altLang="en-US" sz="2000" dirty="0"/>
+              <a:t>（</a:t>
+            </a:r>
+            <a:r>
+              <a:rPr lang="en-US" altLang="zh-CN" sz="2000" dirty="0"/>
+              <a:t>2</a:t>
+            </a:r>
+            <a:r>
+              <a:rPr lang="zh-CN" altLang="en-US" sz="2000" dirty="0"/>
+              <a:t>）被跟踪点对屏幕像素显示亮度的贡献小于一定阈值；</a:t>
+            </a:r>
+          </a:p>
+          <a:p>
+            <a:pPr marL="0" indent="0">
+              <a:buNone/>
+            </a:pPr>
+            <a:r>
+              <a:rPr lang="zh-CN" altLang="en-US" sz="2000" dirty="0"/>
+              <a:t>（</a:t>
+            </a:r>
+            <a:r>
+              <a:rPr lang="en-US" altLang="zh-CN" sz="2000" dirty="0"/>
+              <a:t>3</a:t>
+            </a:r>
+            <a:r>
+              <a:rPr lang="zh-CN" altLang="en-US" sz="2000" dirty="0"/>
+              <a:t>）达到光线跟踪最大深度；</a:t>
+            </a:r>
+          </a:p>
+          <a:p>
+            <a:pPr marL="0" indent="0">
+              <a:buNone/>
+            </a:pPr>
+            <a:endParaRPr lang="zh-CN" altLang="en-US" sz="2000" dirty="0"/>
+          </a:p>
+        </p:txBody>
+      </p:sp>
+    </p:spTree>
+    <p:extLst>
+      <p:ext uri="{BB962C8B-B14F-4D97-AF65-F5344CB8AC3E}">
+        <p14:creationId xmlns:p14="http://schemas.microsoft.com/office/powerpoint/2010/main" val="129070015"/>
+      </p:ext>
+    </p:extLst>
+  </p:cSld>
+  <p:clrMapOvr>
+    <a:masterClrMapping/>
+  </p:clrMapOvr>
+</p:sld>
+</file>
+
+<file path=ppt/slides/slide51.xml><?xml version="1.0" encoding="utf-8"?>
+<p:sld xmlns:a="http://schemas.openxmlformats.org/drawingml/2006/main" xmlns:r="http://schemas.openxmlformats.org/officeDocument/2006/relationships" xmlns:p="http://schemas.openxmlformats.org/presentationml/2006/main">
+  <p:cSld>
+    <p:spTree>
+      <p:nvGrpSpPr>
+        <p:cNvPr id="1" name=""/>
+        <p:cNvGrpSpPr/>
+        <p:nvPr/>
+      </p:nvGrpSpPr>
+      <p:grpSpPr>
+        <a:xfrm>
+          <a:off x="0" y="0"/>
+          <a:ext cx="0" cy="0"/>
+          <a:chOff x="0" y="0"/>
+          <a:chExt cx="0" cy="0"/>
+        </a:xfrm>
+      </p:grpSpPr>
+      <p:sp>
+        <p:nvSpPr>
+          <p:cNvPr id="2" name="标题 1"/>
+          <p:cNvSpPr>
+            <a:spLocks noGrp="1"/>
+          </p:cNvSpPr>
+          <p:nvPr>
+            <p:ph type="title"/>
+          </p:nvPr>
+        </p:nvSpPr>
+        <p:spPr/>
+        <p:txBody>
+          <a:bodyPr/>
+          <a:lstStyle/>
+          <a:p>
+            <a:r>
+              <a:rPr lang="zh-CN" altLang="en-US" dirty="0" smtClean="0"/>
+              <a:t>高级光照技术</a:t>
+            </a:r>
+            <a:endParaRPr lang="zh-CN" altLang="en-US" dirty="0"/>
+          </a:p>
+        </p:txBody>
+      </p:sp>
+      <p:sp>
+        <p:nvSpPr>
+          <p:cNvPr id="3" name="内容占位符 2"/>
+          <p:cNvSpPr>
+            <a:spLocks noGrp="1"/>
+          </p:cNvSpPr>
+          <p:nvPr>
+            <p:ph idx="1"/>
+          </p:nvPr>
+        </p:nvSpPr>
+        <p:spPr/>
+        <p:txBody>
+          <a:bodyPr/>
+          <a:lstStyle/>
+          <a:p>
+            <a:r>
+              <a:rPr lang="zh-CN" altLang="en-US" dirty="0" smtClean="0"/>
+              <a:t>光线跟踪过程</a:t>
+            </a:r>
+            <a:endParaRPr lang="zh-CN" altLang="en-US" dirty="0"/>
+          </a:p>
+        </p:txBody>
+      </p:sp>
+      <p:pic>
+        <p:nvPicPr>
+          <p:cNvPr id="4" name="Picture 2"/>
+          <p:cNvPicPr>
+            <a:picLocks noChangeAspect="1" noChangeArrowheads="1"/>
+          </p:cNvPicPr>
+          <p:nvPr/>
+        </p:nvPicPr>
+        <p:blipFill>
+          <a:blip r:embed="rId2">
+            <a:extLst>
+              <a:ext uri="{28A0092B-C50C-407E-A947-70E740481C1C}">
+                <a14:useLocalDpi xmlns:a14="http://schemas.microsoft.com/office/drawing/2010/main" val="0"/>
+              </a:ext>
+            </a:extLst>
+          </a:blip>
+          <a:srcRect/>
+          <a:stretch>
+            <a:fillRect/>
+          </a:stretch>
+        </p:blipFill>
+        <p:spPr bwMode="auto">
+          <a:xfrm>
+            <a:off x="1835696" y="2276872"/>
+            <a:ext cx="5370562" cy="3506109"/>
+          </a:xfrm>
+          <a:prstGeom prst="rect">
+            <a:avLst/>
+          </a:prstGeom>
+          <a:noFill/>
+          <a:ln>
+            <a:noFill/>
+          </a:ln>
+          <a:effectLst/>
+          <a:extLst>
+            <a:ext uri="{909E8E84-426E-40DD-AFC4-6F175D3DCCD1}">
+              <a14:hiddenFill xmlns:a14="http://schemas.microsoft.com/office/drawing/2010/main">
+                <a:solidFill>
+                  <a:schemeClr val="accent1"/>
+                </a:solidFill>
+              </a14:hiddenFill>
+            </a:ext>
+            <a:ext uri="{91240B29-F687-4F45-9708-019B960494DF}">
+              <a14:hiddenLine xmlns:a14="http://schemas.microsoft.com/office/drawing/2010/main" w="9525">
+                <a:solidFill>
+                  <a:schemeClr val="tx1"/>
+                </a:solidFill>
+                <a:miter lim="800000"/>
+                <a:headEnd/>
+                <a:tailEnd/>
+              </a14:hiddenLine>
+            </a:ext>
+            <a:ext uri="{AF507438-7753-43E0-B8FC-AC1667EBCBE1}">
+              <a14:hiddenEffects xmlns:a14="http://schemas.microsoft.com/office/drawing/2010/main">
+                <a:effectLst>
+                  <a:outerShdw dist="35921" dir="2700000" algn="ctr" rotWithShape="0">
+                    <a:schemeClr val="bg2"/>
+                  </a:outerShdw>
+                </a:effectLst>
+              </a14:hiddenEffects>
+            </a:ext>
+          </a:extLst>
+        </p:spPr>
+      </p:pic>
+    </p:spTree>
+    <p:extLst>
+      <p:ext uri="{BB962C8B-B14F-4D97-AF65-F5344CB8AC3E}">
+        <p14:creationId xmlns:p14="http://schemas.microsoft.com/office/powerpoint/2010/main" val="1882074163"/>
+      </p:ext>
+    </p:extLst>
+  </p:cSld>
+  <p:clrMapOvr>
+    <a:masterClrMapping/>
+  </p:clrMapOvr>
+</p:sld>
+</file>
+
+<file path=ppt/slides/slide52.xml><?xml version="1.0" encoding="utf-8"?>
+<p:sld xmlns:a="http://schemas.openxmlformats.org/drawingml/2006/main" xmlns:r="http://schemas.openxmlformats.org/officeDocument/2006/relationships" xmlns:p="http://schemas.openxmlformats.org/presentationml/2006/main">
+  <p:cSld>
+    <p:spTree>
+      <p:nvGrpSpPr>
+        <p:cNvPr id="1" name=""/>
+        <p:cNvGrpSpPr/>
+        <p:nvPr/>
+      </p:nvGrpSpPr>
+      <p:grpSpPr>
+        <a:xfrm>
+          <a:off x="0" y="0"/>
+          <a:ext cx="0" cy="0"/>
+          <a:chOff x="0" y="0"/>
+          <a:chExt cx="0" cy="0"/>
+        </a:xfrm>
+      </p:grpSpPr>
+      <p:sp>
+        <p:nvSpPr>
+          <p:cNvPr id="2" name="标题 1"/>
+          <p:cNvSpPr>
+            <a:spLocks noGrp="1"/>
+          </p:cNvSpPr>
+          <p:nvPr>
+            <p:ph type="title"/>
+          </p:nvPr>
+        </p:nvSpPr>
+        <p:spPr/>
+        <p:txBody>
+          <a:bodyPr/>
+          <a:lstStyle/>
+          <a:p>
+            <a:r>
+              <a:rPr lang="zh-CN" altLang="en-US" dirty="0" smtClean="0"/>
+              <a:t>高级光照技术</a:t>
+            </a:r>
+            <a:endParaRPr lang="zh-CN" altLang="en-US" dirty="0"/>
+          </a:p>
+        </p:txBody>
+      </p:sp>
+      <p:sp>
+        <p:nvSpPr>
+          <p:cNvPr id="3" name="内容占位符 2"/>
+          <p:cNvSpPr>
+            <a:spLocks noGrp="1"/>
+          </p:cNvSpPr>
+          <p:nvPr>
+            <p:ph idx="1"/>
+          </p:nvPr>
+        </p:nvSpPr>
+        <p:spPr/>
+        <p:txBody>
           <a:bodyPr/>
           <a:lstStyle/>
           <a:p>
@@ -18274,7 +18859,7 @@
 </p:sld>
 </file>
 
-<file path=ppt/slides/slide51.xml><?xml version="1.0" encoding="utf-8"?>
+<file path=ppt/slides/slide53.xml><?xml version="1.0" encoding="utf-8"?>
 <p:sld xmlns:a="http://schemas.openxmlformats.org/drawingml/2006/main" xmlns:r="http://schemas.openxmlformats.org/officeDocument/2006/relationships" xmlns:p="http://schemas.openxmlformats.org/presentationml/2006/main">
   <p:cSld>
     <p:spTree>
@@ -18410,7 +18995,7 @@
 </p:sld>
 </file>
 
-<file path=ppt/slides/slide52.xml><?xml version="1.0" encoding="utf-8"?>
+<file path=ppt/slides/slide54.xml><?xml version="1.0" encoding="utf-8"?>
 <p:sld xmlns:a="http://schemas.openxmlformats.org/drawingml/2006/main" xmlns:r="http://schemas.openxmlformats.org/officeDocument/2006/relationships" xmlns:p="http://schemas.openxmlformats.org/presentationml/2006/main">
   <p:cSld>
     <p:spTree>
@@ -18724,7 +19309,7 @@
         <p:spPr/>
         <p:txBody>
           <a:bodyPr>
-            <a:normAutofit fontScale="62500" lnSpcReduction="20000"/>
+            <a:normAutofit fontScale="40000" lnSpcReduction="20000"/>
           </a:bodyPr>
           <a:lstStyle/>
           <a:p>
@@ -18751,23 +19336,35 @@
             </a:pPr>
             <a:r>
               <a:rPr lang="en-US" altLang="zh-CN" dirty="0" smtClean="0"/>
-              <a:t>	BOOL </a:t>
-            </a:r>
-            <a:r>
-              <a:rPr lang="en-US" altLang="zh-CN" dirty="0" err="1" smtClean="0"/>
-              <a:t>BitBlt</a:t>
+              <a:t>	</a:t>
+            </a:r>
+            <a:r>
+              <a:rPr lang="en-US" altLang="zh-CN" dirty="0" err="1"/>
+              <a:t>int</a:t>
+            </a:r>
+            <a:r>
+              <a:rPr lang="en-US" altLang="zh-CN" dirty="0"/>
+              <a:t> </a:t>
+            </a:r>
+            <a:r>
+              <a:rPr lang="en-US" altLang="zh-CN" dirty="0" err="1"/>
+              <a:t>StretchDIBits</a:t>
+            </a:r>
+            <a:r>
+              <a:rPr lang="en-US" altLang="zh-CN" dirty="0"/>
+              <a:t>(HDC </a:t>
+            </a:r>
+            <a:r>
+              <a:rPr lang="en-US" altLang="zh-CN" dirty="0" err="1"/>
+              <a:t>hdc</a:t>
+            </a:r>
+            <a:r>
+              <a:rPr lang="en-US" altLang="zh-CN" dirty="0"/>
+              <a:t>, </a:t>
             </a:r>
             <a:r>
               <a:rPr lang="en-US" altLang="zh-CN" dirty="0" smtClean="0"/>
-              <a:t>(HDC </a:t>
-            </a:r>
-            <a:r>
-              <a:rPr lang="en-US" altLang="zh-CN" dirty="0" err="1" smtClean="0"/>
-              <a:t>hdcDest</a:t>
-            </a:r>
-            <a:r>
-              <a:rPr lang="en-US" altLang="zh-CN" dirty="0" smtClean="0"/>
-              <a:t>, </a:t>
+              <a:t> </a:t>
             </a:r>
             <a:r>
               <a:rPr lang="en-US" altLang="zh-CN" dirty="0" err="1" smtClean="0"/>
@@ -18778,12 +19375,16 @@
               <a:t> </a:t>
             </a:r>
             <a:r>
-              <a:rPr lang="en-US" altLang="zh-CN" dirty="0" err="1" smtClean="0"/>
-              <a:t>nXDest</a:t>
+              <a:rPr lang="en-US" altLang="zh-CN" dirty="0" err="1"/>
+              <a:t>XDest</a:t>
+            </a:r>
+            <a:r>
+              <a:rPr lang="en-US" altLang="zh-CN" dirty="0"/>
+              <a:t> , </a:t>
             </a:r>
             <a:r>
               <a:rPr lang="en-US" altLang="zh-CN" dirty="0" smtClean="0"/>
-              <a:t>, </a:t>
+              <a:t> </a:t>
             </a:r>
             <a:r>
               <a:rPr lang="en-US" altLang="zh-CN" dirty="0" err="1" smtClean="0"/>
@@ -18794,12 +19395,16 @@
               <a:t> </a:t>
             </a:r>
             <a:r>
-              <a:rPr lang="en-US" altLang="zh-CN" dirty="0" err="1" smtClean="0"/>
-              <a:t>nYDest</a:t>
+              <a:rPr lang="en-US" altLang="zh-CN" dirty="0" err="1"/>
+              <a:t>YDest</a:t>
+            </a:r>
+            <a:r>
+              <a:rPr lang="en-US" altLang="zh-CN" dirty="0"/>
+              <a:t> , </a:t>
             </a:r>
             <a:r>
               <a:rPr lang="en-US" altLang="zh-CN" dirty="0" smtClean="0"/>
-              <a:t>, </a:t>
+              <a:t> </a:t>
             </a:r>
             <a:r>
               <a:rPr lang="en-US" altLang="zh-CN" dirty="0" err="1" smtClean="0"/>
@@ -18810,12 +19415,26 @@
               <a:t> </a:t>
             </a:r>
             <a:r>
-              <a:rPr lang="en-US" altLang="zh-CN" dirty="0" err="1" smtClean="0"/>
-              <a:t>nWidth</a:t>
+              <a:rPr lang="en-US" altLang="zh-CN" dirty="0" err="1"/>
+              <a:t>nDestWidth</a:t>
+            </a:r>
+            <a:r>
+              <a:rPr lang="en-US" altLang="zh-CN" dirty="0"/>
+              <a:t>, </a:t>
+            </a:r>
+            <a:endParaRPr lang="en-US" altLang="zh-CN" dirty="0" smtClean="0"/>
+          </a:p>
+          <a:p>
+            <a:pPr>
+              <a:buNone/>
+            </a:pPr>
+            <a:r>
+              <a:rPr lang="en-US" altLang="zh-CN" dirty="0"/>
+              <a:t>	</a:t>
             </a:r>
             <a:r>
               <a:rPr lang="en-US" altLang="zh-CN" dirty="0" smtClean="0"/>
-              <a:t>, </a:t>
+              <a:t>	</a:t>
             </a:r>
             <a:r>
               <a:rPr lang="en-US" altLang="zh-CN" dirty="0" err="1" smtClean="0"/>
@@ -18826,20 +19445,16 @@
               <a:t> </a:t>
             </a:r>
             <a:r>
-              <a:rPr lang="en-US" altLang="zh-CN" dirty="0" err="1" smtClean="0"/>
-              <a:t>nHeight</a:t>
+              <a:rPr lang="en-US" altLang="zh-CN" dirty="0" err="1"/>
+              <a:t>nDestHeight</a:t>
+            </a:r>
+            <a:r>
+              <a:rPr lang="en-US" altLang="zh-CN" dirty="0"/>
+              <a:t>, </a:t>
             </a:r>
             <a:r>
               <a:rPr lang="en-US" altLang="zh-CN" dirty="0" smtClean="0"/>
-              <a:t>, HDC </a:t>
-            </a:r>
-            <a:r>
-              <a:rPr lang="en-US" altLang="zh-CN" dirty="0" err="1" smtClean="0"/>
-              <a:t>hdcSrc</a:t>
-            </a:r>
-            <a:r>
-              <a:rPr lang="en-US" altLang="zh-CN" dirty="0" smtClean="0"/>
-              <a:t>, </a:t>
+              <a:t> </a:t>
             </a:r>
             <a:r>
               <a:rPr lang="en-US" altLang="zh-CN" dirty="0" err="1" smtClean="0"/>
@@ -18850,12 +19465,16 @@
               <a:t> </a:t>
             </a:r>
             <a:r>
-              <a:rPr lang="en-US" altLang="zh-CN" dirty="0" err="1" smtClean="0"/>
-              <a:t>nXSrc</a:t>
+              <a:rPr lang="en-US" altLang="zh-CN" dirty="0" err="1"/>
+              <a:t>XSrc</a:t>
+            </a:r>
+            <a:r>
+              <a:rPr lang="en-US" altLang="zh-CN" dirty="0"/>
+              <a:t>, </a:t>
             </a:r>
             <a:r>
               <a:rPr lang="en-US" altLang="zh-CN" dirty="0" smtClean="0"/>
-              <a:t>, </a:t>
+              <a:t> </a:t>
             </a:r>
             <a:r>
               <a:rPr lang="en-US" altLang="zh-CN" dirty="0" err="1" smtClean="0"/>
@@ -18866,50 +19485,153 @@
               <a:t> </a:t>
             </a:r>
             <a:r>
+              <a:rPr lang="en-US" altLang="zh-CN" dirty="0" err="1"/>
+              <a:t>Ysrc</a:t>
+            </a:r>
+            <a:r>
+              <a:rPr lang="en-US" altLang="zh-CN" dirty="0"/>
+              <a:t>, </a:t>
+            </a:r>
+            <a:r>
+              <a:rPr lang="en-US" altLang="zh-CN" dirty="0" smtClean="0"/>
+              <a:t> </a:t>
+            </a:r>
+            <a:r>
               <a:rPr lang="en-US" altLang="zh-CN" dirty="0" err="1" smtClean="0"/>
-              <a:t>nYSrc</a:t>
+              <a:t>int</a:t>
             </a:r>
             <a:r>
               <a:rPr lang="en-US" altLang="zh-CN" dirty="0" smtClean="0"/>
-              <a:t>, DWORD </a:t>
+              <a:t> </a:t>
+            </a:r>
+            <a:r>
+              <a:rPr lang="en-US" altLang="zh-CN" dirty="0" err="1"/>
+              <a:t>nSrcWidth</a:t>
+            </a:r>
+            <a:r>
+              <a:rPr lang="en-US" altLang="zh-CN" dirty="0"/>
+              <a:t>, </a:t>
+            </a:r>
+            <a:r>
+              <a:rPr lang="en-US" altLang="zh-CN" dirty="0" smtClean="0"/>
+              <a:t> </a:t>
             </a:r>
             <a:r>
               <a:rPr lang="en-US" altLang="zh-CN" dirty="0" err="1" smtClean="0"/>
+              <a:t>int</a:t>
+            </a:r>
+            <a:r>
+              <a:rPr lang="en-US" altLang="zh-CN" dirty="0" smtClean="0"/>
+              <a:t> </a:t>
+            </a:r>
+            <a:r>
+              <a:rPr lang="en-US" altLang="zh-CN" dirty="0" err="1"/>
+              <a:t>nSrcHeight</a:t>
+            </a:r>
+            <a:r>
+              <a:rPr lang="en-US" altLang="zh-CN" dirty="0"/>
+              <a:t>, </a:t>
+            </a:r>
+            <a:endParaRPr lang="en-US" altLang="zh-CN" dirty="0" smtClean="0"/>
+          </a:p>
+          <a:p>
+            <a:pPr>
+              <a:buNone/>
+            </a:pPr>
+            <a:r>
+              <a:rPr lang="en-US" altLang="zh-CN" dirty="0"/>
+              <a:t>	</a:t>
+            </a:r>
+            <a:r>
+              <a:rPr lang="en-US" altLang="zh-CN" dirty="0" smtClean="0"/>
+              <a:t>	CONST </a:t>
+            </a:r>
+            <a:r>
+              <a:rPr lang="en-US" altLang="zh-CN" dirty="0"/>
+              <a:t>VOID *</a:t>
+            </a:r>
+            <a:r>
+              <a:rPr lang="en-US" altLang="zh-CN" dirty="0" err="1"/>
+              <a:t>lpBits</a:t>
+            </a:r>
+            <a:r>
+              <a:rPr lang="en-US" altLang="zh-CN" dirty="0"/>
+              <a:t>, </a:t>
+            </a:r>
+            <a:r>
+              <a:rPr lang="en-US" altLang="zh-CN" dirty="0" smtClean="0"/>
+              <a:t> CONST </a:t>
+            </a:r>
+            <a:r>
+              <a:rPr lang="en-US" altLang="zh-CN" dirty="0"/>
+              <a:t>BITMAPINFO * </a:t>
+            </a:r>
+            <a:r>
+              <a:rPr lang="en-US" altLang="zh-CN" dirty="0" err="1"/>
+              <a:t>lpBitsInfo</a:t>
+            </a:r>
+            <a:r>
+              <a:rPr lang="en-US" altLang="zh-CN" dirty="0"/>
+              <a:t>, </a:t>
+            </a:r>
+            <a:r>
+              <a:rPr lang="en-US" altLang="zh-CN" dirty="0" smtClean="0"/>
+              <a:t> UINT </a:t>
+            </a:r>
+            <a:r>
+              <a:rPr lang="en-US" altLang="zh-CN" dirty="0" err="1"/>
+              <a:t>iUsage</a:t>
+            </a:r>
+            <a:r>
+              <a:rPr lang="en-US" altLang="zh-CN" dirty="0"/>
+              <a:t>, </a:t>
+            </a:r>
+            <a:endParaRPr lang="en-US" altLang="zh-CN" dirty="0" smtClean="0"/>
+          </a:p>
+          <a:p>
+            <a:pPr>
+              <a:buNone/>
+            </a:pPr>
+            <a:r>
+              <a:rPr lang="en-US" altLang="zh-CN" dirty="0"/>
+              <a:t>	</a:t>
+            </a:r>
+            <a:r>
+              <a:rPr lang="en-US" altLang="zh-CN" dirty="0" smtClean="0"/>
+              <a:t>	DWORD </a:t>
+            </a:r>
+            <a:r>
+              <a:rPr lang="en-US" altLang="zh-CN" dirty="0" err="1"/>
               <a:t>dwRop</a:t>
             </a:r>
             <a:r>
-              <a:rPr lang="en-US" altLang="zh-CN" dirty="0" smtClean="0"/>
-              <a:t>);</a:t>
-            </a:r>
+              <a:rPr lang="en-US" altLang="zh-CN" dirty="0"/>
+              <a:t>)</a:t>
+            </a:r>
+            <a:r>
+              <a:rPr lang="zh-CN" altLang="en-US" dirty="0"/>
+              <a:t>；</a:t>
+            </a:r>
+            <a:endParaRPr lang="en-US" altLang="zh-CN" dirty="0" smtClean="0"/>
           </a:p>
           <a:p>
             <a:r>
               <a:rPr lang="en-US" altLang="zh-CN" dirty="0" err="1"/>
-              <a:t>hDestDC</a:t>
+              <a:t>hdc</a:t>
             </a:r>
             <a:r>
               <a:rPr lang="zh-CN" altLang="en-US" dirty="0"/>
-              <a:t>：指向目标设备环境的</a:t>
-            </a:r>
-            <a:r>
-              <a:rPr lang="zh-CN" altLang="en-US" dirty="0">
-                <a:hlinkClick r:id="rId2"/>
-              </a:rPr>
-              <a:t>句柄</a:t>
+              <a:t>：指向目标设备环境的句柄。</a:t>
+            </a:r>
+          </a:p>
+          <a:p>
+            <a:r>
+              <a:rPr lang="en-US" altLang="zh-CN" dirty="0" err="1"/>
+              <a:t>XDest</a:t>
             </a:r>
             <a:r>
               <a:rPr lang="zh-CN" altLang="en-US" dirty="0"/>
-              <a:t>。</a:t>
-            </a:r>
-          </a:p>
-          <a:p>
-            <a:r>
-              <a:rPr lang="en-US" altLang="zh-CN" dirty="0"/>
-              <a:t>x</a:t>
-            </a:r>
-            <a:r>
-              <a:rPr lang="zh-CN" altLang="en-US" dirty="0"/>
-              <a:t>：指定目标矩形区域左上角的</a:t>
+              <a:t>：指定目标矩形左上角位置的</a:t>
             </a:r>
             <a:r>
               <a:rPr lang="en-US" altLang="zh-CN" dirty="0"/>
@@ -18917,17 +19639,17 @@
             </a:r>
             <a:r>
               <a:rPr lang="zh-CN" altLang="en-US" dirty="0"/>
-              <a:t>轴逻辑坐标。</a:t>
-            </a:r>
-          </a:p>
-          <a:p>
-            <a:r>
-              <a:rPr lang="en-US" altLang="zh-CN" dirty="0"/>
-              <a:t>y</a:t>
+              <a:t>轴坐标，按逻辑单位来表示坐标。</a:t>
+            </a:r>
+          </a:p>
+          <a:p>
+            <a:r>
+              <a:rPr lang="en-US" altLang="zh-CN" dirty="0" err="1"/>
+              <a:t>YDest</a:t>
             </a:r>
             <a:r>
               <a:rPr lang="zh-CN" altLang="en-US" dirty="0"/>
-              <a:t>：指定目标矩形区域左上角的</a:t>
+              <a:t>：指定目标矩形左上角的</a:t>
             </a:r>
             <a:r>
               <a:rPr lang="en-US" altLang="zh-CN" dirty="0"/>
@@ -18935,47 +19657,45 @@
             </a:r>
             <a:r>
               <a:rPr lang="zh-CN" altLang="en-US" dirty="0"/>
-              <a:t>轴逻辑坐标。</a:t>
+              <a:t>轴坐标，按逻辑单位表示坐标。</a:t>
             </a:r>
           </a:p>
           <a:p>
             <a:r>
               <a:rPr lang="en-US" altLang="zh-CN" dirty="0" err="1"/>
-              <a:t>nWidth</a:t>
+              <a:t>nDestWidth</a:t>
             </a:r>
             <a:r>
               <a:rPr lang="zh-CN" altLang="en-US" dirty="0"/>
-              <a:t>：指定源在目标矩形区域的逻辑宽度。</a:t>
+              <a:t>：指定目标矩形的宽度。</a:t>
             </a:r>
           </a:p>
           <a:p>
             <a:r>
               <a:rPr lang="en-US" altLang="zh-CN" dirty="0" err="1"/>
-              <a:t>nHeight</a:t>
+              <a:t>nDestHeight</a:t>
             </a:r>
             <a:r>
               <a:rPr lang="zh-CN" altLang="en-US" dirty="0"/>
-              <a:t>：指定源在目标矩形区域的逻辑高度。</a:t>
+              <a:t>：指定目标矩形的高度。</a:t>
             </a:r>
           </a:p>
           <a:p>
             <a:r>
               <a:rPr lang="en-US" altLang="zh-CN" dirty="0" err="1"/>
-              <a:t>hSrcDC</a:t>
+              <a:t>XSrc</a:t>
             </a:r>
             <a:r>
               <a:rPr lang="zh-CN" altLang="en-US" dirty="0"/>
-              <a:t>：指向源设备环境的句柄。</a:t>
-            </a:r>
-          </a:p>
-          <a:p>
-            <a:r>
-              <a:rPr lang="en-US" altLang="zh-CN" dirty="0" err="1"/>
-              <a:t>xSrc</a:t>
+              <a:t>：指定</a:t>
+            </a:r>
+            <a:r>
+              <a:rPr lang="en-US" altLang="zh-CN" dirty="0"/>
+              <a:t>DIB</a:t>
             </a:r>
             <a:r>
               <a:rPr lang="zh-CN" altLang="en-US" dirty="0"/>
-              <a:t>：指定源矩形区域左上角的</a:t>
+              <a:t>中源矩形（左上角）的</a:t>
             </a:r>
             <a:r>
               <a:rPr lang="en-US" altLang="zh-CN" dirty="0"/>
@@ -18983,17 +19703,25 @@
             </a:r>
             <a:r>
               <a:rPr lang="zh-CN" altLang="en-US" dirty="0"/>
-              <a:t>轴逻辑坐标。</a:t>
+              <a:t>轴坐标，坐标以像素点表示。</a:t>
             </a:r>
           </a:p>
           <a:p>
             <a:r>
               <a:rPr lang="en-US" altLang="zh-CN" dirty="0" err="1"/>
-              <a:t>ySrc</a:t>
+              <a:t>YSrc</a:t>
             </a:r>
             <a:r>
               <a:rPr lang="zh-CN" altLang="en-US" dirty="0"/>
-              <a:t>：指定源矩形区域左上角的</a:t>
+              <a:t>：指定</a:t>
+            </a:r>
+            <a:r>
+              <a:rPr lang="en-US" altLang="zh-CN" dirty="0"/>
+              <a:t>DIB</a:t>
+            </a:r>
+            <a:r>
+              <a:rPr lang="zh-CN" altLang="en-US" dirty="0"/>
+              <a:t>中源矩形（左上角）的</a:t>
             </a:r>
             <a:r>
               <a:rPr lang="en-US" altLang="zh-CN" dirty="0"/>
@@ -19001,8 +19729,140 @@
             </a:r>
             <a:r>
               <a:rPr lang="zh-CN" altLang="en-US" dirty="0"/>
-              <a:t>轴逻辑坐标。</a:t>
-            </a:r>
+              <a:t>轴坐标，坐标以像素点表示。</a:t>
+            </a:r>
+          </a:p>
+          <a:p>
+            <a:r>
+              <a:rPr lang="en-US" altLang="zh-CN" dirty="0" err="1"/>
+              <a:t>nSrcWidth</a:t>
+            </a:r>
+            <a:r>
+              <a:rPr lang="zh-CN" altLang="en-US" dirty="0"/>
+              <a:t>：按像素点指定</a:t>
+            </a:r>
+            <a:r>
+              <a:rPr lang="en-US" altLang="zh-CN" dirty="0"/>
+              <a:t>DIB</a:t>
+            </a:r>
+            <a:r>
+              <a:rPr lang="zh-CN" altLang="en-US" dirty="0"/>
+              <a:t>中源矩形的宽度。</a:t>
+            </a:r>
+          </a:p>
+          <a:p>
+            <a:r>
+              <a:rPr lang="en-US" altLang="zh-CN" dirty="0" err="1"/>
+              <a:t>nSrcHeight</a:t>
+            </a:r>
+            <a:r>
+              <a:rPr lang="zh-CN" altLang="en-US" dirty="0"/>
+              <a:t>：按像素点指定</a:t>
+            </a:r>
+            <a:r>
+              <a:rPr lang="en-US" altLang="zh-CN" dirty="0"/>
+              <a:t>DIB</a:t>
+            </a:r>
+            <a:r>
+              <a:rPr lang="zh-CN" altLang="en-US" dirty="0"/>
+              <a:t>中源矩形的高度。</a:t>
+            </a:r>
+          </a:p>
+          <a:p>
+            <a:r>
+              <a:rPr lang="en-US" altLang="zh-CN" dirty="0" err="1"/>
+              <a:t>lpBits</a:t>
+            </a:r>
+            <a:r>
+              <a:rPr lang="zh-CN" altLang="en-US" dirty="0"/>
+              <a:t>：指向</a:t>
+            </a:r>
+            <a:r>
+              <a:rPr lang="en-US" altLang="zh-CN" dirty="0"/>
+              <a:t>DIB</a:t>
+            </a:r>
+            <a:r>
+              <a:rPr lang="zh-CN" altLang="en-US" dirty="0"/>
+              <a:t>位的指针，这些位的值按字节类型数组</a:t>
+            </a:r>
+            <a:r>
+              <a:rPr lang="zh-CN" altLang="en-US" dirty="0" smtClean="0"/>
+              <a:t>存储</a:t>
+            </a:r>
+            <a:endParaRPr lang="zh-CN" altLang="en-US" dirty="0"/>
+          </a:p>
+          <a:p>
+            <a:r>
+              <a:rPr lang="en-US" altLang="zh-CN" dirty="0" err="1"/>
+              <a:t>lpBitsInfo</a:t>
+            </a:r>
+            <a:r>
+              <a:rPr lang="zh-CN" altLang="en-US" dirty="0"/>
+              <a:t>：指向</a:t>
+            </a:r>
+            <a:r>
+              <a:rPr lang="en-US" altLang="zh-CN" dirty="0"/>
+              <a:t>BITMAPINFO</a:t>
+            </a:r>
+            <a:r>
+              <a:rPr lang="zh-CN" altLang="en-US" dirty="0"/>
+              <a:t>结构的指针，该结构包含有关</a:t>
+            </a:r>
+            <a:r>
+              <a:rPr lang="en-US" altLang="zh-CN" dirty="0"/>
+              <a:t>DIB</a:t>
+            </a:r>
+            <a:r>
+              <a:rPr lang="zh-CN" altLang="en-US" dirty="0"/>
+              <a:t>方面的信息。</a:t>
+            </a:r>
+          </a:p>
+          <a:p>
+            <a:r>
+              <a:rPr lang="en-US" altLang="zh-CN" dirty="0" err="1"/>
+              <a:t>iUsage</a:t>
+            </a:r>
+            <a:r>
+              <a:rPr lang="zh-CN" altLang="en-US" dirty="0"/>
+              <a:t>：表示是否提供了</a:t>
+            </a:r>
+            <a:r>
+              <a:rPr lang="en-US" altLang="zh-CN" dirty="0"/>
+              <a:t>BITMAPINFO</a:t>
+            </a:r>
+            <a:r>
+              <a:rPr lang="zh-CN" altLang="en-US" dirty="0"/>
+              <a:t>结构中的成员</a:t>
+            </a:r>
+            <a:r>
+              <a:rPr lang="en-US" altLang="zh-CN" dirty="0" err="1"/>
+              <a:t>bmiColors</a:t>
+            </a:r>
+            <a:r>
+              <a:rPr lang="zh-CN" altLang="en-US" dirty="0"/>
+              <a:t>，如果提供了，那么该</a:t>
+            </a:r>
+            <a:r>
+              <a:rPr lang="en-US" altLang="zh-CN" dirty="0" err="1"/>
+              <a:t>bmiColors</a:t>
+            </a:r>
+            <a:r>
+              <a:rPr lang="zh-CN" altLang="en-US" dirty="0"/>
+              <a:t>是否包含了明确的</a:t>
+            </a:r>
+            <a:r>
+              <a:rPr lang="en-US" altLang="zh-CN" dirty="0"/>
+              <a:t>RGB</a:t>
+            </a:r>
+            <a:r>
+              <a:rPr lang="zh-CN" altLang="en-US" dirty="0"/>
+              <a:t>值或</a:t>
+            </a:r>
+            <a:r>
+              <a:rPr lang="zh-CN" altLang="en-US" dirty="0" smtClean="0"/>
+              <a:t>索引。</a:t>
+            </a:r>
+            <a:endParaRPr lang="en-US" altLang="zh-CN" dirty="0" smtClean="0"/>
           </a:p>
           <a:p>
             <a:r>
@@ -19011,13 +19871,8 @@
             </a:r>
             <a:r>
               <a:rPr lang="zh-CN" altLang="en-US" dirty="0"/>
-              <a:t>：指定光栅操作代码。这些代码将定义源矩形区域的颜色数据，如何与目标矩形区域的颜色数据组合以完成最后的颜色。</a:t>
-            </a:r>
-          </a:p>
-          <a:p>
-            <a:pPr>
-              <a:buNone/>
-            </a:pPr>
+              <a:t>：指定源像素点、目标设备环境的当前刷子和目标像素点是如何组合形成新的图像。</a:t>
+            </a:r>
             <a:endParaRPr lang="en-US" altLang="zh-CN" dirty="0" smtClean="0"/>
           </a:p>
         </p:txBody>
@@ -19119,35 +19974,300 @@
               <a:buNone/>
             </a:pPr>
             <a:r>
-              <a:rPr lang="en-US" altLang="zh-CN" dirty="0"/>
-              <a:t>	</a:t>
-            </a:r>
-            <a:r>
-              <a:rPr lang="en-US" altLang="zh-CN" sz="2000" dirty="0"/>
+              <a:rPr lang="en-US" altLang="zh-CN" sz="1400" dirty="0" smtClean="0"/>
               <a:t>HDC </a:t>
             </a:r>
             <a:r>
-              <a:rPr lang="en-US" altLang="zh-CN" sz="2000" dirty="0" err="1"/>
+              <a:rPr lang="en-US" altLang="zh-CN" sz="1400" dirty="0" err="1"/>
               <a:t>hdc</a:t>
             </a:r>
             <a:r>
-              <a:rPr lang="en-US" altLang="zh-CN" sz="2000" dirty="0"/>
+              <a:rPr lang="en-US" altLang="zh-CN" sz="1400" dirty="0"/>
               <a:t> = </a:t>
             </a:r>
             <a:r>
-              <a:rPr lang="en-US" altLang="zh-CN" sz="2000" dirty="0" err="1"/>
+              <a:rPr lang="en-US" altLang="zh-CN" sz="1400" dirty="0" err="1"/>
               <a:t>GetDC</a:t>
             </a:r>
             <a:r>
-              <a:rPr lang="en-US" altLang="zh-CN" sz="2000" dirty="0"/>
+              <a:rPr lang="en-US" altLang="zh-CN" sz="1400" dirty="0"/>
               <a:t>(</a:t>
             </a:r>
             <a:r>
-              <a:rPr lang="en-US" altLang="zh-CN" sz="2000" dirty="0" err="1"/>
+              <a:rPr lang="en-US" altLang="zh-CN" sz="1400" dirty="0" err="1"/>
               <a:t>m_hWnd</a:t>
             </a:r>
             <a:r>
-              <a:rPr lang="en-US" altLang="zh-CN" sz="2000" dirty="0"/>
+              <a:rPr lang="en-US" altLang="zh-CN" sz="1400" dirty="0"/>
+              <a:t>);				</a:t>
+            </a:r>
+          </a:p>
+          <a:p>
+            <a:pPr>
+              <a:buNone/>
+            </a:pPr>
+            <a:r>
+              <a:rPr lang="en-US" altLang="zh-CN" sz="1400" dirty="0"/>
+              <a:t>BITMAPINFO </a:t>
+            </a:r>
+            <a:r>
+              <a:rPr lang="en-US" altLang="zh-CN" sz="1400" dirty="0" err="1"/>
+              <a:t>bmpInfo</a:t>
+            </a:r>
+            <a:r>
+              <a:rPr lang="en-US" altLang="zh-CN" sz="1400" dirty="0"/>
+              <a:t>; //</a:t>
+            </a:r>
+            <a:r>
+              <a:rPr lang="zh-CN" altLang="en-US" sz="1400" dirty="0"/>
+              <a:t>创建位图 </a:t>
+            </a:r>
+          </a:p>
+          <a:p>
+            <a:pPr>
+              <a:buNone/>
+            </a:pPr>
+            <a:r>
+              <a:rPr lang="en-US" altLang="zh-CN" sz="1400" dirty="0" err="1"/>
+              <a:t>memset</a:t>
+            </a:r>
+            <a:r>
+              <a:rPr lang="en-US" altLang="zh-CN" sz="1400" dirty="0"/>
+              <a:t>(&amp;</a:t>
+            </a:r>
+            <a:r>
+              <a:rPr lang="en-US" altLang="zh-CN" sz="1400" dirty="0" err="1"/>
+              <a:t>bmpInfo</a:t>
+            </a:r>
+            <a:r>
+              <a:rPr lang="en-US" altLang="zh-CN" sz="1400" dirty="0"/>
+              <a:t>, 0, </a:t>
+            </a:r>
+            <a:r>
+              <a:rPr lang="en-US" altLang="zh-CN" sz="1400" dirty="0" err="1"/>
+              <a:t>sizeof</a:t>
+            </a:r>
+            <a:r>
+              <a:rPr lang="en-US" altLang="zh-CN" sz="1400" dirty="0"/>
+              <a:t>(BITMAPINFO));</a:t>
+            </a:r>
+          </a:p>
+          <a:p>
+            <a:pPr>
+              <a:buNone/>
+            </a:pPr>
+            <a:r>
+              <a:rPr lang="en-US" altLang="zh-CN" sz="1400" dirty="0" err="1"/>
+              <a:t>bmpInfo.bmiHeader.biSize</a:t>
+            </a:r>
+            <a:r>
+              <a:rPr lang="en-US" altLang="zh-CN" sz="1400" dirty="0"/>
+              <a:t> = </a:t>
+            </a:r>
+            <a:r>
+              <a:rPr lang="en-US" altLang="zh-CN" sz="1400" dirty="0" err="1"/>
+              <a:t>sizeof</a:t>
+            </a:r>
+            <a:r>
+              <a:rPr lang="en-US" altLang="zh-CN" sz="1400" dirty="0"/>
+              <a:t>(BITMAPINFOHEADER);</a:t>
+            </a:r>
+          </a:p>
+          <a:p>
+            <a:pPr>
+              <a:buNone/>
+            </a:pPr>
+            <a:r>
+              <a:rPr lang="en-US" altLang="zh-CN" sz="1400" dirty="0" err="1"/>
+              <a:t>bmpInfo.bmiHeader.biWidth</a:t>
+            </a:r>
+            <a:r>
+              <a:rPr lang="en-US" altLang="zh-CN" sz="1400" dirty="0"/>
+              <a:t> = </a:t>
+            </a:r>
+            <a:r>
+              <a:rPr lang="en-US" altLang="zh-CN" sz="1400" dirty="0" err="1"/>
+              <a:t>m_iWidth</a:t>
+            </a:r>
+            <a:r>
+              <a:rPr lang="en-US" altLang="zh-CN" sz="1400" dirty="0"/>
+              <a:t>;//</a:t>
+            </a:r>
+            <a:r>
+              <a:rPr lang="zh-CN" altLang="en-US" sz="1400" dirty="0"/>
+              <a:t>宽度</a:t>
+            </a:r>
+          </a:p>
+          <a:p>
+            <a:pPr>
+              <a:buNone/>
+            </a:pPr>
+            <a:r>
+              <a:rPr lang="en-US" altLang="zh-CN" sz="1400" dirty="0" err="1"/>
+              <a:t>bmpInfo.bmiHeader.biHeight</a:t>
+            </a:r>
+            <a:r>
+              <a:rPr lang="en-US" altLang="zh-CN" sz="1400" dirty="0"/>
+              <a:t> = </a:t>
+            </a:r>
+            <a:r>
+              <a:rPr lang="en-US" altLang="zh-CN" sz="1400" dirty="0" err="1"/>
+              <a:t>m_iHeight</a:t>
+            </a:r>
+            <a:r>
+              <a:rPr lang="en-US" altLang="zh-CN" sz="1400" dirty="0"/>
+              <a:t>;//</a:t>
+            </a:r>
+            <a:r>
+              <a:rPr lang="zh-CN" altLang="en-US" sz="1400" dirty="0"/>
+              <a:t>高度</a:t>
+            </a:r>
+          </a:p>
+          <a:p>
+            <a:pPr>
+              <a:buNone/>
+            </a:pPr>
+            <a:r>
+              <a:rPr lang="en-US" altLang="zh-CN" sz="1400" dirty="0" err="1"/>
+              <a:t>bmpInfo.bmiHeader.biPlanes</a:t>
+            </a:r>
+            <a:r>
+              <a:rPr lang="en-US" altLang="zh-CN" sz="1400" dirty="0"/>
+              <a:t> = 1;</a:t>
+            </a:r>
+          </a:p>
+          <a:p>
+            <a:pPr>
+              <a:buNone/>
+            </a:pPr>
+            <a:r>
+              <a:rPr lang="en-US" altLang="zh-CN" sz="1400" dirty="0" err="1"/>
+              <a:t>bmpInfo.bmiHeader.biBitCount</a:t>
+            </a:r>
+            <a:r>
+              <a:rPr lang="en-US" altLang="zh-CN" sz="1400" dirty="0"/>
+              <a:t> = 32;</a:t>
+            </a:r>
+          </a:p>
+          <a:p>
+            <a:pPr>
+              <a:buNone/>
+            </a:pPr>
+            <a:r>
+              <a:rPr lang="en-US" altLang="zh-CN" sz="1400" dirty="0" err="1"/>
+              <a:t>bmpInfo.bmiHeader.biCompression</a:t>
+            </a:r>
+            <a:r>
+              <a:rPr lang="en-US" altLang="zh-CN" sz="1400" dirty="0"/>
+              <a:t> = BI_RGB;</a:t>
+            </a:r>
+          </a:p>
+          <a:p>
+            <a:pPr>
+              <a:buNone/>
+            </a:pPr>
+            <a:endParaRPr lang="en-US" altLang="zh-CN" sz="1400" dirty="0"/>
+          </a:p>
+          <a:p>
+            <a:pPr>
+              <a:buNone/>
+            </a:pPr>
+            <a:r>
+              <a:rPr lang="en-US" altLang="zh-CN" sz="1400" dirty="0" err="1" smtClean="0"/>
+              <a:t>StretchDIBits</a:t>
+            </a:r>
+            <a:r>
+              <a:rPr lang="en-US" altLang="zh-CN" sz="1400" dirty="0" smtClean="0"/>
+              <a:t>(</a:t>
+            </a:r>
+            <a:r>
+              <a:rPr lang="en-US" altLang="zh-CN" sz="1400" dirty="0" err="1" smtClean="0"/>
+              <a:t>hdc</a:t>
+            </a:r>
+            <a:r>
+              <a:rPr lang="en-US" altLang="zh-CN" sz="1400" dirty="0"/>
+              <a:t>, 0, 0, </a:t>
+            </a:r>
+            <a:r>
+              <a:rPr lang="en-US" altLang="zh-CN" sz="1400" dirty="0" err="1"/>
+              <a:t>m_iWidth</a:t>
+            </a:r>
+            <a:r>
+              <a:rPr lang="en-US" altLang="zh-CN" sz="1400" dirty="0"/>
+              <a:t>, </a:t>
+            </a:r>
+            <a:r>
+              <a:rPr lang="en-US" altLang="zh-CN" sz="1400" dirty="0" err="1"/>
+              <a:t>m_iHeight</a:t>
+            </a:r>
+            <a:r>
+              <a:rPr lang="en-US" altLang="zh-CN" sz="1400" dirty="0"/>
+              <a:t>, 0, </a:t>
+            </a:r>
+            <a:r>
+              <a:rPr lang="en-US" altLang="zh-CN" sz="1400" dirty="0" err="1"/>
+              <a:t>m_iHeight</a:t>
+            </a:r>
+            <a:r>
+              <a:rPr lang="en-US" altLang="zh-CN" sz="1400" dirty="0"/>
+              <a:t>, </a:t>
+            </a:r>
+            <a:r>
+              <a:rPr lang="en-US" altLang="zh-CN" sz="1400" dirty="0" err="1"/>
+              <a:t>m_iWidth</a:t>
+            </a:r>
+            <a:r>
+              <a:rPr lang="en-US" altLang="zh-CN" sz="1400" dirty="0"/>
+              <a:t>, -</a:t>
+            </a:r>
+            <a:r>
+              <a:rPr lang="en-US" altLang="zh-CN" sz="1400" dirty="0" err="1"/>
+              <a:t>m_iHeight</a:t>
+            </a:r>
+            <a:r>
+              <a:rPr lang="en-US" altLang="zh-CN" sz="1400" dirty="0"/>
+              <a:t>, buffer, &amp;</a:t>
+            </a:r>
+            <a:r>
+              <a:rPr lang="en-US" altLang="zh-CN" sz="1400" dirty="0" err="1"/>
+              <a:t>bmpInfo</a:t>
+            </a:r>
+            <a:r>
+              <a:rPr lang="en-US" altLang="zh-CN" sz="1400" dirty="0"/>
+              <a:t>, DIB_RGB_COLORS, SRCCOPY);</a:t>
+            </a:r>
+          </a:p>
+          <a:p>
+            <a:pPr>
+              <a:buNone/>
+            </a:pPr>
+            <a:r>
+              <a:rPr lang="en-US" altLang="zh-CN" sz="1400" dirty="0"/>
+              <a:t>			</a:t>
+            </a:r>
+          </a:p>
+          <a:p>
+            <a:pPr>
+              <a:buNone/>
+            </a:pPr>
+            <a:r>
+              <a:rPr lang="en-US" altLang="zh-CN" sz="1400" dirty="0"/>
+              <a:t>::</a:t>
+            </a:r>
+            <a:r>
+              <a:rPr lang="en-US" altLang="zh-CN" sz="1400" dirty="0" err="1"/>
+              <a:t>SwapBuffers</a:t>
+            </a:r>
+            <a:r>
+              <a:rPr lang="en-US" altLang="zh-CN" sz="1400" dirty="0"/>
+              <a:t>(</a:t>
+            </a:r>
+            <a:r>
+              <a:rPr lang="en-US" altLang="zh-CN" sz="1400" dirty="0" err="1"/>
+              <a:t>hdc</a:t>
+            </a:r>
+            <a:r>
+              <a:rPr lang="en-US" altLang="zh-CN" sz="1400" dirty="0"/>
               <a:t>);</a:t>
             </a:r>
           </a:p>
@@ -19156,258 +20276,30 @@
               <a:buNone/>
             </a:pPr>
             <a:r>
-              <a:rPr lang="en-US" altLang="zh-CN" sz="2000" dirty="0"/>
-              <a:t>	static HDC mdc = </a:t>
-            </a:r>
-            <a:r>
-              <a:rPr lang="en-US" altLang="zh-CN" sz="2000" dirty="0" err="1"/>
-              <a:t>CreateCompatibleDC</a:t>
-            </a:r>
-            <a:r>
-              <a:rPr lang="en-US" altLang="zh-CN" sz="2000" dirty="0"/>
+              <a:rPr lang="en-US" altLang="zh-CN" sz="1400" dirty="0" err="1" smtClean="0"/>
+              <a:t>ReleaseDC</a:t>
+            </a:r>
+            <a:r>
+              <a:rPr lang="en-US" altLang="zh-CN" sz="1400" dirty="0" smtClean="0"/>
               <a:t>(</a:t>
             </a:r>
             <a:r>
-              <a:rPr lang="en-US" altLang="zh-CN" sz="2000" dirty="0" err="1"/>
+              <a:rPr lang="en-US" altLang="zh-CN" sz="1400" dirty="0" err="1" smtClean="0"/>
+              <a:t>m_hWnd</a:t>
+            </a:r>
+            <a:r>
+              <a:rPr lang="en-US" altLang="zh-CN" sz="1400" dirty="0"/>
+              <a:t>, </a:t>
+            </a:r>
+            <a:r>
+              <a:rPr lang="en-US" altLang="zh-CN" sz="1400" dirty="0" err="1"/>
               <a:t>hdc</a:t>
             </a:r>
             <a:r>
-              <a:rPr lang="en-US" altLang="zh-CN" sz="2000" dirty="0"/>
-              <a:t>);HBITMAP </a:t>
-            </a:r>
-            <a:r>
-              <a:rPr lang="en-US" altLang="zh-CN" sz="2000" dirty="0" err="1"/>
-              <a:t>hBitmap</a:t>
-            </a:r>
-            <a:r>
-              <a:rPr lang="en-US" altLang="zh-CN" sz="2000" dirty="0"/>
-              <a:t> = </a:t>
-            </a:r>
-            <a:r>
-              <a:rPr lang="en-US" altLang="zh-CN" sz="2000" dirty="0" err="1"/>
-              <a:t>CreateBitmap</a:t>
-            </a:r>
-            <a:r>
-              <a:rPr lang="en-US" altLang="zh-CN" sz="2000" dirty="0"/>
-              <a:t>(</a:t>
-            </a:r>
-            <a:r>
-              <a:rPr lang="en-US" altLang="zh-CN" sz="2000" dirty="0" err="1"/>
-              <a:t>m_iWidth</a:t>
-            </a:r>
-            <a:r>
-              <a:rPr lang="en-US" altLang="zh-CN" sz="2000" dirty="0"/>
-              <a:t>, </a:t>
-            </a:r>
-            <a:r>
-              <a:rPr lang="en-US" altLang="zh-CN" sz="2000" dirty="0" err="1"/>
-              <a:t>m_iHeight</a:t>
-            </a:r>
-            <a:r>
-              <a:rPr lang="en-US" altLang="zh-CN" sz="2000" dirty="0"/>
-              <a:t>, 1, 32, </a:t>
-            </a:r>
-            <a:r>
-              <a:rPr lang="en-US" altLang="zh-CN" sz="2000" dirty="0">
-                <a:solidFill>
-                  <a:srgbClr val="FF0000"/>
-                </a:solidFill>
-              </a:rPr>
-              <a:t>buffer</a:t>
-            </a:r>
-            <a:r>
-              <a:rPr lang="en-US" altLang="zh-CN" sz="2000" dirty="0"/>
-              <a:t>);</a:t>
-            </a:r>
-          </a:p>
-          <a:p>
-            <a:pPr>
-              <a:buNone/>
-            </a:pPr>
-            <a:r>
-              <a:rPr lang="en-US" altLang="zh-CN" sz="2000" dirty="0"/>
-              <a:t>	</a:t>
-            </a:r>
-            <a:r>
-              <a:rPr lang="en-US" altLang="zh-CN" sz="2000" dirty="0" err="1"/>
-              <a:t>SelectObject</a:t>
-            </a:r>
-            <a:r>
-              <a:rPr lang="en-US" altLang="zh-CN" sz="2000" dirty="0"/>
-              <a:t>(mdc, </a:t>
-            </a:r>
-            <a:r>
-              <a:rPr lang="en-US" altLang="zh-CN" sz="2000" dirty="0" err="1"/>
-              <a:t>hBitmap</a:t>
-            </a:r>
-            <a:r>
-              <a:rPr lang="en-US" altLang="zh-CN" sz="2000" dirty="0"/>
-              <a:t>);</a:t>
-            </a:r>
-          </a:p>
-          <a:p>
-            <a:pPr>
-              <a:buNone/>
-            </a:pPr>
-            <a:r>
-              <a:rPr lang="en-US" altLang="zh-CN" sz="2000" dirty="0">
-                <a:solidFill>
-                  <a:srgbClr val="FF0000"/>
-                </a:solidFill>
-              </a:rPr>
-              <a:t>	</a:t>
-            </a:r>
-            <a:r>
-              <a:rPr lang="en-US" altLang="zh-CN" sz="2000" dirty="0" err="1">
-                <a:solidFill>
-                  <a:srgbClr val="FF0000"/>
-                </a:solidFill>
-              </a:rPr>
-              <a:t>BitBlt</a:t>
-            </a:r>
-            <a:r>
-              <a:rPr lang="en-US" altLang="zh-CN" sz="2000" dirty="0">
-                <a:solidFill>
-                  <a:srgbClr val="FF0000"/>
-                </a:solidFill>
-              </a:rPr>
-              <a:t>(</a:t>
-            </a:r>
-            <a:r>
-              <a:rPr lang="en-US" altLang="zh-CN" sz="2000" dirty="0" err="1">
-                <a:solidFill>
-                  <a:srgbClr val="FF0000"/>
-                </a:solidFill>
-              </a:rPr>
-              <a:t>hdc</a:t>
-            </a:r>
-            <a:r>
-              <a:rPr lang="en-US" altLang="zh-CN" sz="2000" dirty="0">
-                <a:solidFill>
-                  <a:srgbClr val="FF0000"/>
-                </a:solidFill>
-              </a:rPr>
-              <a:t>, 0, 0, </a:t>
-            </a:r>
-            <a:r>
-              <a:rPr lang="en-US" altLang="zh-CN" sz="2000" dirty="0" err="1">
-                <a:solidFill>
-                  <a:srgbClr val="FF0000"/>
-                </a:solidFill>
-              </a:rPr>
-              <a:t>m_iWidth</a:t>
-            </a:r>
-            <a:r>
-              <a:rPr lang="en-US" altLang="zh-CN" sz="2000" dirty="0">
-                <a:solidFill>
-                  <a:srgbClr val="FF0000"/>
-                </a:solidFill>
-              </a:rPr>
-              <a:t>, </a:t>
-            </a:r>
-            <a:r>
-              <a:rPr lang="en-US" altLang="zh-CN" sz="2000" dirty="0" err="1">
-                <a:solidFill>
-                  <a:srgbClr val="FF0000"/>
-                </a:solidFill>
-              </a:rPr>
-              <a:t>m_iHeight</a:t>
-            </a:r>
-            <a:r>
-              <a:rPr lang="en-US" altLang="zh-CN" sz="2000" dirty="0">
-                <a:solidFill>
-                  <a:srgbClr val="FF0000"/>
-                </a:solidFill>
-              </a:rPr>
-              <a:t>, mdc, 0, 0, SRCCOPY);</a:t>
-            </a:r>
-          </a:p>
-          <a:p>
-            <a:pPr>
-              <a:buNone/>
-            </a:pPr>
-            <a:r>
-              <a:rPr lang="en-US" altLang="zh-CN" sz="2000" dirty="0"/>
-              <a:t>	::</a:t>
-            </a:r>
-            <a:r>
-              <a:rPr lang="en-US" altLang="zh-CN" sz="2000" dirty="0" err="1"/>
-              <a:t>SwapBuffers</a:t>
-            </a:r>
-            <a:r>
-              <a:rPr lang="en-US" altLang="zh-CN" sz="2000" dirty="0"/>
-              <a:t>(</a:t>
-            </a:r>
-            <a:r>
-              <a:rPr lang="en-US" altLang="zh-CN" sz="2000" dirty="0" err="1"/>
-              <a:t>hdc</a:t>
-            </a:r>
-            <a:r>
-              <a:rPr lang="en-US" altLang="zh-CN" sz="2000" dirty="0"/>
-              <a:t>);</a:t>
-            </a:r>
-            <a:endParaRPr lang="zh-CN" altLang="en-US" sz="2000" dirty="0"/>
-          </a:p>
-          <a:p>
-            <a:pPr>
-              <a:buNone/>
-            </a:pPr>
-            <a:r>
-              <a:rPr lang="en-US" altLang="zh-CN" sz="2000" dirty="0"/>
-              <a:t>	</a:t>
-            </a:r>
-            <a:r>
-              <a:rPr lang="en-US" altLang="zh-CN" sz="2000" dirty="0" err="1"/>
-              <a:t>DeleteObject</a:t>
-            </a:r>
-            <a:r>
-              <a:rPr lang="en-US" altLang="zh-CN" sz="2000" dirty="0"/>
-              <a:t>(</a:t>
-            </a:r>
-            <a:r>
-              <a:rPr lang="en-US" altLang="zh-CN" sz="2000" dirty="0" err="1"/>
-              <a:t>hBitmap</a:t>
-            </a:r>
-            <a:r>
-              <a:rPr lang="en-US" altLang="zh-CN" sz="2000" dirty="0"/>
-              <a:t>);</a:t>
-            </a:r>
-          </a:p>
-          <a:p>
-            <a:pPr>
-              <a:buNone/>
-            </a:pPr>
-            <a:r>
-              <a:rPr lang="en-US" altLang="zh-CN" sz="2000" dirty="0"/>
-              <a:t>	</a:t>
-            </a:r>
-            <a:r>
-              <a:rPr lang="en-US" altLang="zh-CN" sz="2000" dirty="0" err="1"/>
-              <a:t>ReleaseDC</a:t>
-            </a:r>
-            <a:r>
-              <a:rPr lang="en-US" altLang="zh-CN" sz="2000" dirty="0"/>
-              <a:t>(</a:t>
-            </a:r>
-            <a:r>
-              <a:rPr lang="en-US" altLang="zh-CN" sz="2000" dirty="0" err="1"/>
-              <a:t>m_hWnd</a:t>
-            </a:r>
-            <a:r>
-              <a:rPr lang="en-US" altLang="zh-CN" sz="2000" dirty="0"/>
-              <a:t>, </a:t>
-            </a:r>
-            <a:r>
-              <a:rPr lang="en-US" altLang="zh-CN" sz="2000" dirty="0" err="1"/>
-              <a:t>hdc</a:t>
-            </a:r>
-            <a:r>
-              <a:rPr lang="en-US" altLang="zh-CN" sz="2000" dirty="0"/>
-              <a:t>);</a:t>
-            </a:r>
-          </a:p>
-          <a:p>
-            <a:endParaRPr lang="zh-CN" altLang="en-US" dirty="0"/>
+              <a:rPr lang="en-US" altLang="zh-CN" sz="1400" dirty="0"/>
+              <a:t>);	</a:t>
+            </a:r>
+            <a:endParaRPr lang="zh-CN" altLang="en-US" sz="1400" dirty="0"/>
           </a:p>
         </p:txBody>
       </p:sp>

--- a/SoftEngine/doc/SoftwareRender.pptx
+++ b/SoftEngine/doc/SoftwareRender.pptx
@@ -1,68 +1,68 @@
 
 <file path=ppt/presentation.xml><?xml version="1.0" encoding="utf-8"?>
-<p:presentation xmlns:a="http://schemas.openxmlformats.org/drawingml/2006/main" xmlns:r="http://schemas.openxmlformats.org/officeDocument/2006/relationships" xmlns:p="http://schemas.openxmlformats.org/presentationml/2006/main" saveSubsetFonts="1">
+<p:presentation xmlns:a="http://schemas.openxmlformats.org/drawingml/2006/main" xmlns:r="http://schemas.openxmlformats.org/officeDocument/2006/relationships" xmlns:p="http://schemas.openxmlformats.org/presentationml/2006/main">
   <p:sldMasterIdLst>
-    <p:sldMasterId id="2147483672" r:id="rId1"/>
-    <p:sldMasterId id="2147483684" r:id="rId2"/>
+    <p:sldMasterId id="2147483648" r:id="rId1"/>
+    <p:sldMasterId id="2147483660" r:id="rId3"/>
   </p:sldMasterIdLst>
   <p:notesMasterIdLst>
-    <p:notesMasterId r:id="rId57"/>
+    <p:notesMasterId r:id="rId58"/>
   </p:notesMasterIdLst>
   <p:sldIdLst>
-    <p:sldId id="257" r:id="rId3"/>
-    <p:sldId id="258" r:id="rId4"/>
-    <p:sldId id="259" r:id="rId5"/>
-    <p:sldId id="261" r:id="rId6"/>
-    <p:sldId id="260" r:id="rId7"/>
-    <p:sldId id="262" r:id="rId8"/>
-    <p:sldId id="263" r:id="rId9"/>
-    <p:sldId id="264" r:id="rId10"/>
-    <p:sldId id="306" r:id="rId11"/>
-    <p:sldId id="265" r:id="rId12"/>
-    <p:sldId id="266" r:id="rId13"/>
-    <p:sldId id="267" r:id="rId14"/>
-    <p:sldId id="268" r:id="rId15"/>
-    <p:sldId id="269" r:id="rId16"/>
-    <p:sldId id="270" r:id="rId17"/>
-    <p:sldId id="271" r:id="rId18"/>
-    <p:sldId id="272" r:id="rId19"/>
-    <p:sldId id="273" r:id="rId20"/>
-    <p:sldId id="274" r:id="rId21"/>
-    <p:sldId id="275" r:id="rId22"/>
-    <p:sldId id="276" r:id="rId23"/>
-    <p:sldId id="277" r:id="rId24"/>
-    <p:sldId id="278" r:id="rId25"/>
-    <p:sldId id="279" r:id="rId26"/>
-    <p:sldId id="280" r:id="rId27"/>
-    <p:sldId id="281" r:id="rId28"/>
-    <p:sldId id="307" r:id="rId29"/>
-    <p:sldId id="282" r:id="rId30"/>
-    <p:sldId id="283" r:id="rId31"/>
-    <p:sldId id="284" r:id="rId32"/>
-    <p:sldId id="285" r:id="rId33"/>
-    <p:sldId id="286" r:id="rId34"/>
-    <p:sldId id="287" r:id="rId35"/>
-    <p:sldId id="288" r:id="rId36"/>
-    <p:sldId id="289" r:id="rId37"/>
-    <p:sldId id="290" r:id="rId38"/>
-    <p:sldId id="291" r:id="rId39"/>
-    <p:sldId id="292" r:id="rId40"/>
-    <p:sldId id="308" r:id="rId41"/>
-    <p:sldId id="309" r:id="rId42"/>
-    <p:sldId id="310" r:id="rId43"/>
-    <p:sldId id="293" r:id="rId44"/>
-    <p:sldId id="294" r:id="rId45"/>
-    <p:sldId id="295" r:id="rId46"/>
-    <p:sldId id="296" r:id="rId47"/>
-    <p:sldId id="297" r:id="rId48"/>
-    <p:sldId id="298" r:id="rId49"/>
-    <p:sldId id="299" r:id="rId50"/>
-    <p:sldId id="300" r:id="rId51"/>
-    <p:sldId id="301" r:id="rId52"/>
-    <p:sldId id="302" r:id="rId53"/>
-    <p:sldId id="303" r:id="rId54"/>
-    <p:sldId id="304" r:id="rId55"/>
-    <p:sldId id="305" r:id="rId56"/>
+    <p:sldId id="257" r:id="rId4"/>
+    <p:sldId id="258" r:id="rId5"/>
+    <p:sldId id="259" r:id="rId6"/>
+    <p:sldId id="261" r:id="rId7"/>
+    <p:sldId id="260" r:id="rId8"/>
+    <p:sldId id="262" r:id="rId9"/>
+    <p:sldId id="263" r:id="rId10"/>
+    <p:sldId id="264" r:id="rId11"/>
+    <p:sldId id="306" r:id="rId12"/>
+    <p:sldId id="265" r:id="rId13"/>
+    <p:sldId id="266" r:id="rId14"/>
+    <p:sldId id="267" r:id="rId15"/>
+    <p:sldId id="268" r:id="rId16"/>
+    <p:sldId id="269" r:id="rId17"/>
+    <p:sldId id="270" r:id="rId18"/>
+    <p:sldId id="271" r:id="rId19"/>
+    <p:sldId id="272" r:id="rId20"/>
+    <p:sldId id="273" r:id="rId21"/>
+    <p:sldId id="274" r:id="rId22"/>
+    <p:sldId id="275" r:id="rId23"/>
+    <p:sldId id="276" r:id="rId24"/>
+    <p:sldId id="277" r:id="rId25"/>
+    <p:sldId id="278" r:id="rId26"/>
+    <p:sldId id="279" r:id="rId27"/>
+    <p:sldId id="280" r:id="rId28"/>
+    <p:sldId id="281" r:id="rId29"/>
+    <p:sldId id="307" r:id="rId30"/>
+    <p:sldId id="282" r:id="rId31"/>
+    <p:sldId id="283" r:id="rId32"/>
+    <p:sldId id="284" r:id="rId33"/>
+    <p:sldId id="285" r:id="rId34"/>
+    <p:sldId id="286" r:id="rId35"/>
+    <p:sldId id="287" r:id="rId36"/>
+    <p:sldId id="288" r:id="rId37"/>
+    <p:sldId id="289" r:id="rId38"/>
+    <p:sldId id="290" r:id="rId39"/>
+    <p:sldId id="291" r:id="rId40"/>
+    <p:sldId id="292" r:id="rId41"/>
+    <p:sldId id="308" r:id="rId42"/>
+    <p:sldId id="309" r:id="rId43"/>
+    <p:sldId id="310" r:id="rId44"/>
+    <p:sldId id="293" r:id="rId45"/>
+    <p:sldId id="294" r:id="rId46"/>
+    <p:sldId id="295" r:id="rId47"/>
+    <p:sldId id="296" r:id="rId48"/>
+    <p:sldId id="297" r:id="rId49"/>
+    <p:sldId id="298" r:id="rId50"/>
+    <p:sldId id="299" r:id="rId51"/>
+    <p:sldId id="300" r:id="rId52"/>
+    <p:sldId id="301" r:id="rId53"/>
+    <p:sldId id="302" r:id="rId54"/>
+    <p:sldId id="303" r:id="rId55"/>
+    <p:sldId id="304" r:id="rId56"/>
+    <p:sldId id="305" r:id="rId57"/>
   </p:sldIdLst>
   <p:sldSz cx="9144000" cy="6858000" type="screen4x3"/>
   <p:notesSz cx="6858000" cy="9144000"/>
@@ -246,7 +246,6 @@
           <a:p>
             <a:fld id="{7FD73F73-AD69-480B-91F2-49106152900A}" type="datetimeFigureOut">
               <a:rPr lang="zh-CN" altLang="en-US" smtClean="0"/>
-              <a:t>2017/7/21</a:t>
             </a:fld>
             <a:endParaRPr lang="zh-CN" altLang="en-US"/>
           </a:p>
@@ -313,6 +312,7 @@
               <a:rPr lang="zh-CN" altLang="en-US" smtClean="0"/>
               <a:t>单击此处编辑母版文本样式</a:t>
             </a:r>
+            <a:endParaRPr lang="zh-CN" altLang="en-US" smtClean="0"/>
           </a:p>
           <a:p>
             <a:pPr lvl="1"/>
@@ -320,6 +320,7 @@
               <a:rPr lang="zh-CN" altLang="en-US" smtClean="0"/>
               <a:t>第二级</a:t>
             </a:r>
+            <a:endParaRPr lang="zh-CN" altLang="en-US" smtClean="0"/>
           </a:p>
           <a:p>
             <a:pPr lvl="2"/>
@@ -327,6 +328,7 @@
               <a:rPr lang="zh-CN" altLang="en-US" smtClean="0"/>
               <a:t>第三级</a:t>
             </a:r>
+            <a:endParaRPr lang="zh-CN" altLang="en-US" smtClean="0"/>
           </a:p>
           <a:p>
             <a:pPr lvl="3"/>
@@ -334,6 +336,7 @@
               <a:rPr lang="zh-CN" altLang="en-US" smtClean="0"/>
               <a:t>第四级</a:t>
             </a:r>
+            <a:endParaRPr lang="zh-CN" altLang="en-US" smtClean="0"/>
           </a:p>
           <a:p>
             <a:pPr lvl="4"/>
@@ -405,18 +408,12 @@
           <a:p>
             <a:fld id="{D1FF8C46-1437-46DC-83A7-E84AEF28140F}" type="slidenum">
               <a:rPr lang="zh-CN" altLang="en-US" smtClean="0"/>
-              <a:t>‹#›</a:t>
             </a:fld>
             <a:endParaRPr lang="zh-CN" altLang="en-US"/>
           </a:p>
         </p:txBody>
       </p:sp>
     </p:spTree>
-    <p:extLst>
-      <p:ext uri="{BB962C8B-B14F-4D97-AF65-F5344CB8AC3E}">
-        <p14:creationId xmlns:p14="http://schemas.microsoft.com/office/powerpoint/2010/main" val="2323891489"/>
-      </p:ext>
-    </p:extLst>
   </p:cSld>
   <p:clrMap bg1="lt1" tx1="dk1" bg2="lt2" tx2="dk2" accent1="accent1" accent2="accent2" accent3="accent3" accent4="accent4" accent5="accent5" accent6="accent6" hlink="hlink" folHlink="folHlink"/>
   <p:notesStyle>
@@ -708,15 +705,14 @@
           <a:lstStyle>
             <a:lvl1pPr>
               <a:defRPr>
-                <a:latin typeface="Arial" charset="0"/>
-                <a:ea typeface="宋体" pitchFamily="2" charset="-122"/>
+                <a:latin typeface="Arial" panose="020B0604020202020204" pitchFamily="34" charset="0"/>
+                <a:ea typeface="宋体" panose="02010600030101010101" pitchFamily="2" charset="-122"/>
               </a:defRPr>
             </a:lvl1pPr>
           </a:lstStyle>
           <a:p>
             <a:fld id="{2514DD5B-EB48-44C1-916F-AD55A63A68F5}" type="datetimeFigureOut">
               <a:rPr lang="zh-CN" altLang="en-US" smtClean="0"/>
-              <a:t>2017/7/21</a:t>
             </a:fld>
             <a:endParaRPr lang="zh-CN" altLang="en-US"/>
           </a:p>
@@ -746,8 +742,8 @@
           <a:lstStyle>
             <a:lvl1pPr>
               <a:defRPr>
-                <a:latin typeface="Arial" charset="0"/>
-                <a:ea typeface="宋体" pitchFamily="2" charset="-122"/>
+                <a:latin typeface="Arial" panose="020B0604020202020204" pitchFamily="34" charset="0"/>
+                <a:ea typeface="宋体" panose="02010600030101010101" pitchFamily="2" charset="-122"/>
               </a:defRPr>
             </a:lvl1pPr>
           </a:lstStyle>
@@ -780,26 +776,20 @@
           <a:lstStyle>
             <a:lvl1pPr>
               <a:defRPr>
-                <a:latin typeface="Arial" charset="0"/>
-                <a:ea typeface="宋体" pitchFamily="2" charset="-122"/>
+                <a:latin typeface="Arial" panose="020B0604020202020204" pitchFamily="34" charset="0"/>
+                <a:ea typeface="宋体" panose="02010600030101010101" pitchFamily="2" charset="-122"/>
               </a:defRPr>
             </a:lvl1pPr>
           </a:lstStyle>
           <a:p>
             <a:fld id="{504A0D15-0DB5-4AE1-B74D-81309A961DDD}" type="slidenum">
               <a:rPr lang="zh-CN" altLang="en-US" smtClean="0"/>
-              <a:t>‹#›</a:t>
             </a:fld>
             <a:endParaRPr lang="zh-CN" altLang="en-US"/>
           </a:p>
         </p:txBody>
       </p:sp>
     </p:spTree>
-    <p:extLst>
-      <p:ext uri="{BB962C8B-B14F-4D97-AF65-F5344CB8AC3E}">
-        <p14:creationId xmlns:p14="http://schemas.microsoft.com/office/powerpoint/2010/main" val="3171772958"/>
-      </p:ext>
-    </p:extLst>
   </p:cSld>
   <p:clrMapOvr>
     <a:masterClrMapping/>
@@ -883,6 +873,7 @@
               <a:rPr lang="zh-CN" altLang="en-US" smtClean="0"/>
               <a:t>单击此处编辑母版文本样式</a:t>
             </a:r>
+            <a:endParaRPr lang="zh-CN" altLang="en-US" smtClean="0"/>
           </a:p>
           <a:p>
             <a:pPr lvl="1"/>
@@ -890,6 +881,7 @@
               <a:rPr lang="zh-CN" altLang="en-US" smtClean="0"/>
               <a:t>第二级</a:t>
             </a:r>
+            <a:endParaRPr lang="zh-CN" altLang="en-US" smtClean="0"/>
           </a:p>
           <a:p>
             <a:pPr lvl="2"/>
@@ -897,6 +889,7 @@
               <a:rPr lang="zh-CN" altLang="en-US" smtClean="0"/>
               <a:t>第三级</a:t>
             </a:r>
+            <a:endParaRPr lang="zh-CN" altLang="en-US" smtClean="0"/>
           </a:p>
           <a:p>
             <a:pPr lvl="3"/>
@@ -904,6 +897,7 @@
               <a:rPr lang="zh-CN" altLang="en-US" smtClean="0"/>
               <a:t>第四级</a:t>
             </a:r>
+            <a:endParaRPr lang="zh-CN" altLang="en-US" smtClean="0"/>
           </a:p>
           <a:p>
             <a:pPr lvl="4"/>
@@ -939,15 +933,14 @@
           <a:lstStyle>
             <a:lvl1pPr>
               <a:defRPr>
-                <a:latin typeface="Arial" charset="0"/>
-                <a:ea typeface="宋体" pitchFamily="2" charset="-122"/>
+                <a:latin typeface="Arial" panose="020B0604020202020204" pitchFamily="34" charset="0"/>
+                <a:ea typeface="宋体" panose="02010600030101010101" pitchFamily="2" charset="-122"/>
               </a:defRPr>
             </a:lvl1pPr>
           </a:lstStyle>
           <a:p>
             <a:fld id="{2514DD5B-EB48-44C1-916F-AD55A63A68F5}" type="datetimeFigureOut">
               <a:rPr lang="zh-CN" altLang="en-US" smtClean="0"/>
-              <a:t>2017/7/21</a:t>
             </a:fld>
             <a:endParaRPr lang="zh-CN" altLang="en-US"/>
           </a:p>
@@ -977,8 +970,8 @@
           <a:lstStyle>
             <a:lvl1pPr>
               <a:defRPr>
-                <a:latin typeface="Arial" charset="0"/>
-                <a:ea typeface="宋体" pitchFamily="2" charset="-122"/>
+                <a:latin typeface="Arial" panose="020B0604020202020204" pitchFamily="34" charset="0"/>
+                <a:ea typeface="宋体" panose="02010600030101010101" pitchFamily="2" charset="-122"/>
               </a:defRPr>
             </a:lvl1pPr>
           </a:lstStyle>
@@ -1011,26 +1004,20 @@
           <a:lstStyle>
             <a:lvl1pPr>
               <a:defRPr>
-                <a:latin typeface="Arial" charset="0"/>
-                <a:ea typeface="宋体" pitchFamily="2" charset="-122"/>
+                <a:latin typeface="Arial" panose="020B0604020202020204" pitchFamily="34" charset="0"/>
+                <a:ea typeface="宋体" panose="02010600030101010101" pitchFamily="2" charset="-122"/>
               </a:defRPr>
             </a:lvl1pPr>
           </a:lstStyle>
           <a:p>
             <a:fld id="{504A0D15-0DB5-4AE1-B74D-81309A961DDD}" type="slidenum">
               <a:rPr lang="zh-CN" altLang="en-US" smtClean="0"/>
-              <a:t>‹#›</a:t>
             </a:fld>
             <a:endParaRPr lang="zh-CN" altLang="en-US"/>
           </a:p>
         </p:txBody>
       </p:sp>
     </p:spTree>
-    <p:extLst>
-      <p:ext uri="{BB962C8B-B14F-4D97-AF65-F5344CB8AC3E}">
-        <p14:creationId xmlns:p14="http://schemas.microsoft.com/office/powerpoint/2010/main" val="668090187"/>
-      </p:ext>
-    </p:extLst>
   </p:cSld>
   <p:clrMapOvr>
     <a:masterClrMapping/>
@@ -1114,6 +1101,7 @@
               <a:rPr lang="zh-CN" altLang="en-US" smtClean="0"/>
               <a:t>单击此处编辑母版文本样式</a:t>
             </a:r>
+            <a:endParaRPr lang="zh-CN" altLang="en-US" smtClean="0"/>
           </a:p>
           <a:p>
             <a:pPr lvl="1"/>
@@ -1121,6 +1109,7 @@
               <a:rPr lang="zh-CN" altLang="en-US" smtClean="0"/>
               <a:t>第二级</a:t>
             </a:r>
+            <a:endParaRPr lang="zh-CN" altLang="en-US" smtClean="0"/>
           </a:p>
           <a:p>
             <a:pPr lvl="2"/>
@@ -1128,6 +1117,7 @@
               <a:rPr lang="zh-CN" altLang="en-US" smtClean="0"/>
               <a:t>第三级</a:t>
             </a:r>
+            <a:endParaRPr lang="zh-CN" altLang="en-US" smtClean="0"/>
           </a:p>
           <a:p>
             <a:pPr lvl="3"/>
@@ -1135,6 +1125,7 @@
               <a:rPr lang="zh-CN" altLang="en-US" smtClean="0"/>
               <a:t>第四级</a:t>
             </a:r>
+            <a:endParaRPr lang="zh-CN" altLang="en-US" smtClean="0"/>
           </a:p>
           <a:p>
             <a:pPr lvl="4"/>
@@ -1170,15 +1161,14 @@
           <a:lstStyle>
             <a:lvl1pPr>
               <a:defRPr>
-                <a:latin typeface="Arial" charset="0"/>
-                <a:ea typeface="宋体" pitchFamily="2" charset="-122"/>
+                <a:latin typeface="Arial" panose="020B0604020202020204" pitchFamily="34" charset="0"/>
+                <a:ea typeface="宋体" panose="02010600030101010101" pitchFamily="2" charset="-122"/>
               </a:defRPr>
             </a:lvl1pPr>
           </a:lstStyle>
           <a:p>
             <a:fld id="{2514DD5B-EB48-44C1-916F-AD55A63A68F5}" type="datetimeFigureOut">
               <a:rPr lang="zh-CN" altLang="en-US" smtClean="0"/>
-              <a:t>2017/7/21</a:t>
             </a:fld>
             <a:endParaRPr lang="zh-CN" altLang="en-US"/>
           </a:p>
@@ -1208,8 +1198,8 @@
           <a:lstStyle>
             <a:lvl1pPr>
               <a:defRPr>
-                <a:latin typeface="Arial" charset="0"/>
-                <a:ea typeface="宋体" pitchFamily="2" charset="-122"/>
+                <a:latin typeface="Arial" panose="020B0604020202020204" pitchFamily="34" charset="0"/>
+                <a:ea typeface="宋体" panose="02010600030101010101" pitchFamily="2" charset="-122"/>
               </a:defRPr>
             </a:lvl1pPr>
           </a:lstStyle>
@@ -1242,26 +1232,20 @@
           <a:lstStyle>
             <a:lvl1pPr>
               <a:defRPr>
-                <a:latin typeface="Arial" charset="0"/>
-                <a:ea typeface="宋体" pitchFamily="2" charset="-122"/>
+                <a:latin typeface="Arial" panose="020B0604020202020204" pitchFamily="34" charset="0"/>
+                <a:ea typeface="宋体" panose="02010600030101010101" pitchFamily="2" charset="-122"/>
               </a:defRPr>
             </a:lvl1pPr>
           </a:lstStyle>
           <a:p>
             <a:fld id="{504A0D15-0DB5-4AE1-B74D-81309A961DDD}" type="slidenum">
               <a:rPr lang="zh-CN" altLang="en-US" smtClean="0"/>
-              <a:t>‹#›</a:t>
             </a:fld>
             <a:endParaRPr lang="zh-CN" altLang="en-US"/>
           </a:p>
         </p:txBody>
       </p:sp>
     </p:spTree>
-    <p:extLst>
-      <p:ext uri="{BB962C8B-B14F-4D97-AF65-F5344CB8AC3E}">
-        <p14:creationId xmlns:p14="http://schemas.microsoft.com/office/powerpoint/2010/main" val="1280581119"/>
-      </p:ext>
-    </p:extLst>
   </p:cSld>
   <p:clrMapOvr>
     <a:masterClrMapping/>
@@ -1463,8 +1447,8 @@
           <a:lstStyle>
             <a:lvl1pPr>
               <a:defRPr>
-                <a:latin typeface="Arial" charset="0"/>
-                <a:ea typeface="宋体" pitchFamily="2" charset="-122"/>
+                <a:latin typeface="Arial" panose="020B0604020202020204" pitchFamily="34" charset="0"/>
+                <a:ea typeface="宋体" panose="02010600030101010101" pitchFamily="2" charset="-122"/>
               </a:defRPr>
             </a:lvl1pPr>
           </a:lstStyle>
@@ -1474,10 +1458,6 @@
             </a:pPr>
             <a:fld id="{F71403BB-92A8-4EA5-ABE4-98C492677CAE}" type="datetimeFigureOut">
               <a:rPr lang="zh-CN" altLang="en-US"/>
-              <a:pPr>
-                <a:defRPr/>
-              </a:pPr>
-              <a:t>2017/7/21</a:t>
             </a:fld>
             <a:endParaRPr lang="zh-CN" altLang="en-US"/>
           </a:p>
@@ -1507,8 +1487,8 @@
           <a:lstStyle>
             <a:lvl1pPr>
               <a:defRPr>
-                <a:latin typeface="Arial" charset="0"/>
-                <a:ea typeface="宋体" pitchFamily="2" charset="-122"/>
+                <a:latin typeface="Arial" panose="020B0604020202020204" pitchFamily="34" charset="0"/>
+                <a:ea typeface="宋体" panose="02010600030101010101" pitchFamily="2" charset="-122"/>
               </a:defRPr>
             </a:lvl1pPr>
           </a:lstStyle>
@@ -1544,8 +1524,8 @@
           <a:lstStyle>
             <a:lvl1pPr>
               <a:defRPr>
-                <a:latin typeface="Arial" charset="0"/>
-                <a:ea typeface="宋体" pitchFamily="2" charset="-122"/>
+                <a:latin typeface="Arial" panose="020B0604020202020204" pitchFamily="34" charset="0"/>
+                <a:ea typeface="宋体" panose="02010600030101010101" pitchFamily="2" charset="-122"/>
               </a:defRPr>
             </a:lvl1pPr>
           </a:lstStyle>
@@ -1555,21 +1535,12 @@
             </a:pPr>
             <a:fld id="{5F9EFC99-5BC1-44AC-AA4E-285886EF3063}" type="slidenum">
               <a:rPr lang="zh-CN" altLang="en-US"/>
-              <a:pPr>
-                <a:defRPr/>
-              </a:pPr>
-              <a:t>‹#›</a:t>
             </a:fld>
             <a:endParaRPr lang="zh-CN" altLang="en-US"/>
           </a:p>
         </p:txBody>
       </p:sp>
     </p:spTree>
-    <p:extLst>
-      <p:ext uri="{BB962C8B-B14F-4D97-AF65-F5344CB8AC3E}">
-        <p14:creationId xmlns:p14="http://schemas.microsoft.com/office/powerpoint/2010/main" val="4034858032"/>
-      </p:ext>
-    </p:extLst>
   </p:cSld>
   <p:clrMapOvr>
     <a:masterClrMapping/>
@@ -1653,6 +1624,7 @@
               <a:rPr lang="zh-CN" altLang="en-US" smtClean="0"/>
               <a:t>单击此处编辑母版文本样式</a:t>
             </a:r>
+            <a:endParaRPr lang="zh-CN" altLang="en-US" smtClean="0"/>
           </a:p>
           <a:p>
             <a:pPr lvl="1"/>
@@ -1660,6 +1632,7 @@
               <a:rPr lang="zh-CN" altLang="en-US" smtClean="0"/>
               <a:t>第二级</a:t>
             </a:r>
+            <a:endParaRPr lang="zh-CN" altLang="en-US" smtClean="0"/>
           </a:p>
           <a:p>
             <a:pPr lvl="2"/>
@@ -1667,6 +1640,7 @@
               <a:rPr lang="zh-CN" altLang="en-US" smtClean="0"/>
               <a:t>第三级</a:t>
             </a:r>
+            <a:endParaRPr lang="zh-CN" altLang="en-US" smtClean="0"/>
           </a:p>
           <a:p>
             <a:pPr lvl="3"/>
@@ -1674,6 +1648,7 @@
               <a:rPr lang="zh-CN" altLang="en-US" smtClean="0"/>
               <a:t>第四级</a:t>
             </a:r>
+            <a:endParaRPr lang="zh-CN" altLang="en-US" smtClean="0"/>
           </a:p>
           <a:p>
             <a:pPr lvl="4"/>
@@ -1709,8 +1684,8 @@
           <a:lstStyle>
             <a:lvl1pPr>
               <a:defRPr>
-                <a:latin typeface="Arial" charset="0"/>
-                <a:ea typeface="宋体" pitchFamily="2" charset="-122"/>
+                <a:latin typeface="Arial" panose="020B0604020202020204" pitchFamily="34" charset="0"/>
+                <a:ea typeface="宋体" panose="02010600030101010101" pitchFamily="2" charset="-122"/>
               </a:defRPr>
             </a:lvl1pPr>
           </a:lstStyle>
@@ -1720,10 +1695,6 @@
             </a:pPr>
             <a:fld id="{AEC6477A-40C2-4060-91A4-37CDFA1051CA}" type="datetimeFigureOut">
               <a:rPr lang="zh-CN" altLang="en-US"/>
-              <a:pPr>
-                <a:defRPr/>
-              </a:pPr>
-              <a:t>2017/7/21</a:t>
             </a:fld>
             <a:endParaRPr lang="zh-CN" altLang="en-US"/>
           </a:p>
@@ -1753,8 +1724,8 @@
           <a:lstStyle>
             <a:lvl1pPr>
               <a:defRPr>
-                <a:latin typeface="Arial" charset="0"/>
-                <a:ea typeface="宋体" pitchFamily="2" charset="-122"/>
+                <a:latin typeface="Arial" panose="020B0604020202020204" pitchFamily="34" charset="0"/>
+                <a:ea typeface="宋体" panose="02010600030101010101" pitchFamily="2" charset="-122"/>
               </a:defRPr>
             </a:lvl1pPr>
           </a:lstStyle>
@@ -1790,8 +1761,8 @@
           <a:lstStyle>
             <a:lvl1pPr>
               <a:defRPr>
-                <a:latin typeface="Arial" charset="0"/>
-                <a:ea typeface="宋体" pitchFamily="2" charset="-122"/>
+                <a:latin typeface="Arial" panose="020B0604020202020204" pitchFamily="34" charset="0"/>
+                <a:ea typeface="宋体" panose="02010600030101010101" pitchFamily="2" charset="-122"/>
               </a:defRPr>
             </a:lvl1pPr>
           </a:lstStyle>
@@ -1801,21 +1772,12 @@
             </a:pPr>
             <a:fld id="{D6DA48A0-2A92-497E-91A8-6CE3C1D01147}" type="slidenum">
               <a:rPr lang="zh-CN" altLang="en-US"/>
-              <a:pPr>
-                <a:defRPr/>
-              </a:pPr>
-              <a:t>‹#›</a:t>
             </a:fld>
             <a:endParaRPr lang="zh-CN" altLang="en-US"/>
           </a:p>
         </p:txBody>
       </p:sp>
     </p:spTree>
-    <p:extLst>
-      <p:ext uri="{BB962C8B-B14F-4D97-AF65-F5344CB8AC3E}">
-        <p14:creationId xmlns:p14="http://schemas.microsoft.com/office/powerpoint/2010/main" val="2457905862"/>
-      </p:ext>
-    </p:extLst>
   </p:cSld>
   <p:clrMapOvr>
     <a:masterClrMapping/>
@@ -1994,6 +1956,7 @@
               <a:rPr lang="zh-CN" altLang="en-US" smtClean="0"/>
               <a:t>单击此处编辑母版文本样式</a:t>
             </a:r>
+            <a:endParaRPr lang="zh-CN" altLang="en-US" smtClean="0"/>
           </a:p>
         </p:txBody>
       </p:sp>
@@ -2021,8 +1984,8 @@
           <a:lstStyle>
             <a:lvl1pPr>
               <a:defRPr>
-                <a:latin typeface="Arial" charset="0"/>
-                <a:ea typeface="宋体" pitchFamily="2" charset="-122"/>
+                <a:latin typeface="Arial" panose="020B0604020202020204" pitchFamily="34" charset="0"/>
+                <a:ea typeface="宋体" panose="02010600030101010101" pitchFamily="2" charset="-122"/>
               </a:defRPr>
             </a:lvl1pPr>
           </a:lstStyle>
@@ -2032,10 +1995,6 @@
             </a:pPr>
             <a:fld id="{58475F68-B663-48A3-994D-F70226339840}" type="datetimeFigureOut">
               <a:rPr lang="zh-CN" altLang="en-US"/>
-              <a:pPr>
-                <a:defRPr/>
-              </a:pPr>
-              <a:t>2017/7/21</a:t>
             </a:fld>
             <a:endParaRPr lang="zh-CN" altLang="en-US"/>
           </a:p>
@@ -2065,8 +2024,8 @@
           <a:lstStyle>
             <a:lvl1pPr>
               <a:defRPr>
-                <a:latin typeface="Arial" charset="0"/>
-                <a:ea typeface="宋体" pitchFamily="2" charset="-122"/>
+                <a:latin typeface="Arial" panose="020B0604020202020204" pitchFamily="34" charset="0"/>
+                <a:ea typeface="宋体" panose="02010600030101010101" pitchFamily="2" charset="-122"/>
               </a:defRPr>
             </a:lvl1pPr>
           </a:lstStyle>
@@ -2102,8 +2061,8 @@
           <a:lstStyle>
             <a:lvl1pPr>
               <a:defRPr>
-                <a:latin typeface="Arial" charset="0"/>
-                <a:ea typeface="宋体" pitchFamily="2" charset="-122"/>
+                <a:latin typeface="Arial" panose="020B0604020202020204" pitchFamily="34" charset="0"/>
+                <a:ea typeface="宋体" panose="02010600030101010101" pitchFamily="2" charset="-122"/>
               </a:defRPr>
             </a:lvl1pPr>
           </a:lstStyle>
@@ -2113,21 +2072,12 @@
             </a:pPr>
             <a:fld id="{4D836CE9-1372-4851-84A7-7B826110B785}" type="slidenum">
               <a:rPr lang="zh-CN" altLang="en-US"/>
-              <a:pPr>
-                <a:defRPr/>
-              </a:pPr>
-              <a:t>‹#›</a:t>
             </a:fld>
             <a:endParaRPr lang="zh-CN" altLang="en-US"/>
           </a:p>
         </p:txBody>
       </p:sp>
     </p:spTree>
-    <p:extLst>
-      <p:ext uri="{BB962C8B-B14F-4D97-AF65-F5344CB8AC3E}">
-        <p14:creationId xmlns:p14="http://schemas.microsoft.com/office/powerpoint/2010/main" val="3978157023"/>
-      </p:ext>
-    </p:extLst>
   </p:cSld>
   <p:clrMapOvr>
     <a:masterClrMapping/>
@@ -2239,6 +2189,7 @@
               <a:rPr lang="zh-CN" altLang="en-US" smtClean="0"/>
               <a:t>单击此处编辑母版文本样式</a:t>
             </a:r>
+            <a:endParaRPr lang="zh-CN" altLang="en-US" smtClean="0"/>
           </a:p>
           <a:p>
             <a:pPr lvl="1"/>
@@ -2246,6 +2197,7 @@
               <a:rPr lang="zh-CN" altLang="en-US" smtClean="0"/>
               <a:t>第二级</a:t>
             </a:r>
+            <a:endParaRPr lang="zh-CN" altLang="en-US" smtClean="0"/>
           </a:p>
           <a:p>
             <a:pPr lvl="2"/>
@@ -2253,6 +2205,7 @@
               <a:rPr lang="zh-CN" altLang="en-US" smtClean="0"/>
               <a:t>第三级</a:t>
             </a:r>
+            <a:endParaRPr lang="zh-CN" altLang="en-US" smtClean="0"/>
           </a:p>
           <a:p>
             <a:pPr lvl="3"/>
@@ -2260,6 +2213,7 @@
               <a:rPr lang="zh-CN" altLang="en-US" smtClean="0"/>
               <a:t>第四级</a:t>
             </a:r>
+            <a:endParaRPr lang="zh-CN" altLang="en-US" smtClean="0"/>
           </a:p>
           <a:p>
             <a:pPr lvl="4"/>
@@ -2327,6 +2281,7 @@
               <a:rPr lang="zh-CN" altLang="en-US" smtClean="0"/>
               <a:t>单击此处编辑母版文本样式</a:t>
             </a:r>
+            <a:endParaRPr lang="zh-CN" altLang="en-US" smtClean="0"/>
           </a:p>
           <a:p>
             <a:pPr lvl="1"/>
@@ -2334,6 +2289,7 @@
               <a:rPr lang="zh-CN" altLang="en-US" smtClean="0"/>
               <a:t>第二级</a:t>
             </a:r>
+            <a:endParaRPr lang="zh-CN" altLang="en-US" smtClean="0"/>
           </a:p>
           <a:p>
             <a:pPr lvl="2"/>
@@ -2341,6 +2297,7 @@
               <a:rPr lang="zh-CN" altLang="en-US" smtClean="0"/>
               <a:t>第三级</a:t>
             </a:r>
+            <a:endParaRPr lang="zh-CN" altLang="en-US" smtClean="0"/>
           </a:p>
           <a:p>
             <a:pPr lvl="3"/>
@@ -2348,6 +2305,7 @@
               <a:rPr lang="zh-CN" altLang="en-US" smtClean="0"/>
               <a:t>第四级</a:t>
             </a:r>
+            <a:endParaRPr lang="zh-CN" altLang="en-US" smtClean="0"/>
           </a:p>
           <a:p>
             <a:pPr lvl="4"/>
@@ -2383,8 +2341,8 @@
           <a:lstStyle>
             <a:lvl1pPr>
               <a:defRPr>
-                <a:latin typeface="Arial" charset="0"/>
-                <a:ea typeface="宋体" pitchFamily="2" charset="-122"/>
+                <a:latin typeface="Arial" panose="020B0604020202020204" pitchFamily="34" charset="0"/>
+                <a:ea typeface="宋体" panose="02010600030101010101" pitchFamily="2" charset="-122"/>
               </a:defRPr>
             </a:lvl1pPr>
           </a:lstStyle>
@@ -2394,10 +2352,6 @@
             </a:pPr>
             <a:fld id="{C3DF3760-1FDD-45DA-B92D-40D7BAD3E073}" type="datetimeFigureOut">
               <a:rPr lang="zh-CN" altLang="en-US"/>
-              <a:pPr>
-                <a:defRPr/>
-              </a:pPr>
-              <a:t>2017/7/21</a:t>
             </a:fld>
             <a:endParaRPr lang="zh-CN" altLang="en-US"/>
           </a:p>
@@ -2427,8 +2381,8 @@
           <a:lstStyle>
             <a:lvl1pPr>
               <a:defRPr>
-                <a:latin typeface="Arial" charset="0"/>
-                <a:ea typeface="宋体" pitchFamily="2" charset="-122"/>
+                <a:latin typeface="Arial" panose="020B0604020202020204" pitchFamily="34" charset="0"/>
+                <a:ea typeface="宋体" panose="02010600030101010101" pitchFamily="2" charset="-122"/>
               </a:defRPr>
             </a:lvl1pPr>
           </a:lstStyle>
@@ -2464,8 +2418,8 @@
           <a:lstStyle>
             <a:lvl1pPr>
               <a:defRPr>
-                <a:latin typeface="Arial" charset="0"/>
-                <a:ea typeface="宋体" pitchFamily="2" charset="-122"/>
+                <a:latin typeface="Arial" panose="020B0604020202020204" pitchFamily="34" charset="0"/>
+                <a:ea typeface="宋体" panose="02010600030101010101" pitchFamily="2" charset="-122"/>
               </a:defRPr>
             </a:lvl1pPr>
           </a:lstStyle>
@@ -2475,21 +2429,12 @@
             </a:pPr>
             <a:fld id="{DFD74ECE-EC96-49A0-9C25-E78D9E97B28B}" type="slidenum">
               <a:rPr lang="zh-CN" altLang="en-US"/>
-              <a:pPr>
-                <a:defRPr/>
-              </a:pPr>
-              <a:t>‹#›</a:t>
             </a:fld>
             <a:endParaRPr lang="zh-CN" altLang="en-US"/>
           </a:p>
         </p:txBody>
       </p:sp>
     </p:spTree>
-    <p:extLst>
-      <p:ext uri="{BB962C8B-B14F-4D97-AF65-F5344CB8AC3E}">
-        <p14:creationId xmlns:p14="http://schemas.microsoft.com/office/powerpoint/2010/main" val="3900023956"/>
-      </p:ext>
-    </p:extLst>
   </p:cSld>
   <p:clrMapOvr>
     <a:masterClrMapping/>
@@ -2614,6 +2559,7 @@
               <a:rPr lang="zh-CN" altLang="en-US" smtClean="0"/>
               <a:t>单击此处编辑母版文本样式</a:t>
             </a:r>
+            <a:endParaRPr lang="zh-CN" altLang="en-US" smtClean="0"/>
           </a:p>
         </p:txBody>
       </p:sp>
@@ -2673,6 +2619,7 @@
               <a:rPr lang="zh-CN" altLang="en-US" smtClean="0"/>
               <a:t>单击此处编辑母版文本样式</a:t>
             </a:r>
+            <a:endParaRPr lang="zh-CN" altLang="en-US" smtClean="0"/>
           </a:p>
           <a:p>
             <a:pPr lvl="1"/>
@@ -2680,6 +2627,7 @@
               <a:rPr lang="zh-CN" altLang="en-US" smtClean="0"/>
               <a:t>第二级</a:t>
             </a:r>
+            <a:endParaRPr lang="zh-CN" altLang="en-US" smtClean="0"/>
           </a:p>
           <a:p>
             <a:pPr lvl="2"/>
@@ -2687,6 +2635,7 @@
               <a:rPr lang="zh-CN" altLang="en-US" smtClean="0"/>
               <a:t>第三级</a:t>
             </a:r>
+            <a:endParaRPr lang="zh-CN" altLang="en-US" smtClean="0"/>
           </a:p>
           <a:p>
             <a:pPr lvl="3"/>
@@ -2694,6 +2643,7 @@
               <a:rPr lang="zh-CN" altLang="en-US" smtClean="0"/>
               <a:t>第四级</a:t>
             </a:r>
+            <a:endParaRPr lang="zh-CN" altLang="en-US" smtClean="0"/>
           </a:p>
           <a:p>
             <a:pPr lvl="4"/>
@@ -2770,6 +2720,7 @@
               <a:rPr lang="zh-CN" altLang="en-US" smtClean="0"/>
               <a:t>单击此处编辑母版文本样式</a:t>
             </a:r>
+            <a:endParaRPr lang="zh-CN" altLang="en-US" smtClean="0"/>
           </a:p>
         </p:txBody>
       </p:sp>
@@ -2829,6 +2780,7 @@
               <a:rPr lang="zh-CN" altLang="en-US" smtClean="0"/>
               <a:t>单击此处编辑母版文本样式</a:t>
             </a:r>
+            <a:endParaRPr lang="zh-CN" altLang="en-US" smtClean="0"/>
           </a:p>
           <a:p>
             <a:pPr lvl="1"/>
@@ -2836,6 +2788,7 @@
               <a:rPr lang="zh-CN" altLang="en-US" smtClean="0"/>
               <a:t>第二级</a:t>
             </a:r>
+            <a:endParaRPr lang="zh-CN" altLang="en-US" smtClean="0"/>
           </a:p>
           <a:p>
             <a:pPr lvl="2"/>
@@ -2843,6 +2796,7 @@
               <a:rPr lang="zh-CN" altLang="en-US" smtClean="0"/>
               <a:t>第三级</a:t>
             </a:r>
+            <a:endParaRPr lang="zh-CN" altLang="en-US" smtClean="0"/>
           </a:p>
           <a:p>
             <a:pPr lvl="3"/>
@@ -2850,6 +2804,7 @@
               <a:rPr lang="zh-CN" altLang="en-US" smtClean="0"/>
               <a:t>第四级</a:t>
             </a:r>
+            <a:endParaRPr lang="zh-CN" altLang="en-US" smtClean="0"/>
           </a:p>
           <a:p>
             <a:pPr lvl="4"/>
@@ -2885,8 +2840,8 @@
           <a:lstStyle>
             <a:lvl1pPr>
               <a:defRPr>
-                <a:latin typeface="Arial" charset="0"/>
-                <a:ea typeface="宋体" pitchFamily="2" charset="-122"/>
+                <a:latin typeface="Arial" panose="020B0604020202020204" pitchFamily="34" charset="0"/>
+                <a:ea typeface="宋体" panose="02010600030101010101" pitchFamily="2" charset="-122"/>
               </a:defRPr>
             </a:lvl1pPr>
           </a:lstStyle>
@@ -2896,10 +2851,6 @@
             </a:pPr>
             <a:fld id="{2BB4692D-4F9F-4714-8CD9-7F4D411DDBAE}" type="datetimeFigureOut">
               <a:rPr lang="zh-CN" altLang="en-US"/>
-              <a:pPr>
-                <a:defRPr/>
-              </a:pPr>
-              <a:t>2017/7/21</a:t>
             </a:fld>
             <a:endParaRPr lang="zh-CN" altLang="en-US"/>
           </a:p>
@@ -2929,8 +2880,8 @@
           <a:lstStyle>
             <a:lvl1pPr>
               <a:defRPr>
-                <a:latin typeface="Arial" charset="0"/>
-                <a:ea typeface="宋体" pitchFamily="2" charset="-122"/>
+                <a:latin typeface="Arial" panose="020B0604020202020204" pitchFamily="34" charset="0"/>
+                <a:ea typeface="宋体" panose="02010600030101010101" pitchFamily="2" charset="-122"/>
               </a:defRPr>
             </a:lvl1pPr>
           </a:lstStyle>
@@ -2966,8 +2917,8 @@
           <a:lstStyle>
             <a:lvl1pPr>
               <a:defRPr>
-                <a:latin typeface="Arial" charset="0"/>
-                <a:ea typeface="宋体" pitchFamily="2" charset="-122"/>
+                <a:latin typeface="Arial" panose="020B0604020202020204" pitchFamily="34" charset="0"/>
+                <a:ea typeface="宋体" panose="02010600030101010101" pitchFamily="2" charset="-122"/>
               </a:defRPr>
             </a:lvl1pPr>
           </a:lstStyle>
@@ -2977,21 +2928,12 @@
             </a:pPr>
             <a:fld id="{1BB98B02-014C-4311-A8CC-C7801531CD99}" type="slidenum">
               <a:rPr lang="zh-CN" altLang="en-US"/>
-              <a:pPr>
-                <a:defRPr/>
-              </a:pPr>
-              <a:t>‹#›</a:t>
             </a:fld>
             <a:endParaRPr lang="zh-CN" altLang="en-US"/>
           </a:p>
         </p:txBody>
       </p:sp>
     </p:spTree>
-    <p:extLst>
-      <p:ext uri="{BB962C8B-B14F-4D97-AF65-F5344CB8AC3E}">
-        <p14:creationId xmlns:p14="http://schemas.microsoft.com/office/powerpoint/2010/main" val="1625190100"/>
-      </p:ext>
-    </p:extLst>
   </p:cSld>
   <p:clrMapOvr>
     <a:masterClrMapping/>
@@ -3071,8 +3013,8 @@
           <a:lstStyle>
             <a:lvl1pPr>
               <a:defRPr>
-                <a:latin typeface="Arial" charset="0"/>
-                <a:ea typeface="宋体" pitchFamily="2" charset="-122"/>
+                <a:latin typeface="Arial" panose="020B0604020202020204" pitchFamily="34" charset="0"/>
+                <a:ea typeface="宋体" panose="02010600030101010101" pitchFamily="2" charset="-122"/>
               </a:defRPr>
             </a:lvl1pPr>
           </a:lstStyle>
@@ -3082,10 +3024,6 @@
             </a:pPr>
             <a:fld id="{BABE76B1-8B75-4E09-9DA1-2E0A157BD0A2}" type="datetimeFigureOut">
               <a:rPr lang="zh-CN" altLang="en-US"/>
-              <a:pPr>
-                <a:defRPr/>
-              </a:pPr>
-              <a:t>2017/7/21</a:t>
             </a:fld>
             <a:endParaRPr lang="zh-CN" altLang="en-US"/>
           </a:p>
@@ -3115,8 +3053,8 @@
           <a:lstStyle>
             <a:lvl1pPr>
               <a:defRPr>
-                <a:latin typeface="Arial" charset="0"/>
-                <a:ea typeface="宋体" pitchFamily="2" charset="-122"/>
+                <a:latin typeface="Arial" panose="020B0604020202020204" pitchFamily="34" charset="0"/>
+                <a:ea typeface="宋体" panose="02010600030101010101" pitchFamily="2" charset="-122"/>
               </a:defRPr>
             </a:lvl1pPr>
           </a:lstStyle>
@@ -3152,8 +3090,8 @@
           <a:lstStyle>
             <a:lvl1pPr>
               <a:defRPr>
-                <a:latin typeface="Arial" charset="0"/>
-                <a:ea typeface="宋体" pitchFamily="2" charset="-122"/>
+                <a:latin typeface="Arial" panose="020B0604020202020204" pitchFamily="34" charset="0"/>
+                <a:ea typeface="宋体" panose="02010600030101010101" pitchFamily="2" charset="-122"/>
               </a:defRPr>
             </a:lvl1pPr>
           </a:lstStyle>
@@ -3163,21 +3101,12 @@
             </a:pPr>
             <a:fld id="{1BC50013-A0DA-48BA-8EBF-A994B7BD6F7E}" type="slidenum">
               <a:rPr lang="zh-CN" altLang="en-US"/>
-              <a:pPr>
-                <a:defRPr/>
-              </a:pPr>
-              <a:t>‹#›</a:t>
             </a:fld>
             <a:endParaRPr lang="zh-CN" altLang="en-US"/>
           </a:p>
         </p:txBody>
       </p:sp>
     </p:spTree>
-    <p:extLst>
-      <p:ext uri="{BB962C8B-B14F-4D97-AF65-F5344CB8AC3E}">
-        <p14:creationId xmlns:p14="http://schemas.microsoft.com/office/powerpoint/2010/main" val="3341494857"/>
-      </p:ext>
-    </p:extLst>
   </p:cSld>
   <p:clrMapOvr>
     <a:masterClrMapping/>
@@ -3226,8 +3155,8 @@
           <a:lstStyle>
             <a:lvl1pPr>
               <a:defRPr>
-                <a:latin typeface="Arial" charset="0"/>
-                <a:ea typeface="宋体" pitchFamily="2" charset="-122"/>
+                <a:latin typeface="Arial" panose="020B0604020202020204" pitchFamily="34" charset="0"/>
+                <a:ea typeface="宋体" panose="02010600030101010101" pitchFamily="2" charset="-122"/>
               </a:defRPr>
             </a:lvl1pPr>
           </a:lstStyle>
@@ -3237,10 +3166,6 @@
             </a:pPr>
             <a:fld id="{1BDBF0B8-0DBF-4CE1-BFED-D7B9B575729D}" type="datetimeFigureOut">
               <a:rPr lang="zh-CN" altLang="en-US"/>
-              <a:pPr>
-                <a:defRPr/>
-              </a:pPr>
-              <a:t>2017/7/21</a:t>
             </a:fld>
             <a:endParaRPr lang="zh-CN" altLang="en-US"/>
           </a:p>
@@ -3270,8 +3195,8 @@
           <a:lstStyle>
             <a:lvl1pPr>
               <a:defRPr>
-                <a:latin typeface="Arial" charset="0"/>
-                <a:ea typeface="宋体" pitchFamily="2" charset="-122"/>
+                <a:latin typeface="Arial" panose="020B0604020202020204" pitchFamily="34" charset="0"/>
+                <a:ea typeface="宋体" panose="02010600030101010101" pitchFamily="2" charset="-122"/>
               </a:defRPr>
             </a:lvl1pPr>
           </a:lstStyle>
@@ -3307,8 +3232,8 @@
           <a:lstStyle>
             <a:lvl1pPr>
               <a:defRPr>
-                <a:latin typeface="Arial" charset="0"/>
-                <a:ea typeface="宋体" pitchFamily="2" charset="-122"/>
+                <a:latin typeface="Arial" panose="020B0604020202020204" pitchFamily="34" charset="0"/>
+                <a:ea typeface="宋体" panose="02010600030101010101" pitchFamily="2" charset="-122"/>
               </a:defRPr>
             </a:lvl1pPr>
           </a:lstStyle>
@@ -3318,21 +3243,12 @@
             </a:pPr>
             <a:fld id="{D78ECA6E-0AB1-43CD-9D70-301954108422}" type="slidenum">
               <a:rPr lang="zh-CN" altLang="en-US"/>
-              <a:pPr>
-                <a:defRPr/>
-              </a:pPr>
-              <a:t>‹#›</a:t>
             </a:fld>
             <a:endParaRPr lang="zh-CN" altLang="en-US"/>
           </a:p>
         </p:txBody>
       </p:sp>
     </p:spTree>
-    <p:extLst>
-      <p:ext uri="{BB962C8B-B14F-4D97-AF65-F5344CB8AC3E}">
-        <p14:creationId xmlns:p14="http://schemas.microsoft.com/office/powerpoint/2010/main" val="2868293704"/>
-      </p:ext>
-    </p:extLst>
   </p:cSld>
   <p:clrMapOvr>
     <a:masterClrMapping/>
@@ -3448,6 +3364,7 @@
               <a:rPr lang="zh-CN" altLang="en-US" smtClean="0"/>
               <a:t>单击此处编辑母版文本样式</a:t>
             </a:r>
+            <a:endParaRPr lang="zh-CN" altLang="en-US" smtClean="0"/>
           </a:p>
           <a:p>
             <a:pPr lvl="1"/>
@@ -3455,6 +3372,7 @@
               <a:rPr lang="zh-CN" altLang="en-US" smtClean="0"/>
               <a:t>第二级</a:t>
             </a:r>
+            <a:endParaRPr lang="zh-CN" altLang="en-US" smtClean="0"/>
           </a:p>
           <a:p>
             <a:pPr lvl="2"/>
@@ -3462,6 +3380,7 @@
               <a:rPr lang="zh-CN" altLang="en-US" smtClean="0"/>
               <a:t>第三级</a:t>
             </a:r>
+            <a:endParaRPr lang="zh-CN" altLang="en-US" smtClean="0"/>
           </a:p>
           <a:p>
             <a:pPr lvl="3"/>
@@ -3469,6 +3388,7 @@
               <a:rPr lang="zh-CN" altLang="en-US" smtClean="0"/>
               <a:t>第四级</a:t>
             </a:r>
+            <a:endParaRPr lang="zh-CN" altLang="en-US" smtClean="0"/>
           </a:p>
           <a:p>
             <a:pPr lvl="4"/>
@@ -3545,6 +3465,7 @@
               <a:rPr lang="zh-CN" altLang="en-US" smtClean="0"/>
               <a:t>单击此处编辑母版文本样式</a:t>
             </a:r>
+            <a:endParaRPr lang="zh-CN" altLang="en-US" smtClean="0"/>
           </a:p>
         </p:txBody>
       </p:sp>
@@ -3572,8 +3493,8 @@
           <a:lstStyle>
             <a:lvl1pPr>
               <a:defRPr>
-                <a:latin typeface="Arial" charset="0"/>
-                <a:ea typeface="宋体" pitchFamily="2" charset="-122"/>
+                <a:latin typeface="Arial" panose="020B0604020202020204" pitchFamily="34" charset="0"/>
+                <a:ea typeface="宋体" panose="02010600030101010101" pitchFamily="2" charset="-122"/>
               </a:defRPr>
             </a:lvl1pPr>
           </a:lstStyle>
@@ -3583,10 +3504,6 @@
             </a:pPr>
             <a:fld id="{D66CA537-7AFF-458D-B21C-EE8DCD0EEE64}" type="datetimeFigureOut">
               <a:rPr lang="zh-CN" altLang="en-US"/>
-              <a:pPr>
-                <a:defRPr/>
-              </a:pPr>
-              <a:t>2017/7/21</a:t>
             </a:fld>
             <a:endParaRPr lang="zh-CN" altLang="en-US"/>
           </a:p>
@@ -3616,8 +3533,8 @@
           <a:lstStyle>
             <a:lvl1pPr>
               <a:defRPr>
-                <a:latin typeface="Arial" charset="0"/>
-                <a:ea typeface="宋体" pitchFamily="2" charset="-122"/>
+                <a:latin typeface="Arial" panose="020B0604020202020204" pitchFamily="34" charset="0"/>
+                <a:ea typeface="宋体" panose="02010600030101010101" pitchFamily="2" charset="-122"/>
               </a:defRPr>
             </a:lvl1pPr>
           </a:lstStyle>
@@ -3653,8 +3570,8 @@
           <a:lstStyle>
             <a:lvl1pPr>
               <a:defRPr>
-                <a:latin typeface="Arial" charset="0"/>
-                <a:ea typeface="宋体" pitchFamily="2" charset="-122"/>
+                <a:latin typeface="Arial" panose="020B0604020202020204" pitchFamily="34" charset="0"/>
+                <a:ea typeface="宋体" panose="02010600030101010101" pitchFamily="2" charset="-122"/>
               </a:defRPr>
             </a:lvl1pPr>
           </a:lstStyle>
@@ -3664,21 +3581,12 @@
             </a:pPr>
             <a:fld id="{3540528A-90EC-4FB9-8AFC-391A6C7CE267}" type="slidenum">
               <a:rPr lang="zh-CN" altLang="en-US"/>
-              <a:pPr>
-                <a:defRPr/>
-              </a:pPr>
-              <a:t>‹#›</a:t>
             </a:fld>
             <a:endParaRPr lang="zh-CN" altLang="en-US"/>
           </a:p>
         </p:txBody>
       </p:sp>
     </p:spTree>
-    <p:extLst>
-      <p:ext uri="{BB962C8B-B14F-4D97-AF65-F5344CB8AC3E}">
-        <p14:creationId xmlns:p14="http://schemas.microsoft.com/office/powerpoint/2010/main" val="1306971850"/>
-      </p:ext>
-    </p:extLst>
   </p:cSld>
   <p:clrMapOvr>
     <a:masterClrMapping/>
@@ -3762,6 +3670,7 @@
               <a:rPr lang="zh-CN" altLang="en-US" smtClean="0"/>
               <a:t>单击此处编辑母版文本样式</a:t>
             </a:r>
+            <a:endParaRPr lang="zh-CN" altLang="en-US" smtClean="0"/>
           </a:p>
           <a:p>
             <a:pPr lvl="1"/>
@@ -3769,6 +3678,7 @@
               <a:rPr lang="zh-CN" altLang="en-US" smtClean="0"/>
               <a:t>第二级</a:t>
             </a:r>
+            <a:endParaRPr lang="zh-CN" altLang="en-US" smtClean="0"/>
           </a:p>
           <a:p>
             <a:pPr lvl="2"/>
@@ -3776,6 +3686,7 @@
               <a:rPr lang="zh-CN" altLang="en-US" smtClean="0"/>
               <a:t>第三级</a:t>
             </a:r>
+            <a:endParaRPr lang="zh-CN" altLang="en-US" smtClean="0"/>
           </a:p>
           <a:p>
             <a:pPr lvl="3"/>
@@ -3783,6 +3694,7 @@
               <a:rPr lang="zh-CN" altLang="en-US" smtClean="0"/>
               <a:t>第四级</a:t>
             </a:r>
+            <a:endParaRPr lang="zh-CN" altLang="en-US" smtClean="0"/>
           </a:p>
           <a:p>
             <a:pPr lvl="4"/>
@@ -3818,15 +3730,14 @@
           <a:lstStyle>
             <a:lvl1pPr>
               <a:defRPr>
-                <a:latin typeface="Arial" charset="0"/>
-                <a:ea typeface="宋体" pitchFamily="2" charset="-122"/>
+                <a:latin typeface="Arial" panose="020B0604020202020204" pitchFamily="34" charset="0"/>
+                <a:ea typeface="宋体" panose="02010600030101010101" pitchFamily="2" charset="-122"/>
               </a:defRPr>
             </a:lvl1pPr>
           </a:lstStyle>
           <a:p>
             <a:fld id="{2514DD5B-EB48-44C1-916F-AD55A63A68F5}" type="datetimeFigureOut">
               <a:rPr lang="zh-CN" altLang="en-US" smtClean="0"/>
-              <a:t>2017/7/21</a:t>
             </a:fld>
             <a:endParaRPr lang="zh-CN" altLang="en-US"/>
           </a:p>
@@ -3856,8 +3767,8 @@
           <a:lstStyle>
             <a:lvl1pPr>
               <a:defRPr>
-                <a:latin typeface="Arial" charset="0"/>
-                <a:ea typeface="宋体" pitchFamily="2" charset="-122"/>
+                <a:latin typeface="Arial" panose="020B0604020202020204" pitchFamily="34" charset="0"/>
+                <a:ea typeface="宋体" panose="02010600030101010101" pitchFamily="2" charset="-122"/>
               </a:defRPr>
             </a:lvl1pPr>
           </a:lstStyle>
@@ -3890,26 +3801,20 @@
           <a:lstStyle>
             <a:lvl1pPr>
               <a:defRPr>
-                <a:latin typeface="Arial" charset="0"/>
-                <a:ea typeface="宋体" pitchFamily="2" charset="-122"/>
+                <a:latin typeface="Arial" panose="020B0604020202020204" pitchFamily="34" charset="0"/>
+                <a:ea typeface="宋体" panose="02010600030101010101" pitchFamily="2" charset="-122"/>
               </a:defRPr>
             </a:lvl1pPr>
           </a:lstStyle>
           <a:p>
             <a:fld id="{504A0D15-0DB5-4AE1-B74D-81309A961DDD}" type="slidenum">
               <a:rPr lang="zh-CN" altLang="en-US" smtClean="0"/>
-              <a:t>‹#›</a:t>
             </a:fld>
             <a:endParaRPr lang="zh-CN" altLang="en-US"/>
           </a:p>
         </p:txBody>
       </p:sp>
     </p:spTree>
-    <p:extLst>
-      <p:ext uri="{BB962C8B-B14F-4D97-AF65-F5344CB8AC3E}">
-        <p14:creationId xmlns:p14="http://schemas.microsoft.com/office/powerpoint/2010/main" val="252194556"/>
-      </p:ext>
-    </p:extLst>
   </p:cSld>
   <p:clrMapOvr>
     <a:masterClrMapping/>
@@ -4034,6 +3939,7 @@
               <a:rPr lang="zh-CN" altLang="en-US" noProof="0" smtClean="0"/>
               <a:t>单击图标添加图片</a:t>
             </a:r>
+            <a:endParaRPr lang="zh-CN" altLang="en-US" noProof="0" smtClean="0"/>
           </a:p>
         </p:txBody>
       </p:sp>
@@ -4102,6 +4008,7 @@
               <a:rPr lang="zh-CN" altLang="en-US" smtClean="0"/>
               <a:t>单击此处编辑母版文本样式</a:t>
             </a:r>
+            <a:endParaRPr lang="zh-CN" altLang="en-US" smtClean="0"/>
           </a:p>
         </p:txBody>
       </p:sp>
@@ -4129,8 +4036,8 @@
           <a:lstStyle>
             <a:lvl1pPr>
               <a:defRPr>
-                <a:latin typeface="Arial" charset="0"/>
-                <a:ea typeface="宋体" pitchFamily="2" charset="-122"/>
+                <a:latin typeface="Arial" panose="020B0604020202020204" pitchFamily="34" charset="0"/>
+                <a:ea typeface="宋体" panose="02010600030101010101" pitchFamily="2" charset="-122"/>
               </a:defRPr>
             </a:lvl1pPr>
           </a:lstStyle>
@@ -4140,10 +4047,6 @@
             </a:pPr>
             <a:fld id="{CEF2FE16-442D-4FAF-B5AF-BEFDEEC2B04D}" type="datetimeFigureOut">
               <a:rPr lang="zh-CN" altLang="en-US"/>
-              <a:pPr>
-                <a:defRPr/>
-              </a:pPr>
-              <a:t>2017/7/21</a:t>
             </a:fld>
             <a:endParaRPr lang="zh-CN" altLang="en-US"/>
           </a:p>
@@ -4173,8 +4076,8 @@
           <a:lstStyle>
             <a:lvl1pPr>
               <a:defRPr>
-                <a:latin typeface="Arial" charset="0"/>
-                <a:ea typeface="宋体" pitchFamily="2" charset="-122"/>
+                <a:latin typeface="Arial" panose="020B0604020202020204" pitchFamily="34" charset="0"/>
+                <a:ea typeface="宋体" panose="02010600030101010101" pitchFamily="2" charset="-122"/>
               </a:defRPr>
             </a:lvl1pPr>
           </a:lstStyle>
@@ -4210,8 +4113,8 @@
           <a:lstStyle>
             <a:lvl1pPr>
               <a:defRPr>
-                <a:latin typeface="Arial" charset="0"/>
-                <a:ea typeface="宋体" pitchFamily="2" charset="-122"/>
+                <a:latin typeface="Arial" panose="020B0604020202020204" pitchFamily="34" charset="0"/>
+                <a:ea typeface="宋体" panose="02010600030101010101" pitchFamily="2" charset="-122"/>
               </a:defRPr>
             </a:lvl1pPr>
           </a:lstStyle>
@@ -4221,21 +4124,12 @@
             </a:pPr>
             <a:fld id="{435BBAD6-6E34-431D-9509-5C17C76DBB95}" type="slidenum">
               <a:rPr lang="zh-CN" altLang="en-US"/>
-              <a:pPr>
-                <a:defRPr/>
-              </a:pPr>
-              <a:t>‹#›</a:t>
             </a:fld>
             <a:endParaRPr lang="zh-CN" altLang="en-US"/>
           </a:p>
         </p:txBody>
       </p:sp>
     </p:spTree>
-    <p:extLst>
-      <p:ext uri="{BB962C8B-B14F-4D97-AF65-F5344CB8AC3E}">
-        <p14:creationId xmlns:p14="http://schemas.microsoft.com/office/powerpoint/2010/main" val="2530460403"/>
-      </p:ext>
-    </p:extLst>
   </p:cSld>
   <p:clrMapOvr>
     <a:masterClrMapping/>
@@ -4319,6 +4213,7 @@
               <a:rPr lang="zh-CN" altLang="en-US" smtClean="0"/>
               <a:t>单击此处编辑母版文本样式</a:t>
             </a:r>
+            <a:endParaRPr lang="zh-CN" altLang="en-US" smtClean="0"/>
           </a:p>
           <a:p>
             <a:pPr lvl="1"/>
@@ -4326,6 +4221,7 @@
               <a:rPr lang="zh-CN" altLang="en-US" smtClean="0"/>
               <a:t>第二级</a:t>
             </a:r>
+            <a:endParaRPr lang="zh-CN" altLang="en-US" smtClean="0"/>
           </a:p>
           <a:p>
             <a:pPr lvl="2"/>
@@ -4333,6 +4229,7 @@
               <a:rPr lang="zh-CN" altLang="en-US" smtClean="0"/>
               <a:t>第三级</a:t>
             </a:r>
+            <a:endParaRPr lang="zh-CN" altLang="en-US" smtClean="0"/>
           </a:p>
           <a:p>
             <a:pPr lvl="3"/>
@@ -4340,6 +4237,7 @@
               <a:rPr lang="zh-CN" altLang="en-US" smtClean="0"/>
               <a:t>第四级</a:t>
             </a:r>
+            <a:endParaRPr lang="zh-CN" altLang="en-US" smtClean="0"/>
           </a:p>
           <a:p>
             <a:pPr lvl="4"/>
@@ -4375,8 +4273,8 @@
           <a:lstStyle>
             <a:lvl1pPr>
               <a:defRPr>
-                <a:latin typeface="Arial" charset="0"/>
-                <a:ea typeface="宋体" pitchFamily="2" charset="-122"/>
+                <a:latin typeface="Arial" panose="020B0604020202020204" pitchFamily="34" charset="0"/>
+                <a:ea typeface="宋体" panose="02010600030101010101" pitchFamily="2" charset="-122"/>
               </a:defRPr>
             </a:lvl1pPr>
           </a:lstStyle>
@@ -4386,10 +4284,6 @@
             </a:pPr>
             <a:fld id="{3E304F96-D599-4277-9068-FD707730C01C}" type="datetimeFigureOut">
               <a:rPr lang="zh-CN" altLang="en-US"/>
-              <a:pPr>
-                <a:defRPr/>
-              </a:pPr>
-              <a:t>2017/7/21</a:t>
             </a:fld>
             <a:endParaRPr lang="zh-CN" altLang="en-US"/>
           </a:p>
@@ -4419,8 +4313,8 @@
           <a:lstStyle>
             <a:lvl1pPr>
               <a:defRPr>
-                <a:latin typeface="Arial" charset="0"/>
-                <a:ea typeface="宋体" pitchFamily="2" charset="-122"/>
+                <a:latin typeface="Arial" panose="020B0604020202020204" pitchFamily="34" charset="0"/>
+                <a:ea typeface="宋体" panose="02010600030101010101" pitchFamily="2" charset="-122"/>
               </a:defRPr>
             </a:lvl1pPr>
           </a:lstStyle>
@@ -4456,8 +4350,8 @@
           <a:lstStyle>
             <a:lvl1pPr>
               <a:defRPr>
-                <a:latin typeface="Arial" charset="0"/>
-                <a:ea typeface="宋体" pitchFamily="2" charset="-122"/>
+                <a:latin typeface="Arial" panose="020B0604020202020204" pitchFamily="34" charset="0"/>
+                <a:ea typeface="宋体" panose="02010600030101010101" pitchFamily="2" charset="-122"/>
               </a:defRPr>
             </a:lvl1pPr>
           </a:lstStyle>
@@ -4467,21 +4361,12 @@
             </a:pPr>
             <a:fld id="{F208EA25-5B45-4DCF-AE64-7E523EB9AEE6}" type="slidenum">
               <a:rPr lang="zh-CN" altLang="en-US"/>
-              <a:pPr>
-                <a:defRPr/>
-              </a:pPr>
-              <a:t>‹#›</a:t>
             </a:fld>
             <a:endParaRPr lang="zh-CN" altLang="en-US"/>
           </a:p>
         </p:txBody>
       </p:sp>
     </p:spTree>
-    <p:extLst>
-      <p:ext uri="{BB962C8B-B14F-4D97-AF65-F5344CB8AC3E}">
-        <p14:creationId xmlns:p14="http://schemas.microsoft.com/office/powerpoint/2010/main" val="2765361110"/>
-      </p:ext>
-    </p:extLst>
   </p:cSld>
   <p:clrMapOvr>
     <a:masterClrMapping/>
@@ -4565,6 +4450,7 @@
               <a:rPr lang="zh-CN" altLang="en-US" smtClean="0"/>
               <a:t>单击此处编辑母版文本样式</a:t>
             </a:r>
+            <a:endParaRPr lang="zh-CN" altLang="en-US" smtClean="0"/>
           </a:p>
           <a:p>
             <a:pPr lvl="1"/>
@@ -4572,6 +4458,7 @@
               <a:rPr lang="zh-CN" altLang="en-US" smtClean="0"/>
               <a:t>第二级</a:t>
             </a:r>
+            <a:endParaRPr lang="zh-CN" altLang="en-US" smtClean="0"/>
           </a:p>
           <a:p>
             <a:pPr lvl="2"/>
@@ -4579,6 +4466,7 @@
               <a:rPr lang="zh-CN" altLang="en-US" smtClean="0"/>
               <a:t>第三级</a:t>
             </a:r>
+            <a:endParaRPr lang="zh-CN" altLang="en-US" smtClean="0"/>
           </a:p>
           <a:p>
             <a:pPr lvl="3"/>
@@ -4586,6 +4474,7 @@
               <a:rPr lang="zh-CN" altLang="en-US" smtClean="0"/>
               <a:t>第四级</a:t>
             </a:r>
+            <a:endParaRPr lang="zh-CN" altLang="en-US" smtClean="0"/>
           </a:p>
           <a:p>
             <a:pPr lvl="4"/>
@@ -4621,8 +4510,8 @@
           <a:lstStyle>
             <a:lvl1pPr>
               <a:defRPr>
-                <a:latin typeface="Arial" charset="0"/>
-                <a:ea typeface="宋体" pitchFamily="2" charset="-122"/>
+                <a:latin typeface="Arial" panose="020B0604020202020204" pitchFamily="34" charset="0"/>
+                <a:ea typeface="宋体" panose="02010600030101010101" pitchFamily="2" charset="-122"/>
               </a:defRPr>
             </a:lvl1pPr>
           </a:lstStyle>
@@ -4632,10 +4521,6 @@
             </a:pPr>
             <a:fld id="{A1D5BC81-0728-4DF4-A1BC-5FCD1440A869}" type="datetimeFigureOut">
               <a:rPr lang="zh-CN" altLang="en-US"/>
-              <a:pPr>
-                <a:defRPr/>
-              </a:pPr>
-              <a:t>2017/7/21</a:t>
             </a:fld>
             <a:endParaRPr lang="zh-CN" altLang="en-US"/>
           </a:p>
@@ -4665,8 +4550,8 @@
           <a:lstStyle>
             <a:lvl1pPr>
               <a:defRPr>
-                <a:latin typeface="Arial" charset="0"/>
-                <a:ea typeface="宋体" pitchFamily="2" charset="-122"/>
+                <a:latin typeface="Arial" panose="020B0604020202020204" pitchFamily="34" charset="0"/>
+                <a:ea typeface="宋体" panose="02010600030101010101" pitchFamily="2" charset="-122"/>
               </a:defRPr>
             </a:lvl1pPr>
           </a:lstStyle>
@@ -4702,8 +4587,8 @@
           <a:lstStyle>
             <a:lvl1pPr>
               <a:defRPr>
-                <a:latin typeface="Arial" charset="0"/>
-                <a:ea typeface="宋体" pitchFamily="2" charset="-122"/>
+                <a:latin typeface="Arial" panose="020B0604020202020204" pitchFamily="34" charset="0"/>
+                <a:ea typeface="宋体" panose="02010600030101010101" pitchFamily="2" charset="-122"/>
               </a:defRPr>
             </a:lvl1pPr>
           </a:lstStyle>
@@ -4713,21 +4598,12 @@
             </a:pPr>
             <a:fld id="{595EC3F3-079E-42C8-8FF7-F31ADA3DF3EA}" type="slidenum">
               <a:rPr lang="zh-CN" altLang="en-US"/>
-              <a:pPr>
-                <a:defRPr/>
-              </a:pPr>
-              <a:t>‹#›</a:t>
             </a:fld>
             <a:endParaRPr lang="zh-CN" altLang="en-US"/>
           </a:p>
         </p:txBody>
       </p:sp>
     </p:spTree>
-    <p:extLst>
-      <p:ext uri="{BB962C8B-B14F-4D97-AF65-F5344CB8AC3E}">
-        <p14:creationId xmlns:p14="http://schemas.microsoft.com/office/powerpoint/2010/main" val="3027148304"/>
-      </p:ext>
-    </p:extLst>
   </p:cSld>
   <p:clrMapOvr>
     <a:masterClrMapping/>
@@ -4906,6 +4782,7 @@
               <a:rPr lang="zh-CN" altLang="en-US" smtClean="0"/>
               <a:t>单击此处编辑母版文本样式</a:t>
             </a:r>
+            <a:endParaRPr lang="zh-CN" altLang="en-US" smtClean="0"/>
           </a:p>
         </p:txBody>
       </p:sp>
@@ -4933,15 +4810,14 @@
           <a:lstStyle>
             <a:lvl1pPr>
               <a:defRPr>
-                <a:latin typeface="Arial" charset="0"/>
-                <a:ea typeface="宋体" pitchFamily="2" charset="-122"/>
+                <a:latin typeface="Arial" panose="020B0604020202020204" pitchFamily="34" charset="0"/>
+                <a:ea typeface="宋体" panose="02010600030101010101" pitchFamily="2" charset="-122"/>
               </a:defRPr>
             </a:lvl1pPr>
           </a:lstStyle>
           <a:p>
             <a:fld id="{2514DD5B-EB48-44C1-916F-AD55A63A68F5}" type="datetimeFigureOut">
               <a:rPr lang="zh-CN" altLang="en-US" smtClean="0"/>
-              <a:t>2017/7/21</a:t>
             </a:fld>
             <a:endParaRPr lang="zh-CN" altLang="en-US"/>
           </a:p>
@@ -4971,8 +4847,8 @@
           <a:lstStyle>
             <a:lvl1pPr>
               <a:defRPr>
-                <a:latin typeface="Arial" charset="0"/>
-                <a:ea typeface="宋体" pitchFamily="2" charset="-122"/>
+                <a:latin typeface="Arial" panose="020B0604020202020204" pitchFamily="34" charset="0"/>
+                <a:ea typeface="宋体" panose="02010600030101010101" pitchFamily="2" charset="-122"/>
               </a:defRPr>
             </a:lvl1pPr>
           </a:lstStyle>
@@ -5005,26 +4881,20 @@
           <a:lstStyle>
             <a:lvl1pPr>
               <a:defRPr>
-                <a:latin typeface="Arial" charset="0"/>
-                <a:ea typeface="宋体" pitchFamily="2" charset="-122"/>
+                <a:latin typeface="Arial" panose="020B0604020202020204" pitchFamily="34" charset="0"/>
+                <a:ea typeface="宋体" panose="02010600030101010101" pitchFamily="2" charset="-122"/>
               </a:defRPr>
             </a:lvl1pPr>
           </a:lstStyle>
           <a:p>
             <a:fld id="{504A0D15-0DB5-4AE1-B74D-81309A961DDD}" type="slidenum">
               <a:rPr lang="zh-CN" altLang="en-US" smtClean="0"/>
-              <a:t>‹#›</a:t>
             </a:fld>
             <a:endParaRPr lang="zh-CN" altLang="en-US"/>
           </a:p>
         </p:txBody>
       </p:sp>
     </p:spTree>
-    <p:extLst>
-      <p:ext uri="{BB962C8B-B14F-4D97-AF65-F5344CB8AC3E}">
-        <p14:creationId xmlns:p14="http://schemas.microsoft.com/office/powerpoint/2010/main" val="3648717365"/>
-      </p:ext>
-    </p:extLst>
   </p:cSld>
   <p:clrMapOvr>
     <a:masterClrMapping/>
@@ -5136,6 +5006,7 @@
               <a:rPr lang="zh-CN" altLang="en-US" smtClean="0"/>
               <a:t>单击此处编辑母版文本样式</a:t>
             </a:r>
+            <a:endParaRPr lang="zh-CN" altLang="en-US" smtClean="0"/>
           </a:p>
           <a:p>
             <a:pPr lvl="1"/>
@@ -5143,6 +5014,7 @@
               <a:rPr lang="zh-CN" altLang="en-US" smtClean="0"/>
               <a:t>第二级</a:t>
             </a:r>
+            <a:endParaRPr lang="zh-CN" altLang="en-US" smtClean="0"/>
           </a:p>
           <a:p>
             <a:pPr lvl="2"/>
@@ -5150,6 +5022,7 @@
               <a:rPr lang="zh-CN" altLang="en-US" smtClean="0"/>
               <a:t>第三级</a:t>
             </a:r>
+            <a:endParaRPr lang="zh-CN" altLang="en-US" smtClean="0"/>
           </a:p>
           <a:p>
             <a:pPr lvl="3"/>
@@ -5157,6 +5030,7 @@
               <a:rPr lang="zh-CN" altLang="en-US" smtClean="0"/>
               <a:t>第四级</a:t>
             </a:r>
+            <a:endParaRPr lang="zh-CN" altLang="en-US" smtClean="0"/>
           </a:p>
           <a:p>
             <a:pPr lvl="4"/>
@@ -5224,6 +5098,7 @@
               <a:rPr lang="zh-CN" altLang="en-US" smtClean="0"/>
               <a:t>单击此处编辑母版文本样式</a:t>
             </a:r>
+            <a:endParaRPr lang="zh-CN" altLang="en-US" smtClean="0"/>
           </a:p>
           <a:p>
             <a:pPr lvl="1"/>
@@ -5231,6 +5106,7 @@
               <a:rPr lang="zh-CN" altLang="en-US" smtClean="0"/>
               <a:t>第二级</a:t>
             </a:r>
+            <a:endParaRPr lang="zh-CN" altLang="en-US" smtClean="0"/>
           </a:p>
           <a:p>
             <a:pPr lvl="2"/>
@@ -5238,6 +5114,7 @@
               <a:rPr lang="zh-CN" altLang="en-US" smtClean="0"/>
               <a:t>第三级</a:t>
             </a:r>
+            <a:endParaRPr lang="zh-CN" altLang="en-US" smtClean="0"/>
           </a:p>
           <a:p>
             <a:pPr lvl="3"/>
@@ -5245,6 +5122,7 @@
               <a:rPr lang="zh-CN" altLang="en-US" smtClean="0"/>
               <a:t>第四级</a:t>
             </a:r>
+            <a:endParaRPr lang="zh-CN" altLang="en-US" smtClean="0"/>
           </a:p>
           <a:p>
             <a:pPr lvl="4"/>
@@ -5280,15 +5158,14 @@
           <a:lstStyle>
             <a:lvl1pPr>
               <a:defRPr>
-                <a:latin typeface="Arial" charset="0"/>
-                <a:ea typeface="宋体" pitchFamily="2" charset="-122"/>
+                <a:latin typeface="Arial" panose="020B0604020202020204" pitchFamily="34" charset="0"/>
+                <a:ea typeface="宋体" panose="02010600030101010101" pitchFamily="2" charset="-122"/>
               </a:defRPr>
             </a:lvl1pPr>
           </a:lstStyle>
           <a:p>
             <a:fld id="{2514DD5B-EB48-44C1-916F-AD55A63A68F5}" type="datetimeFigureOut">
               <a:rPr lang="zh-CN" altLang="en-US" smtClean="0"/>
-              <a:t>2017/7/21</a:t>
             </a:fld>
             <a:endParaRPr lang="zh-CN" altLang="en-US"/>
           </a:p>
@@ -5318,8 +5195,8 @@
           <a:lstStyle>
             <a:lvl1pPr>
               <a:defRPr>
-                <a:latin typeface="Arial" charset="0"/>
-                <a:ea typeface="宋体" pitchFamily="2" charset="-122"/>
+                <a:latin typeface="Arial" panose="020B0604020202020204" pitchFamily="34" charset="0"/>
+                <a:ea typeface="宋体" panose="02010600030101010101" pitchFamily="2" charset="-122"/>
               </a:defRPr>
             </a:lvl1pPr>
           </a:lstStyle>
@@ -5352,26 +5229,20 @@
           <a:lstStyle>
             <a:lvl1pPr>
               <a:defRPr>
-                <a:latin typeface="Arial" charset="0"/>
-                <a:ea typeface="宋体" pitchFamily="2" charset="-122"/>
+                <a:latin typeface="Arial" panose="020B0604020202020204" pitchFamily="34" charset="0"/>
+                <a:ea typeface="宋体" panose="02010600030101010101" pitchFamily="2" charset="-122"/>
               </a:defRPr>
             </a:lvl1pPr>
           </a:lstStyle>
           <a:p>
             <a:fld id="{504A0D15-0DB5-4AE1-B74D-81309A961DDD}" type="slidenum">
               <a:rPr lang="zh-CN" altLang="en-US" smtClean="0"/>
-              <a:t>‹#›</a:t>
             </a:fld>
             <a:endParaRPr lang="zh-CN" altLang="en-US"/>
           </a:p>
         </p:txBody>
       </p:sp>
     </p:spTree>
-    <p:extLst>
-      <p:ext uri="{BB962C8B-B14F-4D97-AF65-F5344CB8AC3E}">
-        <p14:creationId xmlns:p14="http://schemas.microsoft.com/office/powerpoint/2010/main" val="4164070086"/>
-      </p:ext>
-    </p:extLst>
   </p:cSld>
   <p:clrMapOvr>
     <a:masterClrMapping/>
@@ -5496,6 +5367,7 @@
               <a:rPr lang="zh-CN" altLang="en-US" smtClean="0"/>
               <a:t>单击此处编辑母版文本样式</a:t>
             </a:r>
+            <a:endParaRPr lang="zh-CN" altLang="en-US" smtClean="0"/>
           </a:p>
         </p:txBody>
       </p:sp>
@@ -5555,6 +5427,7 @@
               <a:rPr lang="zh-CN" altLang="en-US" smtClean="0"/>
               <a:t>单击此处编辑母版文本样式</a:t>
             </a:r>
+            <a:endParaRPr lang="zh-CN" altLang="en-US" smtClean="0"/>
           </a:p>
           <a:p>
             <a:pPr lvl="1"/>
@@ -5562,6 +5435,7 @@
               <a:rPr lang="zh-CN" altLang="en-US" smtClean="0"/>
               <a:t>第二级</a:t>
             </a:r>
+            <a:endParaRPr lang="zh-CN" altLang="en-US" smtClean="0"/>
           </a:p>
           <a:p>
             <a:pPr lvl="2"/>
@@ -5569,6 +5443,7 @@
               <a:rPr lang="zh-CN" altLang="en-US" smtClean="0"/>
               <a:t>第三级</a:t>
             </a:r>
+            <a:endParaRPr lang="zh-CN" altLang="en-US" smtClean="0"/>
           </a:p>
           <a:p>
             <a:pPr lvl="3"/>
@@ -5576,6 +5451,7 @@
               <a:rPr lang="zh-CN" altLang="en-US" smtClean="0"/>
               <a:t>第四级</a:t>
             </a:r>
+            <a:endParaRPr lang="zh-CN" altLang="en-US" smtClean="0"/>
           </a:p>
           <a:p>
             <a:pPr lvl="4"/>
@@ -5652,6 +5528,7 @@
               <a:rPr lang="zh-CN" altLang="en-US" smtClean="0"/>
               <a:t>单击此处编辑母版文本样式</a:t>
             </a:r>
+            <a:endParaRPr lang="zh-CN" altLang="en-US" smtClean="0"/>
           </a:p>
         </p:txBody>
       </p:sp>
@@ -5711,6 +5588,7 @@
               <a:rPr lang="zh-CN" altLang="en-US" smtClean="0"/>
               <a:t>单击此处编辑母版文本样式</a:t>
             </a:r>
+            <a:endParaRPr lang="zh-CN" altLang="en-US" smtClean="0"/>
           </a:p>
           <a:p>
             <a:pPr lvl="1"/>
@@ -5718,6 +5596,7 @@
               <a:rPr lang="zh-CN" altLang="en-US" smtClean="0"/>
               <a:t>第二级</a:t>
             </a:r>
+            <a:endParaRPr lang="zh-CN" altLang="en-US" smtClean="0"/>
           </a:p>
           <a:p>
             <a:pPr lvl="2"/>
@@ -5725,6 +5604,7 @@
               <a:rPr lang="zh-CN" altLang="en-US" smtClean="0"/>
               <a:t>第三级</a:t>
             </a:r>
+            <a:endParaRPr lang="zh-CN" altLang="en-US" smtClean="0"/>
           </a:p>
           <a:p>
             <a:pPr lvl="3"/>
@@ -5732,6 +5612,7 @@
               <a:rPr lang="zh-CN" altLang="en-US" smtClean="0"/>
               <a:t>第四级</a:t>
             </a:r>
+            <a:endParaRPr lang="zh-CN" altLang="en-US" smtClean="0"/>
           </a:p>
           <a:p>
             <a:pPr lvl="4"/>
@@ -5767,15 +5648,14 @@
           <a:lstStyle>
             <a:lvl1pPr>
               <a:defRPr>
-                <a:latin typeface="Arial" charset="0"/>
-                <a:ea typeface="宋体" pitchFamily="2" charset="-122"/>
+                <a:latin typeface="Arial" panose="020B0604020202020204" pitchFamily="34" charset="0"/>
+                <a:ea typeface="宋体" panose="02010600030101010101" pitchFamily="2" charset="-122"/>
               </a:defRPr>
             </a:lvl1pPr>
           </a:lstStyle>
           <a:p>
             <a:fld id="{2514DD5B-EB48-44C1-916F-AD55A63A68F5}" type="datetimeFigureOut">
               <a:rPr lang="zh-CN" altLang="en-US" smtClean="0"/>
-              <a:t>2017/7/21</a:t>
             </a:fld>
             <a:endParaRPr lang="zh-CN" altLang="en-US"/>
           </a:p>
@@ -5805,8 +5685,8 @@
           <a:lstStyle>
             <a:lvl1pPr>
               <a:defRPr>
-                <a:latin typeface="Arial" charset="0"/>
-                <a:ea typeface="宋体" pitchFamily="2" charset="-122"/>
+                <a:latin typeface="Arial" panose="020B0604020202020204" pitchFamily="34" charset="0"/>
+                <a:ea typeface="宋体" panose="02010600030101010101" pitchFamily="2" charset="-122"/>
               </a:defRPr>
             </a:lvl1pPr>
           </a:lstStyle>
@@ -5839,26 +5719,20 @@
           <a:lstStyle>
             <a:lvl1pPr>
               <a:defRPr>
-                <a:latin typeface="Arial" charset="0"/>
-                <a:ea typeface="宋体" pitchFamily="2" charset="-122"/>
+                <a:latin typeface="Arial" panose="020B0604020202020204" pitchFamily="34" charset="0"/>
+                <a:ea typeface="宋体" panose="02010600030101010101" pitchFamily="2" charset="-122"/>
               </a:defRPr>
             </a:lvl1pPr>
           </a:lstStyle>
           <a:p>
             <a:fld id="{504A0D15-0DB5-4AE1-B74D-81309A961DDD}" type="slidenum">
               <a:rPr lang="zh-CN" altLang="en-US" smtClean="0"/>
-              <a:t>‹#›</a:t>
             </a:fld>
             <a:endParaRPr lang="zh-CN" altLang="en-US"/>
           </a:p>
         </p:txBody>
       </p:sp>
     </p:spTree>
-    <p:extLst>
-      <p:ext uri="{BB962C8B-B14F-4D97-AF65-F5344CB8AC3E}">
-        <p14:creationId xmlns:p14="http://schemas.microsoft.com/office/powerpoint/2010/main" val="1002428014"/>
-      </p:ext>
-    </p:extLst>
   </p:cSld>
   <p:clrMapOvr>
     <a:masterClrMapping/>
@@ -5938,15 +5812,14 @@
           <a:lstStyle>
             <a:lvl1pPr>
               <a:defRPr>
-                <a:latin typeface="Arial" charset="0"/>
-                <a:ea typeface="宋体" pitchFamily="2" charset="-122"/>
+                <a:latin typeface="Arial" panose="020B0604020202020204" pitchFamily="34" charset="0"/>
+                <a:ea typeface="宋体" panose="02010600030101010101" pitchFamily="2" charset="-122"/>
               </a:defRPr>
             </a:lvl1pPr>
           </a:lstStyle>
           <a:p>
             <a:fld id="{2514DD5B-EB48-44C1-916F-AD55A63A68F5}" type="datetimeFigureOut">
               <a:rPr lang="zh-CN" altLang="en-US" smtClean="0"/>
-              <a:t>2017/7/21</a:t>
             </a:fld>
             <a:endParaRPr lang="zh-CN" altLang="en-US"/>
           </a:p>
@@ -5976,8 +5849,8 @@
           <a:lstStyle>
             <a:lvl1pPr>
               <a:defRPr>
-                <a:latin typeface="Arial" charset="0"/>
-                <a:ea typeface="宋体" pitchFamily="2" charset="-122"/>
+                <a:latin typeface="Arial" panose="020B0604020202020204" pitchFamily="34" charset="0"/>
+                <a:ea typeface="宋体" panose="02010600030101010101" pitchFamily="2" charset="-122"/>
               </a:defRPr>
             </a:lvl1pPr>
           </a:lstStyle>
@@ -6010,26 +5883,20 @@
           <a:lstStyle>
             <a:lvl1pPr>
               <a:defRPr>
-                <a:latin typeface="Arial" charset="0"/>
-                <a:ea typeface="宋体" pitchFamily="2" charset="-122"/>
+                <a:latin typeface="Arial" panose="020B0604020202020204" pitchFamily="34" charset="0"/>
+                <a:ea typeface="宋体" panose="02010600030101010101" pitchFamily="2" charset="-122"/>
               </a:defRPr>
             </a:lvl1pPr>
           </a:lstStyle>
           <a:p>
             <a:fld id="{504A0D15-0DB5-4AE1-B74D-81309A961DDD}" type="slidenum">
               <a:rPr lang="zh-CN" altLang="en-US" smtClean="0"/>
-              <a:t>‹#›</a:t>
             </a:fld>
             <a:endParaRPr lang="zh-CN" altLang="en-US"/>
           </a:p>
         </p:txBody>
       </p:sp>
     </p:spTree>
-    <p:extLst>
-      <p:ext uri="{BB962C8B-B14F-4D97-AF65-F5344CB8AC3E}">
-        <p14:creationId xmlns:p14="http://schemas.microsoft.com/office/powerpoint/2010/main" val="1212216871"/>
-      </p:ext>
-    </p:extLst>
   </p:cSld>
   <p:clrMapOvr>
     <a:masterClrMapping/>
@@ -6078,15 +5945,14 @@
           <a:lstStyle>
             <a:lvl1pPr>
               <a:defRPr>
-                <a:latin typeface="Arial" charset="0"/>
-                <a:ea typeface="宋体" pitchFamily="2" charset="-122"/>
+                <a:latin typeface="Arial" panose="020B0604020202020204" pitchFamily="34" charset="0"/>
+                <a:ea typeface="宋体" panose="02010600030101010101" pitchFamily="2" charset="-122"/>
               </a:defRPr>
             </a:lvl1pPr>
           </a:lstStyle>
           <a:p>
             <a:fld id="{2514DD5B-EB48-44C1-916F-AD55A63A68F5}" type="datetimeFigureOut">
               <a:rPr lang="zh-CN" altLang="en-US" smtClean="0"/>
-              <a:t>2017/7/21</a:t>
             </a:fld>
             <a:endParaRPr lang="zh-CN" altLang="en-US"/>
           </a:p>
@@ -6116,8 +5982,8 @@
           <a:lstStyle>
             <a:lvl1pPr>
               <a:defRPr>
-                <a:latin typeface="Arial" charset="0"/>
-                <a:ea typeface="宋体" pitchFamily="2" charset="-122"/>
+                <a:latin typeface="Arial" panose="020B0604020202020204" pitchFamily="34" charset="0"/>
+                <a:ea typeface="宋体" panose="02010600030101010101" pitchFamily="2" charset="-122"/>
               </a:defRPr>
             </a:lvl1pPr>
           </a:lstStyle>
@@ -6150,26 +6016,20 @@
           <a:lstStyle>
             <a:lvl1pPr>
               <a:defRPr>
-                <a:latin typeface="Arial" charset="0"/>
-                <a:ea typeface="宋体" pitchFamily="2" charset="-122"/>
+                <a:latin typeface="Arial" panose="020B0604020202020204" pitchFamily="34" charset="0"/>
+                <a:ea typeface="宋体" panose="02010600030101010101" pitchFamily="2" charset="-122"/>
               </a:defRPr>
             </a:lvl1pPr>
           </a:lstStyle>
           <a:p>
             <a:fld id="{504A0D15-0DB5-4AE1-B74D-81309A961DDD}" type="slidenum">
               <a:rPr lang="zh-CN" altLang="en-US" smtClean="0"/>
-              <a:t>‹#›</a:t>
             </a:fld>
             <a:endParaRPr lang="zh-CN" altLang="en-US"/>
           </a:p>
         </p:txBody>
       </p:sp>
     </p:spTree>
-    <p:extLst>
-      <p:ext uri="{BB962C8B-B14F-4D97-AF65-F5344CB8AC3E}">
-        <p14:creationId xmlns:p14="http://schemas.microsoft.com/office/powerpoint/2010/main" val="2884187173"/>
-      </p:ext>
-    </p:extLst>
   </p:cSld>
   <p:clrMapOvr>
     <a:masterClrMapping/>
@@ -6285,6 +6145,7 @@
               <a:rPr lang="zh-CN" altLang="en-US" smtClean="0"/>
               <a:t>单击此处编辑母版文本样式</a:t>
             </a:r>
+            <a:endParaRPr lang="zh-CN" altLang="en-US" smtClean="0"/>
           </a:p>
           <a:p>
             <a:pPr lvl="1"/>
@@ -6292,6 +6153,7 @@
               <a:rPr lang="zh-CN" altLang="en-US" smtClean="0"/>
               <a:t>第二级</a:t>
             </a:r>
+            <a:endParaRPr lang="zh-CN" altLang="en-US" smtClean="0"/>
           </a:p>
           <a:p>
             <a:pPr lvl="2"/>
@@ -6299,6 +6161,7 @@
               <a:rPr lang="zh-CN" altLang="en-US" smtClean="0"/>
               <a:t>第三级</a:t>
             </a:r>
+            <a:endParaRPr lang="zh-CN" altLang="en-US" smtClean="0"/>
           </a:p>
           <a:p>
             <a:pPr lvl="3"/>
@@ -6306,6 +6169,7 @@
               <a:rPr lang="zh-CN" altLang="en-US" smtClean="0"/>
               <a:t>第四级</a:t>
             </a:r>
+            <a:endParaRPr lang="zh-CN" altLang="en-US" smtClean="0"/>
           </a:p>
           <a:p>
             <a:pPr lvl="4"/>
@@ -6382,6 +6246,7 @@
               <a:rPr lang="zh-CN" altLang="en-US" smtClean="0"/>
               <a:t>单击此处编辑母版文本样式</a:t>
             </a:r>
+            <a:endParaRPr lang="zh-CN" altLang="en-US" smtClean="0"/>
           </a:p>
         </p:txBody>
       </p:sp>
@@ -6409,15 +6274,14 @@
           <a:lstStyle>
             <a:lvl1pPr>
               <a:defRPr>
-                <a:latin typeface="Arial" charset="0"/>
-                <a:ea typeface="宋体" pitchFamily="2" charset="-122"/>
+                <a:latin typeface="Arial" panose="020B0604020202020204" pitchFamily="34" charset="0"/>
+                <a:ea typeface="宋体" panose="02010600030101010101" pitchFamily="2" charset="-122"/>
               </a:defRPr>
             </a:lvl1pPr>
           </a:lstStyle>
           <a:p>
             <a:fld id="{2514DD5B-EB48-44C1-916F-AD55A63A68F5}" type="datetimeFigureOut">
               <a:rPr lang="zh-CN" altLang="en-US" smtClean="0"/>
-              <a:t>2017/7/21</a:t>
             </a:fld>
             <a:endParaRPr lang="zh-CN" altLang="en-US"/>
           </a:p>
@@ -6447,8 +6311,8 @@
           <a:lstStyle>
             <a:lvl1pPr>
               <a:defRPr>
-                <a:latin typeface="Arial" charset="0"/>
-                <a:ea typeface="宋体" pitchFamily="2" charset="-122"/>
+                <a:latin typeface="Arial" panose="020B0604020202020204" pitchFamily="34" charset="0"/>
+                <a:ea typeface="宋体" panose="02010600030101010101" pitchFamily="2" charset="-122"/>
               </a:defRPr>
             </a:lvl1pPr>
           </a:lstStyle>
@@ -6481,26 +6345,20 @@
           <a:lstStyle>
             <a:lvl1pPr>
               <a:defRPr>
-                <a:latin typeface="Arial" charset="0"/>
-                <a:ea typeface="宋体" pitchFamily="2" charset="-122"/>
+                <a:latin typeface="Arial" panose="020B0604020202020204" pitchFamily="34" charset="0"/>
+                <a:ea typeface="宋体" panose="02010600030101010101" pitchFamily="2" charset="-122"/>
               </a:defRPr>
             </a:lvl1pPr>
           </a:lstStyle>
           <a:p>
             <a:fld id="{504A0D15-0DB5-4AE1-B74D-81309A961DDD}" type="slidenum">
               <a:rPr lang="zh-CN" altLang="en-US" smtClean="0"/>
-              <a:t>‹#›</a:t>
             </a:fld>
             <a:endParaRPr lang="zh-CN" altLang="en-US"/>
           </a:p>
         </p:txBody>
       </p:sp>
     </p:spTree>
-    <p:extLst>
-      <p:ext uri="{BB962C8B-B14F-4D97-AF65-F5344CB8AC3E}">
-        <p14:creationId xmlns:p14="http://schemas.microsoft.com/office/powerpoint/2010/main" val="115596942"/>
-      </p:ext>
-    </p:extLst>
   </p:cSld>
   <p:clrMapOvr>
     <a:masterClrMapping/>
@@ -6625,6 +6483,7 @@
               <a:rPr lang="zh-CN" altLang="en-US" noProof="0" smtClean="0"/>
               <a:t>单击图标添加图片</a:t>
             </a:r>
+            <a:endParaRPr lang="zh-CN" altLang="en-US" noProof="0" smtClean="0"/>
           </a:p>
         </p:txBody>
       </p:sp>
@@ -6693,6 +6552,7 @@
               <a:rPr lang="zh-CN" altLang="en-US" smtClean="0"/>
               <a:t>单击此处编辑母版文本样式</a:t>
             </a:r>
+            <a:endParaRPr lang="zh-CN" altLang="en-US" smtClean="0"/>
           </a:p>
         </p:txBody>
       </p:sp>
@@ -6720,15 +6580,14 @@
           <a:lstStyle>
             <a:lvl1pPr>
               <a:defRPr>
-                <a:latin typeface="Arial" charset="0"/>
-                <a:ea typeface="宋体" pitchFamily="2" charset="-122"/>
+                <a:latin typeface="Arial" panose="020B0604020202020204" pitchFamily="34" charset="0"/>
+                <a:ea typeface="宋体" panose="02010600030101010101" pitchFamily="2" charset="-122"/>
               </a:defRPr>
             </a:lvl1pPr>
           </a:lstStyle>
           <a:p>
             <a:fld id="{2514DD5B-EB48-44C1-916F-AD55A63A68F5}" type="datetimeFigureOut">
               <a:rPr lang="zh-CN" altLang="en-US" smtClean="0"/>
-              <a:t>2017/7/21</a:t>
             </a:fld>
             <a:endParaRPr lang="zh-CN" altLang="en-US"/>
           </a:p>
@@ -6758,8 +6617,8 @@
           <a:lstStyle>
             <a:lvl1pPr>
               <a:defRPr>
-                <a:latin typeface="Arial" charset="0"/>
-                <a:ea typeface="宋体" pitchFamily="2" charset="-122"/>
+                <a:latin typeface="Arial" panose="020B0604020202020204" pitchFamily="34" charset="0"/>
+                <a:ea typeface="宋体" panose="02010600030101010101" pitchFamily="2" charset="-122"/>
               </a:defRPr>
             </a:lvl1pPr>
           </a:lstStyle>
@@ -6792,26 +6651,20 @@
           <a:lstStyle>
             <a:lvl1pPr>
               <a:defRPr>
-                <a:latin typeface="Arial" charset="0"/>
-                <a:ea typeface="宋体" pitchFamily="2" charset="-122"/>
+                <a:latin typeface="Arial" panose="020B0604020202020204" pitchFamily="34" charset="0"/>
+                <a:ea typeface="宋体" panose="02010600030101010101" pitchFamily="2" charset="-122"/>
               </a:defRPr>
             </a:lvl1pPr>
           </a:lstStyle>
           <a:p>
             <a:fld id="{504A0D15-0DB5-4AE1-B74D-81309A961DDD}" type="slidenum">
               <a:rPr lang="zh-CN" altLang="en-US" smtClean="0"/>
-              <a:t>‹#›</a:t>
             </a:fld>
             <a:endParaRPr lang="zh-CN" altLang="en-US"/>
           </a:p>
         </p:txBody>
       </p:sp>
     </p:spTree>
-    <p:extLst>
-      <p:ext uri="{BB962C8B-B14F-4D97-AF65-F5344CB8AC3E}">
-        <p14:creationId xmlns:p14="http://schemas.microsoft.com/office/powerpoint/2010/main" val="2019146045"/>
-      </p:ext>
-    </p:extLst>
   </p:cSld>
   <p:clrMapOvr>
     <a:masterClrMapping/>
@@ -6825,7 +6678,7 @@
     <p:bg>
       <p:bgPr>
         <a:blipFill dpi="0" rotWithShape="1">
-          <a:blip r:embed="rId13">
+          <a:blip r:embed="rId12">
             <a:lum/>
           </a:blip>
           <a:srcRect/>
@@ -6854,17 +6707,17 @@
   </p:cSld>
   <p:clrMap bg1="lt1" tx1="dk1" bg2="lt2" tx2="dk2" accent1="accent1" accent2="accent2" accent3="accent3" accent4="accent4" accent5="accent5" accent6="accent6" hlink="hlink" folHlink="folHlink"/>
   <p:sldLayoutIdLst>
-    <p:sldLayoutId id="2147483673" r:id="rId1"/>
-    <p:sldLayoutId id="2147483674" r:id="rId2"/>
-    <p:sldLayoutId id="2147483675" r:id="rId3"/>
-    <p:sldLayoutId id="2147483676" r:id="rId4"/>
-    <p:sldLayoutId id="2147483677" r:id="rId5"/>
-    <p:sldLayoutId id="2147483678" r:id="rId6"/>
-    <p:sldLayoutId id="2147483679" r:id="rId7"/>
-    <p:sldLayoutId id="2147483680" r:id="rId8"/>
-    <p:sldLayoutId id="2147483681" r:id="rId9"/>
-    <p:sldLayoutId id="2147483682" r:id="rId10"/>
-    <p:sldLayoutId id="2147483683" r:id="rId11"/>
+    <p:sldLayoutId id="2147483649" r:id="rId1"/>
+    <p:sldLayoutId id="2147483650" r:id="rId2"/>
+    <p:sldLayoutId id="2147483651" r:id="rId3"/>
+    <p:sldLayoutId id="2147483652" r:id="rId4"/>
+    <p:sldLayoutId id="2147483653" r:id="rId5"/>
+    <p:sldLayoutId id="2147483654" r:id="rId6"/>
+    <p:sldLayoutId id="2147483655" r:id="rId7"/>
+    <p:sldLayoutId id="2147483656" r:id="rId8"/>
+    <p:sldLayoutId id="2147483657" r:id="rId9"/>
+    <p:sldLayoutId id="2147483658" r:id="rId10"/>
+    <p:sldLayoutId id="2147483659" r:id="rId11"/>
   </p:sldLayoutIdLst>
   <p:timing>
     <p:tnLst>
@@ -6902,8 +6755,8 @@
           <a:solidFill>
             <a:schemeClr val="tx1"/>
           </a:solidFill>
-          <a:latin typeface="Calibri" pitchFamily="34" charset="0"/>
-          <a:ea typeface="宋体" pitchFamily="2" charset="-122"/>
+          <a:latin typeface="Calibri" panose="020F0502020204030204" pitchFamily="34" charset="0"/>
+          <a:ea typeface="宋体" panose="02010600030101010101" pitchFamily="2" charset="-122"/>
         </a:defRPr>
       </a:lvl2pPr>
       <a:lvl3pPr algn="ctr" rtl="0" eaLnBrk="1" fontAlgn="base" hangingPunct="1">
@@ -6917,8 +6770,8 @@
           <a:solidFill>
             <a:schemeClr val="tx1"/>
           </a:solidFill>
-          <a:latin typeface="Calibri" pitchFamily="34" charset="0"/>
-          <a:ea typeface="宋体" pitchFamily="2" charset="-122"/>
+          <a:latin typeface="Calibri" panose="020F0502020204030204" pitchFamily="34" charset="0"/>
+          <a:ea typeface="宋体" panose="02010600030101010101" pitchFamily="2" charset="-122"/>
         </a:defRPr>
       </a:lvl3pPr>
       <a:lvl4pPr algn="ctr" rtl="0" eaLnBrk="1" fontAlgn="base" hangingPunct="1">
@@ -6932,8 +6785,8 @@
           <a:solidFill>
             <a:schemeClr val="tx1"/>
           </a:solidFill>
-          <a:latin typeface="Calibri" pitchFamily="34" charset="0"/>
-          <a:ea typeface="宋体" pitchFamily="2" charset="-122"/>
+          <a:latin typeface="Calibri" panose="020F0502020204030204" pitchFamily="34" charset="0"/>
+          <a:ea typeface="宋体" panose="02010600030101010101" pitchFamily="2" charset="-122"/>
         </a:defRPr>
       </a:lvl4pPr>
       <a:lvl5pPr algn="ctr" rtl="0" eaLnBrk="1" fontAlgn="base" hangingPunct="1">
@@ -6947,8 +6800,8 @@
           <a:solidFill>
             <a:schemeClr val="tx1"/>
           </a:solidFill>
-          <a:latin typeface="Calibri" pitchFamily="34" charset="0"/>
-          <a:ea typeface="宋体" pitchFamily="2" charset="-122"/>
+          <a:latin typeface="Calibri" panose="020F0502020204030204" pitchFamily="34" charset="0"/>
+          <a:ea typeface="宋体" panose="02010600030101010101" pitchFamily="2" charset="-122"/>
         </a:defRPr>
       </a:lvl5pPr>
       <a:lvl6pPr marL="457200" algn="ctr" rtl="0" eaLnBrk="1" fontAlgn="base" hangingPunct="1">
@@ -6962,8 +6815,8 @@
           <a:solidFill>
             <a:schemeClr val="tx1"/>
           </a:solidFill>
-          <a:latin typeface="Calibri" pitchFamily="34" charset="0"/>
-          <a:ea typeface="宋体" pitchFamily="2" charset="-122"/>
+          <a:latin typeface="Calibri" panose="020F0502020204030204" pitchFamily="34" charset="0"/>
+          <a:ea typeface="宋体" panose="02010600030101010101" pitchFamily="2" charset="-122"/>
         </a:defRPr>
       </a:lvl6pPr>
       <a:lvl7pPr marL="914400" algn="ctr" rtl="0" eaLnBrk="1" fontAlgn="base" hangingPunct="1">
@@ -6977,8 +6830,8 @@
           <a:solidFill>
             <a:schemeClr val="tx1"/>
           </a:solidFill>
-          <a:latin typeface="Calibri" pitchFamily="34" charset="0"/>
-          <a:ea typeface="宋体" pitchFamily="2" charset="-122"/>
+          <a:latin typeface="Calibri" panose="020F0502020204030204" pitchFamily="34" charset="0"/>
+          <a:ea typeface="宋体" panose="02010600030101010101" pitchFamily="2" charset="-122"/>
         </a:defRPr>
       </a:lvl7pPr>
       <a:lvl8pPr marL="1371600" algn="ctr" rtl="0" eaLnBrk="1" fontAlgn="base" hangingPunct="1">
@@ -6992,8 +6845,8 @@
           <a:solidFill>
             <a:schemeClr val="tx1"/>
           </a:solidFill>
-          <a:latin typeface="Calibri" pitchFamily="34" charset="0"/>
-          <a:ea typeface="宋体" pitchFamily="2" charset="-122"/>
+          <a:latin typeface="Calibri" panose="020F0502020204030204" pitchFamily="34" charset="0"/>
+          <a:ea typeface="宋体" panose="02010600030101010101" pitchFamily="2" charset="-122"/>
         </a:defRPr>
       </a:lvl8pPr>
       <a:lvl9pPr marL="1828800" algn="ctr" rtl="0" eaLnBrk="1" fontAlgn="base" hangingPunct="1">
@@ -7007,8 +6860,8 @@
           <a:solidFill>
             <a:schemeClr val="tx1"/>
           </a:solidFill>
-          <a:latin typeface="Calibri" pitchFamily="34" charset="0"/>
-          <a:ea typeface="宋体" pitchFamily="2" charset="-122"/>
+          <a:latin typeface="Calibri" panose="020F0502020204030204" pitchFamily="34" charset="0"/>
+          <a:ea typeface="宋体" panose="02010600030101010101" pitchFamily="2" charset="-122"/>
         </a:defRPr>
       </a:lvl9pPr>
     </p:titleStyle>
@@ -7020,7 +6873,7 @@
         <a:spcAft>
           <a:spcPct val="0"/>
         </a:spcAft>
-        <a:buFont typeface="Arial" charset="0"/>
+        <a:buFont typeface="Arial" panose="020B0604020202020204" pitchFamily="34" charset="0"/>
         <a:buChar char="•"/>
         <a:defRPr sz="3200" kern="1200">
           <a:solidFill>
@@ -7038,7 +6891,7 @@
         <a:spcAft>
           <a:spcPct val="0"/>
         </a:spcAft>
-        <a:buFont typeface="Arial" charset="0"/>
+        <a:buFont typeface="Arial" panose="020B0604020202020204" pitchFamily="34" charset="0"/>
         <a:buChar char="–"/>
         <a:defRPr sz="2800" kern="1200">
           <a:solidFill>
@@ -7056,7 +6909,7 @@
         <a:spcAft>
           <a:spcPct val="0"/>
         </a:spcAft>
-        <a:buFont typeface="Arial" charset="0"/>
+        <a:buFont typeface="Arial" panose="020B0604020202020204" pitchFamily="34" charset="0"/>
         <a:buChar char="•"/>
         <a:defRPr sz="2400" kern="1200">
           <a:solidFill>
@@ -7074,7 +6927,7 @@
         <a:spcAft>
           <a:spcPct val="0"/>
         </a:spcAft>
-        <a:buFont typeface="Arial" charset="0"/>
+        <a:buFont typeface="Arial" panose="020B0604020202020204" pitchFamily="34" charset="0"/>
         <a:buChar char="–"/>
         <a:defRPr sz="2000" kern="1200">
           <a:solidFill>
@@ -7092,7 +6945,7 @@
         <a:spcAft>
           <a:spcPct val="0"/>
         </a:spcAft>
-        <a:buFont typeface="Arial" charset="0"/>
+        <a:buFont typeface="Arial" panose="020B0604020202020204" pitchFamily="34" charset="0"/>
         <a:buChar char="»"/>
         <a:defRPr sz="2000" kern="1200">
           <a:solidFill>
@@ -7107,7 +6960,7 @@
         <a:spcBef>
           <a:spcPct val="20000"/>
         </a:spcBef>
-        <a:buFont typeface="Arial" pitchFamily="34" charset="0"/>
+        <a:buFont typeface="Arial" panose="020B0604020202020204" pitchFamily="34" charset="0"/>
         <a:buChar char="•"/>
         <a:defRPr sz="2000" kern="1200">
           <a:solidFill>
@@ -7122,7 +6975,7 @@
         <a:spcBef>
           <a:spcPct val="20000"/>
         </a:spcBef>
-        <a:buFont typeface="Arial" pitchFamily="34" charset="0"/>
+        <a:buFont typeface="Arial" panose="020B0604020202020204" pitchFamily="34" charset="0"/>
         <a:buChar char="•"/>
         <a:defRPr sz="2000" kern="1200">
           <a:solidFill>
@@ -7137,7 +6990,7 @@
         <a:spcBef>
           <a:spcPct val="20000"/>
         </a:spcBef>
-        <a:buFont typeface="Arial" pitchFamily="34" charset="0"/>
+        <a:buFont typeface="Arial" panose="020B0604020202020204" pitchFamily="34" charset="0"/>
         <a:buChar char="•"/>
         <a:defRPr sz="2000" kern="1200">
           <a:solidFill>
@@ -7152,7 +7005,7 @@
         <a:spcBef>
           <a:spcPct val="20000"/>
         </a:spcBef>
-        <a:buFont typeface="Arial" pitchFamily="34" charset="0"/>
+        <a:buFont typeface="Arial" panose="020B0604020202020204" pitchFamily="34" charset="0"/>
         <a:buChar char="•"/>
         <a:defRPr sz="2000" kern="1200">
           <a:solidFill>
@@ -7269,7 +7122,7 @@
     <p:bg>
       <p:bgPr>
         <a:blipFill dpi="0" rotWithShape="1">
-          <a:blip r:embed="rId13">
+          <a:blip r:embed="rId12">
             <a:lum/>
           </a:blip>
           <a:srcRect/>
@@ -7298,17 +7151,17 @@
   </p:cSld>
   <p:clrMap bg1="lt1" tx1="dk1" bg2="lt2" tx2="dk2" accent1="accent1" accent2="accent2" accent3="accent3" accent4="accent4" accent5="accent5" accent6="accent6" hlink="hlink" folHlink="folHlink"/>
   <p:sldLayoutIdLst>
-    <p:sldLayoutId id="2147483685" r:id="rId1"/>
-    <p:sldLayoutId id="2147483686" r:id="rId2"/>
-    <p:sldLayoutId id="2147483687" r:id="rId3"/>
-    <p:sldLayoutId id="2147483688" r:id="rId4"/>
-    <p:sldLayoutId id="2147483689" r:id="rId5"/>
-    <p:sldLayoutId id="2147483690" r:id="rId6"/>
-    <p:sldLayoutId id="2147483691" r:id="rId7"/>
-    <p:sldLayoutId id="2147483692" r:id="rId8"/>
-    <p:sldLayoutId id="2147483693" r:id="rId9"/>
-    <p:sldLayoutId id="2147483694" r:id="rId10"/>
-    <p:sldLayoutId id="2147483695" r:id="rId11"/>
+    <p:sldLayoutId id="2147483661" r:id="rId1"/>
+    <p:sldLayoutId id="2147483662" r:id="rId2"/>
+    <p:sldLayoutId id="2147483663" r:id="rId3"/>
+    <p:sldLayoutId id="2147483664" r:id="rId4"/>
+    <p:sldLayoutId id="2147483665" r:id="rId5"/>
+    <p:sldLayoutId id="2147483666" r:id="rId6"/>
+    <p:sldLayoutId id="2147483667" r:id="rId7"/>
+    <p:sldLayoutId id="2147483668" r:id="rId8"/>
+    <p:sldLayoutId id="2147483669" r:id="rId9"/>
+    <p:sldLayoutId id="2147483670" r:id="rId10"/>
+    <p:sldLayoutId id="2147483671" r:id="rId11"/>
   </p:sldLayoutIdLst>
   <p:timing>
     <p:tnLst>
@@ -7346,8 +7199,8 @@
           <a:solidFill>
             <a:schemeClr val="tx1"/>
           </a:solidFill>
-          <a:latin typeface="Calibri" pitchFamily="34" charset="0"/>
-          <a:ea typeface="宋体" pitchFamily="2" charset="-122"/>
+          <a:latin typeface="Calibri" panose="020F0502020204030204" pitchFamily="34" charset="0"/>
+          <a:ea typeface="宋体" panose="02010600030101010101" pitchFamily="2" charset="-122"/>
         </a:defRPr>
       </a:lvl2pPr>
       <a:lvl3pPr algn="ctr" rtl="0" eaLnBrk="1" fontAlgn="base" hangingPunct="1">
@@ -7361,8 +7214,8 @@
           <a:solidFill>
             <a:schemeClr val="tx1"/>
           </a:solidFill>
-          <a:latin typeface="Calibri" pitchFamily="34" charset="0"/>
-          <a:ea typeface="宋体" pitchFamily="2" charset="-122"/>
+          <a:latin typeface="Calibri" panose="020F0502020204030204" pitchFamily="34" charset="0"/>
+          <a:ea typeface="宋体" panose="02010600030101010101" pitchFamily="2" charset="-122"/>
         </a:defRPr>
       </a:lvl3pPr>
       <a:lvl4pPr algn="ctr" rtl="0" eaLnBrk="1" fontAlgn="base" hangingPunct="1">
@@ -7376,8 +7229,8 @@
           <a:solidFill>
             <a:schemeClr val="tx1"/>
           </a:solidFill>
-          <a:latin typeface="Calibri" pitchFamily="34" charset="0"/>
-          <a:ea typeface="宋体" pitchFamily="2" charset="-122"/>
+          <a:latin typeface="Calibri" panose="020F0502020204030204" pitchFamily="34" charset="0"/>
+          <a:ea typeface="宋体" panose="02010600030101010101" pitchFamily="2" charset="-122"/>
         </a:defRPr>
       </a:lvl4pPr>
       <a:lvl5pPr algn="ctr" rtl="0" eaLnBrk="1" fontAlgn="base" hangingPunct="1">
@@ -7391,8 +7244,8 @@
           <a:solidFill>
             <a:schemeClr val="tx1"/>
           </a:solidFill>
-          <a:latin typeface="Calibri" pitchFamily="34" charset="0"/>
-          <a:ea typeface="宋体" pitchFamily="2" charset="-122"/>
+          <a:latin typeface="Calibri" panose="020F0502020204030204" pitchFamily="34" charset="0"/>
+          <a:ea typeface="宋体" panose="02010600030101010101" pitchFamily="2" charset="-122"/>
         </a:defRPr>
       </a:lvl5pPr>
       <a:lvl6pPr marL="457200" algn="ctr" rtl="0" eaLnBrk="1" fontAlgn="base" hangingPunct="1">
@@ -7406,8 +7259,8 @@
           <a:solidFill>
             <a:schemeClr val="tx1"/>
           </a:solidFill>
-          <a:latin typeface="Calibri" pitchFamily="34" charset="0"/>
-          <a:ea typeface="宋体" pitchFamily="2" charset="-122"/>
+          <a:latin typeface="Calibri" panose="020F0502020204030204" pitchFamily="34" charset="0"/>
+          <a:ea typeface="宋体" panose="02010600030101010101" pitchFamily="2" charset="-122"/>
         </a:defRPr>
       </a:lvl6pPr>
       <a:lvl7pPr marL="914400" algn="ctr" rtl="0" eaLnBrk="1" fontAlgn="base" hangingPunct="1">
@@ -7421,8 +7274,8 @@
           <a:solidFill>
             <a:schemeClr val="tx1"/>
           </a:solidFill>
-          <a:latin typeface="Calibri" pitchFamily="34" charset="0"/>
-          <a:ea typeface="宋体" pitchFamily="2" charset="-122"/>
+          <a:latin typeface="Calibri" panose="020F0502020204030204" pitchFamily="34" charset="0"/>
+          <a:ea typeface="宋体" panose="02010600030101010101" pitchFamily="2" charset="-122"/>
         </a:defRPr>
       </a:lvl7pPr>
       <a:lvl8pPr marL="1371600" algn="ctr" rtl="0" eaLnBrk="1" fontAlgn="base" hangingPunct="1">
@@ -7436,8 +7289,8 @@
           <a:solidFill>
             <a:schemeClr val="tx1"/>
           </a:solidFill>
-          <a:latin typeface="Calibri" pitchFamily="34" charset="0"/>
-          <a:ea typeface="宋体" pitchFamily="2" charset="-122"/>
+          <a:latin typeface="Calibri" panose="020F0502020204030204" pitchFamily="34" charset="0"/>
+          <a:ea typeface="宋体" panose="02010600030101010101" pitchFamily="2" charset="-122"/>
         </a:defRPr>
       </a:lvl8pPr>
       <a:lvl9pPr marL="1828800" algn="ctr" rtl="0" eaLnBrk="1" fontAlgn="base" hangingPunct="1">
@@ -7451,8 +7304,8 @@
           <a:solidFill>
             <a:schemeClr val="tx1"/>
           </a:solidFill>
-          <a:latin typeface="Calibri" pitchFamily="34" charset="0"/>
-          <a:ea typeface="宋体" pitchFamily="2" charset="-122"/>
+          <a:latin typeface="Calibri" panose="020F0502020204030204" pitchFamily="34" charset="0"/>
+          <a:ea typeface="宋体" panose="02010600030101010101" pitchFamily="2" charset="-122"/>
         </a:defRPr>
       </a:lvl9pPr>
     </p:titleStyle>
@@ -7464,7 +7317,7 @@
         <a:spcAft>
           <a:spcPct val="0"/>
         </a:spcAft>
-        <a:buFont typeface="Arial" charset="0"/>
+        <a:buFont typeface="Arial" panose="020B0604020202020204" pitchFamily="34" charset="0"/>
         <a:buChar char="•"/>
         <a:defRPr sz="3200" kern="1200">
           <a:solidFill>
@@ -7482,7 +7335,7 @@
         <a:spcAft>
           <a:spcPct val="0"/>
         </a:spcAft>
-        <a:buFont typeface="Arial" charset="0"/>
+        <a:buFont typeface="Arial" panose="020B0604020202020204" pitchFamily="34" charset="0"/>
         <a:buChar char="–"/>
         <a:defRPr sz="2800" kern="1200">
           <a:solidFill>
@@ -7500,7 +7353,7 @@
         <a:spcAft>
           <a:spcPct val="0"/>
         </a:spcAft>
-        <a:buFont typeface="Arial" charset="0"/>
+        <a:buFont typeface="Arial" panose="020B0604020202020204" pitchFamily="34" charset="0"/>
         <a:buChar char="•"/>
         <a:defRPr sz="2400" kern="1200">
           <a:solidFill>
@@ -7518,7 +7371,7 @@
         <a:spcAft>
           <a:spcPct val="0"/>
         </a:spcAft>
-        <a:buFont typeface="Arial" charset="0"/>
+        <a:buFont typeface="Arial" panose="020B0604020202020204" pitchFamily="34" charset="0"/>
         <a:buChar char="–"/>
         <a:defRPr sz="2000" kern="1200">
           <a:solidFill>
@@ -7536,7 +7389,7 @@
         <a:spcAft>
           <a:spcPct val="0"/>
         </a:spcAft>
-        <a:buFont typeface="Arial" charset="0"/>
+        <a:buFont typeface="Arial" panose="020B0604020202020204" pitchFamily="34" charset="0"/>
         <a:buChar char="»"/>
         <a:defRPr sz="2000" kern="1200">
           <a:solidFill>
@@ -7551,7 +7404,7 @@
         <a:spcBef>
           <a:spcPct val="20000"/>
         </a:spcBef>
-        <a:buFont typeface="Arial" pitchFamily="34" charset="0"/>
+        <a:buFont typeface="Arial" panose="020B0604020202020204" pitchFamily="34" charset="0"/>
         <a:buChar char="•"/>
         <a:defRPr sz="2000" kern="1200">
           <a:solidFill>
@@ -7566,7 +7419,7 @@
         <a:spcBef>
           <a:spcPct val="20000"/>
         </a:spcBef>
-        <a:buFont typeface="Arial" pitchFamily="34" charset="0"/>
+        <a:buFont typeface="Arial" panose="020B0604020202020204" pitchFamily="34" charset="0"/>
         <a:buChar char="•"/>
         <a:defRPr sz="2000" kern="1200">
           <a:solidFill>
@@ -7581,7 +7434,7 @@
         <a:spcBef>
           <a:spcPct val="20000"/>
         </a:spcBef>
-        <a:buFont typeface="Arial" pitchFamily="34" charset="0"/>
+        <a:buFont typeface="Arial" panose="020B0604020202020204" pitchFamily="34" charset="0"/>
         <a:buChar char="•"/>
         <a:defRPr sz="2000" kern="1200">
           <a:solidFill>
@@ -7596,7 +7449,7 @@
         <a:spcBef>
           <a:spcPct val="20000"/>
         </a:spcBef>
-        <a:buFont typeface="Arial" pitchFamily="34" charset="0"/>
+        <a:buFont typeface="Arial" panose="020B0604020202020204" pitchFamily="34" charset="0"/>
         <a:buChar char="•"/>
         <a:defRPr sz="2000" kern="1200">
           <a:solidFill>
@@ -7771,11 +7624,6 @@
         </p:txBody>
       </p:sp>
     </p:spTree>
-    <p:extLst>
-      <p:ext uri="{BB962C8B-B14F-4D97-AF65-F5344CB8AC3E}">
-        <p14:creationId xmlns:p14="http://schemas.microsoft.com/office/powerpoint/2010/main" val="1828664773"/>
-      </p:ext>
-    </p:extLst>
   </p:cSld>
   <p:clrMapOvr>
     <a:masterClrMapping/>
@@ -7925,7 +7773,7 @@
           <p:nvPr/>
         </p:nvPicPr>
         <p:blipFill>
-          <a:blip r:embed="rId2" cstate="print"/>
+          <a:blip r:embed="rId1" cstate="print"/>
           <a:srcRect/>
           <a:stretch>
             <a:fillRect/>
@@ -7957,7 +7805,7 @@
           <p:nvPr/>
         </p:nvPicPr>
         <p:blipFill>
-          <a:blip r:embed="rId2" cstate="print"/>
+          <a:blip r:embed="rId1" cstate="print"/>
           <a:srcRect/>
           <a:stretch>
             <a:fillRect/>
@@ -7989,7 +7837,7 @@
           <p:nvPr/>
         </p:nvPicPr>
         <p:blipFill>
-          <a:blip r:embed="rId3" cstate="print"/>
+          <a:blip r:embed="rId2" cstate="print"/>
           <a:srcRect/>
           <a:stretch>
             <a:fillRect/>
@@ -8013,11 +7861,6 @@
         </p:spPr>
       </p:pic>
     </p:spTree>
-    <p:extLst>
-      <p:ext uri="{BB962C8B-B14F-4D97-AF65-F5344CB8AC3E}">
-        <p14:creationId xmlns:p14="http://schemas.microsoft.com/office/powerpoint/2010/main" val="3599977373"/>
-      </p:ext>
-    </p:extLst>
   </p:cSld>
   <p:clrMapOvr>
     <a:masterClrMapping/>
@@ -8122,6 +7965,7 @@
               <a:rPr lang="en-US" altLang="zh-CN" sz="2000" dirty="0" smtClean="0"/>
               <a:t>  </a:t>
             </a:r>
+            <a:endParaRPr lang="en-US" altLang="zh-CN" sz="2000" dirty="0" smtClean="0"/>
           </a:p>
           <a:p>
             <a:pPr>
@@ -8263,6 +8107,7 @@
               <a:rPr lang="en-US" altLang="zh-CN" sz="2000" baseline="-25000" dirty="0" smtClean="0"/>
               <a:t>  color);</a:t>
             </a:r>
+            <a:endParaRPr lang="en-US" altLang="zh-CN" sz="2000" baseline="-25000" dirty="0" smtClean="0"/>
           </a:p>
           <a:p>
             <a:pPr>
@@ -8307,7 +8152,7 @@
           <p:nvPr/>
         </p:nvPicPr>
         <p:blipFill>
-          <a:blip r:embed="rId2" cstate="print"/>
+          <a:blip r:embed="rId1" cstate="print"/>
           <a:srcRect/>
           <a:stretch>
             <a:fillRect/>
@@ -8331,11 +8176,6 @@
         </p:spPr>
       </p:pic>
     </p:spTree>
-    <p:extLst>
-      <p:ext uri="{BB962C8B-B14F-4D97-AF65-F5344CB8AC3E}">
-        <p14:creationId xmlns:p14="http://schemas.microsoft.com/office/powerpoint/2010/main" val="221040887"/>
-      </p:ext>
-    </p:extLst>
   </p:cSld>
   <p:clrMapOvr>
     <a:masterClrMapping/>
@@ -8401,7 +8241,7 @@
           </p:nvPr>
         </p:nvPicPr>
         <p:blipFill>
-          <a:blip r:embed="rId2" cstate="print"/>
+          <a:blip r:embed="rId1" cstate="print"/>
           <a:srcRect/>
           <a:stretch>
             <a:fillRect/>
@@ -8425,11 +8265,6 @@
         </p:spPr>
       </p:pic>
     </p:spTree>
-    <p:extLst>
-      <p:ext uri="{BB962C8B-B14F-4D97-AF65-F5344CB8AC3E}">
-        <p14:creationId xmlns:p14="http://schemas.microsoft.com/office/powerpoint/2010/main" val="288596363"/>
-      </p:ext>
-    </p:extLst>
   </p:cSld>
   <p:clrMapOvr>
     <a:masterClrMapping/>
@@ -8495,7 +8330,7 @@
           </p:nvPr>
         </p:nvPicPr>
         <p:blipFill>
-          <a:blip r:embed="rId2" cstate="print"/>
+          <a:blip r:embed="rId1" cstate="print"/>
           <a:srcRect/>
           <a:stretch>
             <a:fillRect/>
@@ -8519,11 +8354,6 @@
         </p:spPr>
       </p:pic>
     </p:spTree>
-    <p:extLst>
-      <p:ext uri="{BB962C8B-B14F-4D97-AF65-F5344CB8AC3E}">
-        <p14:creationId xmlns:p14="http://schemas.microsoft.com/office/powerpoint/2010/main" val="3541524843"/>
-      </p:ext>
-    </p:extLst>
   </p:cSld>
   <p:clrMapOvr>
     <a:masterClrMapping/>
@@ -8695,6 +8525,7 @@
               <a:rPr lang="en-US" altLang="zh-CN" sz="2000" dirty="0" smtClean="0"/>
               <a:t>	x’(x, y, z) = U1x + V1y + W1z + T1</a:t>
             </a:r>
+            <a:endParaRPr lang="en-US" altLang="zh-CN" sz="2000" dirty="0" smtClean="0"/>
           </a:p>
           <a:p>
             <a:pPr>
@@ -8704,6 +8535,7 @@
               <a:rPr lang="en-US" altLang="zh-CN" sz="2000" dirty="0" smtClean="0"/>
               <a:t>	y’(x, y, z) = U2x +V2y + W2z + T2</a:t>
             </a:r>
+            <a:endParaRPr lang="en-US" altLang="zh-CN" sz="2000" dirty="0" smtClean="0"/>
           </a:p>
           <a:p>
             <a:pPr>
@@ -8713,6 +8545,7 @@
               <a:rPr lang="en-US" altLang="zh-CN" sz="2000" dirty="0" smtClean="0"/>
               <a:t>	z’(x, y, z) – U3x + V3y + W3z + T3</a:t>
             </a:r>
+            <a:endParaRPr lang="en-US" altLang="zh-CN" sz="2000" dirty="0" smtClean="0"/>
           </a:p>
           <a:p>
             <a:pPr>
@@ -8776,7 +8609,7 @@
           <p:nvPr/>
         </p:nvPicPr>
         <p:blipFill>
-          <a:blip r:embed="rId2" cstate="print"/>
+          <a:blip r:embed="rId1" cstate="print"/>
           <a:srcRect/>
           <a:stretch>
             <a:fillRect/>
@@ -8800,11 +8633,6 @@
         </p:spPr>
       </p:pic>
     </p:spTree>
-    <p:extLst>
-      <p:ext uri="{BB962C8B-B14F-4D97-AF65-F5344CB8AC3E}">
-        <p14:creationId xmlns:p14="http://schemas.microsoft.com/office/powerpoint/2010/main" val="3572796128"/>
-      </p:ext>
-    </p:extLst>
   </p:cSld>
   <p:clrMapOvr>
     <a:masterClrMapping/>
@@ -9147,11 +8975,6 @@
         </p:txBody>
       </p:sp>
     </p:spTree>
-    <p:extLst>
-      <p:ext uri="{BB962C8B-B14F-4D97-AF65-F5344CB8AC3E}">
-        <p14:creationId xmlns:p14="http://schemas.microsoft.com/office/powerpoint/2010/main" val="253465619"/>
-      </p:ext>
-    </p:extLst>
   </p:cSld>
   <p:clrMapOvr>
     <a:masterClrMapping/>
@@ -9257,6 +9080,7 @@
               <a:rPr lang="en-US" altLang="zh-CN" dirty="0" smtClean="0"/>
               <a:t>	 P’ =  			 P</a:t>
             </a:r>
+            <a:endParaRPr lang="en-US" altLang="zh-CN" dirty="0" smtClean="0"/>
           </a:p>
           <a:p>
             <a:pPr lvl="1">
@@ -9282,6 +9106,7 @@
               <a:rPr lang="en-US" altLang="zh-CN" dirty="0" smtClean="0"/>
               <a:t>	</a:t>
             </a:r>
+            <a:endParaRPr lang="en-US" altLang="zh-CN" dirty="0" smtClean="0"/>
           </a:p>
           <a:p>
             <a:pPr lvl="1">
@@ -9314,7 +9139,7 @@
           <p:nvPr/>
         </p:nvPicPr>
         <p:blipFill>
-          <a:blip r:embed="rId2" cstate="print"/>
+          <a:blip r:embed="rId1" cstate="print"/>
           <a:srcRect/>
           <a:stretch>
             <a:fillRect/>
@@ -9346,7 +9171,7 @@
           <p:nvPr/>
         </p:nvPicPr>
         <p:blipFill>
-          <a:blip r:embed="rId2" cstate="print"/>
+          <a:blip r:embed="rId1" cstate="print"/>
           <a:srcRect/>
           <a:stretch>
             <a:fillRect/>
@@ -9378,7 +9203,7 @@
           <p:nvPr/>
         </p:nvPicPr>
         <p:blipFill>
-          <a:blip r:embed="rId3" cstate="print"/>
+          <a:blip r:embed="rId2" cstate="print"/>
           <a:srcRect/>
           <a:stretch>
             <a:fillRect/>
@@ -9410,7 +9235,7 @@
           <p:nvPr/>
         </p:nvPicPr>
         <p:blipFill>
-          <a:blip r:embed="rId4" cstate="print"/>
+          <a:blip r:embed="rId3" cstate="print"/>
           <a:srcRect/>
           <a:stretch>
             <a:fillRect/>
@@ -9442,7 +9267,7 @@
           <p:nvPr/>
         </p:nvPicPr>
         <p:blipFill>
-          <a:blip r:embed="rId5" cstate="print"/>
+          <a:blip r:embed="rId4" cstate="print"/>
           <a:srcRect/>
           <a:stretch>
             <a:fillRect/>
@@ -9466,11 +9291,6 @@
         </p:spPr>
       </p:pic>
     </p:spTree>
-    <p:extLst>
-      <p:ext uri="{BB962C8B-B14F-4D97-AF65-F5344CB8AC3E}">
-        <p14:creationId xmlns:p14="http://schemas.microsoft.com/office/powerpoint/2010/main" val="3709825595"/>
-      </p:ext>
-    </p:extLst>
   </p:cSld>
   <p:clrMapOvr>
     <a:masterClrMapping/>
@@ -9691,7 +9511,7 @@
           <p:nvPr/>
         </p:nvPicPr>
         <p:blipFill>
-          <a:blip r:embed="rId2" cstate="print"/>
+          <a:blip r:embed="rId1" cstate="print"/>
           <a:srcRect/>
           <a:stretch>
             <a:fillRect/>
@@ -9715,11 +9535,6 @@
         </p:spPr>
       </p:pic>
     </p:spTree>
-    <p:extLst>
-      <p:ext uri="{BB962C8B-B14F-4D97-AF65-F5344CB8AC3E}">
-        <p14:creationId xmlns:p14="http://schemas.microsoft.com/office/powerpoint/2010/main" val="38614053"/>
-      </p:ext>
-    </p:extLst>
   </p:cSld>
   <p:clrMapOvr>
     <a:masterClrMapping/>
@@ -9932,11 +9747,6 @@
         </p:txBody>
       </p:sp>
     </p:spTree>
-    <p:extLst>
-      <p:ext uri="{BB962C8B-B14F-4D97-AF65-F5344CB8AC3E}">
-        <p14:creationId xmlns:p14="http://schemas.microsoft.com/office/powerpoint/2010/main" val="3590616785"/>
-      </p:ext>
-    </p:extLst>
   </p:cSld>
   <p:clrMapOvr>
     <a:masterClrMapping/>
@@ -10032,7 +9842,7 @@
           <p:nvPr/>
         </p:nvPicPr>
         <p:blipFill>
-          <a:blip r:embed="rId2" cstate="print"/>
+          <a:blip r:embed="rId1" cstate="print"/>
           <a:srcRect/>
           <a:stretch>
             <a:fillRect/>
@@ -10064,7 +9874,7 @@
           <p:nvPr/>
         </p:nvPicPr>
         <p:blipFill>
-          <a:blip r:embed="rId3" cstate="print"/>
+          <a:blip r:embed="rId2" cstate="print"/>
           <a:srcRect/>
           <a:stretch>
             <a:fillRect/>
@@ -10088,11 +9898,6 @@
         </p:spPr>
       </p:pic>
     </p:spTree>
-    <p:extLst>
-      <p:ext uri="{BB962C8B-B14F-4D97-AF65-F5344CB8AC3E}">
-        <p14:creationId xmlns:p14="http://schemas.microsoft.com/office/powerpoint/2010/main" val="2908710579"/>
-      </p:ext>
-    </p:extLst>
   </p:cSld>
   <p:clrMapOvr>
     <a:masterClrMapping/>
@@ -10279,11 +10084,6 @@
         </p:txBody>
       </p:sp>
     </p:spTree>
-    <p:extLst>
-      <p:ext uri="{BB962C8B-B14F-4D97-AF65-F5344CB8AC3E}">
-        <p14:creationId xmlns:p14="http://schemas.microsoft.com/office/powerpoint/2010/main" val="3655785902"/>
-      </p:ext>
-    </p:extLst>
   </p:cSld>
   <p:clrMapOvr>
     <a:masterClrMapping/>
@@ -10423,6 +10223,7 @@
               <a:rPr lang="en-US" altLang="zh-CN" dirty="0" smtClean="0"/>
               <a:t> = -dir;</a:t>
             </a:r>
+            <a:endParaRPr lang="en-US" altLang="zh-CN" dirty="0" smtClean="0"/>
           </a:p>
           <a:p>
             <a:pPr>
@@ -10456,6 +10257,7 @@
               <a:rPr lang="en-US" altLang="zh-CN" dirty="0" smtClean="0"/>
               <a:t>);</a:t>
             </a:r>
+            <a:endParaRPr lang="en-US" altLang="zh-CN" dirty="0" smtClean="0"/>
           </a:p>
           <a:p>
             <a:pPr>
@@ -10489,6 +10291,7 @@
               <a:rPr lang="en-US" altLang="zh-CN" dirty="0" smtClean="0"/>
               <a:t>);</a:t>
             </a:r>
+            <a:endParaRPr lang="en-US" altLang="zh-CN" dirty="0" smtClean="0"/>
           </a:p>
           <a:p>
             <a:pPr>
@@ -10513,11 +10316,6 @@
         </p:txBody>
       </p:sp>
     </p:spTree>
-    <p:extLst>
-      <p:ext uri="{BB962C8B-B14F-4D97-AF65-F5344CB8AC3E}">
-        <p14:creationId xmlns:p14="http://schemas.microsoft.com/office/powerpoint/2010/main" val="546320741"/>
-      </p:ext>
-    </p:extLst>
   </p:cSld>
   <p:clrMapOvr>
     <a:masterClrMapping/>
@@ -10622,6 +10420,7 @@
               <a:rPr lang="en-US" altLang="zh-CN" dirty="0" smtClean="0"/>
               <a:t>	</a:t>
             </a:r>
+            <a:endParaRPr lang="en-US" altLang="zh-CN" dirty="0" smtClean="0"/>
           </a:p>
           <a:p>
             <a:pPr lvl="1">
@@ -10640,7 +10439,7 @@
           <p:nvPr/>
         </p:nvPicPr>
         <p:blipFill>
-          <a:blip r:embed="rId2" cstate="print"/>
+          <a:blip r:embed="rId1" cstate="print"/>
           <a:srcRect/>
           <a:stretch>
             <a:fillRect/>
@@ -10664,11 +10463,6 @@
         </p:spPr>
       </p:pic>
     </p:spTree>
-    <p:extLst>
-      <p:ext uri="{BB962C8B-B14F-4D97-AF65-F5344CB8AC3E}">
-        <p14:creationId xmlns:p14="http://schemas.microsoft.com/office/powerpoint/2010/main" val="2241871883"/>
-      </p:ext>
-    </p:extLst>
   </p:cSld>
   <p:clrMapOvr>
     <a:masterClrMapping/>
@@ -10915,6 +10709,7 @@
               <a:rPr lang="en-US" altLang="zh-CN" sz="2400" dirty="0" smtClean="0"/>
               <a:t>MP = P’’</a:t>
             </a:r>
+            <a:endParaRPr lang="en-US" altLang="zh-CN" sz="2400" dirty="0" smtClean="0"/>
           </a:p>
           <a:p>
             <a:pPr lvl="1">
@@ -10931,11 +10726,6 @@
         </p:txBody>
       </p:sp>
     </p:spTree>
-    <p:extLst>
-      <p:ext uri="{BB962C8B-B14F-4D97-AF65-F5344CB8AC3E}">
-        <p14:creationId xmlns:p14="http://schemas.microsoft.com/office/powerpoint/2010/main" val="3932776303"/>
-      </p:ext>
-    </p:extLst>
   </p:cSld>
   <p:clrMapOvr>
     <a:masterClrMapping/>
@@ -11045,7 +10835,7 @@
           <p:nvPr/>
         </p:nvPicPr>
         <p:blipFill>
-          <a:blip r:embed="rId2">
+          <a:blip r:embed="rId1">
             <a:extLst>
               <a:ext uri="{28A0092B-C50C-407E-A947-70E740481C1C}">
                 <a14:useLocalDpi xmlns:a14="http://schemas.microsoft.com/office/drawing/2010/main" val="0"/>
@@ -11109,7 +10899,7 @@
           <p:nvPr/>
         </p:nvPicPr>
         <p:blipFill>
-          <a:blip r:embed="rId3">
+          <a:blip r:embed="rId2">
             <a:extLst>
               <a:ext uri="{28A0092B-C50C-407E-A947-70E740481C1C}">
                 <a14:useLocalDpi xmlns:a14="http://schemas.microsoft.com/office/drawing/2010/main" val="0"/>
@@ -11165,11 +10955,6 @@
         </p:spPr>
       </p:pic>
     </p:spTree>
-    <p:extLst>
-      <p:ext uri="{BB962C8B-B14F-4D97-AF65-F5344CB8AC3E}">
-        <p14:creationId xmlns:p14="http://schemas.microsoft.com/office/powerpoint/2010/main" val="1970701007"/>
-      </p:ext>
-    </p:extLst>
   </p:cSld>
   <p:clrMapOvr>
     <a:masterClrMapping/>
@@ -11270,6 +11055,7 @@
               <a:rPr lang="en-US" altLang="zh-CN" sz="2000" dirty="0" smtClean="0"/>
               <a:t>2</a:t>
             </a:r>
+            <a:endParaRPr lang="en-US" altLang="zh-CN" sz="2000" dirty="0" smtClean="0"/>
           </a:p>
           <a:p>
             <a:pPr>
@@ -11322,7 +11108,7 @@
           <p:nvPr/>
         </p:nvPicPr>
         <p:blipFill>
-          <a:blip r:embed="rId2">
+          <a:blip r:embed="rId1">
             <a:extLst>
               <a:ext uri="{28A0092B-C50C-407E-A947-70E740481C1C}">
                 <a14:useLocalDpi xmlns:a14="http://schemas.microsoft.com/office/drawing/2010/main" val="0"/>
@@ -11386,7 +11172,7 @@
           <p:nvPr/>
         </p:nvPicPr>
         <p:blipFill>
-          <a:blip r:embed="rId3">
+          <a:blip r:embed="rId2">
             <a:extLst>
               <a:ext uri="{28A0092B-C50C-407E-A947-70E740481C1C}">
                 <a14:useLocalDpi xmlns:a14="http://schemas.microsoft.com/office/drawing/2010/main" val="0"/>
@@ -11442,11 +11228,6 @@
         </p:spPr>
       </p:pic>
     </p:spTree>
-    <p:extLst>
-      <p:ext uri="{BB962C8B-B14F-4D97-AF65-F5344CB8AC3E}">
-        <p14:creationId xmlns:p14="http://schemas.microsoft.com/office/powerpoint/2010/main" val="1231532070"/>
-      </p:ext>
-    </p:extLst>
   </p:cSld>
   <p:clrMapOvr>
     <a:masterClrMapping/>
@@ -11562,6 +11343,7 @@
               <a:rPr lang="en-US" altLang="zh-CN" sz="2000" dirty="0" smtClean="0"/>
               <a:t>	</a:t>
             </a:r>
+            <a:endParaRPr lang="en-US" altLang="zh-CN" sz="2000" dirty="0" smtClean="0"/>
           </a:p>
           <a:p>
             <a:pPr>
@@ -11637,6 +11419,7 @@
               <a:rPr lang="en-US" altLang="zh-CN" sz="2000" dirty="0" smtClean="0"/>
               <a:t>	</a:t>
             </a:r>
+            <a:endParaRPr lang="en-US" altLang="zh-CN" sz="2000" dirty="0" smtClean="0"/>
           </a:p>
           <a:p>
             <a:pPr>
@@ -11659,7 +11442,7 @@
           <p:nvPr/>
         </p:nvPicPr>
         <p:blipFill>
-          <a:blip r:embed="rId2" cstate="print"/>
+          <a:blip r:embed="rId1" cstate="print"/>
           <a:srcRect/>
           <a:stretch>
             <a:fillRect/>
@@ -11691,7 +11474,7 @@
           <p:nvPr/>
         </p:nvPicPr>
         <p:blipFill>
-          <a:blip r:embed="rId3">
+          <a:blip r:embed="rId2">
             <a:extLst>
               <a:ext uri="{28A0092B-C50C-407E-A947-70E740481C1C}">
                 <a14:useLocalDpi xmlns:a14="http://schemas.microsoft.com/office/drawing/2010/main" val="0"/>
@@ -11755,7 +11538,7 @@
           <p:nvPr/>
         </p:nvPicPr>
         <p:blipFill>
-          <a:blip r:embed="rId4">
+          <a:blip r:embed="rId3">
             <a:extLst>
               <a:ext uri="{28A0092B-C50C-407E-A947-70E740481C1C}">
                 <a14:useLocalDpi xmlns:a14="http://schemas.microsoft.com/office/drawing/2010/main" val="0"/>
@@ -11811,11 +11594,6 @@
         </p:spPr>
       </p:pic>
     </p:spTree>
-    <p:extLst>
-      <p:ext uri="{BB962C8B-B14F-4D97-AF65-F5344CB8AC3E}">
-        <p14:creationId xmlns:p14="http://schemas.microsoft.com/office/powerpoint/2010/main" val="1902505783"/>
-      </p:ext>
-    </p:extLst>
   </p:cSld>
   <p:clrMapOvr>
     <a:masterClrMapping/>
@@ -11925,11 +11703,7 @@
             </a:r>
             <a:r>
               <a:rPr lang="zh-CN" altLang="en-US" sz="2000" dirty="0" smtClean="0"/>
-              <a:t>中</a:t>
-            </a:r>
-            <a:r>
-              <a:rPr lang="zh-CN" altLang="en-US" sz="2000" dirty="0" smtClean="0"/>
-              <a:t>都有除以</a:t>
+              <a:t>中都有除以</a:t>
             </a:r>
             <a:r>
               <a:rPr lang="en-US" altLang="zh-CN" sz="2000" dirty="0" smtClean="0"/>
@@ -11990,7 +11764,7 @@
           <p:nvPr/>
         </p:nvPicPr>
         <p:blipFill>
-          <a:blip r:embed="rId2">
+          <a:blip r:embed="rId1">
             <a:extLst>
               <a:ext uri="{28A0092B-C50C-407E-A947-70E740481C1C}">
                 <a14:useLocalDpi xmlns:a14="http://schemas.microsoft.com/office/drawing/2010/main" val="0"/>
@@ -12054,7 +11828,7 @@
           <p:nvPr/>
         </p:nvPicPr>
         <p:blipFill>
-          <a:blip r:embed="rId3">
+          <a:blip r:embed="rId2">
             <a:extLst>
               <a:ext uri="{28A0092B-C50C-407E-A947-70E740481C1C}">
                 <a14:useLocalDpi xmlns:a14="http://schemas.microsoft.com/office/drawing/2010/main" val="0"/>
@@ -12110,11 +11884,6 @@
         </p:spPr>
       </p:pic>
     </p:spTree>
-    <p:extLst>
-      <p:ext uri="{BB962C8B-B14F-4D97-AF65-F5344CB8AC3E}">
-        <p14:creationId xmlns:p14="http://schemas.microsoft.com/office/powerpoint/2010/main" val="2268273255"/>
-      </p:ext>
-    </p:extLst>
   </p:cSld>
   <p:clrMapOvr>
     <a:masterClrMapping/>
@@ -12250,7 +12019,7 @@
           <p:nvPr/>
         </p:nvPicPr>
         <p:blipFill>
-          <a:blip r:embed="rId2">
+          <a:blip r:embed="rId1">
             <a:extLst>
               <a:ext uri="{28A0092B-C50C-407E-A947-70E740481C1C}">
                 <a14:useLocalDpi xmlns:a14="http://schemas.microsoft.com/office/drawing/2010/main" val="0"/>
@@ -12306,11 +12075,6 @@
         </p:spPr>
       </p:pic>
     </p:spTree>
-    <p:extLst>
-      <p:ext uri="{BB962C8B-B14F-4D97-AF65-F5344CB8AC3E}">
-        <p14:creationId xmlns:p14="http://schemas.microsoft.com/office/powerpoint/2010/main" val="2415058037"/>
-      </p:ext>
-    </p:extLst>
   </p:cSld>
   <p:clrMapOvr>
     <a:masterClrMapping/>
@@ -12507,11 +12271,6 @@
         </p:txBody>
       </p:sp>
     </p:spTree>
-    <p:extLst>
-      <p:ext uri="{BB962C8B-B14F-4D97-AF65-F5344CB8AC3E}">
-        <p14:creationId xmlns:p14="http://schemas.microsoft.com/office/powerpoint/2010/main" val="834137201"/>
-      </p:ext>
-    </p:extLst>
   </p:cSld>
   <p:clrMapOvr>
     <a:masterClrMapping/>
@@ -12636,7 +12395,7 @@
           <p:nvPr/>
         </p:nvPicPr>
         <p:blipFill>
-          <a:blip r:embed="rId2" cstate="print"/>
+          <a:blip r:embed="rId1" cstate="print"/>
           <a:srcRect/>
           <a:stretch>
             <a:fillRect/>
@@ -12668,7 +12427,7 @@
           <p:nvPr/>
         </p:nvPicPr>
         <p:blipFill>
-          <a:blip r:embed="rId3" cstate="print"/>
+          <a:blip r:embed="rId2" cstate="print"/>
           <a:srcRect/>
           <a:stretch>
             <a:fillRect/>
@@ -12692,11 +12451,6 @@
         </p:spPr>
       </p:pic>
     </p:spTree>
-    <p:extLst>
-      <p:ext uri="{BB962C8B-B14F-4D97-AF65-F5344CB8AC3E}">
-        <p14:creationId xmlns:p14="http://schemas.microsoft.com/office/powerpoint/2010/main" val="3651908784"/>
-      </p:ext>
-    </p:extLst>
   </p:cSld>
   <p:clrMapOvr>
     <a:masterClrMapping/>
@@ -12829,6 +12583,7 @@
               <a:rPr lang="zh-CN" altLang="en-US" sz="2000" dirty="0"/>
               <a:t>不发达的年代，软件渲染是十分重要的。</a:t>
             </a:r>
+            <a:endParaRPr lang="zh-CN" altLang="en-US" sz="2000" dirty="0"/>
           </a:p>
           <a:p>
             <a:endParaRPr lang="en-US" altLang="zh-CN" sz="2000" dirty="0" smtClean="0"/>
@@ -12839,11 +12594,6 @@
         </p:txBody>
       </p:sp>
     </p:spTree>
-    <p:extLst>
-      <p:ext uri="{BB962C8B-B14F-4D97-AF65-F5344CB8AC3E}">
-        <p14:creationId xmlns:p14="http://schemas.microsoft.com/office/powerpoint/2010/main" val="929913962"/>
-      </p:ext>
-    </p:extLst>
   </p:cSld>
   <p:clrMapOvr>
     <a:masterClrMapping/>
@@ -13002,7 +12752,7 @@
           <p:nvPr/>
         </p:nvPicPr>
         <p:blipFill>
-          <a:blip r:embed="rId2" cstate="print"/>
+          <a:blip r:embed="rId1" cstate="print"/>
           <a:srcRect/>
           <a:stretch>
             <a:fillRect/>
@@ -13026,11 +12776,6 @@
         </p:spPr>
       </p:pic>
     </p:spTree>
-    <p:extLst>
-      <p:ext uri="{BB962C8B-B14F-4D97-AF65-F5344CB8AC3E}">
-        <p14:creationId xmlns:p14="http://schemas.microsoft.com/office/powerpoint/2010/main" val="2526991523"/>
-      </p:ext>
-    </p:extLst>
   </p:cSld>
   <p:clrMapOvr>
     <a:masterClrMapping/>
@@ -13074,6 +12819,7 @@
               <a:rPr lang="zh-CN" altLang="en-US" dirty="0"/>
               <a:t>剔除操作和裁剪操作</a:t>
             </a:r>
+            <a:endParaRPr lang="zh-CN" altLang="en-US" dirty="0"/>
           </a:p>
         </p:txBody>
       </p:sp>
@@ -13109,7 +12855,7 @@
           <p:nvPr/>
         </p:nvPicPr>
         <p:blipFill>
-          <a:blip r:embed="rId2">
+          <a:blip r:embed="rId1">
             <a:extLst>
               <a:ext uri="{28A0092B-C50C-407E-A947-70E740481C1C}">
                 <a14:useLocalDpi xmlns:a14="http://schemas.microsoft.com/office/drawing/2010/main" val="0"/>
@@ -13165,11 +12911,6 @@
         </p:spPr>
       </p:pic>
     </p:spTree>
-    <p:extLst>
-      <p:ext uri="{BB962C8B-B14F-4D97-AF65-F5344CB8AC3E}">
-        <p14:creationId xmlns:p14="http://schemas.microsoft.com/office/powerpoint/2010/main" val="1836449953"/>
-      </p:ext>
-    </p:extLst>
   </p:cSld>
   <p:clrMapOvr>
     <a:masterClrMapping/>
@@ -13213,6 +12954,7 @@
               <a:rPr lang="zh-CN" altLang="en-US" dirty="0"/>
               <a:t>剔除操作和裁剪操作</a:t>
             </a:r>
+            <a:endParaRPr lang="zh-CN" altLang="en-US" dirty="0"/>
           </a:p>
         </p:txBody>
       </p:sp>
@@ -13248,7 +12990,7 @@
           <p:nvPr/>
         </p:nvPicPr>
         <p:blipFill>
-          <a:blip r:embed="rId2">
+          <a:blip r:embed="rId1">
             <a:extLst>
               <a:ext uri="{28A0092B-C50C-407E-A947-70E740481C1C}">
                 <a14:useLocalDpi xmlns:a14="http://schemas.microsoft.com/office/drawing/2010/main" val="0"/>
@@ -13304,11 +13046,6 @@
         </p:spPr>
       </p:pic>
     </p:spTree>
-    <p:extLst>
-      <p:ext uri="{BB962C8B-B14F-4D97-AF65-F5344CB8AC3E}">
-        <p14:creationId xmlns:p14="http://schemas.microsoft.com/office/powerpoint/2010/main" val="2013337462"/>
-      </p:ext>
-    </p:extLst>
   </p:cSld>
   <p:clrMapOvr>
     <a:masterClrMapping/>
@@ -13393,6 +13130,7 @@
               <a:rPr lang="en-US" altLang="zh-CN" sz="2000" dirty="0" smtClean="0"/>
               <a:t>	</a:t>
             </a:r>
+            <a:endParaRPr lang="en-US" altLang="zh-CN" sz="2000" dirty="0" smtClean="0"/>
           </a:p>
           <a:p>
             <a:pPr marL="0" indent="0">
@@ -13462,6 +13200,7 @@
               <a:rPr lang="en-US" altLang="zh-CN" sz="2000" dirty="0" smtClean="0"/>
               <a:t>0 &lt;= m &lt;= 1;</a:t>
             </a:r>
+            <a:endParaRPr lang="en-US" altLang="zh-CN" sz="2000" dirty="0" smtClean="0"/>
           </a:p>
           <a:p>
             <a:pPr marL="0" indent="0">
@@ -13479,6 +13218,7 @@
               <a:rPr lang="en-US" altLang="zh-CN" sz="2000" dirty="0" smtClean="0"/>
               <a:t>d&gt;0</a:t>
             </a:r>
+            <a:endParaRPr lang="en-US" altLang="zh-CN" sz="2000" dirty="0" smtClean="0"/>
           </a:p>
           <a:p>
             <a:pPr marL="0" indent="0">
@@ -13587,7 +13327,7 @@
           <p:nvPr/>
         </p:nvPicPr>
         <p:blipFill>
-          <a:blip r:embed="rId2">
+          <a:blip r:embed="rId1">
             <a:extLst>
               <a:ext uri="{28A0092B-C50C-407E-A947-70E740481C1C}">
                 <a14:useLocalDpi xmlns:a14="http://schemas.microsoft.com/office/drawing/2010/main" val="0"/>
@@ -13651,7 +13391,7 @@
           <p:nvPr/>
         </p:nvPicPr>
         <p:blipFill>
-          <a:blip r:embed="rId3">
+          <a:blip r:embed="rId2">
             <a:extLst>
               <a:ext uri="{28A0092B-C50C-407E-A947-70E740481C1C}">
                 <a14:useLocalDpi xmlns:a14="http://schemas.microsoft.com/office/drawing/2010/main" val="0"/>
@@ -13715,7 +13455,7 @@
           <p:nvPr/>
         </p:nvPicPr>
         <p:blipFill>
-          <a:blip r:embed="rId4">
+          <a:blip r:embed="rId3">
             <a:extLst>
               <a:ext uri="{28A0092B-C50C-407E-A947-70E740481C1C}">
                 <a14:useLocalDpi xmlns:a14="http://schemas.microsoft.com/office/drawing/2010/main" val="0"/>
@@ -13771,11 +13511,6 @@
         </p:spPr>
       </p:pic>
     </p:spTree>
-    <p:extLst>
-      <p:ext uri="{BB962C8B-B14F-4D97-AF65-F5344CB8AC3E}">
-        <p14:creationId xmlns:p14="http://schemas.microsoft.com/office/powerpoint/2010/main" val="1221017734"/>
-      </p:ext>
-    </p:extLst>
   </p:cSld>
   <p:clrMapOvr>
     <a:masterClrMapping/>
@@ -13901,7 +13636,7 @@
           <p:nvPr/>
         </p:nvPicPr>
         <p:blipFill>
-          <a:blip r:embed="rId2">
+          <a:blip r:embed="rId1">
             <a:extLst>
               <a:ext uri="{28A0092B-C50C-407E-A947-70E740481C1C}">
                 <a14:useLocalDpi xmlns:a14="http://schemas.microsoft.com/office/drawing/2010/main" val="0"/>
@@ -13957,11 +13692,6 @@
         </p:spPr>
       </p:pic>
     </p:spTree>
-    <p:extLst>
-      <p:ext uri="{BB962C8B-B14F-4D97-AF65-F5344CB8AC3E}">
-        <p14:creationId xmlns:p14="http://schemas.microsoft.com/office/powerpoint/2010/main" val="1912789681"/>
-      </p:ext>
-    </p:extLst>
   </p:cSld>
   <p:clrMapOvr>
     <a:masterClrMapping/>
@@ -14028,7 +13758,33 @@
               <a:rPr lang="zh-CN" altLang="en-US" dirty="0" smtClean="0"/>
               <a:t>对颜色进行线性插值</a:t>
             </a:r>
-            <a:endParaRPr lang="en-US" altLang="zh-CN" dirty="0" smtClean="0"/>
+            <a:endParaRPr lang="zh-CN" altLang="en-US" dirty="0" smtClean="0"/>
+          </a:p>
+          <a:p>
+            <a:endParaRPr lang="zh-CN" altLang="en-US" dirty="0" smtClean="0"/>
+          </a:p>
+          <a:p>
+            <a:endParaRPr lang="zh-CN" altLang="en-US" dirty="0" smtClean="0"/>
+          </a:p>
+          <a:p>
+            <a:endParaRPr lang="zh-CN" altLang="en-US" dirty="0" smtClean="0"/>
+          </a:p>
+          <a:p>
+            <a:endParaRPr lang="zh-CN" altLang="en-US" dirty="0" smtClean="0"/>
+          </a:p>
+          <a:p>
+            <a:endParaRPr lang="zh-CN" altLang="en-US" dirty="0" smtClean="0"/>
+          </a:p>
+          <a:p>
+            <a:r>
+              <a:rPr lang="zh-CN" altLang="en-US" sz="2000" dirty="0" smtClean="0"/>
+              <a:t>这里的插值其实是要做透视校正的，后面讲到</a:t>
+            </a:r>
+            <a:r>
+              <a:rPr lang="zh-CN" altLang="en-US" dirty="0" smtClean="0"/>
+              <a:t>。</a:t>
+            </a:r>
+            <a:endParaRPr lang="zh-CN" altLang="en-US" dirty="0" smtClean="0"/>
           </a:p>
           <a:p>
             <a:endParaRPr lang="zh-CN" altLang="en-US" dirty="0"/>
@@ -14044,7 +13800,7 @@
           <p:nvPr/>
         </p:nvPicPr>
         <p:blipFill>
-          <a:blip r:embed="rId2">
+          <a:blip r:embed="rId1">
             <a:extLst>
               <a:ext uri="{28A0092B-C50C-407E-A947-70E740481C1C}">
                 <a14:useLocalDpi xmlns:a14="http://schemas.microsoft.com/office/drawing/2010/main" val="0"/>
@@ -14058,7 +13814,7 @@
         </p:blipFill>
         <p:spPr bwMode="auto">
           <a:xfrm>
-            <a:off x="6516216" y="3982110"/>
+            <a:off x="6516216" y="3838600"/>
             <a:ext cx="2299132" cy="1805495"/>
           </a:xfrm>
           <a:prstGeom prst="rect">
@@ -14108,7 +13864,7 @@
           <p:nvPr/>
         </p:nvPicPr>
         <p:blipFill>
-          <a:blip r:embed="rId3">
+          <a:blip r:embed="rId2">
             <a:extLst>
               <a:ext uri="{28A0092B-C50C-407E-A947-70E740481C1C}">
                 <a14:useLocalDpi xmlns:a14="http://schemas.microsoft.com/office/drawing/2010/main" val="0"/>
@@ -14122,7 +13878,7 @@
         </p:blipFill>
         <p:spPr bwMode="auto">
           <a:xfrm>
-            <a:off x="811808" y="3688664"/>
+            <a:off x="811808" y="3545154"/>
             <a:ext cx="5472608" cy="1620868"/>
           </a:xfrm>
           <a:prstGeom prst="rect">
@@ -14172,7 +13928,7 @@
           <p:nvPr/>
         </p:nvPicPr>
         <p:blipFill>
-          <a:blip r:embed="rId4">
+          <a:blip r:embed="rId3">
             <a:extLst>
               <a:ext uri="{28A0092B-C50C-407E-A947-70E740481C1C}">
                 <a14:useLocalDpi xmlns:a14="http://schemas.microsoft.com/office/drawing/2010/main" val="0"/>
@@ -14228,11 +13984,6 @@
         </p:spPr>
       </p:pic>
     </p:spTree>
-    <p:extLst>
-      <p:ext uri="{BB962C8B-B14F-4D97-AF65-F5344CB8AC3E}">
-        <p14:creationId xmlns:p14="http://schemas.microsoft.com/office/powerpoint/2010/main" val="1148366090"/>
-      </p:ext>
-    </p:extLst>
   </p:cSld>
   <p:clrMapOvr>
     <a:masterClrMapping/>
@@ -14393,6 +14144,7 @@
               <a:rPr lang="en-US" altLang="zh-CN" sz="1600" dirty="0" smtClean="0"/>
               <a:t>do</a:t>
             </a:r>
+            <a:endParaRPr lang="en-US" altLang="zh-CN" sz="1600" dirty="0" smtClean="0"/>
           </a:p>
           <a:p>
             <a:pPr marL="400050" lvl="1" indent="0">
@@ -14426,6 +14178,7 @@
               <a:rPr lang="en-US" altLang="zh-CN" sz="1600" dirty="0" smtClean="0"/>
               <a:t>;</a:t>
             </a:r>
+            <a:endParaRPr lang="en-US" altLang="zh-CN" sz="1600" dirty="0" smtClean="0"/>
           </a:p>
           <a:p>
             <a:pPr marL="400050" lvl="1" indent="0">
@@ -14463,6 +14216,7 @@
               <a:rPr lang="en-US" altLang="zh-CN" sz="1600" dirty="0" smtClean="0"/>
               <a:t> do</a:t>
             </a:r>
+            <a:endParaRPr lang="en-US" altLang="zh-CN" sz="1600" dirty="0" smtClean="0"/>
           </a:p>
           <a:p>
             <a:pPr marL="400050" lvl="1" indent="0">
@@ -14496,6 +14250,7 @@
               <a:rPr lang="en-US" altLang="zh-CN" sz="1600" dirty="0" smtClean="0"/>
               <a:t>] then</a:t>
             </a:r>
+            <a:endParaRPr lang="en-US" altLang="zh-CN" sz="1600" dirty="0" smtClean="0"/>
           </a:p>
           <a:p>
             <a:pPr marL="400050" lvl="1" indent="0">
@@ -14533,6 +14288,7 @@
               <a:rPr lang="en-US" altLang="zh-CN" sz="1600" dirty="0" smtClean="0"/>
               <a:t>;</a:t>
             </a:r>
+            <a:endParaRPr lang="en-US" altLang="zh-CN" sz="1600" dirty="0" smtClean="0"/>
           </a:p>
           <a:p>
             <a:pPr marL="400050" lvl="1" indent="0">
@@ -14562,6 +14318,7 @@
               <a:rPr lang="en-US" altLang="zh-CN" sz="1600" dirty="0" smtClean="0"/>
               <a:t>, color);</a:t>
             </a:r>
+            <a:endParaRPr lang="en-US" altLang="zh-CN" sz="1600" dirty="0" smtClean="0"/>
           </a:p>
           <a:p>
             <a:pPr marL="400050" lvl="1" indent="0">
@@ -14595,15 +14352,11 @@
               <a:rPr lang="en-US" altLang="zh-CN" sz="1600" dirty="0" smtClean="0"/>
               <a:t>end </a:t>
             </a:r>
+            <a:endParaRPr lang="en-US" altLang="zh-CN" sz="1600" dirty="0" smtClean="0"/>
           </a:p>
         </p:txBody>
       </p:sp>
     </p:spTree>
-    <p:extLst>
-      <p:ext uri="{BB962C8B-B14F-4D97-AF65-F5344CB8AC3E}">
-        <p14:creationId xmlns:p14="http://schemas.microsoft.com/office/powerpoint/2010/main" val="1625808036"/>
-      </p:ext>
-    </p:extLst>
   </p:cSld>
   <p:clrMapOvr>
     <a:masterClrMapping/>
@@ -14797,7 +14550,7 @@
           <p:nvPr/>
         </p:nvPicPr>
         <p:blipFill>
-          <a:blip r:embed="rId2">
+          <a:blip r:embed="rId1">
             <a:extLst>
               <a:ext uri="{28A0092B-C50C-407E-A947-70E740481C1C}">
                 <a14:useLocalDpi xmlns:a14="http://schemas.microsoft.com/office/drawing/2010/main" val="0"/>
@@ -14853,11 +14606,6 @@
         </p:spPr>
       </p:pic>
     </p:spTree>
-    <p:extLst>
-      <p:ext uri="{BB962C8B-B14F-4D97-AF65-F5344CB8AC3E}">
-        <p14:creationId xmlns:p14="http://schemas.microsoft.com/office/powerpoint/2010/main" val="3657938986"/>
-      </p:ext>
-    </p:extLst>
   </p:cSld>
   <p:clrMapOvr>
     <a:masterClrMapping/>
@@ -15055,7 +14803,7 @@
           <p:nvPr/>
         </p:nvPicPr>
         <p:blipFill>
-          <a:blip r:embed="rId2">
+          <a:blip r:embed="rId1">
             <a:extLst>
               <a:ext uri="{28A0092B-C50C-407E-A947-70E740481C1C}">
                 <a14:useLocalDpi xmlns:a14="http://schemas.microsoft.com/office/drawing/2010/main" val="0"/>
@@ -15119,7 +14867,7 @@
           <p:nvPr/>
         </p:nvPicPr>
         <p:blipFill>
-          <a:blip r:embed="rId3">
+          <a:blip r:embed="rId2">
             <a:extLst>
               <a:ext uri="{28A0092B-C50C-407E-A947-70E740481C1C}">
                 <a14:useLocalDpi xmlns:a14="http://schemas.microsoft.com/office/drawing/2010/main" val="0"/>
@@ -15183,7 +14931,7 @@
           <p:nvPr/>
         </p:nvPicPr>
         <p:blipFill>
-          <a:blip r:embed="rId4">
+          <a:blip r:embed="rId3">
             <a:extLst>
               <a:ext uri="{28A0092B-C50C-407E-A947-70E740481C1C}">
                 <a14:useLocalDpi xmlns:a14="http://schemas.microsoft.com/office/drawing/2010/main" val="0"/>
@@ -15247,7 +14995,7 @@
           <p:nvPr/>
         </p:nvPicPr>
         <p:blipFill>
-          <a:blip r:embed="rId5">
+          <a:blip r:embed="rId4">
             <a:extLst>
               <a:ext uri="{28A0092B-C50C-407E-A947-70E740481C1C}">
                 <a14:useLocalDpi xmlns:a14="http://schemas.microsoft.com/office/drawing/2010/main" val="0"/>
@@ -15303,11 +15051,6 @@
         </p:spPr>
       </p:pic>
     </p:spTree>
-    <p:extLst>
-      <p:ext uri="{BB962C8B-B14F-4D97-AF65-F5344CB8AC3E}">
-        <p14:creationId xmlns:p14="http://schemas.microsoft.com/office/powerpoint/2010/main" val="2221384894"/>
-      </p:ext>
-    </p:extLst>
   </p:cSld>
   <p:clrMapOvr>
     <a:masterClrMapping/>
@@ -15462,7 +15205,7 @@
           <p:nvPr/>
         </p:nvPicPr>
         <p:blipFill>
-          <a:blip r:embed="rId2">
+          <a:blip r:embed="rId1">
             <a:extLst>
               <a:ext uri="{28A0092B-C50C-407E-A947-70E740481C1C}">
                 <a14:useLocalDpi xmlns:a14="http://schemas.microsoft.com/office/drawing/2010/main" val="0"/>
@@ -15526,7 +15269,7 @@
           <p:nvPr/>
         </p:nvPicPr>
         <p:blipFill>
-          <a:blip r:embed="rId3">
+          <a:blip r:embed="rId2">
             <a:extLst>
               <a:ext uri="{28A0092B-C50C-407E-A947-70E740481C1C}">
                 <a14:useLocalDpi xmlns:a14="http://schemas.microsoft.com/office/drawing/2010/main" val="0"/>
@@ -15590,7 +15333,7 @@
           <p:nvPr/>
         </p:nvPicPr>
         <p:blipFill>
-          <a:blip r:embed="rId4">
+          <a:blip r:embed="rId3">
             <a:extLst>
               <a:ext uri="{28A0092B-C50C-407E-A947-70E740481C1C}">
                 <a14:useLocalDpi xmlns:a14="http://schemas.microsoft.com/office/drawing/2010/main" val="0"/>
@@ -15646,11 +15389,6 @@
         </p:spPr>
       </p:pic>
     </p:spTree>
-    <p:extLst>
-      <p:ext uri="{BB962C8B-B14F-4D97-AF65-F5344CB8AC3E}">
-        <p14:creationId xmlns:p14="http://schemas.microsoft.com/office/powerpoint/2010/main" val="2624546253"/>
-      </p:ext>
-    </p:extLst>
   </p:cSld>
   <p:clrMapOvr>
     <a:masterClrMapping/>
@@ -15834,11 +15572,6 @@
         </p:txBody>
       </p:sp>
     </p:spTree>
-    <p:extLst>
-      <p:ext uri="{BB962C8B-B14F-4D97-AF65-F5344CB8AC3E}">
-        <p14:creationId xmlns:p14="http://schemas.microsoft.com/office/powerpoint/2010/main" val="3086224481"/>
-      </p:ext>
-    </p:extLst>
   </p:cSld>
   <p:clrMapOvr>
     <a:masterClrMapping/>
@@ -16026,7 +15759,7 @@
           <p:nvPr/>
         </p:nvPicPr>
         <p:blipFill>
-          <a:blip r:embed="rId2">
+          <a:blip r:embed="rId1">
             <a:extLst>
               <a:ext uri="{28A0092B-C50C-407E-A947-70E740481C1C}">
                 <a14:useLocalDpi xmlns:a14="http://schemas.microsoft.com/office/drawing/2010/main" val="0"/>
@@ -16090,7 +15823,7 @@
           <p:nvPr/>
         </p:nvPicPr>
         <p:blipFill>
-          <a:blip r:embed="rId3">
+          <a:blip r:embed="rId2">
             <a:extLst>
               <a:ext uri="{28A0092B-C50C-407E-A947-70E740481C1C}">
                 <a14:useLocalDpi xmlns:a14="http://schemas.microsoft.com/office/drawing/2010/main" val="0"/>
@@ -16154,7 +15887,7 @@
           <p:nvPr/>
         </p:nvPicPr>
         <p:blipFill>
-          <a:blip r:embed="rId4">
+          <a:blip r:embed="rId3">
             <a:extLst>
               <a:ext uri="{28A0092B-C50C-407E-A947-70E740481C1C}">
                 <a14:useLocalDpi xmlns:a14="http://schemas.microsoft.com/office/drawing/2010/main" val="0"/>
@@ -16210,11 +15943,6 @@
         </p:spPr>
       </p:pic>
     </p:spTree>
-    <p:extLst>
-      <p:ext uri="{BB962C8B-B14F-4D97-AF65-F5344CB8AC3E}">
-        <p14:creationId xmlns:p14="http://schemas.microsoft.com/office/powerpoint/2010/main" val="3855910949"/>
-      </p:ext>
-    </p:extLst>
   </p:cSld>
   <p:clrMapOvr>
     <a:masterClrMapping/>
@@ -16359,7 +16087,7 @@
           <p:nvPr/>
         </p:nvPicPr>
         <p:blipFill>
-          <a:blip r:embed="rId2">
+          <a:blip r:embed="rId1">
             <a:extLst>
               <a:ext uri="{28A0092B-C50C-407E-A947-70E740481C1C}">
                 <a14:useLocalDpi xmlns:a14="http://schemas.microsoft.com/office/drawing/2010/main" val="0"/>
@@ -16415,11 +16143,6 @@
         </p:spPr>
       </p:pic>
     </p:spTree>
-    <p:extLst>
-      <p:ext uri="{BB962C8B-B14F-4D97-AF65-F5344CB8AC3E}">
-        <p14:creationId xmlns:p14="http://schemas.microsoft.com/office/powerpoint/2010/main" val="4215942374"/>
-      </p:ext>
-    </p:extLst>
   </p:cSld>
   <p:clrMapOvr>
     <a:masterClrMapping/>
@@ -16585,7 +16308,7 @@
           <p:nvPr/>
         </p:nvPicPr>
         <p:blipFill>
-          <a:blip r:embed="rId2">
+          <a:blip r:embed="rId1">
             <a:extLst>
               <a:ext uri="{28A0092B-C50C-407E-A947-70E740481C1C}">
                 <a14:useLocalDpi xmlns:a14="http://schemas.microsoft.com/office/drawing/2010/main" val="0"/>
@@ -16641,11 +16364,6 @@
         </p:spPr>
       </p:pic>
     </p:spTree>
-    <p:extLst>
-      <p:ext uri="{BB962C8B-B14F-4D97-AF65-F5344CB8AC3E}">
-        <p14:creationId xmlns:p14="http://schemas.microsoft.com/office/powerpoint/2010/main" val="3378325258"/>
-      </p:ext>
-    </p:extLst>
   </p:cSld>
   <p:clrMapOvr>
     <a:masterClrMapping/>
@@ -16868,7 +16586,7 @@
           <p:nvPr/>
         </p:nvPicPr>
         <p:blipFill>
-          <a:blip r:embed="rId2">
+          <a:blip r:embed="rId1">
             <a:extLst>
               <a:ext uri="{28A0092B-C50C-407E-A947-70E740481C1C}">
                 <a14:useLocalDpi xmlns:a14="http://schemas.microsoft.com/office/drawing/2010/main" val="0"/>
@@ -16924,11 +16642,6 @@
         </p:spPr>
       </p:pic>
     </p:spTree>
-    <p:extLst>
-      <p:ext uri="{BB962C8B-B14F-4D97-AF65-F5344CB8AC3E}">
-        <p14:creationId xmlns:p14="http://schemas.microsoft.com/office/powerpoint/2010/main" val="3388577250"/>
-      </p:ext>
-    </p:extLst>
   </p:cSld>
   <p:clrMapOvr>
     <a:masterClrMapping/>
@@ -17028,11 +16741,7 @@
           <a:p>
             <a:r>
               <a:rPr lang="zh-CN" altLang="en-US" dirty="0" smtClean="0"/>
-              <a:t>环境</a:t>
-            </a:r>
-            <a:r>
-              <a:rPr lang="zh-CN" altLang="en-US" dirty="0" smtClean="0"/>
-              <a:t>映射</a:t>
+              <a:t>环境映射</a:t>
             </a:r>
             <a:endParaRPr lang="en-US" altLang="zh-CN" dirty="0" smtClean="0"/>
           </a:p>
@@ -17046,11 +16755,6 @@
         </p:txBody>
       </p:sp>
     </p:spTree>
-    <p:extLst>
-      <p:ext uri="{BB962C8B-B14F-4D97-AF65-F5344CB8AC3E}">
-        <p14:creationId xmlns:p14="http://schemas.microsoft.com/office/powerpoint/2010/main" val="3874283017"/>
-      </p:ext>
-    </p:extLst>
   </p:cSld>
   <p:clrMapOvr>
     <a:masterClrMapping/>
@@ -17180,7 +16884,7 @@
           <p:nvPr/>
         </p:nvPicPr>
         <p:blipFill>
-          <a:blip r:embed="rId2">
+          <a:blip r:embed="rId1">
             <a:extLst>
               <a:ext uri="{28A0092B-C50C-407E-A947-70E740481C1C}">
                 <a14:useLocalDpi xmlns:a14="http://schemas.microsoft.com/office/drawing/2010/main" val="0"/>
@@ -17244,7 +16948,7 @@
           <p:nvPr/>
         </p:nvPicPr>
         <p:blipFill>
-          <a:blip r:embed="rId3" cstate="print">
+          <a:blip r:embed="rId2" cstate="print">
             <a:extLst>
               <a:ext uri="{28A0092B-C50C-407E-A947-70E740481C1C}">
                 <a14:useLocalDpi xmlns:a14="http://schemas.microsoft.com/office/drawing/2010/main" val="0"/>
@@ -17308,7 +17012,7 @@
           <p:nvPr/>
         </p:nvPicPr>
         <p:blipFill>
-          <a:blip r:embed="rId4" cstate="print">
+          <a:blip r:embed="rId3" cstate="print">
             <a:extLst>
               <a:ext uri="{28A0092B-C50C-407E-A947-70E740481C1C}">
                 <a14:useLocalDpi xmlns:a14="http://schemas.microsoft.com/office/drawing/2010/main" val="0"/>
@@ -17372,7 +17076,7 @@
           <p:nvPr/>
         </p:nvPicPr>
         <p:blipFill>
-          <a:blip r:embed="rId5" cstate="print">
+          <a:blip r:embed="rId4" cstate="print">
             <a:extLst>
               <a:ext uri="{28A0092B-C50C-407E-A947-70E740481C1C}">
                 <a14:useLocalDpi xmlns:a14="http://schemas.microsoft.com/office/drawing/2010/main" val="0"/>
@@ -17428,11 +17132,6 @@
         </p:spPr>
       </p:pic>
     </p:spTree>
-    <p:extLst>
-      <p:ext uri="{BB962C8B-B14F-4D97-AF65-F5344CB8AC3E}">
-        <p14:creationId xmlns:p14="http://schemas.microsoft.com/office/powerpoint/2010/main" val="2803528692"/>
-      </p:ext>
-    </p:extLst>
   </p:cSld>
   <p:clrMapOvr>
     <a:masterClrMapping/>
@@ -17512,7 +17211,7 @@
           <p:nvPr/>
         </p:nvPicPr>
         <p:blipFill>
-          <a:blip r:embed="rId2">
+          <a:blip r:embed="rId1">
             <a:extLst>
               <a:ext uri="{28A0092B-C50C-407E-A947-70E740481C1C}">
                 <a14:useLocalDpi xmlns:a14="http://schemas.microsoft.com/office/drawing/2010/main" val="0"/>
@@ -17568,11 +17267,6 @@
         </p:spPr>
       </p:pic>
     </p:spTree>
-    <p:extLst>
-      <p:ext uri="{BB962C8B-B14F-4D97-AF65-F5344CB8AC3E}">
-        <p14:creationId xmlns:p14="http://schemas.microsoft.com/office/powerpoint/2010/main" val="2703959195"/>
-      </p:ext>
-    </p:extLst>
   </p:cSld>
   <p:clrMapOvr>
     <a:masterClrMapping/>
@@ -17662,7 +17356,7 @@
           <p:nvPr/>
         </p:nvPicPr>
         <p:blipFill>
-          <a:blip r:embed="rId2">
+          <a:blip r:embed="rId1">
             <a:extLst>
               <a:ext uri="{28A0092B-C50C-407E-A947-70E740481C1C}">
                 <a14:useLocalDpi xmlns:a14="http://schemas.microsoft.com/office/drawing/2010/main" val="0"/>
@@ -17718,11 +17412,6 @@
         </p:spPr>
       </p:pic>
     </p:spTree>
-    <p:extLst>
-      <p:ext uri="{BB962C8B-B14F-4D97-AF65-F5344CB8AC3E}">
-        <p14:creationId xmlns:p14="http://schemas.microsoft.com/office/powerpoint/2010/main" val="230204607"/>
-      </p:ext>
-    </p:extLst>
   </p:cSld>
   <p:clrMapOvr>
     <a:masterClrMapping/>
@@ -17891,11 +17580,6 @@
         </p:txBody>
       </p:sp>
     </p:spTree>
-    <p:extLst>
-      <p:ext uri="{BB962C8B-B14F-4D97-AF65-F5344CB8AC3E}">
-        <p14:creationId xmlns:p14="http://schemas.microsoft.com/office/powerpoint/2010/main" val="2445187857"/>
-      </p:ext>
-    </p:extLst>
   </p:cSld>
   <p:clrMapOvr>
     <a:masterClrMapping/>
@@ -18010,7 +17694,7 @@
           <p:nvPr/>
         </p:nvPicPr>
         <p:blipFill>
-          <a:blip r:embed="rId2">
+          <a:blip r:embed="rId1">
             <a:extLst>
               <a:ext uri="{28A0092B-C50C-407E-A947-70E740481C1C}">
                 <a14:useLocalDpi xmlns:a14="http://schemas.microsoft.com/office/drawing/2010/main" val="0"/>
@@ -18066,11 +17750,6 @@
         </p:spPr>
       </p:pic>
     </p:spTree>
-    <p:extLst>
-      <p:ext uri="{BB962C8B-B14F-4D97-AF65-F5344CB8AC3E}">
-        <p14:creationId xmlns:p14="http://schemas.microsoft.com/office/powerpoint/2010/main" val="1235565615"/>
-      </p:ext>
-    </p:extLst>
   </p:cSld>
   <p:clrMapOvr>
     <a:masterClrMapping/>
@@ -18114,6 +17793,7 @@
               <a:rPr lang="zh-CN" altLang="en-US" dirty="0"/>
               <a:t>目的与意义</a:t>
             </a:r>
+            <a:endParaRPr lang="zh-CN" altLang="en-US" dirty="0"/>
           </a:p>
         </p:txBody>
       </p:sp>
@@ -18153,7 +17833,7 @@
           <p:nvPr/>
         </p:nvPicPr>
         <p:blipFill>
-          <a:blip r:embed="rId2">
+          <a:blip r:embed="rId1">
             <a:extLst>
               <a:ext uri="{28A0092B-C50C-407E-A947-70E740481C1C}">
                 <a14:useLocalDpi xmlns:a14="http://schemas.microsoft.com/office/drawing/2010/main" val="0"/>
@@ -18217,7 +17897,7 @@
           <p:nvPr/>
         </p:nvPicPr>
         <p:blipFill>
-          <a:blip r:embed="rId3">
+          <a:blip r:embed="rId2">
             <a:extLst>
               <a:ext uri="{28A0092B-C50C-407E-A947-70E740481C1C}">
                 <a14:useLocalDpi xmlns:a14="http://schemas.microsoft.com/office/drawing/2010/main" val="0"/>
@@ -18273,11 +17953,6 @@
         </p:spPr>
       </p:pic>
     </p:spTree>
-    <p:extLst>
-      <p:ext uri="{BB962C8B-B14F-4D97-AF65-F5344CB8AC3E}">
-        <p14:creationId xmlns:p14="http://schemas.microsoft.com/office/powerpoint/2010/main" val="2624716074"/>
-      </p:ext>
-    </p:extLst>
   </p:cSld>
   <p:clrMapOvr>
     <a:masterClrMapping/>
@@ -18365,12 +18040,14 @@
               <a:rPr lang="zh-CN" altLang="en-US" sz="2000" dirty="0"/>
               <a:t>经典光线跟踪算法：由视点向屏幕上所有像素中心发射光线，对每一条光线与场景中物体的最近交点，递归进行反射和折射的计算。</a:t>
             </a:r>
+            <a:endParaRPr lang="zh-CN" altLang="en-US" sz="2000" dirty="0"/>
           </a:p>
           <a:p>
             <a:r>
               <a:rPr lang="zh-CN" altLang="en-US" sz="2000" dirty="0"/>
               <a:t>交点处的光亮由三部分产生：</a:t>
             </a:r>
+            <a:endParaRPr lang="zh-CN" altLang="en-US" sz="2000" dirty="0"/>
           </a:p>
           <a:p>
             <a:pPr marL="0" indent="0">
@@ -18388,6 +18065,7 @@
               <a:rPr lang="zh-CN" altLang="en-US" sz="2000" dirty="0"/>
               <a:t>）光源直接照射</a:t>
             </a:r>
+            <a:endParaRPr lang="zh-CN" altLang="en-US" sz="2000" dirty="0"/>
           </a:p>
           <a:p>
             <a:pPr marL="0" indent="0">
@@ -18405,6 +18083,7 @@
               <a:rPr lang="zh-CN" altLang="en-US" sz="2000" dirty="0"/>
               <a:t>）场景中其它物体通过该点向视点方向的反射</a:t>
             </a:r>
+            <a:endParaRPr lang="zh-CN" altLang="en-US" sz="2000" dirty="0"/>
           </a:p>
           <a:p>
             <a:pPr marL="0" indent="0">
@@ -18422,6 +18101,7 @@
               <a:rPr lang="zh-CN" altLang="en-US" sz="2000" dirty="0"/>
               <a:t>）场景中其它物体通过该点向视点方向的折射</a:t>
             </a:r>
+            <a:endParaRPr lang="zh-CN" altLang="en-US" sz="2000" dirty="0"/>
           </a:p>
           <a:p>
             <a:r>
@@ -18436,12 +18116,14 @@
               <a:rPr lang="zh-CN" altLang="en-US" sz="2000" dirty="0"/>
               <a:t>。</a:t>
             </a:r>
+            <a:endParaRPr lang="zh-CN" altLang="en-US" sz="2000" dirty="0"/>
           </a:p>
           <a:p>
             <a:r>
               <a:rPr lang="zh-CN" altLang="en-US" sz="2000" dirty="0"/>
               <a:t>光线跟踪终止条件：</a:t>
             </a:r>
+            <a:endParaRPr lang="zh-CN" altLang="en-US" sz="2000" dirty="0"/>
           </a:p>
           <a:p>
             <a:pPr marL="0" indent="0">
@@ -18459,6 +18141,7 @@
               <a:rPr lang="zh-CN" altLang="en-US" sz="2000" dirty="0"/>
               <a:t>）光线射出画面，不再与场景中物体相交；</a:t>
             </a:r>
+            <a:endParaRPr lang="zh-CN" altLang="en-US" sz="2000" dirty="0"/>
           </a:p>
           <a:p>
             <a:pPr marL="0" indent="0">
@@ -18476,6 +18159,7 @@
               <a:rPr lang="zh-CN" altLang="en-US" sz="2000" dirty="0"/>
               <a:t>）被跟踪点对屏幕像素显示亮度的贡献小于一定阈值；</a:t>
             </a:r>
+            <a:endParaRPr lang="zh-CN" altLang="en-US" sz="2000" dirty="0"/>
           </a:p>
           <a:p>
             <a:pPr marL="0" indent="0">
@@ -18493,6 +18177,7 @@
               <a:rPr lang="zh-CN" altLang="en-US" sz="2000" dirty="0"/>
               <a:t>）达到光线跟踪最大深度；</a:t>
             </a:r>
+            <a:endParaRPr lang="zh-CN" altLang="en-US" sz="2000" dirty="0"/>
           </a:p>
           <a:p>
             <a:pPr marL="0" indent="0">
@@ -18503,11 +18188,6 @@
         </p:txBody>
       </p:sp>
     </p:spTree>
-    <p:extLst>
-      <p:ext uri="{BB962C8B-B14F-4D97-AF65-F5344CB8AC3E}">
-        <p14:creationId xmlns:p14="http://schemas.microsoft.com/office/powerpoint/2010/main" val="129070015"/>
-      </p:ext>
-    </p:extLst>
   </p:cSld>
   <p:clrMapOvr>
     <a:masterClrMapping/>
@@ -18587,7 +18267,7 @@
           <p:nvPr/>
         </p:nvPicPr>
         <p:blipFill>
-          <a:blip r:embed="rId2">
+          <a:blip r:embed="rId1">
             <a:extLst>
               <a:ext uri="{28A0092B-C50C-407E-A947-70E740481C1C}">
                 <a14:useLocalDpi xmlns:a14="http://schemas.microsoft.com/office/drawing/2010/main" val="0"/>
@@ -18643,11 +18323,6 @@
         </p:spPr>
       </p:pic>
     </p:spTree>
-    <p:extLst>
-      <p:ext uri="{BB962C8B-B14F-4D97-AF65-F5344CB8AC3E}">
-        <p14:creationId xmlns:p14="http://schemas.microsoft.com/office/powerpoint/2010/main" val="1882074163"/>
-      </p:ext>
-    </p:extLst>
   </p:cSld>
   <p:clrMapOvr>
     <a:masterClrMapping/>
@@ -18791,7 +18466,7 @@
           <p:nvPr/>
         </p:nvPicPr>
         <p:blipFill>
-          <a:blip r:embed="rId2">
+          <a:blip r:embed="rId1">
             <a:extLst>
               <a:ext uri="{28A0092B-C50C-407E-A947-70E740481C1C}">
                 <a14:useLocalDpi xmlns:a14="http://schemas.microsoft.com/office/drawing/2010/main" val="0"/>
@@ -18847,11 +18522,6 @@
         </p:spPr>
       </p:pic>
     </p:spTree>
-    <p:extLst>
-      <p:ext uri="{BB962C8B-B14F-4D97-AF65-F5344CB8AC3E}">
-        <p14:creationId xmlns:p14="http://schemas.microsoft.com/office/powerpoint/2010/main" val="3694269472"/>
-      </p:ext>
-    </p:extLst>
   </p:cSld>
   <p:clrMapOvr>
     <a:masterClrMapping/>
@@ -18983,11 +18653,6 @@
         </p:txBody>
       </p:sp>
     </p:spTree>
-    <p:extLst>
-      <p:ext uri="{BB962C8B-B14F-4D97-AF65-F5344CB8AC3E}">
-        <p14:creationId xmlns:p14="http://schemas.microsoft.com/office/powerpoint/2010/main" val="1776074022"/>
-      </p:ext>
-    </p:extLst>
   </p:cSld>
   <p:clrMapOvr>
     <a:masterClrMapping/>
@@ -19041,11 +18706,6 @@
         </p:txBody>
       </p:sp>
     </p:spTree>
-    <p:extLst>
-      <p:ext uri="{BB962C8B-B14F-4D97-AF65-F5344CB8AC3E}">
-        <p14:creationId xmlns:p14="http://schemas.microsoft.com/office/powerpoint/2010/main" val="3560626164"/>
-      </p:ext>
-    </p:extLst>
   </p:cSld>
   <p:clrMapOvr>
     <a:masterClrMapping/>
@@ -19134,11 +18794,6 @@
         </p:txBody>
       </p:sp>
     </p:spTree>
-    <p:extLst>
-      <p:ext uri="{BB962C8B-B14F-4D97-AF65-F5344CB8AC3E}">
-        <p14:creationId xmlns:p14="http://schemas.microsoft.com/office/powerpoint/2010/main" val="1169534470"/>
-      </p:ext>
-    </p:extLst>
   </p:cSld>
   <p:clrMapOvr>
     <a:masterClrMapping/>
@@ -19230,11 +18885,6 @@
         </p:txBody>
       </p:sp>
     </p:spTree>
-    <p:extLst>
-      <p:ext uri="{BB962C8B-B14F-4D97-AF65-F5344CB8AC3E}">
-        <p14:creationId xmlns:p14="http://schemas.microsoft.com/office/powerpoint/2010/main" val="2683310301"/>
-      </p:ext>
-    </p:extLst>
   </p:cSld>
   <p:clrMapOvr>
     <a:masterClrMapping/>
@@ -19623,6 +19273,7 @@
               <a:rPr lang="zh-CN" altLang="en-US" dirty="0"/>
               <a:t>：指向目标设备环境的句柄。</a:t>
             </a:r>
+            <a:endParaRPr lang="zh-CN" altLang="en-US" dirty="0"/>
           </a:p>
           <a:p>
             <a:r>
@@ -19641,6 +19292,7 @@
               <a:rPr lang="zh-CN" altLang="en-US" dirty="0"/>
               <a:t>轴坐标，按逻辑单位来表示坐标。</a:t>
             </a:r>
+            <a:endParaRPr lang="zh-CN" altLang="en-US" dirty="0"/>
           </a:p>
           <a:p>
             <a:r>
@@ -19659,6 +19311,7 @@
               <a:rPr lang="zh-CN" altLang="en-US" dirty="0"/>
               <a:t>轴坐标，按逻辑单位表示坐标。</a:t>
             </a:r>
+            <a:endParaRPr lang="zh-CN" altLang="en-US" dirty="0"/>
           </a:p>
           <a:p>
             <a:r>
@@ -19669,6 +19322,7 @@
               <a:rPr lang="zh-CN" altLang="en-US" dirty="0"/>
               <a:t>：指定目标矩形的宽度。</a:t>
             </a:r>
+            <a:endParaRPr lang="zh-CN" altLang="en-US" dirty="0"/>
           </a:p>
           <a:p>
             <a:r>
@@ -19679,6 +19333,7 @@
               <a:rPr lang="zh-CN" altLang="en-US" dirty="0"/>
               <a:t>：指定目标矩形的高度。</a:t>
             </a:r>
+            <a:endParaRPr lang="zh-CN" altLang="en-US" dirty="0"/>
           </a:p>
           <a:p>
             <a:r>
@@ -19705,6 +19360,7 @@
               <a:rPr lang="zh-CN" altLang="en-US" dirty="0"/>
               <a:t>轴坐标，坐标以像素点表示。</a:t>
             </a:r>
+            <a:endParaRPr lang="zh-CN" altLang="en-US" dirty="0"/>
           </a:p>
           <a:p>
             <a:r>
@@ -19731,6 +19387,7 @@
               <a:rPr lang="zh-CN" altLang="en-US" dirty="0"/>
               <a:t>轴坐标，坐标以像素点表示。</a:t>
             </a:r>
+            <a:endParaRPr lang="zh-CN" altLang="en-US" dirty="0"/>
           </a:p>
           <a:p>
             <a:r>
@@ -19749,6 +19406,7 @@
               <a:rPr lang="zh-CN" altLang="en-US" dirty="0"/>
               <a:t>中源矩形的宽度。</a:t>
             </a:r>
+            <a:endParaRPr lang="zh-CN" altLang="en-US" dirty="0"/>
           </a:p>
           <a:p>
             <a:r>
@@ -19767,6 +19425,7 @@
               <a:rPr lang="zh-CN" altLang="en-US" dirty="0"/>
               <a:t>中源矩形的高度。</a:t>
             </a:r>
+            <a:endParaRPr lang="zh-CN" altLang="en-US" dirty="0"/>
           </a:p>
           <a:p>
             <a:r>
@@ -19816,6 +19475,7 @@
               <a:rPr lang="zh-CN" altLang="en-US" dirty="0"/>
               <a:t>方面的信息。</a:t>
             </a:r>
+            <a:endParaRPr lang="zh-CN" altLang="en-US" dirty="0"/>
           </a:p>
           <a:p>
             <a:r>
@@ -19878,11 +19538,6 @@
         </p:txBody>
       </p:sp>
     </p:spTree>
-    <p:extLst>
-      <p:ext uri="{BB962C8B-B14F-4D97-AF65-F5344CB8AC3E}">
-        <p14:creationId xmlns:p14="http://schemas.microsoft.com/office/powerpoint/2010/main" val="2743189594"/>
-      </p:ext>
-    </p:extLst>
   </p:cSld>
   <p:clrMapOvr>
     <a:masterClrMapping/>
@@ -19945,6 +19600,7 @@
               <a:rPr lang="zh-CN" altLang="en-US" sz="4000" dirty="0"/>
               <a:t>及绘制操作</a:t>
             </a:r>
+            <a:endParaRPr lang="zh-CN" altLang="en-US" sz="4000" dirty="0"/>
           </a:p>
         </p:txBody>
       </p:sp>
@@ -20001,6 +19657,7 @@
               <a:rPr lang="en-US" altLang="zh-CN" sz="1400" dirty="0"/>
               <a:t>);				</a:t>
             </a:r>
+            <a:endParaRPr lang="en-US" altLang="zh-CN" sz="1400" dirty="0"/>
           </a:p>
           <a:p>
             <a:pPr>
@@ -20022,6 +19679,7 @@
               <a:rPr lang="zh-CN" altLang="en-US" sz="1400" dirty="0"/>
               <a:t>创建位图 </a:t>
             </a:r>
+            <a:endParaRPr lang="zh-CN" altLang="en-US" sz="1400" dirty="0"/>
           </a:p>
           <a:p>
             <a:pPr>
@@ -20051,6 +19709,7 @@
               <a:rPr lang="en-US" altLang="zh-CN" sz="1400" dirty="0"/>
               <a:t>(BITMAPINFO));</a:t>
             </a:r>
+            <a:endParaRPr lang="en-US" altLang="zh-CN" sz="1400" dirty="0"/>
           </a:p>
           <a:p>
             <a:pPr>
@@ -20072,6 +19731,7 @@
               <a:rPr lang="en-US" altLang="zh-CN" sz="1400" dirty="0"/>
               <a:t>(BITMAPINFOHEADER);</a:t>
             </a:r>
+            <a:endParaRPr lang="en-US" altLang="zh-CN" sz="1400" dirty="0"/>
           </a:p>
           <a:p>
             <a:pPr>
@@ -20097,6 +19757,7 @@
               <a:rPr lang="zh-CN" altLang="en-US" sz="1400" dirty="0"/>
               <a:t>宽度</a:t>
             </a:r>
+            <a:endParaRPr lang="zh-CN" altLang="en-US" sz="1400" dirty="0"/>
           </a:p>
           <a:p>
             <a:pPr>
@@ -20122,6 +19783,7 @@
               <a:rPr lang="zh-CN" altLang="en-US" sz="1400" dirty="0"/>
               <a:t>高度</a:t>
             </a:r>
+            <a:endParaRPr lang="zh-CN" altLang="en-US" sz="1400" dirty="0"/>
           </a:p>
           <a:p>
             <a:pPr>
@@ -20135,6 +19797,7 @@
               <a:rPr lang="en-US" altLang="zh-CN" sz="1400" dirty="0"/>
               <a:t> = 1;</a:t>
             </a:r>
+            <a:endParaRPr lang="en-US" altLang="zh-CN" sz="1400" dirty="0"/>
           </a:p>
           <a:p>
             <a:pPr>
@@ -20148,6 +19811,7 @@
               <a:rPr lang="en-US" altLang="zh-CN" sz="1400" dirty="0"/>
               <a:t> = 32;</a:t>
             </a:r>
+            <a:endParaRPr lang="en-US" altLang="zh-CN" sz="1400" dirty="0"/>
           </a:p>
           <a:p>
             <a:pPr>
@@ -20161,6 +19825,7 @@
               <a:rPr lang="en-US" altLang="zh-CN" sz="1400" dirty="0"/>
               <a:t> = BI_RGB;</a:t>
             </a:r>
+            <a:endParaRPr lang="en-US" altLang="zh-CN" sz="1400" dirty="0"/>
           </a:p>
           <a:p>
             <a:pPr>
@@ -20236,6 +19901,7 @@
               <a:rPr lang="en-US" altLang="zh-CN" sz="1400" dirty="0"/>
               <a:t>, DIB_RGB_COLORS, SRCCOPY);</a:t>
             </a:r>
+            <a:endParaRPr lang="en-US" altLang="zh-CN" sz="1400" dirty="0"/>
           </a:p>
           <a:p>
             <a:pPr>
@@ -20245,6 +19911,7 @@
               <a:rPr lang="en-US" altLang="zh-CN" sz="1400" dirty="0"/>
               <a:t>			</a:t>
             </a:r>
+            <a:endParaRPr lang="en-US" altLang="zh-CN" sz="1400" dirty="0"/>
           </a:p>
           <a:p>
             <a:pPr>
@@ -20270,6 +19937,7 @@
               <a:rPr lang="en-US" altLang="zh-CN" sz="1400" dirty="0"/>
               <a:t>);</a:t>
             </a:r>
+            <a:endParaRPr lang="en-US" altLang="zh-CN" sz="1400" dirty="0"/>
           </a:p>
           <a:p>
             <a:pPr>
@@ -20304,11 +19972,6 @@
         </p:txBody>
       </p:sp>
     </p:spTree>
-    <p:extLst>
-      <p:ext uri="{BB962C8B-B14F-4D97-AF65-F5344CB8AC3E}">
-        <p14:creationId xmlns:p14="http://schemas.microsoft.com/office/powerpoint/2010/main" val="2212525963"/>
-      </p:ext>
-    </p:extLst>
   </p:cSld>
   <p:clrMapOvr>
     <a:masterClrMapping/>
@@ -20596,8 +20259,11 @@
       </a:bgFillStyleLst>
     </a:fmtScheme>
   </a:themeElements>
-  <a:objectDefaults/>
-  <a:extraClrSchemeLst/>
+  <a:extLst>
+    <a:ext uri="{05A4C25C-085E-4340-85A3-A5531E510DB2}">
+      <thm15:themeFamily xmlns:thm15="http://schemas.microsoft.com/office/thememl/2012/main" name="Office Theme" id="{62F939B6-93AF-4DB8-9C6B-D6C7DFDC589F}" vid="{4A3C46E8-61CC-4603-A589-7422A47A8E4A}"/>
+    </a:ext>
+  </a:extLst>
 </a:theme>
 </file>
 
@@ -20881,8 +20547,11 @@
       </a:bgFillStyleLst>
     </a:fmtScheme>
   </a:themeElements>
-  <a:objectDefaults/>
-  <a:extraClrSchemeLst/>
+  <a:extLst>
+    <a:ext uri="{05A4C25C-085E-4340-85A3-A5531E510DB2}">
+      <thm15:themeFamily xmlns:thm15="http://schemas.microsoft.com/office/thememl/2012/main" name="Office Theme" id="{62F939B6-93AF-4DB8-9C6B-D6C7DFDC589F}" vid="{4A3C46E8-61CC-4603-A589-7422A47A8E4A}"/>
+    </a:ext>
+  </a:extLst>
 </a:theme>
 </file>
 
@@ -21166,7 +20835,10 @@
       </a:bgFillStyleLst>
     </a:fmtScheme>
   </a:themeElements>
-  <a:objectDefaults/>
-  <a:extraClrSchemeLst/>
+  <a:extLst>
+    <a:ext uri="{05A4C25C-085E-4340-85A3-A5531E510DB2}">
+      <thm15:themeFamily xmlns:thm15="http://schemas.microsoft.com/office/thememl/2012/main" name="Office Theme" id="{62F939B6-93AF-4DB8-9C6B-D6C7DFDC589F}" vid="{4A3C46E8-61CC-4603-A589-7422A47A8E4A}"/>
+    </a:ext>
+  </a:extLst>
 </a:theme>
 </file>
--- a/SoftEngine/doc/SoftwareRender.pptx
+++ b/SoftEngine/doc/SoftwareRender.pptx
@@ -3,66 +3,66 @@
 <p:presentation xmlns:a="http://schemas.openxmlformats.org/drawingml/2006/main" xmlns:r="http://schemas.openxmlformats.org/officeDocument/2006/relationships" xmlns:p="http://schemas.openxmlformats.org/presentationml/2006/main">
   <p:sldMasterIdLst>
     <p:sldMasterId id="2147483648" r:id="rId1"/>
-    <p:sldMasterId id="2147483660" r:id="rId3"/>
+    <p:sldMasterId id="2147483660" r:id="rId2"/>
   </p:sldMasterIdLst>
   <p:notesMasterIdLst>
-    <p:notesMasterId r:id="rId58"/>
+    <p:notesMasterId r:id="rId57"/>
   </p:notesMasterIdLst>
   <p:sldIdLst>
-    <p:sldId id="257" r:id="rId4"/>
-    <p:sldId id="258" r:id="rId5"/>
-    <p:sldId id="259" r:id="rId6"/>
-    <p:sldId id="261" r:id="rId7"/>
-    <p:sldId id="260" r:id="rId8"/>
-    <p:sldId id="262" r:id="rId9"/>
-    <p:sldId id="263" r:id="rId10"/>
-    <p:sldId id="264" r:id="rId11"/>
-    <p:sldId id="306" r:id="rId12"/>
-    <p:sldId id="265" r:id="rId13"/>
-    <p:sldId id="266" r:id="rId14"/>
-    <p:sldId id="267" r:id="rId15"/>
-    <p:sldId id="268" r:id="rId16"/>
-    <p:sldId id="269" r:id="rId17"/>
-    <p:sldId id="270" r:id="rId18"/>
-    <p:sldId id="271" r:id="rId19"/>
-    <p:sldId id="272" r:id="rId20"/>
-    <p:sldId id="273" r:id="rId21"/>
-    <p:sldId id="274" r:id="rId22"/>
-    <p:sldId id="275" r:id="rId23"/>
-    <p:sldId id="276" r:id="rId24"/>
-    <p:sldId id="277" r:id="rId25"/>
-    <p:sldId id="278" r:id="rId26"/>
-    <p:sldId id="279" r:id="rId27"/>
-    <p:sldId id="280" r:id="rId28"/>
-    <p:sldId id="281" r:id="rId29"/>
-    <p:sldId id="307" r:id="rId30"/>
-    <p:sldId id="282" r:id="rId31"/>
-    <p:sldId id="283" r:id="rId32"/>
-    <p:sldId id="284" r:id="rId33"/>
-    <p:sldId id="285" r:id="rId34"/>
-    <p:sldId id="286" r:id="rId35"/>
-    <p:sldId id="287" r:id="rId36"/>
-    <p:sldId id="288" r:id="rId37"/>
-    <p:sldId id="289" r:id="rId38"/>
-    <p:sldId id="290" r:id="rId39"/>
-    <p:sldId id="291" r:id="rId40"/>
-    <p:sldId id="292" r:id="rId41"/>
-    <p:sldId id="308" r:id="rId42"/>
-    <p:sldId id="309" r:id="rId43"/>
-    <p:sldId id="310" r:id="rId44"/>
-    <p:sldId id="293" r:id="rId45"/>
-    <p:sldId id="294" r:id="rId46"/>
-    <p:sldId id="295" r:id="rId47"/>
-    <p:sldId id="296" r:id="rId48"/>
-    <p:sldId id="297" r:id="rId49"/>
-    <p:sldId id="298" r:id="rId50"/>
-    <p:sldId id="299" r:id="rId51"/>
-    <p:sldId id="300" r:id="rId52"/>
-    <p:sldId id="301" r:id="rId53"/>
-    <p:sldId id="302" r:id="rId54"/>
-    <p:sldId id="303" r:id="rId55"/>
-    <p:sldId id="304" r:id="rId56"/>
-    <p:sldId id="305" r:id="rId57"/>
+    <p:sldId id="257" r:id="rId3"/>
+    <p:sldId id="258" r:id="rId4"/>
+    <p:sldId id="259" r:id="rId5"/>
+    <p:sldId id="261" r:id="rId6"/>
+    <p:sldId id="260" r:id="rId7"/>
+    <p:sldId id="262" r:id="rId8"/>
+    <p:sldId id="263" r:id="rId9"/>
+    <p:sldId id="264" r:id="rId10"/>
+    <p:sldId id="306" r:id="rId11"/>
+    <p:sldId id="265" r:id="rId12"/>
+    <p:sldId id="266" r:id="rId13"/>
+    <p:sldId id="267" r:id="rId14"/>
+    <p:sldId id="268" r:id="rId15"/>
+    <p:sldId id="269" r:id="rId16"/>
+    <p:sldId id="270" r:id="rId17"/>
+    <p:sldId id="271" r:id="rId18"/>
+    <p:sldId id="272" r:id="rId19"/>
+    <p:sldId id="273" r:id="rId20"/>
+    <p:sldId id="274" r:id="rId21"/>
+    <p:sldId id="275" r:id="rId22"/>
+    <p:sldId id="276" r:id="rId23"/>
+    <p:sldId id="277" r:id="rId24"/>
+    <p:sldId id="278" r:id="rId25"/>
+    <p:sldId id="279" r:id="rId26"/>
+    <p:sldId id="280" r:id="rId27"/>
+    <p:sldId id="281" r:id="rId28"/>
+    <p:sldId id="307" r:id="rId29"/>
+    <p:sldId id="282" r:id="rId30"/>
+    <p:sldId id="283" r:id="rId31"/>
+    <p:sldId id="284" r:id="rId32"/>
+    <p:sldId id="285" r:id="rId33"/>
+    <p:sldId id="286" r:id="rId34"/>
+    <p:sldId id="287" r:id="rId35"/>
+    <p:sldId id="288" r:id="rId36"/>
+    <p:sldId id="289" r:id="rId37"/>
+    <p:sldId id="290" r:id="rId38"/>
+    <p:sldId id="291" r:id="rId39"/>
+    <p:sldId id="292" r:id="rId40"/>
+    <p:sldId id="308" r:id="rId41"/>
+    <p:sldId id="309" r:id="rId42"/>
+    <p:sldId id="310" r:id="rId43"/>
+    <p:sldId id="293" r:id="rId44"/>
+    <p:sldId id="294" r:id="rId45"/>
+    <p:sldId id="295" r:id="rId46"/>
+    <p:sldId id="296" r:id="rId47"/>
+    <p:sldId id="297" r:id="rId48"/>
+    <p:sldId id="298" r:id="rId49"/>
+    <p:sldId id="299" r:id="rId50"/>
+    <p:sldId id="300" r:id="rId51"/>
+    <p:sldId id="301" r:id="rId52"/>
+    <p:sldId id="302" r:id="rId53"/>
+    <p:sldId id="303" r:id="rId54"/>
+    <p:sldId id="304" r:id="rId55"/>
+    <p:sldId id="305" r:id="rId56"/>
   </p:sldIdLst>
   <p:sldSz cx="9144000" cy="6858000" type="screen4x3"/>
   <p:notesSz cx="6858000" cy="9144000"/>
@@ -246,6 +246,7 @@
           <a:p>
             <a:fld id="{7FD73F73-AD69-480B-91F2-49106152900A}" type="datetimeFigureOut">
               <a:rPr lang="zh-CN" altLang="en-US" smtClean="0"/>
+              <a:t>2017/7/24</a:t>
             </a:fld>
             <a:endParaRPr lang="zh-CN" altLang="en-US"/>
           </a:p>
@@ -312,7 +313,6 @@
               <a:rPr lang="zh-CN" altLang="en-US" smtClean="0"/>
               <a:t>单击此处编辑母版文本样式</a:t>
             </a:r>
-            <a:endParaRPr lang="zh-CN" altLang="en-US" smtClean="0"/>
           </a:p>
           <a:p>
             <a:pPr lvl="1"/>
@@ -320,7 +320,6 @@
               <a:rPr lang="zh-CN" altLang="en-US" smtClean="0"/>
               <a:t>第二级</a:t>
             </a:r>
-            <a:endParaRPr lang="zh-CN" altLang="en-US" smtClean="0"/>
           </a:p>
           <a:p>
             <a:pPr lvl="2"/>
@@ -328,7 +327,6 @@
               <a:rPr lang="zh-CN" altLang="en-US" smtClean="0"/>
               <a:t>第三级</a:t>
             </a:r>
-            <a:endParaRPr lang="zh-CN" altLang="en-US" smtClean="0"/>
           </a:p>
           <a:p>
             <a:pPr lvl="3"/>
@@ -336,7 +334,6 @@
               <a:rPr lang="zh-CN" altLang="en-US" smtClean="0"/>
               <a:t>第四级</a:t>
             </a:r>
-            <a:endParaRPr lang="zh-CN" altLang="en-US" smtClean="0"/>
           </a:p>
           <a:p>
             <a:pPr lvl="4"/>
@@ -408,12 +405,18 @@
           <a:p>
             <a:fld id="{D1FF8C46-1437-46DC-83A7-E84AEF28140F}" type="slidenum">
               <a:rPr lang="zh-CN" altLang="en-US" smtClean="0"/>
+              <a:t>‹#›</a:t>
             </a:fld>
             <a:endParaRPr lang="zh-CN" altLang="en-US"/>
           </a:p>
         </p:txBody>
       </p:sp>
     </p:spTree>
+    <p:extLst>
+      <p:ext uri="{BB962C8B-B14F-4D97-AF65-F5344CB8AC3E}">
+        <p14:creationId xmlns:p14="http://schemas.microsoft.com/office/powerpoint/2010/main" val="4137824694"/>
+      </p:ext>
+    </p:extLst>
   </p:cSld>
   <p:clrMap bg1="lt1" tx1="dk1" bg2="lt2" tx2="dk2" accent1="accent1" accent2="accent2" accent3="accent3" accent4="accent4" accent5="accent5" accent6="accent6" hlink="hlink" folHlink="folHlink"/>
   <p:notesStyle>
@@ -713,6 +716,7 @@
           <a:p>
             <a:fld id="{2514DD5B-EB48-44C1-916F-AD55A63A68F5}" type="datetimeFigureOut">
               <a:rPr lang="zh-CN" altLang="en-US" smtClean="0"/>
+              <a:t>2017/7/24</a:t>
             </a:fld>
             <a:endParaRPr lang="zh-CN" altLang="en-US"/>
           </a:p>
@@ -784,6 +788,7 @@
           <a:p>
             <a:fld id="{504A0D15-0DB5-4AE1-B74D-81309A961DDD}" type="slidenum">
               <a:rPr lang="zh-CN" altLang="en-US" smtClean="0"/>
+              <a:t>‹#›</a:t>
             </a:fld>
             <a:endParaRPr lang="zh-CN" altLang="en-US"/>
           </a:p>
@@ -873,7 +878,6 @@
               <a:rPr lang="zh-CN" altLang="en-US" smtClean="0"/>
               <a:t>单击此处编辑母版文本样式</a:t>
             </a:r>
-            <a:endParaRPr lang="zh-CN" altLang="en-US" smtClean="0"/>
           </a:p>
           <a:p>
             <a:pPr lvl="1"/>
@@ -881,7 +885,6 @@
               <a:rPr lang="zh-CN" altLang="en-US" smtClean="0"/>
               <a:t>第二级</a:t>
             </a:r>
-            <a:endParaRPr lang="zh-CN" altLang="en-US" smtClean="0"/>
           </a:p>
           <a:p>
             <a:pPr lvl="2"/>
@@ -889,7 +892,6 @@
               <a:rPr lang="zh-CN" altLang="en-US" smtClean="0"/>
               <a:t>第三级</a:t>
             </a:r>
-            <a:endParaRPr lang="zh-CN" altLang="en-US" smtClean="0"/>
           </a:p>
           <a:p>
             <a:pPr lvl="3"/>
@@ -897,7 +899,6 @@
               <a:rPr lang="zh-CN" altLang="en-US" smtClean="0"/>
               <a:t>第四级</a:t>
             </a:r>
-            <a:endParaRPr lang="zh-CN" altLang="en-US" smtClean="0"/>
           </a:p>
           <a:p>
             <a:pPr lvl="4"/>
@@ -941,6 +942,7 @@
           <a:p>
             <a:fld id="{2514DD5B-EB48-44C1-916F-AD55A63A68F5}" type="datetimeFigureOut">
               <a:rPr lang="zh-CN" altLang="en-US" smtClean="0"/>
+              <a:t>2017/7/24</a:t>
             </a:fld>
             <a:endParaRPr lang="zh-CN" altLang="en-US"/>
           </a:p>
@@ -1012,6 +1014,7 @@
           <a:p>
             <a:fld id="{504A0D15-0DB5-4AE1-B74D-81309A961DDD}" type="slidenum">
               <a:rPr lang="zh-CN" altLang="en-US" smtClean="0"/>
+              <a:t>‹#›</a:t>
             </a:fld>
             <a:endParaRPr lang="zh-CN" altLang="en-US"/>
           </a:p>
@@ -1101,7 +1104,6 @@
               <a:rPr lang="zh-CN" altLang="en-US" smtClean="0"/>
               <a:t>单击此处编辑母版文本样式</a:t>
             </a:r>
-            <a:endParaRPr lang="zh-CN" altLang="en-US" smtClean="0"/>
           </a:p>
           <a:p>
             <a:pPr lvl="1"/>
@@ -1109,7 +1111,6 @@
               <a:rPr lang="zh-CN" altLang="en-US" smtClean="0"/>
               <a:t>第二级</a:t>
             </a:r>
-            <a:endParaRPr lang="zh-CN" altLang="en-US" smtClean="0"/>
           </a:p>
           <a:p>
             <a:pPr lvl="2"/>
@@ -1117,7 +1118,6 @@
               <a:rPr lang="zh-CN" altLang="en-US" smtClean="0"/>
               <a:t>第三级</a:t>
             </a:r>
-            <a:endParaRPr lang="zh-CN" altLang="en-US" smtClean="0"/>
           </a:p>
           <a:p>
             <a:pPr lvl="3"/>
@@ -1125,7 +1125,6 @@
               <a:rPr lang="zh-CN" altLang="en-US" smtClean="0"/>
               <a:t>第四级</a:t>
             </a:r>
-            <a:endParaRPr lang="zh-CN" altLang="en-US" smtClean="0"/>
           </a:p>
           <a:p>
             <a:pPr lvl="4"/>
@@ -1169,6 +1168,7 @@
           <a:p>
             <a:fld id="{2514DD5B-EB48-44C1-916F-AD55A63A68F5}" type="datetimeFigureOut">
               <a:rPr lang="zh-CN" altLang="en-US" smtClean="0"/>
+              <a:t>2017/7/24</a:t>
             </a:fld>
             <a:endParaRPr lang="zh-CN" altLang="en-US"/>
           </a:p>
@@ -1240,6 +1240,7 @@
           <a:p>
             <a:fld id="{504A0D15-0DB5-4AE1-B74D-81309A961DDD}" type="slidenum">
               <a:rPr lang="zh-CN" altLang="en-US" smtClean="0"/>
+              <a:t>‹#›</a:t>
             </a:fld>
             <a:endParaRPr lang="zh-CN" altLang="en-US"/>
           </a:p>
@@ -1458,6 +1459,7 @@
             </a:pPr>
             <a:fld id="{F71403BB-92A8-4EA5-ABE4-98C492677CAE}" type="datetimeFigureOut">
               <a:rPr lang="zh-CN" altLang="en-US"/>
+              <a:t>2017/7/24</a:t>
             </a:fld>
             <a:endParaRPr lang="zh-CN" altLang="en-US"/>
           </a:p>
@@ -1535,6 +1537,7 @@
             </a:pPr>
             <a:fld id="{5F9EFC99-5BC1-44AC-AA4E-285886EF3063}" type="slidenum">
               <a:rPr lang="zh-CN" altLang="en-US"/>
+              <a:t>‹#›</a:t>
             </a:fld>
             <a:endParaRPr lang="zh-CN" altLang="en-US"/>
           </a:p>
@@ -1624,7 +1627,6 @@
               <a:rPr lang="zh-CN" altLang="en-US" smtClean="0"/>
               <a:t>单击此处编辑母版文本样式</a:t>
             </a:r>
-            <a:endParaRPr lang="zh-CN" altLang="en-US" smtClean="0"/>
           </a:p>
           <a:p>
             <a:pPr lvl="1"/>
@@ -1632,7 +1634,6 @@
               <a:rPr lang="zh-CN" altLang="en-US" smtClean="0"/>
               <a:t>第二级</a:t>
             </a:r>
-            <a:endParaRPr lang="zh-CN" altLang="en-US" smtClean="0"/>
           </a:p>
           <a:p>
             <a:pPr lvl="2"/>
@@ -1640,7 +1641,6 @@
               <a:rPr lang="zh-CN" altLang="en-US" smtClean="0"/>
               <a:t>第三级</a:t>
             </a:r>
-            <a:endParaRPr lang="zh-CN" altLang="en-US" smtClean="0"/>
           </a:p>
           <a:p>
             <a:pPr lvl="3"/>
@@ -1648,7 +1648,6 @@
               <a:rPr lang="zh-CN" altLang="en-US" smtClean="0"/>
               <a:t>第四级</a:t>
             </a:r>
-            <a:endParaRPr lang="zh-CN" altLang="en-US" smtClean="0"/>
           </a:p>
           <a:p>
             <a:pPr lvl="4"/>
@@ -1695,6 +1694,7 @@
             </a:pPr>
             <a:fld id="{AEC6477A-40C2-4060-91A4-37CDFA1051CA}" type="datetimeFigureOut">
               <a:rPr lang="zh-CN" altLang="en-US"/>
+              <a:t>2017/7/24</a:t>
             </a:fld>
             <a:endParaRPr lang="zh-CN" altLang="en-US"/>
           </a:p>
@@ -1772,6 +1772,7 @@
             </a:pPr>
             <a:fld id="{D6DA48A0-2A92-497E-91A8-6CE3C1D01147}" type="slidenum">
               <a:rPr lang="zh-CN" altLang="en-US"/>
+              <a:t>‹#›</a:t>
             </a:fld>
             <a:endParaRPr lang="zh-CN" altLang="en-US"/>
           </a:p>
@@ -1956,7 +1957,6 @@
               <a:rPr lang="zh-CN" altLang="en-US" smtClean="0"/>
               <a:t>单击此处编辑母版文本样式</a:t>
             </a:r>
-            <a:endParaRPr lang="zh-CN" altLang="en-US" smtClean="0"/>
           </a:p>
         </p:txBody>
       </p:sp>
@@ -1995,6 +1995,7 @@
             </a:pPr>
             <a:fld id="{58475F68-B663-48A3-994D-F70226339840}" type="datetimeFigureOut">
               <a:rPr lang="zh-CN" altLang="en-US"/>
+              <a:t>2017/7/24</a:t>
             </a:fld>
             <a:endParaRPr lang="zh-CN" altLang="en-US"/>
           </a:p>
@@ -2072,6 +2073,7 @@
             </a:pPr>
             <a:fld id="{4D836CE9-1372-4851-84A7-7B826110B785}" type="slidenum">
               <a:rPr lang="zh-CN" altLang="en-US"/>
+              <a:t>‹#›</a:t>
             </a:fld>
             <a:endParaRPr lang="zh-CN" altLang="en-US"/>
           </a:p>
@@ -2189,7 +2191,6 @@
               <a:rPr lang="zh-CN" altLang="en-US" smtClean="0"/>
               <a:t>单击此处编辑母版文本样式</a:t>
             </a:r>
-            <a:endParaRPr lang="zh-CN" altLang="en-US" smtClean="0"/>
           </a:p>
           <a:p>
             <a:pPr lvl="1"/>
@@ -2197,7 +2198,6 @@
               <a:rPr lang="zh-CN" altLang="en-US" smtClean="0"/>
               <a:t>第二级</a:t>
             </a:r>
-            <a:endParaRPr lang="zh-CN" altLang="en-US" smtClean="0"/>
           </a:p>
           <a:p>
             <a:pPr lvl="2"/>
@@ -2205,7 +2205,6 @@
               <a:rPr lang="zh-CN" altLang="en-US" smtClean="0"/>
               <a:t>第三级</a:t>
             </a:r>
-            <a:endParaRPr lang="zh-CN" altLang="en-US" smtClean="0"/>
           </a:p>
           <a:p>
             <a:pPr lvl="3"/>
@@ -2213,7 +2212,6 @@
               <a:rPr lang="zh-CN" altLang="en-US" smtClean="0"/>
               <a:t>第四级</a:t>
             </a:r>
-            <a:endParaRPr lang="zh-CN" altLang="en-US" smtClean="0"/>
           </a:p>
           <a:p>
             <a:pPr lvl="4"/>
@@ -2281,7 +2279,6 @@
               <a:rPr lang="zh-CN" altLang="en-US" smtClean="0"/>
               <a:t>单击此处编辑母版文本样式</a:t>
             </a:r>
-            <a:endParaRPr lang="zh-CN" altLang="en-US" smtClean="0"/>
           </a:p>
           <a:p>
             <a:pPr lvl="1"/>
@@ -2289,7 +2286,6 @@
               <a:rPr lang="zh-CN" altLang="en-US" smtClean="0"/>
               <a:t>第二级</a:t>
             </a:r>
-            <a:endParaRPr lang="zh-CN" altLang="en-US" smtClean="0"/>
           </a:p>
           <a:p>
             <a:pPr lvl="2"/>
@@ -2297,7 +2293,6 @@
               <a:rPr lang="zh-CN" altLang="en-US" smtClean="0"/>
               <a:t>第三级</a:t>
             </a:r>
-            <a:endParaRPr lang="zh-CN" altLang="en-US" smtClean="0"/>
           </a:p>
           <a:p>
             <a:pPr lvl="3"/>
@@ -2305,7 +2300,6 @@
               <a:rPr lang="zh-CN" altLang="en-US" smtClean="0"/>
               <a:t>第四级</a:t>
             </a:r>
-            <a:endParaRPr lang="zh-CN" altLang="en-US" smtClean="0"/>
           </a:p>
           <a:p>
             <a:pPr lvl="4"/>
@@ -2352,6 +2346,7 @@
             </a:pPr>
             <a:fld id="{C3DF3760-1FDD-45DA-B92D-40D7BAD3E073}" type="datetimeFigureOut">
               <a:rPr lang="zh-CN" altLang="en-US"/>
+              <a:t>2017/7/24</a:t>
             </a:fld>
             <a:endParaRPr lang="zh-CN" altLang="en-US"/>
           </a:p>
@@ -2429,6 +2424,7 @@
             </a:pPr>
             <a:fld id="{DFD74ECE-EC96-49A0-9C25-E78D9E97B28B}" type="slidenum">
               <a:rPr lang="zh-CN" altLang="en-US"/>
+              <a:t>‹#›</a:t>
             </a:fld>
             <a:endParaRPr lang="zh-CN" altLang="en-US"/>
           </a:p>
@@ -2559,7 +2555,6 @@
               <a:rPr lang="zh-CN" altLang="en-US" smtClean="0"/>
               <a:t>单击此处编辑母版文本样式</a:t>
             </a:r>
-            <a:endParaRPr lang="zh-CN" altLang="en-US" smtClean="0"/>
           </a:p>
         </p:txBody>
       </p:sp>
@@ -2619,7 +2614,6 @@
               <a:rPr lang="zh-CN" altLang="en-US" smtClean="0"/>
               <a:t>单击此处编辑母版文本样式</a:t>
             </a:r>
-            <a:endParaRPr lang="zh-CN" altLang="en-US" smtClean="0"/>
           </a:p>
           <a:p>
             <a:pPr lvl="1"/>
@@ -2627,7 +2621,6 @@
               <a:rPr lang="zh-CN" altLang="en-US" smtClean="0"/>
               <a:t>第二级</a:t>
             </a:r>
-            <a:endParaRPr lang="zh-CN" altLang="en-US" smtClean="0"/>
           </a:p>
           <a:p>
             <a:pPr lvl="2"/>
@@ -2635,7 +2628,6 @@
               <a:rPr lang="zh-CN" altLang="en-US" smtClean="0"/>
               <a:t>第三级</a:t>
             </a:r>
-            <a:endParaRPr lang="zh-CN" altLang="en-US" smtClean="0"/>
           </a:p>
           <a:p>
             <a:pPr lvl="3"/>
@@ -2643,7 +2635,6 @@
               <a:rPr lang="zh-CN" altLang="en-US" smtClean="0"/>
               <a:t>第四级</a:t>
             </a:r>
-            <a:endParaRPr lang="zh-CN" altLang="en-US" smtClean="0"/>
           </a:p>
           <a:p>
             <a:pPr lvl="4"/>
@@ -2720,7 +2711,6 @@
               <a:rPr lang="zh-CN" altLang="en-US" smtClean="0"/>
               <a:t>单击此处编辑母版文本样式</a:t>
             </a:r>
-            <a:endParaRPr lang="zh-CN" altLang="en-US" smtClean="0"/>
           </a:p>
         </p:txBody>
       </p:sp>
@@ -2780,7 +2770,6 @@
               <a:rPr lang="zh-CN" altLang="en-US" smtClean="0"/>
               <a:t>单击此处编辑母版文本样式</a:t>
             </a:r>
-            <a:endParaRPr lang="zh-CN" altLang="en-US" smtClean="0"/>
           </a:p>
           <a:p>
             <a:pPr lvl="1"/>
@@ -2788,7 +2777,6 @@
               <a:rPr lang="zh-CN" altLang="en-US" smtClean="0"/>
               <a:t>第二级</a:t>
             </a:r>
-            <a:endParaRPr lang="zh-CN" altLang="en-US" smtClean="0"/>
           </a:p>
           <a:p>
             <a:pPr lvl="2"/>
@@ -2796,7 +2784,6 @@
               <a:rPr lang="zh-CN" altLang="en-US" smtClean="0"/>
               <a:t>第三级</a:t>
             </a:r>
-            <a:endParaRPr lang="zh-CN" altLang="en-US" smtClean="0"/>
           </a:p>
           <a:p>
             <a:pPr lvl="3"/>
@@ -2804,7 +2791,6 @@
               <a:rPr lang="zh-CN" altLang="en-US" smtClean="0"/>
               <a:t>第四级</a:t>
             </a:r>
-            <a:endParaRPr lang="zh-CN" altLang="en-US" smtClean="0"/>
           </a:p>
           <a:p>
             <a:pPr lvl="4"/>
@@ -2851,6 +2837,7 @@
             </a:pPr>
             <a:fld id="{2BB4692D-4F9F-4714-8CD9-7F4D411DDBAE}" type="datetimeFigureOut">
               <a:rPr lang="zh-CN" altLang="en-US"/>
+              <a:t>2017/7/24</a:t>
             </a:fld>
             <a:endParaRPr lang="zh-CN" altLang="en-US"/>
           </a:p>
@@ -2928,6 +2915,7 @@
             </a:pPr>
             <a:fld id="{1BB98B02-014C-4311-A8CC-C7801531CD99}" type="slidenum">
               <a:rPr lang="zh-CN" altLang="en-US"/>
+              <a:t>‹#›</a:t>
             </a:fld>
             <a:endParaRPr lang="zh-CN" altLang="en-US"/>
           </a:p>
@@ -3024,6 +3012,7 @@
             </a:pPr>
             <a:fld id="{BABE76B1-8B75-4E09-9DA1-2E0A157BD0A2}" type="datetimeFigureOut">
               <a:rPr lang="zh-CN" altLang="en-US"/>
+              <a:t>2017/7/24</a:t>
             </a:fld>
             <a:endParaRPr lang="zh-CN" altLang="en-US"/>
           </a:p>
@@ -3101,6 +3090,7 @@
             </a:pPr>
             <a:fld id="{1BC50013-A0DA-48BA-8EBF-A994B7BD6F7E}" type="slidenum">
               <a:rPr lang="zh-CN" altLang="en-US"/>
+              <a:t>‹#›</a:t>
             </a:fld>
             <a:endParaRPr lang="zh-CN" altLang="en-US"/>
           </a:p>
@@ -3166,6 +3156,7 @@
             </a:pPr>
             <a:fld id="{1BDBF0B8-0DBF-4CE1-BFED-D7B9B575729D}" type="datetimeFigureOut">
               <a:rPr lang="zh-CN" altLang="en-US"/>
+              <a:t>2017/7/24</a:t>
             </a:fld>
             <a:endParaRPr lang="zh-CN" altLang="en-US"/>
           </a:p>
@@ -3243,6 +3234,7 @@
             </a:pPr>
             <a:fld id="{D78ECA6E-0AB1-43CD-9D70-301954108422}" type="slidenum">
               <a:rPr lang="zh-CN" altLang="en-US"/>
+              <a:t>‹#›</a:t>
             </a:fld>
             <a:endParaRPr lang="zh-CN" altLang="en-US"/>
           </a:p>
@@ -3364,7 +3356,6 @@
               <a:rPr lang="zh-CN" altLang="en-US" smtClean="0"/>
               <a:t>单击此处编辑母版文本样式</a:t>
             </a:r>
-            <a:endParaRPr lang="zh-CN" altLang="en-US" smtClean="0"/>
           </a:p>
           <a:p>
             <a:pPr lvl="1"/>
@@ -3372,7 +3363,6 @@
               <a:rPr lang="zh-CN" altLang="en-US" smtClean="0"/>
               <a:t>第二级</a:t>
             </a:r>
-            <a:endParaRPr lang="zh-CN" altLang="en-US" smtClean="0"/>
           </a:p>
           <a:p>
             <a:pPr lvl="2"/>
@@ -3380,7 +3370,6 @@
               <a:rPr lang="zh-CN" altLang="en-US" smtClean="0"/>
               <a:t>第三级</a:t>
             </a:r>
-            <a:endParaRPr lang="zh-CN" altLang="en-US" smtClean="0"/>
           </a:p>
           <a:p>
             <a:pPr lvl="3"/>
@@ -3388,7 +3377,6 @@
               <a:rPr lang="zh-CN" altLang="en-US" smtClean="0"/>
               <a:t>第四级</a:t>
             </a:r>
-            <a:endParaRPr lang="zh-CN" altLang="en-US" smtClean="0"/>
           </a:p>
           <a:p>
             <a:pPr lvl="4"/>
@@ -3465,7 +3453,6 @@
               <a:rPr lang="zh-CN" altLang="en-US" smtClean="0"/>
               <a:t>单击此处编辑母版文本样式</a:t>
             </a:r>
-            <a:endParaRPr lang="zh-CN" altLang="en-US" smtClean="0"/>
           </a:p>
         </p:txBody>
       </p:sp>
@@ -3504,6 +3491,7 @@
             </a:pPr>
             <a:fld id="{D66CA537-7AFF-458D-B21C-EE8DCD0EEE64}" type="datetimeFigureOut">
               <a:rPr lang="zh-CN" altLang="en-US"/>
+              <a:t>2017/7/24</a:t>
             </a:fld>
             <a:endParaRPr lang="zh-CN" altLang="en-US"/>
           </a:p>
@@ -3581,6 +3569,7 @@
             </a:pPr>
             <a:fld id="{3540528A-90EC-4FB9-8AFC-391A6C7CE267}" type="slidenum">
               <a:rPr lang="zh-CN" altLang="en-US"/>
+              <a:t>‹#›</a:t>
             </a:fld>
             <a:endParaRPr lang="zh-CN" altLang="en-US"/>
           </a:p>
@@ -3670,7 +3659,6 @@
               <a:rPr lang="zh-CN" altLang="en-US" smtClean="0"/>
               <a:t>单击此处编辑母版文本样式</a:t>
             </a:r>
-            <a:endParaRPr lang="zh-CN" altLang="en-US" smtClean="0"/>
           </a:p>
           <a:p>
             <a:pPr lvl="1"/>
@@ -3678,7 +3666,6 @@
               <a:rPr lang="zh-CN" altLang="en-US" smtClean="0"/>
               <a:t>第二级</a:t>
             </a:r>
-            <a:endParaRPr lang="zh-CN" altLang="en-US" smtClean="0"/>
           </a:p>
           <a:p>
             <a:pPr lvl="2"/>
@@ -3686,7 +3673,6 @@
               <a:rPr lang="zh-CN" altLang="en-US" smtClean="0"/>
               <a:t>第三级</a:t>
             </a:r>
-            <a:endParaRPr lang="zh-CN" altLang="en-US" smtClean="0"/>
           </a:p>
           <a:p>
             <a:pPr lvl="3"/>
@@ -3694,7 +3680,6 @@
               <a:rPr lang="zh-CN" altLang="en-US" smtClean="0"/>
               <a:t>第四级</a:t>
             </a:r>
-            <a:endParaRPr lang="zh-CN" altLang="en-US" smtClean="0"/>
           </a:p>
           <a:p>
             <a:pPr lvl="4"/>
@@ -3738,6 +3723,7 @@
           <a:p>
             <a:fld id="{2514DD5B-EB48-44C1-916F-AD55A63A68F5}" type="datetimeFigureOut">
               <a:rPr lang="zh-CN" altLang="en-US" smtClean="0"/>
+              <a:t>2017/7/24</a:t>
             </a:fld>
             <a:endParaRPr lang="zh-CN" altLang="en-US"/>
           </a:p>
@@ -3809,6 +3795,7 @@
           <a:p>
             <a:fld id="{504A0D15-0DB5-4AE1-B74D-81309A961DDD}" type="slidenum">
               <a:rPr lang="zh-CN" altLang="en-US" smtClean="0"/>
+              <a:t>‹#›</a:t>
             </a:fld>
             <a:endParaRPr lang="zh-CN" altLang="en-US"/>
           </a:p>
@@ -3939,7 +3926,6 @@
               <a:rPr lang="zh-CN" altLang="en-US" noProof="0" smtClean="0"/>
               <a:t>单击图标添加图片</a:t>
             </a:r>
-            <a:endParaRPr lang="zh-CN" altLang="en-US" noProof="0" smtClean="0"/>
           </a:p>
         </p:txBody>
       </p:sp>
@@ -4008,7 +3994,6 @@
               <a:rPr lang="zh-CN" altLang="en-US" smtClean="0"/>
               <a:t>单击此处编辑母版文本样式</a:t>
             </a:r>
-            <a:endParaRPr lang="zh-CN" altLang="en-US" smtClean="0"/>
           </a:p>
         </p:txBody>
       </p:sp>
@@ -4047,6 +4032,7 @@
             </a:pPr>
             <a:fld id="{CEF2FE16-442D-4FAF-B5AF-BEFDEEC2B04D}" type="datetimeFigureOut">
               <a:rPr lang="zh-CN" altLang="en-US"/>
+              <a:t>2017/7/24</a:t>
             </a:fld>
             <a:endParaRPr lang="zh-CN" altLang="en-US"/>
           </a:p>
@@ -4124,6 +4110,7 @@
             </a:pPr>
             <a:fld id="{435BBAD6-6E34-431D-9509-5C17C76DBB95}" type="slidenum">
               <a:rPr lang="zh-CN" altLang="en-US"/>
+              <a:t>‹#›</a:t>
             </a:fld>
             <a:endParaRPr lang="zh-CN" altLang="en-US"/>
           </a:p>
@@ -4213,7 +4200,6 @@
               <a:rPr lang="zh-CN" altLang="en-US" smtClean="0"/>
               <a:t>单击此处编辑母版文本样式</a:t>
             </a:r>
-            <a:endParaRPr lang="zh-CN" altLang="en-US" smtClean="0"/>
           </a:p>
           <a:p>
             <a:pPr lvl="1"/>
@@ -4221,7 +4207,6 @@
               <a:rPr lang="zh-CN" altLang="en-US" smtClean="0"/>
               <a:t>第二级</a:t>
             </a:r>
-            <a:endParaRPr lang="zh-CN" altLang="en-US" smtClean="0"/>
           </a:p>
           <a:p>
             <a:pPr lvl="2"/>
@@ -4229,7 +4214,6 @@
               <a:rPr lang="zh-CN" altLang="en-US" smtClean="0"/>
               <a:t>第三级</a:t>
             </a:r>
-            <a:endParaRPr lang="zh-CN" altLang="en-US" smtClean="0"/>
           </a:p>
           <a:p>
             <a:pPr lvl="3"/>
@@ -4237,7 +4221,6 @@
               <a:rPr lang="zh-CN" altLang="en-US" smtClean="0"/>
               <a:t>第四级</a:t>
             </a:r>
-            <a:endParaRPr lang="zh-CN" altLang="en-US" smtClean="0"/>
           </a:p>
           <a:p>
             <a:pPr lvl="4"/>
@@ -4284,6 +4267,7 @@
             </a:pPr>
             <a:fld id="{3E304F96-D599-4277-9068-FD707730C01C}" type="datetimeFigureOut">
               <a:rPr lang="zh-CN" altLang="en-US"/>
+              <a:t>2017/7/24</a:t>
             </a:fld>
             <a:endParaRPr lang="zh-CN" altLang="en-US"/>
           </a:p>
@@ -4361,6 +4345,7 @@
             </a:pPr>
             <a:fld id="{F208EA25-5B45-4DCF-AE64-7E523EB9AEE6}" type="slidenum">
               <a:rPr lang="zh-CN" altLang="en-US"/>
+              <a:t>‹#›</a:t>
             </a:fld>
             <a:endParaRPr lang="zh-CN" altLang="en-US"/>
           </a:p>
@@ -4450,7 +4435,6 @@
               <a:rPr lang="zh-CN" altLang="en-US" smtClean="0"/>
               <a:t>单击此处编辑母版文本样式</a:t>
             </a:r>
-            <a:endParaRPr lang="zh-CN" altLang="en-US" smtClean="0"/>
           </a:p>
           <a:p>
             <a:pPr lvl="1"/>
@@ -4458,7 +4442,6 @@
               <a:rPr lang="zh-CN" altLang="en-US" smtClean="0"/>
               <a:t>第二级</a:t>
             </a:r>
-            <a:endParaRPr lang="zh-CN" altLang="en-US" smtClean="0"/>
           </a:p>
           <a:p>
             <a:pPr lvl="2"/>
@@ -4466,7 +4449,6 @@
               <a:rPr lang="zh-CN" altLang="en-US" smtClean="0"/>
               <a:t>第三级</a:t>
             </a:r>
-            <a:endParaRPr lang="zh-CN" altLang="en-US" smtClean="0"/>
           </a:p>
           <a:p>
             <a:pPr lvl="3"/>
@@ -4474,7 +4456,6 @@
               <a:rPr lang="zh-CN" altLang="en-US" smtClean="0"/>
               <a:t>第四级</a:t>
             </a:r>
-            <a:endParaRPr lang="zh-CN" altLang="en-US" smtClean="0"/>
           </a:p>
           <a:p>
             <a:pPr lvl="4"/>
@@ -4521,6 +4502,7 @@
             </a:pPr>
             <a:fld id="{A1D5BC81-0728-4DF4-A1BC-5FCD1440A869}" type="datetimeFigureOut">
               <a:rPr lang="zh-CN" altLang="en-US"/>
+              <a:t>2017/7/24</a:t>
             </a:fld>
             <a:endParaRPr lang="zh-CN" altLang="en-US"/>
           </a:p>
@@ -4598,6 +4580,7 @@
             </a:pPr>
             <a:fld id="{595EC3F3-079E-42C8-8FF7-F31ADA3DF3EA}" type="slidenum">
               <a:rPr lang="zh-CN" altLang="en-US"/>
+              <a:t>‹#›</a:t>
             </a:fld>
             <a:endParaRPr lang="zh-CN" altLang="en-US"/>
           </a:p>
@@ -4782,7 +4765,6 @@
               <a:rPr lang="zh-CN" altLang="en-US" smtClean="0"/>
               <a:t>单击此处编辑母版文本样式</a:t>
             </a:r>
-            <a:endParaRPr lang="zh-CN" altLang="en-US" smtClean="0"/>
           </a:p>
         </p:txBody>
       </p:sp>
@@ -4818,6 +4800,7 @@
           <a:p>
             <a:fld id="{2514DD5B-EB48-44C1-916F-AD55A63A68F5}" type="datetimeFigureOut">
               <a:rPr lang="zh-CN" altLang="en-US" smtClean="0"/>
+              <a:t>2017/7/24</a:t>
             </a:fld>
             <a:endParaRPr lang="zh-CN" altLang="en-US"/>
           </a:p>
@@ -4889,6 +4872,7 @@
           <a:p>
             <a:fld id="{504A0D15-0DB5-4AE1-B74D-81309A961DDD}" type="slidenum">
               <a:rPr lang="zh-CN" altLang="en-US" smtClean="0"/>
+              <a:t>‹#›</a:t>
             </a:fld>
             <a:endParaRPr lang="zh-CN" altLang="en-US"/>
           </a:p>
@@ -5006,7 +4990,6 @@
               <a:rPr lang="zh-CN" altLang="en-US" smtClean="0"/>
               <a:t>单击此处编辑母版文本样式</a:t>
             </a:r>
-            <a:endParaRPr lang="zh-CN" altLang="en-US" smtClean="0"/>
           </a:p>
           <a:p>
             <a:pPr lvl="1"/>
@@ -5014,7 +4997,6 @@
               <a:rPr lang="zh-CN" altLang="en-US" smtClean="0"/>
               <a:t>第二级</a:t>
             </a:r>
-            <a:endParaRPr lang="zh-CN" altLang="en-US" smtClean="0"/>
           </a:p>
           <a:p>
             <a:pPr lvl="2"/>
@@ -5022,7 +5004,6 @@
               <a:rPr lang="zh-CN" altLang="en-US" smtClean="0"/>
               <a:t>第三级</a:t>
             </a:r>
-            <a:endParaRPr lang="zh-CN" altLang="en-US" smtClean="0"/>
           </a:p>
           <a:p>
             <a:pPr lvl="3"/>
@@ -5030,7 +5011,6 @@
               <a:rPr lang="zh-CN" altLang="en-US" smtClean="0"/>
               <a:t>第四级</a:t>
             </a:r>
-            <a:endParaRPr lang="zh-CN" altLang="en-US" smtClean="0"/>
           </a:p>
           <a:p>
             <a:pPr lvl="4"/>
@@ -5098,7 +5078,6 @@
               <a:rPr lang="zh-CN" altLang="en-US" smtClean="0"/>
               <a:t>单击此处编辑母版文本样式</a:t>
             </a:r>
-            <a:endParaRPr lang="zh-CN" altLang="en-US" smtClean="0"/>
           </a:p>
           <a:p>
             <a:pPr lvl="1"/>
@@ -5106,7 +5085,6 @@
               <a:rPr lang="zh-CN" altLang="en-US" smtClean="0"/>
               <a:t>第二级</a:t>
             </a:r>
-            <a:endParaRPr lang="zh-CN" altLang="en-US" smtClean="0"/>
           </a:p>
           <a:p>
             <a:pPr lvl="2"/>
@@ -5114,7 +5092,6 @@
               <a:rPr lang="zh-CN" altLang="en-US" smtClean="0"/>
               <a:t>第三级</a:t>
             </a:r>
-            <a:endParaRPr lang="zh-CN" altLang="en-US" smtClean="0"/>
           </a:p>
           <a:p>
             <a:pPr lvl="3"/>
@@ -5122,7 +5099,6 @@
               <a:rPr lang="zh-CN" altLang="en-US" smtClean="0"/>
               <a:t>第四级</a:t>
             </a:r>
-            <a:endParaRPr lang="zh-CN" altLang="en-US" smtClean="0"/>
           </a:p>
           <a:p>
             <a:pPr lvl="4"/>
@@ -5166,6 +5142,7 @@
           <a:p>
             <a:fld id="{2514DD5B-EB48-44C1-916F-AD55A63A68F5}" type="datetimeFigureOut">
               <a:rPr lang="zh-CN" altLang="en-US" smtClean="0"/>
+              <a:t>2017/7/24</a:t>
             </a:fld>
             <a:endParaRPr lang="zh-CN" altLang="en-US"/>
           </a:p>
@@ -5237,6 +5214,7 @@
           <a:p>
             <a:fld id="{504A0D15-0DB5-4AE1-B74D-81309A961DDD}" type="slidenum">
               <a:rPr lang="zh-CN" altLang="en-US" smtClean="0"/>
+              <a:t>‹#›</a:t>
             </a:fld>
             <a:endParaRPr lang="zh-CN" altLang="en-US"/>
           </a:p>
@@ -5367,7 +5345,6 @@
               <a:rPr lang="zh-CN" altLang="en-US" smtClean="0"/>
               <a:t>单击此处编辑母版文本样式</a:t>
             </a:r>
-            <a:endParaRPr lang="zh-CN" altLang="en-US" smtClean="0"/>
           </a:p>
         </p:txBody>
       </p:sp>
@@ -5427,7 +5404,6 @@
               <a:rPr lang="zh-CN" altLang="en-US" smtClean="0"/>
               <a:t>单击此处编辑母版文本样式</a:t>
             </a:r>
-            <a:endParaRPr lang="zh-CN" altLang="en-US" smtClean="0"/>
           </a:p>
           <a:p>
             <a:pPr lvl="1"/>
@@ -5435,7 +5411,6 @@
               <a:rPr lang="zh-CN" altLang="en-US" smtClean="0"/>
               <a:t>第二级</a:t>
             </a:r>
-            <a:endParaRPr lang="zh-CN" altLang="en-US" smtClean="0"/>
           </a:p>
           <a:p>
             <a:pPr lvl="2"/>
@@ -5443,7 +5418,6 @@
               <a:rPr lang="zh-CN" altLang="en-US" smtClean="0"/>
               <a:t>第三级</a:t>
             </a:r>
-            <a:endParaRPr lang="zh-CN" altLang="en-US" smtClean="0"/>
           </a:p>
           <a:p>
             <a:pPr lvl="3"/>
@@ -5451,7 +5425,6 @@
               <a:rPr lang="zh-CN" altLang="en-US" smtClean="0"/>
               <a:t>第四级</a:t>
             </a:r>
-            <a:endParaRPr lang="zh-CN" altLang="en-US" smtClean="0"/>
           </a:p>
           <a:p>
             <a:pPr lvl="4"/>
@@ -5528,7 +5501,6 @@
               <a:rPr lang="zh-CN" altLang="en-US" smtClean="0"/>
               <a:t>单击此处编辑母版文本样式</a:t>
             </a:r>
-            <a:endParaRPr lang="zh-CN" altLang="en-US" smtClean="0"/>
           </a:p>
         </p:txBody>
       </p:sp>
@@ -5588,7 +5560,6 @@
               <a:rPr lang="zh-CN" altLang="en-US" smtClean="0"/>
               <a:t>单击此处编辑母版文本样式</a:t>
             </a:r>
-            <a:endParaRPr lang="zh-CN" altLang="en-US" smtClean="0"/>
           </a:p>
           <a:p>
             <a:pPr lvl="1"/>
@@ -5596,7 +5567,6 @@
               <a:rPr lang="zh-CN" altLang="en-US" smtClean="0"/>
               <a:t>第二级</a:t>
             </a:r>
-            <a:endParaRPr lang="zh-CN" altLang="en-US" smtClean="0"/>
           </a:p>
           <a:p>
             <a:pPr lvl="2"/>
@@ -5604,7 +5574,6 @@
               <a:rPr lang="zh-CN" altLang="en-US" smtClean="0"/>
               <a:t>第三级</a:t>
             </a:r>
-            <a:endParaRPr lang="zh-CN" altLang="en-US" smtClean="0"/>
           </a:p>
           <a:p>
             <a:pPr lvl="3"/>
@@ -5612,7 +5581,6 @@
               <a:rPr lang="zh-CN" altLang="en-US" smtClean="0"/>
               <a:t>第四级</a:t>
             </a:r>
-            <a:endParaRPr lang="zh-CN" altLang="en-US" smtClean="0"/>
           </a:p>
           <a:p>
             <a:pPr lvl="4"/>
@@ -5656,6 +5624,7 @@
           <a:p>
             <a:fld id="{2514DD5B-EB48-44C1-916F-AD55A63A68F5}" type="datetimeFigureOut">
               <a:rPr lang="zh-CN" altLang="en-US" smtClean="0"/>
+              <a:t>2017/7/24</a:t>
             </a:fld>
             <a:endParaRPr lang="zh-CN" altLang="en-US"/>
           </a:p>
@@ -5727,6 +5696,7 @@
           <a:p>
             <a:fld id="{504A0D15-0DB5-4AE1-B74D-81309A961DDD}" type="slidenum">
               <a:rPr lang="zh-CN" altLang="en-US" smtClean="0"/>
+              <a:t>‹#›</a:t>
             </a:fld>
             <a:endParaRPr lang="zh-CN" altLang="en-US"/>
           </a:p>
@@ -5820,6 +5790,7 @@
           <a:p>
             <a:fld id="{2514DD5B-EB48-44C1-916F-AD55A63A68F5}" type="datetimeFigureOut">
               <a:rPr lang="zh-CN" altLang="en-US" smtClean="0"/>
+              <a:t>2017/7/24</a:t>
             </a:fld>
             <a:endParaRPr lang="zh-CN" altLang="en-US"/>
           </a:p>
@@ -5891,6 +5862,7 @@
           <a:p>
             <a:fld id="{504A0D15-0DB5-4AE1-B74D-81309A961DDD}" type="slidenum">
               <a:rPr lang="zh-CN" altLang="en-US" smtClean="0"/>
+              <a:t>‹#›</a:t>
             </a:fld>
             <a:endParaRPr lang="zh-CN" altLang="en-US"/>
           </a:p>
@@ -5953,6 +5925,7 @@
           <a:p>
             <a:fld id="{2514DD5B-EB48-44C1-916F-AD55A63A68F5}" type="datetimeFigureOut">
               <a:rPr lang="zh-CN" altLang="en-US" smtClean="0"/>
+              <a:t>2017/7/24</a:t>
             </a:fld>
             <a:endParaRPr lang="zh-CN" altLang="en-US"/>
           </a:p>
@@ -6024,6 +5997,7 @@
           <a:p>
             <a:fld id="{504A0D15-0DB5-4AE1-B74D-81309A961DDD}" type="slidenum">
               <a:rPr lang="zh-CN" altLang="en-US" smtClean="0"/>
+              <a:t>‹#›</a:t>
             </a:fld>
             <a:endParaRPr lang="zh-CN" altLang="en-US"/>
           </a:p>
@@ -6145,7 +6119,6 @@
               <a:rPr lang="zh-CN" altLang="en-US" smtClean="0"/>
               <a:t>单击此处编辑母版文本样式</a:t>
             </a:r>
-            <a:endParaRPr lang="zh-CN" altLang="en-US" smtClean="0"/>
           </a:p>
           <a:p>
             <a:pPr lvl="1"/>
@@ -6153,7 +6126,6 @@
               <a:rPr lang="zh-CN" altLang="en-US" smtClean="0"/>
               <a:t>第二级</a:t>
             </a:r>
-            <a:endParaRPr lang="zh-CN" altLang="en-US" smtClean="0"/>
           </a:p>
           <a:p>
             <a:pPr lvl="2"/>
@@ -6161,7 +6133,6 @@
               <a:rPr lang="zh-CN" altLang="en-US" smtClean="0"/>
               <a:t>第三级</a:t>
             </a:r>
-            <a:endParaRPr lang="zh-CN" altLang="en-US" smtClean="0"/>
           </a:p>
           <a:p>
             <a:pPr lvl="3"/>
@@ -6169,7 +6140,6 @@
               <a:rPr lang="zh-CN" altLang="en-US" smtClean="0"/>
               <a:t>第四级</a:t>
             </a:r>
-            <a:endParaRPr lang="zh-CN" altLang="en-US" smtClean="0"/>
           </a:p>
           <a:p>
             <a:pPr lvl="4"/>
@@ -6246,7 +6216,6 @@
               <a:rPr lang="zh-CN" altLang="en-US" smtClean="0"/>
               <a:t>单击此处编辑母版文本样式</a:t>
             </a:r>
-            <a:endParaRPr lang="zh-CN" altLang="en-US" smtClean="0"/>
           </a:p>
         </p:txBody>
       </p:sp>
@@ -6282,6 +6251,7 @@
           <a:p>
             <a:fld id="{2514DD5B-EB48-44C1-916F-AD55A63A68F5}" type="datetimeFigureOut">
               <a:rPr lang="zh-CN" altLang="en-US" smtClean="0"/>
+              <a:t>2017/7/24</a:t>
             </a:fld>
             <a:endParaRPr lang="zh-CN" altLang="en-US"/>
           </a:p>
@@ -6353,6 +6323,7 @@
           <a:p>
             <a:fld id="{504A0D15-0DB5-4AE1-B74D-81309A961DDD}" type="slidenum">
               <a:rPr lang="zh-CN" altLang="en-US" smtClean="0"/>
+              <a:t>‹#›</a:t>
             </a:fld>
             <a:endParaRPr lang="zh-CN" altLang="en-US"/>
           </a:p>
@@ -6483,7 +6454,6 @@
               <a:rPr lang="zh-CN" altLang="en-US" noProof="0" smtClean="0"/>
               <a:t>单击图标添加图片</a:t>
             </a:r>
-            <a:endParaRPr lang="zh-CN" altLang="en-US" noProof="0" smtClean="0"/>
           </a:p>
         </p:txBody>
       </p:sp>
@@ -6552,7 +6522,6 @@
               <a:rPr lang="zh-CN" altLang="en-US" smtClean="0"/>
               <a:t>单击此处编辑母版文本样式</a:t>
             </a:r>
-            <a:endParaRPr lang="zh-CN" altLang="en-US" smtClean="0"/>
           </a:p>
         </p:txBody>
       </p:sp>
@@ -6588,6 +6557,7 @@
           <a:p>
             <a:fld id="{2514DD5B-EB48-44C1-916F-AD55A63A68F5}" type="datetimeFigureOut">
               <a:rPr lang="zh-CN" altLang="en-US" smtClean="0"/>
+              <a:t>2017/7/24</a:t>
             </a:fld>
             <a:endParaRPr lang="zh-CN" altLang="en-US"/>
           </a:p>
@@ -6659,6 +6629,7 @@
           <a:p>
             <a:fld id="{504A0D15-0DB5-4AE1-B74D-81309A961DDD}" type="slidenum">
               <a:rPr lang="zh-CN" altLang="en-US" smtClean="0"/>
+              <a:t>‹#›</a:t>
             </a:fld>
             <a:endParaRPr lang="zh-CN" altLang="en-US"/>
           </a:p>
@@ -6678,7 +6649,7 @@
     <p:bg>
       <p:bgPr>
         <a:blipFill dpi="0" rotWithShape="1">
-          <a:blip r:embed="rId12">
+          <a:blip r:embed="rId13">
             <a:lum/>
           </a:blip>
           <a:srcRect/>
@@ -7122,7 +7093,7 @@
     <p:bg>
       <p:bgPr>
         <a:blipFill dpi="0" rotWithShape="1">
-          <a:blip r:embed="rId12">
+          <a:blip r:embed="rId13">
             <a:lum/>
           </a:blip>
           <a:srcRect/>
@@ -7773,7 +7744,7 @@
           <p:nvPr/>
         </p:nvPicPr>
         <p:blipFill>
-          <a:blip r:embed="rId1" cstate="print"/>
+          <a:blip r:embed="rId2" cstate="print"/>
           <a:srcRect/>
           <a:stretch>
             <a:fillRect/>
@@ -7805,7 +7776,7 @@
           <p:nvPr/>
         </p:nvPicPr>
         <p:blipFill>
-          <a:blip r:embed="rId1" cstate="print"/>
+          <a:blip r:embed="rId2" cstate="print"/>
           <a:srcRect/>
           <a:stretch>
             <a:fillRect/>
@@ -7837,7 +7808,7 @@
           <p:nvPr/>
         </p:nvPicPr>
         <p:blipFill>
-          <a:blip r:embed="rId2" cstate="print"/>
+          <a:blip r:embed="rId3" cstate="print"/>
           <a:srcRect/>
           <a:stretch>
             <a:fillRect/>
@@ -7933,7 +7904,7 @@
         </p:spPr>
         <p:txBody>
           <a:bodyPr>
-            <a:normAutofit/>
+            <a:normAutofit lnSpcReduction="10000"/>
           </a:bodyPr>
           <a:lstStyle/>
           <a:p>
@@ -7950,164 +7921,298 @@
             <a:endParaRPr lang="en-US" altLang="zh-CN" dirty="0"/>
           </a:p>
           <a:p>
-            <a:pPr>
-              <a:buNone/>
-            </a:pPr>
-            <a:r>
-              <a:rPr lang="en-US" altLang="zh-CN" sz="2000" dirty="0" smtClean="0"/>
-              <a:t>rate = dx / </a:t>
-            </a:r>
-            <a:r>
-              <a:rPr lang="en-US" altLang="zh-CN" sz="2000" dirty="0" err="1" smtClean="0"/>
+            <a:pPr lvl="1">
+              <a:buNone/>
+            </a:pPr>
+            <a:r>
+              <a:rPr lang="en-US" altLang="zh-CN" sz="1600" dirty="0" err="1" smtClean="0"/>
+              <a:t>rate</a:t>
+            </a:r>
+            <a:r>
+              <a:rPr lang="en-US" altLang="zh-CN" sz="1600" baseline="-25000" dirty="0" err="1" smtClean="0"/>
+              <a:t>L</a:t>
+            </a:r>
+            <a:r>
+              <a:rPr lang="en-US" altLang="zh-CN" sz="1600" dirty="0" smtClean="0"/>
+              <a:t> </a:t>
+            </a:r>
+            <a:r>
+              <a:rPr lang="en-US" altLang="zh-CN" sz="1600" dirty="0" smtClean="0"/>
+              <a:t>= </a:t>
+            </a:r>
+            <a:r>
+              <a:rPr lang="en-US" altLang="zh-CN" sz="1600" dirty="0" err="1" smtClean="0"/>
+              <a:t>dx</a:t>
+            </a:r>
+            <a:r>
+              <a:rPr lang="en-US" altLang="zh-CN" sz="1600" baseline="-25000" dirty="0" err="1"/>
+              <a:t>L</a:t>
+            </a:r>
+            <a:r>
+              <a:rPr lang="en-US" altLang="zh-CN" sz="1600" dirty="0" smtClean="0"/>
+              <a:t> </a:t>
+            </a:r>
+            <a:r>
+              <a:rPr lang="en-US" altLang="zh-CN" sz="1600" dirty="0" smtClean="0"/>
+              <a:t>/ </a:t>
+            </a:r>
+            <a:r>
+              <a:rPr lang="en-US" altLang="zh-CN" sz="1600" dirty="0" err="1" smtClean="0"/>
               <a:t>dy</a:t>
             </a:r>
             <a:r>
-              <a:rPr lang="en-US" altLang="zh-CN" sz="2000" dirty="0" smtClean="0"/>
+              <a:rPr lang="en-US" altLang="zh-CN" sz="1600" baseline="-25000" dirty="0" err="1" smtClean="0"/>
+              <a:t>L</a:t>
+            </a:r>
+            <a:r>
+              <a:rPr lang="en-US" altLang="zh-CN" sz="1600" baseline="-25000" dirty="0" smtClean="0"/>
+              <a:t>;</a:t>
+            </a:r>
+            <a:r>
+              <a:rPr lang="en-US" altLang="zh-CN" sz="1600" dirty="0" smtClean="0"/>
               <a:t>  </a:t>
             </a:r>
-            <a:endParaRPr lang="en-US" altLang="zh-CN" sz="2000" dirty="0" smtClean="0"/>
-          </a:p>
-          <a:p>
-            <a:pPr>
-              <a:buNone/>
-            </a:pPr>
-            <a:r>
-              <a:rPr lang="en-US" altLang="zh-CN" sz="2000" dirty="0" err="1" smtClean="0"/>
+          </a:p>
+          <a:p>
+            <a:pPr lvl="1">
+              <a:buNone/>
+            </a:pPr>
+            <a:r>
+              <a:rPr lang="en-US" altLang="zh-CN" sz="1600" dirty="0" err="1" smtClean="0"/>
+              <a:t>rate</a:t>
+            </a:r>
+            <a:r>
+              <a:rPr lang="en-US" altLang="zh-CN" sz="1600" baseline="-25000" dirty="0" err="1" smtClean="0"/>
+              <a:t>R</a:t>
+            </a:r>
+            <a:r>
+              <a:rPr lang="en-US" altLang="zh-CN" sz="1600" baseline="-25000" dirty="0" smtClean="0"/>
+              <a:t> </a:t>
+            </a:r>
+            <a:r>
+              <a:rPr lang="en-US" altLang="zh-CN" sz="1600" dirty="0" smtClean="0"/>
+              <a:t>= </a:t>
+            </a:r>
+            <a:r>
+              <a:rPr lang="en-US" altLang="zh-CN" sz="1600" dirty="0" err="1" smtClean="0"/>
+              <a:t>dx</a:t>
+            </a:r>
+            <a:r>
+              <a:rPr lang="en-US" altLang="zh-CN" sz="1600" baseline="-25000" dirty="0" err="1" smtClean="0"/>
+              <a:t>R</a:t>
+            </a:r>
+            <a:r>
+              <a:rPr lang="en-US" altLang="zh-CN" sz="1600" dirty="0" smtClean="0"/>
+              <a:t> / </a:t>
+            </a:r>
+            <a:r>
+              <a:rPr lang="en-US" altLang="zh-CN" sz="1600" dirty="0" err="1" smtClean="0"/>
+              <a:t>dy</a:t>
+            </a:r>
+            <a:r>
+              <a:rPr lang="en-US" altLang="zh-CN" sz="1600" baseline="-25000" dirty="0" err="1" smtClean="0"/>
+              <a:t>R</a:t>
+            </a:r>
+            <a:r>
+              <a:rPr lang="en-US" altLang="zh-CN" sz="1600" dirty="0" smtClean="0"/>
+              <a:t>;</a:t>
+            </a:r>
+          </a:p>
+          <a:p>
+            <a:pPr lvl="1">
+              <a:buNone/>
+            </a:pPr>
+            <a:r>
+              <a:rPr lang="en-US" altLang="zh-CN" sz="1600" dirty="0" err="1" smtClean="0"/>
               <a:t>v</a:t>
             </a:r>
             <a:r>
-              <a:rPr lang="en-US" altLang="zh-CN" sz="2000" baseline="-25000" dirty="0" err="1" smtClean="0"/>
+              <a:rPr lang="en-US" altLang="zh-CN" sz="1600" baseline="-25000" dirty="0" err="1" smtClean="0"/>
               <a:t>L</a:t>
             </a:r>
             <a:r>
-              <a:rPr lang="en-US" altLang="zh-CN" sz="2000" dirty="0" err="1" smtClean="0"/>
+              <a:rPr lang="en-US" altLang="zh-CN" sz="1600" dirty="0" err="1" smtClean="0"/>
               <a:t>.x</a:t>
             </a:r>
             <a:r>
-              <a:rPr lang="en-US" altLang="zh-CN" sz="2000" dirty="0" smtClean="0"/>
+              <a:rPr lang="en-US" altLang="zh-CN" sz="1600" dirty="0" smtClean="0"/>
               <a:t> = </a:t>
             </a:r>
             <a:r>
-              <a:rPr lang="en-US" altLang="zh-CN" sz="2000" dirty="0" err="1" smtClean="0"/>
-              <a:t>dv</a:t>
-            </a:r>
-            <a:r>
-              <a:rPr lang="en-US" altLang="zh-CN" sz="2000" baseline="-25000" dirty="0" err="1" smtClean="0"/>
+              <a:rPr lang="en-US" altLang="zh-CN" sz="1600" dirty="0" err="1" smtClean="0"/>
+              <a:t>v</a:t>
+            </a:r>
+            <a:r>
+              <a:rPr lang="en-US" altLang="zh-CN" sz="1600" baseline="-25000" dirty="0" err="1" smtClean="0"/>
+              <a:t>R</a:t>
+            </a:r>
+            <a:r>
+              <a:rPr lang="en-US" altLang="zh-CN" sz="1600" dirty="0" err="1" smtClean="0"/>
+              <a:t>.x</a:t>
+            </a:r>
+            <a:r>
+              <a:rPr lang="en-US" altLang="zh-CN" sz="1600" dirty="0" smtClean="0"/>
+              <a:t> = v</a:t>
+            </a:r>
+            <a:r>
+              <a:rPr lang="en-US" altLang="zh-CN" sz="1600" baseline="-25000" dirty="0" smtClean="0"/>
+              <a:t>1</a:t>
+            </a:r>
+            <a:r>
+              <a:rPr lang="en-US" altLang="zh-CN" sz="1600" dirty="0" smtClean="0"/>
+              <a:t>.x;</a:t>
+            </a:r>
+            <a:endParaRPr lang="en-US" altLang="zh-CN" sz="1600" dirty="0" smtClean="0"/>
+          </a:p>
+          <a:p>
+            <a:pPr lvl="1">
+              <a:buNone/>
+            </a:pPr>
+            <a:r>
+              <a:rPr lang="en-US" altLang="zh-CN" sz="1600" dirty="0" smtClean="0"/>
+              <a:t>for v</a:t>
+            </a:r>
+            <a:r>
+              <a:rPr lang="en-US" altLang="zh-CN" sz="1600" baseline="-25000" dirty="0" smtClean="0"/>
+              <a:t>1</a:t>
+            </a:r>
+            <a:r>
+              <a:rPr lang="en-US" altLang="zh-CN" sz="1600" dirty="0" smtClean="0"/>
+              <a:t>.y, v</a:t>
+            </a:r>
+            <a:r>
+              <a:rPr lang="en-US" altLang="zh-CN" sz="1600" baseline="-25000" dirty="0" smtClean="0"/>
+              <a:t>2</a:t>
+            </a:r>
+            <a:r>
+              <a:rPr lang="en-US" altLang="zh-CN" sz="1600" dirty="0" smtClean="0"/>
+              <a:t>.y do</a:t>
+            </a:r>
+          </a:p>
+          <a:p>
+            <a:pPr lvl="1">
+              <a:buNone/>
+            </a:pPr>
+            <a:r>
+              <a:rPr lang="en-US" altLang="zh-CN" sz="1600" dirty="0" smtClean="0"/>
+              <a:t>	</a:t>
+            </a:r>
+            <a:r>
+              <a:rPr lang="en-US" altLang="zh-CN" sz="1600" dirty="0" err="1" smtClean="0"/>
+              <a:t>DrawLine</a:t>
+            </a:r>
+            <a:r>
+              <a:rPr lang="en-US" altLang="zh-CN" sz="1600" dirty="0" smtClean="0"/>
+              <a:t>(</a:t>
+            </a:r>
+            <a:r>
+              <a:rPr lang="en-US" altLang="zh-CN" sz="1600" dirty="0" err="1" smtClean="0"/>
+              <a:t>v</a:t>
+            </a:r>
+            <a:r>
+              <a:rPr lang="en-US" altLang="zh-CN" sz="1600" baseline="-25000" dirty="0" err="1" smtClean="0"/>
               <a:t>L</a:t>
             </a:r>
             <a:r>
-              <a:rPr lang="en-US" altLang="zh-CN" sz="2000" dirty="0" err="1" smtClean="0"/>
-              <a:t>.y</a:t>
-            </a:r>
-            <a:r>
-              <a:rPr lang="en-US" altLang="zh-CN" sz="2000" dirty="0" smtClean="0"/>
-              <a:t> * </a:t>
-            </a:r>
-            <a:r>
-              <a:rPr lang="en-US" altLang="zh-CN" sz="2000" dirty="0" err="1" smtClean="0"/>
+              <a:rPr lang="en-US" altLang="zh-CN" sz="1600" dirty="0" smtClean="0"/>
+              <a:t>, </a:t>
+            </a:r>
+            <a:r>
+              <a:rPr lang="en-US" altLang="zh-CN" sz="1600" dirty="0" err="1" smtClean="0"/>
+              <a:t>v</a:t>
+            </a:r>
+            <a:r>
+              <a:rPr lang="en-US" altLang="zh-CN" sz="1600" baseline="-25000" dirty="0" err="1" smtClean="0"/>
+              <a:t>R</a:t>
+            </a:r>
+            <a:r>
+              <a:rPr lang="en-US" altLang="zh-CN" sz="1600" dirty="0" smtClean="0"/>
+              <a:t>, color);</a:t>
+            </a:r>
+          </a:p>
+          <a:p>
+            <a:pPr lvl="1">
+              <a:buNone/>
+            </a:pPr>
+            <a:r>
+              <a:rPr lang="en-US" altLang="zh-CN" sz="1600" dirty="0"/>
+              <a:t>	</a:t>
+            </a:r>
+            <a:r>
+              <a:rPr lang="en-US" altLang="zh-CN" sz="1600" dirty="0" err="1" smtClean="0"/>
+              <a:t>v</a:t>
+            </a:r>
+            <a:r>
+              <a:rPr lang="en-US" altLang="zh-CN" sz="1600" baseline="-25000" dirty="0" err="1" smtClean="0"/>
+              <a:t>L</a:t>
+            </a:r>
+            <a:r>
+              <a:rPr lang="en-US" altLang="zh-CN" sz="1600" dirty="0" err="1" smtClean="0"/>
+              <a:t>.x</a:t>
+            </a:r>
+            <a:r>
+              <a:rPr lang="en-US" altLang="zh-CN" sz="1600" dirty="0" smtClean="0"/>
+              <a:t> += </a:t>
+            </a:r>
+            <a:r>
+              <a:rPr lang="en-US" altLang="zh-CN" sz="1600" dirty="0" err="1" smtClean="0"/>
               <a:t>rate</a:t>
             </a:r>
             <a:r>
-              <a:rPr lang="en-US" altLang="zh-CN" sz="2000" baseline="-25000" dirty="0" err="1" smtClean="0"/>
+              <a:rPr lang="en-US" altLang="zh-CN" sz="1600" baseline="-25000" dirty="0" err="1" smtClean="0"/>
               <a:t>L</a:t>
             </a:r>
-            <a:endParaRPr lang="en-US" altLang="zh-CN" sz="2000" baseline="-25000" dirty="0" smtClean="0"/>
-          </a:p>
-          <a:p>
-            <a:pPr>
-              <a:buNone/>
-            </a:pPr>
-            <a:r>
-              <a:rPr lang="en-US" altLang="zh-CN" sz="2000" dirty="0" err="1" smtClean="0"/>
+            <a:r>
+              <a:rPr lang="en-US" altLang="zh-CN" sz="1600" dirty="0" smtClean="0"/>
+              <a:t>;</a:t>
+            </a:r>
+          </a:p>
+          <a:p>
+            <a:pPr lvl="1">
+              <a:buNone/>
+            </a:pPr>
+            <a:r>
+              <a:rPr lang="en-US" altLang="zh-CN" sz="1600" dirty="0"/>
+              <a:t>	</a:t>
+            </a:r>
+            <a:r>
+              <a:rPr lang="en-US" altLang="zh-CN" sz="1600" dirty="0" err="1" smtClean="0"/>
               <a:t>v</a:t>
             </a:r>
             <a:r>
-              <a:rPr lang="en-US" altLang="zh-CN" sz="2000" baseline="-25000" dirty="0" err="1" smtClean="0"/>
+              <a:rPr lang="en-US" altLang="zh-CN" sz="1600" baseline="-25000" dirty="0" err="1" smtClean="0"/>
               <a:t>R</a:t>
             </a:r>
             <a:r>
-              <a:rPr lang="en-US" altLang="zh-CN" sz="2000" dirty="0" err="1" smtClean="0"/>
+              <a:rPr lang="en-US" altLang="zh-CN" sz="1600" dirty="0" err="1" smtClean="0"/>
               <a:t>.x</a:t>
             </a:r>
             <a:r>
-              <a:rPr lang="en-US" altLang="zh-CN" sz="2000" dirty="0" smtClean="0"/>
-              <a:t> = </a:t>
-            </a:r>
-            <a:r>
-              <a:rPr lang="en-US" altLang="zh-CN" sz="2000" dirty="0" err="1" smtClean="0"/>
-              <a:t>dv</a:t>
-            </a:r>
-            <a:r>
-              <a:rPr lang="en-US" altLang="zh-CN" sz="2000" baseline="-25000" dirty="0" err="1" smtClean="0"/>
+              <a:rPr lang="en-US" altLang="zh-CN" sz="1600" dirty="0" smtClean="0"/>
+              <a:t> += </a:t>
+            </a:r>
+            <a:r>
+              <a:rPr lang="en-US" altLang="zh-CN" sz="1600" dirty="0" err="1" smtClean="0"/>
+              <a:t>rate</a:t>
+            </a:r>
+            <a:r>
+              <a:rPr lang="en-US" altLang="zh-CN" sz="1600" baseline="-25000" dirty="0" err="1" smtClean="0"/>
               <a:t>R</a:t>
             </a:r>
             <a:r>
-              <a:rPr lang="en-US" altLang="zh-CN" sz="2000" dirty="0" err="1" smtClean="0"/>
-              <a:t>.y</a:t>
-            </a:r>
-            <a:r>
-              <a:rPr lang="en-US" altLang="zh-CN" sz="2000" dirty="0" smtClean="0"/>
-              <a:t> * </a:t>
-            </a:r>
-            <a:r>
-              <a:rPr lang="en-US" altLang="zh-CN" sz="2000" dirty="0" err="1" smtClean="0"/>
-              <a:t>rate</a:t>
-            </a:r>
-            <a:r>
-              <a:rPr lang="en-US" altLang="zh-CN" sz="2000" baseline="-25000" dirty="0" err="1" smtClean="0"/>
-              <a:t>R</a:t>
-            </a:r>
-            <a:endParaRPr lang="en-US" altLang="zh-CN" sz="2000" baseline="-25000" dirty="0" smtClean="0"/>
-          </a:p>
-          <a:p>
-            <a:pPr>
-              <a:buNone/>
-            </a:pPr>
-            <a:r>
-              <a:rPr lang="en-US" altLang="zh-CN" sz="2000" baseline="-25000" dirty="0" err="1" smtClean="0"/>
-              <a:t>DrawLine</a:t>
-            </a:r>
-            <a:r>
-              <a:rPr lang="en-US" altLang="zh-CN" sz="2000" baseline="-25000" dirty="0" smtClean="0"/>
-              <a:t>(</a:t>
-            </a:r>
-            <a:r>
-              <a:rPr lang="en-US" altLang="zh-CN" sz="2000" dirty="0" err="1" smtClean="0"/>
-              <a:t>v</a:t>
-            </a:r>
-            <a:r>
-              <a:rPr lang="en-US" altLang="zh-CN" sz="2000" baseline="-25000" dirty="0" err="1" smtClean="0"/>
-              <a:t>L</a:t>
-            </a:r>
-            <a:r>
-              <a:rPr lang="en-US" altLang="zh-CN" sz="2000" baseline="-25000" dirty="0" smtClean="0"/>
-              <a:t> </a:t>
-            </a:r>
-            <a:r>
-              <a:rPr lang="en-US" altLang="zh-CN" sz="2000" dirty="0" smtClean="0"/>
-              <a:t>,</a:t>
-            </a:r>
-            <a:r>
-              <a:rPr lang="en-US" altLang="zh-CN" sz="2000" baseline="-25000" dirty="0" smtClean="0"/>
-              <a:t> </a:t>
-            </a:r>
-            <a:r>
-              <a:rPr lang="en-US" altLang="zh-CN" sz="2000" dirty="0" err="1" smtClean="0"/>
-              <a:t>v</a:t>
-            </a:r>
-            <a:r>
-              <a:rPr lang="en-US" altLang="zh-CN" sz="2000" baseline="-25000" dirty="0" err="1" smtClean="0"/>
-              <a:t>R</a:t>
-            </a:r>
-            <a:r>
-              <a:rPr lang="en-US" altLang="zh-CN" sz="2000" dirty="0" smtClean="0"/>
-              <a:t> ,</a:t>
-            </a:r>
-            <a:r>
-              <a:rPr lang="en-US" altLang="zh-CN" sz="2000" baseline="-25000" dirty="0" smtClean="0"/>
-              <a:t>  color);</a:t>
-            </a:r>
-            <a:endParaRPr lang="en-US" altLang="zh-CN" sz="2000" baseline="-25000" dirty="0" smtClean="0"/>
+              <a:rPr lang="en-US" altLang="zh-CN" sz="1600" dirty="0"/>
+              <a:t>;</a:t>
+            </a:r>
+          </a:p>
+          <a:p>
+            <a:pPr lvl="1">
+              <a:buNone/>
+            </a:pPr>
+            <a:r>
+              <a:rPr lang="en-US" altLang="zh-CN" sz="1600" dirty="0" smtClean="0"/>
+              <a:t>end </a:t>
+            </a:r>
+            <a:endParaRPr lang="en-US" altLang="zh-CN" sz="1600" dirty="0" smtClean="0"/>
           </a:p>
           <a:p>
             <a:pPr>
@@ -8152,7 +8257,7 @@
           <p:nvPr/>
         </p:nvPicPr>
         <p:blipFill>
-          <a:blip r:embed="rId1" cstate="print"/>
+          <a:blip r:embed="rId2" cstate="print"/>
           <a:srcRect/>
           <a:stretch>
             <a:fillRect/>
@@ -8241,7 +8346,7 @@
           </p:nvPr>
         </p:nvPicPr>
         <p:blipFill>
-          <a:blip r:embed="rId1" cstate="print"/>
+          <a:blip r:embed="rId2" cstate="print"/>
           <a:srcRect/>
           <a:stretch>
             <a:fillRect/>
@@ -8330,7 +8435,7 @@
           </p:nvPr>
         </p:nvPicPr>
         <p:blipFill>
-          <a:blip r:embed="rId1" cstate="print"/>
+          <a:blip r:embed="rId2" cstate="print"/>
           <a:srcRect/>
           <a:stretch>
             <a:fillRect/>
@@ -8525,7 +8630,6 @@
               <a:rPr lang="en-US" altLang="zh-CN" sz="2000" dirty="0" smtClean="0"/>
               <a:t>	x’(x, y, z) = U1x + V1y + W1z + T1</a:t>
             </a:r>
-            <a:endParaRPr lang="en-US" altLang="zh-CN" sz="2000" dirty="0" smtClean="0"/>
           </a:p>
           <a:p>
             <a:pPr>
@@ -8535,7 +8639,6 @@
               <a:rPr lang="en-US" altLang="zh-CN" sz="2000" dirty="0" smtClean="0"/>
               <a:t>	y’(x, y, z) = U2x +V2y + W2z + T2</a:t>
             </a:r>
-            <a:endParaRPr lang="en-US" altLang="zh-CN" sz="2000" dirty="0" smtClean="0"/>
           </a:p>
           <a:p>
             <a:pPr>
@@ -8545,7 +8648,6 @@
               <a:rPr lang="en-US" altLang="zh-CN" sz="2000" dirty="0" smtClean="0"/>
               <a:t>	z’(x, y, z) – U3x + V3y + W3z + T3</a:t>
             </a:r>
-            <a:endParaRPr lang="en-US" altLang="zh-CN" sz="2000" dirty="0" smtClean="0"/>
           </a:p>
           <a:p>
             <a:pPr>
@@ -8609,7 +8711,7 @@
           <p:nvPr/>
         </p:nvPicPr>
         <p:blipFill>
-          <a:blip r:embed="rId1" cstate="print"/>
+          <a:blip r:embed="rId2" cstate="print"/>
           <a:srcRect/>
           <a:stretch>
             <a:fillRect/>
@@ -9080,7 +9182,6 @@
               <a:rPr lang="en-US" altLang="zh-CN" dirty="0" smtClean="0"/>
               <a:t>	 P’ =  			 P</a:t>
             </a:r>
-            <a:endParaRPr lang="en-US" altLang="zh-CN" dirty="0" smtClean="0"/>
           </a:p>
           <a:p>
             <a:pPr lvl="1">
@@ -9106,7 +9207,6 @@
               <a:rPr lang="en-US" altLang="zh-CN" dirty="0" smtClean="0"/>
               <a:t>	</a:t>
             </a:r>
-            <a:endParaRPr lang="en-US" altLang="zh-CN" dirty="0" smtClean="0"/>
           </a:p>
           <a:p>
             <a:pPr lvl="1">
@@ -9139,7 +9239,7 @@
           <p:nvPr/>
         </p:nvPicPr>
         <p:blipFill>
-          <a:blip r:embed="rId1" cstate="print"/>
+          <a:blip r:embed="rId2" cstate="print"/>
           <a:srcRect/>
           <a:stretch>
             <a:fillRect/>
@@ -9171,7 +9271,7 @@
           <p:nvPr/>
         </p:nvPicPr>
         <p:blipFill>
-          <a:blip r:embed="rId1" cstate="print"/>
+          <a:blip r:embed="rId2" cstate="print"/>
           <a:srcRect/>
           <a:stretch>
             <a:fillRect/>
@@ -9203,7 +9303,7 @@
           <p:nvPr/>
         </p:nvPicPr>
         <p:blipFill>
-          <a:blip r:embed="rId2" cstate="print"/>
+          <a:blip r:embed="rId3" cstate="print"/>
           <a:srcRect/>
           <a:stretch>
             <a:fillRect/>
@@ -9235,7 +9335,7 @@
           <p:nvPr/>
         </p:nvPicPr>
         <p:blipFill>
-          <a:blip r:embed="rId3" cstate="print"/>
+          <a:blip r:embed="rId4" cstate="print"/>
           <a:srcRect/>
           <a:stretch>
             <a:fillRect/>
@@ -9267,7 +9367,7 @@
           <p:nvPr/>
         </p:nvPicPr>
         <p:blipFill>
-          <a:blip r:embed="rId4" cstate="print"/>
+          <a:blip r:embed="rId5" cstate="print"/>
           <a:srcRect/>
           <a:stretch>
             <a:fillRect/>
@@ -9511,7 +9611,7 @@
           <p:nvPr/>
         </p:nvPicPr>
         <p:blipFill>
-          <a:blip r:embed="rId1" cstate="print"/>
+          <a:blip r:embed="rId2" cstate="print"/>
           <a:srcRect/>
           <a:stretch>
             <a:fillRect/>
@@ -9842,7 +9942,7 @@
           <p:nvPr/>
         </p:nvPicPr>
         <p:blipFill>
-          <a:blip r:embed="rId1" cstate="print"/>
+          <a:blip r:embed="rId2" cstate="print"/>
           <a:srcRect/>
           <a:stretch>
             <a:fillRect/>
@@ -9874,7 +9974,7 @@
           <p:nvPr/>
         </p:nvPicPr>
         <p:blipFill>
-          <a:blip r:embed="rId2" cstate="print"/>
+          <a:blip r:embed="rId3" cstate="print"/>
           <a:srcRect/>
           <a:stretch>
             <a:fillRect/>
@@ -10223,7 +10323,6 @@
               <a:rPr lang="en-US" altLang="zh-CN" dirty="0" smtClean="0"/>
               <a:t> = -dir;</a:t>
             </a:r>
-            <a:endParaRPr lang="en-US" altLang="zh-CN" dirty="0" smtClean="0"/>
           </a:p>
           <a:p>
             <a:pPr>
@@ -10257,7 +10356,6 @@
               <a:rPr lang="en-US" altLang="zh-CN" dirty="0" smtClean="0"/>
               <a:t>);</a:t>
             </a:r>
-            <a:endParaRPr lang="en-US" altLang="zh-CN" dirty="0" smtClean="0"/>
           </a:p>
           <a:p>
             <a:pPr>
@@ -10291,7 +10389,6 @@
               <a:rPr lang="en-US" altLang="zh-CN" dirty="0" smtClean="0"/>
               <a:t>);</a:t>
             </a:r>
-            <a:endParaRPr lang="en-US" altLang="zh-CN" dirty="0" smtClean="0"/>
           </a:p>
           <a:p>
             <a:pPr>
@@ -10420,7 +10517,6 @@
               <a:rPr lang="en-US" altLang="zh-CN" dirty="0" smtClean="0"/>
               <a:t>	</a:t>
             </a:r>
-            <a:endParaRPr lang="en-US" altLang="zh-CN" dirty="0" smtClean="0"/>
           </a:p>
           <a:p>
             <a:pPr lvl="1">
@@ -10439,7 +10535,7 @@
           <p:nvPr/>
         </p:nvPicPr>
         <p:blipFill>
-          <a:blip r:embed="rId1" cstate="print"/>
+          <a:blip r:embed="rId2" cstate="print"/>
           <a:srcRect/>
           <a:stretch>
             <a:fillRect/>
@@ -10709,7 +10805,6 @@
               <a:rPr lang="en-US" altLang="zh-CN" sz="2400" dirty="0" smtClean="0"/>
               <a:t>MP = P’’</a:t>
             </a:r>
-            <a:endParaRPr lang="en-US" altLang="zh-CN" sz="2400" dirty="0" smtClean="0"/>
           </a:p>
           <a:p>
             <a:pPr lvl="1">
@@ -10835,7 +10930,7 @@
           <p:nvPr/>
         </p:nvPicPr>
         <p:blipFill>
-          <a:blip r:embed="rId1">
+          <a:blip r:embed="rId2">
             <a:extLst>
               <a:ext uri="{28A0092B-C50C-407E-A947-70E740481C1C}">
                 <a14:useLocalDpi xmlns:a14="http://schemas.microsoft.com/office/drawing/2010/main" val="0"/>
@@ -10899,7 +10994,7 @@
           <p:nvPr/>
         </p:nvPicPr>
         <p:blipFill>
-          <a:blip r:embed="rId2">
+          <a:blip r:embed="rId3">
             <a:extLst>
               <a:ext uri="{28A0092B-C50C-407E-A947-70E740481C1C}">
                 <a14:useLocalDpi xmlns:a14="http://schemas.microsoft.com/office/drawing/2010/main" val="0"/>
@@ -11055,7 +11150,6 @@
               <a:rPr lang="en-US" altLang="zh-CN" sz="2000" dirty="0" smtClean="0"/>
               <a:t>2</a:t>
             </a:r>
-            <a:endParaRPr lang="en-US" altLang="zh-CN" sz="2000" dirty="0" smtClean="0"/>
           </a:p>
           <a:p>
             <a:pPr>
@@ -11108,7 +11202,7 @@
           <p:nvPr/>
         </p:nvPicPr>
         <p:blipFill>
-          <a:blip r:embed="rId1">
+          <a:blip r:embed="rId2">
             <a:extLst>
               <a:ext uri="{28A0092B-C50C-407E-A947-70E740481C1C}">
                 <a14:useLocalDpi xmlns:a14="http://schemas.microsoft.com/office/drawing/2010/main" val="0"/>
@@ -11172,7 +11266,7 @@
           <p:nvPr/>
         </p:nvPicPr>
         <p:blipFill>
-          <a:blip r:embed="rId2">
+          <a:blip r:embed="rId3">
             <a:extLst>
               <a:ext uri="{28A0092B-C50C-407E-A947-70E740481C1C}">
                 <a14:useLocalDpi xmlns:a14="http://schemas.microsoft.com/office/drawing/2010/main" val="0"/>
@@ -11343,7 +11437,6 @@
               <a:rPr lang="en-US" altLang="zh-CN" sz="2000" dirty="0" smtClean="0"/>
               <a:t>	</a:t>
             </a:r>
-            <a:endParaRPr lang="en-US" altLang="zh-CN" sz="2000" dirty="0" smtClean="0"/>
           </a:p>
           <a:p>
             <a:pPr>
@@ -11419,7 +11512,6 @@
               <a:rPr lang="en-US" altLang="zh-CN" sz="2000" dirty="0" smtClean="0"/>
               <a:t>	</a:t>
             </a:r>
-            <a:endParaRPr lang="en-US" altLang="zh-CN" sz="2000" dirty="0" smtClean="0"/>
           </a:p>
           <a:p>
             <a:pPr>
@@ -11442,7 +11534,7 @@
           <p:nvPr/>
         </p:nvPicPr>
         <p:blipFill>
-          <a:blip r:embed="rId1" cstate="print"/>
+          <a:blip r:embed="rId2" cstate="print"/>
           <a:srcRect/>
           <a:stretch>
             <a:fillRect/>
@@ -11474,7 +11566,7 @@
           <p:nvPr/>
         </p:nvPicPr>
         <p:blipFill>
-          <a:blip r:embed="rId2">
+          <a:blip r:embed="rId3">
             <a:extLst>
               <a:ext uri="{28A0092B-C50C-407E-A947-70E740481C1C}">
                 <a14:useLocalDpi xmlns:a14="http://schemas.microsoft.com/office/drawing/2010/main" val="0"/>
@@ -11538,7 +11630,7 @@
           <p:nvPr/>
         </p:nvPicPr>
         <p:blipFill>
-          <a:blip r:embed="rId3">
+          <a:blip r:embed="rId4">
             <a:extLst>
               <a:ext uri="{28A0092B-C50C-407E-A947-70E740481C1C}">
                 <a14:useLocalDpi xmlns:a14="http://schemas.microsoft.com/office/drawing/2010/main" val="0"/>
@@ -11764,7 +11856,7 @@
           <p:nvPr/>
         </p:nvPicPr>
         <p:blipFill>
-          <a:blip r:embed="rId1">
+          <a:blip r:embed="rId2">
             <a:extLst>
               <a:ext uri="{28A0092B-C50C-407E-A947-70E740481C1C}">
                 <a14:useLocalDpi xmlns:a14="http://schemas.microsoft.com/office/drawing/2010/main" val="0"/>
@@ -11828,7 +11920,7 @@
           <p:nvPr/>
         </p:nvPicPr>
         <p:blipFill>
-          <a:blip r:embed="rId2">
+          <a:blip r:embed="rId3">
             <a:extLst>
               <a:ext uri="{28A0092B-C50C-407E-A947-70E740481C1C}">
                 <a14:useLocalDpi xmlns:a14="http://schemas.microsoft.com/office/drawing/2010/main" val="0"/>
@@ -12019,7 +12111,7 @@
           <p:nvPr/>
         </p:nvPicPr>
         <p:blipFill>
-          <a:blip r:embed="rId1">
+          <a:blip r:embed="rId2">
             <a:extLst>
               <a:ext uri="{28A0092B-C50C-407E-A947-70E740481C1C}">
                 <a14:useLocalDpi xmlns:a14="http://schemas.microsoft.com/office/drawing/2010/main" val="0"/>
@@ -12395,7 +12487,7 @@
           <p:nvPr/>
         </p:nvPicPr>
         <p:blipFill>
-          <a:blip r:embed="rId1" cstate="print"/>
+          <a:blip r:embed="rId2" cstate="print"/>
           <a:srcRect/>
           <a:stretch>
             <a:fillRect/>
@@ -12427,7 +12519,7 @@
           <p:nvPr/>
         </p:nvPicPr>
         <p:blipFill>
-          <a:blip r:embed="rId2" cstate="print"/>
+          <a:blip r:embed="rId3" cstate="print"/>
           <a:srcRect/>
           <a:stretch>
             <a:fillRect/>
@@ -12583,7 +12675,6 @@
               <a:rPr lang="zh-CN" altLang="en-US" sz="2000" dirty="0"/>
               <a:t>不发达的年代，软件渲染是十分重要的。</a:t>
             </a:r>
-            <a:endParaRPr lang="zh-CN" altLang="en-US" sz="2000" dirty="0"/>
           </a:p>
           <a:p>
             <a:endParaRPr lang="en-US" altLang="zh-CN" sz="2000" dirty="0" smtClean="0"/>
@@ -12752,7 +12843,7 @@
           <p:nvPr/>
         </p:nvPicPr>
         <p:blipFill>
-          <a:blip r:embed="rId1" cstate="print"/>
+          <a:blip r:embed="rId2" cstate="print"/>
           <a:srcRect/>
           <a:stretch>
             <a:fillRect/>
@@ -12819,7 +12910,6 @@
               <a:rPr lang="zh-CN" altLang="en-US" dirty="0"/>
               <a:t>剔除操作和裁剪操作</a:t>
             </a:r>
-            <a:endParaRPr lang="zh-CN" altLang="en-US" dirty="0"/>
           </a:p>
         </p:txBody>
       </p:sp>
@@ -12855,7 +12945,7 @@
           <p:nvPr/>
         </p:nvPicPr>
         <p:blipFill>
-          <a:blip r:embed="rId1">
+          <a:blip r:embed="rId2">
             <a:extLst>
               <a:ext uri="{28A0092B-C50C-407E-A947-70E740481C1C}">
                 <a14:useLocalDpi xmlns:a14="http://schemas.microsoft.com/office/drawing/2010/main" val="0"/>
@@ -12954,7 +13044,6 @@
               <a:rPr lang="zh-CN" altLang="en-US" dirty="0"/>
               <a:t>剔除操作和裁剪操作</a:t>
             </a:r>
-            <a:endParaRPr lang="zh-CN" altLang="en-US" dirty="0"/>
           </a:p>
         </p:txBody>
       </p:sp>
@@ -12990,7 +13079,7 @@
           <p:nvPr/>
         </p:nvPicPr>
         <p:blipFill>
-          <a:blip r:embed="rId1">
+          <a:blip r:embed="rId2">
             <a:extLst>
               <a:ext uri="{28A0092B-C50C-407E-A947-70E740481C1C}">
                 <a14:useLocalDpi xmlns:a14="http://schemas.microsoft.com/office/drawing/2010/main" val="0"/>
@@ -13130,7 +13219,6 @@
               <a:rPr lang="en-US" altLang="zh-CN" sz="2000" dirty="0" smtClean="0"/>
               <a:t>	</a:t>
             </a:r>
-            <a:endParaRPr lang="en-US" altLang="zh-CN" sz="2000" dirty="0" smtClean="0"/>
           </a:p>
           <a:p>
             <a:pPr marL="0" indent="0">
@@ -13200,7 +13288,6 @@
               <a:rPr lang="en-US" altLang="zh-CN" sz="2000" dirty="0" smtClean="0"/>
               <a:t>0 &lt;= m &lt;= 1;</a:t>
             </a:r>
-            <a:endParaRPr lang="en-US" altLang="zh-CN" sz="2000" dirty="0" smtClean="0"/>
           </a:p>
           <a:p>
             <a:pPr marL="0" indent="0">
@@ -13218,7 +13305,6 @@
               <a:rPr lang="en-US" altLang="zh-CN" sz="2000" dirty="0" smtClean="0"/>
               <a:t>d&gt;0</a:t>
             </a:r>
-            <a:endParaRPr lang="en-US" altLang="zh-CN" sz="2000" dirty="0" smtClean="0"/>
           </a:p>
           <a:p>
             <a:pPr marL="0" indent="0">
@@ -13327,7 +13413,7 @@
           <p:nvPr/>
         </p:nvPicPr>
         <p:blipFill>
-          <a:blip r:embed="rId1">
+          <a:blip r:embed="rId2">
             <a:extLst>
               <a:ext uri="{28A0092B-C50C-407E-A947-70E740481C1C}">
                 <a14:useLocalDpi xmlns:a14="http://schemas.microsoft.com/office/drawing/2010/main" val="0"/>
@@ -13391,7 +13477,7 @@
           <p:nvPr/>
         </p:nvPicPr>
         <p:blipFill>
-          <a:blip r:embed="rId2">
+          <a:blip r:embed="rId3">
             <a:extLst>
               <a:ext uri="{28A0092B-C50C-407E-A947-70E740481C1C}">
                 <a14:useLocalDpi xmlns:a14="http://schemas.microsoft.com/office/drawing/2010/main" val="0"/>
@@ -13455,7 +13541,7 @@
           <p:nvPr/>
         </p:nvPicPr>
         <p:blipFill>
-          <a:blip r:embed="rId3">
+          <a:blip r:embed="rId4">
             <a:extLst>
               <a:ext uri="{28A0092B-C50C-407E-A947-70E740481C1C}">
                 <a14:useLocalDpi xmlns:a14="http://schemas.microsoft.com/office/drawing/2010/main" val="0"/>
@@ -13636,7 +13722,7 @@
           <p:nvPr/>
         </p:nvPicPr>
         <p:blipFill>
-          <a:blip r:embed="rId1">
+          <a:blip r:embed="rId2">
             <a:extLst>
               <a:ext uri="{28A0092B-C50C-407E-A947-70E740481C1C}">
                 <a14:useLocalDpi xmlns:a14="http://schemas.microsoft.com/office/drawing/2010/main" val="0"/>
@@ -13758,6 +13844,8 @@
               <a:rPr lang="zh-CN" altLang="en-US" dirty="0" smtClean="0"/>
               <a:t>对颜色进行线性插值</a:t>
             </a:r>
+          </a:p>
+          <a:p>
             <a:endParaRPr lang="zh-CN" altLang="en-US" dirty="0" smtClean="0"/>
           </a:p>
           <a:p>
@@ -13773,18 +13861,32 @@
             <a:endParaRPr lang="zh-CN" altLang="en-US" dirty="0" smtClean="0"/>
           </a:p>
           <a:p>
-            <a:endParaRPr lang="zh-CN" altLang="en-US" dirty="0" smtClean="0"/>
-          </a:p>
-          <a:p>
             <a:r>
               <a:rPr lang="zh-CN" altLang="en-US" sz="2000" dirty="0" smtClean="0"/>
-              <a:t>这里的插值其实是要做透视校正的，后面讲到</a:t>
-            </a:r>
-            <a:r>
-              <a:rPr lang="zh-CN" altLang="en-US" dirty="0" smtClean="0"/>
-              <a:t>。</a:t>
-            </a:r>
-            <a:endParaRPr lang="zh-CN" altLang="en-US" dirty="0" smtClean="0"/>
+              <a:t>在透视投影下，这里</a:t>
+            </a:r>
+            <a:r>
+              <a:rPr lang="zh-CN" altLang="en-US" sz="2000" dirty="0" smtClean="0"/>
+              <a:t>的插值其实是要做透视</a:t>
+            </a:r>
+            <a:r>
+              <a:rPr lang="zh-CN" altLang="en-US" sz="2000" dirty="0" smtClean="0"/>
+              <a:t>校</a:t>
+            </a:r>
+            <a:endParaRPr lang="en-US" altLang="zh-CN" sz="2000" dirty="0" smtClean="0"/>
+          </a:p>
+          <a:p>
+            <a:pPr marL="0" indent="0">
+              <a:buNone/>
+            </a:pPr>
+            <a:r>
+              <a:rPr lang="zh-CN" altLang="en-US" sz="2000" dirty="0" smtClean="0"/>
+              <a:t>正</a:t>
+            </a:r>
+            <a:r>
+              <a:rPr lang="zh-CN" altLang="en-US" sz="2000" dirty="0" smtClean="0"/>
+              <a:t>的，后面讲到。</a:t>
+            </a:r>
           </a:p>
           <a:p>
             <a:endParaRPr lang="zh-CN" altLang="en-US" dirty="0"/>
@@ -13800,7 +13902,7 @@
           <p:nvPr/>
         </p:nvPicPr>
         <p:blipFill>
-          <a:blip r:embed="rId1">
+          <a:blip r:embed="rId2">
             <a:extLst>
               <a:ext uri="{28A0092B-C50C-407E-A947-70E740481C1C}">
                 <a14:useLocalDpi xmlns:a14="http://schemas.microsoft.com/office/drawing/2010/main" val="0"/>
@@ -13814,7 +13916,7 @@
         </p:blipFill>
         <p:spPr bwMode="auto">
           <a:xfrm>
-            <a:off x="6516216" y="3838600"/>
+            <a:off x="6588224" y="3645024"/>
             <a:ext cx="2299132" cy="1805495"/>
           </a:xfrm>
           <a:prstGeom prst="rect">
@@ -13857,14 +13959,14 @@
       </p:pic>
       <p:pic>
         <p:nvPicPr>
-          <p:cNvPr id="8" name="Picture 3"/>
+          <p:cNvPr id="2050" name="Picture 2"/>
           <p:cNvPicPr>
             <a:picLocks noChangeAspect="1" noChangeArrowheads="1"/>
           </p:cNvPicPr>
           <p:nvPr/>
         </p:nvPicPr>
         <p:blipFill>
-          <a:blip r:embed="rId2">
+          <a:blip r:embed="rId3">
             <a:extLst>
               <a:ext uri="{28A0092B-C50C-407E-A947-70E740481C1C}">
                 <a14:useLocalDpi xmlns:a14="http://schemas.microsoft.com/office/drawing/2010/main" val="0"/>
@@ -13878,8 +13980,8 @@
         </p:blipFill>
         <p:spPr bwMode="auto">
           <a:xfrm>
-            <a:off x="811808" y="3545154"/>
-            <a:ext cx="5472608" cy="1620868"/>
+            <a:off x="811809" y="2276872"/>
+            <a:ext cx="6640512" cy="947560"/>
           </a:xfrm>
           <a:prstGeom prst="rect">
             <a:avLst/>
@@ -13921,14 +14023,14 @@
       </p:pic>
       <p:pic>
         <p:nvPicPr>
-          <p:cNvPr id="3074" name="Picture 2"/>
+          <p:cNvPr id="2051" name="Picture 3"/>
           <p:cNvPicPr>
             <a:picLocks noChangeAspect="1" noChangeArrowheads="1"/>
           </p:cNvPicPr>
           <p:nvPr/>
         </p:nvPicPr>
         <p:blipFill>
-          <a:blip r:embed="rId3">
+          <a:blip r:embed="rId4">
             <a:extLst>
               <a:ext uri="{28A0092B-C50C-407E-A947-70E740481C1C}">
                 <a14:useLocalDpi xmlns:a14="http://schemas.microsoft.com/office/drawing/2010/main" val="0"/>
@@ -13942,8 +14044,8 @@
         </p:blipFill>
         <p:spPr bwMode="auto">
           <a:xfrm>
-            <a:off x="811808" y="2338564"/>
-            <a:ext cx="6665913" cy="1076325"/>
+            <a:off x="811809" y="3645024"/>
+            <a:ext cx="5488384" cy="1429533"/>
           </a:xfrm>
           <a:prstGeom prst="rect">
             <a:avLst/>
@@ -14144,7 +14246,6 @@
               <a:rPr lang="en-US" altLang="zh-CN" sz="1600" dirty="0" smtClean="0"/>
               <a:t>do</a:t>
             </a:r>
-            <a:endParaRPr lang="en-US" altLang="zh-CN" sz="1600" dirty="0" smtClean="0"/>
           </a:p>
           <a:p>
             <a:pPr marL="400050" lvl="1" indent="0">
@@ -14178,7 +14279,6 @@
               <a:rPr lang="en-US" altLang="zh-CN" sz="1600" dirty="0" smtClean="0"/>
               <a:t>;</a:t>
             </a:r>
-            <a:endParaRPr lang="en-US" altLang="zh-CN" sz="1600" dirty="0" smtClean="0"/>
           </a:p>
           <a:p>
             <a:pPr marL="400050" lvl="1" indent="0">
@@ -14216,7 +14316,6 @@
               <a:rPr lang="en-US" altLang="zh-CN" sz="1600" dirty="0" smtClean="0"/>
               <a:t> do</a:t>
             </a:r>
-            <a:endParaRPr lang="en-US" altLang="zh-CN" sz="1600" dirty="0" smtClean="0"/>
           </a:p>
           <a:p>
             <a:pPr marL="400050" lvl="1" indent="0">
@@ -14232,7 +14331,15 @@
             </a:r>
             <a:r>
               <a:rPr lang="en-US" altLang="zh-CN" sz="1600" dirty="0" smtClean="0"/>
-              <a:t> &lt; </a:t>
+              <a:t> </a:t>
+            </a:r>
+            <a:r>
+              <a:rPr lang="en-US" altLang="zh-CN" sz="1600" dirty="0"/>
+              <a:t>&gt;</a:t>
+            </a:r>
+            <a:r>
+              <a:rPr lang="en-US" altLang="zh-CN" sz="1600" dirty="0" smtClean="0"/>
+              <a:t> </a:t>
             </a:r>
             <a:r>
               <a:rPr lang="en-US" altLang="zh-CN" sz="1600" dirty="0" err="1" smtClean="0"/>
@@ -14248,7 +14355,23 @@
             </a:r>
             <a:r>
               <a:rPr lang="en-US" altLang="zh-CN" sz="1600" dirty="0" smtClean="0"/>
-              <a:t>] then</a:t>
+              <a:t>] </a:t>
+            </a:r>
+            <a:r>
+              <a:rPr lang="en-US" altLang="zh-CN" sz="1600" dirty="0" smtClean="0"/>
+              <a:t>then //</a:t>
+            </a:r>
+            <a:r>
+              <a:rPr lang="zh-CN" altLang="en-US" sz="1600" dirty="0" smtClean="0"/>
+              <a:t>在右手坐标系下，</a:t>
+            </a:r>
+            <a:r>
+              <a:rPr lang="en-US" altLang="zh-CN" sz="1600" dirty="0" smtClean="0"/>
+              <a:t>z</a:t>
+            </a:r>
+            <a:r>
+              <a:rPr lang="zh-CN" altLang="en-US" sz="1600" dirty="0" smtClean="0"/>
+              <a:t>越大，离摄像机越近</a:t>
             </a:r>
             <a:endParaRPr lang="en-US" altLang="zh-CN" sz="1600" dirty="0" smtClean="0"/>
           </a:p>
@@ -14288,7 +14411,6 @@
               <a:rPr lang="en-US" altLang="zh-CN" sz="1600" dirty="0" smtClean="0"/>
               <a:t>;</a:t>
             </a:r>
-            <a:endParaRPr lang="en-US" altLang="zh-CN" sz="1600" dirty="0" smtClean="0"/>
           </a:p>
           <a:p>
             <a:pPr marL="400050" lvl="1" indent="0">
@@ -14318,7 +14440,6 @@
               <a:rPr lang="en-US" altLang="zh-CN" sz="1600" dirty="0" smtClean="0"/>
               <a:t>, color);</a:t>
             </a:r>
-            <a:endParaRPr lang="en-US" altLang="zh-CN" sz="1600" dirty="0" smtClean="0"/>
           </a:p>
           <a:p>
             <a:pPr marL="400050" lvl="1" indent="0">
@@ -14352,7 +14473,6 @@
               <a:rPr lang="en-US" altLang="zh-CN" sz="1600" dirty="0" smtClean="0"/>
               <a:t>end </a:t>
             </a:r>
-            <a:endParaRPr lang="en-US" altLang="zh-CN" sz="1600" dirty="0" smtClean="0"/>
           </a:p>
         </p:txBody>
       </p:sp>
@@ -14550,7 +14670,7 @@
           <p:nvPr/>
         </p:nvPicPr>
         <p:blipFill>
-          <a:blip r:embed="rId1">
+          <a:blip r:embed="rId2">
             <a:extLst>
               <a:ext uri="{28A0092B-C50C-407E-A947-70E740481C1C}">
                 <a14:useLocalDpi xmlns:a14="http://schemas.microsoft.com/office/drawing/2010/main" val="0"/>
@@ -14803,7 +14923,7 @@
           <p:nvPr/>
         </p:nvPicPr>
         <p:blipFill>
-          <a:blip r:embed="rId1">
+          <a:blip r:embed="rId2">
             <a:extLst>
               <a:ext uri="{28A0092B-C50C-407E-A947-70E740481C1C}">
                 <a14:useLocalDpi xmlns:a14="http://schemas.microsoft.com/office/drawing/2010/main" val="0"/>
@@ -14867,7 +14987,7 @@
           <p:nvPr/>
         </p:nvPicPr>
         <p:blipFill>
-          <a:blip r:embed="rId2">
+          <a:blip r:embed="rId3">
             <a:extLst>
               <a:ext uri="{28A0092B-C50C-407E-A947-70E740481C1C}">
                 <a14:useLocalDpi xmlns:a14="http://schemas.microsoft.com/office/drawing/2010/main" val="0"/>
@@ -14931,7 +15051,7 @@
           <p:nvPr/>
         </p:nvPicPr>
         <p:blipFill>
-          <a:blip r:embed="rId3">
+          <a:blip r:embed="rId4">
             <a:extLst>
               <a:ext uri="{28A0092B-C50C-407E-A947-70E740481C1C}">
                 <a14:useLocalDpi xmlns:a14="http://schemas.microsoft.com/office/drawing/2010/main" val="0"/>
@@ -14995,7 +15115,7 @@
           <p:nvPr/>
         </p:nvPicPr>
         <p:blipFill>
-          <a:blip r:embed="rId4">
+          <a:blip r:embed="rId5">
             <a:extLst>
               <a:ext uri="{28A0092B-C50C-407E-A947-70E740481C1C}">
                 <a14:useLocalDpi xmlns:a14="http://schemas.microsoft.com/office/drawing/2010/main" val="0"/>
@@ -15205,7 +15325,7 @@
           <p:nvPr/>
         </p:nvPicPr>
         <p:blipFill>
-          <a:blip r:embed="rId1">
+          <a:blip r:embed="rId2">
             <a:extLst>
               <a:ext uri="{28A0092B-C50C-407E-A947-70E740481C1C}">
                 <a14:useLocalDpi xmlns:a14="http://schemas.microsoft.com/office/drawing/2010/main" val="0"/>
@@ -15269,7 +15389,7 @@
           <p:nvPr/>
         </p:nvPicPr>
         <p:blipFill>
-          <a:blip r:embed="rId2">
+          <a:blip r:embed="rId3">
             <a:extLst>
               <a:ext uri="{28A0092B-C50C-407E-A947-70E740481C1C}">
                 <a14:useLocalDpi xmlns:a14="http://schemas.microsoft.com/office/drawing/2010/main" val="0"/>
@@ -15333,7 +15453,7 @@
           <p:nvPr/>
         </p:nvPicPr>
         <p:blipFill>
-          <a:blip r:embed="rId3">
+          <a:blip r:embed="rId4">
             <a:extLst>
               <a:ext uri="{28A0092B-C50C-407E-A947-70E740481C1C}">
                 <a14:useLocalDpi xmlns:a14="http://schemas.microsoft.com/office/drawing/2010/main" val="0"/>
@@ -15759,7 +15879,7 @@
           <p:nvPr/>
         </p:nvPicPr>
         <p:blipFill>
-          <a:blip r:embed="rId1">
+          <a:blip r:embed="rId2">
             <a:extLst>
               <a:ext uri="{28A0092B-C50C-407E-A947-70E740481C1C}">
                 <a14:useLocalDpi xmlns:a14="http://schemas.microsoft.com/office/drawing/2010/main" val="0"/>
@@ -15823,7 +15943,7 @@
           <p:nvPr/>
         </p:nvPicPr>
         <p:blipFill>
-          <a:blip r:embed="rId2">
+          <a:blip r:embed="rId3">
             <a:extLst>
               <a:ext uri="{28A0092B-C50C-407E-A947-70E740481C1C}">
                 <a14:useLocalDpi xmlns:a14="http://schemas.microsoft.com/office/drawing/2010/main" val="0"/>
@@ -15887,7 +16007,7 @@
           <p:nvPr/>
         </p:nvPicPr>
         <p:blipFill>
-          <a:blip r:embed="rId3">
+          <a:blip r:embed="rId4">
             <a:extLst>
               <a:ext uri="{28A0092B-C50C-407E-A947-70E740481C1C}">
                 <a14:useLocalDpi xmlns:a14="http://schemas.microsoft.com/office/drawing/2010/main" val="0"/>
@@ -16087,7 +16207,7 @@
           <p:nvPr/>
         </p:nvPicPr>
         <p:blipFill>
-          <a:blip r:embed="rId1">
+          <a:blip r:embed="rId2">
             <a:extLst>
               <a:ext uri="{28A0092B-C50C-407E-A947-70E740481C1C}">
                 <a14:useLocalDpi xmlns:a14="http://schemas.microsoft.com/office/drawing/2010/main" val="0"/>
@@ -16308,7 +16428,7 @@
           <p:nvPr/>
         </p:nvPicPr>
         <p:blipFill>
-          <a:blip r:embed="rId1">
+          <a:blip r:embed="rId2">
             <a:extLst>
               <a:ext uri="{28A0092B-C50C-407E-A947-70E740481C1C}">
                 <a14:useLocalDpi xmlns:a14="http://schemas.microsoft.com/office/drawing/2010/main" val="0"/>
@@ -16586,7 +16706,7 @@
           <p:nvPr/>
         </p:nvPicPr>
         <p:blipFill>
-          <a:blip r:embed="rId1">
+          <a:blip r:embed="rId2">
             <a:extLst>
               <a:ext uri="{28A0092B-C50C-407E-A947-70E740481C1C}">
                 <a14:useLocalDpi xmlns:a14="http://schemas.microsoft.com/office/drawing/2010/main" val="0"/>
@@ -16884,7 +17004,7 @@
           <p:nvPr/>
         </p:nvPicPr>
         <p:blipFill>
-          <a:blip r:embed="rId1">
+          <a:blip r:embed="rId2">
             <a:extLst>
               <a:ext uri="{28A0092B-C50C-407E-A947-70E740481C1C}">
                 <a14:useLocalDpi xmlns:a14="http://schemas.microsoft.com/office/drawing/2010/main" val="0"/>
@@ -16948,7 +17068,7 @@
           <p:nvPr/>
         </p:nvPicPr>
         <p:blipFill>
-          <a:blip r:embed="rId2" cstate="print">
+          <a:blip r:embed="rId3" cstate="print">
             <a:extLst>
               <a:ext uri="{28A0092B-C50C-407E-A947-70E740481C1C}">
                 <a14:useLocalDpi xmlns:a14="http://schemas.microsoft.com/office/drawing/2010/main" val="0"/>
@@ -17012,7 +17132,7 @@
           <p:nvPr/>
         </p:nvPicPr>
         <p:blipFill>
-          <a:blip r:embed="rId3" cstate="print">
+          <a:blip r:embed="rId4" cstate="print">
             <a:extLst>
               <a:ext uri="{28A0092B-C50C-407E-A947-70E740481C1C}">
                 <a14:useLocalDpi xmlns:a14="http://schemas.microsoft.com/office/drawing/2010/main" val="0"/>
@@ -17076,7 +17196,7 @@
           <p:nvPr/>
         </p:nvPicPr>
         <p:blipFill>
-          <a:blip r:embed="rId4" cstate="print">
+          <a:blip r:embed="rId5" cstate="print">
             <a:extLst>
               <a:ext uri="{28A0092B-C50C-407E-A947-70E740481C1C}">
                 <a14:useLocalDpi xmlns:a14="http://schemas.microsoft.com/office/drawing/2010/main" val="0"/>
@@ -17211,7 +17331,7 @@
           <p:nvPr/>
         </p:nvPicPr>
         <p:blipFill>
-          <a:blip r:embed="rId1">
+          <a:blip r:embed="rId2">
             <a:extLst>
               <a:ext uri="{28A0092B-C50C-407E-A947-70E740481C1C}">
                 <a14:useLocalDpi xmlns:a14="http://schemas.microsoft.com/office/drawing/2010/main" val="0"/>
@@ -17356,7 +17476,7 @@
           <p:nvPr/>
         </p:nvPicPr>
         <p:blipFill>
-          <a:blip r:embed="rId1">
+          <a:blip r:embed="rId2">
             <a:extLst>
               <a:ext uri="{28A0092B-C50C-407E-A947-70E740481C1C}">
                 <a14:useLocalDpi xmlns:a14="http://schemas.microsoft.com/office/drawing/2010/main" val="0"/>
@@ -17694,7 +17814,7 @@
           <p:nvPr/>
         </p:nvPicPr>
         <p:blipFill>
-          <a:blip r:embed="rId1">
+          <a:blip r:embed="rId2">
             <a:extLst>
               <a:ext uri="{28A0092B-C50C-407E-A947-70E740481C1C}">
                 <a14:useLocalDpi xmlns:a14="http://schemas.microsoft.com/office/drawing/2010/main" val="0"/>
@@ -17793,7 +17913,6 @@
               <a:rPr lang="zh-CN" altLang="en-US" dirty="0"/>
               <a:t>目的与意义</a:t>
             </a:r>
-            <a:endParaRPr lang="zh-CN" altLang="en-US" dirty="0"/>
           </a:p>
         </p:txBody>
       </p:sp>
@@ -17826,14 +17945,14 @@
       </p:sp>
       <p:pic>
         <p:nvPicPr>
-          <p:cNvPr id="17412" name="Picture 4"/>
+          <p:cNvPr id="1026" name="Picture 2"/>
           <p:cNvPicPr>
             <a:picLocks noChangeAspect="1" noChangeArrowheads="1"/>
           </p:cNvPicPr>
           <p:nvPr/>
         </p:nvPicPr>
         <p:blipFill>
-          <a:blip r:embed="rId1">
+          <a:blip r:embed="rId2">
             <a:extLst>
               <a:ext uri="{28A0092B-C50C-407E-A947-70E740481C1C}">
                 <a14:useLocalDpi xmlns:a14="http://schemas.microsoft.com/office/drawing/2010/main" val="0"/>
@@ -17847,8 +17966,8 @@
         </p:blipFill>
         <p:spPr bwMode="auto">
           <a:xfrm>
-            <a:off x="4644008" y="2404243"/>
-            <a:ext cx="3039794" cy="2284623"/>
+            <a:off x="4644008" y="2401255"/>
+            <a:ext cx="3409157" cy="2562225"/>
           </a:xfrm>
           <a:prstGeom prst="rect">
             <a:avLst/>
@@ -17890,14 +18009,14 @@
       </p:pic>
       <p:pic>
         <p:nvPicPr>
-          <p:cNvPr id="17413" name="Picture 5"/>
+          <p:cNvPr id="1027" name="Picture 3"/>
           <p:cNvPicPr>
             <a:picLocks noChangeAspect="1" noChangeArrowheads="1"/>
           </p:cNvPicPr>
           <p:nvPr/>
         </p:nvPicPr>
         <p:blipFill>
-          <a:blip r:embed="rId2">
+          <a:blip r:embed="rId3">
             <a:extLst>
               <a:ext uri="{28A0092B-C50C-407E-A947-70E740481C1C}">
                 <a14:useLocalDpi xmlns:a14="http://schemas.microsoft.com/office/drawing/2010/main" val="0"/>
@@ -17911,8 +18030,8 @@
         </p:blipFill>
         <p:spPr bwMode="auto">
           <a:xfrm>
-            <a:off x="971600" y="2401255"/>
-            <a:ext cx="3022352" cy="2271514"/>
+            <a:off x="683568" y="2401256"/>
+            <a:ext cx="3409156" cy="2562225"/>
           </a:xfrm>
           <a:prstGeom prst="rect">
             <a:avLst/>
@@ -18040,14 +18159,12 @@
               <a:rPr lang="zh-CN" altLang="en-US" sz="2000" dirty="0"/>
               <a:t>经典光线跟踪算法：由视点向屏幕上所有像素中心发射光线，对每一条光线与场景中物体的最近交点，递归进行反射和折射的计算。</a:t>
             </a:r>
-            <a:endParaRPr lang="zh-CN" altLang="en-US" sz="2000" dirty="0"/>
           </a:p>
           <a:p>
             <a:r>
               <a:rPr lang="zh-CN" altLang="en-US" sz="2000" dirty="0"/>
               <a:t>交点处的光亮由三部分产生：</a:t>
             </a:r>
-            <a:endParaRPr lang="zh-CN" altLang="en-US" sz="2000" dirty="0"/>
           </a:p>
           <a:p>
             <a:pPr marL="0" indent="0">
@@ -18065,7 +18182,6 @@
               <a:rPr lang="zh-CN" altLang="en-US" sz="2000" dirty="0"/>
               <a:t>）光源直接照射</a:t>
             </a:r>
-            <a:endParaRPr lang="zh-CN" altLang="en-US" sz="2000" dirty="0"/>
           </a:p>
           <a:p>
             <a:pPr marL="0" indent="0">
@@ -18083,7 +18199,6 @@
               <a:rPr lang="zh-CN" altLang="en-US" sz="2000" dirty="0"/>
               <a:t>）场景中其它物体通过该点向视点方向的反射</a:t>
             </a:r>
-            <a:endParaRPr lang="zh-CN" altLang="en-US" sz="2000" dirty="0"/>
           </a:p>
           <a:p>
             <a:pPr marL="0" indent="0">
@@ -18101,7 +18216,6 @@
               <a:rPr lang="zh-CN" altLang="en-US" sz="2000" dirty="0"/>
               <a:t>）场景中其它物体通过该点向视点方向的折射</a:t>
             </a:r>
-            <a:endParaRPr lang="zh-CN" altLang="en-US" sz="2000" dirty="0"/>
           </a:p>
           <a:p>
             <a:r>
@@ -18116,14 +18230,12 @@
               <a:rPr lang="zh-CN" altLang="en-US" sz="2000" dirty="0"/>
               <a:t>。</a:t>
             </a:r>
-            <a:endParaRPr lang="zh-CN" altLang="en-US" sz="2000" dirty="0"/>
           </a:p>
           <a:p>
             <a:r>
               <a:rPr lang="zh-CN" altLang="en-US" sz="2000" dirty="0"/>
               <a:t>光线跟踪终止条件：</a:t>
             </a:r>
-            <a:endParaRPr lang="zh-CN" altLang="en-US" sz="2000" dirty="0"/>
           </a:p>
           <a:p>
             <a:pPr marL="0" indent="0">
@@ -18141,7 +18253,6 @@
               <a:rPr lang="zh-CN" altLang="en-US" sz="2000" dirty="0"/>
               <a:t>）光线射出画面，不再与场景中物体相交；</a:t>
             </a:r>
-            <a:endParaRPr lang="zh-CN" altLang="en-US" sz="2000" dirty="0"/>
           </a:p>
           <a:p>
             <a:pPr marL="0" indent="0">
@@ -18159,7 +18270,6 @@
               <a:rPr lang="zh-CN" altLang="en-US" sz="2000" dirty="0"/>
               <a:t>）被跟踪点对屏幕像素显示亮度的贡献小于一定阈值；</a:t>
             </a:r>
-            <a:endParaRPr lang="zh-CN" altLang="en-US" sz="2000" dirty="0"/>
           </a:p>
           <a:p>
             <a:pPr marL="0" indent="0">
@@ -18177,7 +18287,6 @@
               <a:rPr lang="zh-CN" altLang="en-US" sz="2000" dirty="0"/>
               <a:t>）达到光线跟踪最大深度；</a:t>
             </a:r>
-            <a:endParaRPr lang="zh-CN" altLang="en-US" sz="2000" dirty="0"/>
           </a:p>
           <a:p>
             <a:pPr marL="0" indent="0">
@@ -18267,7 +18376,7 @@
           <p:nvPr/>
         </p:nvPicPr>
         <p:blipFill>
-          <a:blip r:embed="rId1">
+          <a:blip r:embed="rId2">
             <a:extLst>
               <a:ext uri="{28A0092B-C50C-407E-A947-70E740481C1C}">
                 <a14:useLocalDpi xmlns:a14="http://schemas.microsoft.com/office/drawing/2010/main" val="0"/>
@@ -18466,7 +18575,7 @@
           <p:nvPr/>
         </p:nvPicPr>
         <p:blipFill>
-          <a:blip r:embed="rId1">
+          <a:blip r:embed="rId2">
             <a:extLst>
               <a:ext uri="{28A0092B-C50C-407E-A947-70E740481C1C}">
                 <a14:useLocalDpi xmlns:a14="http://schemas.microsoft.com/office/drawing/2010/main" val="0"/>
@@ -18619,6 +18728,21 @@
           </a:p>
           <a:p>
             <a:r>
+              <a:rPr lang="en-US" altLang="zh-CN" dirty="0" smtClean="0"/>
+              <a:t>3D</a:t>
+            </a:r>
+            <a:r>
+              <a:rPr lang="zh-CN" altLang="en-US" dirty="0" smtClean="0"/>
+              <a:t>游戏引擎设计：实时计算机图形学的应用</a:t>
+            </a:r>
+            <a:r>
+              <a:rPr lang="zh-CN" altLang="en-US" dirty="0" smtClean="0"/>
+              <a:t>方法</a:t>
+            </a:r>
+            <a:endParaRPr lang="en-US" altLang="zh-CN" dirty="0" smtClean="0"/>
+          </a:p>
+          <a:p>
+            <a:r>
               <a:rPr lang="en-US" altLang="zh-CN" dirty="0"/>
               <a:t>3D</a:t>
             </a:r>
@@ -18629,17 +18753,6 @@
             <a:r>
               <a:rPr lang="zh-CN" altLang="en-US" dirty="0" smtClean="0"/>
               <a:t>技巧</a:t>
-            </a:r>
-            <a:endParaRPr lang="en-US" altLang="zh-CN" dirty="0" smtClean="0"/>
-          </a:p>
-          <a:p>
-            <a:r>
-              <a:rPr lang="en-US" altLang="zh-CN" dirty="0" smtClean="0"/>
-              <a:t>3D</a:t>
-            </a:r>
-            <a:r>
-              <a:rPr lang="zh-CN" altLang="en-US" dirty="0" smtClean="0"/>
-              <a:t>游戏引擎设计：实时计算机图形学的应用方法</a:t>
             </a:r>
             <a:endParaRPr lang="en-US" altLang="zh-CN" dirty="0" smtClean="0"/>
           </a:p>
@@ -19273,7 +19386,6 @@
               <a:rPr lang="zh-CN" altLang="en-US" dirty="0"/>
               <a:t>：指向目标设备环境的句柄。</a:t>
             </a:r>
-            <a:endParaRPr lang="zh-CN" altLang="en-US" dirty="0"/>
           </a:p>
           <a:p>
             <a:r>
@@ -19292,7 +19404,6 @@
               <a:rPr lang="zh-CN" altLang="en-US" dirty="0"/>
               <a:t>轴坐标，按逻辑单位来表示坐标。</a:t>
             </a:r>
-            <a:endParaRPr lang="zh-CN" altLang="en-US" dirty="0"/>
           </a:p>
           <a:p>
             <a:r>
@@ -19311,7 +19422,6 @@
               <a:rPr lang="zh-CN" altLang="en-US" dirty="0"/>
               <a:t>轴坐标，按逻辑单位表示坐标。</a:t>
             </a:r>
-            <a:endParaRPr lang="zh-CN" altLang="en-US" dirty="0"/>
           </a:p>
           <a:p>
             <a:r>
@@ -19322,7 +19432,6 @@
               <a:rPr lang="zh-CN" altLang="en-US" dirty="0"/>
               <a:t>：指定目标矩形的宽度。</a:t>
             </a:r>
-            <a:endParaRPr lang="zh-CN" altLang="en-US" dirty="0"/>
           </a:p>
           <a:p>
             <a:r>
@@ -19333,7 +19442,6 @@
               <a:rPr lang="zh-CN" altLang="en-US" dirty="0"/>
               <a:t>：指定目标矩形的高度。</a:t>
             </a:r>
-            <a:endParaRPr lang="zh-CN" altLang="en-US" dirty="0"/>
           </a:p>
           <a:p>
             <a:r>
@@ -19360,7 +19468,6 @@
               <a:rPr lang="zh-CN" altLang="en-US" dirty="0"/>
               <a:t>轴坐标，坐标以像素点表示。</a:t>
             </a:r>
-            <a:endParaRPr lang="zh-CN" altLang="en-US" dirty="0"/>
           </a:p>
           <a:p>
             <a:r>
@@ -19387,7 +19494,6 @@
               <a:rPr lang="zh-CN" altLang="en-US" dirty="0"/>
               <a:t>轴坐标，坐标以像素点表示。</a:t>
             </a:r>
-            <a:endParaRPr lang="zh-CN" altLang="en-US" dirty="0"/>
           </a:p>
           <a:p>
             <a:r>
@@ -19406,7 +19512,6 @@
               <a:rPr lang="zh-CN" altLang="en-US" dirty="0"/>
               <a:t>中源矩形的宽度。</a:t>
             </a:r>
-            <a:endParaRPr lang="zh-CN" altLang="en-US" dirty="0"/>
           </a:p>
           <a:p>
             <a:r>
@@ -19425,7 +19530,6 @@
               <a:rPr lang="zh-CN" altLang="en-US" dirty="0"/>
               <a:t>中源矩形的高度。</a:t>
             </a:r>
-            <a:endParaRPr lang="zh-CN" altLang="en-US" dirty="0"/>
           </a:p>
           <a:p>
             <a:r>
@@ -19475,7 +19579,6 @@
               <a:rPr lang="zh-CN" altLang="en-US" dirty="0"/>
               <a:t>方面的信息。</a:t>
             </a:r>
-            <a:endParaRPr lang="zh-CN" altLang="en-US" dirty="0"/>
           </a:p>
           <a:p>
             <a:r>
@@ -19600,7 +19703,6 @@
               <a:rPr lang="zh-CN" altLang="en-US" sz="4000" dirty="0"/>
               <a:t>及绘制操作</a:t>
             </a:r>
-            <a:endParaRPr lang="zh-CN" altLang="en-US" sz="4000" dirty="0"/>
           </a:p>
         </p:txBody>
       </p:sp>
@@ -19657,7 +19759,6 @@
               <a:rPr lang="en-US" altLang="zh-CN" sz="1400" dirty="0"/>
               <a:t>);				</a:t>
             </a:r>
-            <a:endParaRPr lang="en-US" altLang="zh-CN" sz="1400" dirty="0"/>
           </a:p>
           <a:p>
             <a:pPr>
@@ -19679,7 +19780,6 @@
               <a:rPr lang="zh-CN" altLang="en-US" sz="1400" dirty="0"/>
               <a:t>创建位图 </a:t>
             </a:r>
-            <a:endParaRPr lang="zh-CN" altLang="en-US" sz="1400" dirty="0"/>
           </a:p>
           <a:p>
             <a:pPr>
@@ -19709,7 +19809,6 @@
               <a:rPr lang="en-US" altLang="zh-CN" sz="1400" dirty="0"/>
               <a:t>(BITMAPINFO));</a:t>
             </a:r>
-            <a:endParaRPr lang="en-US" altLang="zh-CN" sz="1400" dirty="0"/>
           </a:p>
           <a:p>
             <a:pPr>
@@ -19731,7 +19830,6 @@
               <a:rPr lang="en-US" altLang="zh-CN" sz="1400" dirty="0"/>
               <a:t>(BITMAPINFOHEADER);</a:t>
             </a:r>
-            <a:endParaRPr lang="en-US" altLang="zh-CN" sz="1400" dirty="0"/>
           </a:p>
           <a:p>
             <a:pPr>
@@ -19757,7 +19855,6 @@
               <a:rPr lang="zh-CN" altLang="en-US" sz="1400" dirty="0"/>
               <a:t>宽度</a:t>
             </a:r>
-            <a:endParaRPr lang="zh-CN" altLang="en-US" sz="1400" dirty="0"/>
           </a:p>
           <a:p>
             <a:pPr>
@@ -19783,7 +19880,6 @@
               <a:rPr lang="zh-CN" altLang="en-US" sz="1400" dirty="0"/>
               <a:t>高度</a:t>
             </a:r>
-            <a:endParaRPr lang="zh-CN" altLang="en-US" sz="1400" dirty="0"/>
           </a:p>
           <a:p>
             <a:pPr>
@@ -19797,7 +19893,6 @@
               <a:rPr lang="en-US" altLang="zh-CN" sz="1400" dirty="0"/>
               <a:t> = 1;</a:t>
             </a:r>
-            <a:endParaRPr lang="en-US" altLang="zh-CN" sz="1400" dirty="0"/>
           </a:p>
           <a:p>
             <a:pPr>
@@ -19811,7 +19906,6 @@
               <a:rPr lang="en-US" altLang="zh-CN" sz="1400" dirty="0"/>
               <a:t> = 32;</a:t>
             </a:r>
-            <a:endParaRPr lang="en-US" altLang="zh-CN" sz="1400" dirty="0"/>
           </a:p>
           <a:p>
             <a:pPr>
@@ -19825,7 +19919,6 @@
               <a:rPr lang="en-US" altLang="zh-CN" sz="1400" dirty="0"/>
               <a:t> = BI_RGB;</a:t>
             </a:r>
-            <a:endParaRPr lang="en-US" altLang="zh-CN" sz="1400" dirty="0"/>
           </a:p>
           <a:p>
             <a:pPr>
@@ -19901,7 +19994,6 @@
               <a:rPr lang="en-US" altLang="zh-CN" sz="1400" dirty="0"/>
               <a:t>, DIB_RGB_COLORS, SRCCOPY);</a:t>
             </a:r>
-            <a:endParaRPr lang="en-US" altLang="zh-CN" sz="1400" dirty="0"/>
           </a:p>
           <a:p>
             <a:pPr>
@@ -19911,7 +20003,6 @@
               <a:rPr lang="en-US" altLang="zh-CN" sz="1400" dirty="0"/>
               <a:t>			</a:t>
             </a:r>
-            <a:endParaRPr lang="en-US" altLang="zh-CN" sz="1400" dirty="0"/>
           </a:p>
           <a:p>
             <a:pPr>
@@ -19937,7 +20028,6 @@
               <a:rPr lang="en-US" altLang="zh-CN" sz="1400" dirty="0"/>
               <a:t>);</a:t>
             </a:r>
-            <a:endParaRPr lang="en-US" altLang="zh-CN" sz="1400" dirty="0"/>
           </a:p>
           <a:p>
             <a:pPr>
@@ -20259,9 +20349,11 @@
       </a:bgFillStyleLst>
     </a:fmtScheme>
   </a:themeElements>
+  <a:objectDefaults/>
+  <a:extraClrSchemeLst/>
   <a:extLst>
     <a:ext uri="{05A4C25C-085E-4340-85A3-A5531E510DB2}">
-      <thm15:themeFamily xmlns:thm15="http://schemas.microsoft.com/office/thememl/2012/main" name="Office Theme" id="{62F939B6-93AF-4DB8-9C6B-D6C7DFDC589F}" vid="{4A3C46E8-61CC-4603-A589-7422A47A8E4A}"/>
+      <thm15:themeFamily xmlns:thm15="http://schemas.microsoft.com/office/thememl/2012/main" xmlns="" name="Office Theme" id="{62F939B6-93AF-4DB8-9C6B-D6C7DFDC589F}" vid="{4A3C46E8-61CC-4603-A589-7422A47A8E4A}"/>
     </a:ext>
   </a:extLst>
 </a:theme>
@@ -20547,9 +20639,11 @@
       </a:bgFillStyleLst>
     </a:fmtScheme>
   </a:themeElements>
+  <a:objectDefaults/>
+  <a:extraClrSchemeLst/>
   <a:extLst>
     <a:ext uri="{05A4C25C-085E-4340-85A3-A5531E510DB2}">
-      <thm15:themeFamily xmlns:thm15="http://schemas.microsoft.com/office/thememl/2012/main" name="Office Theme" id="{62F939B6-93AF-4DB8-9C6B-D6C7DFDC589F}" vid="{4A3C46E8-61CC-4603-A589-7422A47A8E4A}"/>
+      <thm15:themeFamily xmlns:thm15="http://schemas.microsoft.com/office/thememl/2012/main" xmlns="" name="Office Theme" id="{62F939B6-93AF-4DB8-9C6B-D6C7DFDC589F}" vid="{4A3C46E8-61CC-4603-A589-7422A47A8E4A}"/>
     </a:ext>
   </a:extLst>
 </a:theme>
@@ -20835,9 +20929,11 @@
       </a:bgFillStyleLst>
     </a:fmtScheme>
   </a:themeElements>
+  <a:objectDefaults/>
+  <a:extraClrSchemeLst/>
   <a:extLst>
     <a:ext uri="{05A4C25C-085E-4340-85A3-A5531E510DB2}">
-      <thm15:themeFamily xmlns:thm15="http://schemas.microsoft.com/office/thememl/2012/main" name="Office Theme" id="{62F939B6-93AF-4DB8-9C6B-D6C7DFDC589F}" vid="{4A3C46E8-61CC-4603-A589-7422A47A8E4A}"/>
+      <thm15:themeFamily xmlns:thm15="http://schemas.microsoft.com/office/thememl/2012/main" xmlns="" name="Office Theme" id="{62F939B6-93AF-4DB8-9C6B-D6C7DFDC589F}" vid="{4A3C46E8-61CC-4603-A589-7422A47A8E4A}"/>
     </a:ext>
   </a:extLst>
 </a:theme>

--- a/SoftEngine/doc/SoftwareRender.pptx
+++ b/SoftEngine/doc/SoftwareRender.pptx
@@ -7534,6 +7534,20 @@
 <file path=ppt/slides/slide1.xml><?xml version="1.0" encoding="utf-8"?>
 <p:sld xmlns:a="http://schemas.openxmlformats.org/drawingml/2006/main" xmlns:r="http://schemas.openxmlformats.org/officeDocument/2006/relationships" xmlns:p="http://schemas.openxmlformats.org/presentationml/2006/main">
   <p:cSld>
+    <p:bg>
+      <p:bgPr>
+        <a:blipFill dpi="0" rotWithShape="1">
+          <a:blip r:embed="rId2">
+            <a:lum/>
+          </a:blip>
+          <a:srcRect/>
+          <a:stretch>
+            <a:fillRect/>
+          </a:stretch>
+        </a:blipFill>
+        <a:effectLst/>
+      </p:bgPr>
+    </p:bg>
     <p:spTree>
       <p:nvGrpSpPr>
         <p:cNvPr id="1" name=""/>
@@ -7550,47 +7564,247 @@
       </p:grpSpPr>
       <p:sp>
         <p:nvSpPr>
-          <p:cNvPr id="2" name="标题 1"/>
-          <p:cNvSpPr>
-            <a:spLocks noGrp="1"/>
-          </p:cNvSpPr>
-          <p:nvPr>
-            <p:ph type="ctrTitle"/>
-          </p:nvPr>
-        </p:nvSpPr>
-        <p:spPr/>
-        <p:txBody>
-          <a:bodyPr/>
+          <p:cNvPr id="8" name="矩形 7"/>
+          <p:cNvSpPr/>
+          <p:nvPr/>
+        </p:nvSpPr>
+        <p:spPr>
+          <a:xfrm>
+            <a:off x="1748536" y="2420888"/>
+            <a:ext cx="2967480" cy="923330"/>
+          </a:xfrm>
+          <a:prstGeom prst="rect">
+            <a:avLst/>
+          </a:prstGeom>
+          <a:noFill/>
+        </p:spPr>
+        <p:txBody>
+          <a:bodyPr wrap="none" lIns="91440" tIns="45720" rIns="91440" bIns="45720">
+            <a:spAutoFit/>
+          </a:bodyPr>
           <a:lstStyle/>
           <a:p>
-            <a:r>
-              <a:rPr lang="zh-CN" altLang="en-US" dirty="0" smtClean="0"/>
+            <a:pPr algn="ctr"/>
+            <a:r>
+              <a:rPr lang="zh-CN" altLang="en-US" sz="5400" b="1" cap="none" spc="0" dirty="0" smtClean="0">
+                <a:ln w="10541" cmpd="sng">
+                  <a:solidFill>
+                    <a:schemeClr val="accent1">
+                      <a:shade val="88000"/>
+                      <a:satMod val="110000"/>
+                    </a:schemeClr>
+                  </a:solidFill>
+                  <a:prstDash val="solid"/>
+                </a:ln>
+                <a:gradFill>
+                  <a:gsLst>
+                    <a:gs pos="0">
+                      <a:schemeClr val="accent1">
+                        <a:tint val="40000"/>
+                        <a:satMod val="250000"/>
+                      </a:schemeClr>
+                    </a:gs>
+                    <a:gs pos="9000">
+                      <a:schemeClr val="accent1">
+                        <a:tint val="52000"/>
+                        <a:satMod val="300000"/>
+                      </a:schemeClr>
+                    </a:gs>
+                    <a:gs pos="50000">
+                      <a:schemeClr val="accent1">
+                        <a:shade val="20000"/>
+                        <a:satMod val="300000"/>
+                      </a:schemeClr>
+                    </a:gs>
+                    <a:gs pos="79000">
+                      <a:schemeClr val="accent1">
+                        <a:tint val="52000"/>
+                        <a:satMod val="300000"/>
+                      </a:schemeClr>
+                    </a:gs>
+                    <a:gs pos="100000">
+                      <a:schemeClr val="accent1">
+                        <a:tint val="40000"/>
+                        <a:satMod val="250000"/>
+                      </a:schemeClr>
+                    </a:gs>
+                  </a:gsLst>
+                  <a:lin ang="5400000"/>
+                </a:gradFill>
+                <a:effectLst/>
+              </a:rPr>
               <a:t>软件渲染</a:t>
             </a:r>
-            <a:endParaRPr lang="zh-CN" altLang="en-US" dirty="0"/>
-          </a:p>
-        </p:txBody>
-      </p:sp>
-      <p:sp>
-        <p:nvSpPr>
-          <p:cNvPr id="3" name="副标题 2"/>
-          <p:cNvSpPr>
-            <a:spLocks noGrp="1"/>
-          </p:cNvSpPr>
-          <p:nvPr>
-            <p:ph type="subTitle" idx="1"/>
-          </p:nvPr>
-        </p:nvSpPr>
-        <p:spPr/>
-        <p:txBody>
-          <a:bodyPr/>
+            <a:endParaRPr lang="zh-CN" altLang="en-US" sz="5400" b="1" cap="none" spc="0" dirty="0">
+              <a:ln w="10541" cmpd="sng">
+                <a:solidFill>
+                  <a:schemeClr val="accent1">
+                    <a:shade val="88000"/>
+                    <a:satMod val="110000"/>
+                  </a:schemeClr>
+                </a:solidFill>
+                <a:prstDash val="solid"/>
+              </a:ln>
+              <a:gradFill>
+                <a:gsLst>
+                  <a:gs pos="0">
+                    <a:schemeClr val="accent1">
+                      <a:tint val="40000"/>
+                      <a:satMod val="250000"/>
+                    </a:schemeClr>
+                  </a:gs>
+                  <a:gs pos="9000">
+                    <a:schemeClr val="accent1">
+                      <a:tint val="52000"/>
+                      <a:satMod val="300000"/>
+                    </a:schemeClr>
+                  </a:gs>
+                  <a:gs pos="50000">
+                    <a:schemeClr val="accent1">
+                      <a:shade val="20000"/>
+                      <a:satMod val="300000"/>
+                    </a:schemeClr>
+                  </a:gs>
+                  <a:gs pos="79000">
+                    <a:schemeClr val="accent1">
+                      <a:tint val="52000"/>
+                      <a:satMod val="300000"/>
+                    </a:schemeClr>
+                  </a:gs>
+                  <a:gs pos="100000">
+                    <a:schemeClr val="accent1">
+                      <a:tint val="40000"/>
+                      <a:satMod val="250000"/>
+                    </a:schemeClr>
+                  </a:gs>
+                </a:gsLst>
+                <a:lin ang="5400000"/>
+              </a:gradFill>
+              <a:effectLst/>
+            </a:endParaRPr>
+          </a:p>
+        </p:txBody>
+      </p:sp>
+      <p:sp>
+        <p:nvSpPr>
+          <p:cNvPr id="11" name="矩形 10"/>
+          <p:cNvSpPr/>
+          <p:nvPr/>
+        </p:nvSpPr>
+        <p:spPr>
+          <a:xfrm>
+            <a:off x="2380119" y="3501008"/>
+            <a:ext cx="1704313" cy="707886"/>
+          </a:xfrm>
+          <a:prstGeom prst="rect">
+            <a:avLst/>
+          </a:prstGeom>
+          <a:noFill/>
+        </p:spPr>
+        <p:txBody>
+          <a:bodyPr wrap="none" lIns="91440" tIns="45720" rIns="91440" bIns="45720">
+            <a:spAutoFit/>
+          </a:bodyPr>
           <a:lstStyle/>
           <a:p>
-            <a:r>
-              <a:rPr lang="en-US" altLang="zh-CN" dirty="0" smtClean="0"/>
-              <a:t>2017.7</a:t>
-            </a:r>
-            <a:endParaRPr lang="zh-CN" altLang="en-US" dirty="0"/>
+            <a:pPr algn="ctr"/>
+            <a:r>
+              <a:rPr lang="en-US" altLang="zh-CN" sz="4000" b="1" cap="none" spc="0" dirty="0" smtClean="0">
+                <a:ln w="10541" cmpd="sng">
+                  <a:solidFill>
+                    <a:schemeClr val="accent1">
+                      <a:shade val="88000"/>
+                      <a:satMod val="110000"/>
+                    </a:schemeClr>
+                  </a:solidFill>
+                  <a:prstDash val="solid"/>
+                </a:ln>
+                <a:gradFill>
+                  <a:gsLst>
+                    <a:gs pos="0">
+                      <a:schemeClr val="accent1">
+                        <a:tint val="40000"/>
+                        <a:satMod val="250000"/>
+                      </a:schemeClr>
+                    </a:gs>
+                    <a:gs pos="9000">
+                      <a:schemeClr val="accent1">
+                        <a:tint val="52000"/>
+                        <a:satMod val="300000"/>
+                      </a:schemeClr>
+                    </a:gs>
+                    <a:gs pos="50000">
+                      <a:schemeClr val="accent1">
+                        <a:shade val="20000"/>
+                        <a:satMod val="300000"/>
+                      </a:schemeClr>
+                    </a:gs>
+                    <a:gs pos="79000">
+                      <a:schemeClr val="accent1">
+                        <a:tint val="52000"/>
+                        <a:satMod val="300000"/>
+                      </a:schemeClr>
+                    </a:gs>
+                    <a:gs pos="100000">
+                      <a:schemeClr val="accent1">
+                        <a:tint val="40000"/>
+                        <a:satMod val="250000"/>
+                      </a:schemeClr>
+                    </a:gs>
+                  </a:gsLst>
+                  <a:lin ang="5400000"/>
+                </a:gradFill>
+                <a:effectLst/>
+              </a:rPr>
+              <a:t>2017/7</a:t>
+            </a:r>
+            <a:endParaRPr lang="zh-CN" altLang="en-US" sz="4000" b="1" cap="none" spc="0" dirty="0">
+              <a:ln w="10541" cmpd="sng">
+                <a:solidFill>
+                  <a:schemeClr val="accent1">
+                    <a:shade val="88000"/>
+                    <a:satMod val="110000"/>
+                  </a:schemeClr>
+                </a:solidFill>
+                <a:prstDash val="solid"/>
+              </a:ln>
+              <a:gradFill>
+                <a:gsLst>
+                  <a:gs pos="0">
+                    <a:schemeClr val="accent1">
+                      <a:tint val="40000"/>
+                      <a:satMod val="250000"/>
+                    </a:schemeClr>
+                  </a:gs>
+                  <a:gs pos="9000">
+                    <a:schemeClr val="accent1">
+                      <a:tint val="52000"/>
+                      <a:satMod val="300000"/>
+                    </a:schemeClr>
+                  </a:gs>
+                  <a:gs pos="50000">
+                    <a:schemeClr val="accent1">
+                      <a:shade val="20000"/>
+                      <a:satMod val="300000"/>
+                    </a:schemeClr>
+                  </a:gs>
+                  <a:gs pos="79000">
+                    <a:schemeClr val="accent1">
+                      <a:tint val="52000"/>
+                      <a:satMod val="300000"/>
+                    </a:schemeClr>
+                  </a:gs>
+                  <a:gs pos="100000">
+                    <a:schemeClr val="accent1">
+                      <a:tint val="40000"/>
+                      <a:satMod val="250000"/>
+                    </a:schemeClr>
+                  </a:gs>
+                </a:gsLst>
+                <a:lin ang="5400000"/>
+              </a:gradFill>
+              <a:effectLst/>
+            </a:endParaRPr>
           </a:p>
         </p:txBody>
       </p:sp>
@@ -7934,6 +8148,51 @@
             </a:r>
             <a:r>
               <a:rPr lang="en-US" altLang="zh-CN" sz="1600" dirty="0" smtClean="0"/>
+              <a:t> = </a:t>
+            </a:r>
+            <a:r>
+              <a:rPr lang="en-US" altLang="zh-CN" sz="1600" dirty="0" err="1" smtClean="0"/>
+              <a:t>dx</a:t>
+            </a:r>
+            <a:r>
+              <a:rPr lang="en-US" altLang="zh-CN" sz="1600" baseline="-25000" dirty="0" err="1"/>
+              <a:t>L</a:t>
+            </a:r>
+            <a:r>
+              <a:rPr lang="en-US" altLang="zh-CN" sz="1600" dirty="0" smtClean="0"/>
+              <a:t> / </a:t>
+            </a:r>
+            <a:r>
+              <a:rPr lang="en-US" altLang="zh-CN" sz="1600" dirty="0" err="1" smtClean="0"/>
+              <a:t>dy</a:t>
+            </a:r>
+            <a:r>
+              <a:rPr lang="en-US" altLang="zh-CN" sz="1600" baseline="-25000" dirty="0" err="1" smtClean="0"/>
+              <a:t>L</a:t>
+            </a:r>
+            <a:r>
+              <a:rPr lang="en-US" altLang="zh-CN" sz="1600" baseline="-25000" dirty="0" smtClean="0"/>
+              <a:t>;</a:t>
+            </a:r>
+            <a:r>
+              <a:rPr lang="en-US" altLang="zh-CN" sz="1600" dirty="0" smtClean="0"/>
+              <a:t>  </a:t>
+            </a:r>
+          </a:p>
+          <a:p>
+            <a:pPr lvl="1">
+              <a:buNone/>
+            </a:pPr>
+            <a:r>
+              <a:rPr lang="en-US" altLang="zh-CN" sz="1600" dirty="0" err="1" smtClean="0"/>
+              <a:t>rate</a:t>
+            </a:r>
+            <a:r>
+              <a:rPr lang="en-US" altLang="zh-CN" sz="1600" baseline="-25000" dirty="0" err="1" smtClean="0"/>
+              <a:t>R</a:t>
+            </a:r>
+            <a:r>
+              <a:rPr lang="en-US" altLang="zh-CN" sz="1600" baseline="-25000" dirty="0" smtClean="0"/>
               <a:t> </a:t>
             </a:r>
             <a:r>
@@ -7945,16 +8204,12 @@
               <a:t>dx</a:t>
             </a:r>
             <a:r>
-              <a:rPr lang="en-US" altLang="zh-CN" sz="1600" baseline="-25000" dirty="0" err="1"/>
-              <a:t>L</a:t>
+              <a:rPr lang="en-US" altLang="zh-CN" sz="1600" baseline="-25000" dirty="0" err="1" smtClean="0"/>
+              <a:t>R</a:t>
             </a:r>
             <a:r>
               <a:rPr lang="en-US" altLang="zh-CN" sz="1600" dirty="0" smtClean="0"/>
-              <a:t> </a:t>
-            </a:r>
-            <a:r>
-              <a:rPr lang="en-US" altLang="zh-CN" sz="1600" dirty="0" smtClean="0"/>
-              <a:t>/ </a:t>
+              <a:t> / </a:t>
             </a:r>
             <a:r>
               <a:rPr lang="en-US" altLang="zh-CN" sz="1600" dirty="0" err="1" smtClean="0"/>
@@ -7962,244 +8217,194 @@
             </a:r>
             <a:r>
               <a:rPr lang="en-US" altLang="zh-CN" sz="1600" baseline="-25000" dirty="0" err="1" smtClean="0"/>
+              <a:t>R</a:t>
+            </a:r>
+            <a:r>
+              <a:rPr lang="en-US" altLang="zh-CN" sz="1600" dirty="0" smtClean="0"/>
+              <a:t>;</a:t>
+            </a:r>
+          </a:p>
+          <a:p>
+            <a:pPr lvl="1">
+              <a:buNone/>
+            </a:pPr>
+            <a:r>
+              <a:rPr lang="en-US" altLang="zh-CN" sz="1600" dirty="0" err="1" smtClean="0"/>
+              <a:t>v</a:t>
+            </a:r>
+            <a:r>
+              <a:rPr lang="en-US" altLang="zh-CN" sz="1600" baseline="-25000" dirty="0" err="1" smtClean="0"/>
               <a:t>L</a:t>
             </a:r>
             <a:r>
+              <a:rPr lang="en-US" altLang="zh-CN" sz="1600" dirty="0" err="1" smtClean="0"/>
+              <a:t>.x</a:t>
+            </a:r>
+            <a:r>
+              <a:rPr lang="en-US" altLang="zh-CN" sz="1600" dirty="0" smtClean="0"/>
+              <a:t> = </a:t>
+            </a:r>
+            <a:r>
+              <a:rPr lang="en-US" altLang="zh-CN" sz="1600" dirty="0" err="1" smtClean="0"/>
+              <a:t>v</a:t>
+            </a:r>
+            <a:r>
+              <a:rPr lang="en-US" altLang="zh-CN" sz="1600" baseline="-25000" dirty="0" err="1" smtClean="0"/>
+              <a:t>R</a:t>
+            </a:r>
+            <a:r>
+              <a:rPr lang="en-US" altLang="zh-CN" sz="1600" dirty="0" err="1" smtClean="0"/>
+              <a:t>.x</a:t>
+            </a:r>
+            <a:r>
+              <a:rPr lang="en-US" altLang="zh-CN" sz="1600" dirty="0" smtClean="0"/>
+              <a:t> = v</a:t>
+            </a:r>
+            <a:r>
               <a:rPr lang="en-US" altLang="zh-CN" sz="1600" baseline="-25000" dirty="0" smtClean="0"/>
-              <a:t>;</a:t>
+              <a:t>1</a:t>
             </a:r>
             <a:r>
               <a:rPr lang="en-US" altLang="zh-CN" sz="1600" dirty="0" smtClean="0"/>
-              <a:t>  </a:t>
+              <a:t>.x;</a:t>
             </a:r>
           </a:p>
           <a:p>
             <a:pPr lvl="1">
               <a:buNone/>
             </a:pPr>
+            <a:r>
+              <a:rPr lang="en-US" altLang="zh-CN" sz="1600" dirty="0" smtClean="0"/>
+              <a:t>for v</a:t>
+            </a:r>
+            <a:r>
+              <a:rPr lang="en-US" altLang="zh-CN" sz="1600" baseline="-25000" dirty="0" smtClean="0"/>
+              <a:t>1</a:t>
+            </a:r>
+            <a:r>
+              <a:rPr lang="en-US" altLang="zh-CN" sz="1600" dirty="0" smtClean="0"/>
+              <a:t>.y, v</a:t>
+            </a:r>
+            <a:r>
+              <a:rPr lang="en-US" altLang="zh-CN" sz="1600" baseline="-25000" dirty="0" smtClean="0"/>
+              <a:t>2</a:t>
+            </a:r>
+            <a:r>
+              <a:rPr lang="en-US" altLang="zh-CN" sz="1600" dirty="0" smtClean="0"/>
+              <a:t>.y do</a:t>
+            </a:r>
+          </a:p>
+          <a:p>
+            <a:pPr lvl="1">
+              <a:buNone/>
+            </a:pPr>
+            <a:r>
+              <a:rPr lang="en-US" altLang="zh-CN" sz="1600" dirty="0" smtClean="0"/>
+              <a:t>	</a:t>
+            </a:r>
+            <a:r>
+              <a:rPr lang="en-US" altLang="zh-CN" sz="1600" dirty="0" err="1" smtClean="0"/>
+              <a:t>DrawLine</a:t>
+            </a:r>
+            <a:r>
+              <a:rPr lang="en-US" altLang="zh-CN" sz="1600" dirty="0" smtClean="0"/>
+              <a:t>(</a:t>
+            </a:r>
+            <a:r>
+              <a:rPr lang="en-US" altLang="zh-CN" sz="1600" dirty="0" err="1" smtClean="0"/>
+              <a:t>v</a:t>
+            </a:r>
+            <a:r>
+              <a:rPr lang="en-US" altLang="zh-CN" sz="1600" baseline="-25000" dirty="0" err="1" smtClean="0"/>
+              <a:t>L</a:t>
+            </a:r>
+            <a:r>
+              <a:rPr lang="en-US" altLang="zh-CN" sz="1600" dirty="0" smtClean="0"/>
+              <a:t>, </a:t>
+            </a:r>
+            <a:r>
+              <a:rPr lang="en-US" altLang="zh-CN" sz="1600" dirty="0" err="1" smtClean="0"/>
+              <a:t>v</a:t>
+            </a:r>
+            <a:r>
+              <a:rPr lang="en-US" altLang="zh-CN" sz="1600" baseline="-25000" dirty="0" err="1" smtClean="0"/>
+              <a:t>R</a:t>
+            </a:r>
+            <a:r>
+              <a:rPr lang="en-US" altLang="zh-CN" sz="1600" dirty="0" smtClean="0"/>
+              <a:t>, color);</a:t>
+            </a:r>
+          </a:p>
+          <a:p>
+            <a:pPr lvl="1">
+              <a:buNone/>
+            </a:pPr>
+            <a:r>
+              <a:rPr lang="en-US" altLang="zh-CN" sz="1600" dirty="0"/>
+              <a:t>	</a:t>
+            </a:r>
+            <a:r>
+              <a:rPr lang="en-US" altLang="zh-CN" sz="1600" dirty="0" err="1" smtClean="0"/>
+              <a:t>v</a:t>
+            </a:r>
+            <a:r>
+              <a:rPr lang="en-US" altLang="zh-CN" sz="1600" baseline="-25000" dirty="0" err="1" smtClean="0"/>
+              <a:t>L</a:t>
+            </a:r>
+            <a:r>
+              <a:rPr lang="en-US" altLang="zh-CN" sz="1600" dirty="0" err="1" smtClean="0"/>
+              <a:t>.x</a:t>
+            </a:r>
+            <a:r>
+              <a:rPr lang="en-US" altLang="zh-CN" sz="1600" dirty="0" smtClean="0"/>
+              <a:t> += </a:t>
+            </a:r>
             <a:r>
               <a:rPr lang="en-US" altLang="zh-CN" sz="1600" dirty="0" err="1" smtClean="0"/>
               <a:t>rate</a:t>
             </a:r>
             <a:r>
               <a:rPr lang="en-US" altLang="zh-CN" sz="1600" baseline="-25000" dirty="0" err="1" smtClean="0"/>
-              <a:t>R</a:t>
-            </a:r>
-            <a:r>
-              <a:rPr lang="en-US" altLang="zh-CN" sz="1600" baseline="-25000" dirty="0" smtClean="0"/>
-              <a:t> </a:t>
+              <a:t>L</a:t>
             </a:r>
             <a:r>
               <a:rPr lang="en-US" altLang="zh-CN" sz="1600" dirty="0" smtClean="0"/>
-              <a:t>= </a:t>
+              <a:t>;</a:t>
+            </a:r>
+          </a:p>
+          <a:p>
+            <a:pPr lvl="1">
+              <a:buNone/>
+            </a:pPr>
+            <a:r>
+              <a:rPr lang="en-US" altLang="zh-CN" sz="1600" dirty="0"/>
+              <a:t>	</a:t>
             </a:r>
             <a:r>
               <a:rPr lang="en-US" altLang="zh-CN" sz="1600" dirty="0" err="1" smtClean="0"/>
-              <a:t>dx</a:t>
+              <a:t>v</a:t>
             </a:r>
             <a:r>
               <a:rPr lang="en-US" altLang="zh-CN" sz="1600" baseline="-25000" dirty="0" err="1" smtClean="0"/>
               <a:t>R</a:t>
             </a:r>
             <a:r>
+              <a:rPr lang="en-US" altLang="zh-CN" sz="1600" dirty="0" err="1" smtClean="0"/>
+              <a:t>.x</a:t>
+            </a:r>
+            <a:r>
               <a:rPr lang="en-US" altLang="zh-CN" sz="1600" dirty="0" smtClean="0"/>
-              <a:t> / </a:t>
+              <a:t> += </a:t>
             </a:r>
             <a:r>
               <a:rPr lang="en-US" altLang="zh-CN" sz="1600" dirty="0" err="1" smtClean="0"/>
-              <a:t>dy</a:t>
+              <a:t>rate</a:t>
             </a:r>
             <a:r>
               <a:rPr lang="en-US" altLang="zh-CN" sz="1600" baseline="-25000" dirty="0" err="1" smtClean="0"/>
               <a:t>R</a:t>
             </a:r>
             <a:r>
-              <a:rPr lang="en-US" altLang="zh-CN" sz="1600" dirty="0" smtClean="0"/>
-              <a:t>;</a:t>
-            </a:r>
-          </a:p>
-          <a:p>
-            <a:pPr lvl="1">
-              <a:buNone/>
-            </a:pPr>
-            <a:r>
-              <a:rPr lang="en-US" altLang="zh-CN" sz="1600" dirty="0" err="1" smtClean="0"/>
-              <a:t>v</a:t>
-            </a:r>
-            <a:r>
-              <a:rPr lang="en-US" altLang="zh-CN" sz="1600" baseline="-25000" dirty="0" err="1" smtClean="0"/>
-              <a:t>L</a:t>
-            </a:r>
-            <a:r>
-              <a:rPr lang="en-US" altLang="zh-CN" sz="1600" dirty="0" err="1" smtClean="0"/>
-              <a:t>.x</a:t>
-            </a:r>
-            <a:r>
-              <a:rPr lang="en-US" altLang="zh-CN" sz="1600" dirty="0" smtClean="0"/>
-              <a:t> = </a:t>
-            </a:r>
-            <a:r>
-              <a:rPr lang="en-US" altLang="zh-CN" sz="1600" dirty="0" err="1" smtClean="0"/>
-              <a:t>v</a:t>
-            </a:r>
-            <a:r>
-              <a:rPr lang="en-US" altLang="zh-CN" sz="1600" baseline="-25000" dirty="0" err="1" smtClean="0"/>
-              <a:t>R</a:t>
-            </a:r>
-            <a:r>
-              <a:rPr lang="en-US" altLang="zh-CN" sz="1600" dirty="0" err="1" smtClean="0"/>
-              <a:t>.x</a:t>
-            </a:r>
-            <a:r>
-              <a:rPr lang="en-US" altLang="zh-CN" sz="1600" dirty="0" smtClean="0"/>
-              <a:t> = v</a:t>
-            </a:r>
-            <a:r>
-              <a:rPr lang="en-US" altLang="zh-CN" sz="1600" baseline="-25000" dirty="0" smtClean="0"/>
-              <a:t>1</a:t>
-            </a:r>
-            <a:r>
-              <a:rPr lang="en-US" altLang="zh-CN" sz="1600" dirty="0" smtClean="0"/>
-              <a:t>.x;</a:t>
-            </a:r>
-            <a:endParaRPr lang="en-US" altLang="zh-CN" sz="1600" dirty="0" smtClean="0"/>
-          </a:p>
-          <a:p>
-            <a:pPr lvl="1">
-              <a:buNone/>
-            </a:pPr>
-            <a:r>
-              <a:rPr lang="en-US" altLang="zh-CN" sz="1600" dirty="0" smtClean="0"/>
-              <a:t>for v</a:t>
-            </a:r>
-            <a:r>
-              <a:rPr lang="en-US" altLang="zh-CN" sz="1600" baseline="-25000" dirty="0" smtClean="0"/>
-              <a:t>1</a:t>
-            </a:r>
-            <a:r>
-              <a:rPr lang="en-US" altLang="zh-CN" sz="1600" dirty="0" smtClean="0"/>
-              <a:t>.y, v</a:t>
-            </a:r>
-            <a:r>
-              <a:rPr lang="en-US" altLang="zh-CN" sz="1600" baseline="-25000" dirty="0" smtClean="0"/>
-              <a:t>2</a:t>
-            </a:r>
-            <a:r>
-              <a:rPr lang="en-US" altLang="zh-CN" sz="1600" dirty="0" smtClean="0"/>
-              <a:t>.y do</a:t>
-            </a:r>
-          </a:p>
-          <a:p>
-            <a:pPr lvl="1">
-              <a:buNone/>
-            </a:pPr>
-            <a:r>
-              <a:rPr lang="en-US" altLang="zh-CN" sz="1600" dirty="0" smtClean="0"/>
-              <a:t>	</a:t>
-            </a:r>
-            <a:r>
-              <a:rPr lang="en-US" altLang="zh-CN" sz="1600" dirty="0" err="1" smtClean="0"/>
-              <a:t>DrawLine</a:t>
-            </a:r>
-            <a:r>
-              <a:rPr lang="en-US" altLang="zh-CN" sz="1600" dirty="0" smtClean="0"/>
-              <a:t>(</a:t>
-            </a:r>
-            <a:r>
-              <a:rPr lang="en-US" altLang="zh-CN" sz="1600" dirty="0" err="1" smtClean="0"/>
-              <a:t>v</a:t>
-            </a:r>
-            <a:r>
-              <a:rPr lang="en-US" altLang="zh-CN" sz="1600" baseline="-25000" dirty="0" err="1" smtClean="0"/>
-              <a:t>L</a:t>
-            </a:r>
-            <a:r>
-              <a:rPr lang="en-US" altLang="zh-CN" sz="1600" dirty="0" smtClean="0"/>
-              <a:t>, </a:t>
-            </a:r>
-            <a:r>
-              <a:rPr lang="en-US" altLang="zh-CN" sz="1600" dirty="0" err="1" smtClean="0"/>
-              <a:t>v</a:t>
-            </a:r>
-            <a:r>
-              <a:rPr lang="en-US" altLang="zh-CN" sz="1600" baseline="-25000" dirty="0" err="1" smtClean="0"/>
-              <a:t>R</a:t>
-            </a:r>
-            <a:r>
-              <a:rPr lang="en-US" altLang="zh-CN" sz="1600" dirty="0" smtClean="0"/>
-              <a:t>, color);</a:t>
-            </a:r>
-          </a:p>
-          <a:p>
-            <a:pPr lvl="1">
-              <a:buNone/>
-            </a:pPr>
-            <a:r>
-              <a:rPr lang="en-US" altLang="zh-CN" sz="1600" dirty="0"/>
-              <a:t>	</a:t>
-            </a:r>
-            <a:r>
-              <a:rPr lang="en-US" altLang="zh-CN" sz="1600" dirty="0" err="1" smtClean="0"/>
-              <a:t>v</a:t>
-            </a:r>
-            <a:r>
-              <a:rPr lang="en-US" altLang="zh-CN" sz="1600" baseline="-25000" dirty="0" err="1" smtClean="0"/>
-              <a:t>L</a:t>
-            </a:r>
-            <a:r>
-              <a:rPr lang="en-US" altLang="zh-CN" sz="1600" dirty="0" err="1" smtClean="0"/>
-              <a:t>.x</a:t>
-            </a:r>
-            <a:r>
-              <a:rPr lang="en-US" altLang="zh-CN" sz="1600" dirty="0" smtClean="0"/>
-              <a:t> += </a:t>
-            </a:r>
-            <a:r>
-              <a:rPr lang="en-US" altLang="zh-CN" sz="1600" dirty="0" err="1" smtClean="0"/>
-              <a:t>rate</a:t>
-            </a:r>
-            <a:r>
-              <a:rPr lang="en-US" altLang="zh-CN" sz="1600" baseline="-25000" dirty="0" err="1" smtClean="0"/>
-              <a:t>L</a:t>
-            </a:r>
-            <a:r>
-              <a:rPr lang="en-US" altLang="zh-CN" sz="1600" dirty="0" smtClean="0"/>
-              <a:t>;</a:t>
-            </a:r>
-          </a:p>
-          <a:p>
-            <a:pPr lvl="1">
-              <a:buNone/>
-            </a:pPr>
-            <a:r>
-              <a:rPr lang="en-US" altLang="zh-CN" sz="1600" dirty="0"/>
-              <a:t>	</a:t>
-            </a:r>
-            <a:r>
-              <a:rPr lang="en-US" altLang="zh-CN" sz="1600" dirty="0" err="1" smtClean="0"/>
-              <a:t>v</a:t>
-            </a:r>
-            <a:r>
-              <a:rPr lang="en-US" altLang="zh-CN" sz="1600" baseline="-25000" dirty="0" err="1" smtClean="0"/>
-              <a:t>R</a:t>
-            </a:r>
-            <a:r>
-              <a:rPr lang="en-US" altLang="zh-CN" sz="1600" dirty="0" err="1" smtClean="0"/>
-              <a:t>.x</a:t>
-            </a:r>
-            <a:r>
-              <a:rPr lang="en-US" altLang="zh-CN" sz="1600" dirty="0" smtClean="0"/>
-              <a:t> += </a:t>
-            </a:r>
-            <a:r>
-              <a:rPr lang="en-US" altLang="zh-CN" sz="1600" dirty="0" err="1" smtClean="0"/>
-              <a:t>rate</a:t>
-            </a:r>
-            <a:r>
-              <a:rPr lang="en-US" altLang="zh-CN" sz="1600" baseline="-25000" dirty="0" err="1" smtClean="0"/>
-              <a:t>R</a:t>
-            </a:r>
-            <a:r>
               <a:rPr lang="en-US" altLang="zh-CN" sz="1600" dirty="0"/>
               <a:t>;</a:t>
             </a:r>
@@ -8212,7 +8417,6 @@
               <a:rPr lang="en-US" altLang="zh-CN" sz="1600" dirty="0" smtClean="0"/>
               <a:t>end </a:t>
             </a:r>
-            <a:endParaRPr lang="en-US" altLang="zh-CN" sz="1600" dirty="0" smtClean="0"/>
           </a:p>
           <a:p>
             <a:pPr>
@@ -13863,29 +14067,17 @@
           <a:p>
             <a:r>
               <a:rPr lang="zh-CN" altLang="en-US" sz="2000" dirty="0" smtClean="0"/>
-              <a:t>在透视投影下，这里</a:t>
-            </a:r>
+              <a:t>在透视投影下，这里的插值其实是要做透视校</a:t>
+            </a:r>
+            <a:endParaRPr lang="en-US" altLang="zh-CN" sz="2000" dirty="0" smtClean="0"/>
+          </a:p>
+          <a:p>
+            <a:pPr marL="0" indent="0">
+              <a:buNone/>
+            </a:pPr>
             <a:r>
               <a:rPr lang="zh-CN" altLang="en-US" sz="2000" dirty="0" smtClean="0"/>
-              <a:t>的插值其实是要做透视</a:t>
-            </a:r>
-            <a:r>
-              <a:rPr lang="zh-CN" altLang="en-US" sz="2000" dirty="0" smtClean="0"/>
-              <a:t>校</a:t>
-            </a:r>
-            <a:endParaRPr lang="en-US" altLang="zh-CN" sz="2000" dirty="0" smtClean="0"/>
-          </a:p>
-          <a:p>
-            <a:pPr marL="0" indent="0">
-              <a:buNone/>
-            </a:pPr>
-            <a:r>
-              <a:rPr lang="zh-CN" altLang="en-US" sz="2000" dirty="0" smtClean="0"/>
-              <a:t>正</a:t>
-            </a:r>
-            <a:r>
-              <a:rPr lang="zh-CN" altLang="en-US" sz="2000" dirty="0" smtClean="0"/>
-              <a:t>的，后面讲到。</a:t>
+              <a:t>正的，后面讲到。</a:t>
             </a:r>
           </a:p>
           <a:p>
@@ -14355,11 +14547,7 @@
             </a:r>
             <a:r>
               <a:rPr lang="en-US" altLang="zh-CN" sz="1600" dirty="0" smtClean="0"/>
-              <a:t>] </a:t>
-            </a:r>
-            <a:r>
-              <a:rPr lang="en-US" altLang="zh-CN" sz="1600" dirty="0" smtClean="0"/>
-              <a:t>then //</a:t>
+              <a:t>] then //</a:t>
             </a:r>
             <a:r>
               <a:rPr lang="zh-CN" altLang="en-US" sz="1600" dirty="0" smtClean="0"/>
@@ -15685,7 +15873,7 @@
             </a:r>
             <a:r>
               <a:rPr lang="zh-CN" altLang="en-US" sz="2000" dirty="0" smtClean="0"/>
-              <a:t>！</a:t>
+              <a:t>（豪言壮语）！</a:t>
             </a:r>
             <a:endParaRPr lang="zh-CN" altLang="en-US" sz="2000" dirty="0"/>
           </a:p>
@@ -18733,11 +18921,7 @@
             </a:r>
             <a:r>
               <a:rPr lang="zh-CN" altLang="en-US" dirty="0" smtClean="0"/>
-              <a:t>游戏引擎设计：实时计算机图形学的应用</a:t>
-            </a:r>
-            <a:r>
-              <a:rPr lang="zh-CN" altLang="en-US" dirty="0" smtClean="0"/>
-              <a:t>方法</a:t>
+              <a:t>游戏引擎设计：实时计算机图形学的应用方法</a:t>
             </a:r>
             <a:endParaRPr lang="en-US" altLang="zh-CN" dirty="0" smtClean="0"/>
           </a:p>

--- a/SoftEngine/doc/SoftwareRender.pptx
+++ b/SoftEngine/doc/SoftwareRender.pptx
@@ -6,7 +6,7 @@
     <p:sldMasterId id="2147483660" r:id="rId2"/>
   </p:sldMasterIdLst>
   <p:notesMasterIdLst>
-    <p:notesMasterId r:id="rId57"/>
+    <p:notesMasterId r:id="rId54"/>
   </p:notesMasterIdLst>
   <p:sldIdLst>
     <p:sldId id="257" r:id="rId3"/>
@@ -26,43 +26,40 @@
     <p:sldId id="270" r:id="rId17"/>
     <p:sldId id="271" r:id="rId18"/>
     <p:sldId id="272" r:id="rId19"/>
-    <p:sldId id="273" r:id="rId20"/>
-    <p:sldId id="274" r:id="rId21"/>
-    <p:sldId id="275" r:id="rId22"/>
-    <p:sldId id="276" r:id="rId23"/>
-    <p:sldId id="277" r:id="rId24"/>
-    <p:sldId id="278" r:id="rId25"/>
-    <p:sldId id="279" r:id="rId26"/>
-    <p:sldId id="280" r:id="rId27"/>
-    <p:sldId id="281" r:id="rId28"/>
-    <p:sldId id="307" r:id="rId29"/>
-    <p:sldId id="282" r:id="rId30"/>
-    <p:sldId id="283" r:id="rId31"/>
-    <p:sldId id="284" r:id="rId32"/>
-    <p:sldId id="285" r:id="rId33"/>
-    <p:sldId id="286" r:id="rId34"/>
-    <p:sldId id="287" r:id="rId35"/>
-    <p:sldId id="288" r:id="rId36"/>
-    <p:sldId id="289" r:id="rId37"/>
-    <p:sldId id="290" r:id="rId38"/>
-    <p:sldId id="291" r:id="rId39"/>
-    <p:sldId id="292" r:id="rId40"/>
-    <p:sldId id="308" r:id="rId41"/>
-    <p:sldId id="309" r:id="rId42"/>
-    <p:sldId id="310" r:id="rId43"/>
-    <p:sldId id="293" r:id="rId44"/>
-    <p:sldId id="294" r:id="rId45"/>
-    <p:sldId id="295" r:id="rId46"/>
-    <p:sldId id="296" r:id="rId47"/>
-    <p:sldId id="297" r:id="rId48"/>
-    <p:sldId id="298" r:id="rId49"/>
-    <p:sldId id="299" r:id="rId50"/>
-    <p:sldId id="300" r:id="rId51"/>
-    <p:sldId id="301" r:id="rId52"/>
-    <p:sldId id="302" r:id="rId53"/>
-    <p:sldId id="303" r:id="rId54"/>
-    <p:sldId id="304" r:id="rId55"/>
-    <p:sldId id="305" r:id="rId56"/>
+    <p:sldId id="274" r:id="rId20"/>
+    <p:sldId id="275" r:id="rId21"/>
+    <p:sldId id="276" r:id="rId22"/>
+    <p:sldId id="277" r:id="rId23"/>
+    <p:sldId id="278" r:id="rId24"/>
+    <p:sldId id="279" r:id="rId25"/>
+    <p:sldId id="280" r:id="rId26"/>
+    <p:sldId id="281" r:id="rId27"/>
+    <p:sldId id="307" r:id="rId28"/>
+    <p:sldId id="282" r:id="rId29"/>
+    <p:sldId id="283" r:id="rId30"/>
+    <p:sldId id="284" r:id="rId31"/>
+    <p:sldId id="285" r:id="rId32"/>
+    <p:sldId id="288" r:id="rId33"/>
+    <p:sldId id="289" r:id="rId34"/>
+    <p:sldId id="290" r:id="rId35"/>
+    <p:sldId id="291" r:id="rId36"/>
+    <p:sldId id="292" r:id="rId37"/>
+    <p:sldId id="308" r:id="rId38"/>
+    <p:sldId id="309" r:id="rId39"/>
+    <p:sldId id="310" r:id="rId40"/>
+    <p:sldId id="293" r:id="rId41"/>
+    <p:sldId id="294" r:id="rId42"/>
+    <p:sldId id="295" r:id="rId43"/>
+    <p:sldId id="296" r:id="rId44"/>
+    <p:sldId id="297" r:id="rId45"/>
+    <p:sldId id="298" r:id="rId46"/>
+    <p:sldId id="299" r:id="rId47"/>
+    <p:sldId id="300" r:id="rId48"/>
+    <p:sldId id="301" r:id="rId49"/>
+    <p:sldId id="302" r:id="rId50"/>
+    <p:sldId id="303" r:id="rId51"/>
+    <p:sldId id="304" r:id="rId52"/>
+    <p:sldId id="305" r:id="rId53"/>
   </p:sldIdLst>
   <p:sldSz cx="9144000" cy="6858000" type="screen4x3"/>
   <p:notesSz cx="6858000" cy="9144000"/>
@@ -9006,7 +9003,7 @@
         <p:spPr/>
         <p:txBody>
           <a:bodyPr>
-            <a:normAutofit fontScale="92500" lnSpcReduction="20000"/>
+            <a:normAutofit/>
           </a:bodyPr>
           <a:lstStyle/>
           <a:p>
@@ -9025,261 +9022,369 @@
               <a:buNone/>
             </a:pPr>
             <a:r>
-              <a:rPr lang="zh-CN" altLang="en-US" dirty="0" smtClean="0"/>
+              <a:rPr lang="zh-CN" altLang="en-US" sz="2000" dirty="0" smtClean="0"/>
               <a:t>在</a:t>
             </a:r>
             <a:r>
-              <a:rPr lang="en-US" altLang="zh-CN" dirty="0" smtClean="0"/>
+              <a:rPr lang="en-US" altLang="zh-CN" sz="2000" dirty="0" smtClean="0"/>
               <a:t>x-y</a:t>
             </a:r>
             <a:r>
-              <a:rPr lang="zh-CN" altLang="en-US" dirty="0" smtClean="0"/>
-              <a:t>平面中的一个二维微量将其</a:t>
-            </a:r>
-            <a:r>
-              <a:rPr lang="en-US" altLang="zh-CN" dirty="0" smtClean="0"/>
+              <a:rPr lang="zh-CN" altLang="en-US" sz="2000" dirty="0" smtClean="0"/>
+              <a:t>平面中的一个二</a:t>
+            </a:r>
+            <a:r>
+              <a:rPr lang="zh-CN" altLang="en-US" sz="2000" dirty="0" smtClean="0"/>
+              <a:t>维单位向量</a:t>
+            </a:r>
+            <a:r>
+              <a:rPr lang="en-US" altLang="zh-CN" sz="2000" dirty="0" smtClean="0"/>
+              <a:t>P</a:t>
+            </a:r>
+            <a:r>
+              <a:rPr lang="zh-CN" altLang="en-US" sz="2000" dirty="0" smtClean="0"/>
+              <a:t>将</a:t>
+            </a:r>
+            <a:r>
+              <a:rPr lang="zh-CN" altLang="en-US" sz="2000" dirty="0" smtClean="0"/>
+              <a:t>其</a:t>
+            </a:r>
+            <a:r>
+              <a:rPr lang="en-US" altLang="zh-CN" sz="2000" dirty="0" smtClean="0"/>
               <a:t>x</a:t>
             </a:r>
             <a:r>
-              <a:rPr lang="zh-CN" altLang="en-US" dirty="0" smtClean="0"/>
+              <a:rPr lang="zh-CN" altLang="en-US" sz="2000" dirty="0" smtClean="0"/>
               <a:t>和</a:t>
             </a:r>
             <a:r>
-              <a:rPr lang="en-US" altLang="zh-CN" dirty="0" smtClean="0"/>
+              <a:rPr lang="en-US" altLang="zh-CN" sz="2000" dirty="0" smtClean="0"/>
               <a:t>y</a:t>
             </a:r>
             <a:r>
-              <a:rPr lang="zh-CN" altLang="en-US" dirty="0" smtClean="0"/>
+              <a:rPr lang="zh-CN" altLang="en-US" sz="2000" dirty="0" smtClean="0"/>
               <a:t>坐标变换，并将变换后的</a:t>
             </a:r>
             <a:r>
-              <a:rPr lang="en-US" altLang="zh-CN" dirty="0" smtClean="0"/>
+              <a:rPr lang="en-US" altLang="zh-CN" sz="2000" dirty="0" smtClean="0"/>
               <a:t>x</a:t>
             </a:r>
             <a:r>
-              <a:rPr lang="zh-CN" altLang="en-US" dirty="0" smtClean="0"/>
-              <a:t>坐标取反，即实现向量</a:t>
-            </a:r>
-            <a:r>
-              <a:rPr lang="en-US" altLang="zh-CN" dirty="0" smtClean="0"/>
+              <a:rPr lang="zh-CN" altLang="en-US" sz="2000" dirty="0" smtClean="0"/>
+              <a:t>坐标</a:t>
+            </a:r>
+            <a:r>
+              <a:rPr lang="zh-CN" altLang="en-US" sz="2000" dirty="0" smtClean="0"/>
+              <a:t>取反，即实现向量</a:t>
+            </a:r>
+            <a:r>
+              <a:rPr lang="en-US" altLang="zh-CN" sz="2000" dirty="0" smtClean="0"/>
               <a:t>P</a:t>
             </a:r>
             <a:r>
-              <a:rPr lang="zh-CN" altLang="en-US" dirty="0" smtClean="0"/>
+              <a:rPr lang="zh-CN" altLang="en-US" sz="2000" dirty="0" smtClean="0"/>
               <a:t>的</a:t>
             </a:r>
             <a:r>
-              <a:rPr lang="en-US" altLang="zh-CN" dirty="0" smtClean="0"/>
+              <a:rPr lang="en-US" altLang="zh-CN" sz="2000" dirty="0" smtClean="0"/>
               <a:t>90</a:t>
             </a:r>
             <a:r>
-              <a:rPr lang="zh-CN" altLang="en-US" dirty="0" smtClean="0"/>
-              <a:t>度逆时针旋转，旋转后的微量为</a:t>
-            </a:r>
-            <a:r>
-              <a:rPr lang="en-US" altLang="zh-CN" dirty="0" smtClean="0"/>
+              <a:rPr lang="zh-CN" altLang="en-US" sz="2000" dirty="0" smtClean="0"/>
+              <a:t>度逆时针旋转，旋转后</a:t>
+            </a:r>
+            <a:r>
+              <a:rPr lang="zh-CN" altLang="en-US" sz="2000" dirty="0" smtClean="0"/>
+              <a:t>的向量</a:t>
+            </a:r>
+            <a:r>
+              <a:rPr lang="zh-CN" altLang="en-US" sz="2000" dirty="0" smtClean="0"/>
+              <a:t>为</a:t>
+            </a:r>
+            <a:r>
+              <a:rPr lang="en-US" altLang="zh-CN" sz="2000" dirty="0" smtClean="0"/>
               <a:t>Q=&lt;-</a:t>
             </a:r>
             <a:r>
-              <a:rPr lang="en-US" altLang="zh-CN" dirty="0" err="1" smtClean="0"/>
+              <a:rPr lang="en-US" altLang="zh-CN" sz="2000" dirty="0" err="1" smtClean="0"/>
               <a:t>Py</a:t>
             </a:r>
             <a:r>
-              <a:rPr lang="en-US" altLang="zh-CN" dirty="0" smtClean="0"/>
+              <a:rPr lang="en-US" altLang="zh-CN" sz="2000" dirty="0" smtClean="0"/>
               <a:t>, </a:t>
             </a:r>
             <a:r>
-              <a:rPr lang="en-US" altLang="zh-CN" dirty="0" err="1" smtClean="0"/>
+              <a:rPr lang="en-US" altLang="zh-CN" sz="2000" dirty="0" err="1" smtClean="0"/>
               <a:t>Px</a:t>
             </a:r>
             <a:r>
-              <a:rPr lang="en-US" altLang="zh-CN" dirty="0" smtClean="0"/>
+              <a:rPr lang="en-US" altLang="zh-CN" sz="2000" dirty="0" smtClean="0"/>
               <a:t>&gt;</a:t>
             </a:r>
             <a:r>
-              <a:rPr lang="zh-CN" altLang="en-US" dirty="0" smtClean="0"/>
+              <a:rPr lang="zh-CN" altLang="en-US" sz="2000" dirty="0" smtClean="0"/>
               <a:t>，</a:t>
             </a:r>
             <a:r>
-              <a:rPr lang="en-US" altLang="zh-CN" dirty="0" smtClean="0"/>
+              <a:rPr lang="en-US" altLang="zh-CN" sz="2000" dirty="0" smtClean="0"/>
               <a:t>P</a:t>
             </a:r>
             <a:r>
-              <a:rPr lang="zh-CN" altLang="en-US" dirty="0" smtClean="0"/>
+              <a:rPr lang="zh-CN" altLang="en-US" sz="2000" dirty="0" smtClean="0"/>
               <a:t>和</a:t>
             </a:r>
             <a:r>
-              <a:rPr lang="en-US" altLang="zh-CN" dirty="0" smtClean="0"/>
+              <a:rPr lang="en-US" altLang="zh-CN" sz="2000" dirty="0" smtClean="0"/>
               <a:t>Q</a:t>
             </a:r>
             <a:r>
-              <a:rPr lang="zh-CN" altLang="en-US" dirty="0" smtClean="0"/>
+              <a:rPr lang="zh-CN" altLang="en-US" sz="2000" dirty="0" smtClean="0"/>
               <a:t>组成</a:t>
             </a:r>
             <a:r>
-              <a:rPr lang="en-US" altLang="zh-CN" dirty="0" smtClean="0"/>
+              <a:rPr lang="en-US" altLang="zh-CN" sz="2000" dirty="0" smtClean="0"/>
               <a:t>x-y</a:t>
             </a:r>
             <a:r>
-              <a:rPr lang="zh-CN" altLang="en-US" dirty="0" smtClean="0"/>
+              <a:rPr lang="zh-CN" altLang="en-US" sz="2000" dirty="0" smtClean="0"/>
               <a:t>平面的一个正交基。</a:t>
             </a:r>
             <a:r>
-              <a:rPr lang="en-US" altLang="zh-CN" dirty="0" smtClean="0"/>
+              <a:rPr lang="en-US" altLang="zh-CN" sz="2000" dirty="0" smtClean="0"/>
               <a:t>X-y</a:t>
             </a:r>
             <a:r>
-              <a:rPr lang="zh-CN" altLang="en-US" dirty="0" smtClean="0"/>
-              <a:t>平面中的任何向量都可表示成两个微量的线性组合。向量</a:t>
-            </a:r>
-            <a:r>
-              <a:rPr lang="en-US" altLang="zh-CN" dirty="0" smtClean="0"/>
+              <a:rPr lang="zh-CN" altLang="en-US" sz="2000" dirty="0" smtClean="0"/>
+              <a:t>平面中的任何向量都可表示成两</a:t>
+            </a:r>
+            <a:r>
+              <a:rPr lang="zh-CN" altLang="en-US" sz="2000" dirty="0" smtClean="0"/>
+              <a:t>个向量</a:t>
+            </a:r>
+            <a:r>
+              <a:rPr lang="zh-CN" altLang="en-US" sz="2000" dirty="0" smtClean="0"/>
+              <a:t>的线性组合。向量</a:t>
+            </a:r>
+            <a:r>
+              <a:rPr lang="en-US" altLang="zh-CN" sz="2000" dirty="0" smtClean="0"/>
               <a:t>P</a:t>
             </a:r>
             <a:r>
-              <a:rPr lang="zh-CN" altLang="en-US" dirty="0" smtClean="0"/>
+              <a:rPr lang="zh-CN" altLang="en-US" sz="2000" dirty="0" smtClean="0"/>
               <a:t>旋转</a:t>
             </a:r>
             <a:r>
-              <a:rPr lang="en-US" altLang="zh-CN" dirty="0" smtClean="0"/>
+              <a:rPr lang="en-US" altLang="zh-CN" sz="2000" dirty="0" smtClean="0"/>
               <a:t>θ</a:t>
             </a:r>
             <a:r>
-              <a:rPr lang="zh-CN" altLang="en-US" dirty="0" smtClean="0"/>
+              <a:rPr lang="zh-CN" altLang="en-US" sz="2000" dirty="0" smtClean="0"/>
               <a:t>角后得到</a:t>
             </a:r>
             <a:r>
-              <a:rPr lang="en-US" altLang="zh-CN" dirty="0" smtClean="0"/>
+              <a:rPr lang="en-US" altLang="zh-CN" sz="2000" dirty="0" smtClean="0"/>
               <a:t>P’, </a:t>
             </a:r>
             <a:r>
-              <a:rPr lang="zh-CN" altLang="en-US" dirty="0" smtClean="0"/>
+              <a:rPr lang="zh-CN" altLang="en-US" sz="2000" dirty="0" smtClean="0"/>
               <a:t>该微量可由分别与向量</a:t>
             </a:r>
             <a:r>
-              <a:rPr lang="en-US" altLang="zh-CN" dirty="0" smtClean="0"/>
+              <a:rPr lang="en-US" altLang="zh-CN" sz="2000" dirty="0" smtClean="0"/>
               <a:t>P</a:t>
             </a:r>
             <a:r>
-              <a:rPr lang="zh-CN" altLang="en-US" dirty="0" smtClean="0"/>
+              <a:rPr lang="zh-CN" altLang="en-US" sz="2000" dirty="0" smtClean="0"/>
               <a:t>和</a:t>
             </a:r>
             <a:r>
-              <a:rPr lang="en-US" altLang="zh-CN" dirty="0" smtClean="0"/>
+              <a:rPr lang="en-US" altLang="zh-CN" sz="2000" dirty="0" smtClean="0"/>
               <a:t>Q</a:t>
             </a:r>
             <a:r>
-              <a:rPr lang="zh-CN" altLang="en-US" dirty="0" smtClean="0"/>
-              <a:t>的平等的两个分量组成，即</a:t>
-            </a:r>
-            <a:endParaRPr lang="en-US" altLang="zh-CN" dirty="0" smtClean="0"/>
+              <a:rPr lang="zh-CN" altLang="en-US" sz="2000" dirty="0" smtClean="0"/>
+              <a:t>的</a:t>
+            </a:r>
+            <a:r>
+              <a:rPr lang="zh-CN" altLang="en-US" sz="2000" dirty="0" smtClean="0"/>
+              <a:t>平行的</a:t>
+            </a:r>
+            <a:r>
+              <a:rPr lang="zh-CN" altLang="en-US" sz="2000" dirty="0" smtClean="0"/>
+              <a:t>两个分量组成，即</a:t>
+            </a:r>
+            <a:endParaRPr lang="en-US" altLang="zh-CN" sz="2000" dirty="0" smtClean="0"/>
           </a:p>
           <a:p>
             <a:pPr lvl="1">
               <a:buNone/>
             </a:pPr>
             <a:r>
-              <a:rPr lang="en-US" altLang="zh-CN" dirty="0" smtClean="0"/>
+              <a:rPr lang="en-US" altLang="zh-CN" sz="2000" dirty="0" smtClean="0"/>
               <a:t>			P’ = </a:t>
             </a:r>
             <a:r>
-              <a:rPr lang="en-US" altLang="zh-CN" dirty="0" err="1" smtClean="0"/>
+              <a:rPr lang="en-US" altLang="zh-CN" sz="2000" dirty="0" err="1" smtClean="0"/>
               <a:t>Pcosθ</a:t>
             </a:r>
             <a:r>
-              <a:rPr lang="en-US" altLang="zh-CN" dirty="0" smtClean="0"/>
+              <a:rPr lang="en-US" altLang="zh-CN" sz="2000" dirty="0" smtClean="0"/>
               <a:t> + </a:t>
             </a:r>
             <a:r>
-              <a:rPr lang="en-US" altLang="zh-CN" dirty="0" err="1" smtClean="0"/>
+              <a:rPr lang="en-US" altLang="zh-CN" sz="2000" dirty="0" err="1" smtClean="0"/>
               <a:t>Qsinθ</a:t>
             </a:r>
-            <a:endParaRPr lang="en-US" altLang="zh-CN" dirty="0" smtClean="0"/>
+            <a:endParaRPr lang="en-US" altLang="zh-CN" sz="2000" dirty="0" smtClean="0"/>
           </a:p>
           <a:p>
             <a:pPr lvl="1">
               <a:buNone/>
             </a:pPr>
             <a:r>
-              <a:rPr lang="zh-CN" altLang="en-US" dirty="0" smtClean="0"/>
+              <a:rPr lang="zh-CN" altLang="en-US" sz="2000" dirty="0" smtClean="0"/>
               <a:t>向量</a:t>
             </a:r>
             <a:r>
-              <a:rPr lang="en-US" altLang="zh-CN" dirty="0" smtClean="0"/>
+              <a:rPr lang="en-US" altLang="zh-CN" sz="2000" dirty="0" smtClean="0"/>
               <a:t>P’</a:t>
             </a:r>
             <a:r>
-              <a:rPr lang="zh-CN" altLang="en-US" dirty="0" smtClean="0"/>
+              <a:rPr lang="zh-CN" altLang="en-US" sz="2000" dirty="0" smtClean="0"/>
               <a:t>的两个分量可以表示为</a:t>
             </a:r>
-            <a:endParaRPr lang="en-US" altLang="zh-CN" dirty="0" smtClean="0"/>
+            <a:endParaRPr lang="en-US" altLang="zh-CN" sz="2000" dirty="0" smtClean="0"/>
           </a:p>
           <a:p>
             <a:pPr lvl="1">
               <a:buNone/>
             </a:pPr>
             <a:r>
-              <a:rPr lang="en-US" altLang="zh-CN" dirty="0" smtClean="0"/>
+              <a:rPr lang="en-US" altLang="zh-CN" sz="2000" dirty="0" smtClean="0"/>
               <a:t>			</a:t>
             </a:r>
             <a:r>
-              <a:rPr lang="en-US" altLang="zh-CN" dirty="0" err="1" smtClean="0"/>
+              <a:rPr lang="en-US" altLang="zh-CN" sz="2000" dirty="0" err="1" smtClean="0"/>
               <a:t>P’x</a:t>
             </a:r>
             <a:r>
-              <a:rPr lang="en-US" altLang="zh-CN" dirty="0" smtClean="0"/>
+              <a:rPr lang="en-US" altLang="zh-CN" sz="2000" dirty="0" smtClean="0"/>
               <a:t> = </a:t>
             </a:r>
             <a:r>
-              <a:rPr lang="en-US" altLang="zh-CN" dirty="0" err="1" smtClean="0"/>
+              <a:rPr lang="en-US" altLang="zh-CN" sz="2000" dirty="0" err="1" smtClean="0"/>
               <a:t>Pxcosθ</a:t>
             </a:r>
             <a:r>
-              <a:rPr lang="en-US" altLang="zh-CN" dirty="0" smtClean="0"/>
+              <a:rPr lang="en-US" altLang="zh-CN" sz="2000" dirty="0" smtClean="0"/>
               <a:t> – </a:t>
             </a:r>
             <a:r>
-              <a:rPr lang="en-US" altLang="zh-CN" dirty="0" err="1" smtClean="0"/>
+              <a:rPr lang="en-US" altLang="zh-CN" sz="2000" dirty="0" err="1" smtClean="0"/>
               <a:t>Pysinθ</a:t>
             </a:r>
-            <a:endParaRPr lang="en-US" altLang="zh-CN" dirty="0" smtClean="0"/>
+            <a:endParaRPr lang="en-US" altLang="zh-CN" sz="2000" dirty="0" smtClean="0"/>
           </a:p>
           <a:p>
             <a:pPr lvl="1">
               <a:buNone/>
             </a:pPr>
             <a:r>
-              <a:rPr lang="en-US" altLang="zh-CN" dirty="0" smtClean="0"/>
+              <a:rPr lang="en-US" altLang="zh-CN" sz="2000" dirty="0" smtClean="0"/>
               <a:t>			</a:t>
             </a:r>
             <a:r>
-              <a:rPr lang="en-US" altLang="zh-CN" dirty="0" err="1" smtClean="0"/>
+              <a:rPr lang="en-US" altLang="zh-CN" sz="2000" dirty="0" err="1" smtClean="0"/>
               <a:t>P’y</a:t>
             </a:r>
             <a:r>
-              <a:rPr lang="en-US" altLang="zh-CN" dirty="0" smtClean="0"/>
+              <a:rPr lang="en-US" altLang="zh-CN" sz="2000" dirty="0" smtClean="0"/>
               <a:t> = </a:t>
             </a:r>
             <a:r>
-              <a:rPr lang="en-US" altLang="zh-CN" dirty="0" err="1" smtClean="0"/>
+              <a:rPr lang="en-US" altLang="zh-CN" sz="2000" dirty="0" err="1" smtClean="0"/>
               <a:t>Pysinθ</a:t>
             </a:r>
             <a:r>
-              <a:rPr lang="en-US" altLang="zh-CN" dirty="0" smtClean="0"/>
+              <a:rPr lang="en-US" altLang="zh-CN" sz="2000" dirty="0" smtClean="0"/>
               <a:t> + </a:t>
             </a:r>
             <a:r>
-              <a:rPr lang="en-US" altLang="zh-CN" dirty="0" err="1" smtClean="0"/>
+              <a:rPr lang="en-US" altLang="zh-CN" sz="2000" dirty="0" err="1" smtClean="0"/>
               <a:t>Pxcosθ</a:t>
             </a:r>
             <a:r>
-              <a:rPr lang="en-US" altLang="zh-CN" dirty="0" smtClean="0"/>
+              <a:rPr lang="en-US" altLang="zh-CN" sz="2000" dirty="0" smtClean="0"/>
               <a:t> </a:t>
             </a:r>
-            <a:endParaRPr lang="zh-CN" altLang="en-US" dirty="0"/>
-          </a:p>
-        </p:txBody>
-      </p:sp>
+            <a:endParaRPr lang="zh-CN" altLang="en-US" sz="2000" dirty="0"/>
+          </a:p>
+        </p:txBody>
+      </p:sp>
+      <p:pic>
+        <p:nvPicPr>
+          <p:cNvPr id="1026" name="Picture 2"/>
+          <p:cNvPicPr>
+            <a:picLocks noChangeAspect="1" noChangeArrowheads="1"/>
+          </p:cNvPicPr>
+          <p:nvPr/>
+        </p:nvPicPr>
+        <p:blipFill>
+          <a:blip r:embed="rId2">
+            <a:extLst>
+              <a:ext uri="{28A0092B-C50C-407E-A947-70E740481C1C}">
+                <a14:useLocalDpi xmlns:a14="http://schemas.microsoft.com/office/drawing/2010/main" val="0"/>
+              </a:ext>
+            </a:extLst>
+          </a:blip>
+          <a:srcRect/>
+          <a:stretch>
+            <a:fillRect/>
+          </a:stretch>
+        </p:blipFill>
+        <p:spPr bwMode="auto">
+          <a:xfrm>
+            <a:off x="5940152" y="3717032"/>
+            <a:ext cx="2520280" cy="1979652"/>
+          </a:xfrm>
+          <a:prstGeom prst="rect">
+            <a:avLst/>
+          </a:prstGeom>
+          <a:noFill/>
+          <a:ln>
+            <a:noFill/>
+          </a:ln>
+          <a:effectLst/>
+          <a:extLst>
+            <a:ext uri="{909E8E84-426E-40DD-AFC4-6F175D3DCCD1}">
+              <a14:hiddenFill xmlns:a14="http://schemas.microsoft.com/office/drawing/2010/main">
+                <a:solidFill>
+                  <a:schemeClr val="accent1"/>
+                </a:solidFill>
+              </a14:hiddenFill>
+            </a:ext>
+            <a:ext uri="{91240B29-F687-4F45-9708-019B960494DF}">
+              <a14:hiddenLine xmlns:a14="http://schemas.microsoft.com/office/drawing/2010/main" w="9525">
+                <a:solidFill>
+                  <a:schemeClr val="tx1"/>
+                </a:solidFill>
+                <a:miter lim="800000"/>
+                <a:headEnd/>
+                <a:tailEnd/>
+              </a14:hiddenLine>
+            </a:ext>
+            <a:ext uri="{AF507438-7753-43E0-B8FC-AC1667EBCBE1}">
+              <a14:hiddenEffects xmlns:a14="http://schemas.microsoft.com/office/drawing/2010/main">
+                <a:effectLst>
+                  <a:outerShdw dist="35921" dir="2700000" algn="ctr" rotWithShape="0">
+                    <a:schemeClr val="bg2"/>
+                  </a:outerShdw>
+                </a:effectLst>
+              </a14:hiddenEffects>
+            </a:ext>
+          </a:extLst>
+        </p:spPr>
+      </p:pic>
     </p:spTree>
   </p:cSld>
   <p:clrMapOvr>
@@ -9679,130 +9784,330 @@
               <a:t>	</a:t>
             </a:r>
             <a:r>
-              <a:rPr lang="zh-CN" altLang="en-US" sz="2000" dirty="0" smtClean="0"/>
+              <a:rPr lang="zh-CN" altLang="en-US" sz="1600" dirty="0" smtClean="0"/>
               <a:t>向量</a:t>
             </a:r>
             <a:r>
-              <a:rPr lang="en-US" altLang="zh-CN" sz="2000" dirty="0" smtClean="0"/>
+              <a:rPr lang="en-US" altLang="zh-CN" sz="1600" dirty="0" smtClean="0"/>
               <a:t>P</a:t>
             </a:r>
             <a:r>
-              <a:rPr lang="zh-CN" altLang="en-US" sz="2000" dirty="0" smtClean="0"/>
+              <a:rPr lang="zh-CN" altLang="en-US" sz="1600" dirty="0" smtClean="0"/>
               <a:t>绕任意轴旋转</a:t>
             </a:r>
             <a:r>
-              <a:rPr lang="en-US" altLang="zh-CN" sz="2000" dirty="0" smtClean="0"/>
+              <a:rPr lang="en-US" altLang="zh-CN" sz="1600" dirty="0" smtClean="0"/>
               <a:t>θ</a:t>
             </a:r>
             <a:r>
-              <a:rPr lang="zh-CN" altLang="en-US" sz="2000" dirty="0" smtClean="0"/>
+              <a:rPr lang="zh-CN" altLang="en-US" sz="1600" dirty="0" smtClean="0"/>
               <a:t>角，旋转轴为单位向量</a:t>
             </a:r>
             <a:r>
-              <a:rPr lang="en-US" altLang="zh-CN" sz="2000" dirty="0" smtClean="0"/>
+              <a:rPr lang="en-US" altLang="zh-CN" sz="1600" dirty="0" smtClean="0"/>
               <a:t>A</a:t>
             </a:r>
             <a:r>
-              <a:rPr lang="zh-CN" altLang="en-US" sz="2000" dirty="0" smtClean="0"/>
+              <a:rPr lang="zh-CN" altLang="en-US" sz="1600" dirty="0" smtClean="0"/>
               <a:t>，</a:t>
             </a:r>
-            <a:endParaRPr lang="en-US" altLang="zh-CN" sz="2000" dirty="0" smtClean="0"/>
+            <a:endParaRPr lang="en-US" altLang="zh-CN" sz="1600" dirty="0" smtClean="0"/>
           </a:p>
           <a:p>
             <a:pPr>
               <a:buNone/>
             </a:pPr>
             <a:r>
-              <a:rPr lang="en-US" altLang="zh-CN" sz="2000" dirty="0"/>
+              <a:rPr lang="en-US" altLang="zh-CN" sz="1600" dirty="0"/>
               <a:t>	</a:t>
             </a:r>
             <a:r>
-              <a:rPr lang="zh-CN" altLang="en-US" sz="2000" dirty="0" smtClean="0"/>
+              <a:rPr lang="zh-CN" altLang="en-US" sz="1600" dirty="0" smtClean="0"/>
               <a:t>则向量</a:t>
             </a:r>
             <a:r>
-              <a:rPr lang="en-US" altLang="zh-CN" sz="2000" dirty="0" smtClean="0"/>
+              <a:rPr lang="en-US" altLang="zh-CN" sz="1600" dirty="0" smtClean="0"/>
               <a:t>P</a:t>
             </a:r>
             <a:r>
-              <a:rPr lang="zh-CN" altLang="en-US" sz="2000" dirty="0" smtClean="0"/>
+              <a:rPr lang="zh-CN" altLang="en-US" sz="1600" dirty="0" smtClean="0"/>
               <a:t>可分解为分别与向量</a:t>
             </a:r>
             <a:r>
-              <a:rPr lang="en-US" altLang="zh-CN" sz="2000" dirty="0" smtClean="0"/>
+              <a:rPr lang="en-US" altLang="zh-CN" sz="1600" dirty="0" smtClean="0"/>
               <a:t>A</a:t>
             </a:r>
             <a:r>
-              <a:rPr lang="zh-CN" altLang="en-US" sz="2000" dirty="0" smtClean="0"/>
+              <a:rPr lang="zh-CN" altLang="en-US" sz="1600" dirty="0" smtClean="0"/>
               <a:t>平行和垂直的</a:t>
             </a:r>
-            <a:endParaRPr lang="en-US" altLang="zh-CN" sz="2000" dirty="0" smtClean="0"/>
+            <a:endParaRPr lang="en-US" altLang="zh-CN" sz="1600" dirty="0" smtClean="0"/>
           </a:p>
           <a:p>
             <a:pPr>
               <a:buNone/>
             </a:pPr>
             <a:r>
-              <a:rPr lang="en-US" altLang="zh-CN" sz="2000" dirty="0"/>
+              <a:rPr lang="en-US" altLang="zh-CN" sz="1600" dirty="0"/>
               <a:t>	</a:t>
             </a:r>
             <a:r>
-              <a:rPr lang="zh-CN" altLang="en-US" sz="2000" dirty="0" smtClean="0"/>
+              <a:rPr lang="zh-CN" altLang="en-US" sz="1600" dirty="0" smtClean="0"/>
               <a:t>分量，与向量</a:t>
             </a:r>
             <a:r>
-              <a:rPr lang="en-US" altLang="zh-CN" sz="2000" dirty="0" smtClean="0"/>
+              <a:rPr lang="en-US" altLang="zh-CN" sz="1600" dirty="0" smtClean="0"/>
               <a:t>A</a:t>
             </a:r>
             <a:r>
-              <a:rPr lang="zh-CN" altLang="en-US" sz="2000" dirty="0" smtClean="0"/>
+              <a:rPr lang="zh-CN" altLang="en-US" sz="1600" dirty="0" smtClean="0"/>
               <a:t>平行的分量在旋转过程中不变，</a:t>
             </a:r>
-            <a:endParaRPr lang="en-US" altLang="zh-CN" sz="2000" dirty="0" smtClean="0"/>
+            <a:endParaRPr lang="en-US" altLang="zh-CN" sz="1600" dirty="0" smtClean="0"/>
           </a:p>
           <a:p>
             <a:pPr>
               <a:buNone/>
             </a:pPr>
             <a:r>
-              <a:rPr lang="en-US" altLang="zh-CN" sz="2000" dirty="0"/>
+              <a:rPr lang="en-US" altLang="zh-CN" sz="1600" dirty="0"/>
               <a:t>	</a:t>
             </a:r>
             <a:r>
-              <a:rPr lang="zh-CN" altLang="en-US" sz="2000" dirty="0" smtClean="0"/>
+              <a:rPr lang="zh-CN" altLang="en-US" sz="1600" dirty="0" smtClean="0"/>
               <a:t>因此问题简化为向量</a:t>
             </a:r>
             <a:r>
-              <a:rPr lang="en-US" altLang="zh-CN" sz="2000" dirty="0" smtClean="0"/>
+              <a:rPr lang="en-US" altLang="zh-CN" sz="1600" dirty="0" smtClean="0"/>
               <a:t>P</a:t>
             </a:r>
             <a:r>
-              <a:rPr lang="zh-CN" altLang="en-US" sz="2000" dirty="0" smtClean="0"/>
+              <a:rPr lang="zh-CN" altLang="en-US" sz="1600" dirty="0" smtClean="0"/>
               <a:t>中与向量</a:t>
             </a:r>
             <a:r>
-              <a:rPr lang="en-US" altLang="zh-CN" sz="2000" dirty="0" smtClean="0"/>
+              <a:rPr lang="en-US" altLang="zh-CN" sz="1600" dirty="0" smtClean="0"/>
               <a:t>A</a:t>
             </a:r>
             <a:r>
-              <a:rPr lang="zh-CN" altLang="en-US" sz="2000" dirty="0" smtClean="0"/>
+              <a:rPr lang="zh-CN" altLang="en-US" sz="1600" dirty="0" smtClean="0"/>
               <a:t>垂直分量的</a:t>
             </a:r>
-            <a:endParaRPr lang="en-US" altLang="zh-CN" sz="2000" dirty="0" smtClean="0"/>
+            <a:endParaRPr lang="en-US" altLang="zh-CN" sz="1600" dirty="0" smtClean="0"/>
           </a:p>
           <a:p>
             <a:pPr>
               <a:buNone/>
             </a:pPr>
             <a:r>
-              <a:rPr lang="en-US" altLang="zh-CN" sz="2000" dirty="0"/>
+              <a:rPr lang="en-US" altLang="zh-CN" sz="1600" dirty="0"/>
               <a:t>	</a:t>
             </a:r>
             <a:r>
-              <a:rPr lang="zh-CN" altLang="en-US" sz="2000" dirty="0" smtClean="0"/>
-              <a:t>旋转问题。</a:t>
-            </a:r>
-            <a:endParaRPr lang="zh-CN" altLang="en-US" sz="2000" dirty="0"/>
+              <a:rPr lang="zh-CN" altLang="en-US" sz="1600" dirty="0" smtClean="0"/>
+              <a:t>旋转问题</a:t>
+            </a:r>
+            <a:r>
+              <a:rPr lang="zh-CN" altLang="en-US" sz="1600" dirty="0" smtClean="0"/>
+              <a:t>。</a:t>
+            </a:r>
+            <a:endParaRPr lang="en-US" altLang="zh-CN" sz="1600" dirty="0" smtClean="0"/>
+          </a:p>
+          <a:p>
+            <a:pPr>
+              <a:buNone/>
+            </a:pPr>
+            <a:r>
+              <a:rPr lang="en-US" altLang="zh-CN" sz="1600" dirty="0" smtClean="0"/>
+              <a:t>	</a:t>
+            </a:r>
+            <a:r>
+              <a:rPr lang="zh-CN" altLang="en-US" sz="1600" dirty="0" smtClean="0"/>
+              <a:t>由于</a:t>
+            </a:r>
+            <a:r>
+              <a:rPr lang="en-US" altLang="zh-CN" sz="1600" dirty="0" smtClean="0"/>
+              <a:t>|</a:t>
+            </a:r>
+            <a:r>
+              <a:rPr lang="en-US" altLang="zh-CN" sz="1600" dirty="0" err="1" smtClean="0"/>
+              <a:t>AxP</a:t>
+            </a:r>
+            <a:r>
+              <a:rPr lang="en-US" altLang="zh-CN" sz="1600" dirty="0" smtClean="0"/>
+              <a:t>|= </a:t>
+            </a:r>
+            <a:r>
+              <a:rPr lang="en-US" altLang="zh-CN" sz="1600" dirty="0"/>
+              <a:t>|A||</a:t>
+            </a:r>
+            <a:r>
+              <a:rPr lang="en-US" altLang="zh-CN" sz="1600" dirty="0" err="1"/>
+              <a:t>P|sin</a:t>
+            </a:r>
+            <a:r>
+              <a:rPr lang="en-US" altLang="zh-CN" sz="1600" dirty="0"/>
+              <a:t>α = |P|sinα</a:t>
+            </a:r>
+            <a:r>
+              <a:rPr lang="zh-CN" altLang="en-US" sz="1600" dirty="0" smtClean="0"/>
+              <a:t>，</a:t>
+            </a:r>
+            <a:r>
+              <a:rPr lang="en-US" altLang="zh-CN" sz="1600" dirty="0" err="1" smtClean="0"/>
+              <a:t>AxP</a:t>
+            </a:r>
+            <a:r>
+              <a:rPr lang="zh-CN" altLang="en-US" sz="1600" dirty="0" smtClean="0"/>
+              <a:t>与</a:t>
+            </a:r>
+            <a:endParaRPr lang="en-US" altLang="zh-CN" sz="1600" dirty="0" smtClean="0"/>
+          </a:p>
+          <a:p>
+            <a:pPr>
+              <a:buNone/>
+            </a:pPr>
+            <a:r>
+              <a:rPr lang="en-US" altLang="zh-CN" sz="1600" dirty="0"/>
+              <a:t>	</a:t>
+            </a:r>
+            <a:r>
+              <a:rPr lang="en-US" altLang="zh-CN" sz="1600" dirty="0" smtClean="0"/>
+              <a:t>P-</a:t>
+            </a:r>
+            <a:r>
+              <a:rPr lang="en-US" altLang="zh-CN" sz="1600" dirty="0"/>
+              <a:t>(AP)A</a:t>
+            </a:r>
+            <a:r>
+              <a:rPr lang="zh-CN" altLang="en-US" sz="1600" dirty="0"/>
+              <a:t>方向垂直，长度相同，所以可</a:t>
+            </a:r>
+            <a:r>
+              <a:rPr lang="zh-CN" altLang="en-US" sz="1600" dirty="0" smtClean="0"/>
+              <a:t>通过此</a:t>
+            </a:r>
+            <a:endParaRPr lang="en-US" altLang="zh-CN" sz="1600" dirty="0" smtClean="0"/>
+          </a:p>
+          <a:p>
+            <a:pPr>
+              <a:buNone/>
+            </a:pPr>
+            <a:r>
+              <a:rPr lang="en-US" altLang="zh-CN" sz="1600" dirty="0"/>
+              <a:t>	</a:t>
+            </a:r>
+            <a:r>
+              <a:rPr lang="zh-CN" altLang="en-US" sz="1600" dirty="0" smtClean="0"/>
+              <a:t>正交</a:t>
+            </a:r>
+            <a:r>
+              <a:rPr lang="zh-CN" altLang="en-US" sz="1600" dirty="0"/>
+              <a:t>基表示旋转后的向量</a:t>
+            </a:r>
+            <a:endParaRPr lang="en-US" altLang="zh-CN" sz="1600" dirty="0"/>
+          </a:p>
+          <a:p>
+            <a:pPr>
+              <a:buNone/>
+            </a:pPr>
+            <a:r>
+              <a:rPr lang="en-US" altLang="zh-CN" sz="1600" dirty="0"/>
+              <a:t>		[p – (AP)A]</a:t>
+            </a:r>
+            <a:r>
+              <a:rPr lang="en-US" altLang="zh-CN" sz="1600" dirty="0" err="1"/>
+              <a:t>cosθ</a:t>
+            </a:r>
+            <a:r>
+              <a:rPr lang="en-US" altLang="zh-CN" sz="1600" dirty="0"/>
+              <a:t> + (</a:t>
+            </a:r>
+            <a:r>
+              <a:rPr lang="en-US" altLang="zh-CN" sz="1600" dirty="0" err="1"/>
+              <a:t>AxP</a:t>
+            </a:r>
+            <a:r>
+              <a:rPr lang="en-US" altLang="zh-CN" sz="1600" dirty="0"/>
+              <a:t>)</a:t>
+            </a:r>
+            <a:r>
+              <a:rPr lang="en-US" altLang="zh-CN" sz="1600" dirty="0" err="1"/>
+              <a:t>sinθ</a:t>
+            </a:r>
+            <a:endParaRPr lang="en-US" altLang="zh-CN" sz="1600" dirty="0"/>
+          </a:p>
+          <a:p>
+            <a:pPr>
+              <a:buNone/>
+            </a:pPr>
+            <a:r>
+              <a:rPr lang="en-US" altLang="zh-CN" sz="1600" dirty="0"/>
+              <a:t>	</a:t>
+            </a:r>
+            <a:r>
+              <a:rPr lang="zh-CN" altLang="en-US" sz="1600" dirty="0"/>
+              <a:t>加上</a:t>
+            </a:r>
+            <a:r>
+              <a:rPr lang="en-US" altLang="zh-CN" sz="1600" dirty="0"/>
+              <a:t>P</a:t>
+            </a:r>
+            <a:r>
+              <a:rPr lang="zh-CN" altLang="en-US" sz="1600" dirty="0"/>
+              <a:t>在</a:t>
+            </a:r>
+            <a:r>
+              <a:rPr lang="en-US" altLang="zh-CN" sz="1600" dirty="0"/>
+              <a:t>A</a:t>
+            </a:r>
+            <a:r>
+              <a:rPr lang="zh-CN" altLang="en-US" sz="1600" dirty="0"/>
+              <a:t>方向上的投影，得到</a:t>
+            </a:r>
+            <a:endParaRPr lang="en-US" altLang="zh-CN" sz="1600" dirty="0"/>
+          </a:p>
+          <a:p>
+            <a:pPr>
+              <a:buNone/>
+            </a:pPr>
+            <a:r>
+              <a:rPr lang="en-US" altLang="zh-CN" sz="1600" dirty="0"/>
+              <a:t>		P’ = </a:t>
+            </a:r>
+            <a:r>
+              <a:rPr lang="en-US" altLang="zh-CN" sz="1600" dirty="0" err="1"/>
+              <a:t>Pcosθ</a:t>
+            </a:r>
+            <a:r>
+              <a:rPr lang="en-US" altLang="zh-CN" sz="1600" dirty="0"/>
+              <a:t> + (</a:t>
+            </a:r>
+            <a:r>
+              <a:rPr lang="en-US" altLang="zh-CN" sz="1600" dirty="0" err="1"/>
+              <a:t>AxP</a:t>
+            </a:r>
+            <a:r>
+              <a:rPr lang="en-US" altLang="zh-CN" sz="1600" dirty="0"/>
+              <a:t>)</a:t>
+            </a:r>
+            <a:r>
+              <a:rPr lang="en-US" altLang="zh-CN" sz="1600" dirty="0" err="1"/>
+              <a:t>sinθ</a:t>
+            </a:r>
+            <a:r>
+              <a:rPr lang="en-US" altLang="zh-CN" sz="1600" dirty="0"/>
+              <a:t> + A(AP)(1 – </a:t>
+            </a:r>
+            <a:r>
+              <a:rPr lang="en-US" altLang="zh-CN" sz="1600" dirty="0" err="1" smtClean="0"/>
+              <a:t>cosθ</a:t>
+            </a:r>
+            <a:r>
+              <a:rPr lang="en-US" altLang="zh-CN" sz="1600" dirty="0" smtClean="0"/>
+              <a:t>)</a:t>
+            </a:r>
+            <a:endParaRPr lang="zh-CN" altLang="en-US" sz="1600" dirty="0"/>
           </a:p>
         </p:txBody>
       </p:sp>
@@ -9823,7 +10128,7 @@
         </p:blipFill>
         <p:spPr bwMode="auto">
           <a:xfrm>
-            <a:off x="6067237" y="1844824"/>
+            <a:off x="5580112" y="1844824"/>
             <a:ext cx="2609219" cy="3501008"/>
           </a:xfrm>
           <a:prstGeom prst="rect">
@@ -9901,237 +10206,57 @@
           <a:bodyPr/>
           <a:lstStyle/>
           <a:p>
-            <a:pPr>
-              <a:buNone/>
-            </a:pPr>
+            <a:r>
+              <a:rPr lang="zh-CN" altLang="en-US" dirty="0" smtClean="0"/>
+              <a:t>矩阵形式</a:t>
+            </a:r>
+            <a:endParaRPr lang="en-US" altLang="zh-CN" dirty="0" smtClean="0"/>
+          </a:p>
+          <a:p>
+            <a:endParaRPr lang="en-US" altLang="zh-CN" dirty="0" smtClean="0"/>
+          </a:p>
+          <a:p>
+            <a:endParaRPr lang="en-US" altLang="zh-CN" dirty="0" smtClean="0"/>
+          </a:p>
+          <a:p>
+            <a:endParaRPr lang="en-US" altLang="zh-CN" dirty="0" smtClean="0"/>
+          </a:p>
+          <a:p>
+            <a:r>
+              <a:rPr lang="zh-CN" altLang="en-US" dirty="0" smtClean="0"/>
+              <a:t>令</a:t>
+            </a:r>
             <a:r>
               <a:rPr lang="en-US" altLang="zh-CN" dirty="0" smtClean="0"/>
-              <a:t>	</a:t>
-            </a:r>
-            <a:r>
-              <a:rPr lang="zh-CN" altLang="en-US" dirty="0" smtClean="0"/>
-              <a:t>由于</a:t>
-            </a:r>
-            <a:r>
-              <a:rPr lang="en-US" altLang="zh-CN" dirty="0" err="1" smtClean="0"/>
-              <a:t>AxP</a:t>
-            </a:r>
-            <a:r>
-              <a:rPr lang="en-US" altLang="zh-CN" dirty="0" smtClean="0"/>
-              <a:t>= |</a:t>
-            </a:r>
-            <a:r>
-              <a:rPr lang="en-US" altLang="zh-CN" dirty="0" err="1" smtClean="0"/>
-              <a:t>A||P|sinα</a:t>
-            </a:r>
-            <a:r>
-              <a:rPr lang="en-US" altLang="zh-CN" dirty="0" smtClean="0"/>
-              <a:t> = |</a:t>
-            </a:r>
-            <a:r>
-              <a:rPr lang="en-US" altLang="zh-CN" dirty="0" err="1" smtClean="0"/>
-              <a:t>P|sinα</a:t>
-            </a:r>
-            <a:r>
-              <a:rPr lang="zh-CN" altLang="en-US" dirty="0" smtClean="0"/>
-              <a:t>，与</a:t>
-            </a:r>
-            <a:r>
-              <a:rPr lang="en-US" altLang="zh-CN" dirty="0" smtClean="0"/>
-              <a:t>P-(AP)A</a:t>
-            </a:r>
-            <a:r>
-              <a:rPr lang="zh-CN" altLang="en-US" dirty="0" smtClean="0"/>
-              <a:t>方向垂直，长度相同，所以可通过此正交基表示旋转后的向量</a:t>
-            </a:r>
-            <a:endParaRPr lang="en-US" altLang="zh-CN" dirty="0" smtClean="0"/>
-          </a:p>
-          <a:p>
-            <a:pPr>
-              <a:buNone/>
-            </a:pPr>
-            <a:r>
-              <a:rPr lang="en-US" altLang="zh-CN" dirty="0" smtClean="0"/>
-              <a:t>		[p – (AP)A]</a:t>
+              <a:t>c=</a:t>
             </a:r>
             <a:r>
               <a:rPr lang="en-US" altLang="zh-CN" dirty="0" err="1" smtClean="0"/>
               <a:t>cosθ</a:t>
             </a:r>
             <a:r>
+              <a:rPr lang="zh-CN" altLang="en-US" dirty="0" smtClean="0"/>
+              <a:t>，</a:t>
+            </a:r>
+            <a:r>
               <a:rPr lang="en-US" altLang="zh-CN" dirty="0" smtClean="0"/>
-              <a:t> + (</a:t>
+              <a:t>s=</a:t>
             </a:r>
             <a:r>
               <a:rPr lang="en-US" altLang="zh-CN" dirty="0" err="1" smtClean="0"/>
-              <a:t>AxP</a:t>
-            </a:r>
-            <a:r>
-              <a:rPr lang="en-US" altLang="zh-CN" dirty="0" smtClean="0"/>
-              <a:t>)</a:t>
-            </a:r>
-            <a:r>
-              <a:rPr lang="en-US" altLang="zh-CN" dirty="0" err="1" smtClean="0"/>
-              <a:t>sinθ</a:t>
-            </a:r>
-            <a:endParaRPr lang="en-US" altLang="zh-CN" dirty="0" smtClean="0"/>
-          </a:p>
-          <a:p>
-            <a:pPr>
-              <a:buNone/>
-            </a:pPr>
-            <a:r>
-              <a:rPr lang="en-US" altLang="zh-CN" dirty="0" smtClean="0"/>
-              <a:t>	</a:t>
+              <a:t>sin</a:t>
+            </a:r>
+            <a:r>
+              <a:rPr lang="en-US" altLang="zh-CN" dirty="0" err="1"/>
+              <a:t>θ</a:t>
             </a:r>
             <a:r>
               <a:rPr lang="zh-CN" altLang="en-US" dirty="0" smtClean="0"/>
-              <a:t>加上</a:t>
-            </a:r>
-            <a:r>
-              <a:rPr lang="en-US" altLang="zh-CN" dirty="0" smtClean="0"/>
-              <a:t>P</a:t>
+              <a:t>整理</a:t>
             </a:r>
             <a:r>
               <a:rPr lang="zh-CN" altLang="en-US" dirty="0" smtClean="0"/>
-              <a:t>在</a:t>
-            </a:r>
-            <a:r>
-              <a:rPr lang="en-US" altLang="zh-CN" dirty="0" smtClean="0"/>
-              <a:t>A</a:t>
-            </a:r>
-            <a:r>
-              <a:rPr lang="zh-CN" altLang="en-US" dirty="0" smtClean="0"/>
-              <a:t>方向上的投影，得到</a:t>
-            </a:r>
-            <a:endParaRPr lang="en-US" altLang="zh-CN" dirty="0" smtClean="0"/>
-          </a:p>
-          <a:p>
-            <a:pPr>
-              <a:buNone/>
-            </a:pPr>
-            <a:r>
-              <a:rPr lang="en-US" altLang="zh-CN" dirty="0" smtClean="0"/>
-              <a:t>		P’ = </a:t>
-            </a:r>
-            <a:r>
-              <a:rPr lang="en-US" altLang="zh-CN" dirty="0" err="1" smtClean="0"/>
-              <a:t>Pcosθ</a:t>
-            </a:r>
-            <a:r>
-              <a:rPr lang="en-US" altLang="zh-CN" dirty="0" smtClean="0"/>
-              <a:t> + (</a:t>
-            </a:r>
-            <a:r>
-              <a:rPr lang="en-US" altLang="zh-CN" dirty="0" err="1" smtClean="0"/>
-              <a:t>AxP</a:t>
-            </a:r>
-            <a:r>
-              <a:rPr lang="en-US" altLang="zh-CN" dirty="0" smtClean="0"/>
-              <a:t>)</a:t>
-            </a:r>
-            <a:r>
-              <a:rPr lang="en-US" altLang="zh-CN" dirty="0" err="1" smtClean="0"/>
-              <a:t>sinθ</a:t>
-            </a:r>
-            <a:r>
-              <a:rPr lang="en-US" altLang="zh-CN" dirty="0" smtClean="0"/>
-              <a:t> + A(AP)(1 – </a:t>
-            </a:r>
-            <a:r>
-              <a:rPr lang="en-US" altLang="zh-CN" dirty="0" err="1" smtClean="0"/>
-              <a:t>cosθ</a:t>
-            </a:r>
-            <a:r>
-              <a:rPr lang="en-US" altLang="zh-CN" dirty="0" smtClean="0"/>
-              <a:t>) </a:t>
-            </a:r>
-            <a:endParaRPr lang="zh-CN" altLang="en-US" dirty="0"/>
-          </a:p>
-        </p:txBody>
-      </p:sp>
-    </p:spTree>
-  </p:cSld>
-  <p:clrMapOvr>
-    <a:masterClrMapping/>
-  </p:clrMapOvr>
-</p:sld>
-</file>
-
-<file path=ppt/slides/slide19.xml><?xml version="1.0" encoding="utf-8"?>
-<p:sld xmlns:a="http://schemas.openxmlformats.org/drawingml/2006/main" xmlns:r="http://schemas.openxmlformats.org/officeDocument/2006/relationships" xmlns:p="http://schemas.openxmlformats.org/presentationml/2006/main">
-  <p:cSld>
-    <p:spTree>
-      <p:nvGrpSpPr>
-        <p:cNvPr id="1" name=""/>
-        <p:cNvGrpSpPr/>
-        <p:nvPr/>
-      </p:nvGrpSpPr>
-      <p:grpSpPr>
-        <a:xfrm>
-          <a:off x="0" y="0"/>
-          <a:ext cx="0" cy="0"/>
-          <a:chOff x="0" y="0"/>
-          <a:chExt cx="0" cy="0"/>
-        </a:xfrm>
-      </p:grpSpPr>
-      <p:sp>
-        <p:nvSpPr>
-          <p:cNvPr id="2" name="标题 1"/>
-          <p:cNvSpPr>
-            <a:spLocks noGrp="1"/>
-          </p:cNvSpPr>
-          <p:nvPr>
-            <p:ph type="title"/>
-          </p:nvPr>
-        </p:nvSpPr>
-        <p:spPr/>
-        <p:txBody>
-          <a:bodyPr/>
-          <a:lstStyle/>
-          <a:p>
-            <a:r>
-              <a:rPr lang="zh-CN" altLang="en-US" dirty="0" smtClean="0"/>
-              <a:t>坐标变换流程</a:t>
-            </a:r>
-            <a:endParaRPr lang="zh-CN" altLang="en-US" dirty="0"/>
-          </a:p>
-        </p:txBody>
-      </p:sp>
-      <p:sp>
-        <p:nvSpPr>
-          <p:cNvPr id="5" name="内容占位符 4"/>
-          <p:cNvSpPr>
-            <a:spLocks noGrp="1"/>
-          </p:cNvSpPr>
-          <p:nvPr>
-            <p:ph idx="1"/>
-          </p:nvPr>
-        </p:nvSpPr>
-        <p:spPr/>
-        <p:txBody>
-          <a:bodyPr/>
-          <a:lstStyle/>
-          <a:p>
-            <a:r>
-              <a:rPr lang="zh-CN" altLang="en-US" dirty="0" smtClean="0"/>
-              <a:t>矩阵形式</a:t>
-            </a:r>
-            <a:endParaRPr lang="en-US" altLang="zh-CN" dirty="0" smtClean="0"/>
-          </a:p>
-          <a:p>
-            <a:endParaRPr lang="en-US" altLang="zh-CN" dirty="0" smtClean="0"/>
-          </a:p>
-          <a:p>
-            <a:endParaRPr lang="en-US" altLang="zh-CN" dirty="0" smtClean="0"/>
-          </a:p>
-          <a:p>
-            <a:endParaRPr lang="en-US" altLang="zh-CN" dirty="0" smtClean="0"/>
-          </a:p>
-          <a:p>
-            <a:r>
-              <a:rPr lang="zh-CN" altLang="en-US" dirty="0" smtClean="0"/>
-              <a:t>整理后得：</a:t>
+              <a:t>后得：</a:t>
             </a:r>
             <a:endParaRPr lang="en-US" altLang="zh-CN" dirty="0" smtClean="0"/>
           </a:p>
@@ -10209,6 +10334,235 @@
 </p:sld>
 </file>
 
+<file path=ppt/slides/slide19.xml><?xml version="1.0" encoding="utf-8"?>
+<p:sld xmlns:a="http://schemas.openxmlformats.org/drawingml/2006/main" xmlns:r="http://schemas.openxmlformats.org/officeDocument/2006/relationships" xmlns:p="http://schemas.openxmlformats.org/presentationml/2006/main">
+  <p:cSld>
+    <p:spTree>
+      <p:nvGrpSpPr>
+        <p:cNvPr id="1" name=""/>
+        <p:cNvGrpSpPr/>
+        <p:nvPr/>
+      </p:nvGrpSpPr>
+      <p:grpSpPr>
+        <a:xfrm>
+          <a:off x="0" y="0"/>
+          <a:ext cx="0" cy="0"/>
+          <a:chOff x="0" y="0"/>
+          <a:chExt cx="0" cy="0"/>
+        </a:xfrm>
+      </p:grpSpPr>
+      <p:sp>
+        <p:nvSpPr>
+          <p:cNvPr id="2" name="标题 1"/>
+          <p:cNvSpPr>
+            <a:spLocks noGrp="1"/>
+          </p:cNvSpPr>
+          <p:nvPr>
+            <p:ph type="title"/>
+          </p:nvPr>
+        </p:nvSpPr>
+        <p:spPr/>
+        <p:txBody>
+          <a:bodyPr/>
+          <a:lstStyle/>
+          <a:p>
+            <a:r>
+              <a:rPr lang="zh-CN" altLang="en-US" dirty="0" smtClean="0"/>
+              <a:t>坐标变换流程</a:t>
+            </a:r>
+            <a:endParaRPr lang="zh-CN" altLang="en-US" dirty="0"/>
+          </a:p>
+        </p:txBody>
+      </p:sp>
+      <p:sp>
+        <p:nvSpPr>
+          <p:cNvPr id="3" name="内容占位符 2"/>
+          <p:cNvSpPr>
+            <a:spLocks noGrp="1"/>
+          </p:cNvSpPr>
+          <p:nvPr>
+            <p:ph idx="1"/>
+          </p:nvPr>
+        </p:nvSpPr>
+        <p:spPr/>
+        <p:txBody>
+          <a:bodyPr>
+            <a:normAutofit fontScale="92500" lnSpcReduction="20000"/>
+          </a:bodyPr>
+          <a:lstStyle/>
+          <a:p>
+            <a:r>
+              <a:rPr lang="zh-CN" altLang="en-US" dirty="0" smtClean="0"/>
+              <a:t>变换到摄像机坐标系</a:t>
+            </a:r>
+            <a:endParaRPr lang="en-US" altLang="zh-CN" dirty="0" smtClean="0"/>
+          </a:p>
+          <a:p>
+            <a:pPr>
+              <a:buNone/>
+            </a:pPr>
+            <a:r>
+              <a:rPr lang="en-US" altLang="zh-CN" dirty="0" smtClean="0"/>
+              <a:t>	</a:t>
+            </a:r>
+            <a:r>
+              <a:rPr lang="zh-CN" altLang="en-US" dirty="0" smtClean="0"/>
+              <a:t>通常，我们通过三个量来构建一个摄像机矩阵即，摄像机的位置</a:t>
+            </a:r>
+            <a:r>
+              <a:rPr lang="en-US" altLang="zh-CN" dirty="0" smtClean="0"/>
+              <a:t>pos</a:t>
+            </a:r>
+            <a:r>
+              <a:rPr lang="zh-CN" altLang="en-US" dirty="0" smtClean="0"/>
+              <a:t>、方向</a:t>
+            </a:r>
+            <a:r>
+              <a:rPr lang="en-US" altLang="zh-CN" dirty="0" smtClean="0"/>
+              <a:t>dir</a:t>
+            </a:r>
+            <a:r>
+              <a:rPr lang="zh-CN" altLang="en-US" dirty="0" smtClean="0"/>
+              <a:t>、向上</a:t>
+            </a:r>
+            <a:r>
+              <a:rPr lang="en-US" altLang="zh-CN" dirty="0" smtClean="0"/>
+              <a:t>up</a:t>
+            </a:r>
+            <a:r>
+              <a:rPr lang="zh-CN" altLang="en-US" dirty="0" smtClean="0"/>
+              <a:t>向量。在右手坐标系统中，摄像机方向指向其本身坐标的</a:t>
+            </a:r>
+            <a:r>
+              <a:rPr lang="en-US" altLang="zh-CN" dirty="0" smtClean="0"/>
+              <a:t>-z</a:t>
+            </a:r>
+            <a:r>
+              <a:rPr lang="zh-CN" altLang="en-US" dirty="0" smtClean="0"/>
+              <a:t>方向，于是</a:t>
+            </a:r>
+            <a:endParaRPr lang="en-US" altLang="zh-CN" dirty="0" smtClean="0"/>
+          </a:p>
+          <a:p>
+            <a:pPr>
+              <a:buNone/>
+            </a:pPr>
+            <a:r>
+              <a:rPr lang="en-US" altLang="zh-CN" dirty="0" smtClean="0"/>
+              <a:t>		</a:t>
+            </a:r>
+            <a:r>
+              <a:rPr lang="en-US" altLang="zh-CN" dirty="0" err="1" smtClean="0"/>
+              <a:t>zaxis</a:t>
+            </a:r>
+            <a:r>
+              <a:rPr lang="en-US" altLang="zh-CN" dirty="0" smtClean="0"/>
+              <a:t> = -dir;</a:t>
+            </a:r>
+          </a:p>
+          <a:p>
+            <a:pPr>
+              <a:buNone/>
+            </a:pPr>
+            <a:r>
+              <a:rPr lang="en-US" altLang="zh-CN" dirty="0" smtClean="0"/>
+              <a:t>		</a:t>
+            </a:r>
+            <a:r>
+              <a:rPr lang="en-US" altLang="zh-CN" dirty="0" err="1" smtClean="0"/>
+              <a:t>xaxis</a:t>
+            </a:r>
+            <a:r>
+              <a:rPr lang="en-US" altLang="zh-CN" dirty="0" smtClean="0"/>
+              <a:t> = </a:t>
+            </a:r>
+            <a:r>
+              <a:rPr lang="en-US" altLang="zh-CN" dirty="0" err="1" smtClean="0"/>
+              <a:t>up.crossProduct</a:t>
+            </a:r>
+            <a:r>
+              <a:rPr lang="en-US" altLang="zh-CN" dirty="0" smtClean="0"/>
+              <a:t>(</a:t>
+            </a:r>
+            <a:r>
+              <a:rPr lang="en-US" altLang="zh-CN" dirty="0" err="1" smtClean="0"/>
+              <a:t>zaxis</a:t>
+            </a:r>
+            <a:r>
+              <a:rPr lang="en-US" altLang="zh-CN" dirty="0" smtClean="0"/>
+              <a:t>);</a:t>
+            </a:r>
+          </a:p>
+          <a:p>
+            <a:pPr>
+              <a:buNone/>
+            </a:pPr>
+            <a:r>
+              <a:rPr lang="en-US" altLang="zh-CN" dirty="0" smtClean="0"/>
+              <a:t>		</a:t>
+            </a:r>
+            <a:r>
+              <a:rPr lang="en-US" altLang="zh-CN" dirty="0" err="1" smtClean="0"/>
+              <a:t>yaxis</a:t>
+            </a:r>
+            <a:r>
+              <a:rPr lang="en-US" altLang="zh-CN" dirty="0" smtClean="0"/>
+              <a:t> = </a:t>
+            </a:r>
+            <a:r>
+              <a:rPr lang="en-US" altLang="zh-CN" dirty="0" err="1" smtClean="0"/>
+              <a:t>zaxis.crossProduct</a:t>
+            </a:r>
+            <a:r>
+              <a:rPr lang="en-US" altLang="zh-CN" dirty="0" smtClean="0"/>
+              <a:t>(</a:t>
+            </a:r>
+            <a:r>
+              <a:rPr lang="en-US" altLang="zh-CN" dirty="0" err="1" smtClean="0"/>
+              <a:t>xaxis</a:t>
+            </a:r>
+            <a:r>
+              <a:rPr lang="en-US" altLang="zh-CN" dirty="0" smtClean="0"/>
+              <a:t>);</a:t>
+            </a:r>
+          </a:p>
+          <a:p>
+            <a:pPr>
+              <a:buNone/>
+            </a:pPr>
+            <a:r>
+              <a:rPr lang="en-US" altLang="zh-CN" dirty="0" smtClean="0"/>
+              <a:t>	</a:t>
+            </a:r>
+            <a:r>
+              <a:rPr lang="zh-CN" altLang="en-US" dirty="0" smtClean="0"/>
+              <a:t>知道摄像机的三个坐标轴，就可以通过线性变换，将世界坐标系变换到摄像机坐标系。</a:t>
+            </a:r>
+            <a:endParaRPr lang="en-US" altLang="zh-CN" dirty="0" smtClean="0"/>
+          </a:p>
+          <a:p>
+            <a:pPr>
+              <a:buNone/>
+            </a:pPr>
+            <a:endParaRPr lang="zh-CN" altLang="en-US" dirty="0"/>
+          </a:p>
+        </p:txBody>
+      </p:sp>
+    </p:spTree>
+  </p:cSld>
+  <p:clrMapOvr>
+    <a:masterClrMapping/>
+  </p:clrMapOvr>
+  <p:timing>
+    <p:tnLst>
+      <p:par>
+        <p:cTn id="1" dur="indefinite" restart="never" nodeType="tmRoot"/>
+      </p:par>
+    </p:tnLst>
+  </p:timing>
+</p:sld>
+</file>
+
 <file path=ppt/slides/slide2.xml><?xml version="1.0" encoding="utf-8"?>
 <p:sld xmlns:a="http://schemas.openxmlformats.org/drawingml/2006/main" xmlns:r="http://schemas.openxmlformats.org/officeDocument/2006/relationships" xmlns:p="http://schemas.openxmlformats.org/presentationml/2006/main">
   <p:cSld>
@@ -10403,235 +10757,6 @@
 </file>
 
 <file path=ppt/slides/slide20.xml><?xml version="1.0" encoding="utf-8"?>
-<p:sld xmlns:a="http://schemas.openxmlformats.org/drawingml/2006/main" xmlns:r="http://schemas.openxmlformats.org/officeDocument/2006/relationships" xmlns:p="http://schemas.openxmlformats.org/presentationml/2006/main">
-  <p:cSld>
-    <p:spTree>
-      <p:nvGrpSpPr>
-        <p:cNvPr id="1" name=""/>
-        <p:cNvGrpSpPr/>
-        <p:nvPr/>
-      </p:nvGrpSpPr>
-      <p:grpSpPr>
-        <a:xfrm>
-          <a:off x="0" y="0"/>
-          <a:ext cx="0" cy="0"/>
-          <a:chOff x="0" y="0"/>
-          <a:chExt cx="0" cy="0"/>
-        </a:xfrm>
-      </p:grpSpPr>
-      <p:sp>
-        <p:nvSpPr>
-          <p:cNvPr id="2" name="标题 1"/>
-          <p:cNvSpPr>
-            <a:spLocks noGrp="1"/>
-          </p:cNvSpPr>
-          <p:nvPr>
-            <p:ph type="title"/>
-          </p:nvPr>
-        </p:nvSpPr>
-        <p:spPr/>
-        <p:txBody>
-          <a:bodyPr/>
-          <a:lstStyle/>
-          <a:p>
-            <a:r>
-              <a:rPr lang="zh-CN" altLang="en-US" dirty="0" smtClean="0"/>
-              <a:t>坐标变换流程</a:t>
-            </a:r>
-            <a:endParaRPr lang="zh-CN" altLang="en-US" dirty="0"/>
-          </a:p>
-        </p:txBody>
-      </p:sp>
-      <p:sp>
-        <p:nvSpPr>
-          <p:cNvPr id="3" name="内容占位符 2"/>
-          <p:cNvSpPr>
-            <a:spLocks noGrp="1"/>
-          </p:cNvSpPr>
-          <p:nvPr>
-            <p:ph idx="1"/>
-          </p:nvPr>
-        </p:nvSpPr>
-        <p:spPr/>
-        <p:txBody>
-          <a:bodyPr>
-            <a:normAutofit fontScale="92500" lnSpcReduction="20000"/>
-          </a:bodyPr>
-          <a:lstStyle/>
-          <a:p>
-            <a:r>
-              <a:rPr lang="zh-CN" altLang="en-US" dirty="0" smtClean="0"/>
-              <a:t>变换到摄像机坐标系</a:t>
-            </a:r>
-            <a:endParaRPr lang="en-US" altLang="zh-CN" dirty="0" smtClean="0"/>
-          </a:p>
-          <a:p>
-            <a:pPr>
-              <a:buNone/>
-            </a:pPr>
-            <a:r>
-              <a:rPr lang="en-US" altLang="zh-CN" dirty="0" smtClean="0"/>
-              <a:t>	</a:t>
-            </a:r>
-            <a:r>
-              <a:rPr lang="zh-CN" altLang="en-US" dirty="0" smtClean="0"/>
-              <a:t>通常，我们通过三个量来构建一个摄像机矩阵即，摄像机的位置</a:t>
-            </a:r>
-            <a:r>
-              <a:rPr lang="en-US" altLang="zh-CN" dirty="0" smtClean="0"/>
-              <a:t>pos</a:t>
-            </a:r>
-            <a:r>
-              <a:rPr lang="zh-CN" altLang="en-US" dirty="0" smtClean="0"/>
-              <a:t>、方向</a:t>
-            </a:r>
-            <a:r>
-              <a:rPr lang="en-US" altLang="zh-CN" dirty="0" smtClean="0"/>
-              <a:t>dir</a:t>
-            </a:r>
-            <a:r>
-              <a:rPr lang="zh-CN" altLang="en-US" dirty="0" smtClean="0"/>
-              <a:t>、向上</a:t>
-            </a:r>
-            <a:r>
-              <a:rPr lang="en-US" altLang="zh-CN" dirty="0" smtClean="0"/>
-              <a:t>up</a:t>
-            </a:r>
-            <a:r>
-              <a:rPr lang="zh-CN" altLang="en-US" dirty="0" smtClean="0"/>
-              <a:t>向量。在右手坐标系统中，摄像机方向指向其本身坐标的</a:t>
-            </a:r>
-            <a:r>
-              <a:rPr lang="en-US" altLang="zh-CN" dirty="0" smtClean="0"/>
-              <a:t>-z</a:t>
-            </a:r>
-            <a:r>
-              <a:rPr lang="zh-CN" altLang="en-US" dirty="0" smtClean="0"/>
-              <a:t>方向，于是</a:t>
-            </a:r>
-            <a:endParaRPr lang="en-US" altLang="zh-CN" dirty="0" smtClean="0"/>
-          </a:p>
-          <a:p>
-            <a:pPr>
-              <a:buNone/>
-            </a:pPr>
-            <a:r>
-              <a:rPr lang="en-US" altLang="zh-CN" dirty="0" smtClean="0"/>
-              <a:t>		</a:t>
-            </a:r>
-            <a:r>
-              <a:rPr lang="en-US" altLang="zh-CN" dirty="0" err="1" smtClean="0"/>
-              <a:t>zaxis</a:t>
-            </a:r>
-            <a:r>
-              <a:rPr lang="en-US" altLang="zh-CN" dirty="0" smtClean="0"/>
-              <a:t> = -dir;</a:t>
-            </a:r>
-          </a:p>
-          <a:p>
-            <a:pPr>
-              <a:buNone/>
-            </a:pPr>
-            <a:r>
-              <a:rPr lang="en-US" altLang="zh-CN" dirty="0" smtClean="0"/>
-              <a:t>		</a:t>
-            </a:r>
-            <a:r>
-              <a:rPr lang="en-US" altLang="zh-CN" dirty="0" err="1" smtClean="0"/>
-              <a:t>xaxis</a:t>
-            </a:r>
-            <a:r>
-              <a:rPr lang="en-US" altLang="zh-CN" dirty="0" smtClean="0"/>
-              <a:t> = </a:t>
-            </a:r>
-            <a:r>
-              <a:rPr lang="en-US" altLang="zh-CN" dirty="0" err="1" smtClean="0"/>
-              <a:t>up.crossProduct</a:t>
-            </a:r>
-            <a:r>
-              <a:rPr lang="en-US" altLang="zh-CN" dirty="0" smtClean="0"/>
-              <a:t>(</a:t>
-            </a:r>
-            <a:r>
-              <a:rPr lang="en-US" altLang="zh-CN" dirty="0" err="1" smtClean="0"/>
-              <a:t>zaxis</a:t>
-            </a:r>
-            <a:r>
-              <a:rPr lang="en-US" altLang="zh-CN" dirty="0" smtClean="0"/>
-              <a:t>);</a:t>
-            </a:r>
-          </a:p>
-          <a:p>
-            <a:pPr>
-              <a:buNone/>
-            </a:pPr>
-            <a:r>
-              <a:rPr lang="en-US" altLang="zh-CN" dirty="0" smtClean="0"/>
-              <a:t>		</a:t>
-            </a:r>
-            <a:r>
-              <a:rPr lang="en-US" altLang="zh-CN" dirty="0" err="1" smtClean="0"/>
-              <a:t>yaxis</a:t>
-            </a:r>
-            <a:r>
-              <a:rPr lang="en-US" altLang="zh-CN" dirty="0" smtClean="0"/>
-              <a:t> = </a:t>
-            </a:r>
-            <a:r>
-              <a:rPr lang="en-US" altLang="zh-CN" dirty="0" err="1" smtClean="0"/>
-              <a:t>zaxis.crossProduct</a:t>
-            </a:r>
-            <a:r>
-              <a:rPr lang="en-US" altLang="zh-CN" dirty="0" smtClean="0"/>
-              <a:t>(</a:t>
-            </a:r>
-            <a:r>
-              <a:rPr lang="en-US" altLang="zh-CN" dirty="0" err="1" smtClean="0"/>
-              <a:t>xaxis</a:t>
-            </a:r>
-            <a:r>
-              <a:rPr lang="en-US" altLang="zh-CN" dirty="0" smtClean="0"/>
-              <a:t>);</a:t>
-            </a:r>
-          </a:p>
-          <a:p>
-            <a:pPr>
-              <a:buNone/>
-            </a:pPr>
-            <a:r>
-              <a:rPr lang="en-US" altLang="zh-CN" dirty="0" smtClean="0"/>
-              <a:t>	</a:t>
-            </a:r>
-            <a:r>
-              <a:rPr lang="zh-CN" altLang="en-US" dirty="0" smtClean="0"/>
-              <a:t>知道摄像机的三个坐标轴，就可以通过线性变换，将世界坐标系变换到摄像机坐标系。</a:t>
-            </a:r>
-            <a:endParaRPr lang="en-US" altLang="zh-CN" dirty="0" smtClean="0"/>
-          </a:p>
-          <a:p>
-            <a:pPr>
-              <a:buNone/>
-            </a:pPr>
-            <a:endParaRPr lang="zh-CN" altLang="en-US" dirty="0"/>
-          </a:p>
-        </p:txBody>
-      </p:sp>
-    </p:spTree>
-  </p:cSld>
-  <p:clrMapOvr>
-    <a:masterClrMapping/>
-  </p:clrMapOvr>
-  <p:timing>
-    <p:tnLst>
-      <p:par>
-        <p:cTn id="1" dur="indefinite" restart="never" nodeType="tmRoot"/>
-      </p:par>
-    </p:tnLst>
-  </p:timing>
-</p:sld>
-</file>
-
-<file path=ppt/slides/slide21.xml><?xml version="1.0" encoding="utf-8"?>
 <p:sld xmlns:a="http://schemas.openxmlformats.org/drawingml/2006/main" xmlns:r="http://schemas.openxmlformats.org/officeDocument/2006/relationships" xmlns:p="http://schemas.openxmlformats.org/presentationml/2006/main">
   <p:cSld>
     <p:spTree>
@@ -10777,7 +10902,7 @@
 </p:sld>
 </file>
 
-<file path=ppt/slides/slide22.xml><?xml version="1.0" encoding="utf-8"?>
+<file path=ppt/slides/slide21.xml><?xml version="1.0" encoding="utf-8"?>
 <p:sld xmlns:a="http://schemas.openxmlformats.org/drawingml/2006/main" xmlns:r="http://schemas.openxmlformats.org/officeDocument/2006/relationships" xmlns:p="http://schemas.openxmlformats.org/presentationml/2006/main">
   <p:cSld>
     <p:spTree>
@@ -10901,8 +11026,16 @@
               <a:t>（</a:t>
             </a:r>
             <a:r>
-              <a:rPr lang="en-US" altLang="zh-CN" sz="2400" dirty="0" err="1" smtClean="0"/>
-              <a:t>OpenGLz</a:t>
+              <a:rPr lang="en-US" altLang="zh-CN" sz="2400" dirty="0" smtClean="0"/>
+              <a:t>OpenGL</a:t>
+            </a:r>
+            <a:r>
+              <a:rPr lang="zh-CN" altLang="en-US" sz="2400" dirty="0" smtClean="0"/>
+              <a:t>中</a:t>
+            </a:r>
+            <a:r>
+              <a:rPr lang="en-US" altLang="zh-CN" sz="2400" dirty="0" smtClean="0"/>
+              <a:t>z</a:t>
             </a:r>
             <a:r>
               <a:rPr lang="zh-CN" altLang="en-US" sz="2400" dirty="0" smtClean="0"/>
@@ -11032,7 +11165,7 @@
 </p:sld>
 </file>
 
-<file path=ppt/slides/slide23.xml><?xml version="1.0" encoding="utf-8"?>
+<file path=ppt/slides/slide22.xml><?xml version="1.0" encoding="utf-8"?>
 <p:sld xmlns:a="http://schemas.openxmlformats.org/drawingml/2006/main" xmlns:r="http://schemas.openxmlformats.org/officeDocument/2006/relationships" xmlns:p="http://schemas.openxmlformats.org/presentationml/2006/main">
   <p:cSld>
     <p:spTree>
@@ -11261,7 +11394,7 @@
 </p:sld>
 </file>
 
-<file path=ppt/slides/slide24.xml><?xml version="1.0" encoding="utf-8"?>
+<file path=ppt/slides/slide23.xml><?xml version="1.0" encoding="utf-8"?>
 <p:sld xmlns:a="http://schemas.openxmlformats.org/drawingml/2006/main" xmlns:r="http://schemas.openxmlformats.org/officeDocument/2006/relationships" xmlns:p="http://schemas.openxmlformats.org/presentationml/2006/main">
   <p:cSld>
     <p:spTree>
@@ -11533,7 +11666,7 @@
 </p:sld>
 </file>
 
-<file path=ppt/slides/slide25.xml><?xml version="1.0" encoding="utf-8"?>
+<file path=ppt/slides/slide24.xml><?xml version="1.0" encoding="utf-8"?>
 <p:sld xmlns:a="http://schemas.openxmlformats.org/drawingml/2006/main" xmlns:r="http://schemas.openxmlformats.org/officeDocument/2006/relationships" xmlns:p="http://schemas.openxmlformats.org/presentationml/2006/main">
   <p:cSld>
     <p:spTree>
@@ -11897,7 +12030,7 @@
 </p:sld>
 </file>
 
-<file path=ppt/slides/slide26.xml><?xml version="1.0" encoding="utf-8"?>
+<file path=ppt/slides/slide25.xml><?xml version="1.0" encoding="utf-8"?>
 <p:sld xmlns:a="http://schemas.openxmlformats.org/drawingml/2006/main" xmlns:r="http://schemas.openxmlformats.org/officeDocument/2006/relationships" xmlns:p="http://schemas.openxmlformats.org/presentationml/2006/main">
   <p:cSld>
     <p:spTree>
@@ -12187,7 +12320,7 @@
 </p:sld>
 </file>
 
-<file path=ppt/slides/slide27.xml><?xml version="1.0" encoding="utf-8"?>
+<file path=ppt/slides/slide26.xml><?xml version="1.0" encoding="utf-8"?>
 <p:sld xmlns:a="http://schemas.openxmlformats.org/drawingml/2006/main" xmlns:r="http://schemas.openxmlformats.org/officeDocument/2006/relationships" xmlns:p="http://schemas.openxmlformats.org/presentationml/2006/main">
   <p:cSld>
     <p:spTree>
@@ -12378,7 +12511,7 @@
 </p:sld>
 </file>
 
-<file path=ppt/slides/slide28.xml><?xml version="1.0" encoding="utf-8"?>
+<file path=ppt/slides/slide27.xml><?xml version="1.0" encoding="utf-8"?>
 <p:sld xmlns:a="http://schemas.openxmlformats.org/drawingml/2006/main" xmlns:r="http://schemas.openxmlformats.org/officeDocument/2006/relationships" xmlns:p="http://schemas.openxmlformats.org/presentationml/2006/main">
   <p:cSld>
     <p:spTree>
@@ -12574,7 +12707,7 @@
 </p:sld>
 </file>
 
-<file path=ppt/slides/slide29.xml><?xml version="1.0" encoding="utf-8"?>
+<file path=ppt/slides/slide28.xml><?xml version="1.0" encoding="utf-8"?>
 <p:sld xmlns:a="http://schemas.openxmlformats.org/drawingml/2006/main" xmlns:r="http://schemas.openxmlformats.org/officeDocument/2006/relationships" xmlns:p="http://schemas.openxmlformats.org/presentationml/2006/main">
   <p:cSld>
     <p:spTree>
@@ -12754,149 +12887,7 @@
 </p:sld>
 </file>
 
-<file path=ppt/slides/slide3.xml><?xml version="1.0" encoding="utf-8"?>
-<p:sld xmlns:a="http://schemas.openxmlformats.org/drawingml/2006/main" xmlns:r="http://schemas.openxmlformats.org/officeDocument/2006/relationships" xmlns:p="http://schemas.openxmlformats.org/presentationml/2006/main">
-  <p:cSld>
-    <p:spTree>
-      <p:nvGrpSpPr>
-        <p:cNvPr id="1" name=""/>
-        <p:cNvGrpSpPr/>
-        <p:nvPr/>
-      </p:nvGrpSpPr>
-      <p:grpSpPr>
-        <a:xfrm>
-          <a:off x="0" y="0"/>
-          <a:ext cx="0" cy="0"/>
-          <a:chOff x="0" y="0"/>
-          <a:chExt cx="0" cy="0"/>
-        </a:xfrm>
-      </p:grpSpPr>
-      <p:sp>
-        <p:nvSpPr>
-          <p:cNvPr id="2" name="标题 1"/>
-          <p:cNvSpPr>
-            <a:spLocks noGrp="1"/>
-          </p:cNvSpPr>
-          <p:nvPr>
-            <p:ph type="title"/>
-          </p:nvPr>
-        </p:nvSpPr>
-        <p:spPr/>
-        <p:txBody>
-          <a:bodyPr/>
-          <a:lstStyle/>
-          <a:p>
-            <a:r>
-              <a:rPr lang="zh-CN" altLang="en-US" dirty="0" smtClean="0"/>
-              <a:t>软件渲染概述</a:t>
-            </a:r>
-            <a:endParaRPr lang="zh-CN" altLang="en-US" dirty="0"/>
-          </a:p>
-        </p:txBody>
-      </p:sp>
-      <p:sp>
-        <p:nvSpPr>
-          <p:cNvPr id="3" name="内容占位符 2"/>
-          <p:cNvSpPr>
-            <a:spLocks noGrp="1"/>
-          </p:cNvSpPr>
-          <p:nvPr>
-            <p:ph idx="1"/>
-          </p:nvPr>
-        </p:nvSpPr>
-        <p:spPr/>
-        <p:txBody>
-          <a:bodyPr/>
-          <a:lstStyle/>
-          <a:p>
-            <a:r>
-              <a:rPr lang="zh-CN" altLang="en-US" sz="2000" dirty="0" smtClean="0"/>
-              <a:t>一提到渲染，通常我们想到的大多都是像</a:t>
-            </a:r>
-            <a:r>
-              <a:rPr lang="en-US" altLang="zh-CN" sz="2000" dirty="0" smtClean="0"/>
-              <a:t>OpenGL(</a:t>
-            </a:r>
-            <a:r>
-              <a:rPr lang="en-US" altLang="zh-CN" sz="2000" dirty="0" err="1" smtClean="0"/>
-              <a:t>OpenES</a:t>
-            </a:r>
-            <a:r>
-              <a:rPr lang="en-US" altLang="zh-CN" sz="2000" dirty="0" smtClean="0"/>
-              <a:t>)</a:t>
-            </a:r>
-            <a:r>
-              <a:rPr lang="zh-CN" altLang="en-US" sz="2000" dirty="0" smtClean="0"/>
-              <a:t>、</a:t>
-            </a:r>
-            <a:r>
-              <a:rPr lang="en-US" altLang="zh-CN" sz="2000" dirty="0" smtClean="0"/>
-              <a:t>DirectX</a:t>
-            </a:r>
-            <a:r>
-              <a:rPr lang="zh-CN" altLang="en-US" sz="2000" dirty="0" smtClean="0"/>
-              <a:t>等这样的技术。这些是目前比较流行的且用到的最多的硬件图形程序接口。我们将需要渲染的数据交给</a:t>
-            </a:r>
-            <a:r>
-              <a:rPr lang="en-US" altLang="zh-CN" sz="2000" dirty="0" smtClean="0"/>
-              <a:t>GPU</a:t>
-            </a:r>
-            <a:r>
-              <a:rPr lang="zh-CN" altLang="en-US" sz="2000" dirty="0" smtClean="0"/>
-              <a:t>，利用硬件能力加速渲染。这些底</a:t>
-            </a:r>
-            <a:r>
-              <a:rPr lang="en-US" altLang="zh-CN" sz="2000" dirty="0" smtClean="0"/>
-              <a:t>API</a:t>
-            </a:r>
-            <a:r>
-              <a:rPr lang="zh-CN" altLang="en-US" sz="2000" dirty="0" smtClean="0"/>
-              <a:t>提供给我们更灵活简单的方式去渲染图像，但却隐藏了许多细节。</a:t>
-            </a:r>
-            <a:endParaRPr lang="en-US" altLang="zh-CN" sz="2000" dirty="0" smtClean="0"/>
-          </a:p>
-          <a:p>
-            <a:endParaRPr lang="en-US" altLang="zh-CN" sz="2000" dirty="0" smtClean="0"/>
-          </a:p>
-          <a:p>
-            <a:r>
-              <a:rPr lang="zh-CN" altLang="en-US" sz="2000" dirty="0"/>
-              <a:t>软件渲染则只利用</a:t>
-            </a:r>
-            <a:r>
-              <a:rPr lang="en-US" altLang="zh-CN" sz="2000" dirty="0"/>
-              <a:t>CPU</a:t>
-            </a:r>
-            <a:r>
-              <a:rPr lang="zh-CN" altLang="en-US" sz="2000" dirty="0"/>
-              <a:t>完成渲染所需要的一切计算，然后将数据写入到帧缓冲中完成渲染，这在过去</a:t>
-            </a:r>
-            <a:r>
-              <a:rPr lang="en-US" altLang="zh-CN" sz="2000" dirty="0"/>
-              <a:t>GPU</a:t>
-            </a:r>
-            <a:r>
-              <a:rPr lang="zh-CN" altLang="en-US" sz="2000" dirty="0"/>
-              <a:t>不发达的年代，软件渲染是十分重要的。</a:t>
-            </a:r>
-          </a:p>
-          <a:p>
-            <a:endParaRPr lang="en-US" altLang="zh-CN" sz="2000" dirty="0" smtClean="0"/>
-          </a:p>
-          <a:p>
-            <a:endParaRPr lang="zh-CN" altLang="en-US" dirty="0"/>
-          </a:p>
-        </p:txBody>
-      </p:sp>
-    </p:spTree>
-  </p:cSld>
-  <p:clrMapOvr>
-    <a:masterClrMapping/>
-  </p:clrMapOvr>
-</p:sld>
-</file>
-
-<file path=ppt/slides/slide30.xml><?xml version="1.0" encoding="utf-8"?>
+<file path=ppt/slides/slide29.xml><?xml version="1.0" encoding="utf-8"?>
 <p:sld xmlns:a="http://schemas.openxmlformats.org/drawingml/2006/main" xmlns:r="http://schemas.openxmlformats.org/officeDocument/2006/relationships" xmlns:p="http://schemas.openxmlformats.org/presentationml/2006/main">
   <p:cSld>
     <p:spTree>
@@ -13078,7 +13069,149 @@
 </p:sld>
 </file>
 
-<file path=ppt/slides/slide31.xml><?xml version="1.0" encoding="utf-8"?>
+<file path=ppt/slides/slide3.xml><?xml version="1.0" encoding="utf-8"?>
+<p:sld xmlns:a="http://schemas.openxmlformats.org/drawingml/2006/main" xmlns:r="http://schemas.openxmlformats.org/officeDocument/2006/relationships" xmlns:p="http://schemas.openxmlformats.org/presentationml/2006/main">
+  <p:cSld>
+    <p:spTree>
+      <p:nvGrpSpPr>
+        <p:cNvPr id="1" name=""/>
+        <p:cNvGrpSpPr/>
+        <p:nvPr/>
+      </p:nvGrpSpPr>
+      <p:grpSpPr>
+        <a:xfrm>
+          <a:off x="0" y="0"/>
+          <a:ext cx="0" cy="0"/>
+          <a:chOff x="0" y="0"/>
+          <a:chExt cx="0" cy="0"/>
+        </a:xfrm>
+      </p:grpSpPr>
+      <p:sp>
+        <p:nvSpPr>
+          <p:cNvPr id="2" name="标题 1"/>
+          <p:cNvSpPr>
+            <a:spLocks noGrp="1"/>
+          </p:cNvSpPr>
+          <p:nvPr>
+            <p:ph type="title"/>
+          </p:nvPr>
+        </p:nvSpPr>
+        <p:spPr/>
+        <p:txBody>
+          <a:bodyPr/>
+          <a:lstStyle/>
+          <a:p>
+            <a:r>
+              <a:rPr lang="zh-CN" altLang="en-US" dirty="0" smtClean="0"/>
+              <a:t>软件渲染概述</a:t>
+            </a:r>
+            <a:endParaRPr lang="zh-CN" altLang="en-US" dirty="0"/>
+          </a:p>
+        </p:txBody>
+      </p:sp>
+      <p:sp>
+        <p:nvSpPr>
+          <p:cNvPr id="3" name="内容占位符 2"/>
+          <p:cNvSpPr>
+            <a:spLocks noGrp="1"/>
+          </p:cNvSpPr>
+          <p:nvPr>
+            <p:ph idx="1"/>
+          </p:nvPr>
+        </p:nvSpPr>
+        <p:spPr/>
+        <p:txBody>
+          <a:bodyPr/>
+          <a:lstStyle/>
+          <a:p>
+            <a:r>
+              <a:rPr lang="zh-CN" altLang="en-US" sz="2000" dirty="0" smtClean="0"/>
+              <a:t>一提到渲染，通常我们想到的大多都是像</a:t>
+            </a:r>
+            <a:r>
+              <a:rPr lang="en-US" altLang="zh-CN" sz="2000" dirty="0" smtClean="0"/>
+              <a:t>OpenGL(</a:t>
+            </a:r>
+            <a:r>
+              <a:rPr lang="en-US" altLang="zh-CN" sz="2000" dirty="0" err="1" smtClean="0"/>
+              <a:t>OpenES</a:t>
+            </a:r>
+            <a:r>
+              <a:rPr lang="en-US" altLang="zh-CN" sz="2000" dirty="0" smtClean="0"/>
+              <a:t>)</a:t>
+            </a:r>
+            <a:r>
+              <a:rPr lang="zh-CN" altLang="en-US" sz="2000" dirty="0" smtClean="0"/>
+              <a:t>、</a:t>
+            </a:r>
+            <a:r>
+              <a:rPr lang="en-US" altLang="zh-CN" sz="2000" dirty="0" smtClean="0"/>
+              <a:t>DirectX</a:t>
+            </a:r>
+            <a:r>
+              <a:rPr lang="zh-CN" altLang="en-US" sz="2000" dirty="0" smtClean="0"/>
+              <a:t>等这样的技术。这些是目前比较流行的且用到的最多的硬件图形程序接口。我们将需要渲染的数据交给</a:t>
+            </a:r>
+            <a:r>
+              <a:rPr lang="en-US" altLang="zh-CN" sz="2000" dirty="0" smtClean="0"/>
+              <a:t>GPU</a:t>
+            </a:r>
+            <a:r>
+              <a:rPr lang="zh-CN" altLang="en-US" sz="2000" dirty="0" smtClean="0"/>
+              <a:t>，利用硬件能力加速渲染。这些底</a:t>
+            </a:r>
+            <a:r>
+              <a:rPr lang="en-US" altLang="zh-CN" sz="2000" dirty="0" smtClean="0"/>
+              <a:t>API</a:t>
+            </a:r>
+            <a:r>
+              <a:rPr lang="zh-CN" altLang="en-US" sz="2000" dirty="0" smtClean="0"/>
+              <a:t>提供给我们更灵活简单的方式去渲染图像，但却隐藏了许多细节。</a:t>
+            </a:r>
+            <a:endParaRPr lang="en-US" altLang="zh-CN" sz="2000" dirty="0" smtClean="0"/>
+          </a:p>
+          <a:p>
+            <a:endParaRPr lang="en-US" altLang="zh-CN" sz="2000" dirty="0" smtClean="0"/>
+          </a:p>
+          <a:p>
+            <a:r>
+              <a:rPr lang="zh-CN" altLang="en-US" sz="2000" dirty="0"/>
+              <a:t>软件渲染则只利用</a:t>
+            </a:r>
+            <a:r>
+              <a:rPr lang="en-US" altLang="zh-CN" sz="2000" dirty="0"/>
+              <a:t>CPU</a:t>
+            </a:r>
+            <a:r>
+              <a:rPr lang="zh-CN" altLang="en-US" sz="2000" dirty="0"/>
+              <a:t>完成渲染所需要的一切计算，然后将数据写入到帧缓冲中完成渲染，这在过去</a:t>
+            </a:r>
+            <a:r>
+              <a:rPr lang="en-US" altLang="zh-CN" sz="2000" dirty="0"/>
+              <a:t>GPU</a:t>
+            </a:r>
+            <a:r>
+              <a:rPr lang="zh-CN" altLang="en-US" sz="2000" dirty="0"/>
+              <a:t>不发达的年代，软件渲染是十分重要的。</a:t>
+            </a:r>
+          </a:p>
+          <a:p>
+            <a:endParaRPr lang="en-US" altLang="zh-CN" sz="2000" dirty="0" smtClean="0"/>
+          </a:p>
+          <a:p>
+            <a:endParaRPr lang="zh-CN" altLang="en-US" dirty="0"/>
+          </a:p>
+        </p:txBody>
+      </p:sp>
+    </p:spTree>
+  </p:cSld>
+  <p:clrMapOvr>
+    <a:masterClrMapping/>
+  </p:clrMapOvr>
+</p:sld>
+</file>
+
+<file path=ppt/slides/slide30.xml><?xml version="1.0" encoding="utf-8"?>
 <p:sld xmlns:a="http://schemas.openxmlformats.org/drawingml/2006/main" xmlns:r="http://schemas.openxmlformats.org/officeDocument/2006/relationships" xmlns:p="http://schemas.openxmlformats.org/presentationml/2006/main">
   <p:cSld>
     <p:spTree>
@@ -13212,603 +13345,7 @@
 </p:sld>
 </file>
 
-<file path=ppt/slides/slide32.xml><?xml version="1.0" encoding="utf-8"?>
-<p:sld xmlns:a="http://schemas.openxmlformats.org/drawingml/2006/main" xmlns:r="http://schemas.openxmlformats.org/officeDocument/2006/relationships" xmlns:p="http://schemas.openxmlformats.org/presentationml/2006/main">
-  <p:cSld>
-    <p:spTree>
-      <p:nvGrpSpPr>
-        <p:cNvPr id="1" name=""/>
-        <p:cNvGrpSpPr/>
-        <p:nvPr/>
-      </p:nvGrpSpPr>
-      <p:grpSpPr>
-        <a:xfrm>
-          <a:off x="0" y="0"/>
-          <a:ext cx="0" cy="0"/>
-          <a:chOff x="0" y="0"/>
-          <a:chExt cx="0" cy="0"/>
-        </a:xfrm>
-      </p:grpSpPr>
-      <p:sp>
-        <p:nvSpPr>
-          <p:cNvPr id="2" name="标题 1"/>
-          <p:cNvSpPr>
-            <a:spLocks noGrp="1"/>
-          </p:cNvSpPr>
-          <p:nvPr>
-            <p:ph type="title"/>
-          </p:nvPr>
-        </p:nvSpPr>
-        <p:spPr/>
-        <p:txBody>
-          <a:bodyPr/>
-          <a:lstStyle/>
-          <a:p>
-            <a:r>
-              <a:rPr lang="zh-CN" altLang="en-US" dirty="0"/>
-              <a:t>剔除操作和裁剪操作</a:t>
-            </a:r>
-          </a:p>
-        </p:txBody>
-      </p:sp>
-      <p:sp>
-        <p:nvSpPr>
-          <p:cNvPr id="3" name="内容占位符 2"/>
-          <p:cNvSpPr>
-            <a:spLocks noGrp="1"/>
-          </p:cNvSpPr>
-          <p:nvPr>
-            <p:ph idx="1"/>
-          </p:nvPr>
-        </p:nvSpPr>
-        <p:spPr/>
-        <p:txBody>
-          <a:bodyPr/>
-          <a:lstStyle/>
-          <a:p>
-            <a:r>
-              <a:rPr lang="zh-CN" altLang="en-US" dirty="0" smtClean="0"/>
-              <a:t>需要裁剪的情况</a:t>
-            </a:r>
-            <a:endParaRPr lang="zh-CN" altLang="en-US" dirty="0"/>
-          </a:p>
-        </p:txBody>
-      </p:sp>
-      <p:pic>
-        <p:nvPicPr>
-          <p:cNvPr id="16386" name="Picture 2"/>
-          <p:cNvPicPr>
-            <a:picLocks noChangeAspect="1" noChangeArrowheads="1"/>
-          </p:cNvPicPr>
-          <p:nvPr/>
-        </p:nvPicPr>
-        <p:blipFill>
-          <a:blip r:embed="rId2">
-            <a:extLst>
-              <a:ext uri="{28A0092B-C50C-407E-A947-70E740481C1C}">
-                <a14:useLocalDpi xmlns:a14="http://schemas.microsoft.com/office/drawing/2010/main" val="0"/>
-              </a:ext>
-            </a:extLst>
-          </a:blip>
-          <a:srcRect/>
-          <a:stretch>
-            <a:fillRect/>
-          </a:stretch>
-        </p:blipFill>
-        <p:spPr bwMode="auto">
-          <a:xfrm>
-            <a:off x="1619672" y="2276872"/>
-            <a:ext cx="5695950" cy="3286125"/>
-          </a:xfrm>
-          <a:prstGeom prst="rect">
-            <a:avLst/>
-          </a:prstGeom>
-          <a:noFill/>
-          <a:ln>
-            <a:noFill/>
-          </a:ln>
-          <a:effectLst/>
-          <a:extLst>
-            <a:ext uri="{909E8E84-426E-40DD-AFC4-6F175D3DCCD1}">
-              <a14:hiddenFill xmlns:a14="http://schemas.microsoft.com/office/drawing/2010/main">
-                <a:solidFill>
-                  <a:schemeClr val="accent1"/>
-                </a:solidFill>
-              </a14:hiddenFill>
-            </a:ext>
-            <a:ext uri="{91240B29-F687-4F45-9708-019B960494DF}">
-              <a14:hiddenLine xmlns:a14="http://schemas.microsoft.com/office/drawing/2010/main" w="9525">
-                <a:solidFill>
-                  <a:schemeClr val="tx1"/>
-                </a:solidFill>
-                <a:miter lim="800000"/>
-                <a:headEnd/>
-                <a:tailEnd/>
-              </a14:hiddenLine>
-            </a:ext>
-            <a:ext uri="{AF507438-7753-43E0-B8FC-AC1667EBCBE1}">
-              <a14:hiddenEffects xmlns:a14="http://schemas.microsoft.com/office/drawing/2010/main">
-                <a:effectLst>
-                  <a:outerShdw dist="35921" dir="2700000" algn="ctr" rotWithShape="0">
-                    <a:schemeClr val="bg2"/>
-                  </a:outerShdw>
-                </a:effectLst>
-              </a14:hiddenEffects>
-            </a:ext>
-          </a:extLst>
-        </p:spPr>
-      </p:pic>
-    </p:spTree>
-  </p:cSld>
-  <p:clrMapOvr>
-    <a:masterClrMapping/>
-  </p:clrMapOvr>
-</p:sld>
-</file>
-
-<file path=ppt/slides/slide33.xml><?xml version="1.0" encoding="utf-8"?>
-<p:sld xmlns:a="http://schemas.openxmlformats.org/drawingml/2006/main" xmlns:r="http://schemas.openxmlformats.org/officeDocument/2006/relationships" xmlns:p="http://schemas.openxmlformats.org/presentationml/2006/main">
-  <p:cSld>
-    <p:spTree>
-      <p:nvGrpSpPr>
-        <p:cNvPr id="1" name=""/>
-        <p:cNvGrpSpPr/>
-        <p:nvPr/>
-      </p:nvGrpSpPr>
-      <p:grpSpPr>
-        <a:xfrm>
-          <a:off x="0" y="0"/>
-          <a:ext cx="0" cy="0"/>
-          <a:chOff x="0" y="0"/>
-          <a:chExt cx="0" cy="0"/>
-        </a:xfrm>
-      </p:grpSpPr>
-      <p:sp>
-        <p:nvSpPr>
-          <p:cNvPr id="2" name="标题 1"/>
-          <p:cNvSpPr>
-            <a:spLocks noGrp="1"/>
-          </p:cNvSpPr>
-          <p:nvPr>
-            <p:ph type="title"/>
-          </p:nvPr>
-        </p:nvSpPr>
-        <p:spPr/>
-        <p:txBody>
-          <a:bodyPr/>
-          <a:lstStyle/>
-          <a:p>
-            <a:r>
-              <a:rPr lang="zh-CN" altLang="en-US" dirty="0" smtClean="0"/>
-              <a:t>光栅化操作</a:t>
-            </a:r>
-            <a:endParaRPr lang="zh-CN" altLang="en-US" dirty="0"/>
-          </a:p>
-        </p:txBody>
-      </p:sp>
-      <p:sp>
-        <p:nvSpPr>
-          <p:cNvPr id="3" name="内容占位符 2"/>
-          <p:cNvSpPr>
-            <a:spLocks noGrp="1"/>
-          </p:cNvSpPr>
-          <p:nvPr>
-            <p:ph idx="1"/>
-          </p:nvPr>
-        </p:nvSpPr>
-        <p:spPr/>
-        <p:txBody>
-          <a:bodyPr/>
-          <a:lstStyle/>
-          <a:p>
-            <a:r>
-              <a:rPr lang="zh-CN" altLang="en-US" dirty="0" smtClean="0"/>
-              <a:t>直线段光栅化（</a:t>
-            </a:r>
-            <a:r>
-              <a:rPr lang="en-US" altLang="zh-CN" dirty="0" err="1" smtClean="0"/>
-              <a:t>Bresenham</a:t>
-            </a:r>
-            <a:r>
-              <a:rPr lang="zh-CN" altLang="en-US" dirty="0" smtClean="0"/>
-              <a:t>算法）</a:t>
-            </a:r>
-            <a:endParaRPr lang="en-US" altLang="zh-CN" dirty="0" smtClean="0"/>
-          </a:p>
-          <a:p>
-            <a:pPr marL="0" indent="0">
-              <a:buNone/>
-            </a:pPr>
-            <a:r>
-              <a:rPr lang="en-US" altLang="zh-CN" sz="2000" dirty="0" smtClean="0"/>
-              <a:t>	</a:t>
-            </a:r>
-          </a:p>
-          <a:p>
-            <a:pPr marL="0" indent="0">
-              <a:buNone/>
-            </a:pPr>
-            <a:endParaRPr lang="en-US" altLang="zh-CN" sz="2000" dirty="0"/>
-          </a:p>
-          <a:p>
-            <a:pPr marL="0" indent="0">
-              <a:buNone/>
-            </a:pPr>
-            <a:endParaRPr lang="en-US" altLang="zh-CN" sz="2000" dirty="0" smtClean="0"/>
-          </a:p>
-          <a:p>
-            <a:pPr marL="0" indent="0">
-              <a:buNone/>
-            </a:pPr>
-            <a:endParaRPr lang="en-US" altLang="zh-CN" sz="2000" dirty="0" smtClean="0"/>
-          </a:p>
-          <a:p>
-            <a:pPr marL="0" indent="0">
-              <a:buNone/>
-            </a:pPr>
-            <a:r>
-              <a:rPr lang="en-US" altLang="zh-CN" sz="2000" dirty="0" smtClean="0"/>
-              <a:t>	          </a:t>
-            </a:r>
-            <a:r>
-              <a:rPr lang="zh-CN" altLang="en-US" sz="1200" dirty="0" smtClean="0"/>
-              <a:t>最终效果  </a:t>
-            </a:r>
-            <a:r>
-              <a:rPr lang="en-US" altLang="zh-CN" sz="1200" dirty="0" smtClean="0"/>
-              <a:t>			a</a:t>
-            </a:r>
-            <a:r>
-              <a:rPr lang="zh-CN" altLang="en-US" sz="1200" dirty="0" smtClean="0"/>
-              <a:t>和</a:t>
-            </a:r>
-            <a:r>
-              <a:rPr lang="en-US" altLang="zh-CN" sz="1200" dirty="0" smtClean="0"/>
-              <a:t>b</a:t>
-            </a:r>
-            <a:r>
-              <a:rPr lang="zh-CN" altLang="en-US" sz="1200" dirty="0" smtClean="0"/>
-              <a:t>增长图</a:t>
-            </a:r>
-            <a:endParaRPr lang="en-US" altLang="zh-CN" sz="1200" dirty="0" smtClean="0"/>
-          </a:p>
-          <a:p>
-            <a:pPr marL="0" indent="0">
-              <a:buNone/>
-            </a:pPr>
-            <a:r>
-              <a:rPr lang="zh-CN" altLang="en-US" sz="2000" dirty="0" smtClean="0"/>
-              <a:t>直线</a:t>
-            </a:r>
-            <a:r>
-              <a:rPr lang="en-US" altLang="zh-CN" sz="2000" dirty="0" smtClean="0"/>
-              <a:t>y = mx + h</a:t>
-            </a:r>
-            <a:r>
-              <a:rPr lang="zh-CN" altLang="en-US" sz="2000" dirty="0" smtClean="0"/>
-              <a:t>，</a:t>
-            </a:r>
-            <a:r>
-              <a:rPr lang="en-US" altLang="zh-CN" sz="2000" dirty="0" smtClean="0"/>
-              <a:t>0 &lt;= m &lt;= 1;</a:t>
-            </a:r>
-          </a:p>
-          <a:p>
-            <a:pPr marL="0" indent="0">
-              <a:buNone/>
-            </a:pPr>
-            <a:r>
-              <a:rPr lang="en-US" altLang="zh-CN" sz="2000" dirty="0" smtClean="0"/>
-              <a:t>d = dx(b - a)</a:t>
-            </a:r>
-            <a:r>
-              <a:rPr lang="zh-CN" altLang="en-US" sz="2000" dirty="0" smtClean="0"/>
-              <a:t>， </a:t>
-            </a:r>
-            <a:r>
-              <a:rPr lang="en-US" altLang="zh-CN" sz="2000" dirty="0" smtClean="0"/>
-              <a:t>d&gt;0</a:t>
-            </a:r>
-          </a:p>
-          <a:p>
-            <a:pPr marL="0" indent="0">
-              <a:buNone/>
-            </a:pPr>
-            <a:r>
-              <a:rPr lang="zh-CN" altLang="en-US" sz="2000" dirty="0" smtClean="0"/>
-              <a:t>当</a:t>
-            </a:r>
-            <a:r>
-              <a:rPr lang="en-US" altLang="zh-CN" sz="2000" dirty="0" smtClean="0"/>
-              <a:t>x</a:t>
-            </a:r>
-            <a:r>
-              <a:rPr lang="zh-CN" altLang="en-US" sz="2000" dirty="0" smtClean="0"/>
-              <a:t>增加</a:t>
-            </a:r>
-            <a:r>
-              <a:rPr lang="en-US" altLang="zh-CN" sz="2000" dirty="0" smtClean="0"/>
-              <a:t>1</a:t>
-            </a:r>
-            <a:r>
-              <a:rPr lang="zh-CN" altLang="en-US" sz="2000" dirty="0" smtClean="0"/>
-              <a:t>时，</a:t>
-            </a:r>
-            <a:r>
-              <a:rPr lang="en-US" altLang="zh-CN" sz="2000" dirty="0" smtClean="0"/>
-              <a:t>a</a:t>
-            </a:r>
-            <a:r>
-              <a:rPr lang="zh-CN" altLang="en-US" sz="2000" dirty="0" smtClean="0"/>
-              <a:t>增加</a:t>
-            </a:r>
-            <a:r>
-              <a:rPr lang="en-US" altLang="zh-CN" sz="2000" dirty="0" smtClean="0"/>
-              <a:t>-m</a:t>
-            </a:r>
-            <a:r>
-              <a:rPr lang="zh-CN" altLang="en-US" sz="2000" dirty="0" smtClean="0"/>
-              <a:t>或</a:t>
-            </a:r>
-            <a:r>
-              <a:rPr lang="en-US" altLang="zh-CN" sz="2000" dirty="0" smtClean="0"/>
-              <a:t>1-m</a:t>
-            </a:r>
-            <a:r>
-              <a:rPr lang="zh-CN" altLang="en-US" sz="2000" dirty="0" smtClean="0"/>
-              <a:t>；</a:t>
-            </a:r>
-            <a:r>
-              <a:rPr lang="en-US" altLang="zh-CN" sz="2000" dirty="0" smtClean="0"/>
-              <a:t>b</a:t>
-            </a:r>
-            <a:r>
-              <a:rPr lang="zh-CN" altLang="en-US" sz="2000" dirty="0" smtClean="0"/>
-              <a:t>增加</a:t>
-            </a:r>
-            <a:r>
-              <a:rPr lang="en-US" altLang="zh-CN" sz="2000" dirty="0" smtClean="0"/>
-              <a:t>m</a:t>
-            </a:r>
-            <a:r>
-              <a:rPr lang="zh-CN" altLang="en-US" sz="2000" dirty="0" smtClean="0"/>
-              <a:t>或</a:t>
-            </a:r>
-            <a:r>
-              <a:rPr lang="en-US" altLang="zh-CN" sz="2000" dirty="0" smtClean="0"/>
-              <a:t>m-1</a:t>
-            </a:r>
-            <a:r>
-              <a:rPr lang="zh-CN" altLang="en-US" sz="2000" dirty="0" smtClean="0"/>
-              <a:t>；代入上式：</a:t>
-            </a:r>
-            <a:endParaRPr lang="en-US" altLang="zh-CN" sz="2000" dirty="0" smtClean="0"/>
-          </a:p>
-          <a:p>
-            <a:pPr marL="0" indent="0">
-              <a:buNone/>
-            </a:pPr>
-            <a:r>
-              <a:rPr lang="en-US" altLang="zh-CN" sz="2000" dirty="0"/>
-              <a:t>	</a:t>
-            </a:r>
-            <a:endParaRPr lang="en-US" altLang="zh-CN" sz="2000" dirty="0" smtClean="0"/>
-          </a:p>
-          <a:p>
-            <a:pPr marL="0" indent="0">
-              <a:buNone/>
-            </a:pPr>
-            <a:endParaRPr lang="en-US" altLang="zh-CN" sz="2000" dirty="0" smtClean="0"/>
-          </a:p>
-          <a:p>
-            <a:pPr marL="0" indent="0">
-              <a:buNone/>
-            </a:pPr>
-            <a:endParaRPr lang="zh-CN" altLang="en-US" dirty="0"/>
-          </a:p>
-        </p:txBody>
-      </p:sp>
-      <p:pic>
-        <p:nvPicPr>
-          <p:cNvPr id="4" name="Picture 2"/>
-          <p:cNvPicPr>
-            <a:picLocks noChangeAspect="1" noChangeArrowheads="1"/>
-          </p:cNvPicPr>
-          <p:nvPr/>
-        </p:nvPicPr>
-        <p:blipFill>
-          <a:blip r:embed="rId2">
-            <a:extLst>
-              <a:ext uri="{28A0092B-C50C-407E-A947-70E740481C1C}">
-                <a14:useLocalDpi xmlns:a14="http://schemas.microsoft.com/office/drawing/2010/main" val="0"/>
-              </a:ext>
-            </a:extLst>
-          </a:blip>
-          <a:srcRect/>
-          <a:stretch>
-            <a:fillRect/>
-          </a:stretch>
-        </p:blipFill>
-        <p:spPr bwMode="auto">
-          <a:xfrm>
-            <a:off x="1881182" y="2636912"/>
-            <a:ext cx="881974" cy="864096"/>
-          </a:xfrm>
-          <a:prstGeom prst="rect">
-            <a:avLst/>
-          </a:prstGeom>
-          <a:noFill/>
-          <a:ln>
-            <a:noFill/>
-          </a:ln>
-          <a:effectLst/>
-          <a:extLst>
-            <a:ext uri="{909E8E84-426E-40DD-AFC4-6F175D3DCCD1}">
-              <a14:hiddenFill xmlns:a14="http://schemas.microsoft.com/office/drawing/2010/main">
-                <a:solidFill>
-                  <a:schemeClr val="accent1"/>
-                </a:solidFill>
-              </a14:hiddenFill>
-            </a:ext>
-            <a:ext uri="{91240B29-F687-4F45-9708-019B960494DF}">
-              <a14:hiddenLine xmlns:a14="http://schemas.microsoft.com/office/drawing/2010/main" w="9525">
-                <a:solidFill>
-                  <a:schemeClr val="tx1"/>
-                </a:solidFill>
-                <a:miter lim="800000"/>
-                <a:headEnd/>
-                <a:tailEnd/>
-              </a14:hiddenLine>
-            </a:ext>
-            <a:ext uri="{AF507438-7753-43E0-B8FC-AC1667EBCBE1}">
-              <a14:hiddenEffects xmlns:a14="http://schemas.microsoft.com/office/drawing/2010/main">
-                <a:effectLst>
-                  <a:outerShdw dist="35921" dir="2700000" algn="ctr" rotWithShape="0">
-                    <a:schemeClr val="bg2"/>
-                  </a:outerShdw>
-                </a:effectLst>
-              </a14:hiddenEffects>
-            </a:ext>
-          </a:extLst>
-        </p:spPr>
-      </p:pic>
-      <p:pic>
-        <p:nvPicPr>
-          <p:cNvPr id="5" name="Picture 3"/>
-          <p:cNvPicPr>
-            <a:picLocks noChangeAspect="1" noChangeArrowheads="1"/>
-          </p:cNvPicPr>
-          <p:nvPr/>
-        </p:nvPicPr>
-        <p:blipFill>
-          <a:blip r:embed="rId3">
-            <a:extLst>
-              <a:ext uri="{28A0092B-C50C-407E-A947-70E740481C1C}">
-                <a14:useLocalDpi xmlns:a14="http://schemas.microsoft.com/office/drawing/2010/main" val="0"/>
-              </a:ext>
-            </a:extLst>
-          </a:blip>
-          <a:srcRect/>
-          <a:stretch>
-            <a:fillRect/>
-          </a:stretch>
-        </p:blipFill>
-        <p:spPr bwMode="auto">
-          <a:xfrm>
-            <a:off x="3995937" y="2422058"/>
-            <a:ext cx="3960440" cy="1260479"/>
-          </a:xfrm>
-          <a:prstGeom prst="rect">
-            <a:avLst/>
-          </a:prstGeom>
-          <a:noFill/>
-          <a:ln>
-            <a:noFill/>
-          </a:ln>
-          <a:effectLst/>
-          <a:extLst>
-            <a:ext uri="{909E8E84-426E-40DD-AFC4-6F175D3DCCD1}">
-              <a14:hiddenFill xmlns:a14="http://schemas.microsoft.com/office/drawing/2010/main">
-                <a:solidFill>
-                  <a:schemeClr val="accent1"/>
-                </a:solidFill>
-              </a14:hiddenFill>
-            </a:ext>
-            <a:ext uri="{91240B29-F687-4F45-9708-019B960494DF}">
-              <a14:hiddenLine xmlns:a14="http://schemas.microsoft.com/office/drawing/2010/main" w="9525">
-                <a:solidFill>
-                  <a:schemeClr val="tx1"/>
-                </a:solidFill>
-                <a:miter lim="800000"/>
-                <a:headEnd/>
-                <a:tailEnd/>
-              </a14:hiddenLine>
-            </a:ext>
-            <a:ext uri="{AF507438-7753-43E0-B8FC-AC1667EBCBE1}">
-              <a14:hiddenEffects xmlns:a14="http://schemas.microsoft.com/office/drawing/2010/main">
-                <a:effectLst>
-                  <a:outerShdw dist="35921" dir="2700000" algn="ctr" rotWithShape="0">
-                    <a:schemeClr val="bg2"/>
-                  </a:outerShdw>
-                </a:effectLst>
-              </a14:hiddenEffects>
-            </a:ext>
-          </a:extLst>
-        </p:spPr>
-      </p:pic>
-      <p:pic>
-        <p:nvPicPr>
-          <p:cNvPr id="6" name="Picture 4"/>
-          <p:cNvPicPr>
-            <a:picLocks noChangeAspect="1" noChangeArrowheads="1"/>
-          </p:cNvPicPr>
-          <p:nvPr/>
-        </p:nvPicPr>
-        <p:blipFill>
-          <a:blip r:embed="rId4">
-            <a:extLst>
-              <a:ext uri="{28A0092B-C50C-407E-A947-70E740481C1C}">
-                <a14:useLocalDpi xmlns:a14="http://schemas.microsoft.com/office/drawing/2010/main" val="0"/>
-              </a:ext>
-            </a:extLst>
-          </a:blip>
-          <a:srcRect/>
-          <a:stretch>
-            <a:fillRect/>
-          </a:stretch>
-        </p:blipFill>
-        <p:spPr bwMode="auto">
-          <a:xfrm>
-            <a:off x="1881182" y="5301208"/>
-            <a:ext cx="2733675" cy="600075"/>
-          </a:xfrm>
-          <a:prstGeom prst="rect">
-            <a:avLst/>
-          </a:prstGeom>
-          <a:noFill/>
-          <a:ln>
-            <a:noFill/>
-          </a:ln>
-          <a:effectLst/>
-          <a:extLst>
-            <a:ext uri="{909E8E84-426E-40DD-AFC4-6F175D3DCCD1}">
-              <a14:hiddenFill xmlns:a14="http://schemas.microsoft.com/office/drawing/2010/main">
-                <a:solidFill>
-                  <a:schemeClr val="accent1"/>
-                </a:solidFill>
-              </a14:hiddenFill>
-            </a:ext>
-            <a:ext uri="{91240B29-F687-4F45-9708-019B960494DF}">
-              <a14:hiddenLine xmlns:a14="http://schemas.microsoft.com/office/drawing/2010/main" w="9525">
-                <a:solidFill>
-                  <a:schemeClr val="tx1"/>
-                </a:solidFill>
-                <a:miter lim="800000"/>
-                <a:headEnd/>
-                <a:tailEnd/>
-              </a14:hiddenLine>
-            </a:ext>
-            <a:ext uri="{AF507438-7753-43E0-B8FC-AC1667EBCBE1}">
-              <a14:hiddenEffects xmlns:a14="http://schemas.microsoft.com/office/drawing/2010/main">
-                <a:effectLst>
-                  <a:outerShdw dist="35921" dir="2700000" algn="ctr" rotWithShape="0">
-                    <a:schemeClr val="bg2"/>
-                  </a:outerShdw>
-                </a:effectLst>
-              </a14:hiddenEffects>
-            </a:ext>
-          </a:extLst>
-        </p:spPr>
-      </p:pic>
-    </p:spTree>
-  </p:cSld>
-  <p:clrMapOvr>
-    <a:masterClrMapping/>
-  </p:clrMapOvr>
-</p:sld>
-</file>
-
-<file path=ppt/slides/slide34.xml><?xml version="1.0" encoding="utf-8"?>
+<file path=ppt/slides/slide31.xml><?xml version="1.0" encoding="utf-8"?>
 <p:sld xmlns:a="http://schemas.openxmlformats.org/drawingml/2006/main" xmlns:r="http://schemas.openxmlformats.org/officeDocument/2006/relationships" xmlns:p="http://schemas.openxmlformats.org/presentationml/2006/main">
   <p:cSld>
     <p:spTree>
@@ -13989,7 +13526,7 @@
 </p:sld>
 </file>
 
-<file path=ppt/slides/slide35.xml><?xml version="1.0" encoding="utf-8"?>
+<file path=ppt/slides/slide32.xml><?xml version="1.0" encoding="utf-8"?>
 <p:sld xmlns:a="http://schemas.openxmlformats.org/drawingml/2006/main" xmlns:r="http://schemas.openxmlformats.org/officeDocument/2006/relationships" xmlns:p="http://schemas.openxmlformats.org/presentationml/2006/main">
   <p:cSld>
     <p:spTree>
@@ -14285,7 +13822,7 @@
 </p:sld>
 </file>
 
-<file path=ppt/slides/slide36.xml><?xml version="1.0" encoding="utf-8"?>
+<file path=ppt/slides/slide33.xml><?xml version="1.0" encoding="utf-8"?>
 <p:sld xmlns:a="http://schemas.openxmlformats.org/drawingml/2006/main" xmlns:r="http://schemas.openxmlformats.org/officeDocument/2006/relationships" xmlns:p="http://schemas.openxmlformats.org/presentationml/2006/main">
   <p:cSld>
     <p:spTree>
@@ -14672,7 +14209,7 @@
 </p:sld>
 </file>
 
-<file path=ppt/slides/slide37.xml><?xml version="1.0" encoding="utf-8"?>
+<file path=ppt/slides/slide34.xml><?xml version="1.0" encoding="utf-8"?>
 <p:sld xmlns:a="http://schemas.openxmlformats.org/drawingml/2006/main" xmlns:r="http://schemas.openxmlformats.org/officeDocument/2006/relationships" xmlns:p="http://schemas.openxmlformats.org/presentationml/2006/main">
   <p:cSld>
     <p:spTree>
@@ -14921,7 +14458,7 @@
 </p:sld>
 </file>
 
-<file path=ppt/slides/slide38.xml><?xml version="1.0" encoding="utf-8"?>
+<file path=ppt/slides/slide35.xml><?xml version="1.0" encoding="utf-8"?>
 <p:sld xmlns:a="http://schemas.openxmlformats.org/drawingml/2006/main" xmlns:r="http://schemas.openxmlformats.org/officeDocument/2006/relationships" xmlns:p="http://schemas.openxmlformats.org/presentationml/2006/main">
   <p:cSld>
     <p:spTree>
@@ -14980,7 +14517,11 @@
           <a:p>
             <a:r>
               <a:rPr lang="zh-CN" altLang="en-US" dirty="0" smtClean="0"/>
-              <a:t>透视校正（纹理映射会用到）</a:t>
+              <a:t>透视</a:t>
+            </a:r>
+            <a:r>
+              <a:rPr lang="zh-CN" altLang="en-US" dirty="0" smtClean="0"/>
+              <a:t>校正</a:t>
             </a:r>
             <a:endParaRPr lang="en-US" altLang="zh-CN" dirty="0" smtClean="0"/>
           </a:p>
@@ -15056,19 +14597,15 @@
             <a:pPr marL="0" indent="0">
               <a:buNone/>
             </a:pPr>
-            <a:endParaRPr lang="en-US" altLang="zh-CN" sz="2000" smtClean="0"/>
+            <a:endParaRPr lang="en-US" altLang="zh-CN" sz="2000" dirty="0" smtClean="0"/>
           </a:p>
           <a:p>
             <a:pPr marL="0" indent="0">
               <a:buNone/>
             </a:pPr>
             <a:r>
-              <a:rPr lang="zh-CN" altLang="en-US" sz="2000" smtClean="0"/>
-              <a:t>代入</a:t>
-            </a:r>
-            <a:r>
               <a:rPr lang="zh-CN" altLang="en-US" sz="2000" dirty="0" smtClean="0"/>
-              <a:t>到线段方程：</a:t>
+              <a:t>代入到线段方程：</a:t>
             </a:r>
             <a:endParaRPr lang="en-US" altLang="zh-CN" sz="2000" dirty="0" smtClean="0"/>
           </a:p>
@@ -15366,7 +14903,7 @@
 </p:sld>
 </file>
 
-<file path=ppt/slides/slide39.xml><?xml version="1.0" encoding="utf-8"?>
+<file path=ppt/slides/slide36.xml><?xml version="1.0" encoding="utf-8"?>
 <p:sld xmlns:a="http://schemas.openxmlformats.org/drawingml/2006/main" xmlns:r="http://schemas.openxmlformats.org/officeDocument/2006/relationships" xmlns:p="http://schemas.openxmlformats.org/presentationml/2006/main">
   <p:cSld>
     <p:spTree>
@@ -15704,190 +15241,7 @@
 </p:sld>
 </file>
 
-<file path=ppt/slides/slide4.xml><?xml version="1.0" encoding="utf-8"?>
-<p:sld xmlns:a="http://schemas.openxmlformats.org/drawingml/2006/main" xmlns:r="http://schemas.openxmlformats.org/officeDocument/2006/relationships" xmlns:p="http://schemas.openxmlformats.org/presentationml/2006/main">
-  <p:cSld>
-    <p:spTree>
-      <p:nvGrpSpPr>
-        <p:cNvPr id="1" name=""/>
-        <p:cNvGrpSpPr/>
-        <p:nvPr/>
-      </p:nvGrpSpPr>
-      <p:grpSpPr>
-        <a:xfrm>
-          <a:off x="0" y="0"/>
-          <a:ext cx="0" cy="0"/>
-          <a:chOff x="0" y="0"/>
-          <a:chExt cx="0" cy="0"/>
-        </a:xfrm>
-      </p:grpSpPr>
-      <p:sp>
-        <p:nvSpPr>
-          <p:cNvPr id="2" name="标题 1"/>
-          <p:cNvSpPr>
-            <a:spLocks noGrp="1"/>
-          </p:cNvSpPr>
-          <p:nvPr>
-            <p:ph type="title"/>
-          </p:nvPr>
-        </p:nvSpPr>
-        <p:spPr/>
-        <p:txBody>
-          <a:bodyPr/>
-          <a:lstStyle/>
-          <a:p>
-            <a:r>
-              <a:rPr lang="zh-CN" altLang="en-US" dirty="0" smtClean="0"/>
-              <a:t>目的与意义</a:t>
-            </a:r>
-            <a:endParaRPr lang="zh-CN" altLang="en-US" dirty="0"/>
-          </a:p>
-        </p:txBody>
-      </p:sp>
-      <p:sp>
-        <p:nvSpPr>
-          <p:cNvPr id="3" name="内容占位符 2"/>
-          <p:cNvSpPr>
-            <a:spLocks noGrp="1"/>
-          </p:cNvSpPr>
-          <p:nvPr>
-            <p:ph idx="1"/>
-          </p:nvPr>
-        </p:nvSpPr>
-        <p:spPr/>
-        <p:txBody>
-          <a:bodyPr>
-            <a:normAutofit/>
-          </a:bodyPr>
-          <a:lstStyle/>
-          <a:p>
-            <a:r>
-              <a:rPr lang="zh-CN" altLang="en-US" sz="2000" dirty="0" smtClean="0"/>
-              <a:t>虽然如今的</a:t>
-            </a:r>
-            <a:r>
-              <a:rPr lang="en-US" altLang="zh-CN" sz="2000" dirty="0" smtClean="0"/>
-              <a:t>GPU</a:t>
-            </a:r>
-            <a:r>
-              <a:rPr lang="zh-CN" altLang="en-US" sz="2000" dirty="0" smtClean="0"/>
-              <a:t>能力已经十分发达，并且目前也几乎没有游戏引擎用软件的方式去完成渲染。但学习软件渲染过程却可以让我们在使用如</a:t>
-            </a:r>
-            <a:r>
-              <a:rPr lang="en-US" altLang="zh-CN" sz="2000" dirty="0" smtClean="0"/>
-              <a:t>OpenGL</a:t>
-            </a:r>
-            <a:r>
-              <a:rPr lang="zh-CN" altLang="en-US" sz="2000" dirty="0" smtClean="0"/>
-              <a:t>时知道他都为我们做了什么和我们为什么要这样写程序。</a:t>
-            </a:r>
-            <a:endParaRPr lang="en-US" altLang="zh-CN" sz="2000" dirty="0" smtClean="0"/>
-          </a:p>
-          <a:p>
-            <a:endParaRPr lang="en-US" altLang="zh-CN" sz="2000" dirty="0" smtClean="0"/>
-          </a:p>
-          <a:p>
-            <a:r>
-              <a:rPr lang="zh-CN" altLang="en-US" sz="2000" dirty="0" smtClean="0"/>
-              <a:t>对软件渲染有一定了解后，更快的学习硬件渲染技术，无论是</a:t>
-            </a:r>
-            <a:r>
-              <a:rPr lang="en-US" altLang="zh-CN" sz="2000" dirty="0" smtClean="0"/>
-              <a:t>OpenGL</a:t>
-            </a:r>
-            <a:r>
-              <a:rPr lang="zh-CN" altLang="en-US" sz="2000" dirty="0" smtClean="0"/>
-              <a:t>、</a:t>
-            </a:r>
-            <a:r>
-              <a:rPr lang="en-US" altLang="zh-CN" sz="2000" dirty="0" smtClean="0"/>
-              <a:t>DX</a:t>
-            </a:r>
-            <a:r>
-              <a:rPr lang="zh-CN" altLang="en-US" sz="2000" dirty="0" smtClean="0"/>
-              <a:t>或是</a:t>
-            </a:r>
-            <a:r>
-              <a:rPr lang="en-US" altLang="zh-CN" sz="2000" dirty="0" smtClean="0"/>
-              <a:t>Metal</a:t>
-            </a:r>
-            <a:r>
-              <a:rPr lang="zh-CN" altLang="en-US" sz="2000" dirty="0" smtClean="0"/>
-              <a:t>，其底层原理基本相同。</a:t>
-            </a:r>
-            <a:endParaRPr lang="en-US" altLang="zh-CN" sz="2000" dirty="0" smtClean="0"/>
-          </a:p>
-          <a:p>
-            <a:endParaRPr lang="en-US" altLang="zh-CN" sz="2000" dirty="0" smtClean="0"/>
-          </a:p>
-          <a:p>
-            <a:r>
-              <a:rPr lang="zh-CN" altLang="en-US" sz="2000" dirty="0" smtClean="0"/>
-              <a:t>在没有</a:t>
-            </a:r>
-            <a:r>
-              <a:rPr lang="en-US" altLang="zh-CN" sz="2000" dirty="0" smtClean="0"/>
-              <a:t>OpenGL</a:t>
-            </a:r>
-            <a:r>
-              <a:rPr lang="zh-CN" altLang="en-US" sz="2000" dirty="0" smtClean="0"/>
-              <a:t>、</a:t>
-            </a:r>
-            <a:r>
-              <a:rPr lang="en-US" altLang="zh-CN" sz="2000" dirty="0" smtClean="0"/>
-              <a:t>DX</a:t>
-            </a:r>
-            <a:r>
-              <a:rPr lang="zh-CN" altLang="en-US" sz="2000" dirty="0" smtClean="0"/>
-              <a:t>知识的情况下也能实现</a:t>
-            </a:r>
-            <a:r>
-              <a:rPr lang="en-US" altLang="zh-CN" sz="2000" dirty="0" smtClean="0"/>
-              <a:t>3D</a:t>
-            </a:r>
-            <a:r>
-              <a:rPr lang="zh-CN" altLang="en-US" sz="2000" dirty="0" smtClean="0"/>
-              <a:t>渲染。</a:t>
-            </a:r>
-            <a:endParaRPr lang="en-US" altLang="zh-CN" sz="2000" dirty="0" smtClean="0"/>
-          </a:p>
-          <a:p>
-            <a:endParaRPr lang="en-US" altLang="zh-CN" sz="2000" dirty="0" smtClean="0"/>
-          </a:p>
-          <a:p>
-            <a:r>
-              <a:rPr lang="zh-CN" altLang="en-US" sz="2000" dirty="0" smtClean="0"/>
-              <a:t>我甚至可以去实现</a:t>
-            </a:r>
-            <a:r>
-              <a:rPr lang="en-US" altLang="zh-CN" sz="2000" dirty="0" smtClean="0"/>
-              <a:t>OpenGL</a:t>
-            </a:r>
-            <a:r>
-              <a:rPr lang="zh-CN" altLang="en-US" sz="2000" dirty="0" smtClean="0"/>
-              <a:t>、</a:t>
-            </a:r>
-            <a:r>
-              <a:rPr lang="en-US" altLang="zh-CN" sz="2000" dirty="0" smtClean="0"/>
-              <a:t>DX</a:t>
-            </a:r>
-            <a:r>
-              <a:rPr lang="zh-CN" altLang="en-US" sz="2000" dirty="0" smtClean="0"/>
-              <a:t>（豪言壮语）！</a:t>
-            </a:r>
-            <a:endParaRPr lang="zh-CN" altLang="en-US" sz="2000" dirty="0"/>
-          </a:p>
-        </p:txBody>
-      </p:sp>
-    </p:spTree>
-  </p:cSld>
-  <p:clrMapOvr>
-    <a:masterClrMapping/>
-  </p:clrMapOvr>
-</p:sld>
-</file>
-
-<file path=ppt/slides/slide40.xml><?xml version="1.0" encoding="utf-8"?>
+<file path=ppt/slides/slide37.xml><?xml version="1.0" encoding="utf-8"?>
 <p:sld xmlns:a="http://schemas.openxmlformats.org/drawingml/2006/main" xmlns:r="http://schemas.openxmlformats.org/officeDocument/2006/relationships" xmlns:p="http://schemas.openxmlformats.org/presentationml/2006/main">
   <p:cSld>
     <p:spTree>
@@ -16258,7 +15612,7 @@
 </p:sld>
 </file>
 
-<file path=ppt/slides/slide41.xml><?xml version="1.0" encoding="utf-8"?>
+<file path=ppt/slides/slide38.xml><?xml version="1.0" encoding="utf-8"?>
 <p:sld xmlns:a="http://schemas.openxmlformats.org/drawingml/2006/main" xmlns:r="http://schemas.openxmlformats.org/officeDocument/2006/relationships" xmlns:p="http://schemas.openxmlformats.org/presentationml/2006/main">
   <p:cSld>
     <p:spTree>
@@ -16458,7 +15812,7 @@
 </p:sld>
 </file>
 
-<file path=ppt/slides/slide42.xml><?xml version="1.0" encoding="utf-8"?>
+<file path=ppt/slides/slide39.xml><?xml version="1.0" encoding="utf-8"?>
 <p:sld xmlns:a="http://schemas.openxmlformats.org/drawingml/2006/main" xmlns:r="http://schemas.openxmlformats.org/officeDocument/2006/relationships" xmlns:p="http://schemas.openxmlformats.org/presentationml/2006/main">
   <p:cSld>
     <p:spTree>
@@ -16679,7 +16033,190 @@
 </p:sld>
 </file>
 
-<file path=ppt/slides/slide43.xml><?xml version="1.0" encoding="utf-8"?>
+<file path=ppt/slides/slide4.xml><?xml version="1.0" encoding="utf-8"?>
+<p:sld xmlns:a="http://schemas.openxmlformats.org/drawingml/2006/main" xmlns:r="http://schemas.openxmlformats.org/officeDocument/2006/relationships" xmlns:p="http://schemas.openxmlformats.org/presentationml/2006/main">
+  <p:cSld>
+    <p:spTree>
+      <p:nvGrpSpPr>
+        <p:cNvPr id="1" name=""/>
+        <p:cNvGrpSpPr/>
+        <p:nvPr/>
+      </p:nvGrpSpPr>
+      <p:grpSpPr>
+        <a:xfrm>
+          <a:off x="0" y="0"/>
+          <a:ext cx="0" cy="0"/>
+          <a:chOff x="0" y="0"/>
+          <a:chExt cx="0" cy="0"/>
+        </a:xfrm>
+      </p:grpSpPr>
+      <p:sp>
+        <p:nvSpPr>
+          <p:cNvPr id="2" name="标题 1"/>
+          <p:cNvSpPr>
+            <a:spLocks noGrp="1"/>
+          </p:cNvSpPr>
+          <p:nvPr>
+            <p:ph type="title"/>
+          </p:nvPr>
+        </p:nvSpPr>
+        <p:spPr/>
+        <p:txBody>
+          <a:bodyPr/>
+          <a:lstStyle/>
+          <a:p>
+            <a:r>
+              <a:rPr lang="zh-CN" altLang="en-US" dirty="0" smtClean="0"/>
+              <a:t>目的与意义</a:t>
+            </a:r>
+            <a:endParaRPr lang="zh-CN" altLang="en-US" dirty="0"/>
+          </a:p>
+        </p:txBody>
+      </p:sp>
+      <p:sp>
+        <p:nvSpPr>
+          <p:cNvPr id="3" name="内容占位符 2"/>
+          <p:cNvSpPr>
+            <a:spLocks noGrp="1"/>
+          </p:cNvSpPr>
+          <p:nvPr>
+            <p:ph idx="1"/>
+          </p:nvPr>
+        </p:nvSpPr>
+        <p:spPr/>
+        <p:txBody>
+          <a:bodyPr>
+            <a:normAutofit/>
+          </a:bodyPr>
+          <a:lstStyle/>
+          <a:p>
+            <a:r>
+              <a:rPr lang="zh-CN" altLang="en-US" sz="2000" dirty="0" smtClean="0"/>
+              <a:t>虽然如今的</a:t>
+            </a:r>
+            <a:r>
+              <a:rPr lang="en-US" altLang="zh-CN" sz="2000" dirty="0" smtClean="0"/>
+              <a:t>GPU</a:t>
+            </a:r>
+            <a:r>
+              <a:rPr lang="zh-CN" altLang="en-US" sz="2000" dirty="0" smtClean="0"/>
+              <a:t>能力已经十分发达，并且目前也几乎没有游戏引擎用软件的方式去完成渲染。但学习软件渲染过程却可以让我们在使用如</a:t>
+            </a:r>
+            <a:r>
+              <a:rPr lang="en-US" altLang="zh-CN" sz="2000" dirty="0" smtClean="0"/>
+              <a:t>OpenGL</a:t>
+            </a:r>
+            <a:r>
+              <a:rPr lang="zh-CN" altLang="en-US" sz="2000" dirty="0" smtClean="0"/>
+              <a:t>时知道他都为我们做了什么和我们为什么要这样写程序。</a:t>
+            </a:r>
+            <a:endParaRPr lang="en-US" altLang="zh-CN" sz="2000" dirty="0" smtClean="0"/>
+          </a:p>
+          <a:p>
+            <a:endParaRPr lang="en-US" altLang="zh-CN" sz="2000" dirty="0" smtClean="0"/>
+          </a:p>
+          <a:p>
+            <a:r>
+              <a:rPr lang="zh-CN" altLang="en-US" sz="2000" dirty="0" smtClean="0"/>
+              <a:t>对软件渲染有一定了解后，更快的学习硬件渲染技术，无论是</a:t>
+            </a:r>
+            <a:r>
+              <a:rPr lang="en-US" altLang="zh-CN" sz="2000" dirty="0" smtClean="0"/>
+              <a:t>OpenGL</a:t>
+            </a:r>
+            <a:r>
+              <a:rPr lang="zh-CN" altLang="en-US" sz="2000" dirty="0" smtClean="0"/>
+              <a:t>、</a:t>
+            </a:r>
+            <a:r>
+              <a:rPr lang="en-US" altLang="zh-CN" sz="2000" dirty="0" smtClean="0"/>
+              <a:t>DX</a:t>
+            </a:r>
+            <a:r>
+              <a:rPr lang="zh-CN" altLang="en-US" sz="2000" dirty="0" smtClean="0"/>
+              <a:t>或是</a:t>
+            </a:r>
+            <a:r>
+              <a:rPr lang="en-US" altLang="zh-CN" sz="2000" dirty="0" smtClean="0"/>
+              <a:t>Metal</a:t>
+            </a:r>
+            <a:r>
+              <a:rPr lang="zh-CN" altLang="en-US" sz="2000" dirty="0" smtClean="0"/>
+              <a:t>，其底层原理基本相同。</a:t>
+            </a:r>
+            <a:endParaRPr lang="en-US" altLang="zh-CN" sz="2000" dirty="0" smtClean="0"/>
+          </a:p>
+          <a:p>
+            <a:endParaRPr lang="en-US" altLang="zh-CN" sz="2000" dirty="0" smtClean="0"/>
+          </a:p>
+          <a:p>
+            <a:r>
+              <a:rPr lang="zh-CN" altLang="en-US" sz="2000" dirty="0" smtClean="0"/>
+              <a:t>在没有</a:t>
+            </a:r>
+            <a:r>
+              <a:rPr lang="en-US" altLang="zh-CN" sz="2000" dirty="0" smtClean="0"/>
+              <a:t>OpenGL</a:t>
+            </a:r>
+            <a:r>
+              <a:rPr lang="zh-CN" altLang="en-US" sz="2000" dirty="0" smtClean="0"/>
+              <a:t>、</a:t>
+            </a:r>
+            <a:r>
+              <a:rPr lang="en-US" altLang="zh-CN" sz="2000" dirty="0" smtClean="0"/>
+              <a:t>DX</a:t>
+            </a:r>
+            <a:r>
+              <a:rPr lang="zh-CN" altLang="en-US" sz="2000" dirty="0" smtClean="0"/>
+              <a:t>知识的情况下也能实现</a:t>
+            </a:r>
+            <a:r>
+              <a:rPr lang="en-US" altLang="zh-CN" sz="2000" dirty="0" smtClean="0"/>
+              <a:t>3D</a:t>
+            </a:r>
+            <a:r>
+              <a:rPr lang="zh-CN" altLang="en-US" sz="2000" dirty="0" smtClean="0"/>
+              <a:t>渲染。</a:t>
+            </a:r>
+            <a:endParaRPr lang="en-US" altLang="zh-CN" sz="2000" dirty="0" smtClean="0"/>
+          </a:p>
+          <a:p>
+            <a:endParaRPr lang="en-US" altLang="zh-CN" sz="2000" dirty="0" smtClean="0"/>
+          </a:p>
+          <a:p>
+            <a:r>
+              <a:rPr lang="zh-CN" altLang="en-US" sz="2000" dirty="0" smtClean="0"/>
+              <a:t>我甚至可以去实现</a:t>
+            </a:r>
+            <a:r>
+              <a:rPr lang="en-US" altLang="zh-CN" sz="2000" dirty="0" smtClean="0"/>
+              <a:t>OpenGL</a:t>
+            </a:r>
+            <a:r>
+              <a:rPr lang="zh-CN" altLang="en-US" sz="2000" dirty="0" smtClean="0"/>
+              <a:t>、</a:t>
+            </a:r>
+            <a:r>
+              <a:rPr lang="en-US" altLang="zh-CN" sz="2000" dirty="0" smtClean="0"/>
+              <a:t>DX</a:t>
+            </a:r>
+            <a:r>
+              <a:rPr lang="zh-CN" altLang="en-US" sz="2000" dirty="0" smtClean="0"/>
+              <a:t>（豪言壮语）！</a:t>
+            </a:r>
+            <a:endParaRPr lang="zh-CN" altLang="en-US" sz="2000" dirty="0"/>
+          </a:p>
+        </p:txBody>
+      </p:sp>
+    </p:spTree>
+  </p:cSld>
+  <p:clrMapOvr>
+    <a:masterClrMapping/>
+  </p:clrMapOvr>
+</p:sld>
+</file>
+
+<file path=ppt/slides/slide40.xml><?xml version="1.0" encoding="utf-8"?>
 <p:sld xmlns:a="http://schemas.openxmlformats.org/drawingml/2006/main" xmlns:r="http://schemas.openxmlformats.org/officeDocument/2006/relationships" xmlns:p="http://schemas.openxmlformats.org/presentationml/2006/main">
   <p:cSld>
     <p:spTree>
@@ -16957,7 +16494,7 @@
 </p:sld>
 </file>
 
-<file path=ppt/slides/slide44.xml><?xml version="1.0" encoding="utf-8"?>
+<file path=ppt/slides/slide41.xml><?xml version="1.0" encoding="utf-8"?>
 <p:sld xmlns:a="http://schemas.openxmlformats.org/drawingml/2006/main" xmlns:r="http://schemas.openxmlformats.org/officeDocument/2006/relationships" xmlns:p="http://schemas.openxmlformats.org/presentationml/2006/main">
   <p:cSld>
     <p:spTree>
@@ -17070,7 +16607,7 @@
 </p:sld>
 </file>
 
-<file path=ppt/slides/slide45.xml><?xml version="1.0" encoding="utf-8"?>
+<file path=ppt/slides/slide42.xml><?xml version="1.0" encoding="utf-8"?>
 <p:sld xmlns:a="http://schemas.openxmlformats.org/drawingml/2006/main" xmlns:r="http://schemas.openxmlformats.org/officeDocument/2006/relationships" xmlns:p="http://schemas.openxmlformats.org/presentationml/2006/main">
   <p:cSld>
     <p:spTree>
@@ -17447,7 +16984,7 @@
 </p:sld>
 </file>
 
-<file path=ppt/slides/slide46.xml><?xml version="1.0" encoding="utf-8"?>
+<file path=ppt/slides/slide43.xml><?xml version="1.0" encoding="utf-8"?>
 <p:sld xmlns:a="http://schemas.openxmlformats.org/drawingml/2006/main" xmlns:r="http://schemas.openxmlformats.org/officeDocument/2006/relationships" xmlns:p="http://schemas.openxmlformats.org/presentationml/2006/main">
   <p:cSld>
     <p:spTree>
@@ -17582,7 +17119,7 @@
 </p:sld>
 </file>
 
-<file path=ppt/slides/slide47.xml><?xml version="1.0" encoding="utf-8"?>
+<file path=ppt/slides/slide44.xml><?xml version="1.0" encoding="utf-8"?>
 <p:sld xmlns:a="http://schemas.openxmlformats.org/drawingml/2006/main" xmlns:r="http://schemas.openxmlformats.org/officeDocument/2006/relationships" xmlns:p="http://schemas.openxmlformats.org/presentationml/2006/main">
   <p:cSld>
     <p:spTree>
@@ -17727,6 +17264,569 @@
 </p:sld>
 </file>
 
+<file path=ppt/slides/slide45.xml><?xml version="1.0" encoding="utf-8"?>
+<p:sld xmlns:a="http://schemas.openxmlformats.org/drawingml/2006/main" xmlns:r="http://schemas.openxmlformats.org/officeDocument/2006/relationships" xmlns:p="http://schemas.openxmlformats.org/presentationml/2006/main">
+  <p:cSld>
+    <p:spTree>
+      <p:nvGrpSpPr>
+        <p:cNvPr id="1" name=""/>
+        <p:cNvGrpSpPr/>
+        <p:nvPr/>
+      </p:nvGrpSpPr>
+      <p:grpSpPr>
+        <a:xfrm>
+          <a:off x="0" y="0"/>
+          <a:ext cx="0" cy="0"/>
+          <a:chOff x="0" y="0"/>
+          <a:chExt cx="0" cy="0"/>
+        </a:xfrm>
+      </p:grpSpPr>
+      <p:sp>
+        <p:nvSpPr>
+          <p:cNvPr id="2" name="标题 1"/>
+          <p:cNvSpPr>
+            <a:spLocks noGrp="1"/>
+          </p:cNvSpPr>
+          <p:nvPr>
+            <p:ph type="title"/>
+          </p:nvPr>
+        </p:nvSpPr>
+        <p:spPr/>
+        <p:txBody>
+          <a:bodyPr/>
+          <a:lstStyle/>
+          <a:p>
+            <a:r>
+              <a:rPr lang="zh-CN" altLang="en-US" dirty="0" smtClean="0"/>
+              <a:t>基本光照模型</a:t>
+            </a:r>
+            <a:endParaRPr lang="zh-CN" altLang="en-US" dirty="0"/>
+          </a:p>
+        </p:txBody>
+      </p:sp>
+      <p:sp>
+        <p:nvSpPr>
+          <p:cNvPr id="3" name="内容占位符 2"/>
+          <p:cNvSpPr>
+            <a:spLocks noGrp="1"/>
+          </p:cNvSpPr>
+          <p:nvPr>
+            <p:ph idx="1"/>
+          </p:nvPr>
+        </p:nvSpPr>
+        <p:spPr/>
+        <p:txBody>
+          <a:bodyPr>
+            <a:normAutofit fontScale="85000" lnSpcReduction="20000"/>
+          </a:bodyPr>
+          <a:lstStyle/>
+          <a:p>
+            <a:r>
+              <a:rPr lang="en-US" altLang="zh-CN" dirty="0" err="1" smtClean="0"/>
+              <a:t>Gouraud</a:t>
+            </a:r>
+            <a:r>
+              <a:rPr lang="zh-CN" altLang="en-US" dirty="0" smtClean="0"/>
+              <a:t>着色</a:t>
+            </a:r>
+            <a:endParaRPr lang="en-US" altLang="zh-CN" dirty="0" smtClean="0"/>
+          </a:p>
+          <a:p>
+            <a:pPr lvl="1"/>
+            <a:r>
+              <a:rPr lang="zh-CN" altLang="en-US" dirty="0"/>
+              <a:t>按顶点计算明暗色调</a:t>
+            </a:r>
+            <a:endParaRPr lang="en-US" altLang="zh-CN" dirty="0"/>
+          </a:p>
+          <a:p>
+            <a:pPr lvl="1"/>
+            <a:r>
+              <a:rPr lang="zh-CN" altLang="en-US" dirty="0"/>
+              <a:t>根据多边形各顶点的明暗色调在多边形内部插值得到每个像素的明暗色调</a:t>
+            </a:r>
+            <a:r>
+              <a:rPr lang="zh-CN" altLang="en-US" dirty="0" smtClean="0"/>
+              <a:t>。</a:t>
+            </a:r>
+            <a:endParaRPr lang="en-US" altLang="zh-CN" dirty="0" smtClean="0"/>
+          </a:p>
+          <a:p>
+            <a:pPr marL="457200" lvl="1" indent="0">
+              <a:buNone/>
+            </a:pPr>
+            <a:r>
+              <a:rPr lang="zh-CN" altLang="en-US" dirty="0" smtClean="0"/>
+              <a:t>（使用硬件渲染时，光照计算写在</a:t>
+            </a:r>
+            <a:r>
+              <a:rPr lang="en-US" altLang="zh-CN" dirty="0" smtClean="0"/>
+              <a:t>vertex </a:t>
+            </a:r>
+            <a:r>
+              <a:rPr lang="en-US" altLang="zh-CN" dirty="0" err="1" smtClean="0"/>
+              <a:t>shader</a:t>
+            </a:r>
+            <a:r>
+              <a:rPr lang="zh-CN" altLang="en-US" dirty="0" smtClean="0"/>
+              <a:t>中）</a:t>
+            </a:r>
+            <a:endParaRPr lang="en-US" altLang="zh-CN" dirty="0" smtClean="0"/>
+          </a:p>
+          <a:p>
+            <a:r>
+              <a:rPr lang="en-US" altLang="zh-CN" dirty="0" err="1" smtClean="0"/>
+              <a:t>Phong</a:t>
+            </a:r>
+            <a:r>
+              <a:rPr lang="zh-CN" altLang="en-US" dirty="0" smtClean="0"/>
+              <a:t>着色</a:t>
+            </a:r>
+            <a:endParaRPr lang="en-US" altLang="zh-CN" dirty="0" smtClean="0"/>
+          </a:p>
+          <a:p>
+            <a:pPr lvl="1"/>
+            <a:r>
+              <a:rPr lang="zh-CN" altLang="en-US" dirty="0" smtClean="0"/>
+              <a:t>对顶点的法向量进行插值，得到多边形内部每一点的法向量（当使用硬件加速，硬件内部为我们做了插值计算）。</a:t>
+            </a:r>
+            <a:endParaRPr lang="en-US" altLang="zh-CN" dirty="0" smtClean="0"/>
+          </a:p>
+          <a:p>
+            <a:pPr lvl="1"/>
+            <a:r>
+              <a:rPr lang="zh-CN" altLang="en-US" dirty="0" smtClean="0"/>
+              <a:t>在每个片段应用光照模型计算。</a:t>
+            </a:r>
+            <a:endParaRPr lang="en-US" altLang="zh-CN" dirty="0" smtClean="0"/>
+          </a:p>
+          <a:p>
+            <a:pPr marL="457200" lvl="1" indent="0">
+              <a:buNone/>
+            </a:pPr>
+            <a:r>
+              <a:rPr lang="zh-CN" altLang="en-US" dirty="0" smtClean="0"/>
+              <a:t>（使用硬件渲染时，光照计算写在</a:t>
+            </a:r>
+            <a:r>
+              <a:rPr lang="en-US" altLang="zh-CN" dirty="0" smtClean="0"/>
+              <a:t>fragment/pixel </a:t>
+            </a:r>
+            <a:r>
+              <a:rPr lang="en-US" altLang="zh-CN" dirty="0" err="1" smtClean="0"/>
+              <a:t>shader</a:t>
+            </a:r>
+            <a:r>
+              <a:rPr lang="zh-CN" altLang="en-US" dirty="0" smtClean="0"/>
+              <a:t>中）</a:t>
+            </a:r>
+            <a:endParaRPr lang="en-US" altLang="zh-CN" dirty="0" smtClean="0"/>
+          </a:p>
+        </p:txBody>
+      </p:sp>
+    </p:spTree>
+  </p:cSld>
+  <p:clrMapOvr>
+    <a:masterClrMapping/>
+  </p:clrMapOvr>
+</p:sld>
+</file>
+
+<file path=ppt/slides/slide46.xml><?xml version="1.0" encoding="utf-8"?>
+<p:sld xmlns:a="http://schemas.openxmlformats.org/drawingml/2006/main" xmlns:r="http://schemas.openxmlformats.org/officeDocument/2006/relationships" xmlns:p="http://schemas.openxmlformats.org/presentationml/2006/main">
+  <p:cSld>
+    <p:spTree>
+      <p:nvGrpSpPr>
+        <p:cNvPr id="1" name=""/>
+        <p:cNvGrpSpPr/>
+        <p:nvPr/>
+      </p:nvGrpSpPr>
+      <p:grpSpPr>
+        <a:xfrm>
+          <a:off x="0" y="0"/>
+          <a:ext cx="0" cy="0"/>
+          <a:chOff x="0" y="0"/>
+          <a:chExt cx="0" cy="0"/>
+        </a:xfrm>
+      </p:grpSpPr>
+      <p:sp>
+        <p:nvSpPr>
+          <p:cNvPr id="2" name="标题 1"/>
+          <p:cNvSpPr>
+            <a:spLocks noGrp="1"/>
+          </p:cNvSpPr>
+          <p:nvPr>
+            <p:ph type="title"/>
+          </p:nvPr>
+        </p:nvSpPr>
+        <p:spPr/>
+        <p:txBody>
+          <a:bodyPr/>
+          <a:lstStyle/>
+          <a:p>
+            <a:r>
+              <a:rPr lang="zh-CN" altLang="en-US" dirty="0" smtClean="0"/>
+              <a:t>高级光照技术</a:t>
+            </a:r>
+            <a:endParaRPr lang="zh-CN" altLang="en-US" dirty="0"/>
+          </a:p>
+        </p:txBody>
+      </p:sp>
+      <p:sp>
+        <p:nvSpPr>
+          <p:cNvPr id="3" name="内容占位符 2"/>
+          <p:cNvSpPr>
+            <a:spLocks noGrp="1"/>
+          </p:cNvSpPr>
+          <p:nvPr>
+            <p:ph idx="1"/>
+          </p:nvPr>
+        </p:nvSpPr>
+        <p:spPr/>
+        <p:txBody>
+          <a:bodyPr/>
+          <a:lstStyle/>
+          <a:p>
+            <a:r>
+              <a:rPr lang="zh-CN" altLang="en-US" dirty="0" smtClean="0"/>
+              <a:t>局部光照模型的限制</a:t>
+            </a:r>
+            <a:endParaRPr lang="en-US" altLang="zh-CN" dirty="0" smtClean="0"/>
+          </a:p>
+          <a:p>
+            <a:pPr lvl="1"/>
+            <a:r>
+              <a:rPr lang="zh-CN" altLang="en-US" dirty="0" smtClean="0"/>
+              <a:t>只是处理光源直接照射物体表面的光强计算，不能很好的模拟光的折射、反射和阴影等效果，不能用来表示物体间的相互光照影响。</a:t>
+            </a:r>
+            <a:endParaRPr lang="en-US" altLang="zh-CN" dirty="0" smtClean="0"/>
+          </a:p>
+          <a:p>
+            <a:pPr lvl="1"/>
+            <a:endParaRPr lang="en-US" altLang="zh-CN" dirty="0" smtClean="0"/>
+          </a:p>
+          <a:p>
+            <a:r>
+              <a:rPr lang="zh-CN" altLang="en-US" dirty="0" smtClean="0"/>
+              <a:t>全局光照模型</a:t>
+            </a:r>
+            <a:endParaRPr lang="en-US" altLang="zh-CN" dirty="0" smtClean="0"/>
+          </a:p>
+          <a:p>
+            <a:pPr lvl="1"/>
+            <a:r>
+              <a:rPr lang="zh-CN" altLang="en-US" dirty="0" smtClean="0"/>
+              <a:t>光线跟踪技术</a:t>
+            </a:r>
+            <a:endParaRPr lang="en-US" altLang="zh-CN" dirty="0" smtClean="0"/>
+          </a:p>
+          <a:p>
+            <a:pPr lvl="1"/>
+            <a:r>
+              <a:rPr lang="zh-CN" altLang="en-US" dirty="0" smtClean="0"/>
+              <a:t>辐射度算法</a:t>
+            </a:r>
+            <a:endParaRPr lang="zh-CN" altLang="en-US" dirty="0"/>
+          </a:p>
+        </p:txBody>
+      </p:sp>
+      <p:pic>
+        <p:nvPicPr>
+          <p:cNvPr id="7" name="Picture 2"/>
+          <p:cNvPicPr>
+            <a:picLocks noChangeAspect="1" noChangeArrowheads="1"/>
+          </p:cNvPicPr>
+          <p:nvPr/>
+        </p:nvPicPr>
+        <p:blipFill>
+          <a:blip r:embed="rId2">
+            <a:extLst>
+              <a:ext uri="{28A0092B-C50C-407E-A947-70E740481C1C}">
+                <a14:useLocalDpi xmlns:a14="http://schemas.microsoft.com/office/drawing/2010/main" val="0"/>
+              </a:ext>
+            </a:extLst>
+          </a:blip>
+          <a:srcRect/>
+          <a:stretch>
+            <a:fillRect/>
+          </a:stretch>
+        </p:blipFill>
+        <p:spPr bwMode="auto">
+          <a:xfrm>
+            <a:off x="4932040" y="3789040"/>
+            <a:ext cx="2870910" cy="2145208"/>
+          </a:xfrm>
+          <a:prstGeom prst="rect">
+            <a:avLst/>
+          </a:prstGeom>
+          <a:noFill/>
+          <a:ln>
+            <a:noFill/>
+          </a:ln>
+          <a:effectLst/>
+          <a:extLst>
+            <a:ext uri="{909E8E84-426E-40DD-AFC4-6F175D3DCCD1}">
+              <a14:hiddenFill xmlns:a14="http://schemas.microsoft.com/office/drawing/2010/main">
+                <a:solidFill>
+                  <a:schemeClr val="accent1"/>
+                </a:solidFill>
+              </a14:hiddenFill>
+            </a:ext>
+            <a:ext uri="{91240B29-F687-4F45-9708-019B960494DF}">
+              <a14:hiddenLine xmlns:a14="http://schemas.microsoft.com/office/drawing/2010/main" w="9525">
+                <a:solidFill>
+                  <a:schemeClr val="tx1"/>
+                </a:solidFill>
+                <a:miter lim="800000"/>
+                <a:headEnd/>
+                <a:tailEnd/>
+              </a14:hiddenLine>
+            </a:ext>
+            <a:ext uri="{AF507438-7753-43E0-B8FC-AC1667EBCBE1}">
+              <a14:hiddenEffects xmlns:a14="http://schemas.microsoft.com/office/drawing/2010/main">
+                <a:effectLst>
+                  <a:outerShdw dist="35921" dir="2700000" algn="ctr" rotWithShape="0">
+                    <a:schemeClr val="bg2"/>
+                  </a:outerShdw>
+                </a:effectLst>
+              </a14:hiddenEffects>
+            </a:ext>
+          </a:extLst>
+        </p:spPr>
+      </p:pic>
+    </p:spTree>
+  </p:cSld>
+  <p:clrMapOvr>
+    <a:masterClrMapping/>
+  </p:clrMapOvr>
+</p:sld>
+</file>
+
+<file path=ppt/slides/slide47.xml><?xml version="1.0" encoding="utf-8"?>
+<p:sld xmlns:a="http://schemas.openxmlformats.org/drawingml/2006/main" xmlns:r="http://schemas.openxmlformats.org/officeDocument/2006/relationships" xmlns:p="http://schemas.openxmlformats.org/presentationml/2006/main">
+  <p:cSld>
+    <p:spTree>
+      <p:nvGrpSpPr>
+        <p:cNvPr id="1" name=""/>
+        <p:cNvGrpSpPr/>
+        <p:nvPr/>
+      </p:nvGrpSpPr>
+      <p:grpSpPr>
+        <a:xfrm>
+          <a:off x="0" y="0"/>
+          <a:ext cx="0" cy="0"/>
+          <a:chOff x="0" y="0"/>
+          <a:chExt cx="0" cy="0"/>
+        </a:xfrm>
+      </p:grpSpPr>
+      <p:sp>
+        <p:nvSpPr>
+          <p:cNvPr id="2" name="标题 1"/>
+          <p:cNvSpPr>
+            <a:spLocks noGrp="1"/>
+          </p:cNvSpPr>
+          <p:nvPr>
+            <p:ph type="title"/>
+          </p:nvPr>
+        </p:nvSpPr>
+        <p:spPr/>
+        <p:txBody>
+          <a:bodyPr/>
+          <a:lstStyle/>
+          <a:p>
+            <a:r>
+              <a:rPr lang="zh-CN" altLang="en-US" dirty="0" smtClean="0"/>
+              <a:t>高级光照技术</a:t>
+            </a:r>
+            <a:endParaRPr lang="zh-CN" altLang="en-US" dirty="0"/>
+          </a:p>
+        </p:txBody>
+      </p:sp>
+      <p:sp>
+        <p:nvSpPr>
+          <p:cNvPr id="3" name="内容占位符 2"/>
+          <p:cNvSpPr>
+            <a:spLocks noGrp="1"/>
+          </p:cNvSpPr>
+          <p:nvPr>
+            <p:ph idx="1"/>
+          </p:nvPr>
+        </p:nvSpPr>
+        <p:spPr/>
+        <p:txBody>
+          <a:bodyPr>
+            <a:normAutofit fontScale="92500" lnSpcReduction="10000"/>
+          </a:bodyPr>
+          <a:lstStyle/>
+          <a:p>
+            <a:r>
+              <a:rPr lang="zh-CN" altLang="en-US" dirty="0" smtClean="0"/>
+              <a:t>光线跟踪技术</a:t>
+            </a:r>
+            <a:r>
+              <a:rPr lang="zh-CN" altLang="en-US" dirty="0"/>
+              <a:t>（</a:t>
+            </a:r>
+            <a:r>
+              <a:rPr lang="en-US" altLang="zh-CN" dirty="0"/>
+              <a:t>Ray tracing</a:t>
+            </a:r>
+            <a:r>
+              <a:rPr lang="zh-CN" altLang="en-US" dirty="0" smtClean="0"/>
+              <a:t>）</a:t>
+            </a:r>
+            <a:endParaRPr lang="en-US" altLang="zh-CN" dirty="0" smtClean="0"/>
+          </a:p>
+          <a:p>
+            <a:r>
+              <a:rPr lang="zh-CN" altLang="en-US" sz="2000" dirty="0"/>
+              <a:t>经典光线跟踪算法：由视点向屏幕上所有像素中心发射光线，对每一条光线与场景中物体的最近交点，递归进行反射和折射的计算。</a:t>
+            </a:r>
+          </a:p>
+          <a:p>
+            <a:r>
+              <a:rPr lang="zh-CN" altLang="en-US" sz="2000" dirty="0"/>
+              <a:t>交点处的光亮由三部分产生：</a:t>
+            </a:r>
+          </a:p>
+          <a:p>
+            <a:pPr marL="0" indent="0">
+              <a:buNone/>
+            </a:pPr>
+            <a:r>
+              <a:rPr lang="zh-CN" altLang="en-US" sz="2000" dirty="0" smtClean="0"/>
+              <a:t>（</a:t>
+            </a:r>
+            <a:r>
+              <a:rPr lang="en-US" altLang="zh-CN" sz="2000" dirty="0"/>
+              <a:t>1</a:t>
+            </a:r>
+            <a:r>
+              <a:rPr lang="zh-CN" altLang="en-US" sz="2000" dirty="0"/>
+              <a:t>）光源直接照射</a:t>
+            </a:r>
+          </a:p>
+          <a:p>
+            <a:pPr marL="0" indent="0">
+              <a:buNone/>
+            </a:pPr>
+            <a:r>
+              <a:rPr lang="zh-CN" altLang="en-US" sz="2000" dirty="0"/>
+              <a:t>（</a:t>
+            </a:r>
+            <a:r>
+              <a:rPr lang="en-US" altLang="zh-CN" sz="2000" dirty="0"/>
+              <a:t>2</a:t>
+            </a:r>
+            <a:r>
+              <a:rPr lang="zh-CN" altLang="en-US" sz="2000" dirty="0"/>
+              <a:t>）场景中其它物体通过该点向视点方向的反射</a:t>
+            </a:r>
+          </a:p>
+          <a:p>
+            <a:pPr marL="0" indent="0">
+              <a:buNone/>
+            </a:pPr>
+            <a:r>
+              <a:rPr lang="zh-CN" altLang="en-US" sz="2000" dirty="0" smtClean="0"/>
+              <a:t>（</a:t>
+            </a:r>
+            <a:r>
+              <a:rPr lang="en-US" altLang="zh-CN" sz="2000" dirty="0"/>
+              <a:t>3</a:t>
+            </a:r>
+            <a:r>
+              <a:rPr lang="zh-CN" altLang="en-US" sz="2000" dirty="0"/>
+              <a:t>）场景中其它物体通过该点向视点方向的折射</a:t>
+            </a:r>
+          </a:p>
+          <a:p>
+            <a:r>
+              <a:rPr lang="zh-CN" altLang="en-US" sz="2000" dirty="0"/>
+              <a:t>算法执行过程中首先要通过从将计算的点向光源方向发射一条射线进行阴影计算，检测到不透明物体产生阴影，透明</a:t>
+            </a:r>
+            <a:r>
+              <a:rPr lang="zh-CN" altLang="en-US" sz="2000" dirty="0" smtClean="0"/>
+              <a:t>物体衰减光强</a:t>
+            </a:r>
+            <a:r>
+              <a:rPr lang="zh-CN" altLang="en-US" sz="2000" dirty="0"/>
+              <a:t>。</a:t>
+            </a:r>
+          </a:p>
+          <a:p>
+            <a:r>
+              <a:rPr lang="zh-CN" altLang="en-US" sz="2000" dirty="0"/>
+              <a:t>光线跟踪终止条件：</a:t>
+            </a:r>
+          </a:p>
+          <a:p>
+            <a:pPr marL="0" indent="0">
+              <a:buNone/>
+            </a:pPr>
+            <a:r>
+              <a:rPr lang="zh-CN" altLang="en-US" sz="2000" dirty="0"/>
+              <a:t>（</a:t>
+            </a:r>
+            <a:r>
+              <a:rPr lang="en-US" altLang="zh-CN" sz="2000" dirty="0"/>
+              <a:t>1</a:t>
+            </a:r>
+            <a:r>
+              <a:rPr lang="zh-CN" altLang="en-US" sz="2000" dirty="0"/>
+              <a:t>）光线射出画面，不再与场景中物体相交；</a:t>
+            </a:r>
+          </a:p>
+          <a:p>
+            <a:pPr marL="0" indent="0">
+              <a:buNone/>
+            </a:pPr>
+            <a:r>
+              <a:rPr lang="zh-CN" altLang="en-US" sz="2000" dirty="0"/>
+              <a:t>（</a:t>
+            </a:r>
+            <a:r>
+              <a:rPr lang="en-US" altLang="zh-CN" sz="2000" dirty="0"/>
+              <a:t>2</a:t>
+            </a:r>
+            <a:r>
+              <a:rPr lang="zh-CN" altLang="en-US" sz="2000" dirty="0"/>
+              <a:t>）被跟踪点对屏幕像素显示亮度的贡献小于一定阈值；</a:t>
+            </a:r>
+          </a:p>
+          <a:p>
+            <a:pPr marL="0" indent="0">
+              <a:buNone/>
+            </a:pPr>
+            <a:r>
+              <a:rPr lang="zh-CN" altLang="en-US" sz="2000" dirty="0"/>
+              <a:t>（</a:t>
+            </a:r>
+            <a:r>
+              <a:rPr lang="en-US" altLang="zh-CN" sz="2000" dirty="0"/>
+              <a:t>3</a:t>
+            </a:r>
+            <a:r>
+              <a:rPr lang="zh-CN" altLang="en-US" sz="2000" dirty="0"/>
+              <a:t>）达到光线跟踪最大深度；</a:t>
+            </a:r>
+          </a:p>
+          <a:p>
+            <a:pPr marL="0" indent="0">
+              <a:buNone/>
+            </a:pPr>
+            <a:endParaRPr lang="zh-CN" altLang="en-US" sz="2000" dirty="0"/>
+          </a:p>
+        </p:txBody>
+      </p:sp>
+    </p:spTree>
+  </p:cSld>
+  <p:clrMapOvr>
+    <a:masterClrMapping/>
+  </p:clrMapOvr>
+</p:sld>
+</file>
+
 <file path=ppt/slides/slide48.xml><?xml version="1.0" encoding="utf-8"?>
 <p:sld xmlns:a="http://schemas.openxmlformats.org/drawingml/2006/main" xmlns:r="http://schemas.openxmlformats.org/officeDocument/2006/relationships" xmlns:p="http://schemas.openxmlformats.org/presentationml/2006/main">
   <p:cSld>
@@ -17761,7 +17861,7 @@
           <a:p>
             <a:r>
               <a:rPr lang="zh-CN" altLang="en-US" dirty="0" smtClean="0"/>
-              <a:t>基本光照模型</a:t>
+              <a:t>高级光照技术</a:t>
             </a:r>
             <a:endParaRPr lang="zh-CN" altLang="en-US" dirty="0"/>
           </a:p>
@@ -17779,114 +17879,81 @@
         </p:nvSpPr>
         <p:spPr/>
         <p:txBody>
-          <a:bodyPr>
-            <a:normAutofit fontScale="85000" lnSpcReduction="20000"/>
-          </a:bodyPr>
+          <a:bodyPr/>
           <a:lstStyle/>
           <a:p>
             <a:r>
-              <a:rPr lang="en-US" altLang="zh-CN" dirty="0" err="1" smtClean="0"/>
-              <a:t>Gouraud</a:t>
-            </a:r>
-            <a:r>
               <a:rPr lang="zh-CN" altLang="en-US" dirty="0" smtClean="0"/>
-              <a:t>着色</a:t>
-            </a:r>
-            <a:endParaRPr lang="en-US" altLang="zh-CN" dirty="0" smtClean="0"/>
-          </a:p>
-          <a:p>
-            <a:pPr lvl="1"/>
-            <a:r>
-              <a:rPr lang="zh-CN" altLang="en-US" dirty="0"/>
-              <a:t>按顶点计算明暗色调</a:t>
-            </a:r>
-            <a:endParaRPr lang="en-US" altLang="zh-CN" dirty="0"/>
-          </a:p>
-          <a:p>
-            <a:pPr lvl="1"/>
-            <a:r>
-              <a:rPr lang="zh-CN" altLang="en-US" dirty="0"/>
-              <a:t>根据多边形各顶点的明暗色调在多边形内部插值得到每个像素的明暗色调</a:t>
-            </a:r>
-            <a:r>
-              <a:rPr lang="zh-CN" altLang="en-US" dirty="0" smtClean="0"/>
-              <a:t>。</a:t>
-            </a:r>
-            <a:endParaRPr lang="en-US" altLang="zh-CN" dirty="0" smtClean="0"/>
-          </a:p>
-          <a:p>
-            <a:pPr marL="457200" lvl="1" indent="0">
-              <a:buNone/>
-            </a:pPr>
-            <a:r>
-              <a:rPr lang="zh-CN" altLang="en-US" dirty="0" smtClean="0"/>
-              <a:t>（使用硬件渲染时，光照计算写在</a:t>
-            </a:r>
-            <a:r>
-              <a:rPr lang="en-US" altLang="zh-CN" dirty="0" smtClean="0"/>
-              <a:t>vertex </a:t>
-            </a:r>
-            <a:r>
-              <a:rPr lang="en-US" altLang="zh-CN" dirty="0" err="1" smtClean="0"/>
-              <a:t>shader</a:t>
-            </a:r>
-            <a:r>
-              <a:rPr lang="zh-CN" altLang="en-US" dirty="0" smtClean="0"/>
-              <a:t>中）</a:t>
-            </a:r>
-            <a:endParaRPr lang="en-US" altLang="zh-CN" dirty="0" smtClean="0"/>
-          </a:p>
-          <a:p>
-            <a:r>
-              <a:rPr lang="en-US" altLang="zh-CN" dirty="0" err="1" smtClean="0"/>
-              <a:t>Phong</a:t>
-            </a:r>
-            <a:r>
-              <a:rPr lang="zh-CN" altLang="en-US" dirty="0" smtClean="0"/>
-              <a:t>着色</a:t>
-            </a:r>
-            <a:endParaRPr lang="en-US" altLang="zh-CN" dirty="0" smtClean="0"/>
-          </a:p>
-          <a:p>
-            <a:pPr lvl="1"/>
-            <a:r>
-              <a:rPr lang="zh-CN" altLang="en-US" dirty="0" smtClean="0"/>
-              <a:t>对顶点的法向量进行插值，得到多边形内部每一点的法向量（当使用硬件加速，硬件内部为我们做了插值计算）。</a:t>
-            </a:r>
-            <a:endParaRPr lang="en-US" altLang="zh-CN" dirty="0" smtClean="0"/>
-          </a:p>
-          <a:p>
-            <a:pPr lvl="1"/>
-            <a:r>
-              <a:rPr lang="zh-CN" altLang="en-US" dirty="0" smtClean="0"/>
-              <a:t>在每个片段应用光照模型计算。</a:t>
-            </a:r>
-            <a:endParaRPr lang="en-US" altLang="zh-CN" dirty="0" smtClean="0"/>
-          </a:p>
-          <a:p>
-            <a:pPr marL="457200" lvl="1" indent="0">
-              <a:buNone/>
-            </a:pPr>
-            <a:r>
-              <a:rPr lang="zh-CN" altLang="en-US" dirty="0" smtClean="0"/>
-              <a:t>（使用硬件渲染时，光照计算写在</a:t>
-            </a:r>
-            <a:r>
-              <a:rPr lang="en-US" altLang="zh-CN" dirty="0" smtClean="0"/>
-              <a:t>fragment/pixel </a:t>
-            </a:r>
-            <a:r>
-              <a:rPr lang="en-US" altLang="zh-CN" dirty="0" err="1" smtClean="0"/>
-              <a:t>shader</a:t>
-            </a:r>
-            <a:r>
-              <a:rPr lang="zh-CN" altLang="en-US" dirty="0" smtClean="0"/>
-              <a:t>中）</a:t>
-            </a:r>
-            <a:endParaRPr lang="en-US" altLang="zh-CN" dirty="0" smtClean="0"/>
-          </a:p>
-        </p:txBody>
-      </p:sp>
+              <a:t>光线跟踪过程</a:t>
+            </a:r>
+            <a:endParaRPr lang="zh-CN" altLang="en-US" dirty="0"/>
+          </a:p>
+        </p:txBody>
+      </p:sp>
+      <p:pic>
+        <p:nvPicPr>
+          <p:cNvPr id="4" name="Picture 2"/>
+          <p:cNvPicPr>
+            <a:picLocks noChangeAspect="1" noChangeArrowheads="1"/>
+          </p:cNvPicPr>
+          <p:nvPr/>
+        </p:nvPicPr>
+        <p:blipFill>
+          <a:blip r:embed="rId2">
+            <a:extLst>
+              <a:ext uri="{28A0092B-C50C-407E-A947-70E740481C1C}">
+                <a14:useLocalDpi xmlns:a14="http://schemas.microsoft.com/office/drawing/2010/main" val="0"/>
+              </a:ext>
+            </a:extLst>
+          </a:blip>
+          <a:srcRect/>
+          <a:stretch>
+            <a:fillRect/>
+          </a:stretch>
+        </p:blipFill>
+        <p:spPr bwMode="auto">
+          <a:xfrm>
+            <a:off x="1835696" y="2276872"/>
+            <a:ext cx="5370562" cy="3506109"/>
+          </a:xfrm>
+          <a:prstGeom prst="rect">
+            <a:avLst/>
+          </a:prstGeom>
+          <a:noFill/>
+          <a:ln>
+            <a:noFill/>
+          </a:ln>
+          <a:effectLst/>
+          <a:extLst>
+            <a:ext uri="{909E8E84-426E-40DD-AFC4-6F175D3DCCD1}">
+              <a14:hiddenFill xmlns:a14="http://schemas.microsoft.com/office/drawing/2010/main">
+                <a:solidFill>
+                  <a:schemeClr val="accent1"/>
+                </a:solidFill>
+              </a14:hiddenFill>
+            </a:ext>
+            <a:ext uri="{91240B29-F687-4F45-9708-019B960494DF}">
+              <a14:hiddenLine xmlns:a14="http://schemas.microsoft.com/office/drawing/2010/main" w="9525">
+                <a:solidFill>
+                  <a:schemeClr val="tx1"/>
+                </a:solidFill>
+                <a:miter lim="800000"/>
+                <a:headEnd/>
+                <a:tailEnd/>
+              </a14:hiddenLine>
+            </a:ext>
+            <a:ext uri="{AF507438-7753-43E0-B8FC-AC1667EBCBE1}">
+              <a14:hiddenEffects xmlns:a14="http://schemas.microsoft.com/office/drawing/2010/main">
+                <a:effectLst>
+                  <a:outerShdw dist="35921" dir="2700000" algn="ctr" rotWithShape="0">
+                    <a:schemeClr val="bg2"/>
+                  </a:outerShdw>
+                </a:effectLst>
+              </a14:hiddenEffects>
+            </a:ext>
+          </a:extLst>
+        </p:spPr>
+      </p:pic>
     </p:spTree>
   </p:cSld>
   <p:clrMapOvr>
@@ -17952,50 +18019,79 @@
           <a:p>
             <a:r>
               <a:rPr lang="zh-CN" altLang="en-US" dirty="0" smtClean="0"/>
-              <a:t>局部光照模型的限制</a:t>
+              <a:t>辐射度算法（</a:t>
+            </a:r>
+            <a:r>
+              <a:rPr lang="en-US" altLang="zh-CN" dirty="0" err="1" smtClean="0"/>
+              <a:t>Radiosity</a:t>
+            </a:r>
+            <a:r>
+              <a:rPr lang="zh-CN" altLang="en-US" dirty="0" smtClean="0"/>
+              <a:t>）</a:t>
             </a:r>
             <a:endParaRPr lang="en-US" altLang="zh-CN" dirty="0" smtClean="0"/>
           </a:p>
           <a:p>
-            <a:pPr lvl="1"/>
-            <a:r>
-              <a:rPr lang="zh-CN" altLang="en-US" dirty="0" smtClean="0"/>
-              <a:t>只是处理光源直接照射物体表面的光强计算，不能很好的模拟光的折射、反射和阴影等效果，不能用来表示物体间的相互光照影响。</a:t>
-            </a:r>
-            <a:endParaRPr lang="en-US" altLang="zh-CN" dirty="0" smtClean="0"/>
-          </a:p>
-          <a:p>
-            <a:pPr lvl="1"/>
-            <a:endParaRPr lang="en-US" altLang="zh-CN" dirty="0" smtClean="0"/>
-          </a:p>
-          <a:p>
-            <a:r>
-              <a:rPr lang="zh-CN" altLang="en-US" dirty="0" smtClean="0"/>
-              <a:t>全局光照模型</a:t>
-            </a:r>
-            <a:endParaRPr lang="en-US" altLang="zh-CN" dirty="0" smtClean="0"/>
-          </a:p>
-          <a:p>
-            <a:pPr lvl="1"/>
-            <a:r>
-              <a:rPr lang="zh-CN" altLang="en-US" dirty="0" smtClean="0"/>
-              <a:t>光线跟踪技术</a:t>
-            </a:r>
-            <a:endParaRPr lang="en-US" altLang="zh-CN" dirty="0" smtClean="0"/>
-          </a:p>
-          <a:p>
-            <a:pPr lvl="1"/>
-            <a:r>
-              <a:rPr lang="zh-CN" altLang="en-US" dirty="0" smtClean="0"/>
-              <a:t>辐射度算法</a:t>
-            </a:r>
-            <a:endParaRPr lang="zh-CN" altLang="en-US" dirty="0"/>
+            <a:pPr marL="0" indent="0">
+              <a:buNone/>
+            </a:pPr>
+            <a:endParaRPr lang="en-US" altLang="zh-CN" sz="2000" dirty="0"/>
+          </a:p>
+          <a:p>
+            <a:pPr marL="0" indent="0">
+              <a:buNone/>
+            </a:pPr>
+            <a:r>
+              <a:rPr lang="zh-CN" altLang="en-US" sz="2000" dirty="0" smtClean="0"/>
+              <a:t>辐射度方法是基于物理</a:t>
+            </a:r>
+            <a:endParaRPr lang="en-US" altLang="zh-CN" sz="2000" dirty="0" smtClean="0"/>
+          </a:p>
+          <a:p>
+            <a:pPr marL="0" indent="0">
+              <a:buNone/>
+            </a:pPr>
+            <a:r>
+              <a:rPr lang="zh-CN" altLang="en-US" sz="2000" dirty="0" smtClean="0"/>
+              <a:t>学的能量平衡原理，它</a:t>
+            </a:r>
+            <a:endParaRPr lang="en-US" altLang="zh-CN" sz="2000" dirty="0" smtClean="0"/>
+          </a:p>
+          <a:p>
+            <a:pPr marL="0" indent="0">
+              <a:buNone/>
+            </a:pPr>
+            <a:r>
+              <a:rPr lang="zh-CN" altLang="en-US" sz="2000" dirty="0" smtClean="0"/>
+              <a:t>采用数值求解来近似</a:t>
+            </a:r>
+            <a:endParaRPr lang="en-US" altLang="zh-CN" sz="2000" dirty="0" smtClean="0"/>
+          </a:p>
+          <a:p>
+            <a:pPr marL="0" indent="0">
+              <a:buNone/>
+            </a:pPr>
+            <a:r>
+              <a:rPr lang="zh-CN" altLang="en-US" sz="2000" dirty="0" smtClean="0"/>
+              <a:t>每一个景物表面的辐射</a:t>
+            </a:r>
+            <a:endParaRPr lang="en-US" altLang="zh-CN" sz="2000" dirty="0" smtClean="0"/>
+          </a:p>
+          <a:p>
+            <a:pPr marL="0" indent="0">
+              <a:buNone/>
+            </a:pPr>
+            <a:r>
+              <a:rPr lang="zh-CN" altLang="en-US" sz="2000" dirty="0" smtClean="0"/>
+              <a:t>度分步。</a:t>
+            </a:r>
+            <a:endParaRPr lang="zh-CN" altLang="en-US" sz="2000" dirty="0"/>
           </a:p>
         </p:txBody>
       </p:sp>
       <p:pic>
         <p:nvPicPr>
-          <p:cNvPr id="7" name="Picture 2"/>
+          <p:cNvPr id="5" name="Picture 2"/>
           <p:cNvPicPr>
             <a:picLocks noChangeAspect="1" noChangeArrowheads="1"/>
           </p:cNvPicPr>
@@ -18016,8 +18112,8 @@
         </p:blipFill>
         <p:spPr bwMode="auto">
           <a:xfrm>
-            <a:off x="4932040" y="3789040"/>
-            <a:ext cx="2870910" cy="2145208"/>
+            <a:off x="3563888" y="2420888"/>
+            <a:ext cx="4948213" cy="3061754"/>
           </a:xfrm>
           <a:prstGeom prst="rect">
             <a:avLst/>
@@ -18301,7 +18397,7 @@
           <a:p>
             <a:r>
               <a:rPr lang="zh-CN" altLang="en-US" dirty="0" smtClean="0"/>
-              <a:t>高级光照技术</a:t>
+              <a:t>后续</a:t>
             </a:r>
             <a:endParaRPr lang="zh-CN" altLang="en-US" dirty="0"/>
           </a:p>
@@ -18319,168 +18415,74 @@
         </p:nvSpPr>
         <p:spPr/>
         <p:txBody>
-          <a:bodyPr>
-            <a:normAutofit fontScale="92500" lnSpcReduction="10000"/>
-          </a:bodyPr>
+          <a:bodyPr/>
           <a:lstStyle/>
           <a:p>
             <a:r>
               <a:rPr lang="zh-CN" altLang="en-US" dirty="0" smtClean="0"/>
-              <a:t>光线跟踪技术</a:t>
+              <a:t>交互式计算机图形学</a:t>
+            </a:r>
+            <a:r>
+              <a:rPr lang="en-US" altLang="zh-CN" dirty="0" smtClean="0"/>
+              <a:t>——</a:t>
+            </a:r>
+            <a:r>
+              <a:rPr lang="zh-CN" altLang="en-US" dirty="0" smtClean="0"/>
+              <a:t>基于</a:t>
+            </a:r>
+            <a:r>
+              <a:rPr lang="en-US" altLang="zh-CN" dirty="0" smtClean="0"/>
+              <a:t>OpenGL</a:t>
+            </a:r>
+            <a:r>
+              <a:rPr lang="zh-CN" altLang="en-US" dirty="0" smtClean="0"/>
+              <a:t>着色器的自顶向下方法</a:t>
+            </a:r>
+            <a:endParaRPr lang="en-US" altLang="zh-CN" dirty="0" smtClean="0"/>
+          </a:p>
+          <a:p>
+            <a:r>
+              <a:rPr lang="en-US" altLang="zh-CN" dirty="0" smtClean="0"/>
+              <a:t>3D</a:t>
+            </a:r>
+            <a:r>
+              <a:rPr lang="zh-CN" altLang="en-US" dirty="0" smtClean="0"/>
+              <a:t>游戏与计算机图形学中的数学方法</a:t>
+            </a:r>
+            <a:endParaRPr lang="en-US" altLang="zh-CN" dirty="0" smtClean="0"/>
+          </a:p>
+          <a:p>
+            <a:r>
+              <a:rPr lang="en-US" altLang="zh-CN" dirty="0" smtClean="0"/>
+              <a:t>3D</a:t>
+            </a:r>
+            <a:r>
+              <a:rPr lang="zh-CN" altLang="en-US" dirty="0" smtClean="0"/>
+              <a:t>游戏引擎设计：实时计算机图形学的应用方法</a:t>
+            </a:r>
+            <a:endParaRPr lang="en-US" altLang="zh-CN" dirty="0" smtClean="0"/>
+          </a:p>
+          <a:p>
+            <a:r>
+              <a:rPr lang="en-US" altLang="zh-CN" dirty="0"/>
+              <a:t>3D</a:t>
             </a:r>
             <a:r>
               <a:rPr lang="zh-CN" altLang="en-US" dirty="0"/>
-              <a:t>（</a:t>
-            </a:r>
+              <a:t>游戏编程大师</a:t>
+            </a:r>
+            <a:r>
+              <a:rPr lang="zh-CN" altLang="en-US" dirty="0" smtClean="0"/>
+              <a:t>技巧</a:t>
+            </a:r>
+            <a:endParaRPr lang="en-US" altLang="zh-CN" dirty="0" smtClean="0"/>
+          </a:p>
+          <a:p>
             <a:r>
               <a:rPr lang="en-US" altLang="zh-CN" dirty="0"/>
-              <a:t>Ray tracing</a:t>
-            </a:r>
-            <a:r>
-              <a:rPr lang="zh-CN" altLang="en-US" dirty="0" smtClean="0"/>
-              <a:t>）</a:t>
+              <a:t>https://github.com/SeventhMage/MagicX.git/trunk/SoftEngine</a:t>
             </a:r>
             <a:endParaRPr lang="en-US" altLang="zh-CN" dirty="0" smtClean="0"/>
-          </a:p>
-          <a:p>
-            <a:r>
-              <a:rPr lang="zh-CN" altLang="en-US" sz="2000" dirty="0"/>
-              <a:t>经典光线跟踪算法：由视点向屏幕上所有像素中心发射光线，对每一条光线与场景中物体的最近交点，递归进行反射和折射的计算。</a:t>
-            </a:r>
-          </a:p>
-          <a:p>
-            <a:r>
-              <a:rPr lang="zh-CN" altLang="en-US" sz="2000" dirty="0"/>
-              <a:t>交点处的光亮由三部分产生：</a:t>
-            </a:r>
-          </a:p>
-          <a:p>
-            <a:pPr marL="0" indent="0">
-              <a:buNone/>
-            </a:pPr>
-            <a:r>
-              <a:rPr lang="zh-CN" altLang="en-US" sz="2000" dirty="0" smtClean="0"/>
-              <a:t>（</a:t>
-            </a:r>
-            <a:r>
-              <a:rPr lang="en-US" altLang="zh-CN" sz="2000" dirty="0"/>
-              <a:t>1</a:t>
-            </a:r>
-            <a:r>
-              <a:rPr lang="zh-CN" altLang="en-US" sz="2000" dirty="0"/>
-              <a:t>）光源直接照射</a:t>
-            </a:r>
-          </a:p>
-          <a:p>
-            <a:pPr marL="0" indent="0">
-              <a:buNone/>
-            </a:pPr>
-            <a:r>
-              <a:rPr lang="zh-CN" altLang="en-US" sz="2000" dirty="0"/>
-              <a:t>（</a:t>
-            </a:r>
-            <a:r>
-              <a:rPr lang="en-US" altLang="zh-CN" sz="2000" dirty="0"/>
-              <a:t>2</a:t>
-            </a:r>
-            <a:r>
-              <a:rPr lang="zh-CN" altLang="en-US" sz="2000" dirty="0"/>
-              <a:t>）场景中其它物体通过该点向视点方向的反射</a:t>
-            </a:r>
-          </a:p>
-          <a:p>
-            <a:pPr marL="0" indent="0">
-              <a:buNone/>
-            </a:pPr>
-            <a:r>
-              <a:rPr lang="zh-CN" altLang="en-US" sz="2000" dirty="0" smtClean="0"/>
-              <a:t>（</a:t>
-            </a:r>
-            <a:r>
-              <a:rPr lang="en-US" altLang="zh-CN" sz="2000" dirty="0"/>
-              <a:t>3</a:t>
-            </a:r>
-            <a:r>
-              <a:rPr lang="zh-CN" altLang="en-US" sz="2000" dirty="0"/>
-              <a:t>）场景中其它物体通过该点向视点方向的折射</a:t>
-            </a:r>
-          </a:p>
-          <a:p>
-            <a:r>
-              <a:rPr lang="zh-CN" altLang="en-US" sz="2000" dirty="0"/>
-              <a:t>算法执行过程中首先要通过从将计算的点向光源方向发射一条射线进行阴影计算，检测到不透明物体产生阴影，透明</a:t>
-            </a:r>
-            <a:r>
-              <a:rPr lang="zh-CN" altLang="en-US" sz="2000" dirty="0" smtClean="0"/>
-              <a:t>物体衰减光强</a:t>
-            </a:r>
-            <a:r>
-              <a:rPr lang="zh-CN" altLang="en-US" sz="2000" dirty="0"/>
-              <a:t>。</a:t>
-            </a:r>
-          </a:p>
-          <a:p>
-            <a:r>
-              <a:rPr lang="zh-CN" altLang="en-US" sz="2000" dirty="0"/>
-              <a:t>光线跟踪终止条件：</a:t>
-            </a:r>
-          </a:p>
-          <a:p>
-            <a:pPr marL="0" indent="0">
-              <a:buNone/>
-            </a:pPr>
-            <a:r>
-              <a:rPr lang="zh-CN" altLang="en-US" sz="2000" dirty="0"/>
-              <a:t>（</a:t>
-            </a:r>
-            <a:r>
-              <a:rPr lang="en-US" altLang="zh-CN" sz="2000" dirty="0"/>
-              <a:t>1</a:t>
-            </a:r>
-            <a:r>
-              <a:rPr lang="zh-CN" altLang="en-US" sz="2000" dirty="0"/>
-              <a:t>）光线射出画面，不再与场景中物体相交；</a:t>
-            </a:r>
-          </a:p>
-          <a:p>
-            <a:pPr marL="0" indent="0">
-              <a:buNone/>
-            </a:pPr>
-            <a:r>
-              <a:rPr lang="zh-CN" altLang="en-US" sz="2000" dirty="0"/>
-              <a:t>（</a:t>
-            </a:r>
-            <a:r>
-              <a:rPr lang="en-US" altLang="zh-CN" sz="2000" dirty="0"/>
-              <a:t>2</a:t>
-            </a:r>
-            <a:r>
-              <a:rPr lang="zh-CN" altLang="en-US" sz="2000" dirty="0"/>
-              <a:t>）被跟踪点对屏幕像素显示亮度的贡献小于一定阈值；</a:t>
-            </a:r>
-          </a:p>
-          <a:p>
-            <a:pPr marL="0" indent="0">
-              <a:buNone/>
-            </a:pPr>
-            <a:r>
-              <a:rPr lang="zh-CN" altLang="en-US" sz="2000" dirty="0"/>
-              <a:t>（</a:t>
-            </a:r>
-            <a:r>
-              <a:rPr lang="en-US" altLang="zh-CN" sz="2000" dirty="0"/>
-              <a:t>3</a:t>
-            </a:r>
-            <a:r>
-              <a:rPr lang="zh-CN" altLang="en-US" sz="2000" dirty="0"/>
-              <a:t>）达到光线跟踪最大深度；</a:t>
-            </a:r>
-          </a:p>
-          <a:p>
-            <a:pPr marL="0" indent="0">
-              <a:buNone/>
-            </a:pPr>
-            <a:endParaRPr lang="zh-CN" altLang="en-US" sz="2000" dirty="0"/>
           </a:p>
         </p:txBody>
       </p:sp>
@@ -18493,471 +18495,6 @@
 </file>
 
 <file path=ppt/slides/slide51.xml><?xml version="1.0" encoding="utf-8"?>
-<p:sld xmlns:a="http://schemas.openxmlformats.org/drawingml/2006/main" xmlns:r="http://schemas.openxmlformats.org/officeDocument/2006/relationships" xmlns:p="http://schemas.openxmlformats.org/presentationml/2006/main">
-  <p:cSld>
-    <p:spTree>
-      <p:nvGrpSpPr>
-        <p:cNvPr id="1" name=""/>
-        <p:cNvGrpSpPr/>
-        <p:nvPr/>
-      </p:nvGrpSpPr>
-      <p:grpSpPr>
-        <a:xfrm>
-          <a:off x="0" y="0"/>
-          <a:ext cx="0" cy="0"/>
-          <a:chOff x="0" y="0"/>
-          <a:chExt cx="0" cy="0"/>
-        </a:xfrm>
-      </p:grpSpPr>
-      <p:sp>
-        <p:nvSpPr>
-          <p:cNvPr id="2" name="标题 1"/>
-          <p:cNvSpPr>
-            <a:spLocks noGrp="1"/>
-          </p:cNvSpPr>
-          <p:nvPr>
-            <p:ph type="title"/>
-          </p:nvPr>
-        </p:nvSpPr>
-        <p:spPr/>
-        <p:txBody>
-          <a:bodyPr/>
-          <a:lstStyle/>
-          <a:p>
-            <a:r>
-              <a:rPr lang="zh-CN" altLang="en-US" dirty="0" smtClean="0"/>
-              <a:t>高级光照技术</a:t>
-            </a:r>
-            <a:endParaRPr lang="zh-CN" altLang="en-US" dirty="0"/>
-          </a:p>
-        </p:txBody>
-      </p:sp>
-      <p:sp>
-        <p:nvSpPr>
-          <p:cNvPr id="3" name="内容占位符 2"/>
-          <p:cNvSpPr>
-            <a:spLocks noGrp="1"/>
-          </p:cNvSpPr>
-          <p:nvPr>
-            <p:ph idx="1"/>
-          </p:nvPr>
-        </p:nvSpPr>
-        <p:spPr/>
-        <p:txBody>
-          <a:bodyPr/>
-          <a:lstStyle/>
-          <a:p>
-            <a:r>
-              <a:rPr lang="zh-CN" altLang="en-US" dirty="0" smtClean="0"/>
-              <a:t>光线跟踪过程</a:t>
-            </a:r>
-            <a:endParaRPr lang="zh-CN" altLang="en-US" dirty="0"/>
-          </a:p>
-        </p:txBody>
-      </p:sp>
-      <p:pic>
-        <p:nvPicPr>
-          <p:cNvPr id="4" name="Picture 2"/>
-          <p:cNvPicPr>
-            <a:picLocks noChangeAspect="1" noChangeArrowheads="1"/>
-          </p:cNvPicPr>
-          <p:nvPr/>
-        </p:nvPicPr>
-        <p:blipFill>
-          <a:blip r:embed="rId2">
-            <a:extLst>
-              <a:ext uri="{28A0092B-C50C-407E-A947-70E740481C1C}">
-                <a14:useLocalDpi xmlns:a14="http://schemas.microsoft.com/office/drawing/2010/main" val="0"/>
-              </a:ext>
-            </a:extLst>
-          </a:blip>
-          <a:srcRect/>
-          <a:stretch>
-            <a:fillRect/>
-          </a:stretch>
-        </p:blipFill>
-        <p:spPr bwMode="auto">
-          <a:xfrm>
-            <a:off x="1835696" y="2276872"/>
-            <a:ext cx="5370562" cy="3506109"/>
-          </a:xfrm>
-          <a:prstGeom prst="rect">
-            <a:avLst/>
-          </a:prstGeom>
-          <a:noFill/>
-          <a:ln>
-            <a:noFill/>
-          </a:ln>
-          <a:effectLst/>
-          <a:extLst>
-            <a:ext uri="{909E8E84-426E-40DD-AFC4-6F175D3DCCD1}">
-              <a14:hiddenFill xmlns:a14="http://schemas.microsoft.com/office/drawing/2010/main">
-                <a:solidFill>
-                  <a:schemeClr val="accent1"/>
-                </a:solidFill>
-              </a14:hiddenFill>
-            </a:ext>
-            <a:ext uri="{91240B29-F687-4F45-9708-019B960494DF}">
-              <a14:hiddenLine xmlns:a14="http://schemas.microsoft.com/office/drawing/2010/main" w="9525">
-                <a:solidFill>
-                  <a:schemeClr val="tx1"/>
-                </a:solidFill>
-                <a:miter lim="800000"/>
-                <a:headEnd/>
-                <a:tailEnd/>
-              </a14:hiddenLine>
-            </a:ext>
-            <a:ext uri="{AF507438-7753-43E0-B8FC-AC1667EBCBE1}">
-              <a14:hiddenEffects xmlns:a14="http://schemas.microsoft.com/office/drawing/2010/main">
-                <a:effectLst>
-                  <a:outerShdw dist="35921" dir="2700000" algn="ctr" rotWithShape="0">
-                    <a:schemeClr val="bg2"/>
-                  </a:outerShdw>
-                </a:effectLst>
-              </a14:hiddenEffects>
-            </a:ext>
-          </a:extLst>
-        </p:spPr>
-      </p:pic>
-    </p:spTree>
-  </p:cSld>
-  <p:clrMapOvr>
-    <a:masterClrMapping/>
-  </p:clrMapOvr>
-</p:sld>
-</file>
-
-<file path=ppt/slides/slide52.xml><?xml version="1.0" encoding="utf-8"?>
-<p:sld xmlns:a="http://schemas.openxmlformats.org/drawingml/2006/main" xmlns:r="http://schemas.openxmlformats.org/officeDocument/2006/relationships" xmlns:p="http://schemas.openxmlformats.org/presentationml/2006/main">
-  <p:cSld>
-    <p:spTree>
-      <p:nvGrpSpPr>
-        <p:cNvPr id="1" name=""/>
-        <p:cNvGrpSpPr/>
-        <p:nvPr/>
-      </p:nvGrpSpPr>
-      <p:grpSpPr>
-        <a:xfrm>
-          <a:off x="0" y="0"/>
-          <a:ext cx="0" cy="0"/>
-          <a:chOff x="0" y="0"/>
-          <a:chExt cx="0" cy="0"/>
-        </a:xfrm>
-      </p:grpSpPr>
-      <p:sp>
-        <p:nvSpPr>
-          <p:cNvPr id="2" name="标题 1"/>
-          <p:cNvSpPr>
-            <a:spLocks noGrp="1"/>
-          </p:cNvSpPr>
-          <p:nvPr>
-            <p:ph type="title"/>
-          </p:nvPr>
-        </p:nvSpPr>
-        <p:spPr/>
-        <p:txBody>
-          <a:bodyPr/>
-          <a:lstStyle/>
-          <a:p>
-            <a:r>
-              <a:rPr lang="zh-CN" altLang="en-US" dirty="0" smtClean="0"/>
-              <a:t>高级光照技术</a:t>
-            </a:r>
-            <a:endParaRPr lang="zh-CN" altLang="en-US" dirty="0"/>
-          </a:p>
-        </p:txBody>
-      </p:sp>
-      <p:sp>
-        <p:nvSpPr>
-          <p:cNvPr id="3" name="内容占位符 2"/>
-          <p:cNvSpPr>
-            <a:spLocks noGrp="1"/>
-          </p:cNvSpPr>
-          <p:nvPr>
-            <p:ph idx="1"/>
-          </p:nvPr>
-        </p:nvSpPr>
-        <p:spPr/>
-        <p:txBody>
-          <a:bodyPr/>
-          <a:lstStyle/>
-          <a:p>
-            <a:r>
-              <a:rPr lang="zh-CN" altLang="en-US" dirty="0" smtClean="0"/>
-              <a:t>辐射度算法（</a:t>
-            </a:r>
-            <a:r>
-              <a:rPr lang="en-US" altLang="zh-CN" dirty="0" err="1" smtClean="0"/>
-              <a:t>Radiosity</a:t>
-            </a:r>
-            <a:r>
-              <a:rPr lang="zh-CN" altLang="en-US" dirty="0" smtClean="0"/>
-              <a:t>）</a:t>
-            </a:r>
-            <a:endParaRPr lang="en-US" altLang="zh-CN" dirty="0" smtClean="0"/>
-          </a:p>
-          <a:p>
-            <a:pPr marL="0" indent="0">
-              <a:buNone/>
-            </a:pPr>
-            <a:endParaRPr lang="en-US" altLang="zh-CN" sz="2000" dirty="0"/>
-          </a:p>
-          <a:p>
-            <a:pPr marL="0" indent="0">
-              <a:buNone/>
-            </a:pPr>
-            <a:r>
-              <a:rPr lang="zh-CN" altLang="en-US" sz="2000" dirty="0" smtClean="0"/>
-              <a:t>辐射度方法是基于物理</a:t>
-            </a:r>
-            <a:endParaRPr lang="en-US" altLang="zh-CN" sz="2000" dirty="0" smtClean="0"/>
-          </a:p>
-          <a:p>
-            <a:pPr marL="0" indent="0">
-              <a:buNone/>
-            </a:pPr>
-            <a:r>
-              <a:rPr lang="zh-CN" altLang="en-US" sz="2000" dirty="0" smtClean="0"/>
-              <a:t>学的能量平衡原理，它</a:t>
-            </a:r>
-            <a:endParaRPr lang="en-US" altLang="zh-CN" sz="2000" dirty="0" smtClean="0"/>
-          </a:p>
-          <a:p>
-            <a:pPr marL="0" indent="0">
-              <a:buNone/>
-            </a:pPr>
-            <a:r>
-              <a:rPr lang="zh-CN" altLang="en-US" sz="2000" dirty="0" smtClean="0"/>
-              <a:t>采用数值求解来近似</a:t>
-            </a:r>
-            <a:endParaRPr lang="en-US" altLang="zh-CN" sz="2000" dirty="0" smtClean="0"/>
-          </a:p>
-          <a:p>
-            <a:pPr marL="0" indent="0">
-              <a:buNone/>
-            </a:pPr>
-            <a:r>
-              <a:rPr lang="zh-CN" altLang="en-US" sz="2000" dirty="0" smtClean="0"/>
-              <a:t>每一个景物表面的辐射</a:t>
-            </a:r>
-            <a:endParaRPr lang="en-US" altLang="zh-CN" sz="2000" dirty="0" smtClean="0"/>
-          </a:p>
-          <a:p>
-            <a:pPr marL="0" indent="0">
-              <a:buNone/>
-            </a:pPr>
-            <a:r>
-              <a:rPr lang="zh-CN" altLang="en-US" sz="2000" dirty="0" smtClean="0"/>
-              <a:t>度分步。</a:t>
-            </a:r>
-            <a:endParaRPr lang="zh-CN" altLang="en-US" sz="2000" dirty="0"/>
-          </a:p>
-        </p:txBody>
-      </p:sp>
-      <p:pic>
-        <p:nvPicPr>
-          <p:cNvPr id="5" name="Picture 2"/>
-          <p:cNvPicPr>
-            <a:picLocks noChangeAspect="1" noChangeArrowheads="1"/>
-          </p:cNvPicPr>
-          <p:nvPr/>
-        </p:nvPicPr>
-        <p:blipFill>
-          <a:blip r:embed="rId2">
-            <a:extLst>
-              <a:ext uri="{28A0092B-C50C-407E-A947-70E740481C1C}">
-                <a14:useLocalDpi xmlns:a14="http://schemas.microsoft.com/office/drawing/2010/main" val="0"/>
-              </a:ext>
-            </a:extLst>
-          </a:blip>
-          <a:srcRect/>
-          <a:stretch>
-            <a:fillRect/>
-          </a:stretch>
-        </p:blipFill>
-        <p:spPr bwMode="auto">
-          <a:xfrm>
-            <a:off x="3563888" y="2420888"/>
-            <a:ext cx="4948213" cy="3061754"/>
-          </a:xfrm>
-          <a:prstGeom prst="rect">
-            <a:avLst/>
-          </a:prstGeom>
-          <a:noFill/>
-          <a:ln>
-            <a:noFill/>
-          </a:ln>
-          <a:effectLst/>
-          <a:extLst>
-            <a:ext uri="{909E8E84-426E-40DD-AFC4-6F175D3DCCD1}">
-              <a14:hiddenFill xmlns:a14="http://schemas.microsoft.com/office/drawing/2010/main">
-                <a:solidFill>
-                  <a:schemeClr val="accent1"/>
-                </a:solidFill>
-              </a14:hiddenFill>
-            </a:ext>
-            <a:ext uri="{91240B29-F687-4F45-9708-019B960494DF}">
-              <a14:hiddenLine xmlns:a14="http://schemas.microsoft.com/office/drawing/2010/main" w="9525">
-                <a:solidFill>
-                  <a:schemeClr val="tx1"/>
-                </a:solidFill>
-                <a:miter lim="800000"/>
-                <a:headEnd/>
-                <a:tailEnd/>
-              </a14:hiddenLine>
-            </a:ext>
-            <a:ext uri="{AF507438-7753-43E0-B8FC-AC1667EBCBE1}">
-              <a14:hiddenEffects xmlns:a14="http://schemas.microsoft.com/office/drawing/2010/main">
-                <a:effectLst>
-                  <a:outerShdw dist="35921" dir="2700000" algn="ctr" rotWithShape="0">
-                    <a:schemeClr val="bg2"/>
-                  </a:outerShdw>
-                </a:effectLst>
-              </a14:hiddenEffects>
-            </a:ext>
-          </a:extLst>
-        </p:spPr>
-      </p:pic>
-    </p:spTree>
-  </p:cSld>
-  <p:clrMapOvr>
-    <a:masterClrMapping/>
-  </p:clrMapOvr>
-</p:sld>
-</file>
-
-<file path=ppt/slides/slide53.xml><?xml version="1.0" encoding="utf-8"?>
-<p:sld xmlns:a="http://schemas.openxmlformats.org/drawingml/2006/main" xmlns:r="http://schemas.openxmlformats.org/officeDocument/2006/relationships" xmlns:p="http://schemas.openxmlformats.org/presentationml/2006/main">
-  <p:cSld>
-    <p:spTree>
-      <p:nvGrpSpPr>
-        <p:cNvPr id="1" name=""/>
-        <p:cNvGrpSpPr/>
-        <p:nvPr/>
-      </p:nvGrpSpPr>
-      <p:grpSpPr>
-        <a:xfrm>
-          <a:off x="0" y="0"/>
-          <a:ext cx="0" cy="0"/>
-          <a:chOff x="0" y="0"/>
-          <a:chExt cx="0" cy="0"/>
-        </a:xfrm>
-      </p:grpSpPr>
-      <p:sp>
-        <p:nvSpPr>
-          <p:cNvPr id="2" name="标题 1"/>
-          <p:cNvSpPr>
-            <a:spLocks noGrp="1"/>
-          </p:cNvSpPr>
-          <p:nvPr>
-            <p:ph type="title"/>
-          </p:nvPr>
-        </p:nvSpPr>
-        <p:spPr/>
-        <p:txBody>
-          <a:bodyPr/>
-          <a:lstStyle/>
-          <a:p>
-            <a:r>
-              <a:rPr lang="zh-CN" altLang="en-US" dirty="0" smtClean="0"/>
-              <a:t>后续</a:t>
-            </a:r>
-            <a:endParaRPr lang="zh-CN" altLang="en-US" dirty="0"/>
-          </a:p>
-        </p:txBody>
-      </p:sp>
-      <p:sp>
-        <p:nvSpPr>
-          <p:cNvPr id="3" name="内容占位符 2"/>
-          <p:cNvSpPr>
-            <a:spLocks noGrp="1"/>
-          </p:cNvSpPr>
-          <p:nvPr>
-            <p:ph idx="1"/>
-          </p:nvPr>
-        </p:nvSpPr>
-        <p:spPr/>
-        <p:txBody>
-          <a:bodyPr/>
-          <a:lstStyle/>
-          <a:p>
-            <a:r>
-              <a:rPr lang="zh-CN" altLang="en-US" dirty="0" smtClean="0"/>
-              <a:t>交互式计算机图形学</a:t>
-            </a:r>
-            <a:r>
-              <a:rPr lang="en-US" altLang="zh-CN" dirty="0" smtClean="0"/>
-              <a:t>——</a:t>
-            </a:r>
-            <a:r>
-              <a:rPr lang="zh-CN" altLang="en-US" dirty="0" smtClean="0"/>
-              <a:t>基于</a:t>
-            </a:r>
-            <a:r>
-              <a:rPr lang="en-US" altLang="zh-CN" dirty="0" smtClean="0"/>
-              <a:t>OpenGL</a:t>
-            </a:r>
-            <a:r>
-              <a:rPr lang="zh-CN" altLang="en-US" dirty="0" smtClean="0"/>
-              <a:t>着色器的自顶向下方法</a:t>
-            </a:r>
-            <a:endParaRPr lang="en-US" altLang="zh-CN" dirty="0" smtClean="0"/>
-          </a:p>
-          <a:p>
-            <a:r>
-              <a:rPr lang="en-US" altLang="zh-CN" dirty="0" smtClean="0"/>
-              <a:t>3D</a:t>
-            </a:r>
-            <a:r>
-              <a:rPr lang="zh-CN" altLang="en-US" dirty="0" smtClean="0"/>
-              <a:t>游戏与计算机图形学中的数学方法</a:t>
-            </a:r>
-            <a:endParaRPr lang="en-US" altLang="zh-CN" dirty="0" smtClean="0"/>
-          </a:p>
-          <a:p>
-            <a:r>
-              <a:rPr lang="en-US" altLang="zh-CN" dirty="0" smtClean="0"/>
-              <a:t>3D</a:t>
-            </a:r>
-            <a:r>
-              <a:rPr lang="zh-CN" altLang="en-US" dirty="0" smtClean="0"/>
-              <a:t>游戏引擎设计：实时计算机图形学的应用方法</a:t>
-            </a:r>
-            <a:endParaRPr lang="en-US" altLang="zh-CN" dirty="0" smtClean="0"/>
-          </a:p>
-          <a:p>
-            <a:r>
-              <a:rPr lang="en-US" altLang="zh-CN" dirty="0"/>
-              <a:t>3D</a:t>
-            </a:r>
-            <a:r>
-              <a:rPr lang="zh-CN" altLang="en-US" dirty="0"/>
-              <a:t>游戏编程大师</a:t>
-            </a:r>
-            <a:r>
-              <a:rPr lang="zh-CN" altLang="en-US" dirty="0" smtClean="0"/>
-              <a:t>技巧</a:t>
-            </a:r>
-            <a:endParaRPr lang="en-US" altLang="zh-CN" dirty="0" smtClean="0"/>
-          </a:p>
-          <a:p>
-            <a:r>
-              <a:rPr lang="en-US" altLang="zh-CN" dirty="0"/>
-              <a:t>https://github.com/SeventhMage/MagicX.git/trunk/SoftEngine</a:t>
-            </a:r>
-            <a:endParaRPr lang="en-US" altLang="zh-CN" dirty="0" smtClean="0"/>
-          </a:p>
-        </p:txBody>
-      </p:sp>
-    </p:spTree>
-  </p:cSld>
-  <p:clrMapOvr>
-    <a:masterClrMapping/>
-  </p:clrMapOvr>
-</p:sld>
-</file>
-
-<file path=ppt/slides/slide54.xml><?xml version="1.0" encoding="utf-8"?>
 <p:sld xmlns:a="http://schemas.openxmlformats.org/drawingml/2006/main" xmlns:r="http://schemas.openxmlformats.org/officeDocument/2006/relationships" xmlns:p="http://schemas.openxmlformats.org/presentationml/2006/main">
   <p:cSld>
     <p:spTree>
@@ -20537,7 +20074,7 @@
   <a:extraClrSchemeLst/>
   <a:extLst>
     <a:ext uri="{05A4C25C-085E-4340-85A3-A5531E510DB2}">
-      <thm15:themeFamily xmlns:thm15="http://schemas.microsoft.com/office/thememl/2012/main" xmlns="" name="Office Theme" id="{62F939B6-93AF-4DB8-9C6B-D6C7DFDC589F}" vid="{4A3C46E8-61CC-4603-A589-7422A47A8E4A}"/>
+      <thm15:themeFamily xmlns="" xmlns:thm15="http://schemas.microsoft.com/office/thememl/2012/main" name="Office Theme" id="{62F939B6-93AF-4DB8-9C6B-D6C7DFDC589F}" vid="{4A3C46E8-61CC-4603-A589-7422A47A8E4A}"/>
     </a:ext>
   </a:extLst>
 </a:theme>
@@ -20827,7 +20364,7 @@
   <a:extraClrSchemeLst/>
   <a:extLst>
     <a:ext uri="{05A4C25C-085E-4340-85A3-A5531E510DB2}">
-      <thm15:themeFamily xmlns:thm15="http://schemas.microsoft.com/office/thememl/2012/main" xmlns="" name="Office Theme" id="{62F939B6-93AF-4DB8-9C6B-D6C7DFDC589F}" vid="{4A3C46E8-61CC-4603-A589-7422A47A8E4A}"/>
+      <thm15:themeFamily xmlns="" xmlns:thm15="http://schemas.microsoft.com/office/thememl/2012/main" name="Office Theme" id="{62F939B6-93AF-4DB8-9C6B-D6C7DFDC589F}" vid="{4A3C46E8-61CC-4603-A589-7422A47A8E4A}"/>
     </a:ext>
   </a:extLst>
 </a:theme>
@@ -21117,7 +20654,7 @@
   <a:extraClrSchemeLst/>
   <a:extLst>
     <a:ext uri="{05A4C25C-085E-4340-85A3-A5531E510DB2}">
-      <thm15:themeFamily xmlns:thm15="http://schemas.microsoft.com/office/thememl/2012/main" xmlns="" name="Office Theme" id="{62F939B6-93AF-4DB8-9C6B-D6C7DFDC589F}" vid="{4A3C46E8-61CC-4603-A589-7422A47A8E4A}"/>
+      <thm15:themeFamily xmlns="" xmlns:thm15="http://schemas.microsoft.com/office/thememl/2012/main" name="Office Theme" id="{62F939B6-93AF-4DB8-9C6B-D6C7DFDC589F}" vid="{4A3C46E8-61CC-4603-A589-7422A47A8E4A}"/>
     </a:ext>
   </a:extLst>
 </a:theme>

--- a/SoftEngine/doc/SoftwareRender.pptx
+++ b/SoftEngine/doc/SoftwareRender.pptx
@@ -243,7 +243,7 @@
           <a:p>
             <a:fld id="{7FD73F73-AD69-480B-91F2-49106152900A}" type="datetimeFigureOut">
               <a:rPr lang="zh-CN" altLang="en-US" smtClean="0"/>
-              <a:t>2017/7/24</a:t>
+              <a:t>2017/7/25</a:t>
             </a:fld>
             <a:endParaRPr lang="zh-CN" altLang="en-US"/>
           </a:p>
@@ -713,7 +713,7 @@
           <a:p>
             <a:fld id="{2514DD5B-EB48-44C1-916F-AD55A63A68F5}" type="datetimeFigureOut">
               <a:rPr lang="zh-CN" altLang="en-US" smtClean="0"/>
-              <a:t>2017/7/24</a:t>
+              <a:t>2017/7/25</a:t>
             </a:fld>
             <a:endParaRPr lang="zh-CN" altLang="en-US"/>
           </a:p>
@@ -939,7 +939,7 @@
           <a:p>
             <a:fld id="{2514DD5B-EB48-44C1-916F-AD55A63A68F5}" type="datetimeFigureOut">
               <a:rPr lang="zh-CN" altLang="en-US" smtClean="0"/>
-              <a:t>2017/7/24</a:t>
+              <a:t>2017/7/25</a:t>
             </a:fld>
             <a:endParaRPr lang="zh-CN" altLang="en-US"/>
           </a:p>
@@ -1165,7 +1165,7 @@
           <a:p>
             <a:fld id="{2514DD5B-EB48-44C1-916F-AD55A63A68F5}" type="datetimeFigureOut">
               <a:rPr lang="zh-CN" altLang="en-US" smtClean="0"/>
-              <a:t>2017/7/24</a:t>
+              <a:t>2017/7/25</a:t>
             </a:fld>
             <a:endParaRPr lang="zh-CN" altLang="en-US"/>
           </a:p>
@@ -1456,7 +1456,7 @@
             </a:pPr>
             <a:fld id="{F71403BB-92A8-4EA5-ABE4-98C492677CAE}" type="datetimeFigureOut">
               <a:rPr lang="zh-CN" altLang="en-US"/>
-              <a:t>2017/7/24</a:t>
+              <a:t>2017/7/25</a:t>
             </a:fld>
             <a:endParaRPr lang="zh-CN" altLang="en-US"/>
           </a:p>
@@ -1691,7 +1691,7 @@
             </a:pPr>
             <a:fld id="{AEC6477A-40C2-4060-91A4-37CDFA1051CA}" type="datetimeFigureOut">
               <a:rPr lang="zh-CN" altLang="en-US"/>
-              <a:t>2017/7/24</a:t>
+              <a:t>2017/7/25</a:t>
             </a:fld>
             <a:endParaRPr lang="zh-CN" altLang="en-US"/>
           </a:p>
@@ -1992,7 +1992,7 @@
             </a:pPr>
             <a:fld id="{58475F68-B663-48A3-994D-F70226339840}" type="datetimeFigureOut">
               <a:rPr lang="zh-CN" altLang="en-US"/>
-              <a:t>2017/7/24</a:t>
+              <a:t>2017/7/25</a:t>
             </a:fld>
             <a:endParaRPr lang="zh-CN" altLang="en-US"/>
           </a:p>
@@ -2343,7 +2343,7 @@
             </a:pPr>
             <a:fld id="{C3DF3760-1FDD-45DA-B92D-40D7BAD3E073}" type="datetimeFigureOut">
               <a:rPr lang="zh-CN" altLang="en-US"/>
-              <a:t>2017/7/24</a:t>
+              <a:t>2017/7/25</a:t>
             </a:fld>
             <a:endParaRPr lang="zh-CN" altLang="en-US"/>
           </a:p>
@@ -2834,7 +2834,7 @@
             </a:pPr>
             <a:fld id="{2BB4692D-4F9F-4714-8CD9-7F4D411DDBAE}" type="datetimeFigureOut">
               <a:rPr lang="zh-CN" altLang="en-US"/>
-              <a:t>2017/7/24</a:t>
+              <a:t>2017/7/25</a:t>
             </a:fld>
             <a:endParaRPr lang="zh-CN" altLang="en-US"/>
           </a:p>
@@ -3009,7 +3009,7 @@
             </a:pPr>
             <a:fld id="{BABE76B1-8B75-4E09-9DA1-2E0A157BD0A2}" type="datetimeFigureOut">
               <a:rPr lang="zh-CN" altLang="en-US"/>
-              <a:t>2017/7/24</a:t>
+              <a:t>2017/7/25</a:t>
             </a:fld>
             <a:endParaRPr lang="zh-CN" altLang="en-US"/>
           </a:p>
@@ -3153,7 +3153,7 @@
             </a:pPr>
             <a:fld id="{1BDBF0B8-0DBF-4CE1-BFED-D7B9B575729D}" type="datetimeFigureOut">
               <a:rPr lang="zh-CN" altLang="en-US"/>
-              <a:t>2017/7/24</a:t>
+              <a:t>2017/7/25</a:t>
             </a:fld>
             <a:endParaRPr lang="zh-CN" altLang="en-US"/>
           </a:p>
@@ -3488,7 +3488,7 @@
             </a:pPr>
             <a:fld id="{D66CA537-7AFF-458D-B21C-EE8DCD0EEE64}" type="datetimeFigureOut">
               <a:rPr lang="zh-CN" altLang="en-US"/>
-              <a:t>2017/7/24</a:t>
+              <a:t>2017/7/25</a:t>
             </a:fld>
             <a:endParaRPr lang="zh-CN" altLang="en-US"/>
           </a:p>
@@ -3720,7 +3720,7 @@
           <a:p>
             <a:fld id="{2514DD5B-EB48-44C1-916F-AD55A63A68F5}" type="datetimeFigureOut">
               <a:rPr lang="zh-CN" altLang="en-US" smtClean="0"/>
-              <a:t>2017/7/24</a:t>
+              <a:t>2017/7/25</a:t>
             </a:fld>
             <a:endParaRPr lang="zh-CN" altLang="en-US"/>
           </a:p>
@@ -4029,7 +4029,7 @@
             </a:pPr>
             <a:fld id="{CEF2FE16-442D-4FAF-B5AF-BEFDEEC2B04D}" type="datetimeFigureOut">
               <a:rPr lang="zh-CN" altLang="en-US"/>
-              <a:t>2017/7/24</a:t>
+              <a:t>2017/7/25</a:t>
             </a:fld>
             <a:endParaRPr lang="zh-CN" altLang="en-US"/>
           </a:p>
@@ -4264,7 +4264,7 @@
             </a:pPr>
             <a:fld id="{3E304F96-D599-4277-9068-FD707730C01C}" type="datetimeFigureOut">
               <a:rPr lang="zh-CN" altLang="en-US"/>
-              <a:t>2017/7/24</a:t>
+              <a:t>2017/7/25</a:t>
             </a:fld>
             <a:endParaRPr lang="zh-CN" altLang="en-US"/>
           </a:p>
@@ -4499,7 +4499,7 @@
             </a:pPr>
             <a:fld id="{A1D5BC81-0728-4DF4-A1BC-5FCD1440A869}" type="datetimeFigureOut">
               <a:rPr lang="zh-CN" altLang="en-US"/>
-              <a:t>2017/7/24</a:t>
+              <a:t>2017/7/25</a:t>
             </a:fld>
             <a:endParaRPr lang="zh-CN" altLang="en-US"/>
           </a:p>
@@ -4797,7 +4797,7 @@
           <a:p>
             <a:fld id="{2514DD5B-EB48-44C1-916F-AD55A63A68F5}" type="datetimeFigureOut">
               <a:rPr lang="zh-CN" altLang="en-US" smtClean="0"/>
-              <a:t>2017/7/24</a:t>
+              <a:t>2017/7/25</a:t>
             </a:fld>
             <a:endParaRPr lang="zh-CN" altLang="en-US"/>
           </a:p>
@@ -5139,7 +5139,7 @@
           <a:p>
             <a:fld id="{2514DD5B-EB48-44C1-916F-AD55A63A68F5}" type="datetimeFigureOut">
               <a:rPr lang="zh-CN" altLang="en-US" smtClean="0"/>
-              <a:t>2017/7/24</a:t>
+              <a:t>2017/7/25</a:t>
             </a:fld>
             <a:endParaRPr lang="zh-CN" altLang="en-US"/>
           </a:p>
@@ -5621,7 +5621,7 @@
           <a:p>
             <a:fld id="{2514DD5B-EB48-44C1-916F-AD55A63A68F5}" type="datetimeFigureOut">
               <a:rPr lang="zh-CN" altLang="en-US" smtClean="0"/>
-              <a:t>2017/7/24</a:t>
+              <a:t>2017/7/25</a:t>
             </a:fld>
             <a:endParaRPr lang="zh-CN" altLang="en-US"/>
           </a:p>
@@ -5787,7 +5787,7 @@
           <a:p>
             <a:fld id="{2514DD5B-EB48-44C1-916F-AD55A63A68F5}" type="datetimeFigureOut">
               <a:rPr lang="zh-CN" altLang="en-US" smtClean="0"/>
-              <a:t>2017/7/24</a:t>
+              <a:t>2017/7/25</a:t>
             </a:fld>
             <a:endParaRPr lang="zh-CN" altLang="en-US"/>
           </a:p>
@@ -5922,7 +5922,7 @@
           <a:p>
             <a:fld id="{2514DD5B-EB48-44C1-916F-AD55A63A68F5}" type="datetimeFigureOut">
               <a:rPr lang="zh-CN" altLang="en-US" smtClean="0"/>
-              <a:t>2017/7/24</a:t>
+              <a:t>2017/7/25</a:t>
             </a:fld>
             <a:endParaRPr lang="zh-CN" altLang="en-US"/>
           </a:p>
@@ -6248,7 +6248,7 @@
           <a:p>
             <a:fld id="{2514DD5B-EB48-44C1-916F-AD55A63A68F5}" type="datetimeFigureOut">
               <a:rPr lang="zh-CN" altLang="en-US" smtClean="0"/>
-              <a:t>2017/7/24</a:t>
+              <a:t>2017/7/25</a:t>
             </a:fld>
             <a:endParaRPr lang="zh-CN" altLang="en-US"/>
           </a:p>
@@ -6554,7 +6554,7 @@
           <a:p>
             <a:fld id="{2514DD5B-EB48-44C1-916F-AD55A63A68F5}" type="datetimeFigureOut">
               <a:rPr lang="zh-CN" altLang="en-US" smtClean="0"/>
-              <a:t>2017/7/24</a:t>
+              <a:t>2017/7/25</a:t>
             </a:fld>
             <a:endParaRPr lang="zh-CN" altLang="en-US"/>
           </a:p>
@@ -9031,11 +9031,7 @@
             </a:r>
             <a:r>
               <a:rPr lang="zh-CN" altLang="en-US" sz="2000" dirty="0" smtClean="0"/>
-              <a:t>平面中的一个二</a:t>
-            </a:r>
-            <a:r>
-              <a:rPr lang="zh-CN" altLang="en-US" sz="2000" dirty="0" smtClean="0"/>
-              <a:t>维单位向量</a:t>
+              <a:t>平面中的一个二维单位向量</a:t>
             </a:r>
             <a:r>
               <a:rPr lang="en-US" altLang="zh-CN" sz="2000" dirty="0" smtClean="0"/>
@@ -9043,11 +9039,7 @@
             </a:r>
             <a:r>
               <a:rPr lang="zh-CN" altLang="en-US" sz="2000" dirty="0" smtClean="0"/>
-              <a:t>将</a:t>
-            </a:r>
-            <a:r>
-              <a:rPr lang="zh-CN" altLang="en-US" sz="2000" dirty="0" smtClean="0"/>
-              <a:t>其</a:t>
+              <a:t>将其</a:t>
             </a:r>
             <a:r>
               <a:rPr lang="en-US" altLang="zh-CN" sz="2000" dirty="0" smtClean="0"/>
@@ -9071,11 +9063,7 @@
             </a:r>
             <a:r>
               <a:rPr lang="zh-CN" altLang="en-US" sz="2000" dirty="0" smtClean="0"/>
-              <a:t>坐标</a:t>
-            </a:r>
-            <a:r>
-              <a:rPr lang="zh-CN" altLang="en-US" sz="2000" dirty="0" smtClean="0"/>
-              <a:t>取反，即实现向量</a:t>
+              <a:t>坐标取反，即实现向量</a:t>
             </a:r>
             <a:r>
               <a:rPr lang="en-US" altLang="zh-CN" sz="2000" dirty="0" smtClean="0"/>
@@ -9091,15 +9079,7 @@
             </a:r>
             <a:r>
               <a:rPr lang="zh-CN" altLang="en-US" sz="2000" dirty="0" smtClean="0"/>
-              <a:t>度逆时针旋转，旋转后</a:t>
-            </a:r>
-            <a:r>
-              <a:rPr lang="zh-CN" altLang="en-US" sz="2000" dirty="0" smtClean="0"/>
-              <a:t>的向量</a:t>
-            </a:r>
-            <a:r>
-              <a:rPr lang="zh-CN" altLang="en-US" sz="2000" dirty="0" smtClean="0"/>
-              <a:t>为</a:t>
+              <a:t>度逆时针旋转，旋转后的向量为</a:t>
             </a:r>
             <a:r>
               <a:rPr lang="en-US" altLang="zh-CN" sz="2000" dirty="0" smtClean="0"/>
@@ -9155,15 +9135,7 @@
             </a:r>
             <a:r>
               <a:rPr lang="zh-CN" altLang="en-US" sz="2000" dirty="0" smtClean="0"/>
-              <a:t>平面中的任何向量都可表示成两</a:t>
-            </a:r>
-            <a:r>
-              <a:rPr lang="zh-CN" altLang="en-US" sz="2000" dirty="0" smtClean="0"/>
-              <a:t>个向量</a:t>
-            </a:r>
-            <a:r>
-              <a:rPr lang="zh-CN" altLang="en-US" sz="2000" dirty="0" smtClean="0"/>
-              <a:t>的线性组合。向量</a:t>
+              <a:t>平面中的任何向量都可表示成两个向量的线性组合。向量</a:t>
             </a:r>
             <a:r>
               <a:rPr lang="en-US" altLang="zh-CN" sz="2000" dirty="0" smtClean="0"/>
@@ -9203,15 +9175,7 @@
             </a:r>
             <a:r>
               <a:rPr lang="zh-CN" altLang="en-US" sz="2000" dirty="0" smtClean="0"/>
-              <a:t>的</a:t>
-            </a:r>
-            <a:r>
-              <a:rPr lang="zh-CN" altLang="en-US" sz="2000" dirty="0" smtClean="0"/>
-              <a:t>平行的</a:t>
-            </a:r>
-            <a:r>
-              <a:rPr lang="zh-CN" altLang="en-US" sz="2000" dirty="0" smtClean="0"/>
-              <a:t>两个分量组成，即</a:t>
+              <a:t>的平行的两个分量组成，即</a:t>
             </a:r>
             <a:endParaRPr lang="en-US" altLang="zh-CN" sz="2000" dirty="0" smtClean="0"/>
           </a:p>
@@ -9905,11 +9869,7 @@
             </a:r>
             <a:r>
               <a:rPr lang="zh-CN" altLang="en-US" sz="1600" dirty="0" smtClean="0"/>
-              <a:t>旋转问题</a:t>
-            </a:r>
-            <a:r>
-              <a:rPr lang="zh-CN" altLang="en-US" sz="1600" dirty="0" smtClean="0"/>
-              <a:t>。</a:t>
+              <a:t>旋转问题。</a:t>
             </a:r>
             <a:endParaRPr lang="en-US" altLang="zh-CN" sz="1600" dirty="0" smtClean="0"/>
           </a:p>
@@ -10252,11 +10212,7 @@
             </a:r>
             <a:r>
               <a:rPr lang="zh-CN" altLang="en-US" dirty="0" smtClean="0"/>
-              <a:t>整理</a:t>
-            </a:r>
-            <a:r>
-              <a:rPr lang="zh-CN" altLang="en-US" dirty="0" smtClean="0"/>
-              <a:t>后得：</a:t>
+              <a:t>整理后得：</a:t>
             </a:r>
             <a:endParaRPr lang="en-US" altLang="zh-CN" dirty="0" smtClean="0"/>
           </a:p>
@@ -13941,10 +13897,18 @@
             </a:r>
             <a:r>
               <a:rPr lang="zh-CN" altLang="en-US" sz="2000" dirty="0" smtClean="0"/>
-              <a:t>缓存为最大</a:t>
-            </a:r>
-            <a:r>
-              <a:rPr lang="en-US" altLang="zh-CN" sz="2000" dirty="0" smtClean="0"/>
+              <a:t>缓存</a:t>
+            </a:r>
+            <a:r>
+              <a:rPr lang="zh-CN" altLang="en-US" sz="2000" smtClean="0"/>
+              <a:t>为</a:t>
+            </a:r>
+            <a:r>
+              <a:rPr lang="zh-CN" altLang="en-US" sz="2000" smtClean="0"/>
+              <a:t>最小</a:t>
+            </a:r>
+            <a:r>
+              <a:rPr lang="en-US" altLang="zh-CN" sz="2000" smtClean="0"/>
               <a:t>z</a:t>
             </a:r>
             <a:r>
@@ -14517,11 +14481,7 @@
           <a:p>
             <a:r>
               <a:rPr lang="zh-CN" altLang="en-US" dirty="0" smtClean="0"/>
-              <a:t>透视</a:t>
-            </a:r>
-            <a:r>
-              <a:rPr lang="zh-CN" altLang="en-US" dirty="0" smtClean="0"/>
-              <a:t>校正</a:t>
+              <a:t>透视校正</a:t>
             </a:r>
             <a:endParaRPr lang="en-US" altLang="zh-CN" dirty="0" smtClean="0"/>
           </a:p>
@@ -20074,7 +20034,7 @@
   <a:extraClrSchemeLst/>
   <a:extLst>
     <a:ext uri="{05A4C25C-085E-4340-85A3-A5531E510DB2}">
-      <thm15:themeFamily xmlns="" xmlns:thm15="http://schemas.microsoft.com/office/thememl/2012/main" name="Office Theme" id="{62F939B6-93AF-4DB8-9C6B-D6C7DFDC589F}" vid="{4A3C46E8-61CC-4603-A589-7422A47A8E4A}"/>
+      <thm15:themeFamily xmlns:thm15="http://schemas.microsoft.com/office/thememl/2012/main" xmlns="" name="Office Theme" id="{62F939B6-93AF-4DB8-9C6B-D6C7DFDC589F}" vid="{4A3C46E8-61CC-4603-A589-7422A47A8E4A}"/>
     </a:ext>
   </a:extLst>
 </a:theme>
@@ -20364,7 +20324,7 @@
   <a:extraClrSchemeLst/>
   <a:extLst>
     <a:ext uri="{05A4C25C-085E-4340-85A3-A5531E510DB2}">
-      <thm15:themeFamily xmlns="" xmlns:thm15="http://schemas.microsoft.com/office/thememl/2012/main" name="Office Theme" id="{62F939B6-93AF-4DB8-9C6B-D6C7DFDC589F}" vid="{4A3C46E8-61CC-4603-A589-7422A47A8E4A}"/>
+      <thm15:themeFamily xmlns:thm15="http://schemas.microsoft.com/office/thememl/2012/main" xmlns="" name="Office Theme" id="{62F939B6-93AF-4DB8-9C6B-D6C7DFDC589F}" vid="{4A3C46E8-61CC-4603-A589-7422A47A8E4A}"/>
     </a:ext>
   </a:extLst>
 </a:theme>
@@ -20654,7 +20614,7 @@
   <a:extraClrSchemeLst/>
   <a:extLst>
     <a:ext uri="{05A4C25C-085E-4340-85A3-A5531E510DB2}">
-      <thm15:themeFamily xmlns="" xmlns:thm15="http://schemas.microsoft.com/office/thememl/2012/main" name="Office Theme" id="{62F939B6-93AF-4DB8-9C6B-D6C7DFDC589F}" vid="{4A3C46E8-61CC-4603-A589-7422A47A8E4A}"/>
+      <thm15:themeFamily xmlns:thm15="http://schemas.microsoft.com/office/thememl/2012/main" xmlns="" name="Office Theme" id="{62F939B6-93AF-4DB8-9C6B-D6C7DFDC589F}" vid="{4A3C46E8-61CC-4603-A589-7422A47A8E4A}"/>
     </a:ext>
   </a:extLst>
 </a:theme>
